--- a/LuftfeuchtigkeitssensorenPP.pptx
+++ b/LuftfeuchtigkeitssensorenPP.pptx
@@ -9,9 +9,11 @@
     <p:sldId id="257" r:id="rId3"/>
     <p:sldId id="258" r:id="rId4"/>
     <p:sldId id="259" r:id="rId5"/>
-    <p:sldId id="260" r:id="rId6"/>
-    <p:sldId id="261" r:id="rId7"/>
-    <p:sldId id="262" r:id="rId8"/>
+    <p:sldId id="265" r:id="rId6"/>
+    <p:sldId id="260" r:id="rId7"/>
+    <p:sldId id="264" r:id="rId8"/>
+    <p:sldId id="261" r:id="rId9"/>
+    <p:sldId id="262" r:id="rId10"/>
   </p:sldIdLst>
   <p:sldSz cx="12192000" cy="6858000"/>
   <p:notesSz cx="6858000" cy="9144000"/>
@@ -110,6 +112,11 @@
       </a:defRPr>
     </a:lvl9pPr>
   </p:defaultTextStyle>
+  <p:extLst>
+    <p:ext uri="{EFAFB233-063F-42B5-8137-9DF3F51BA10A}">
+      <p15:sldGuideLst xmlns:p15="http://schemas.microsoft.com/office/powerpoint/2012/main"/>
+    </p:ext>
+  </p:extLst>
 </p:presentation>
 </file>
 
@@ -163,7 +170,7 @@
           <a:noFill/>
           <a:extLst>
             <a:ext uri="{909E8E84-426E-40dd-AFC4-6F175D3DCCD1}">
-              <a14:hiddenFill xmlns:a14="http://schemas.microsoft.com/office/drawing/2010/main" xmlns="">
+              <a14:hiddenFill xmlns="" xmlns:a14="http://schemas.microsoft.com/office/drawing/2010/main">
                 <a:solidFill>
                   <a:srgbClr val="FFFFFF"/>
                 </a:solidFill>
@@ -223,7 +230,7 @@
             </a:ln>
             <a:extLst>
               <a:ext uri="{91240B29-F687-4f45-9708-019B960494DF}">
-                <a14:hiddenLine xmlns:a14="http://schemas.microsoft.com/office/drawing/2010/main" xmlns="" w="9525">
+                <a14:hiddenLine xmlns="" xmlns:a14="http://schemas.microsoft.com/office/drawing/2010/main" w="9525">
                   <a:solidFill>
                     <a:srgbClr val="000000"/>
                   </a:solidFill>
@@ -313,7 +320,7 @@
             </a:ln>
             <a:extLst>
               <a:ext uri="{91240B29-F687-4f45-9708-019B960494DF}">
-                <a14:hiddenLine xmlns:a14="http://schemas.microsoft.com/office/drawing/2010/main" xmlns="" w="9525">
+                <a14:hiddenLine xmlns="" xmlns:a14="http://schemas.microsoft.com/office/drawing/2010/main" w="9525">
                   <a:solidFill>
                     <a:srgbClr val="000000"/>
                   </a:solidFill>
@@ -403,7 +410,7 @@
             </a:ln>
             <a:extLst>
               <a:ext uri="{91240B29-F687-4f45-9708-019B960494DF}">
-                <a14:hiddenLine xmlns:a14="http://schemas.microsoft.com/office/drawing/2010/main" xmlns="" w="9525">
+                <a14:hiddenLine xmlns="" xmlns:a14="http://schemas.microsoft.com/office/drawing/2010/main" w="9525">
                   <a:solidFill>
                     <a:srgbClr val="000000"/>
                   </a:solidFill>
@@ -437,7 +444,7 @@
             </a:ln>
             <a:extLst>
               <a:ext uri="{91240B29-F687-4f45-9708-019B960494DF}">
-                <a14:hiddenLine xmlns:a14="http://schemas.microsoft.com/office/drawing/2010/main" xmlns="" w="9525">
+                <a14:hiddenLine xmlns="" xmlns:a14="http://schemas.microsoft.com/office/drawing/2010/main" w="9525">
                   <a:solidFill>
                     <a:srgbClr val="000000"/>
                   </a:solidFill>
@@ -527,7 +534,7 @@
             </a:ln>
             <a:extLst>
               <a:ext uri="{91240B29-F687-4f45-9708-019B960494DF}">
-                <a14:hiddenLine xmlns:a14="http://schemas.microsoft.com/office/drawing/2010/main" xmlns="" w="9525">
+                <a14:hiddenLine xmlns="" xmlns:a14="http://schemas.microsoft.com/office/drawing/2010/main" w="9525">
                   <a:solidFill>
                     <a:srgbClr val="000000"/>
                   </a:solidFill>
@@ -589,7 +596,7 @@
             </a:ln>
             <a:extLst>
               <a:ext uri="{91240B29-F687-4f45-9708-019B960494DF}">
-                <a14:hiddenLine xmlns:a14="http://schemas.microsoft.com/office/drawing/2010/main" xmlns="" w="9525">
+                <a14:hiddenLine xmlns="" xmlns:a14="http://schemas.microsoft.com/office/drawing/2010/main" w="9525">
                   <a:solidFill>
                     <a:srgbClr val="000000"/>
                   </a:solidFill>
@@ -651,7 +658,7 @@
             </a:ln>
             <a:extLst>
               <a:ext uri="{91240B29-F687-4f45-9708-019B960494DF}">
-                <a14:hiddenLine xmlns:a14="http://schemas.microsoft.com/office/drawing/2010/main" xmlns="" w="9525">
+                <a14:hiddenLine xmlns="" xmlns:a14="http://schemas.microsoft.com/office/drawing/2010/main" w="9525">
                   <a:solidFill>
                     <a:srgbClr val="000000"/>
                   </a:solidFill>
@@ -741,7 +748,7 @@
             </a:ln>
             <a:extLst>
               <a:ext uri="{91240B29-F687-4f45-9708-019B960494DF}">
-                <a14:hiddenLine xmlns:a14="http://schemas.microsoft.com/office/drawing/2010/main" xmlns="" w="9525">
+                <a14:hiddenLine xmlns="" xmlns:a14="http://schemas.microsoft.com/office/drawing/2010/main" w="9525">
                   <a:solidFill>
                     <a:srgbClr val="000000"/>
                   </a:solidFill>
@@ -803,7 +810,7 @@
             </a:ln>
             <a:extLst>
               <a:ext uri="{91240B29-F687-4f45-9708-019B960494DF}">
-                <a14:hiddenLine xmlns:a14="http://schemas.microsoft.com/office/drawing/2010/main" xmlns="" w="9525">
+                <a14:hiddenLine xmlns="" xmlns:a14="http://schemas.microsoft.com/office/drawing/2010/main" w="9525">
                   <a:solidFill>
                     <a:srgbClr val="000000"/>
                   </a:solidFill>
@@ -865,7 +872,7 @@
             </a:ln>
             <a:extLst>
               <a:ext uri="{91240B29-F687-4f45-9708-019B960494DF}">
-                <a14:hiddenLine xmlns:a14="http://schemas.microsoft.com/office/drawing/2010/main" xmlns="" w="9525">
+                <a14:hiddenLine xmlns="" xmlns:a14="http://schemas.microsoft.com/office/drawing/2010/main" w="9525">
                   <a:solidFill>
                     <a:srgbClr val="000000"/>
                   </a:solidFill>
@@ -955,7 +962,7 @@
             </a:ln>
             <a:extLst>
               <a:ext uri="{91240B29-F687-4f45-9708-019B960494DF}">
-                <a14:hiddenLine xmlns:a14="http://schemas.microsoft.com/office/drawing/2010/main" xmlns="" w="9525">
+                <a14:hiddenLine xmlns="" xmlns:a14="http://schemas.microsoft.com/office/drawing/2010/main" w="9525">
                   <a:solidFill>
                     <a:srgbClr val="000000"/>
                   </a:solidFill>
@@ -1045,7 +1052,7 @@
             </a:ln>
             <a:extLst>
               <a:ext uri="{91240B29-F687-4f45-9708-019B960494DF}">
-                <a14:hiddenLine xmlns:a14="http://schemas.microsoft.com/office/drawing/2010/main" xmlns="" w="9525">
+                <a14:hiddenLine xmlns="" xmlns:a14="http://schemas.microsoft.com/office/drawing/2010/main" w="9525">
                   <a:solidFill>
                     <a:srgbClr val="000000"/>
                   </a:solidFill>
@@ -1107,7 +1114,7 @@
             </a:ln>
             <a:extLst>
               <a:ext uri="{91240B29-F687-4f45-9708-019B960494DF}">
-                <a14:hiddenLine xmlns:a14="http://schemas.microsoft.com/office/drawing/2010/main" xmlns="" w="9525">
+                <a14:hiddenLine xmlns="" xmlns:a14="http://schemas.microsoft.com/office/drawing/2010/main" w="9525">
                   <a:solidFill>
                     <a:srgbClr val="000000"/>
                   </a:solidFill>
@@ -1217,7 +1224,7 @@
             </a:ln>
             <a:extLst>
               <a:ext uri="{91240B29-F687-4f45-9708-019B960494DF}">
-                <a14:hiddenLine xmlns:a14="http://schemas.microsoft.com/office/drawing/2010/main" xmlns="" w="9525">
+                <a14:hiddenLine xmlns="" xmlns:a14="http://schemas.microsoft.com/office/drawing/2010/main" w="9525">
                   <a:solidFill>
                     <a:srgbClr val="000000"/>
                   </a:solidFill>
@@ -1279,7 +1286,7 @@
             </a:ln>
             <a:extLst>
               <a:ext uri="{91240B29-F687-4f45-9708-019B960494DF}">
-                <a14:hiddenLine xmlns:a14="http://schemas.microsoft.com/office/drawing/2010/main" xmlns="" w="9525">
+                <a14:hiddenLine xmlns="" xmlns:a14="http://schemas.microsoft.com/office/drawing/2010/main" w="9525">
                   <a:solidFill>
                     <a:srgbClr val="000000"/>
                   </a:solidFill>
@@ -1369,7 +1376,7 @@
             </a:ln>
             <a:extLst>
               <a:ext uri="{91240B29-F687-4f45-9708-019B960494DF}">
-                <a14:hiddenLine xmlns:a14="http://schemas.microsoft.com/office/drawing/2010/main" xmlns="" w="9525">
+                <a14:hiddenLine xmlns="" xmlns:a14="http://schemas.microsoft.com/office/drawing/2010/main" w="9525">
                   <a:solidFill>
                     <a:srgbClr val="000000"/>
                   </a:solidFill>
@@ -1459,7 +1466,7 @@
             </a:ln>
             <a:extLst>
               <a:ext uri="{91240B29-F687-4f45-9708-019B960494DF}">
-                <a14:hiddenLine xmlns:a14="http://schemas.microsoft.com/office/drawing/2010/main" xmlns="" w="9525">
+                <a14:hiddenLine xmlns="" xmlns:a14="http://schemas.microsoft.com/office/drawing/2010/main" w="9525">
                   <a:solidFill>
                     <a:srgbClr val="000000"/>
                   </a:solidFill>
@@ -1521,7 +1528,7 @@
             </a:ln>
             <a:extLst>
               <a:ext uri="{91240B29-F687-4f45-9708-019B960494DF}">
-                <a14:hiddenLine xmlns:a14="http://schemas.microsoft.com/office/drawing/2010/main" xmlns="" w="9525">
+                <a14:hiddenLine xmlns="" xmlns:a14="http://schemas.microsoft.com/office/drawing/2010/main" w="9525">
                   <a:solidFill>
                     <a:srgbClr val="000000"/>
                   </a:solidFill>
@@ -1611,7 +1618,7 @@
             </a:ln>
             <a:extLst>
               <a:ext uri="{91240B29-F687-4f45-9708-019B960494DF}">
-                <a14:hiddenLine xmlns:a14="http://schemas.microsoft.com/office/drawing/2010/main" xmlns="" w="9525">
+                <a14:hiddenLine xmlns="" xmlns:a14="http://schemas.microsoft.com/office/drawing/2010/main" w="9525">
                   <a:solidFill>
                     <a:srgbClr val="000000"/>
                   </a:solidFill>
@@ -1701,7 +1708,7 @@
             </a:ln>
             <a:extLst>
               <a:ext uri="{91240B29-F687-4f45-9708-019B960494DF}">
-                <a14:hiddenLine xmlns:a14="http://schemas.microsoft.com/office/drawing/2010/main" xmlns="" w="9525">
+                <a14:hiddenLine xmlns="" xmlns:a14="http://schemas.microsoft.com/office/drawing/2010/main" w="9525">
                   <a:solidFill>
                     <a:srgbClr val="000000"/>
                   </a:solidFill>
@@ -1757,7 +1764,7 @@
             </a:ln>
             <a:extLst>
               <a:ext uri="{91240B29-F687-4f45-9708-019B960494DF}">
-                <a14:hiddenLine xmlns:a14="http://schemas.microsoft.com/office/drawing/2010/main" xmlns="" w="9525">
+                <a14:hiddenLine xmlns="" xmlns:a14="http://schemas.microsoft.com/office/drawing/2010/main" w="9525">
                   <a:solidFill>
                     <a:srgbClr val="000000"/>
                   </a:solidFill>
@@ -1847,7 +1854,7 @@
             </a:ln>
             <a:extLst>
               <a:ext uri="{91240B29-F687-4f45-9708-019B960494DF}">
-                <a14:hiddenLine xmlns:a14="http://schemas.microsoft.com/office/drawing/2010/main" xmlns="" w="9525">
+                <a14:hiddenLine xmlns="" xmlns:a14="http://schemas.microsoft.com/office/drawing/2010/main" w="9525">
                   <a:solidFill>
                     <a:srgbClr val="000000"/>
                   </a:solidFill>
@@ -1903,7 +1910,7 @@
             </a:ln>
             <a:extLst>
               <a:ext uri="{91240B29-F687-4f45-9708-019B960494DF}">
-                <a14:hiddenLine xmlns:a14="http://schemas.microsoft.com/office/drawing/2010/main" xmlns="" w="9525">
+                <a14:hiddenLine xmlns="" xmlns:a14="http://schemas.microsoft.com/office/drawing/2010/main" w="9525">
                   <a:solidFill>
                     <a:srgbClr val="000000"/>
                   </a:solidFill>
@@ -1993,7 +2000,7 @@
             </a:ln>
             <a:extLst>
               <a:ext uri="{91240B29-F687-4f45-9708-019B960494DF}">
-                <a14:hiddenLine xmlns:a14="http://schemas.microsoft.com/office/drawing/2010/main" xmlns="" w="9525">
+                <a14:hiddenLine xmlns="" xmlns:a14="http://schemas.microsoft.com/office/drawing/2010/main" w="9525">
                   <a:solidFill>
                     <a:srgbClr val="000000"/>
                   </a:solidFill>
@@ -2061,7 +2068,7 @@
             </a:ln>
             <a:extLst>
               <a:ext uri="{91240B29-F687-4f45-9708-019B960494DF}">
-                <a14:hiddenLine xmlns:a14="http://schemas.microsoft.com/office/drawing/2010/main" xmlns="" w="9525">
+                <a14:hiddenLine xmlns="" xmlns:a14="http://schemas.microsoft.com/office/drawing/2010/main" w="9525">
                   <a:solidFill>
                     <a:srgbClr val="000000"/>
                   </a:solidFill>
@@ -2151,7 +2158,7 @@
             </a:ln>
             <a:extLst>
               <a:ext uri="{91240B29-F687-4f45-9708-019B960494DF}">
-                <a14:hiddenLine xmlns:a14="http://schemas.microsoft.com/office/drawing/2010/main" xmlns="" w="9525">
+                <a14:hiddenLine xmlns="" xmlns:a14="http://schemas.microsoft.com/office/drawing/2010/main" w="9525">
                   <a:solidFill>
                     <a:srgbClr val="000000"/>
                   </a:solidFill>
@@ -2219,7 +2226,7 @@
             </a:ln>
             <a:extLst>
               <a:ext uri="{91240B29-F687-4f45-9708-019B960494DF}">
-                <a14:hiddenLine xmlns:a14="http://schemas.microsoft.com/office/drawing/2010/main" xmlns="" w="9525">
+                <a14:hiddenLine xmlns="" xmlns:a14="http://schemas.microsoft.com/office/drawing/2010/main" w="9525">
                   <a:solidFill>
                     <a:srgbClr val="000000"/>
                   </a:solidFill>
@@ -2309,7 +2316,7 @@
             </a:ln>
             <a:extLst>
               <a:ext uri="{91240B29-F687-4f45-9708-019B960494DF}">
-                <a14:hiddenLine xmlns:a14="http://schemas.microsoft.com/office/drawing/2010/main" xmlns="" w="9525">
+                <a14:hiddenLine xmlns="" xmlns:a14="http://schemas.microsoft.com/office/drawing/2010/main" w="9525">
                   <a:solidFill>
                     <a:srgbClr val="000000"/>
                   </a:solidFill>
@@ -2343,7 +2350,7 @@
             </a:ln>
             <a:extLst>
               <a:ext uri="{91240B29-F687-4f45-9708-019B960494DF}">
-                <a14:hiddenLine xmlns:a14="http://schemas.microsoft.com/office/drawing/2010/main" xmlns="" w="9525">
+                <a14:hiddenLine xmlns="" xmlns:a14="http://schemas.microsoft.com/office/drawing/2010/main" w="9525">
                   <a:solidFill>
                     <a:srgbClr val="000000"/>
                   </a:solidFill>
@@ -2433,7 +2440,7 @@
             </a:ln>
             <a:extLst>
               <a:ext uri="{91240B29-F687-4f45-9708-019B960494DF}">
-                <a14:hiddenLine xmlns:a14="http://schemas.microsoft.com/office/drawing/2010/main" xmlns="" w="9525">
+                <a14:hiddenLine xmlns="" xmlns:a14="http://schemas.microsoft.com/office/drawing/2010/main" w="9525">
                   <a:solidFill>
                     <a:srgbClr val="000000"/>
                   </a:solidFill>
@@ -2495,7 +2502,7 @@
             </a:ln>
             <a:extLst>
               <a:ext uri="{91240B29-F687-4f45-9708-019B960494DF}">
-                <a14:hiddenLine xmlns:a14="http://schemas.microsoft.com/office/drawing/2010/main" xmlns="" w="9525">
+                <a14:hiddenLine xmlns="" xmlns:a14="http://schemas.microsoft.com/office/drawing/2010/main" w="9525">
                   <a:solidFill>
                     <a:srgbClr val="000000"/>
                   </a:solidFill>
@@ -2557,7 +2564,7 @@
             </a:ln>
             <a:extLst>
               <a:ext uri="{91240B29-F687-4f45-9708-019B960494DF}">
-                <a14:hiddenLine xmlns:a14="http://schemas.microsoft.com/office/drawing/2010/main" xmlns="" w="9525">
+                <a14:hiddenLine xmlns="" xmlns:a14="http://schemas.microsoft.com/office/drawing/2010/main" w="9525">
                   <a:solidFill>
                     <a:srgbClr val="000000"/>
                   </a:solidFill>
@@ -2647,7 +2654,7 @@
             </a:ln>
             <a:extLst>
               <a:ext uri="{91240B29-F687-4f45-9708-019B960494DF}">
-                <a14:hiddenLine xmlns:a14="http://schemas.microsoft.com/office/drawing/2010/main" xmlns="" w="9525">
+                <a14:hiddenLine xmlns="" xmlns:a14="http://schemas.microsoft.com/office/drawing/2010/main" w="9525">
                   <a:solidFill>
                     <a:srgbClr val="000000"/>
                   </a:solidFill>
@@ -2715,7 +2722,7 @@
             </a:ln>
             <a:extLst>
               <a:ext uri="{91240B29-F687-4f45-9708-019B960494DF}">
-                <a14:hiddenLine xmlns:a14="http://schemas.microsoft.com/office/drawing/2010/main" xmlns="" w="9525">
+                <a14:hiddenLine xmlns="" xmlns:a14="http://schemas.microsoft.com/office/drawing/2010/main" w="9525">
                   <a:solidFill>
                     <a:srgbClr val="000000"/>
                   </a:solidFill>
@@ -2777,7 +2784,7 @@
             </a:ln>
             <a:extLst>
               <a:ext uri="{91240B29-F687-4f45-9708-019B960494DF}">
-                <a14:hiddenLine xmlns:a14="http://schemas.microsoft.com/office/drawing/2010/main" xmlns="" w="9525">
+                <a14:hiddenLine xmlns="" xmlns:a14="http://schemas.microsoft.com/office/drawing/2010/main" w="9525">
                   <a:solidFill>
                     <a:srgbClr val="000000"/>
                   </a:solidFill>
@@ -2867,7 +2874,7 @@
             </a:ln>
             <a:extLst>
               <a:ext uri="{91240B29-F687-4f45-9708-019B960494DF}">
-                <a14:hiddenLine xmlns:a14="http://schemas.microsoft.com/office/drawing/2010/main" xmlns="" w="9525">
+                <a14:hiddenLine xmlns="" xmlns:a14="http://schemas.microsoft.com/office/drawing/2010/main" w="9525">
                   <a:solidFill>
                     <a:srgbClr val="000000"/>
                   </a:solidFill>
@@ -2929,7 +2936,7 @@
             </a:ln>
             <a:extLst>
               <a:ext uri="{91240B29-F687-4f45-9708-019B960494DF}">
-                <a14:hiddenLine xmlns:a14="http://schemas.microsoft.com/office/drawing/2010/main" xmlns="" w="9525">
+                <a14:hiddenLine xmlns="" xmlns:a14="http://schemas.microsoft.com/office/drawing/2010/main" w="9525">
                   <a:solidFill>
                     <a:srgbClr val="000000"/>
                   </a:solidFill>
@@ -3019,7 +3026,7 @@
             </a:ln>
             <a:extLst>
               <a:ext uri="{91240B29-F687-4f45-9708-019B960494DF}">
-                <a14:hiddenLine xmlns:a14="http://schemas.microsoft.com/office/drawing/2010/main" xmlns="" w="9525">
+                <a14:hiddenLine xmlns="" xmlns:a14="http://schemas.microsoft.com/office/drawing/2010/main" w="9525">
                   <a:solidFill>
                     <a:srgbClr val="000000"/>
                   </a:solidFill>
@@ -3081,7 +3088,7 @@
             </a:ln>
             <a:extLst>
               <a:ext uri="{91240B29-F687-4f45-9708-019B960494DF}">
-                <a14:hiddenLine xmlns:a14="http://schemas.microsoft.com/office/drawing/2010/main" xmlns="" w="9525">
+                <a14:hiddenLine xmlns="" xmlns:a14="http://schemas.microsoft.com/office/drawing/2010/main" w="9525">
                   <a:solidFill>
                     <a:srgbClr val="000000"/>
                   </a:solidFill>
@@ -3171,7 +3178,7 @@
             </a:ln>
             <a:extLst>
               <a:ext uri="{91240B29-F687-4f45-9708-019B960494DF}">
-                <a14:hiddenLine xmlns:a14="http://schemas.microsoft.com/office/drawing/2010/main" xmlns="" w="9525">
+                <a14:hiddenLine xmlns="" xmlns:a14="http://schemas.microsoft.com/office/drawing/2010/main" w="9525">
                   <a:solidFill>
                     <a:srgbClr val="000000"/>
                   </a:solidFill>
@@ -3205,7 +3212,7 @@
             </a:ln>
             <a:extLst>
               <a:ext uri="{91240B29-F687-4f45-9708-019B960494DF}">
-                <a14:hiddenLine xmlns:a14="http://schemas.microsoft.com/office/drawing/2010/main" xmlns="" w="9525">
+                <a14:hiddenLine xmlns="" xmlns:a14="http://schemas.microsoft.com/office/drawing/2010/main" w="9525">
                   <a:solidFill>
                     <a:srgbClr val="000000"/>
                   </a:solidFill>
@@ -3270,7 +3277,7 @@
             </a:ln>
             <a:extLst>
               <a:ext uri="{91240B29-F687-4f45-9708-019B960494DF}">
-                <a14:hiddenLine xmlns:a14="http://schemas.microsoft.com/office/drawing/2010/main" xmlns="" w="9525">
+                <a14:hiddenLine xmlns="" xmlns:a14="http://schemas.microsoft.com/office/drawing/2010/main" w="9525">
                   <a:solidFill>
                     <a:srgbClr val="000000"/>
                   </a:solidFill>
@@ -3360,7 +3367,7 @@
             </a:ln>
             <a:extLst>
               <a:ext uri="{91240B29-F687-4f45-9708-019B960494DF}">
-                <a14:hiddenLine xmlns:a14="http://schemas.microsoft.com/office/drawing/2010/main" xmlns="" w="9525">
+                <a14:hiddenLine xmlns="" xmlns:a14="http://schemas.microsoft.com/office/drawing/2010/main" w="9525">
                   <a:solidFill>
                     <a:srgbClr val="000000"/>
                   </a:solidFill>
@@ -3422,7 +3429,7 @@
             </a:ln>
             <a:extLst>
               <a:ext uri="{91240B29-F687-4f45-9708-019B960494DF}">
-                <a14:hiddenLine xmlns:a14="http://schemas.microsoft.com/office/drawing/2010/main" xmlns="" w="9525">
+                <a14:hiddenLine xmlns="" xmlns:a14="http://schemas.microsoft.com/office/drawing/2010/main" w="9525">
                   <a:solidFill>
                     <a:srgbClr val="000000"/>
                   </a:solidFill>
@@ -3512,7 +3519,7 @@
             </a:ln>
             <a:extLst>
               <a:ext uri="{91240B29-F687-4f45-9708-019B960494DF}">
-                <a14:hiddenLine xmlns:a14="http://schemas.microsoft.com/office/drawing/2010/main" xmlns="" w="9525">
+                <a14:hiddenLine xmlns="" xmlns:a14="http://schemas.microsoft.com/office/drawing/2010/main" w="9525">
                   <a:solidFill>
                     <a:srgbClr val="000000"/>
                   </a:solidFill>
@@ -3602,7 +3609,7 @@
             </a:ln>
             <a:extLst>
               <a:ext uri="{91240B29-F687-4f45-9708-019B960494DF}">
-                <a14:hiddenLine xmlns:a14="http://schemas.microsoft.com/office/drawing/2010/main" xmlns="" w="9525">
+                <a14:hiddenLine xmlns="" xmlns:a14="http://schemas.microsoft.com/office/drawing/2010/main" w="9525">
                   <a:solidFill>
                     <a:srgbClr val="000000"/>
                   </a:solidFill>
@@ -3667,7 +3674,7 @@
             </a:ln>
             <a:extLst>
               <a:ext uri="{91240B29-F687-4f45-9708-019B960494DF}">
-                <a14:hiddenLine xmlns:a14="http://schemas.microsoft.com/office/drawing/2010/main" xmlns="" w="9525">
+                <a14:hiddenLine xmlns="" xmlns:a14="http://schemas.microsoft.com/office/drawing/2010/main" w="9525">
                   <a:solidFill>
                     <a:srgbClr val="000000"/>
                   </a:solidFill>
@@ -3729,7 +3736,7 @@
             </a:ln>
             <a:extLst>
               <a:ext uri="{91240B29-F687-4f45-9708-019B960494DF}">
-                <a14:hiddenLine xmlns:a14="http://schemas.microsoft.com/office/drawing/2010/main" xmlns="" w="9525">
+                <a14:hiddenLine xmlns="" xmlns:a14="http://schemas.microsoft.com/office/drawing/2010/main" w="9525">
                   <a:solidFill>
                     <a:srgbClr val="000000"/>
                   </a:solidFill>
@@ -3819,7 +3826,7 @@
             </a:ln>
             <a:extLst>
               <a:ext uri="{91240B29-F687-4f45-9708-019B960494DF}">
-                <a14:hiddenLine xmlns:a14="http://schemas.microsoft.com/office/drawing/2010/main" xmlns="" w="9525">
+                <a14:hiddenLine xmlns="" xmlns:a14="http://schemas.microsoft.com/office/drawing/2010/main" w="9525">
                   <a:solidFill>
                     <a:srgbClr val="000000"/>
                   </a:solidFill>
@@ -3909,7 +3916,7 @@
             </a:ln>
             <a:extLst>
               <a:ext uri="{91240B29-F687-4f45-9708-019B960494DF}">
-                <a14:hiddenLine xmlns:a14="http://schemas.microsoft.com/office/drawing/2010/main" xmlns="" w="9525">
+                <a14:hiddenLine xmlns="" xmlns:a14="http://schemas.microsoft.com/office/drawing/2010/main" w="9525">
                   <a:solidFill>
                     <a:srgbClr val="000000"/>
                   </a:solidFill>
@@ -3971,7 +3978,7 @@
             </a:ln>
             <a:extLst>
               <a:ext uri="{91240B29-F687-4f45-9708-019B960494DF}">
-                <a14:hiddenLine xmlns:a14="http://schemas.microsoft.com/office/drawing/2010/main" xmlns="" w="9525">
+                <a14:hiddenLine xmlns="" xmlns:a14="http://schemas.microsoft.com/office/drawing/2010/main" w="9525">
                   <a:solidFill>
                     <a:srgbClr val="000000"/>
                   </a:solidFill>
@@ -4091,7 +4098,7 @@
             </a:ln>
             <a:extLst>
               <a:ext uri="{91240B29-F687-4f45-9708-019B960494DF}">
-                <a14:hiddenLine xmlns:a14="http://schemas.microsoft.com/office/drawing/2010/main" xmlns="" w="9525">
+                <a14:hiddenLine xmlns="" xmlns:a14="http://schemas.microsoft.com/office/drawing/2010/main" w="9525">
                   <a:solidFill>
                     <a:srgbClr val="000000"/>
                   </a:solidFill>
@@ -4159,7 +4166,7 @@
             </a:ln>
             <a:extLst>
               <a:ext uri="{91240B29-F687-4f45-9708-019B960494DF}">
-                <a14:hiddenLine xmlns:a14="http://schemas.microsoft.com/office/drawing/2010/main" xmlns="" w="9525">
+                <a14:hiddenLine xmlns="" xmlns:a14="http://schemas.microsoft.com/office/drawing/2010/main" w="9525">
                   <a:solidFill>
                     <a:srgbClr val="000000"/>
                   </a:solidFill>
@@ -4249,7 +4256,7 @@
             </a:ln>
             <a:extLst>
               <a:ext uri="{91240B29-F687-4f45-9708-019B960494DF}">
-                <a14:hiddenLine xmlns:a14="http://schemas.microsoft.com/office/drawing/2010/main" xmlns="" w="9525">
+                <a14:hiddenLine xmlns="" xmlns:a14="http://schemas.microsoft.com/office/drawing/2010/main" w="9525">
                   <a:solidFill>
                     <a:srgbClr val="000000"/>
                   </a:solidFill>
@@ -8971,7 +8978,7 @@
           <a:noFill/>
           <a:extLst>
             <a:ext uri="{909E8E84-426E-40dd-AFC4-6F175D3DCCD1}">
-              <a14:hiddenFill xmlns:a14="http://schemas.microsoft.com/office/drawing/2010/main" xmlns="">
+              <a14:hiddenFill xmlns="" xmlns:a14="http://schemas.microsoft.com/office/drawing/2010/main">
                 <a:solidFill>
                   <a:srgbClr val="FFFFFF"/>
                 </a:solidFill>
@@ -9045,7 +9052,7 @@
               </a:ln>
               <a:extLst>
                 <a:ext uri="{91240B29-F687-4f45-9708-019B960494DF}">
-                  <a14:hiddenLine xmlns:a14="http://schemas.microsoft.com/office/drawing/2010/main" xmlns="" w="9525">
+                  <a14:hiddenLine xmlns="" xmlns:a14="http://schemas.microsoft.com/office/drawing/2010/main" w="9525">
                     <a:solidFill>
                       <a:srgbClr val="000000"/>
                     </a:solidFill>
@@ -9135,7 +9142,7 @@
               </a:ln>
               <a:extLst>
                 <a:ext uri="{91240B29-F687-4f45-9708-019B960494DF}">
-                  <a14:hiddenLine xmlns:a14="http://schemas.microsoft.com/office/drawing/2010/main" xmlns="" w="9525">
+                  <a14:hiddenLine xmlns="" xmlns:a14="http://schemas.microsoft.com/office/drawing/2010/main" w="9525">
                     <a:solidFill>
                       <a:srgbClr val="000000"/>
                     </a:solidFill>
@@ -9225,7 +9232,7 @@
               </a:ln>
               <a:extLst>
                 <a:ext uri="{91240B29-F687-4f45-9708-019B960494DF}">
-                  <a14:hiddenLine xmlns:a14="http://schemas.microsoft.com/office/drawing/2010/main" xmlns="" w="9525">
+                  <a14:hiddenLine xmlns="" xmlns:a14="http://schemas.microsoft.com/office/drawing/2010/main" w="9525">
                     <a:solidFill>
                       <a:srgbClr val="000000"/>
                     </a:solidFill>
@@ -9287,7 +9294,7 @@
               </a:ln>
               <a:extLst>
                 <a:ext uri="{91240B29-F687-4f45-9708-019B960494DF}">
-                  <a14:hiddenLine xmlns:a14="http://schemas.microsoft.com/office/drawing/2010/main" xmlns="" w="9525">
+                  <a14:hiddenLine xmlns="" xmlns:a14="http://schemas.microsoft.com/office/drawing/2010/main" w="9525">
                     <a:solidFill>
                       <a:srgbClr val="000000"/>
                     </a:solidFill>
@@ -9377,7 +9384,7 @@
               </a:ln>
               <a:extLst>
                 <a:ext uri="{91240B29-F687-4f45-9708-019B960494DF}">
-                  <a14:hiddenLine xmlns:a14="http://schemas.microsoft.com/office/drawing/2010/main" xmlns="" w="9525">
+                  <a14:hiddenLine xmlns="" xmlns:a14="http://schemas.microsoft.com/office/drawing/2010/main" w="9525">
                     <a:solidFill>
                       <a:srgbClr val="000000"/>
                     </a:solidFill>
@@ -9439,7 +9446,7 @@
               </a:ln>
               <a:extLst>
                 <a:ext uri="{91240B29-F687-4f45-9708-019B960494DF}">
-                  <a14:hiddenLine xmlns:a14="http://schemas.microsoft.com/office/drawing/2010/main" xmlns="" w="9525">
+                  <a14:hiddenLine xmlns="" xmlns:a14="http://schemas.microsoft.com/office/drawing/2010/main" w="9525">
                     <a:solidFill>
                       <a:srgbClr val="000000"/>
                     </a:solidFill>
@@ -9501,7 +9508,7 @@
               </a:ln>
               <a:extLst>
                 <a:ext uri="{91240B29-F687-4f45-9708-019B960494DF}">
-                  <a14:hiddenLine xmlns:a14="http://schemas.microsoft.com/office/drawing/2010/main" xmlns="" w="9525">
+                  <a14:hiddenLine xmlns="" xmlns:a14="http://schemas.microsoft.com/office/drawing/2010/main" w="9525">
                     <a:solidFill>
                       <a:srgbClr val="000000"/>
                     </a:solidFill>
@@ -9591,7 +9598,7 @@
               </a:ln>
               <a:extLst>
                 <a:ext uri="{91240B29-F687-4f45-9708-019B960494DF}">
-                  <a14:hiddenLine xmlns:a14="http://schemas.microsoft.com/office/drawing/2010/main" xmlns="" w="9525">
+                  <a14:hiddenLine xmlns="" xmlns:a14="http://schemas.microsoft.com/office/drawing/2010/main" w="9525">
                     <a:solidFill>
                       <a:srgbClr val="000000"/>
                     </a:solidFill>
@@ -9681,7 +9688,7 @@
               </a:ln>
               <a:extLst>
                 <a:ext uri="{91240B29-F687-4f45-9708-019B960494DF}">
-                  <a14:hiddenLine xmlns:a14="http://schemas.microsoft.com/office/drawing/2010/main" xmlns="" w="9525">
+                  <a14:hiddenLine xmlns="" xmlns:a14="http://schemas.microsoft.com/office/drawing/2010/main" w="9525">
                     <a:solidFill>
                       <a:srgbClr val="000000"/>
                     </a:solidFill>
@@ -9743,7 +9750,7 @@
               </a:ln>
               <a:extLst>
                 <a:ext uri="{91240B29-F687-4f45-9708-019B960494DF}">
-                  <a14:hiddenLine xmlns:a14="http://schemas.microsoft.com/office/drawing/2010/main" xmlns="" w="9525">
+                  <a14:hiddenLine xmlns="" xmlns:a14="http://schemas.microsoft.com/office/drawing/2010/main" w="9525">
                     <a:solidFill>
                       <a:srgbClr val="000000"/>
                     </a:solidFill>
@@ -9853,7 +9860,7 @@
               </a:ln>
               <a:extLst>
                 <a:ext uri="{91240B29-F687-4f45-9708-019B960494DF}">
-                  <a14:hiddenLine xmlns:a14="http://schemas.microsoft.com/office/drawing/2010/main" xmlns="" w="9525">
+                  <a14:hiddenLine xmlns="" xmlns:a14="http://schemas.microsoft.com/office/drawing/2010/main" w="9525">
                     <a:solidFill>
                       <a:srgbClr val="000000"/>
                     </a:solidFill>
@@ -9937,7 +9944,7 @@
               </a:ln>
               <a:extLst>
                 <a:ext uri="{91240B29-F687-4f45-9708-019B960494DF}">
-                  <a14:hiddenLine xmlns:a14="http://schemas.microsoft.com/office/drawing/2010/main" xmlns="" w="9525">
+                  <a14:hiddenLine xmlns="" xmlns:a14="http://schemas.microsoft.com/office/drawing/2010/main" w="9525">
                     <a:solidFill>
                       <a:srgbClr val="000000"/>
                     </a:solidFill>
@@ -9999,7 +10006,7 @@
               </a:ln>
               <a:extLst>
                 <a:ext uri="{91240B29-F687-4f45-9708-019B960494DF}">
-                  <a14:hiddenLine xmlns:a14="http://schemas.microsoft.com/office/drawing/2010/main" xmlns="" w="9525">
+                  <a14:hiddenLine xmlns="" xmlns:a14="http://schemas.microsoft.com/office/drawing/2010/main" w="9525">
                     <a:solidFill>
                       <a:srgbClr val="000000"/>
                     </a:solidFill>
@@ -10061,7 +10068,7 @@
               </a:ln>
               <a:extLst>
                 <a:ext uri="{91240B29-F687-4f45-9708-019B960494DF}">
-                  <a14:hiddenLine xmlns:a14="http://schemas.microsoft.com/office/drawing/2010/main" xmlns="" w="9525">
+                  <a14:hiddenLine xmlns="" xmlns:a14="http://schemas.microsoft.com/office/drawing/2010/main" w="9525">
                     <a:solidFill>
                       <a:srgbClr val="000000"/>
                     </a:solidFill>
@@ -10151,7 +10158,7 @@
               </a:ln>
               <a:extLst>
                 <a:ext uri="{91240B29-F687-4f45-9708-019B960494DF}">
-                  <a14:hiddenLine xmlns:a14="http://schemas.microsoft.com/office/drawing/2010/main" xmlns="" w="9525">
+                  <a14:hiddenLine xmlns="" xmlns:a14="http://schemas.microsoft.com/office/drawing/2010/main" w="9525">
                     <a:solidFill>
                       <a:srgbClr val="000000"/>
                     </a:solidFill>
@@ -10185,7 +10192,7 @@
               </a:ln>
               <a:extLst>
                 <a:ext uri="{91240B29-F687-4f45-9708-019B960494DF}">
-                  <a14:hiddenLine xmlns:a14="http://schemas.microsoft.com/office/drawing/2010/main" xmlns="" w="9525">
+                  <a14:hiddenLine xmlns="" xmlns:a14="http://schemas.microsoft.com/office/drawing/2010/main" w="9525">
                     <a:solidFill>
                       <a:srgbClr val="000000"/>
                     </a:solidFill>
@@ -10250,7 +10257,7 @@
               </a:ln>
               <a:extLst>
                 <a:ext uri="{91240B29-F687-4f45-9708-019B960494DF}">
-                  <a14:hiddenLine xmlns:a14="http://schemas.microsoft.com/office/drawing/2010/main" xmlns="" w="9525">
+                  <a14:hiddenLine xmlns="" xmlns:a14="http://schemas.microsoft.com/office/drawing/2010/main" w="9525">
                     <a:solidFill>
                       <a:srgbClr val="000000"/>
                     </a:solidFill>
@@ -10340,7 +10347,7 @@
               </a:ln>
               <a:extLst>
                 <a:ext uri="{91240B29-F687-4f45-9708-019B960494DF}">
-                  <a14:hiddenLine xmlns:a14="http://schemas.microsoft.com/office/drawing/2010/main" xmlns="" w="9525">
+                  <a14:hiddenLine xmlns="" xmlns:a14="http://schemas.microsoft.com/office/drawing/2010/main" w="9525">
                     <a:solidFill>
                       <a:srgbClr val="000000"/>
                     </a:solidFill>
@@ -10402,7 +10409,7 @@
               </a:ln>
               <a:extLst>
                 <a:ext uri="{91240B29-F687-4f45-9708-019B960494DF}">
-                  <a14:hiddenLine xmlns:a14="http://schemas.microsoft.com/office/drawing/2010/main" xmlns="" w="9525">
+                  <a14:hiddenLine xmlns="" xmlns:a14="http://schemas.microsoft.com/office/drawing/2010/main" w="9525">
                     <a:solidFill>
                       <a:srgbClr val="000000"/>
                     </a:solidFill>
@@ -10492,7 +10499,7 @@
               </a:ln>
               <a:extLst>
                 <a:ext uri="{91240B29-F687-4f45-9708-019B960494DF}">
-                  <a14:hiddenLine xmlns:a14="http://schemas.microsoft.com/office/drawing/2010/main" xmlns="" w="9525">
+                  <a14:hiddenLine xmlns="" xmlns:a14="http://schemas.microsoft.com/office/drawing/2010/main" w="9525">
                     <a:solidFill>
                       <a:srgbClr val="000000"/>
                     </a:solidFill>
@@ -10557,7 +10564,7 @@
               </a:ln>
               <a:extLst>
                 <a:ext uri="{91240B29-F687-4f45-9708-019B960494DF}">
-                  <a14:hiddenLine xmlns:a14="http://schemas.microsoft.com/office/drawing/2010/main" xmlns="" w="9525">
+                  <a14:hiddenLine xmlns="" xmlns:a14="http://schemas.microsoft.com/office/drawing/2010/main" w="9525">
                     <a:solidFill>
                       <a:srgbClr val="000000"/>
                     </a:solidFill>
@@ -10619,7 +10626,7 @@
               </a:ln>
               <a:extLst>
                 <a:ext uri="{91240B29-F687-4f45-9708-019B960494DF}">
-                  <a14:hiddenLine xmlns:a14="http://schemas.microsoft.com/office/drawing/2010/main" xmlns="" w="9525">
+                  <a14:hiddenLine xmlns="" xmlns:a14="http://schemas.microsoft.com/office/drawing/2010/main" w="9525">
                     <a:solidFill>
                       <a:srgbClr val="000000"/>
                     </a:solidFill>
@@ -10709,7 +10716,7 @@
               </a:ln>
               <a:extLst>
                 <a:ext uri="{91240B29-F687-4f45-9708-019B960494DF}">
-                  <a14:hiddenLine xmlns:a14="http://schemas.microsoft.com/office/drawing/2010/main" xmlns="" w="9525">
+                  <a14:hiddenLine xmlns="" xmlns:a14="http://schemas.microsoft.com/office/drawing/2010/main" w="9525">
                     <a:solidFill>
                       <a:srgbClr val="000000"/>
                     </a:solidFill>
@@ -10799,7 +10806,7 @@
               </a:ln>
               <a:extLst>
                 <a:ext uri="{91240B29-F687-4f45-9708-019B960494DF}">
-                  <a14:hiddenLine xmlns:a14="http://schemas.microsoft.com/office/drawing/2010/main" xmlns="" w="9525">
+                  <a14:hiddenLine xmlns="" xmlns:a14="http://schemas.microsoft.com/office/drawing/2010/main" w="9525">
                     <a:solidFill>
                       <a:srgbClr val="000000"/>
                     </a:solidFill>
@@ -10864,7 +10871,7 @@
               </a:ln>
               <a:extLst>
                 <a:ext uri="{91240B29-F687-4f45-9708-019B960494DF}">
-                  <a14:hiddenLine xmlns:a14="http://schemas.microsoft.com/office/drawing/2010/main" xmlns="" w="9525">
+                  <a14:hiddenLine xmlns="" xmlns:a14="http://schemas.microsoft.com/office/drawing/2010/main" w="9525">
                     <a:solidFill>
                       <a:srgbClr val="000000"/>
                     </a:solidFill>
@@ -10984,7 +10991,7 @@
               </a:ln>
               <a:extLst>
                 <a:ext uri="{91240B29-F687-4f45-9708-019B960494DF}">
-                  <a14:hiddenLine xmlns:a14="http://schemas.microsoft.com/office/drawing/2010/main" xmlns="" w="9525">
+                  <a14:hiddenLine xmlns="" xmlns:a14="http://schemas.microsoft.com/office/drawing/2010/main" w="9525">
                     <a:solidFill>
                       <a:srgbClr val="000000"/>
                     </a:solidFill>
@@ -11082,7 +11089,7 @@
               </a:ln>
               <a:extLst>
                 <a:ext uri="{91240B29-F687-4f45-9708-019B960494DF}">
-                  <a14:hiddenLine xmlns:a14="http://schemas.microsoft.com/office/drawing/2010/main" xmlns="" w="9525">
+                  <a14:hiddenLine xmlns="" xmlns:a14="http://schemas.microsoft.com/office/drawing/2010/main" w="9525">
                     <a:solidFill>
                       <a:srgbClr val="000000"/>
                     </a:solidFill>
@@ -11197,7 +11204,7 @@
               </a:ln>
               <a:extLst>
                 <a:ext uri="{91240B29-F687-4f45-9708-019B960494DF}">
-                  <a14:hiddenLine xmlns:a14="http://schemas.microsoft.com/office/drawing/2010/main" xmlns="" w="9525">
+                  <a14:hiddenLine xmlns="" xmlns:a14="http://schemas.microsoft.com/office/drawing/2010/main" w="9525">
                     <a:solidFill>
                       <a:srgbClr val="000000"/>
                     </a:solidFill>
@@ -11287,7 +11294,7 @@
               </a:ln>
               <a:extLst>
                 <a:ext uri="{91240B29-F687-4f45-9708-019B960494DF}">
-                  <a14:hiddenLine xmlns:a14="http://schemas.microsoft.com/office/drawing/2010/main" xmlns="" w="9525">
+                  <a14:hiddenLine xmlns="" xmlns:a14="http://schemas.microsoft.com/office/drawing/2010/main" w="9525">
                     <a:solidFill>
                       <a:srgbClr val="000000"/>
                     </a:solidFill>
@@ -11352,7 +11359,7 @@
               </a:ln>
               <a:extLst>
                 <a:ext uri="{91240B29-F687-4f45-9708-019B960494DF}">
-                  <a14:hiddenLine xmlns:a14="http://schemas.microsoft.com/office/drawing/2010/main" xmlns="" w="9525">
+                  <a14:hiddenLine xmlns="" xmlns:a14="http://schemas.microsoft.com/office/drawing/2010/main" w="9525">
                     <a:solidFill>
                       <a:srgbClr val="000000"/>
                     </a:solidFill>
@@ -11442,7 +11449,7 @@
               </a:ln>
               <a:extLst>
                 <a:ext uri="{91240B29-F687-4f45-9708-019B960494DF}">
-                  <a14:hiddenLine xmlns:a14="http://schemas.microsoft.com/office/drawing/2010/main" xmlns="" w="9525">
+                  <a14:hiddenLine xmlns="" xmlns:a14="http://schemas.microsoft.com/office/drawing/2010/main" w="9525">
                     <a:solidFill>
                       <a:srgbClr val="000000"/>
                     </a:solidFill>
@@ -11510,7 +11517,7 @@
               </a:ln>
               <a:extLst>
                 <a:ext uri="{91240B29-F687-4f45-9708-019B960494DF}">
-                  <a14:hiddenLine xmlns:a14="http://schemas.microsoft.com/office/drawing/2010/main" xmlns="" w="9525">
+                  <a14:hiddenLine xmlns="" xmlns:a14="http://schemas.microsoft.com/office/drawing/2010/main" w="9525">
                     <a:solidFill>
                       <a:srgbClr val="000000"/>
                     </a:solidFill>
@@ -11600,7 +11607,7 @@
               </a:ln>
               <a:extLst>
                 <a:ext uri="{91240B29-F687-4f45-9708-019B960494DF}">
-                  <a14:hiddenLine xmlns:a14="http://schemas.microsoft.com/office/drawing/2010/main" xmlns="" w="9525">
+                  <a14:hiddenLine xmlns="" xmlns:a14="http://schemas.microsoft.com/office/drawing/2010/main" w="9525">
                     <a:solidFill>
                       <a:srgbClr val="000000"/>
                     </a:solidFill>
@@ -11668,7 +11675,7 @@
               </a:ln>
               <a:extLst>
                 <a:ext uri="{91240B29-F687-4f45-9708-019B960494DF}">
-                  <a14:hiddenLine xmlns:a14="http://schemas.microsoft.com/office/drawing/2010/main" xmlns="" w="9525">
+                  <a14:hiddenLine xmlns="" xmlns:a14="http://schemas.microsoft.com/office/drawing/2010/main" w="9525">
                     <a:solidFill>
                       <a:srgbClr val="000000"/>
                     </a:solidFill>
@@ -11758,7 +11765,7 @@
               </a:ln>
               <a:extLst>
                 <a:ext uri="{91240B29-F687-4f45-9708-019B960494DF}">
-                  <a14:hiddenLine xmlns:a14="http://schemas.microsoft.com/office/drawing/2010/main" xmlns="" w="9525">
+                  <a14:hiddenLine xmlns="" xmlns:a14="http://schemas.microsoft.com/office/drawing/2010/main" w="9525">
                     <a:solidFill>
                       <a:srgbClr val="000000"/>
                     </a:solidFill>
@@ -11792,7 +11799,7 @@
               </a:ln>
               <a:extLst>
                 <a:ext uri="{91240B29-F687-4f45-9708-019B960494DF}">
-                  <a14:hiddenLine xmlns:a14="http://schemas.microsoft.com/office/drawing/2010/main" xmlns="" w="9525">
+                  <a14:hiddenLine xmlns="" xmlns:a14="http://schemas.microsoft.com/office/drawing/2010/main" w="9525">
                     <a:solidFill>
                       <a:srgbClr val="000000"/>
                     </a:solidFill>
@@ -12498,7 +12505,7 @@
           <a:p>
             <a:r>
               <a:rPr lang="de-CH" dirty="0"/>
-              <a:t>Tauspiegelmessverfahren</a:t>
+              <a:t>Taupunktspiegelmessverfahren</a:t>
             </a:r>
           </a:p>
           <a:p>
@@ -12711,7 +12718,7 @@
           <p:cNvPr id="2" name="Titel 1">
             <a:extLst>
               <a:ext uri="{FF2B5EF4-FFF2-40B4-BE49-F238E27FC236}">
-                <a16:creationId xmlns:a16="http://schemas.microsoft.com/office/drawing/2014/main" id="{A6720A75-5A75-458A-AAD5-56E1842309E9}"/>
+                <a16:creationId xmlns:a16="http://schemas.microsoft.com/office/drawing/2014/main" id="{E152BCE4-DEBD-43E7-B15F-613256171F11}"/>
               </a:ext>
             </a:extLst>
           </p:cNvPr>
@@ -12729,7 +12736,7 @@
           <a:p>
             <a:r>
               <a:rPr lang="de-CH" dirty="0"/>
-              <a:t>Tauspiegelmessverfahren</a:t>
+              <a:t>Taupunktspiegelmessverfahren</a:t>
             </a:r>
           </a:p>
         </p:txBody>
@@ -12739,7 +12746,7 @@
           <p:cNvPr id="3" name="Inhaltsplatzhalter 2">
             <a:extLst>
               <a:ext uri="{FF2B5EF4-FFF2-40B4-BE49-F238E27FC236}">
-                <a16:creationId xmlns:a16="http://schemas.microsoft.com/office/drawing/2014/main" id="{7EF4AE3A-2C36-4E73-8DB6-6B6B807500C5}"/>
+                <a16:creationId xmlns:a16="http://schemas.microsoft.com/office/drawing/2014/main" id="{F09CA223-3D6E-45D0-912F-6379CFCF4115}"/>
               </a:ext>
             </a:extLst>
           </p:cNvPr>
@@ -12755,7 +12762,215 @@
           <a:bodyPr/>
           <a:lstStyle/>
           <a:p>
-            <a:endParaRPr lang="de-CH"/>
+            <a:r>
+              <a:rPr lang="de-CH" dirty="0"/>
+              <a:t>Funktionsweise</a:t>
+            </a:r>
+          </a:p>
+          <a:p>
+            <a:r>
+              <a:rPr lang="de-CH" dirty="0"/>
+              <a:t>Vor- &amp; Nachteile</a:t>
+            </a:r>
+          </a:p>
+        </p:txBody>
+      </p:sp>
+    </p:spTree>
+    <p:extLst>
+      <p:ext uri="{BB962C8B-B14F-4D97-AF65-F5344CB8AC3E}">
+        <p14:creationId xmlns:p14="http://schemas.microsoft.com/office/powerpoint/2010/main" val="866532815"/>
+      </p:ext>
+    </p:extLst>
+  </p:cSld>
+  <p:clrMapOvr>
+    <a:masterClrMapping/>
+  </p:clrMapOvr>
+</p:sld>
+</file>
+
+<file path=ppt/slides/slide6.xml><?xml version="1.0" encoding="utf-8"?>
+<p:sld xmlns:a="http://schemas.openxmlformats.org/drawingml/2006/main" xmlns:r="http://schemas.openxmlformats.org/officeDocument/2006/relationships" xmlns:p="http://schemas.openxmlformats.org/presentationml/2006/main">
+  <p:cSld>
+    <p:spTree>
+      <p:nvGrpSpPr>
+        <p:cNvPr id="1" name=""/>
+        <p:cNvGrpSpPr/>
+        <p:nvPr/>
+      </p:nvGrpSpPr>
+      <p:grpSpPr>
+        <a:xfrm>
+          <a:off x="0" y="0"/>
+          <a:ext cx="0" cy="0"/>
+          <a:chOff x="0" y="0"/>
+          <a:chExt cx="0" cy="0"/>
+        </a:xfrm>
+      </p:grpSpPr>
+      <p:sp>
+        <p:nvSpPr>
+          <p:cNvPr id="2" name="Titel 1">
+            <a:extLst>
+              <a:ext uri="{FF2B5EF4-FFF2-40B4-BE49-F238E27FC236}">
+                <a16:creationId xmlns:a16="http://schemas.microsoft.com/office/drawing/2014/main" id="{A6720A75-5A75-458A-AAD5-56E1842309E9}"/>
+              </a:ext>
+            </a:extLst>
+          </p:cNvPr>
+          <p:cNvSpPr>
+            <a:spLocks noGrp="1"/>
+          </p:cNvSpPr>
+          <p:nvPr>
+            <p:ph type="title"/>
+          </p:nvPr>
+        </p:nvSpPr>
+        <p:spPr/>
+        <p:txBody>
+          <a:bodyPr>
+            <a:normAutofit/>
+          </a:bodyPr>
+          <a:lstStyle/>
+          <a:p>
+            <a:r>
+              <a:rPr lang="de-CH" sz="2800" dirty="0"/>
+              <a:t>Funktionsweise</a:t>
+            </a:r>
+          </a:p>
+        </p:txBody>
+      </p:sp>
+      <p:pic>
+        <p:nvPicPr>
+          <p:cNvPr id="4" name="Grafik 3">
+            <a:extLst>
+              <a:ext uri="{FF2B5EF4-FFF2-40B4-BE49-F238E27FC236}">
+                <a16:creationId xmlns:a16="http://schemas.microsoft.com/office/drawing/2014/main" id="{786F16C3-A3E9-406C-8166-17FCE03BF6C8}"/>
+              </a:ext>
+            </a:extLst>
+          </p:cNvPr>
+          <p:cNvPicPr>
+            <a:picLocks noChangeAspect="1"/>
+          </p:cNvPicPr>
+          <p:nvPr/>
+        </p:nvPicPr>
+        <p:blipFill>
+          <a:blip r:embed="rId2"/>
+          <a:stretch>
+            <a:fillRect/>
+          </a:stretch>
+        </p:blipFill>
+        <p:spPr>
+          <a:xfrm>
+            <a:off x="1239611" y="1595535"/>
+            <a:ext cx="2889185" cy="4826842"/>
+          </a:xfrm>
+          <a:prstGeom prst="rect">
+            <a:avLst/>
+          </a:prstGeom>
+        </p:spPr>
+      </p:pic>
+      <p:sp>
+        <p:nvSpPr>
+          <p:cNvPr id="5" name="Textfeld 4">
+            <a:extLst>
+              <a:ext uri="{FF2B5EF4-FFF2-40B4-BE49-F238E27FC236}">
+                <a16:creationId xmlns:a16="http://schemas.microsoft.com/office/drawing/2014/main" id="{865E0171-D408-4394-AB5A-3EF86EB97779}"/>
+              </a:ext>
+            </a:extLst>
+          </p:cNvPr>
+          <p:cNvSpPr txBox="1"/>
+          <p:nvPr/>
+        </p:nvSpPr>
+        <p:spPr>
+          <a:xfrm>
+            <a:off x="4226994" y="1700632"/>
+            <a:ext cx="5040923" cy="2308324"/>
+          </a:xfrm>
+          <a:prstGeom prst="rect">
+            <a:avLst/>
+          </a:prstGeom>
+          <a:noFill/>
+        </p:spPr>
+        <p:txBody>
+          <a:bodyPr wrap="square" rtlCol="0">
+            <a:spAutoFit/>
+          </a:bodyPr>
+          <a:lstStyle/>
+          <a:p>
+            <a:pPr marL="342900" indent="-342900">
+              <a:buAutoNum type="arabicParenR"/>
+            </a:pPr>
+            <a:r>
+              <a:rPr lang="de-CH" dirty="0"/>
+              <a:t>LED-Regelung</a:t>
+            </a:r>
+          </a:p>
+          <a:p>
+            <a:pPr marL="342900" indent="-342900">
+              <a:buAutoNum type="arabicParenR"/>
+            </a:pPr>
+            <a:r>
+              <a:rPr lang="de-CH" dirty="0"/>
+              <a:t>Optische Balanceregelung des Referenzstrahles</a:t>
+            </a:r>
+          </a:p>
+          <a:p>
+            <a:pPr marL="342900" indent="-342900">
+              <a:buAutoNum type="arabicParenR"/>
+            </a:pPr>
+            <a:r>
+              <a:rPr lang="de-CH" dirty="0"/>
+              <a:t>Taupunktspiegel</a:t>
+            </a:r>
+          </a:p>
+          <a:p>
+            <a:pPr marL="342900" indent="-342900">
+              <a:buAutoNum type="arabicParenR"/>
+            </a:pPr>
+            <a:r>
+              <a:rPr lang="de-CH" dirty="0"/>
+              <a:t>Temperaturfühler</a:t>
+            </a:r>
+          </a:p>
+          <a:p>
+            <a:pPr marL="342900" indent="-342900">
+              <a:buAutoNum type="arabicParenR"/>
+            </a:pPr>
+            <a:r>
+              <a:rPr lang="de-CH" dirty="0"/>
+              <a:t>Kühlelement (</a:t>
+            </a:r>
+            <a:r>
+              <a:rPr lang="de-CH" dirty="0" err="1"/>
+              <a:t>Peltierelemente</a:t>
+            </a:r>
+            <a:r>
+              <a:rPr lang="de-CH" dirty="0"/>
+              <a:t>)</a:t>
+            </a:r>
+          </a:p>
+          <a:p>
+            <a:pPr marL="342900" indent="-342900">
+              <a:buAutoNum type="arabicParenR"/>
+            </a:pPr>
+            <a:r>
+              <a:rPr lang="de-CH" dirty="0"/>
+              <a:t>Luft- oder Gasgemisch</a:t>
+            </a:r>
+          </a:p>
+          <a:p>
+            <a:pPr marL="342900" indent="-342900">
+              <a:buAutoNum type="arabicParenR"/>
+            </a:pPr>
+            <a:r>
+              <a:rPr lang="de-CH" dirty="0"/>
+              <a:t>Versorgung</a:t>
+            </a:r>
+          </a:p>
+          <a:p>
+            <a:pPr marL="342900" indent="-342900">
+              <a:buAutoNum type="arabicParenR"/>
+            </a:pPr>
+            <a:r>
+              <a:rPr lang="de-CH" dirty="0"/>
+              <a:t>Wärmefluss</a:t>
+            </a:r>
           </a:p>
         </p:txBody>
       </p:sp>
@@ -12772,7 +12987,269 @@
 </p:sld>
 </file>
 
-<file path=ppt/slides/slide6.xml><?xml version="1.0" encoding="utf-8"?>
+<file path=ppt/slides/slide7.xml><?xml version="1.0" encoding="utf-8"?>
+<p:sld xmlns:a="http://schemas.openxmlformats.org/drawingml/2006/main" xmlns:r="http://schemas.openxmlformats.org/officeDocument/2006/relationships" xmlns:p="http://schemas.openxmlformats.org/presentationml/2006/main">
+  <p:cSld>
+    <p:spTree>
+      <p:nvGrpSpPr>
+        <p:cNvPr id="1" name=""/>
+        <p:cNvGrpSpPr/>
+        <p:nvPr/>
+      </p:nvGrpSpPr>
+      <p:grpSpPr>
+        <a:xfrm>
+          <a:off x="0" y="0"/>
+          <a:ext cx="0" cy="0"/>
+          <a:chOff x="0" y="0"/>
+          <a:chExt cx="0" cy="0"/>
+        </a:xfrm>
+      </p:grpSpPr>
+      <p:sp>
+        <p:nvSpPr>
+          <p:cNvPr id="2" name="Titel 1">
+            <a:extLst>
+              <a:ext uri="{FF2B5EF4-FFF2-40B4-BE49-F238E27FC236}">
+                <a16:creationId xmlns:a16="http://schemas.microsoft.com/office/drawing/2014/main" id="{CDCCD324-FC32-460C-8108-E4662A62AF40}"/>
+              </a:ext>
+            </a:extLst>
+          </p:cNvPr>
+          <p:cNvSpPr>
+            <a:spLocks noGrp="1"/>
+          </p:cNvSpPr>
+          <p:nvPr>
+            <p:ph type="title"/>
+          </p:nvPr>
+        </p:nvSpPr>
+        <p:spPr/>
+        <p:txBody>
+          <a:bodyPr>
+            <a:normAutofit/>
+          </a:bodyPr>
+          <a:lstStyle/>
+          <a:p>
+            <a:r>
+              <a:rPr lang="de-CH" sz="2800" dirty="0"/>
+              <a:t>Vor- &amp; Nachteile</a:t>
+            </a:r>
+          </a:p>
+        </p:txBody>
+      </p:sp>
+      <p:graphicFrame>
+        <p:nvGraphicFramePr>
+          <p:cNvPr id="4" name="Tabelle 3">
+            <a:extLst>
+              <a:ext uri="{FF2B5EF4-FFF2-40B4-BE49-F238E27FC236}">
+                <a16:creationId xmlns:a16="http://schemas.microsoft.com/office/drawing/2014/main" id="{3A65A96E-8ACE-4C39-9B3B-FABDB7F7A114}"/>
+              </a:ext>
+            </a:extLst>
+          </p:cNvPr>
+          <p:cNvGraphicFramePr>
+            <a:graphicFrameLocks noGrp="1"/>
+          </p:cNvGraphicFramePr>
+          <p:nvPr>
+            <p:extLst>
+              <p:ext uri="{D42A27DB-BD31-4B8C-83A1-F6EECF244321}">
+                <p14:modId xmlns:p14="http://schemas.microsoft.com/office/powerpoint/2010/main" val="1195233571"/>
+              </p:ext>
+            </p:extLst>
+          </p:nvPr>
+        </p:nvGraphicFramePr>
+        <p:xfrm>
+          <a:off x="1141413" y="2097088"/>
+          <a:ext cx="9905998" cy="2570480"/>
+        </p:xfrm>
+        <a:graphic>
+          <a:graphicData uri="http://schemas.openxmlformats.org/drawingml/2006/table">
+            <a:tbl>
+              <a:tblPr firstRow="1" bandRow="1">
+                <a:tableStyleId>{FABFCF23-3B69-468F-B69F-88F6DE6A72F2}</a:tableStyleId>
+              </a:tblPr>
+              <a:tblGrid>
+                <a:gridCol w="4952999">
+                  <a:extLst>
+                    <a:ext uri="{9D8B030D-6E8A-4147-A177-3AD203B41FA5}">
+                      <a16:colId xmlns:a16="http://schemas.microsoft.com/office/drawing/2014/main" val="4048079487"/>
+                    </a:ext>
+                  </a:extLst>
+                </a:gridCol>
+                <a:gridCol w="4952999">
+                  <a:extLst>
+                    <a:ext uri="{9D8B030D-6E8A-4147-A177-3AD203B41FA5}">
+                      <a16:colId xmlns:a16="http://schemas.microsoft.com/office/drawing/2014/main" val="3180809937"/>
+                    </a:ext>
+                  </a:extLst>
+                </a:gridCol>
+              </a:tblGrid>
+              <a:tr h="370840">
+                <a:tc>
+                  <a:txBody>
+                    <a:bodyPr/>
+                    <a:lstStyle/>
+                    <a:p>
+                      <a:r>
+                        <a:rPr lang="de-CH" dirty="0"/>
+                        <a:t>Vorteile</a:t>
+                      </a:r>
+                    </a:p>
+                  </a:txBody>
+                  <a:tcPr/>
+                </a:tc>
+                <a:tc>
+                  <a:txBody>
+                    <a:bodyPr/>
+                    <a:lstStyle/>
+                    <a:p>
+                      <a:r>
+                        <a:rPr lang="de-CH" dirty="0"/>
+                        <a:t>Nachteile</a:t>
+                      </a:r>
+                    </a:p>
+                  </a:txBody>
+                  <a:tcPr/>
+                </a:tc>
+                <a:extLst>
+                  <a:ext uri="{0D108BD9-81ED-4DB2-BD59-A6C34878D82A}">
+                    <a16:rowId xmlns:a16="http://schemas.microsoft.com/office/drawing/2014/main" val="3235048503"/>
+                  </a:ext>
+                </a:extLst>
+              </a:tr>
+              <a:tr h="370840">
+                <a:tc>
+                  <a:txBody>
+                    <a:bodyPr/>
+                    <a:lstStyle/>
+                    <a:p>
+                      <a:r>
+                        <a:rPr lang="de-CH" dirty="0"/>
+                        <a:t>Prinzipiell im gesamten messtechnisch interessierenden Taupunktbereich einsetzbar</a:t>
+                      </a:r>
+                    </a:p>
+                  </a:txBody>
+                  <a:tcPr/>
+                </a:tc>
+                <a:tc>
+                  <a:txBody>
+                    <a:bodyPr/>
+                    <a:lstStyle/>
+                    <a:p>
+                      <a:r>
+                        <a:rPr lang="de-CH" dirty="0"/>
+                        <a:t>Messgenauigkeit hängt von Genauigkeit der Spiegeltemperaturmessung und der Güte der Regelung ab</a:t>
+                      </a:r>
+                    </a:p>
+                  </a:txBody>
+                  <a:tcPr/>
+                </a:tc>
+                <a:extLst>
+                  <a:ext uri="{0D108BD9-81ED-4DB2-BD59-A6C34878D82A}">
+                    <a16:rowId xmlns:a16="http://schemas.microsoft.com/office/drawing/2014/main" val="4038965261"/>
+                  </a:ext>
+                </a:extLst>
+              </a:tr>
+              <a:tr h="370840">
+                <a:tc>
+                  <a:txBody>
+                    <a:bodyPr/>
+                    <a:lstStyle/>
+                    <a:p>
+                      <a:r>
+                        <a:rPr lang="de-CH" dirty="0"/>
+                        <a:t>Zählen zu den genauesten Hygrometern</a:t>
+                      </a:r>
+                    </a:p>
+                  </a:txBody>
+                  <a:tcPr/>
+                </a:tc>
+                <a:tc>
+                  <a:txBody>
+                    <a:bodyPr/>
+                    <a:lstStyle/>
+                    <a:p>
+                      <a:r>
+                        <a:rPr lang="de-CH" dirty="0"/>
+                        <a:t>Muss von Luftstrom durchflutet werden</a:t>
+                      </a:r>
+                    </a:p>
+                  </a:txBody>
+                  <a:tcPr/>
+                </a:tc>
+                <a:extLst>
+                  <a:ext uri="{0D108BD9-81ED-4DB2-BD59-A6C34878D82A}">
+                    <a16:rowId xmlns:a16="http://schemas.microsoft.com/office/drawing/2014/main" val="3016253400"/>
+                  </a:ext>
+                </a:extLst>
+              </a:tr>
+              <a:tr h="370840">
+                <a:tc>
+                  <a:txBody>
+                    <a:bodyPr/>
+                    <a:lstStyle/>
+                    <a:p>
+                      <a:pPr marL="0" marR="0" lvl="0" indent="0" algn="l" defTabSz="914400" rtl="0" eaLnBrk="1" fontAlgn="auto" latinLnBrk="0" hangingPunct="1">
+                        <a:lnSpc>
+                          <a:spcPct val="100000"/>
+                        </a:lnSpc>
+                        <a:spcBef>
+                          <a:spcPts val="0"/>
+                        </a:spcBef>
+                        <a:spcAft>
+                          <a:spcPts val="0"/>
+                        </a:spcAft>
+                        <a:buClrTx/>
+                        <a:buSzTx/>
+                        <a:buFontTx/>
+                        <a:buNone/>
+                        <a:tabLst/>
+                        <a:defRPr/>
+                      </a:pPr>
+                      <a:r>
+                        <a:rPr lang="de-CH" dirty="0"/>
+                        <a:t>Neben praktischen Messungen auch als Referenzmessmittel geeignet</a:t>
+                      </a:r>
+                    </a:p>
+                    <a:p>
+                      <a:endParaRPr lang="de-CH" dirty="0"/>
+                    </a:p>
+                  </a:txBody>
+                  <a:tcPr/>
+                </a:tc>
+                <a:tc>
+                  <a:txBody>
+                    <a:bodyPr/>
+                    <a:lstStyle/>
+                    <a:p>
+                      <a:r>
+                        <a:rPr lang="de-CH" dirty="0"/>
+                        <a:t>Anfällig gegen mechanische Verschmutzung</a:t>
+                      </a:r>
+                    </a:p>
+                  </a:txBody>
+                  <a:tcPr/>
+                </a:tc>
+                <a:extLst>
+                  <a:ext uri="{0D108BD9-81ED-4DB2-BD59-A6C34878D82A}">
+                    <a16:rowId xmlns:a16="http://schemas.microsoft.com/office/drawing/2014/main" val="1961095050"/>
+                  </a:ext>
+                </a:extLst>
+              </a:tr>
+            </a:tbl>
+          </a:graphicData>
+        </a:graphic>
+      </p:graphicFrame>
+    </p:spTree>
+    <p:extLst>
+      <p:ext uri="{BB962C8B-B14F-4D97-AF65-F5344CB8AC3E}">
+        <p14:creationId xmlns:p14="http://schemas.microsoft.com/office/powerpoint/2010/main" val="717049918"/>
+      </p:ext>
+    </p:extLst>
+  </p:cSld>
+  <p:clrMapOvr>
+    <a:masterClrMapping/>
+  </p:clrMapOvr>
+</p:sld>
+</file>
+
+<file path=ppt/slides/slide8.xml><?xml version="1.0" encoding="utf-8"?>
 <p:sld xmlns:a="http://schemas.openxmlformats.org/drawingml/2006/main" xmlns:r="http://schemas.openxmlformats.org/officeDocument/2006/relationships" xmlns:p="http://schemas.openxmlformats.org/presentationml/2006/main">
   <p:cSld>
     <p:spTree>
@@ -12818,28 +13295,98 @@
           </a:p>
         </p:txBody>
       </p:sp>
-      <p:sp>
-        <p:nvSpPr>
-          <p:cNvPr id="3" name="Inhaltsplatzhalter 2">
+      <p:pic>
+        <p:nvPicPr>
+          <p:cNvPr id="5" name="Grafik 4">
             <a:extLst>
               <a:ext uri="{FF2B5EF4-FFF2-40B4-BE49-F238E27FC236}">
-                <a16:creationId xmlns:a16="http://schemas.microsoft.com/office/drawing/2014/main" id="{2EBED5E7-34F4-4F54-B8CF-FFEF48134591}"/>
+                <a16:creationId xmlns:a16="http://schemas.microsoft.com/office/drawing/2014/main" id="{C314CB5B-2B14-4821-AF13-AEBB75563DC2}"/>
               </a:ext>
             </a:extLst>
           </p:cNvPr>
-          <p:cNvSpPr>
-            <a:spLocks noGrp="1"/>
-          </p:cNvSpPr>
-          <p:nvPr>
-            <p:ph idx="1"/>
-          </p:nvPr>
+          <p:cNvPicPr>
+            <a:picLocks noChangeAspect="1"/>
+          </p:cNvPicPr>
+          <p:nvPr/>
+        </p:nvPicPr>
+        <p:blipFill>
+          <a:blip r:embed="rId2"/>
+          <a:stretch>
+            <a:fillRect/>
+          </a:stretch>
+        </p:blipFill>
+        <p:spPr>
+          <a:xfrm>
+            <a:off x="1141413" y="2097088"/>
+            <a:ext cx="2076450" cy="2076450"/>
+          </a:xfrm>
+          <a:prstGeom prst="rect">
+            <a:avLst/>
+          </a:prstGeom>
+        </p:spPr>
+      </p:pic>
+      <p:sp>
+        <p:nvSpPr>
+          <p:cNvPr id="6" name="Textfeld 5">
+            <a:extLst>
+              <a:ext uri="{FF2B5EF4-FFF2-40B4-BE49-F238E27FC236}">
+                <a16:creationId xmlns:a16="http://schemas.microsoft.com/office/drawing/2014/main" id="{018599A5-765B-40EC-96EF-218D9AA0F624}"/>
+              </a:ext>
+            </a:extLst>
+          </p:cNvPr>
+          <p:cNvSpPr txBox="1"/>
+          <p:nvPr/>
         </p:nvSpPr>
-        <p:spPr/>
+        <p:spPr>
+          <a:xfrm>
+            <a:off x="3565119" y="2097088"/>
+            <a:ext cx="7135035" cy="1754326"/>
+          </a:xfrm>
+          <a:prstGeom prst="rect">
+            <a:avLst/>
+          </a:prstGeom>
+          <a:noFill/>
+        </p:spPr>
         <p:txBody>
-          <a:bodyPr/>
+          <a:bodyPr wrap="square" rtlCol="0">
+            <a:spAutoFit/>
+          </a:bodyPr>
           <a:lstStyle/>
           <a:p>
-            <a:endParaRPr lang="de-CH"/>
+            <a:r>
+              <a:rPr lang="de-CH" dirty="0"/>
+              <a:t>Messbereich Lufttemperatur:		-50° bis 50°C</a:t>
+            </a:r>
+          </a:p>
+          <a:p>
+            <a:r>
+              <a:rPr lang="de-CH" dirty="0"/>
+              <a:t>Messbereich Taupunkt:			-65° bis 50°C</a:t>
+            </a:r>
+          </a:p>
+          <a:p>
+            <a:r>
+              <a:rPr lang="de-CH" dirty="0"/>
+              <a:t>Auflösung Temperaturwerte:		0,1 K</a:t>
+            </a:r>
+          </a:p>
+          <a:p>
+            <a:r>
+              <a:rPr lang="de-CH" dirty="0"/>
+              <a:t>Auflösung der rel. Luftfeuchte:		0,1 %</a:t>
+            </a:r>
+          </a:p>
+          <a:p>
+            <a:r>
+              <a:rPr lang="de-CH" dirty="0"/>
+              <a:t>Messgenauigkeit:				±0,15 K von -20° bis 50°C</a:t>
+            </a:r>
+          </a:p>
+          <a:p>
+            <a:r>
+              <a:rPr lang="de-CH" dirty="0"/>
+              <a:t>							±0,25 K von -65° bis -20°C</a:t>
+            </a:r>
           </a:p>
         </p:txBody>
       </p:sp>
@@ -12856,7 +13403,7 @@
 </p:sld>
 </file>
 
-<file path=ppt/slides/slide7.xml><?xml version="1.0" encoding="utf-8"?>
+<file path=ppt/slides/slide9.xml><?xml version="1.0" encoding="utf-8"?>
 <p:sld xmlns:a="http://schemas.openxmlformats.org/drawingml/2006/main" xmlns:r="http://schemas.openxmlformats.org/officeDocument/2006/relationships" xmlns:p="http://schemas.openxmlformats.org/presentationml/2006/main">
   <p:cSld>
     <p:spTree>

--- a/LuftfeuchtigkeitssensorenPP.pptx
+++ b/LuftfeuchtigkeitssensorenPP.pptx
@@ -14,6 +14,7 @@
     <p:sldId id="264" r:id="rId8"/>
     <p:sldId id="261" r:id="rId9"/>
     <p:sldId id="262" r:id="rId10"/>
+    <p:sldId id="266" r:id="rId11"/>
   </p:sldIdLst>
   <p:sldSz cx="12192000" cy="6858000"/>
   <p:notesSz cx="6858000" cy="9144000"/>
@@ -170,7 +171,7 @@
           <a:noFill/>
           <a:extLst>
             <a:ext uri="{909E8E84-426E-40dd-AFC4-6F175D3DCCD1}">
-              <a14:hiddenFill xmlns="" xmlns:a14="http://schemas.microsoft.com/office/drawing/2010/main">
+              <a14:hiddenFill xmlns:a14="http://schemas.microsoft.com/office/drawing/2010/main" xmlns="">
                 <a:solidFill>
                   <a:srgbClr val="FFFFFF"/>
                 </a:solidFill>
@@ -230,7 +231,7 @@
             </a:ln>
             <a:extLst>
               <a:ext uri="{91240B29-F687-4f45-9708-019B960494DF}">
-                <a14:hiddenLine xmlns="" xmlns:a14="http://schemas.microsoft.com/office/drawing/2010/main" w="9525">
+                <a14:hiddenLine xmlns:a14="http://schemas.microsoft.com/office/drawing/2010/main" xmlns="" w="9525">
                   <a:solidFill>
                     <a:srgbClr val="000000"/>
                   </a:solidFill>
@@ -320,7 +321,7 @@
             </a:ln>
             <a:extLst>
               <a:ext uri="{91240B29-F687-4f45-9708-019B960494DF}">
-                <a14:hiddenLine xmlns="" xmlns:a14="http://schemas.microsoft.com/office/drawing/2010/main" w="9525">
+                <a14:hiddenLine xmlns:a14="http://schemas.microsoft.com/office/drawing/2010/main" xmlns="" w="9525">
                   <a:solidFill>
                     <a:srgbClr val="000000"/>
                   </a:solidFill>
@@ -410,7 +411,7 @@
             </a:ln>
             <a:extLst>
               <a:ext uri="{91240B29-F687-4f45-9708-019B960494DF}">
-                <a14:hiddenLine xmlns="" xmlns:a14="http://schemas.microsoft.com/office/drawing/2010/main" w="9525">
+                <a14:hiddenLine xmlns:a14="http://schemas.microsoft.com/office/drawing/2010/main" xmlns="" w="9525">
                   <a:solidFill>
                     <a:srgbClr val="000000"/>
                   </a:solidFill>
@@ -444,7 +445,7 @@
             </a:ln>
             <a:extLst>
               <a:ext uri="{91240B29-F687-4f45-9708-019B960494DF}">
-                <a14:hiddenLine xmlns="" xmlns:a14="http://schemas.microsoft.com/office/drawing/2010/main" w="9525">
+                <a14:hiddenLine xmlns:a14="http://schemas.microsoft.com/office/drawing/2010/main" xmlns="" w="9525">
                   <a:solidFill>
                     <a:srgbClr val="000000"/>
                   </a:solidFill>
@@ -534,7 +535,7 @@
             </a:ln>
             <a:extLst>
               <a:ext uri="{91240B29-F687-4f45-9708-019B960494DF}">
-                <a14:hiddenLine xmlns="" xmlns:a14="http://schemas.microsoft.com/office/drawing/2010/main" w="9525">
+                <a14:hiddenLine xmlns:a14="http://schemas.microsoft.com/office/drawing/2010/main" xmlns="" w="9525">
                   <a:solidFill>
                     <a:srgbClr val="000000"/>
                   </a:solidFill>
@@ -596,7 +597,7 @@
             </a:ln>
             <a:extLst>
               <a:ext uri="{91240B29-F687-4f45-9708-019B960494DF}">
-                <a14:hiddenLine xmlns="" xmlns:a14="http://schemas.microsoft.com/office/drawing/2010/main" w="9525">
+                <a14:hiddenLine xmlns:a14="http://schemas.microsoft.com/office/drawing/2010/main" xmlns="" w="9525">
                   <a:solidFill>
                     <a:srgbClr val="000000"/>
                   </a:solidFill>
@@ -658,7 +659,7 @@
             </a:ln>
             <a:extLst>
               <a:ext uri="{91240B29-F687-4f45-9708-019B960494DF}">
-                <a14:hiddenLine xmlns="" xmlns:a14="http://schemas.microsoft.com/office/drawing/2010/main" w="9525">
+                <a14:hiddenLine xmlns:a14="http://schemas.microsoft.com/office/drawing/2010/main" xmlns="" w="9525">
                   <a:solidFill>
                     <a:srgbClr val="000000"/>
                   </a:solidFill>
@@ -748,7 +749,7 @@
             </a:ln>
             <a:extLst>
               <a:ext uri="{91240B29-F687-4f45-9708-019B960494DF}">
-                <a14:hiddenLine xmlns="" xmlns:a14="http://schemas.microsoft.com/office/drawing/2010/main" w="9525">
+                <a14:hiddenLine xmlns:a14="http://schemas.microsoft.com/office/drawing/2010/main" xmlns="" w="9525">
                   <a:solidFill>
                     <a:srgbClr val="000000"/>
                   </a:solidFill>
@@ -810,7 +811,7 @@
             </a:ln>
             <a:extLst>
               <a:ext uri="{91240B29-F687-4f45-9708-019B960494DF}">
-                <a14:hiddenLine xmlns="" xmlns:a14="http://schemas.microsoft.com/office/drawing/2010/main" w="9525">
+                <a14:hiddenLine xmlns:a14="http://schemas.microsoft.com/office/drawing/2010/main" xmlns="" w="9525">
                   <a:solidFill>
                     <a:srgbClr val="000000"/>
                   </a:solidFill>
@@ -872,7 +873,7 @@
             </a:ln>
             <a:extLst>
               <a:ext uri="{91240B29-F687-4f45-9708-019B960494DF}">
-                <a14:hiddenLine xmlns="" xmlns:a14="http://schemas.microsoft.com/office/drawing/2010/main" w="9525">
+                <a14:hiddenLine xmlns:a14="http://schemas.microsoft.com/office/drawing/2010/main" xmlns="" w="9525">
                   <a:solidFill>
                     <a:srgbClr val="000000"/>
                   </a:solidFill>
@@ -962,7 +963,7 @@
             </a:ln>
             <a:extLst>
               <a:ext uri="{91240B29-F687-4f45-9708-019B960494DF}">
-                <a14:hiddenLine xmlns="" xmlns:a14="http://schemas.microsoft.com/office/drawing/2010/main" w="9525">
+                <a14:hiddenLine xmlns:a14="http://schemas.microsoft.com/office/drawing/2010/main" xmlns="" w="9525">
                   <a:solidFill>
                     <a:srgbClr val="000000"/>
                   </a:solidFill>
@@ -1052,7 +1053,7 @@
             </a:ln>
             <a:extLst>
               <a:ext uri="{91240B29-F687-4f45-9708-019B960494DF}">
-                <a14:hiddenLine xmlns="" xmlns:a14="http://schemas.microsoft.com/office/drawing/2010/main" w="9525">
+                <a14:hiddenLine xmlns:a14="http://schemas.microsoft.com/office/drawing/2010/main" xmlns="" w="9525">
                   <a:solidFill>
                     <a:srgbClr val="000000"/>
                   </a:solidFill>
@@ -1114,7 +1115,7 @@
             </a:ln>
             <a:extLst>
               <a:ext uri="{91240B29-F687-4f45-9708-019B960494DF}">
-                <a14:hiddenLine xmlns="" xmlns:a14="http://schemas.microsoft.com/office/drawing/2010/main" w="9525">
+                <a14:hiddenLine xmlns:a14="http://schemas.microsoft.com/office/drawing/2010/main" xmlns="" w="9525">
                   <a:solidFill>
                     <a:srgbClr val="000000"/>
                   </a:solidFill>
@@ -1224,7 +1225,7 @@
             </a:ln>
             <a:extLst>
               <a:ext uri="{91240B29-F687-4f45-9708-019B960494DF}">
-                <a14:hiddenLine xmlns="" xmlns:a14="http://schemas.microsoft.com/office/drawing/2010/main" w="9525">
+                <a14:hiddenLine xmlns:a14="http://schemas.microsoft.com/office/drawing/2010/main" xmlns="" w="9525">
                   <a:solidFill>
                     <a:srgbClr val="000000"/>
                   </a:solidFill>
@@ -1286,7 +1287,7 @@
             </a:ln>
             <a:extLst>
               <a:ext uri="{91240B29-F687-4f45-9708-019B960494DF}">
-                <a14:hiddenLine xmlns="" xmlns:a14="http://schemas.microsoft.com/office/drawing/2010/main" w="9525">
+                <a14:hiddenLine xmlns:a14="http://schemas.microsoft.com/office/drawing/2010/main" xmlns="" w="9525">
                   <a:solidFill>
                     <a:srgbClr val="000000"/>
                   </a:solidFill>
@@ -1376,7 +1377,7 @@
             </a:ln>
             <a:extLst>
               <a:ext uri="{91240B29-F687-4f45-9708-019B960494DF}">
-                <a14:hiddenLine xmlns="" xmlns:a14="http://schemas.microsoft.com/office/drawing/2010/main" w="9525">
+                <a14:hiddenLine xmlns:a14="http://schemas.microsoft.com/office/drawing/2010/main" xmlns="" w="9525">
                   <a:solidFill>
                     <a:srgbClr val="000000"/>
                   </a:solidFill>
@@ -1466,7 +1467,7 @@
             </a:ln>
             <a:extLst>
               <a:ext uri="{91240B29-F687-4f45-9708-019B960494DF}">
-                <a14:hiddenLine xmlns="" xmlns:a14="http://schemas.microsoft.com/office/drawing/2010/main" w="9525">
+                <a14:hiddenLine xmlns:a14="http://schemas.microsoft.com/office/drawing/2010/main" xmlns="" w="9525">
                   <a:solidFill>
                     <a:srgbClr val="000000"/>
                   </a:solidFill>
@@ -1528,7 +1529,7 @@
             </a:ln>
             <a:extLst>
               <a:ext uri="{91240B29-F687-4f45-9708-019B960494DF}">
-                <a14:hiddenLine xmlns="" xmlns:a14="http://schemas.microsoft.com/office/drawing/2010/main" w="9525">
+                <a14:hiddenLine xmlns:a14="http://schemas.microsoft.com/office/drawing/2010/main" xmlns="" w="9525">
                   <a:solidFill>
                     <a:srgbClr val="000000"/>
                   </a:solidFill>
@@ -1618,7 +1619,7 @@
             </a:ln>
             <a:extLst>
               <a:ext uri="{91240B29-F687-4f45-9708-019B960494DF}">
-                <a14:hiddenLine xmlns="" xmlns:a14="http://schemas.microsoft.com/office/drawing/2010/main" w="9525">
+                <a14:hiddenLine xmlns:a14="http://schemas.microsoft.com/office/drawing/2010/main" xmlns="" w="9525">
                   <a:solidFill>
                     <a:srgbClr val="000000"/>
                   </a:solidFill>
@@ -1708,7 +1709,7 @@
             </a:ln>
             <a:extLst>
               <a:ext uri="{91240B29-F687-4f45-9708-019B960494DF}">
-                <a14:hiddenLine xmlns="" xmlns:a14="http://schemas.microsoft.com/office/drawing/2010/main" w="9525">
+                <a14:hiddenLine xmlns:a14="http://schemas.microsoft.com/office/drawing/2010/main" xmlns="" w="9525">
                   <a:solidFill>
                     <a:srgbClr val="000000"/>
                   </a:solidFill>
@@ -1764,7 +1765,7 @@
             </a:ln>
             <a:extLst>
               <a:ext uri="{91240B29-F687-4f45-9708-019B960494DF}">
-                <a14:hiddenLine xmlns="" xmlns:a14="http://schemas.microsoft.com/office/drawing/2010/main" w="9525">
+                <a14:hiddenLine xmlns:a14="http://schemas.microsoft.com/office/drawing/2010/main" xmlns="" w="9525">
                   <a:solidFill>
                     <a:srgbClr val="000000"/>
                   </a:solidFill>
@@ -1854,7 +1855,7 @@
             </a:ln>
             <a:extLst>
               <a:ext uri="{91240B29-F687-4f45-9708-019B960494DF}">
-                <a14:hiddenLine xmlns="" xmlns:a14="http://schemas.microsoft.com/office/drawing/2010/main" w="9525">
+                <a14:hiddenLine xmlns:a14="http://schemas.microsoft.com/office/drawing/2010/main" xmlns="" w="9525">
                   <a:solidFill>
                     <a:srgbClr val="000000"/>
                   </a:solidFill>
@@ -1910,7 +1911,7 @@
             </a:ln>
             <a:extLst>
               <a:ext uri="{91240B29-F687-4f45-9708-019B960494DF}">
-                <a14:hiddenLine xmlns="" xmlns:a14="http://schemas.microsoft.com/office/drawing/2010/main" w="9525">
+                <a14:hiddenLine xmlns:a14="http://schemas.microsoft.com/office/drawing/2010/main" xmlns="" w="9525">
                   <a:solidFill>
                     <a:srgbClr val="000000"/>
                   </a:solidFill>
@@ -2000,7 +2001,7 @@
             </a:ln>
             <a:extLst>
               <a:ext uri="{91240B29-F687-4f45-9708-019B960494DF}">
-                <a14:hiddenLine xmlns="" xmlns:a14="http://schemas.microsoft.com/office/drawing/2010/main" w="9525">
+                <a14:hiddenLine xmlns:a14="http://schemas.microsoft.com/office/drawing/2010/main" xmlns="" w="9525">
                   <a:solidFill>
                     <a:srgbClr val="000000"/>
                   </a:solidFill>
@@ -2068,7 +2069,7 @@
             </a:ln>
             <a:extLst>
               <a:ext uri="{91240B29-F687-4f45-9708-019B960494DF}">
-                <a14:hiddenLine xmlns="" xmlns:a14="http://schemas.microsoft.com/office/drawing/2010/main" w="9525">
+                <a14:hiddenLine xmlns:a14="http://schemas.microsoft.com/office/drawing/2010/main" xmlns="" w="9525">
                   <a:solidFill>
                     <a:srgbClr val="000000"/>
                   </a:solidFill>
@@ -2158,7 +2159,7 @@
             </a:ln>
             <a:extLst>
               <a:ext uri="{91240B29-F687-4f45-9708-019B960494DF}">
-                <a14:hiddenLine xmlns="" xmlns:a14="http://schemas.microsoft.com/office/drawing/2010/main" w="9525">
+                <a14:hiddenLine xmlns:a14="http://schemas.microsoft.com/office/drawing/2010/main" xmlns="" w="9525">
                   <a:solidFill>
                     <a:srgbClr val="000000"/>
                   </a:solidFill>
@@ -2226,7 +2227,7 @@
             </a:ln>
             <a:extLst>
               <a:ext uri="{91240B29-F687-4f45-9708-019B960494DF}">
-                <a14:hiddenLine xmlns="" xmlns:a14="http://schemas.microsoft.com/office/drawing/2010/main" w="9525">
+                <a14:hiddenLine xmlns:a14="http://schemas.microsoft.com/office/drawing/2010/main" xmlns="" w="9525">
                   <a:solidFill>
                     <a:srgbClr val="000000"/>
                   </a:solidFill>
@@ -2316,7 +2317,7 @@
             </a:ln>
             <a:extLst>
               <a:ext uri="{91240B29-F687-4f45-9708-019B960494DF}">
-                <a14:hiddenLine xmlns="" xmlns:a14="http://schemas.microsoft.com/office/drawing/2010/main" w="9525">
+                <a14:hiddenLine xmlns:a14="http://schemas.microsoft.com/office/drawing/2010/main" xmlns="" w="9525">
                   <a:solidFill>
                     <a:srgbClr val="000000"/>
                   </a:solidFill>
@@ -2350,7 +2351,7 @@
             </a:ln>
             <a:extLst>
               <a:ext uri="{91240B29-F687-4f45-9708-019B960494DF}">
-                <a14:hiddenLine xmlns="" xmlns:a14="http://schemas.microsoft.com/office/drawing/2010/main" w="9525">
+                <a14:hiddenLine xmlns:a14="http://schemas.microsoft.com/office/drawing/2010/main" xmlns="" w="9525">
                   <a:solidFill>
                     <a:srgbClr val="000000"/>
                   </a:solidFill>
@@ -2440,7 +2441,7 @@
             </a:ln>
             <a:extLst>
               <a:ext uri="{91240B29-F687-4f45-9708-019B960494DF}">
-                <a14:hiddenLine xmlns="" xmlns:a14="http://schemas.microsoft.com/office/drawing/2010/main" w="9525">
+                <a14:hiddenLine xmlns:a14="http://schemas.microsoft.com/office/drawing/2010/main" xmlns="" w="9525">
                   <a:solidFill>
                     <a:srgbClr val="000000"/>
                   </a:solidFill>
@@ -2502,7 +2503,7 @@
             </a:ln>
             <a:extLst>
               <a:ext uri="{91240B29-F687-4f45-9708-019B960494DF}">
-                <a14:hiddenLine xmlns="" xmlns:a14="http://schemas.microsoft.com/office/drawing/2010/main" w="9525">
+                <a14:hiddenLine xmlns:a14="http://schemas.microsoft.com/office/drawing/2010/main" xmlns="" w="9525">
                   <a:solidFill>
                     <a:srgbClr val="000000"/>
                   </a:solidFill>
@@ -2564,7 +2565,7 @@
             </a:ln>
             <a:extLst>
               <a:ext uri="{91240B29-F687-4f45-9708-019B960494DF}">
-                <a14:hiddenLine xmlns="" xmlns:a14="http://schemas.microsoft.com/office/drawing/2010/main" w="9525">
+                <a14:hiddenLine xmlns:a14="http://schemas.microsoft.com/office/drawing/2010/main" xmlns="" w="9525">
                   <a:solidFill>
                     <a:srgbClr val="000000"/>
                   </a:solidFill>
@@ -2654,7 +2655,7 @@
             </a:ln>
             <a:extLst>
               <a:ext uri="{91240B29-F687-4f45-9708-019B960494DF}">
-                <a14:hiddenLine xmlns="" xmlns:a14="http://schemas.microsoft.com/office/drawing/2010/main" w="9525">
+                <a14:hiddenLine xmlns:a14="http://schemas.microsoft.com/office/drawing/2010/main" xmlns="" w="9525">
                   <a:solidFill>
                     <a:srgbClr val="000000"/>
                   </a:solidFill>
@@ -2722,7 +2723,7 @@
             </a:ln>
             <a:extLst>
               <a:ext uri="{91240B29-F687-4f45-9708-019B960494DF}">
-                <a14:hiddenLine xmlns="" xmlns:a14="http://schemas.microsoft.com/office/drawing/2010/main" w="9525">
+                <a14:hiddenLine xmlns:a14="http://schemas.microsoft.com/office/drawing/2010/main" xmlns="" w="9525">
                   <a:solidFill>
                     <a:srgbClr val="000000"/>
                   </a:solidFill>
@@ -2784,7 +2785,7 @@
             </a:ln>
             <a:extLst>
               <a:ext uri="{91240B29-F687-4f45-9708-019B960494DF}">
-                <a14:hiddenLine xmlns="" xmlns:a14="http://schemas.microsoft.com/office/drawing/2010/main" w="9525">
+                <a14:hiddenLine xmlns:a14="http://schemas.microsoft.com/office/drawing/2010/main" xmlns="" w="9525">
                   <a:solidFill>
                     <a:srgbClr val="000000"/>
                   </a:solidFill>
@@ -2874,7 +2875,7 @@
             </a:ln>
             <a:extLst>
               <a:ext uri="{91240B29-F687-4f45-9708-019B960494DF}">
-                <a14:hiddenLine xmlns="" xmlns:a14="http://schemas.microsoft.com/office/drawing/2010/main" w="9525">
+                <a14:hiddenLine xmlns:a14="http://schemas.microsoft.com/office/drawing/2010/main" xmlns="" w="9525">
                   <a:solidFill>
                     <a:srgbClr val="000000"/>
                   </a:solidFill>
@@ -2936,7 +2937,7 @@
             </a:ln>
             <a:extLst>
               <a:ext uri="{91240B29-F687-4f45-9708-019B960494DF}">
-                <a14:hiddenLine xmlns="" xmlns:a14="http://schemas.microsoft.com/office/drawing/2010/main" w="9525">
+                <a14:hiddenLine xmlns:a14="http://schemas.microsoft.com/office/drawing/2010/main" xmlns="" w="9525">
                   <a:solidFill>
                     <a:srgbClr val="000000"/>
                   </a:solidFill>
@@ -3026,7 +3027,7 @@
             </a:ln>
             <a:extLst>
               <a:ext uri="{91240B29-F687-4f45-9708-019B960494DF}">
-                <a14:hiddenLine xmlns="" xmlns:a14="http://schemas.microsoft.com/office/drawing/2010/main" w="9525">
+                <a14:hiddenLine xmlns:a14="http://schemas.microsoft.com/office/drawing/2010/main" xmlns="" w="9525">
                   <a:solidFill>
                     <a:srgbClr val="000000"/>
                   </a:solidFill>
@@ -3088,7 +3089,7 @@
             </a:ln>
             <a:extLst>
               <a:ext uri="{91240B29-F687-4f45-9708-019B960494DF}">
-                <a14:hiddenLine xmlns="" xmlns:a14="http://schemas.microsoft.com/office/drawing/2010/main" w="9525">
+                <a14:hiddenLine xmlns:a14="http://schemas.microsoft.com/office/drawing/2010/main" xmlns="" w="9525">
                   <a:solidFill>
                     <a:srgbClr val="000000"/>
                   </a:solidFill>
@@ -3178,7 +3179,7 @@
             </a:ln>
             <a:extLst>
               <a:ext uri="{91240B29-F687-4f45-9708-019B960494DF}">
-                <a14:hiddenLine xmlns="" xmlns:a14="http://schemas.microsoft.com/office/drawing/2010/main" w="9525">
+                <a14:hiddenLine xmlns:a14="http://schemas.microsoft.com/office/drawing/2010/main" xmlns="" w="9525">
                   <a:solidFill>
                     <a:srgbClr val="000000"/>
                   </a:solidFill>
@@ -3212,7 +3213,7 @@
             </a:ln>
             <a:extLst>
               <a:ext uri="{91240B29-F687-4f45-9708-019B960494DF}">
-                <a14:hiddenLine xmlns="" xmlns:a14="http://schemas.microsoft.com/office/drawing/2010/main" w="9525">
+                <a14:hiddenLine xmlns:a14="http://schemas.microsoft.com/office/drawing/2010/main" xmlns="" w="9525">
                   <a:solidFill>
                     <a:srgbClr val="000000"/>
                   </a:solidFill>
@@ -3277,7 +3278,7 @@
             </a:ln>
             <a:extLst>
               <a:ext uri="{91240B29-F687-4f45-9708-019B960494DF}">
-                <a14:hiddenLine xmlns="" xmlns:a14="http://schemas.microsoft.com/office/drawing/2010/main" w="9525">
+                <a14:hiddenLine xmlns:a14="http://schemas.microsoft.com/office/drawing/2010/main" xmlns="" w="9525">
                   <a:solidFill>
                     <a:srgbClr val="000000"/>
                   </a:solidFill>
@@ -3367,7 +3368,7 @@
             </a:ln>
             <a:extLst>
               <a:ext uri="{91240B29-F687-4f45-9708-019B960494DF}">
-                <a14:hiddenLine xmlns="" xmlns:a14="http://schemas.microsoft.com/office/drawing/2010/main" w="9525">
+                <a14:hiddenLine xmlns:a14="http://schemas.microsoft.com/office/drawing/2010/main" xmlns="" w="9525">
                   <a:solidFill>
                     <a:srgbClr val="000000"/>
                   </a:solidFill>
@@ -3429,7 +3430,7 @@
             </a:ln>
             <a:extLst>
               <a:ext uri="{91240B29-F687-4f45-9708-019B960494DF}">
-                <a14:hiddenLine xmlns="" xmlns:a14="http://schemas.microsoft.com/office/drawing/2010/main" w="9525">
+                <a14:hiddenLine xmlns:a14="http://schemas.microsoft.com/office/drawing/2010/main" xmlns="" w="9525">
                   <a:solidFill>
                     <a:srgbClr val="000000"/>
                   </a:solidFill>
@@ -3519,7 +3520,7 @@
             </a:ln>
             <a:extLst>
               <a:ext uri="{91240B29-F687-4f45-9708-019B960494DF}">
-                <a14:hiddenLine xmlns="" xmlns:a14="http://schemas.microsoft.com/office/drawing/2010/main" w="9525">
+                <a14:hiddenLine xmlns:a14="http://schemas.microsoft.com/office/drawing/2010/main" xmlns="" w="9525">
                   <a:solidFill>
                     <a:srgbClr val="000000"/>
                   </a:solidFill>
@@ -3609,7 +3610,7 @@
             </a:ln>
             <a:extLst>
               <a:ext uri="{91240B29-F687-4f45-9708-019B960494DF}">
-                <a14:hiddenLine xmlns="" xmlns:a14="http://schemas.microsoft.com/office/drawing/2010/main" w="9525">
+                <a14:hiddenLine xmlns:a14="http://schemas.microsoft.com/office/drawing/2010/main" xmlns="" w="9525">
                   <a:solidFill>
                     <a:srgbClr val="000000"/>
                   </a:solidFill>
@@ -3674,7 +3675,7 @@
             </a:ln>
             <a:extLst>
               <a:ext uri="{91240B29-F687-4f45-9708-019B960494DF}">
-                <a14:hiddenLine xmlns="" xmlns:a14="http://schemas.microsoft.com/office/drawing/2010/main" w="9525">
+                <a14:hiddenLine xmlns:a14="http://schemas.microsoft.com/office/drawing/2010/main" xmlns="" w="9525">
                   <a:solidFill>
                     <a:srgbClr val="000000"/>
                   </a:solidFill>
@@ -3736,7 +3737,7 @@
             </a:ln>
             <a:extLst>
               <a:ext uri="{91240B29-F687-4f45-9708-019B960494DF}">
-                <a14:hiddenLine xmlns="" xmlns:a14="http://schemas.microsoft.com/office/drawing/2010/main" w="9525">
+                <a14:hiddenLine xmlns:a14="http://schemas.microsoft.com/office/drawing/2010/main" xmlns="" w="9525">
                   <a:solidFill>
                     <a:srgbClr val="000000"/>
                   </a:solidFill>
@@ -3826,7 +3827,7 @@
             </a:ln>
             <a:extLst>
               <a:ext uri="{91240B29-F687-4f45-9708-019B960494DF}">
-                <a14:hiddenLine xmlns="" xmlns:a14="http://schemas.microsoft.com/office/drawing/2010/main" w="9525">
+                <a14:hiddenLine xmlns:a14="http://schemas.microsoft.com/office/drawing/2010/main" xmlns="" w="9525">
                   <a:solidFill>
                     <a:srgbClr val="000000"/>
                   </a:solidFill>
@@ -3916,7 +3917,7 @@
             </a:ln>
             <a:extLst>
               <a:ext uri="{91240B29-F687-4f45-9708-019B960494DF}">
-                <a14:hiddenLine xmlns="" xmlns:a14="http://schemas.microsoft.com/office/drawing/2010/main" w="9525">
+                <a14:hiddenLine xmlns:a14="http://schemas.microsoft.com/office/drawing/2010/main" xmlns="" w="9525">
                   <a:solidFill>
                     <a:srgbClr val="000000"/>
                   </a:solidFill>
@@ -3978,7 +3979,7 @@
             </a:ln>
             <a:extLst>
               <a:ext uri="{91240B29-F687-4f45-9708-019B960494DF}">
-                <a14:hiddenLine xmlns="" xmlns:a14="http://schemas.microsoft.com/office/drawing/2010/main" w="9525">
+                <a14:hiddenLine xmlns:a14="http://schemas.microsoft.com/office/drawing/2010/main" xmlns="" w="9525">
                   <a:solidFill>
                     <a:srgbClr val="000000"/>
                   </a:solidFill>
@@ -4098,7 +4099,7 @@
             </a:ln>
             <a:extLst>
               <a:ext uri="{91240B29-F687-4f45-9708-019B960494DF}">
-                <a14:hiddenLine xmlns="" xmlns:a14="http://schemas.microsoft.com/office/drawing/2010/main" w="9525">
+                <a14:hiddenLine xmlns:a14="http://schemas.microsoft.com/office/drawing/2010/main" xmlns="" w="9525">
                   <a:solidFill>
                     <a:srgbClr val="000000"/>
                   </a:solidFill>
@@ -4166,7 +4167,7 @@
             </a:ln>
             <a:extLst>
               <a:ext uri="{91240B29-F687-4f45-9708-019B960494DF}">
-                <a14:hiddenLine xmlns="" xmlns:a14="http://schemas.microsoft.com/office/drawing/2010/main" w="9525">
+                <a14:hiddenLine xmlns:a14="http://schemas.microsoft.com/office/drawing/2010/main" xmlns="" w="9525">
                   <a:solidFill>
                     <a:srgbClr val="000000"/>
                   </a:solidFill>
@@ -4256,7 +4257,7 @@
             </a:ln>
             <a:extLst>
               <a:ext uri="{91240B29-F687-4f45-9708-019B960494DF}">
-                <a14:hiddenLine xmlns="" xmlns:a14="http://schemas.microsoft.com/office/drawing/2010/main" w="9525">
+                <a14:hiddenLine xmlns:a14="http://schemas.microsoft.com/office/drawing/2010/main" xmlns="" w="9525">
                   <a:solidFill>
                     <a:srgbClr val="000000"/>
                   </a:solidFill>
@@ -8978,7 +8979,7 @@
           <a:noFill/>
           <a:extLst>
             <a:ext uri="{909E8E84-426E-40dd-AFC4-6F175D3DCCD1}">
-              <a14:hiddenFill xmlns="" xmlns:a14="http://schemas.microsoft.com/office/drawing/2010/main">
+              <a14:hiddenFill xmlns:a14="http://schemas.microsoft.com/office/drawing/2010/main" xmlns="">
                 <a:solidFill>
                   <a:srgbClr val="FFFFFF"/>
                 </a:solidFill>
@@ -9052,7 +9053,7 @@
               </a:ln>
               <a:extLst>
                 <a:ext uri="{91240B29-F687-4f45-9708-019B960494DF}">
-                  <a14:hiddenLine xmlns="" xmlns:a14="http://schemas.microsoft.com/office/drawing/2010/main" w="9525">
+                  <a14:hiddenLine xmlns:a14="http://schemas.microsoft.com/office/drawing/2010/main" xmlns="" w="9525">
                     <a:solidFill>
                       <a:srgbClr val="000000"/>
                     </a:solidFill>
@@ -9142,7 +9143,7 @@
               </a:ln>
               <a:extLst>
                 <a:ext uri="{91240B29-F687-4f45-9708-019B960494DF}">
-                  <a14:hiddenLine xmlns="" xmlns:a14="http://schemas.microsoft.com/office/drawing/2010/main" w="9525">
+                  <a14:hiddenLine xmlns:a14="http://schemas.microsoft.com/office/drawing/2010/main" xmlns="" w="9525">
                     <a:solidFill>
                       <a:srgbClr val="000000"/>
                     </a:solidFill>
@@ -9232,7 +9233,7 @@
               </a:ln>
               <a:extLst>
                 <a:ext uri="{91240B29-F687-4f45-9708-019B960494DF}">
-                  <a14:hiddenLine xmlns="" xmlns:a14="http://schemas.microsoft.com/office/drawing/2010/main" w="9525">
+                  <a14:hiddenLine xmlns:a14="http://schemas.microsoft.com/office/drawing/2010/main" xmlns="" w="9525">
                     <a:solidFill>
                       <a:srgbClr val="000000"/>
                     </a:solidFill>
@@ -9294,7 +9295,7 @@
               </a:ln>
               <a:extLst>
                 <a:ext uri="{91240B29-F687-4f45-9708-019B960494DF}">
-                  <a14:hiddenLine xmlns="" xmlns:a14="http://schemas.microsoft.com/office/drawing/2010/main" w="9525">
+                  <a14:hiddenLine xmlns:a14="http://schemas.microsoft.com/office/drawing/2010/main" xmlns="" w="9525">
                     <a:solidFill>
                       <a:srgbClr val="000000"/>
                     </a:solidFill>
@@ -9384,7 +9385,7 @@
               </a:ln>
               <a:extLst>
                 <a:ext uri="{91240B29-F687-4f45-9708-019B960494DF}">
-                  <a14:hiddenLine xmlns="" xmlns:a14="http://schemas.microsoft.com/office/drawing/2010/main" w="9525">
+                  <a14:hiddenLine xmlns:a14="http://schemas.microsoft.com/office/drawing/2010/main" xmlns="" w="9525">
                     <a:solidFill>
                       <a:srgbClr val="000000"/>
                     </a:solidFill>
@@ -9446,7 +9447,7 @@
               </a:ln>
               <a:extLst>
                 <a:ext uri="{91240B29-F687-4f45-9708-019B960494DF}">
-                  <a14:hiddenLine xmlns="" xmlns:a14="http://schemas.microsoft.com/office/drawing/2010/main" w="9525">
+                  <a14:hiddenLine xmlns:a14="http://schemas.microsoft.com/office/drawing/2010/main" xmlns="" w="9525">
                     <a:solidFill>
                       <a:srgbClr val="000000"/>
                     </a:solidFill>
@@ -9508,7 +9509,7 @@
               </a:ln>
               <a:extLst>
                 <a:ext uri="{91240B29-F687-4f45-9708-019B960494DF}">
-                  <a14:hiddenLine xmlns="" xmlns:a14="http://schemas.microsoft.com/office/drawing/2010/main" w="9525">
+                  <a14:hiddenLine xmlns:a14="http://schemas.microsoft.com/office/drawing/2010/main" xmlns="" w="9525">
                     <a:solidFill>
                       <a:srgbClr val="000000"/>
                     </a:solidFill>
@@ -9598,7 +9599,7 @@
               </a:ln>
               <a:extLst>
                 <a:ext uri="{91240B29-F687-4f45-9708-019B960494DF}">
-                  <a14:hiddenLine xmlns="" xmlns:a14="http://schemas.microsoft.com/office/drawing/2010/main" w="9525">
+                  <a14:hiddenLine xmlns:a14="http://schemas.microsoft.com/office/drawing/2010/main" xmlns="" w="9525">
                     <a:solidFill>
                       <a:srgbClr val="000000"/>
                     </a:solidFill>
@@ -9688,7 +9689,7 @@
               </a:ln>
               <a:extLst>
                 <a:ext uri="{91240B29-F687-4f45-9708-019B960494DF}">
-                  <a14:hiddenLine xmlns="" xmlns:a14="http://schemas.microsoft.com/office/drawing/2010/main" w="9525">
+                  <a14:hiddenLine xmlns:a14="http://schemas.microsoft.com/office/drawing/2010/main" xmlns="" w="9525">
                     <a:solidFill>
                       <a:srgbClr val="000000"/>
                     </a:solidFill>
@@ -9750,7 +9751,7 @@
               </a:ln>
               <a:extLst>
                 <a:ext uri="{91240B29-F687-4f45-9708-019B960494DF}">
-                  <a14:hiddenLine xmlns="" xmlns:a14="http://schemas.microsoft.com/office/drawing/2010/main" w="9525">
+                  <a14:hiddenLine xmlns:a14="http://schemas.microsoft.com/office/drawing/2010/main" xmlns="" w="9525">
                     <a:solidFill>
                       <a:srgbClr val="000000"/>
                     </a:solidFill>
@@ -9860,7 +9861,7 @@
               </a:ln>
               <a:extLst>
                 <a:ext uri="{91240B29-F687-4f45-9708-019B960494DF}">
-                  <a14:hiddenLine xmlns="" xmlns:a14="http://schemas.microsoft.com/office/drawing/2010/main" w="9525">
+                  <a14:hiddenLine xmlns:a14="http://schemas.microsoft.com/office/drawing/2010/main" xmlns="" w="9525">
                     <a:solidFill>
                       <a:srgbClr val="000000"/>
                     </a:solidFill>
@@ -9944,7 +9945,7 @@
               </a:ln>
               <a:extLst>
                 <a:ext uri="{91240B29-F687-4f45-9708-019B960494DF}">
-                  <a14:hiddenLine xmlns="" xmlns:a14="http://schemas.microsoft.com/office/drawing/2010/main" w="9525">
+                  <a14:hiddenLine xmlns:a14="http://schemas.microsoft.com/office/drawing/2010/main" xmlns="" w="9525">
                     <a:solidFill>
                       <a:srgbClr val="000000"/>
                     </a:solidFill>
@@ -10006,7 +10007,7 @@
               </a:ln>
               <a:extLst>
                 <a:ext uri="{91240B29-F687-4f45-9708-019B960494DF}">
-                  <a14:hiddenLine xmlns="" xmlns:a14="http://schemas.microsoft.com/office/drawing/2010/main" w="9525">
+                  <a14:hiddenLine xmlns:a14="http://schemas.microsoft.com/office/drawing/2010/main" xmlns="" w="9525">
                     <a:solidFill>
                       <a:srgbClr val="000000"/>
                     </a:solidFill>
@@ -10068,7 +10069,7 @@
               </a:ln>
               <a:extLst>
                 <a:ext uri="{91240B29-F687-4f45-9708-019B960494DF}">
-                  <a14:hiddenLine xmlns="" xmlns:a14="http://schemas.microsoft.com/office/drawing/2010/main" w="9525">
+                  <a14:hiddenLine xmlns:a14="http://schemas.microsoft.com/office/drawing/2010/main" xmlns="" w="9525">
                     <a:solidFill>
                       <a:srgbClr val="000000"/>
                     </a:solidFill>
@@ -10158,7 +10159,7 @@
               </a:ln>
               <a:extLst>
                 <a:ext uri="{91240B29-F687-4f45-9708-019B960494DF}">
-                  <a14:hiddenLine xmlns="" xmlns:a14="http://schemas.microsoft.com/office/drawing/2010/main" w="9525">
+                  <a14:hiddenLine xmlns:a14="http://schemas.microsoft.com/office/drawing/2010/main" xmlns="" w="9525">
                     <a:solidFill>
                       <a:srgbClr val="000000"/>
                     </a:solidFill>
@@ -10192,7 +10193,7 @@
               </a:ln>
               <a:extLst>
                 <a:ext uri="{91240B29-F687-4f45-9708-019B960494DF}">
-                  <a14:hiddenLine xmlns="" xmlns:a14="http://schemas.microsoft.com/office/drawing/2010/main" w="9525">
+                  <a14:hiddenLine xmlns:a14="http://schemas.microsoft.com/office/drawing/2010/main" xmlns="" w="9525">
                     <a:solidFill>
                       <a:srgbClr val="000000"/>
                     </a:solidFill>
@@ -10257,7 +10258,7 @@
               </a:ln>
               <a:extLst>
                 <a:ext uri="{91240B29-F687-4f45-9708-019B960494DF}">
-                  <a14:hiddenLine xmlns="" xmlns:a14="http://schemas.microsoft.com/office/drawing/2010/main" w="9525">
+                  <a14:hiddenLine xmlns:a14="http://schemas.microsoft.com/office/drawing/2010/main" xmlns="" w="9525">
                     <a:solidFill>
                       <a:srgbClr val="000000"/>
                     </a:solidFill>
@@ -10347,7 +10348,7 @@
               </a:ln>
               <a:extLst>
                 <a:ext uri="{91240B29-F687-4f45-9708-019B960494DF}">
-                  <a14:hiddenLine xmlns="" xmlns:a14="http://schemas.microsoft.com/office/drawing/2010/main" w="9525">
+                  <a14:hiddenLine xmlns:a14="http://schemas.microsoft.com/office/drawing/2010/main" xmlns="" w="9525">
                     <a:solidFill>
                       <a:srgbClr val="000000"/>
                     </a:solidFill>
@@ -10409,7 +10410,7 @@
               </a:ln>
               <a:extLst>
                 <a:ext uri="{91240B29-F687-4f45-9708-019B960494DF}">
-                  <a14:hiddenLine xmlns="" xmlns:a14="http://schemas.microsoft.com/office/drawing/2010/main" w="9525">
+                  <a14:hiddenLine xmlns:a14="http://schemas.microsoft.com/office/drawing/2010/main" xmlns="" w="9525">
                     <a:solidFill>
                       <a:srgbClr val="000000"/>
                     </a:solidFill>
@@ -10499,7 +10500,7 @@
               </a:ln>
               <a:extLst>
                 <a:ext uri="{91240B29-F687-4f45-9708-019B960494DF}">
-                  <a14:hiddenLine xmlns="" xmlns:a14="http://schemas.microsoft.com/office/drawing/2010/main" w="9525">
+                  <a14:hiddenLine xmlns:a14="http://schemas.microsoft.com/office/drawing/2010/main" xmlns="" w="9525">
                     <a:solidFill>
                       <a:srgbClr val="000000"/>
                     </a:solidFill>
@@ -10564,7 +10565,7 @@
               </a:ln>
               <a:extLst>
                 <a:ext uri="{91240B29-F687-4f45-9708-019B960494DF}">
-                  <a14:hiddenLine xmlns="" xmlns:a14="http://schemas.microsoft.com/office/drawing/2010/main" w="9525">
+                  <a14:hiddenLine xmlns:a14="http://schemas.microsoft.com/office/drawing/2010/main" xmlns="" w="9525">
                     <a:solidFill>
                       <a:srgbClr val="000000"/>
                     </a:solidFill>
@@ -10626,7 +10627,7 @@
               </a:ln>
               <a:extLst>
                 <a:ext uri="{91240B29-F687-4f45-9708-019B960494DF}">
-                  <a14:hiddenLine xmlns="" xmlns:a14="http://schemas.microsoft.com/office/drawing/2010/main" w="9525">
+                  <a14:hiddenLine xmlns:a14="http://schemas.microsoft.com/office/drawing/2010/main" xmlns="" w="9525">
                     <a:solidFill>
                       <a:srgbClr val="000000"/>
                     </a:solidFill>
@@ -10716,7 +10717,7 @@
               </a:ln>
               <a:extLst>
                 <a:ext uri="{91240B29-F687-4f45-9708-019B960494DF}">
-                  <a14:hiddenLine xmlns="" xmlns:a14="http://schemas.microsoft.com/office/drawing/2010/main" w="9525">
+                  <a14:hiddenLine xmlns:a14="http://schemas.microsoft.com/office/drawing/2010/main" xmlns="" w="9525">
                     <a:solidFill>
                       <a:srgbClr val="000000"/>
                     </a:solidFill>
@@ -10806,7 +10807,7 @@
               </a:ln>
               <a:extLst>
                 <a:ext uri="{91240B29-F687-4f45-9708-019B960494DF}">
-                  <a14:hiddenLine xmlns="" xmlns:a14="http://schemas.microsoft.com/office/drawing/2010/main" w="9525">
+                  <a14:hiddenLine xmlns:a14="http://schemas.microsoft.com/office/drawing/2010/main" xmlns="" w="9525">
                     <a:solidFill>
                       <a:srgbClr val="000000"/>
                     </a:solidFill>
@@ -10871,7 +10872,7 @@
               </a:ln>
               <a:extLst>
                 <a:ext uri="{91240B29-F687-4f45-9708-019B960494DF}">
-                  <a14:hiddenLine xmlns="" xmlns:a14="http://schemas.microsoft.com/office/drawing/2010/main" w="9525">
+                  <a14:hiddenLine xmlns:a14="http://schemas.microsoft.com/office/drawing/2010/main" xmlns="" w="9525">
                     <a:solidFill>
                       <a:srgbClr val="000000"/>
                     </a:solidFill>
@@ -10991,7 +10992,7 @@
               </a:ln>
               <a:extLst>
                 <a:ext uri="{91240B29-F687-4f45-9708-019B960494DF}">
-                  <a14:hiddenLine xmlns="" xmlns:a14="http://schemas.microsoft.com/office/drawing/2010/main" w="9525">
+                  <a14:hiddenLine xmlns:a14="http://schemas.microsoft.com/office/drawing/2010/main" xmlns="" w="9525">
                     <a:solidFill>
                       <a:srgbClr val="000000"/>
                     </a:solidFill>
@@ -11089,7 +11090,7 @@
               </a:ln>
               <a:extLst>
                 <a:ext uri="{91240B29-F687-4f45-9708-019B960494DF}">
-                  <a14:hiddenLine xmlns="" xmlns:a14="http://schemas.microsoft.com/office/drawing/2010/main" w="9525">
+                  <a14:hiddenLine xmlns:a14="http://schemas.microsoft.com/office/drawing/2010/main" xmlns="" w="9525">
                     <a:solidFill>
                       <a:srgbClr val="000000"/>
                     </a:solidFill>
@@ -11204,7 +11205,7 @@
               </a:ln>
               <a:extLst>
                 <a:ext uri="{91240B29-F687-4f45-9708-019B960494DF}">
-                  <a14:hiddenLine xmlns="" xmlns:a14="http://schemas.microsoft.com/office/drawing/2010/main" w="9525">
+                  <a14:hiddenLine xmlns:a14="http://schemas.microsoft.com/office/drawing/2010/main" xmlns="" w="9525">
                     <a:solidFill>
                       <a:srgbClr val="000000"/>
                     </a:solidFill>
@@ -11294,7 +11295,7 @@
               </a:ln>
               <a:extLst>
                 <a:ext uri="{91240B29-F687-4f45-9708-019B960494DF}">
-                  <a14:hiddenLine xmlns="" xmlns:a14="http://schemas.microsoft.com/office/drawing/2010/main" w="9525">
+                  <a14:hiddenLine xmlns:a14="http://schemas.microsoft.com/office/drawing/2010/main" xmlns="" w="9525">
                     <a:solidFill>
                       <a:srgbClr val="000000"/>
                     </a:solidFill>
@@ -11359,7 +11360,7 @@
               </a:ln>
               <a:extLst>
                 <a:ext uri="{91240B29-F687-4f45-9708-019B960494DF}">
-                  <a14:hiddenLine xmlns="" xmlns:a14="http://schemas.microsoft.com/office/drawing/2010/main" w="9525">
+                  <a14:hiddenLine xmlns:a14="http://schemas.microsoft.com/office/drawing/2010/main" xmlns="" w="9525">
                     <a:solidFill>
                       <a:srgbClr val="000000"/>
                     </a:solidFill>
@@ -11449,7 +11450,7 @@
               </a:ln>
               <a:extLst>
                 <a:ext uri="{91240B29-F687-4f45-9708-019B960494DF}">
-                  <a14:hiddenLine xmlns="" xmlns:a14="http://schemas.microsoft.com/office/drawing/2010/main" w="9525">
+                  <a14:hiddenLine xmlns:a14="http://schemas.microsoft.com/office/drawing/2010/main" xmlns="" w="9525">
                     <a:solidFill>
                       <a:srgbClr val="000000"/>
                     </a:solidFill>
@@ -11517,7 +11518,7 @@
               </a:ln>
               <a:extLst>
                 <a:ext uri="{91240B29-F687-4f45-9708-019B960494DF}">
-                  <a14:hiddenLine xmlns="" xmlns:a14="http://schemas.microsoft.com/office/drawing/2010/main" w="9525">
+                  <a14:hiddenLine xmlns:a14="http://schemas.microsoft.com/office/drawing/2010/main" xmlns="" w="9525">
                     <a:solidFill>
                       <a:srgbClr val="000000"/>
                     </a:solidFill>
@@ -11607,7 +11608,7 @@
               </a:ln>
               <a:extLst>
                 <a:ext uri="{91240B29-F687-4f45-9708-019B960494DF}">
-                  <a14:hiddenLine xmlns="" xmlns:a14="http://schemas.microsoft.com/office/drawing/2010/main" w="9525">
+                  <a14:hiddenLine xmlns:a14="http://schemas.microsoft.com/office/drawing/2010/main" xmlns="" w="9525">
                     <a:solidFill>
                       <a:srgbClr val="000000"/>
                     </a:solidFill>
@@ -11675,7 +11676,7 @@
               </a:ln>
               <a:extLst>
                 <a:ext uri="{91240B29-F687-4f45-9708-019B960494DF}">
-                  <a14:hiddenLine xmlns="" xmlns:a14="http://schemas.microsoft.com/office/drawing/2010/main" w="9525">
+                  <a14:hiddenLine xmlns:a14="http://schemas.microsoft.com/office/drawing/2010/main" xmlns="" w="9525">
                     <a:solidFill>
                       <a:srgbClr val="000000"/>
                     </a:solidFill>
@@ -11765,7 +11766,7 @@
               </a:ln>
               <a:extLst>
                 <a:ext uri="{91240B29-F687-4f45-9708-019B960494DF}">
-                  <a14:hiddenLine xmlns="" xmlns:a14="http://schemas.microsoft.com/office/drawing/2010/main" w="9525">
+                  <a14:hiddenLine xmlns:a14="http://schemas.microsoft.com/office/drawing/2010/main" xmlns="" w="9525">
                     <a:solidFill>
                       <a:srgbClr val="000000"/>
                     </a:solidFill>
@@ -11799,7 +11800,7 @@
               </a:ln>
               <a:extLst>
                 <a:ext uri="{91240B29-F687-4f45-9708-019B960494DF}">
-                  <a14:hiddenLine xmlns="" xmlns:a14="http://schemas.microsoft.com/office/drawing/2010/main" w="9525">
+                  <a14:hiddenLine xmlns:a14="http://schemas.microsoft.com/office/drawing/2010/main" xmlns="" w="9525">
                     <a:solidFill>
                       <a:srgbClr val="000000"/>
                     </a:solidFill>
@@ -12425,6 +12426,89 @@
 </p:sld>
 </file>
 
+<file path=ppt/slides/slide10.xml><?xml version="1.0" encoding="utf-8"?>
+<p:sld xmlns:a="http://schemas.openxmlformats.org/drawingml/2006/main" xmlns:r="http://schemas.openxmlformats.org/officeDocument/2006/relationships" xmlns:p="http://schemas.openxmlformats.org/presentationml/2006/main">
+  <p:cSld>
+    <p:spTree>
+      <p:nvGrpSpPr>
+        <p:cNvPr id="1" name=""/>
+        <p:cNvGrpSpPr/>
+        <p:nvPr/>
+      </p:nvGrpSpPr>
+      <p:grpSpPr>
+        <a:xfrm>
+          <a:off x="0" y="0"/>
+          <a:ext cx="0" cy="0"/>
+          <a:chOff x="0" y="0"/>
+          <a:chExt cx="0" cy="0"/>
+        </a:xfrm>
+      </p:grpSpPr>
+      <p:sp>
+        <p:nvSpPr>
+          <p:cNvPr id="2" name="Titel 1">
+            <a:extLst>
+              <a:ext uri="{FF2B5EF4-FFF2-40B4-BE49-F238E27FC236}">
+                <a16:creationId xmlns:a16="http://schemas.microsoft.com/office/drawing/2014/main" id="{3977093A-AB65-40B6-B419-9C70A3A9EC56}"/>
+              </a:ext>
+            </a:extLst>
+          </p:cNvPr>
+          <p:cNvSpPr>
+            <a:spLocks noGrp="1"/>
+          </p:cNvSpPr>
+          <p:nvPr>
+            <p:ph type="title"/>
+          </p:nvPr>
+        </p:nvSpPr>
+        <p:spPr/>
+        <p:txBody>
+          <a:bodyPr/>
+          <a:lstStyle/>
+          <a:p>
+            <a:r>
+              <a:rPr lang="de-CH" dirty="0"/>
+              <a:t>Quellen</a:t>
+            </a:r>
+          </a:p>
+        </p:txBody>
+      </p:sp>
+      <p:sp>
+        <p:nvSpPr>
+          <p:cNvPr id="3" name="Inhaltsplatzhalter 2">
+            <a:extLst>
+              <a:ext uri="{FF2B5EF4-FFF2-40B4-BE49-F238E27FC236}">
+                <a16:creationId xmlns:a16="http://schemas.microsoft.com/office/drawing/2014/main" id="{06CA5F5C-3DF2-4F49-905B-BFB05A87F648}"/>
+              </a:ext>
+            </a:extLst>
+          </p:cNvPr>
+          <p:cNvSpPr>
+            <a:spLocks noGrp="1"/>
+          </p:cNvSpPr>
+          <p:nvPr>
+            <p:ph idx="1"/>
+          </p:nvPr>
+        </p:nvSpPr>
+        <p:spPr/>
+        <p:txBody>
+          <a:bodyPr/>
+          <a:lstStyle/>
+          <a:p>
+            <a:endParaRPr lang="de-CH"/>
+          </a:p>
+        </p:txBody>
+      </p:sp>
+    </p:spTree>
+    <p:extLst>
+      <p:ext uri="{BB962C8B-B14F-4D97-AF65-F5344CB8AC3E}">
+        <p14:creationId xmlns:p14="http://schemas.microsoft.com/office/powerpoint/2010/main" val="1498961456"/>
+      </p:ext>
+    </p:extLst>
+  </p:cSld>
+  <p:clrMapOvr>
+    <a:masterClrMapping/>
+  </p:clrMapOvr>
+</p:sld>
+</file>
+
 <file path=ppt/slides/slide2.xml><?xml version="1.0" encoding="utf-8"?>
 <p:sld xmlns:a="http://schemas.openxmlformats.org/drawingml/2006/main" xmlns:r="http://schemas.openxmlformats.org/officeDocument/2006/relationships" xmlns:p="http://schemas.openxmlformats.org/presentationml/2006/main">
   <p:cSld>

--- a/LuftfeuchtigkeitssensorenPP.pptx
+++ b/LuftfeuchtigkeitssensorenPP.pptx
@@ -8,13 +8,14 @@
     <p:sldId id="256" r:id="rId2"/>
     <p:sldId id="257" r:id="rId3"/>
     <p:sldId id="258" r:id="rId4"/>
-    <p:sldId id="259" r:id="rId5"/>
-    <p:sldId id="265" r:id="rId6"/>
-    <p:sldId id="260" r:id="rId7"/>
-    <p:sldId id="264" r:id="rId8"/>
-    <p:sldId id="261" r:id="rId9"/>
-    <p:sldId id="262" r:id="rId10"/>
-    <p:sldId id="266" r:id="rId11"/>
+    <p:sldId id="267" r:id="rId5"/>
+    <p:sldId id="259" r:id="rId6"/>
+    <p:sldId id="265" r:id="rId7"/>
+    <p:sldId id="260" r:id="rId8"/>
+    <p:sldId id="264" r:id="rId9"/>
+    <p:sldId id="261" r:id="rId10"/>
+    <p:sldId id="262" r:id="rId11"/>
+    <p:sldId id="266" r:id="rId12"/>
   </p:sldIdLst>
   <p:sldSz cx="12192000" cy="6858000"/>
   <p:notesSz cx="6858000" cy="9144000"/>
@@ -171,7 +172,7 @@
           <a:noFill/>
           <a:extLst>
             <a:ext uri="{909E8E84-426E-40dd-AFC4-6F175D3DCCD1}">
-              <a14:hiddenFill xmlns:a14="http://schemas.microsoft.com/office/drawing/2010/main" xmlns="">
+              <a14:hiddenFill xmlns="" xmlns:a14="http://schemas.microsoft.com/office/drawing/2010/main">
                 <a:solidFill>
                   <a:srgbClr val="FFFFFF"/>
                 </a:solidFill>
@@ -231,7 +232,7 @@
             </a:ln>
             <a:extLst>
               <a:ext uri="{91240B29-F687-4f45-9708-019B960494DF}">
-                <a14:hiddenLine xmlns:a14="http://schemas.microsoft.com/office/drawing/2010/main" xmlns="" w="9525">
+                <a14:hiddenLine xmlns="" xmlns:a14="http://schemas.microsoft.com/office/drawing/2010/main" w="9525">
                   <a:solidFill>
                     <a:srgbClr val="000000"/>
                   </a:solidFill>
@@ -321,7 +322,7 @@
             </a:ln>
             <a:extLst>
               <a:ext uri="{91240B29-F687-4f45-9708-019B960494DF}">
-                <a14:hiddenLine xmlns:a14="http://schemas.microsoft.com/office/drawing/2010/main" xmlns="" w="9525">
+                <a14:hiddenLine xmlns="" xmlns:a14="http://schemas.microsoft.com/office/drawing/2010/main" w="9525">
                   <a:solidFill>
                     <a:srgbClr val="000000"/>
                   </a:solidFill>
@@ -411,7 +412,7 @@
             </a:ln>
             <a:extLst>
               <a:ext uri="{91240B29-F687-4f45-9708-019B960494DF}">
-                <a14:hiddenLine xmlns:a14="http://schemas.microsoft.com/office/drawing/2010/main" xmlns="" w="9525">
+                <a14:hiddenLine xmlns="" xmlns:a14="http://schemas.microsoft.com/office/drawing/2010/main" w="9525">
                   <a:solidFill>
                     <a:srgbClr val="000000"/>
                   </a:solidFill>
@@ -445,7 +446,7 @@
             </a:ln>
             <a:extLst>
               <a:ext uri="{91240B29-F687-4f45-9708-019B960494DF}">
-                <a14:hiddenLine xmlns:a14="http://schemas.microsoft.com/office/drawing/2010/main" xmlns="" w="9525">
+                <a14:hiddenLine xmlns="" xmlns:a14="http://schemas.microsoft.com/office/drawing/2010/main" w="9525">
                   <a:solidFill>
                     <a:srgbClr val="000000"/>
                   </a:solidFill>
@@ -535,7 +536,7 @@
             </a:ln>
             <a:extLst>
               <a:ext uri="{91240B29-F687-4f45-9708-019B960494DF}">
-                <a14:hiddenLine xmlns:a14="http://schemas.microsoft.com/office/drawing/2010/main" xmlns="" w="9525">
+                <a14:hiddenLine xmlns="" xmlns:a14="http://schemas.microsoft.com/office/drawing/2010/main" w="9525">
                   <a:solidFill>
                     <a:srgbClr val="000000"/>
                   </a:solidFill>
@@ -597,7 +598,7 @@
             </a:ln>
             <a:extLst>
               <a:ext uri="{91240B29-F687-4f45-9708-019B960494DF}">
-                <a14:hiddenLine xmlns:a14="http://schemas.microsoft.com/office/drawing/2010/main" xmlns="" w="9525">
+                <a14:hiddenLine xmlns="" xmlns:a14="http://schemas.microsoft.com/office/drawing/2010/main" w="9525">
                   <a:solidFill>
                     <a:srgbClr val="000000"/>
                   </a:solidFill>
@@ -659,7 +660,7 @@
             </a:ln>
             <a:extLst>
               <a:ext uri="{91240B29-F687-4f45-9708-019B960494DF}">
-                <a14:hiddenLine xmlns:a14="http://schemas.microsoft.com/office/drawing/2010/main" xmlns="" w="9525">
+                <a14:hiddenLine xmlns="" xmlns:a14="http://schemas.microsoft.com/office/drawing/2010/main" w="9525">
                   <a:solidFill>
                     <a:srgbClr val="000000"/>
                   </a:solidFill>
@@ -749,7 +750,7 @@
             </a:ln>
             <a:extLst>
               <a:ext uri="{91240B29-F687-4f45-9708-019B960494DF}">
-                <a14:hiddenLine xmlns:a14="http://schemas.microsoft.com/office/drawing/2010/main" xmlns="" w="9525">
+                <a14:hiddenLine xmlns="" xmlns:a14="http://schemas.microsoft.com/office/drawing/2010/main" w="9525">
                   <a:solidFill>
                     <a:srgbClr val="000000"/>
                   </a:solidFill>
@@ -811,7 +812,7 @@
             </a:ln>
             <a:extLst>
               <a:ext uri="{91240B29-F687-4f45-9708-019B960494DF}">
-                <a14:hiddenLine xmlns:a14="http://schemas.microsoft.com/office/drawing/2010/main" xmlns="" w="9525">
+                <a14:hiddenLine xmlns="" xmlns:a14="http://schemas.microsoft.com/office/drawing/2010/main" w="9525">
                   <a:solidFill>
                     <a:srgbClr val="000000"/>
                   </a:solidFill>
@@ -873,7 +874,7 @@
             </a:ln>
             <a:extLst>
               <a:ext uri="{91240B29-F687-4f45-9708-019B960494DF}">
-                <a14:hiddenLine xmlns:a14="http://schemas.microsoft.com/office/drawing/2010/main" xmlns="" w="9525">
+                <a14:hiddenLine xmlns="" xmlns:a14="http://schemas.microsoft.com/office/drawing/2010/main" w="9525">
                   <a:solidFill>
                     <a:srgbClr val="000000"/>
                   </a:solidFill>
@@ -963,7 +964,7 @@
             </a:ln>
             <a:extLst>
               <a:ext uri="{91240B29-F687-4f45-9708-019B960494DF}">
-                <a14:hiddenLine xmlns:a14="http://schemas.microsoft.com/office/drawing/2010/main" xmlns="" w="9525">
+                <a14:hiddenLine xmlns="" xmlns:a14="http://schemas.microsoft.com/office/drawing/2010/main" w="9525">
                   <a:solidFill>
                     <a:srgbClr val="000000"/>
                   </a:solidFill>
@@ -1053,7 +1054,7 @@
             </a:ln>
             <a:extLst>
               <a:ext uri="{91240B29-F687-4f45-9708-019B960494DF}">
-                <a14:hiddenLine xmlns:a14="http://schemas.microsoft.com/office/drawing/2010/main" xmlns="" w="9525">
+                <a14:hiddenLine xmlns="" xmlns:a14="http://schemas.microsoft.com/office/drawing/2010/main" w="9525">
                   <a:solidFill>
                     <a:srgbClr val="000000"/>
                   </a:solidFill>
@@ -1115,7 +1116,7 @@
             </a:ln>
             <a:extLst>
               <a:ext uri="{91240B29-F687-4f45-9708-019B960494DF}">
-                <a14:hiddenLine xmlns:a14="http://schemas.microsoft.com/office/drawing/2010/main" xmlns="" w="9525">
+                <a14:hiddenLine xmlns="" xmlns:a14="http://schemas.microsoft.com/office/drawing/2010/main" w="9525">
                   <a:solidFill>
                     <a:srgbClr val="000000"/>
                   </a:solidFill>
@@ -1225,7 +1226,7 @@
             </a:ln>
             <a:extLst>
               <a:ext uri="{91240B29-F687-4f45-9708-019B960494DF}">
-                <a14:hiddenLine xmlns:a14="http://schemas.microsoft.com/office/drawing/2010/main" xmlns="" w="9525">
+                <a14:hiddenLine xmlns="" xmlns:a14="http://schemas.microsoft.com/office/drawing/2010/main" w="9525">
                   <a:solidFill>
                     <a:srgbClr val="000000"/>
                   </a:solidFill>
@@ -1287,7 +1288,7 @@
             </a:ln>
             <a:extLst>
               <a:ext uri="{91240B29-F687-4f45-9708-019B960494DF}">
-                <a14:hiddenLine xmlns:a14="http://schemas.microsoft.com/office/drawing/2010/main" xmlns="" w="9525">
+                <a14:hiddenLine xmlns="" xmlns:a14="http://schemas.microsoft.com/office/drawing/2010/main" w="9525">
                   <a:solidFill>
                     <a:srgbClr val="000000"/>
                   </a:solidFill>
@@ -1377,7 +1378,7 @@
             </a:ln>
             <a:extLst>
               <a:ext uri="{91240B29-F687-4f45-9708-019B960494DF}">
-                <a14:hiddenLine xmlns:a14="http://schemas.microsoft.com/office/drawing/2010/main" xmlns="" w="9525">
+                <a14:hiddenLine xmlns="" xmlns:a14="http://schemas.microsoft.com/office/drawing/2010/main" w="9525">
                   <a:solidFill>
                     <a:srgbClr val="000000"/>
                   </a:solidFill>
@@ -1467,7 +1468,7 @@
             </a:ln>
             <a:extLst>
               <a:ext uri="{91240B29-F687-4f45-9708-019B960494DF}">
-                <a14:hiddenLine xmlns:a14="http://schemas.microsoft.com/office/drawing/2010/main" xmlns="" w="9525">
+                <a14:hiddenLine xmlns="" xmlns:a14="http://schemas.microsoft.com/office/drawing/2010/main" w="9525">
                   <a:solidFill>
                     <a:srgbClr val="000000"/>
                   </a:solidFill>
@@ -1529,7 +1530,7 @@
             </a:ln>
             <a:extLst>
               <a:ext uri="{91240B29-F687-4f45-9708-019B960494DF}">
-                <a14:hiddenLine xmlns:a14="http://schemas.microsoft.com/office/drawing/2010/main" xmlns="" w="9525">
+                <a14:hiddenLine xmlns="" xmlns:a14="http://schemas.microsoft.com/office/drawing/2010/main" w="9525">
                   <a:solidFill>
                     <a:srgbClr val="000000"/>
                   </a:solidFill>
@@ -1619,7 +1620,7 @@
             </a:ln>
             <a:extLst>
               <a:ext uri="{91240B29-F687-4f45-9708-019B960494DF}">
-                <a14:hiddenLine xmlns:a14="http://schemas.microsoft.com/office/drawing/2010/main" xmlns="" w="9525">
+                <a14:hiddenLine xmlns="" xmlns:a14="http://schemas.microsoft.com/office/drawing/2010/main" w="9525">
                   <a:solidFill>
                     <a:srgbClr val="000000"/>
                   </a:solidFill>
@@ -1709,7 +1710,7 @@
             </a:ln>
             <a:extLst>
               <a:ext uri="{91240B29-F687-4f45-9708-019B960494DF}">
-                <a14:hiddenLine xmlns:a14="http://schemas.microsoft.com/office/drawing/2010/main" xmlns="" w="9525">
+                <a14:hiddenLine xmlns="" xmlns:a14="http://schemas.microsoft.com/office/drawing/2010/main" w="9525">
                   <a:solidFill>
                     <a:srgbClr val="000000"/>
                   </a:solidFill>
@@ -1765,7 +1766,7 @@
             </a:ln>
             <a:extLst>
               <a:ext uri="{91240B29-F687-4f45-9708-019B960494DF}">
-                <a14:hiddenLine xmlns:a14="http://schemas.microsoft.com/office/drawing/2010/main" xmlns="" w="9525">
+                <a14:hiddenLine xmlns="" xmlns:a14="http://schemas.microsoft.com/office/drawing/2010/main" w="9525">
                   <a:solidFill>
                     <a:srgbClr val="000000"/>
                   </a:solidFill>
@@ -1855,7 +1856,7 @@
             </a:ln>
             <a:extLst>
               <a:ext uri="{91240B29-F687-4f45-9708-019B960494DF}">
-                <a14:hiddenLine xmlns:a14="http://schemas.microsoft.com/office/drawing/2010/main" xmlns="" w="9525">
+                <a14:hiddenLine xmlns="" xmlns:a14="http://schemas.microsoft.com/office/drawing/2010/main" w="9525">
                   <a:solidFill>
                     <a:srgbClr val="000000"/>
                   </a:solidFill>
@@ -1911,7 +1912,7 @@
             </a:ln>
             <a:extLst>
               <a:ext uri="{91240B29-F687-4f45-9708-019B960494DF}">
-                <a14:hiddenLine xmlns:a14="http://schemas.microsoft.com/office/drawing/2010/main" xmlns="" w="9525">
+                <a14:hiddenLine xmlns="" xmlns:a14="http://schemas.microsoft.com/office/drawing/2010/main" w="9525">
                   <a:solidFill>
                     <a:srgbClr val="000000"/>
                   </a:solidFill>
@@ -2001,7 +2002,7 @@
             </a:ln>
             <a:extLst>
               <a:ext uri="{91240B29-F687-4f45-9708-019B960494DF}">
-                <a14:hiddenLine xmlns:a14="http://schemas.microsoft.com/office/drawing/2010/main" xmlns="" w="9525">
+                <a14:hiddenLine xmlns="" xmlns:a14="http://schemas.microsoft.com/office/drawing/2010/main" w="9525">
                   <a:solidFill>
                     <a:srgbClr val="000000"/>
                   </a:solidFill>
@@ -2069,7 +2070,7 @@
             </a:ln>
             <a:extLst>
               <a:ext uri="{91240B29-F687-4f45-9708-019B960494DF}">
-                <a14:hiddenLine xmlns:a14="http://schemas.microsoft.com/office/drawing/2010/main" xmlns="" w="9525">
+                <a14:hiddenLine xmlns="" xmlns:a14="http://schemas.microsoft.com/office/drawing/2010/main" w="9525">
                   <a:solidFill>
                     <a:srgbClr val="000000"/>
                   </a:solidFill>
@@ -2159,7 +2160,7 @@
             </a:ln>
             <a:extLst>
               <a:ext uri="{91240B29-F687-4f45-9708-019B960494DF}">
-                <a14:hiddenLine xmlns:a14="http://schemas.microsoft.com/office/drawing/2010/main" xmlns="" w="9525">
+                <a14:hiddenLine xmlns="" xmlns:a14="http://schemas.microsoft.com/office/drawing/2010/main" w="9525">
                   <a:solidFill>
                     <a:srgbClr val="000000"/>
                   </a:solidFill>
@@ -2227,7 +2228,7 @@
             </a:ln>
             <a:extLst>
               <a:ext uri="{91240B29-F687-4f45-9708-019B960494DF}">
-                <a14:hiddenLine xmlns:a14="http://schemas.microsoft.com/office/drawing/2010/main" xmlns="" w="9525">
+                <a14:hiddenLine xmlns="" xmlns:a14="http://schemas.microsoft.com/office/drawing/2010/main" w="9525">
                   <a:solidFill>
                     <a:srgbClr val="000000"/>
                   </a:solidFill>
@@ -2317,7 +2318,7 @@
             </a:ln>
             <a:extLst>
               <a:ext uri="{91240B29-F687-4f45-9708-019B960494DF}">
-                <a14:hiddenLine xmlns:a14="http://schemas.microsoft.com/office/drawing/2010/main" xmlns="" w="9525">
+                <a14:hiddenLine xmlns="" xmlns:a14="http://schemas.microsoft.com/office/drawing/2010/main" w="9525">
                   <a:solidFill>
                     <a:srgbClr val="000000"/>
                   </a:solidFill>
@@ -2351,7 +2352,7 @@
             </a:ln>
             <a:extLst>
               <a:ext uri="{91240B29-F687-4f45-9708-019B960494DF}">
-                <a14:hiddenLine xmlns:a14="http://schemas.microsoft.com/office/drawing/2010/main" xmlns="" w="9525">
+                <a14:hiddenLine xmlns="" xmlns:a14="http://schemas.microsoft.com/office/drawing/2010/main" w="9525">
                   <a:solidFill>
                     <a:srgbClr val="000000"/>
                   </a:solidFill>
@@ -2441,7 +2442,7 @@
             </a:ln>
             <a:extLst>
               <a:ext uri="{91240B29-F687-4f45-9708-019B960494DF}">
-                <a14:hiddenLine xmlns:a14="http://schemas.microsoft.com/office/drawing/2010/main" xmlns="" w="9525">
+                <a14:hiddenLine xmlns="" xmlns:a14="http://schemas.microsoft.com/office/drawing/2010/main" w="9525">
                   <a:solidFill>
                     <a:srgbClr val="000000"/>
                   </a:solidFill>
@@ -2503,7 +2504,7 @@
             </a:ln>
             <a:extLst>
               <a:ext uri="{91240B29-F687-4f45-9708-019B960494DF}">
-                <a14:hiddenLine xmlns:a14="http://schemas.microsoft.com/office/drawing/2010/main" xmlns="" w="9525">
+                <a14:hiddenLine xmlns="" xmlns:a14="http://schemas.microsoft.com/office/drawing/2010/main" w="9525">
                   <a:solidFill>
                     <a:srgbClr val="000000"/>
                   </a:solidFill>
@@ -2565,7 +2566,7 @@
             </a:ln>
             <a:extLst>
               <a:ext uri="{91240B29-F687-4f45-9708-019B960494DF}">
-                <a14:hiddenLine xmlns:a14="http://schemas.microsoft.com/office/drawing/2010/main" xmlns="" w="9525">
+                <a14:hiddenLine xmlns="" xmlns:a14="http://schemas.microsoft.com/office/drawing/2010/main" w="9525">
                   <a:solidFill>
                     <a:srgbClr val="000000"/>
                   </a:solidFill>
@@ -2655,7 +2656,7 @@
             </a:ln>
             <a:extLst>
               <a:ext uri="{91240B29-F687-4f45-9708-019B960494DF}">
-                <a14:hiddenLine xmlns:a14="http://schemas.microsoft.com/office/drawing/2010/main" xmlns="" w="9525">
+                <a14:hiddenLine xmlns="" xmlns:a14="http://schemas.microsoft.com/office/drawing/2010/main" w="9525">
                   <a:solidFill>
                     <a:srgbClr val="000000"/>
                   </a:solidFill>
@@ -2723,7 +2724,7 @@
             </a:ln>
             <a:extLst>
               <a:ext uri="{91240B29-F687-4f45-9708-019B960494DF}">
-                <a14:hiddenLine xmlns:a14="http://schemas.microsoft.com/office/drawing/2010/main" xmlns="" w="9525">
+                <a14:hiddenLine xmlns="" xmlns:a14="http://schemas.microsoft.com/office/drawing/2010/main" w="9525">
                   <a:solidFill>
                     <a:srgbClr val="000000"/>
                   </a:solidFill>
@@ -2785,7 +2786,7 @@
             </a:ln>
             <a:extLst>
               <a:ext uri="{91240B29-F687-4f45-9708-019B960494DF}">
-                <a14:hiddenLine xmlns:a14="http://schemas.microsoft.com/office/drawing/2010/main" xmlns="" w="9525">
+                <a14:hiddenLine xmlns="" xmlns:a14="http://schemas.microsoft.com/office/drawing/2010/main" w="9525">
                   <a:solidFill>
                     <a:srgbClr val="000000"/>
                   </a:solidFill>
@@ -2875,7 +2876,7 @@
             </a:ln>
             <a:extLst>
               <a:ext uri="{91240B29-F687-4f45-9708-019B960494DF}">
-                <a14:hiddenLine xmlns:a14="http://schemas.microsoft.com/office/drawing/2010/main" xmlns="" w="9525">
+                <a14:hiddenLine xmlns="" xmlns:a14="http://schemas.microsoft.com/office/drawing/2010/main" w="9525">
                   <a:solidFill>
                     <a:srgbClr val="000000"/>
                   </a:solidFill>
@@ -2937,7 +2938,7 @@
             </a:ln>
             <a:extLst>
               <a:ext uri="{91240B29-F687-4f45-9708-019B960494DF}">
-                <a14:hiddenLine xmlns:a14="http://schemas.microsoft.com/office/drawing/2010/main" xmlns="" w="9525">
+                <a14:hiddenLine xmlns="" xmlns:a14="http://schemas.microsoft.com/office/drawing/2010/main" w="9525">
                   <a:solidFill>
                     <a:srgbClr val="000000"/>
                   </a:solidFill>
@@ -3027,7 +3028,7 @@
             </a:ln>
             <a:extLst>
               <a:ext uri="{91240B29-F687-4f45-9708-019B960494DF}">
-                <a14:hiddenLine xmlns:a14="http://schemas.microsoft.com/office/drawing/2010/main" xmlns="" w="9525">
+                <a14:hiddenLine xmlns="" xmlns:a14="http://schemas.microsoft.com/office/drawing/2010/main" w="9525">
                   <a:solidFill>
                     <a:srgbClr val="000000"/>
                   </a:solidFill>
@@ -3089,7 +3090,7 @@
             </a:ln>
             <a:extLst>
               <a:ext uri="{91240B29-F687-4f45-9708-019B960494DF}">
-                <a14:hiddenLine xmlns:a14="http://schemas.microsoft.com/office/drawing/2010/main" xmlns="" w="9525">
+                <a14:hiddenLine xmlns="" xmlns:a14="http://schemas.microsoft.com/office/drawing/2010/main" w="9525">
                   <a:solidFill>
                     <a:srgbClr val="000000"/>
                   </a:solidFill>
@@ -3179,7 +3180,7 @@
             </a:ln>
             <a:extLst>
               <a:ext uri="{91240B29-F687-4f45-9708-019B960494DF}">
-                <a14:hiddenLine xmlns:a14="http://schemas.microsoft.com/office/drawing/2010/main" xmlns="" w="9525">
+                <a14:hiddenLine xmlns="" xmlns:a14="http://schemas.microsoft.com/office/drawing/2010/main" w="9525">
                   <a:solidFill>
                     <a:srgbClr val="000000"/>
                   </a:solidFill>
@@ -3213,7 +3214,7 @@
             </a:ln>
             <a:extLst>
               <a:ext uri="{91240B29-F687-4f45-9708-019B960494DF}">
-                <a14:hiddenLine xmlns:a14="http://schemas.microsoft.com/office/drawing/2010/main" xmlns="" w="9525">
+                <a14:hiddenLine xmlns="" xmlns:a14="http://schemas.microsoft.com/office/drawing/2010/main" w="9525">
                   <a:solidFill>
                     <a:srgbClr val="000000"/>
                   </a:solidFill>
@@ -3278,7 +3279,7 @@
             </a:ln>
             <a:extLst>
               <a:ext uri="{91240B29-F687-4f45-9708-019B960494DF}">
-                <a14:hiddenLine xmlns:a14="http://schemas.microsoft.com/office/drawing/2010/main" xmlns="" w="9525">
+                <a14:hiddenLine xmlns="" xmlns:a14="http://schemas.microsoft.com/office/drawing/2010/main" w="9525">
                   <a:solidFill>
                     <a:srgbClr val="000000"/>
                   </a:solidFill>
@@ -3368,7 +3369,7 @@
             </a:ln>
             <a:extLst>
               <a:ext uri="{91240B29-F687-4f45-9708-019B960494DF}">
-                <a14:hiddenLine xmlns:a14="http://schemas.microsoft.com/office/drawing/2010/main" xmlns="" w="9525">
+                <a14:hiddenLine xmlns="" xmlns:a14="http://schemas.microsoft.com/office/drawing/2010/main" w="9525">
                   <a:solidFill>
                     <a:srgbClr val="000000"/>
                   </a:solidFill>
@@ -3430,7 +3431,7 @@
             </a:ln>
             <a:extLst>
               <a:ext uri="{91240B29-F687-4f45-9708-019B960494DF}">
-                <a14:hiddenLine xmlns:a14="http://schemas.microsoft.com/office/drawing/2010/main" xmlns="" w="9525">
+                <a14:hiddenLine xmlns="" xmlns:a14="http://schemas.microsoft.com/office/drawing/2010/main" w="9525">
                   <a:solidFill>
                     <a:srgbClr val="000000"/>
                   </a:solidFill>
@@ -3520,7 +3521,7 @@
             </a:ln>
             <a:extLst>
               <a:ext uri="{91240B29-F687-4f45-9708-019B960494DF}">
-                <a14:hiddenLine xmlns:a14="http://schemas.microsoft.com/office/drawing/2010/main" xmlns="" w="9525">
+                <a14:hiddenLine xmlns="" xmlns:a14="http://schemas.microsoft.com/office/drawing/2010/main" w="9525">
                   <a:solidFill>
                     <a:srgbClr val="000000"/>
                   </a:solidFill>
@@ -3610,7 +3611,7 @@
             </a:ln>
             <a:extLst>
               <a:ext uri="{91240B29-F687-4f45-9708-019B960494DF}">
-                <a14:hiddenLine xmlns:a14="http://schemas.microsoft.com/office/drawing/2010/main" xmlns="" w="9525">
+                <a14:hiddenLine xmlns="" xmlns:a14="http://schemas.microsoft.com/office/drawing/2010/main" w="9525">
                   <a:solidFill>
                     <a:srgbClr val="000000"/>
                   </a:solidFill>
@@ -3675,7 +3676,7 @@
             </a:ln>
             <a:extLst>
               <a:ext uri="{91240B29-F687-4f45-9708-019B960494DF}">
-                <a14:hiddenLine xmlns:a14="http://schemas.microsoft.com/office/drawing/2010/main" xmlns="" w="9525">
+                <a14:hiddenLine xmlns="" xmlns:a14="http://schemas.microsoft.com/office/drawing/2010/main" w="9525">
                   <a:solidFill>
                     <a:srgbClr val="000000"/>
                   </a:solidFill>
@@ -3737,7 +3738,7 @@
             </a:ln>
             <a:extLst>
               <a:ext uri="{91240B29-F687-4f45-9708-019B960494DF}">
-                <a14:hiddenLine xmlns:a14="http://schemas.microsoft.com/office/drawing/2010/main" xmlns="" w="9525">
+                <a14:hiddenLine xmlns="" xmlns:a14="http://schemas.microsoft.com/office/drawing/2010/main" w="9525">
                   <a:solidFill>
                     <a:srgbClr val="000000"/>
                   </a:solidFill>
@@ -3827,7 +3828,7 @@
             </a:ln>
             <a:extLst>
               <a:ext uri="{91240B29-F687-4f45-9708-019B960494DF}">
-                <a14:hiddenLine xmlns:a14="http://schemas.microsoft.com/office/drawing/2010/main" xmlns="" w="9525">
+                <a14:hiddenLine xmlns="" xmlns:a14="http://schemas.microsoft.com/office/drawing/2010/main" w="9525">
                   <a:solidFill>
                     <a:srgbClr val="000000"/>
                   </a:solidFill>
@@ -3917,7 +3918,7 @@
             </a:ln>
             <a:extLst>
               <a:ext uri="{91240B29-F687-4f45-9708-019B960494DF}">
-                <a14:hiddenLine xmlns:a14="http://schemas.microsoft.com/office/drawing/2010/main" xmlns="" w="9525">
+                <a14:hiddenLine xmlns="" xmlns:a14="http://schemas.microsoft.com/office/drawing/2010/main" w="9525">
                   <a:solidFill>
                     <a:srgbClr val="000000"/>
                   </a:solidFill>
@@ -3979,7 +3980,7 @@
             </a:ln>
             <a:extLst>
               <a:ext uri="{91240B29-F687-4f45-9708-019B960494DF}">
-                <a14:hiddenLine xmlns:a14="http://schemas.microsoft.com/office/drawing/2010/main" xmlns="" w="9525">
+                <a14:hiddenLine xmlns="" xmlns:a14="http://schemas.microsoft.com/office/drawing/2010/main" w="9525">
                   <a:solidFill>
                     <a:srgbClr val="000000"/>
                   </a:solidFill>
@@ -4099,7 +4100,7 @@
             </a:ln>
             <a:extLst>
               <a:ext uri="{91240B29-F687-4f45-9708-019B960494DF}">
-                <a14:hiddenLine xmlns:a14="http://schemas.microsoft.com/office/drawing/2010/main" xmlns="" w="9525">
+                <a14:hiddenLine xmlns="" xmlns:a14="http://schemas.microsoft.com/office/drawing/2010/main" w="9525">
                   <a:solidFill>
                     <a:srgbClr val="000000"/>
                   </a:solidFill>
@@ -4167,7 +4168,7 @@
             </a:ln>
             <a:extLst>
               <a:ext uri="{91240B29-F687-4f45-9708-019B960494DF}">
-                <a14:hiddenLine xmlns:a14="http://schemas.microsoft.com/office/drawing/2010/main" xmlns="" w="9525">
+                <a14:hiddenLine xmlns="" xmlns:a14="http://schemas.microsoft.com/office/drawing/2010/main" w="9525">
                   <a:solidFill>
                     <a:srgbClr val="000000"/>
                   </a:solidFill>
@@ -4257,7 +4258,7 @@
             </a:ln>
             <a:extLst>
               <a:ext uri="{91240B29-F687-4f45-9708-019B960494DF}">
-                <a14:hiddenLine xmlns:a14="http://schemas.microsoft.com/office/drawing/2010/main" xmlns="" w="9525">
+                <a14:hiddenLine xmlns="" xmlns:a14="http://schemas.microsoft.com/office/drawing/2010/main" w="9525">
                   <a:solidFill>
                     <a:srgbClr val="000000"/>
                   </a:solidFill>
@@ -8979,7 +8980,7 @@
           <a:noFill/>
           <a:extLst>
             <a:ext uri="{909E8E84-426E-40dd-AFC4-6F175D3DCCD1}">
-              <a14:hiddenFill xmlns:a14="http://schemas.microsoft.com/office/drawing/2010/main" xmlns="">
+              <a14:hiddenFill xmlns="" xmlns:a14="http://schemas.microsoft.com/office/drawing/2010/main">
                 <a:solidFill>
                   <a:srgbClr val="FFFFFF"/>
                 </a:solidFill>
@@ -9053,7 +9054,7 @@
               </a:ln>
               <a:extLst>
                 <a:ext uri="{91240B29-F687-4f45-9708-019B960494DF}">
-                  <a14:hiddenLine xmlns:a14="http://schemas.microsoft.com/office/drawing/2010/main" xmlns="" w="9525">
+                  <a14:hiddenLine xmlns="" xmlns:a14="http://schemas.microsoft.com/office/drawing/2010/main" w="9525">
                     <a:solidFill>
                       <a:srgbClr val="000000"/>
                     </a:solidFill>
@@ -9143,7 +9144,7 @@
               </a:ln>
               <a:extLst>
                 <a:ext uri="{91240B29-F687-4f45-9708-019B960494DF}">
-                  <a14:hiddenLine xmlns:a14="http://schemas.microsoft.com/office/drawing/2010/main" xmlns="" w="9525">
+                  <a14:hiddenLine xmlns="" xmlns:a14="http://schemas.microsoft.com/office/drawing/2010/main" w="9525">
                     <a:solidFill>
                       <a:srgbClr val="000000"/>
                     </a:solidFill>
@@ -9233,7 +9234,7 @@
               </a:ln>
               <a:extLst>
                 <a:ext uri="{91240B29-F687-4f45-9708-019B960494DF}">
-                  <a14:hiddenLine xmlns:a14="http://schemas.microsoft.com/office/drawing/2010/main" xmlns="" w="9525">
+                  <a14:hiddenLine xmlns="" xmlns:a14="http://schemas.microsoft.com/office/drawing/2010/main" w="9525">
                     <a:solidFill>
                       <a:srgbClr val="000000"/>
                     </a:solidFill>
@@ -9295,7 +9296,7 @@
               </a:ln>
               <a:extLst>
                 <a:ext uri="{91240B29-F687-4f45-9708-019B960494DF}">
-                  <a14:hiddenLine xmlns:a14="http://schemas.microsoft.com/office/drawing/2010/main" xmlns="" w="9525">
+                  <a14:hiddenLine xmlns="" xmlns:a14="http://schemas.microsoft.com/office/drawing/2010/main" w="9525">
                     <a:solidFill>
                       <a:srgbClr val="000000"/>
                     </a:solidFill>
@@ -9385,7 +9386,7 @@
               </a:ln>
               <a:extLst>
                 <a:ext uri="{91240B29-F687-4f45-9708-019B960494DF}">
-                  <a14:hiddenLine xmlns:a14="http://schemas.microsoft.com/office/drawing/2010/main" xmlns="" w="9525">
+                  <a14:hiddenLine xmlns="" xmlns:a14="http://schemas.microsoft.com/office/drawing/2010/main" w="9525">
                     <a:solidFill>
                       <a:srgbClr val="000000"/>
                     </a:solidFill>
@@ -9447,7 +9448,7 @@
               </a:ln>
               <a:extLst>
                 <a:ext uri="{91240B29-F687-4f45-9708-019B960494DF}">
-                  <a14:hiddenLine xmlns:a14="http://schemas.microsoft.com/office/drawing/2010/main" xmlns="" w="9525">
+                  <a14:hiddenLine xmlns="" xmlns:a14="http://schemas.microsoft.com/office/drawing/2010/main" w="9525">
                     <a:solidFill>
                       <a:srgbClr val="000000"/>
                     </a:solidFill>
@@ -9509,7 +9510,7 @@
               </a:ln>
               <a:extLst>
                 <a:ext uri="{91240B29-F687-4f45-9708-019B960494DF}">
-                  <a14:hiddenLine xmlns:a14="http://schemas.microsoft.com/office/drawing/2010/main" xmlns="" w="9525">
+                  <a14:hiddenLine xmlns="" xmlns:a14="http://schemas.microsoft.com/office/drawing/2010/main" w="9525">
                     <a:solidFill>
                       <a:srgbClr val="000000"/>
                     </a:solidFill>
@@ -9599,7 +9600,7 @@
               </a:ln>
               <a:extLst>
                 <a:ext uri="{91240B29-F687-4f45-9708-019B960494DF}">
-                  <a14:hiddenLine xmlns:a14="http://schemas.microsoft.com/office/drawing/2010/main" xmlns="" w="9525">
+                  <a14:hiddenLine xmlns="" xmlns:a14="http://schemas.microsoft.com/office/drawing/2010/main" w="9525">
                     <a:solidFill>
                       <a:srgbClr val="000000"/>
                     </a:solidFill>
@@ -9689,7 +9690,7 @@
               </a:ln>
               <a:extLst>
                 <a:ext uri="{91240B29-F687-4f45-9708-019B960494DF}">
-                  <a14:hiddenLine xmlns:a14="http://schemas.microsoft.com/office/drawing/2010/main" xmlns="" w="9525">
+                  <a14:hiddenLine xmlns="" xmlns:a14="http://schemas.microsoft.com/office/drawing/2010/main" w="9525">
                     <a:solidFill>
                       <a:srgbClr val="000000"/>
                     </a:solidFill>
@@ -9751,7 +9752,7 @@
               </a:ln>
               <a:extLst>
                 <a:ext uri="{91240B29-F687-4f45-9708-019B960494DF}">
-                  <a14:hiddenLine xmlns:a14="http://schemas.microsoft.com/office/drawing/2010/main" xmlns="" w="9525">
+                  <a14:hiddenLine xmlns="" xmlns:a14="http://schemas.microsoft.com/office/drawing/2010/main" w="9525">
                     <a:solidFill>
                       <a:srgbClr val="000000"/>
                     </a:solidFill>
@@ -9861,7 +9862,7 @@
               </a:ln>
               <a:extLst>
                 <a:ext uri="{91240B29-F687-4f45-9708-019B960494DF}">
-                  <a14:hiddenLine xmlns:a14="http://schemas.microsoft.com/office/drawing/2010/main" xmlns="" w="9525">
+                  <a14:hiddenLine xmlns="" xmlns:a14="http://schemas.microsoft.com/office/drawing/2010/main" w="9525">
                     <a:solidFill>
                       <a:srgbClr val="000000"/>
                     </a:solidFill>
@@ -9945,7 +9946,7 @@
               </a:ln>
               <a:extLst>
                 <a:ext uri="{91240B29-F687-4f45-9708-019B960494DF}">
-                  <a14:hiddenLine xmlns:a14="http://schemas.microsoft.com/office/drawing/2010/main" xmlns="" w="9525">
+                  <a14:hiddenLine xmlns="" xmlns:a14="http://schemas.microsoft.com/office/drawing/2010/main" w="9525">
                     <a:solidFill>
                       <a:srgbClr val="000000"/>
                     </a:solidFill>
@@ -10007,7 +10008,7 @@
               </a:ln>
               <a:extLst>
                 <a:ext uri="{91240B29-F687-4f45-9708-019B960494DF}">
-                  <a14:hiddenLine xmlns:a14="http://schemas.microsoft.com/office/drawing/2010/main" xmlns="" w="9525">
+                  <a14:hiddenLine xmlns="" xmlns:a14="http://schemas.microsoft.com/office/drawing/2010/main" w="9525">
                     <a:solidFill>
                       <a:srgbClr val="000000"/>
                     </a:solidFill>
@@ -10069,7 +10070,7 @@
               </a:ln>
               <a:extLst>
                 <a:ext uri="{91240B29-F687-4f45-9708-019B960494DF}">
-                  <a14:hiddenLine xmlns:a14="http://schemas.microsoft.com/office/drawing/2010/main" xmlns="" w="9525">
+                  <a14:hiddenLine xmlns="" xmlns:a14="http://schemas.microsoft.com/office/drawing/2010/main" w="9525">
                     <a:solidFill>
                       <a:srgbClr val="000000"/>
                     </a:solidFill>
@@ -10159,7 +10160,7 @@
               </a:ln>
               <a:extLst>
                 <a:ext uri="{91240B29-F687-4f45-9708-019B960494DF}">
-                  <a14:hiddenLine xmlns:a14="http://schemas.microsoft.com/office/drawing/2010/main" xmlns="" w="9525">
+                  <a14:hiddenLine xmlns="" xmlns:a14="http://schemas.microsoft.com/office/drawing/2010/main" w="9525">
                     <a:solidFill>
                       <a:srgbClr val="000000"/>
                     </a:solidFill>
@@ -10193,7 +10194,7 @@
               </a:ln>
               <a:extLst>
                 <a:ext uri="{91240B29-F687-4f45-9708-019B960494DF}">
-                  <a14:hiddenLine xmlns:a14="http://schemas.microsoft.com/office/drawing/2010/main" xmlns="" w="9525">
+                  <a14:hiddenLine xmlns="" xmlns:a14="http://schemas.microsoft.com/office/drawing/2010/main" w="9525">
                     <a:solidFill>
                       <a:srgbClr val="000000"/>
                     </a:solidFill>
@@ -10258,7 +10259,7 @@
               </a:ln>
               <a:extLst>
                 <a:ext uri="{91240B29-F687-4f45-9708-019B960494DF}">
-                  <a14:hiddenLine xmlns:a14="http://schemas.microsoft.com/office/drawing/2010/main" xmlns="" w="9525">
+                  <a14:hiddenLine xmlns="" xmlns:a14="http://schemas.microsoft.com/office/drawing/2010/main" w="9525">
                     <a:solidFill>
                       <a:srgbClr val="000000"/>
                     </a:solidFill>
@@ -10348,7 +10349,7 @@
               </a:ln>
               <a:extLst>
                 <a:ext uri="{91240B29-F687-4f45-9708-019B960494DF}">
-                  <a14:hiddenLine xmlns:a14="http://schemas.microsoft.com/office/drawing/2010/main" xmlns="" w="9525">
+                  <a14:hiddenLine xmlns="" xmlns:a14="http://schemas.microsoft.com/office/drawing/2010/main" w="9525">
                     <a:solidFill>
                       <a:srgbClr val="000000"/>
                     </a:solidFill>
@@ -10410,7 +10411,7 @@
               </a:ln>
               <a:extLst>
                 <a:ext uri="{91240B29-F687-4f45-9708-019B960494DF}">
-                  <a14:hiddenLine xmlns:a14="http://schemas.microsoft.com/office/drawing/2010/main" xmlns="" w="9525">
+                  <a14:hiddenLine xmlns="" xmlns:a14="http://schemas.microsoft.com/office/drawing/2010/main" w="9525">
                     <a:solidFill>
                       <a:srgbClr val="000000"/>
                     </a:solidFill>
@@ -10500,7 +10501,7 @@
               </a:ln>
               <a:extLst>
                 <a:ext uri="{91240B29-F687-4f45-9708-019B960494DF}">
-                  <a14:hiddenLine xmlns:a14="http://schemas.microsoft.com/office/drawing/2010/main" xmlns="" w="9525">
+                  <a14:hiddenLine xmlns="" xmlns:a14="http://schemas.microsoft.com/office/drawing/2010/main" w="9525">
                     <a:solidFill>
                       <a:srgbClr val="000000"/>
                     </a:solidFill>
@@ -10565,7 +10566,7 @@
               </a:ln>
               <a:extLst>
                 <a:ext uri="{91240B29-F687-4f45-9708-019B960494DF}">
-                  <a14:hiddenLine xmlns:a14="http://schemas.microsoft.com/office/drawing/2010/main" xmlns="" w="9525">
+                  <a14:hiddenLine xmlns="" xmlns:a14="http://schemas.microsoft.com/office/drawing/2010/main" w="9525">
                     <a:solidFill>
                       <a:srgbClr val="000000"/>
                     </a:solidFill>
@@ -10627,7 +10628,7 @@
               </a:ln>
               <a:extLst>
                 <a:ext uri="{91240B29-F687-4f45-9708-019B960494DF}">
-                  <a14:hiddenLine xmlns:a14="http://schemas.microsoft.com/office/drawing/2010/main" xmlns="" w="9525">
+                  <a14:hiddenLine xmlns="" xmlns:a14="http://schemas.microsoft.com/office/drawing/2010/main" w="9525">
                     <a:solidFill>
                       <a:srgbClr val="000000"/>
                     </a:solidFill>
@@ -10717,7 +10718,7 @@
               </a:ln>
               <a:extLst>
                 <a:ext uri="{91240B29-F687-4f45-9708-019B960494DF}">
-                  <a14:hiddenLine xmlns:a14="http://schemas.microsoft.com/office/drawing/2010/main" xmlns="" w="9525">
+                  <a14:hiddenLine xmlns="" xmlns:a14="http://schemas.microsoft.com/office/drawing/2010/main" w="9525">
                     <a:solidFill>
                       <a:srgbClr val="000000"/>
                     </a:solidFill>
@@ -10807,7 +10808,7 @@
               </a:ln>
               <a:extLst>
                 <a:ext uri="{91240B29-F687-4f45-9708-019B960494DF}">
-                  <a14:hiddenLine xmlns:a14="http://schemas.microsoft.com/office/drawing/2010/main" xmlns="" w="9525">
+                  <a14:hiddenLine xmlns="" xmlns:a14="http://schemas.microsoft.com/office/drawing/2010/main" w="9525">
                     <a:solidFill>
                       <a:srgbClr val="000000"/>
                     </a:solidFill>
@@ -10872,7 +10873,7 @@
               </a:ln>
               <a:extLst>
                 <a:ext uri="{91240B29-F687-4f45-9708-019B960494DF}">
-                  <a14:hiddenLine xmlns:a14="http://schemas.microsoft.com/office/drawing/2010/main" xmlns="" w="9525">
+                  <a14:hiddenLine xmlns="" xmlns:a14="http://schemas.microsoft.com/office/drawing/2010/main" w="9525">
                     <a:solidFill>
                       <a:srgbClr val="000000"/>
                     </a:solidFill>
@@ -10992,7 +10993,7 @@
               </a:ln>
               <a:extLst>
                 <a:ext uri="{91240B29-F687-4f45-9708-019B960494DF}">
-                  <a14:hiddenLine xmlns:a14="http://schemas.microsoft.com/office/drawing/2010/main" xmlns="" w="9525">
+                  <a14:hiddenLine xmlns="" xmlns:a14="http://schemas.microsoft.com/office/drawing/2010/main" w="9525">
                     <a:solidFill>
                       <a:srgbClr val="000000"/>
                     </a:solidFill>
@@ -11090,7 +11091,7 @@
               </a:ln>
               <a:extLst>
                 <a:ext uri="{91240B29-F687-4f45-9708-019B960494DF}">
-                  <a14:hiddenLine xmlns:a14="http://schemas.microsoft.com/office/drawing/2010/main" xmlns="" w="9525">
+                  <a14:hiddenLine xmlns="" xmlns:a14="http://schemas.microsoft.com/office/drawing/2010/main" w="9525">
                     <a:solidFill>
                       <a:srgbClr val="000000"/>
                     </a:solidFill>
@@ -11205,7 +11206,7 @@
               </a:ln>
               <a:extLst>
                 <a:ext uri="{91240B29-F687-4f45-9708-019B960494DF}">
-                  <a14:hiddenLine xmlns:a14="http://schemas.microsoft.com/office/drawing/2010/main" xmlns="" w="9525">
+                  <a14:hiddenLine xmlns="" xmlns:a14="http://schemas.microsoft.com/office/drawing/2010/main" w="9525">
                     <a:solidFill>
                       <a:srgbClr val="000000"/>
                     </a:solidFill>
@@ -11295,7 +11296,7 @@
               </a:ln>
               <a:extLst>
                 <a:ext uri="{91240B29-F687-4f45-9708-019B960494DF}">
-                  <a14:hiddenLine xmlns:a14="http://schemas.microsoft.com/office/drawing/2010/main" xmlns="" w="9525">
+                  <a14:hiddenLine xmlns="" xmlns:a14="http://schemas.microsoft.com/office/drawing/2010/main" w="9525">
                     <a:solidFill>
                       <a:srgbClr val="000000"/>
                     </a:solidFill>
@@ -11360,7 +11361,7 @@
               </a:ln>
               <a:extLst>
                 <a:ext uri="{91240B29-F687-4f45-9708-019B960494DF}">
-                  <a14:hiddenLine xmlns:a14="http://schemas.microsoft.com/office/drawing/2010/main" xmlns="" w="9525">
+                  <a14:hiddenLine xmlns="" xmlns:a14="http://schemas.microsoft.com/office/drawing/2010/main" w="9525">
                     <a:solidFill>
                       <a:srgbClr val="000000"/>
                     </a:solidFill>
@@ -11450,7 +11451,7 @@
               </a:ln>
               <a:extLst>
                 <a:ext uri="{91240B29-F687-4f45-9708-019B960494DF}">
-                  <a14:hiddenLine xmlns:a14="http://schemas.microsoft.com/office/drawing/2010/main" xmlns="" w="9525">
+                  <a14:hiddenLine xmlns="" xmlns:a14="http://schemas.microsoft.com/office/drawing/2010/main" w="9525">
                     <a:solidFill>
                       <a:srgbClr val="000000"/>
                     </a:solidFill>
@@ -11518,7 +11519,7 @@
               </a:ln>
               <a:extLst>
                 <a:ext uri="{91240B29-F687-4f45-9708-019B960494DF}">
-                  <a14:hiddenLine xmlns:a14="http://schemas.microsoft.com/office/drawing/2010/main" xmlns="" w="9525">
+                  <a14:hiddenLine xmlns="" xmlns:a14="http://schemas.microsoft.com/office/drawing/2010/main" w="9525">
                     <a:solidFill>
                       <a:srgbClr val="000000"/>
                     </a:solidFill>
@@ -11608,7 +11609,7 @@
               </a:ln>
               <a:extLst>
                 <a:ext uri="{91240B29-F687-4f45-9708-019B960494DF}">
-                  <a14:hiddenLine xmlns:a14="http://schemas.microsoft.com/office/drawing/2010/main" xmlns="" w="9525">
+                  <a14:hiddenLine xmlns="" xmlns:a14="http://schemas.microsoft.com/office/drawing/2010/main" w="9525">
                     <a:solidFill>
                       <a:srgbClr val="000000"/>
                     </a:solidFill>
@@ -11676,7 +11677,7 @@
               </a:ln>
               <a:extLst>
                 <a:ext uri="{91240B29-F687-4f45-9708-019B960494DF}">
-                  <a14:hiddenLine xmlns:a14="http://schemas.microsoft.com/office/drawing/2010/main" xmlns="" w="9525">
+                  <a14:hiddenLine xmlns="" xmlns:a14="http://schemas.microsoft.com/office/drawing/2010/main" w="9525">
                     <a:solidFill>
                       <a:srgbClr val="000000"/>
                     </a:solidFill>
@@ -11766,7 +11767,7 @@
               </a:ln>
               <a:extLst>
                 <a:ext uri="{91240B29-F687-4f45-9708-019B960494DF}">
-                  <a14:hiddenLine xmlns:a14="http://schemas.microsoft.com/office/drawing/2010/main" xmlns="" w="9525">
+                  <a14:hiddenLine xmlns="" xmlns:a14="http://schemas.microsoft.com/office/drawing/2010/main" w="9525">
                     <a:solidFill>
                       <a:srgbClr val="000000"/>
                     </a:solidFill>
@@ -11800,7 +11801,7 @@
               </a:ln>
               <a:extLst>
                 <a:ext uri="{91240B29-F687-4f45-9708-019B960494DF}">
-                  <a14:hiddenLine xmlns:a14="http://schemas.microsoft.com/office/drawing/2010/main" xmlns="" w="9525">
+                  <a14:hiddenLine xmlns="" xmlns:a14="http://schemas.microsoft.com/office/drawing/2010/main" w="9525">
                     <a:solidFill>
                       <a:srgbClr val="000000"/>
                     </a:solidFill>
@@ -12448,6 +12449,92 @@
           <p:cNvPr id="2" name="Titel 1">
             <a:extLst>
               <a:ext uri="{FF2B5EF4-FFF2-40B4-BE49-F238E27FC236}">
+                <a16:creationId xmlns:a16="http://schemas.microsoft.com/office/drawing/2014/main" id="{B3A4C400-9123-487F-9987-685A86B144A9}"/>
+              </a:ext>
+            </a:extLst>
+          </p:cNvPr>
+          <p:cNvSpPr>
+            <a:spLocks noGrp="1"/>
+          </p:cNvSpPr>
+          <p:nvPr>
+            <p:ph type="title"/>
+          </p:nvPr>
+        </p:nvSpPr>
+        <p:spPr/>
+        <p:txBody>
+          <a:bodyPr/>
+          <a:lstStyle/>
+          <a:p>
+            <a:r>
+              <a:rPr lang="de-CH" dirty="0"/>
+              <a:t>Vielen Dank für Ihre Aufmerksamkeit</a:t>
+            </a:r>
+          </a:p>
+        </p:txBody>
+      </p:sp>
+      <p:sp>
+        <p:nvSpPr>
+          <p:cNvPr id="3" name="Inhaltsplatzhalter 2">
+            <a:extLst>
+              <a:ext uri="{FF2B5EF4-FFF2-40B4-BE49-F238E27FC236}">
+                <a16:creationId xmlns:a16="http://schemas.microsoft.com/office/drawing/2014/main" id="{552151AC-CADB-425E-B531-07F7F28CDB57}"/>
+              </a:ext>
+            </a:extLst>
+          </p:cNvPr>
+          <p:cNvSpPr>
+            <a:spLocks noGrp="1"/>
+          </p:cNvSpPr>
+          <p:nvPr>
+            <p:ph idx="1"/>
+          </p:nvPr>
+        </p:nvSpPr>
+        <p:spPr/>
+        <p:txBody>
+          <a:bodyPr/>
+          <a:lstStyle/>
+          <a:p>
+            <a:r>
+              <a:rPr lang="de-CH" dirty="0"/>
+              <a:t>Offene Fragen?</a:t>
+            </a:r>
+          </a:p>
+        </p:txBody>
+      </p:sp>
+    </p:spTree>
+    <p:extLst>
+      <p:ext uri="{BB962C8B-B14F-4D97-AF65-F5344CB8AC3E}">
+        <p14:creationId xmlns:p14="http://schemas.microsoft.com/office/powerpoint/2010/main" val="3916132607"/>
+      </p:ext>
+    </p:extLst>
+  </p:cSld>
+  <p:clrMapOvr>
+    <a:masterClrMapping/>
+  </p:clrMapOvr>
+</p:sld>
+</file>
+
+<file path=ppt/slides/slide11.xml><?xml version="1.0" encoding="utf-8"?>
+<p:sld xmlns:a="http://schemas.openxmlformats.org/drawingml/2006/main" xmlns:r="http://schemas.openxmlformats.org/officeDocument/2006/relationships" xmlns:p="http://schemas.openxmlformats.org/presentationml/2006/main">
+  <p:cSld>
+    <p:spTree>
+      <p:nvGrpSpPr>
+        <p:cNvPr id="1" name=""/>
+        <p:cNvGrpSpPr/>
+        <p:nvPr/>
+      </p:nvGrpSpPr>
+      <p:grpSpPr>
+        <a:xfrm>
+          <a:off x="0" y="0"/>
+          <a:ext cx="0" cy="0"/>
+          <a:chOff x="0" y="0"/>
+          <a:chExt cx="0" cy="0"/>
+        </a:xfrm>
+      </p:grpSpPr>
+      <p:sp>
+        <p:nvSpPr>
+          <p:cNvPr id="2" name="Titel 1">
+            <a:extLst>
+              <a:ext uri="{FF2B5EF4-FFF2-40B4-BE49-F238E27FC236}">
                 <a16:creationId xmlns:a16="http://schemas.microsoft.com/office/drawing/2014/main" id="{3977093A-AB65-40B6-B419-9C70A3A9EC56}"/>
               </a:ext>
             </a:extLst>
@@ -12492,7 +12579,21 @@
           <a:bodyPr/>
           <a:lstStyle/>
           <a:p>
-            <a:endParaRPr lang="de-CH"/>
+            <a:r>
+              <a:rPr lang="de-DE" dirty="0"/>
+              <a:t>S. Hesse and G. Schnell, </a:t>
+            </a:r>
+            <a:r>
+              <a:rPr lang="de-DE" i="1" dirty="0"/>
+              <a:t>Sensoren für die Prozess- und Fabrikautomation - Funktion - Ausführung - Anwendung</a:t>
+            </a:r>
+            <a:r>
+              <a:rPr lang="de-DE" dirty="0"/>
+              <a:t>. Berlin Heidelberg New York: Springer-Verlag, 2014.</a:t>
+            </a:r>
+          </a:p>
+          <a:p>
+            <a:endParaRPr lang="de-CH" dirty="0"/>
           </a:p>
         </p:txBody>
       </p:sp>
@@ -12719,6 +12820,86 @@
           <p:cNvPr id="2" name="Titel 1">
             <a:extLst>
               <a:ext uri="{FF2B5EF4-FFF2-40B4-BE49-F238E27FC236}">
+                <a16:creationId xmlns:a16="http://schemas.microsoft.com/office/drawing/2014/main" id="{D11790CF-2894-4110-9E5B-15AC5B975870}"/>
+              </a:ext>
+            </a:extLst>
+          </p:cNvPr>
+          <p:cNvSpPr>
+            <a:spLocks noGrp="1"/>
+          </p:cNvSpPr>
+          <p:nvPr>
+            <p:ph type="title"/>
+          </p:nvPr>
+        </p:nvSpPr>
+        <p:spPr/>
+        <p:txBody>
+          <a:bodyPr/>
+          <a:lstStyle/>
+          <a:p>
+            <a:endParaRPr lang="de-CH"/>
+          </a:p>
+        </p:txBody>
+      </p:sp>
+      <p:sp>
+        <p:nvSpPr>
+          <p:cNvPr id="3" name="Inhaltsplatzhalter 2">
+            <a:extLst>
+              <a:ext uri="{FF2B5EF4-FFF2-40B4-BE49-F238E27FC236}">
+                <a16:creationId xmlns:a16="http://schemas.microsoft.com/office/drawing/2014/main" id="{DCBC1A63-6A83-4301-9785-9E4E9090969E}"/>
+              </a:ext>
+            </a:extLst>
+          </p:cNvPr>
+          <p:cNvSpPr>
+            <a:spLocks noGrp="1"/>
+          </p:cNvSpPr>
+          <p:nvPr>
+            <p:ph idx="1"/>
+          </p:nvPr>
+        </p:nvSpPr>
+        <p:spPr/>
+        <p:txBody>
+          <a:bodyPr/>
+          <a:lstStyle/>
+          <a:p>
+            <a:endParaRPr lang="de-CH"/>
+          </a:p>
+        </p:txBody>
+      </p:sp>
+    </p:spTree>
+    <p:extLst>
+      <p:ext uri="{BB962C8B-B14F-4D97-AF65-F5344CB8AC3E}">
+        <p14:creationId xmlns:p14="http://schemas.microsoft.com/office/powerpoint/2010/main" val="3810138336"/>
+      </p:ext>
+    </p:extLst>
+  </p:cSld>
+  <p:clrMapOvr>
+    <a:masterClrMapping/>
+  </p:clrMapOvr>
+</p:sld>
+</file>
+
+<file path=ppt/slides/slide5.xml><?xml version="1.0" encoding="utf-8"?>
+<p:sld xmlns:a="http://schemas.openxmlformats.org/drawingml/2006/main" xmlns:r="http://schemas.openxmlformats.org/officeDocument/2006/relationships" xmlns:p="http://schemas.openxmlformats.org/presentationml/2006/main">
+  <p:cSld>
+    <p:spTree>
+      <p:nvGrpSpPr>
+        <p:cNvPr id="1" name=""/>
+        <p:cNvGrpSpPr/>
+        <p:nvPr/>
+      </p:nvGrpSpPr>
+      <p:grpSpPr>
+        <a:xfrm>
+          <a:off x="0" y="0"/>
+          <a:ext cx="0" cy="0"/>
+          <a:chOff x="0" y="0"/>
+          <a:chExt cx="0" cy="0"/>
+        </a:xfrm>
+      </p:grpSpPr>
+      <p:sp>
+        <p:nvSpPr>
+          <p:cNvPr id="2" name="Titel 1">
+            <a:extLst>
+              <a:ext uri="{FF2B5EF4-FFF2-40B4-BE49-F238E27FC236}">
                 <a16:creationId xmlns:a16="http://schemas.microsoft.com/office/drawing/2014/main" id="{4BDF7F1B-9AC3-46F4-B7F0-631A16B5CC33}"/>
               </a:ext>
             </a:extLst>
@@ -12780,7 +12961,7 @@
 </p:sld>
 </file>
 
-<file path=ppt/slides/slide5.xml><?xml version="1.0" encoding="utf-8"?>
+<file path=ppt/slides/slide6.xml><?xml version="1.0" encoding="utf-8"?>
 <p:sld xmlns:a="http://schemas.openxmlformats.org/drawingml/2006/main" xmlns:r="http://schemas.openxmlformats.org/officeDocument/2006/relationships" xmlns:p="http://schemas.openxmlformats.org/presentationml/2006/main">
   <p:cSld>
     <p:spTree>
@@ -12872,7 +13053,7 @@
 </p:sld>
 </file>
 
-<file path=ppt/slides/slide6.xml><?xml version="1.0" encoding="utf-8"?>
+<file path=ppt/slides/slide7.xml><?xml version="1.0" encoding="utf-8"?>
 <p:sld xmlns:a="http://schemas.openxmlformats.org/drawingml/2006/main" xmlns:r="http://schemas.openxmlformats.org/officeDocument/2006/relationships" xmlns:p="http://schemas.openxmlformats.org/presentationml/2006/main">
   <p:cSld>
     <p:spTree>
@@ -13071,7 +13252,7 @@
 </p:sld>
 </file>
 
-<file path=ppt/slides/slide7.xml><?xml version="1.0" encoding="utf-8"?>
+<file path=ppt/slides/slide8.xml><?xml version="1.0" encoding="utf-8"?>
 <p:sld xmlns:a="http://schemas.openxmlformats.org/drawingml/2006/main" xmlns:r="http://schemas.openxmlformats.org/officeDocument/2006/relationships" xmlns:p="http://schemas.openxmlformats.org/presentationml/2006/main">
   <p:cSld>
     <p:spTree>
@@ -13333,7 +13514,7 @@
 </p:sld>
 </file>
 
-<file path=ppt/slides/slide8.xml><?xml version="1.0" encoding="utf-8"?>
+<file path=ppt/slides/slide9.xml><?xml version="1.0" encoding="utf-8"?>
 <p:sld xmlns:a="http://schemas.openxmlformats.org/drawingml/2006/main" xmlns:r="http://schemas.openxmlformats.org/officeDocument/2006/relationships" xmlns:p="http://schemas.openxmlformats.org/presentationml/2006/main">
   <p:cSld>
     <p:spTree>
@@ -13478,92 +13659,6 @@
     <p:extLst>
       <p:ext uri="{BB962C8B-B14F-4D97-AF65-F5344CB8AC3E}">
         <p14:creationId xmlns:p14="http://schemas.microsoft.com/office/powerpoint/2010/main" val="3195418156"/>
-      </p:ext>
-    </p:extLst>
-  </p:cSld>
-  <p:clrMapOvr>
-    <a:masterClrMapping/>
-  </p:clrMapOvr>
-</p:sld>
-</file>
-
-<file path=ppt/slides/slide9.xml><?xml version="1.0" encoding="utf-8"?>
-<p:sld xmlns:a="http://schemas.openxmlformats.org/drawingml/2006/main" xmlns:r="http://schemas.openxmlformats.org/officeDocument/2006/relationships" xmlns:p="http://schemas.openxmlformats.org/presentationml/2006/main">
-  <p:cSld>
-    <p:spTree>
-      <p:nvGrpSpPr>
-        <p:cNvPr id="1" name=""/>
-        <p:cNvGrpSpPr/>
-        <p:nvPr/>
-      </p:nvGrpSpPr>
-      <p:grpSpPr>
-        <a:xfrm>
-          <a:off x="0" y="0"/>
-          <a:ext cx="0" cy="0"/>
-          <a:chOff x="0" y="0"/>
-          <a:chExt cx="0" cy="0"/>
-        </a:xfrm>
-      </p:grpSpPr>
-      <p:sp>
-        <p:nvSpPr>
-          <p:cNvPr id="2" name="Titel 1">
-            <a:extLst>
-              <a:ext uri="{FF2B5EF4-FFF2-40B4-BE49-F238E27FC236}">
-                <a16:creationId xmlns:a16="http://schemas.microsoft.com/office/drawing/2014/main" id="{B3A4C400-9123-487F-9987-685A86B144A9}"/>
-              </a:ext>
-            </a:extLst>
-          </p:cNvPr>
-          <p:cNvSpPr>
-            <a:spLocks noGrp="1"/>
-          </p:cNvSpPr>
-          <p:nvPr>
-            <p:ph type="title"/>
-          </p:nvPr>
-        </p:nvSpPr>
-        <p:spPr/>
-        <p:txBody>
-          <a:bodyPr/>
-          <a:lstStyle/>
-          <a:p>
-            <a:r>
-              <a:rPr lang="de-CH" dirty="0"/>
-              <a:t>Vielen Dank für Ihre Aufmerksamkeit</a:t>
-            </a:r>
-          </a:p>
-        </p:txBody>
-      </p:sp>
-      <p:sp>
-        <p:nvSpPr>
-          <p:cNvPr id="3" name="Inhaltsplatzhalter 2">
-            <a:extLst>
-              <a:ext uri="{FF2B5EF4-FFF2-40B4-BE49-F238E27FC236}">
-                <a16:creationId xmlns:a16="http://schemas.microsoft.com/office/drawing/2014/main" id="{552151AC-CADB-425E-B531-07F7F28CDB57}"/>
-              </a:ext>
-            </a:extLst>
-          </p:cNvPr>
-          <p:cNvSpPr>
-            <a:spLocks noGrp="1"/>
-          </p:cNvSpPr>
-          <p:nvPr>
-            <p:ph idx="1"/>
-          </p:nvPr>
-        </p:nvSpPr>
-        <p:spPr/>
-        <p:txBody>
-          <a:bodyPr/>
-          <a:lstStyle/>
-          <a:p>
-            <a:r>
-              <a:rPr lang="de-CH" dirty="0"/>
-              <a:t>Offene Fragen?</a:t>
-            </a:r>
-          </a:p>
-        </p:txBody>
-      </p:sp>
-    </p:spTree>
-    <p:extLst>
-      <p:ext uri="{BB962C8B-B14F-4D97-AF65-F5344CB8AC3E}">
-        <p14:creationId xmlns:p14="http://schemas.microsoft.com/office/powerpoint/2010/main" val="3916132607"/>
       </p:ext>
     </p:extLst>
   </p:cSld>

--- a/LuftfeuchtigkeitssensorenPP.pptx
+++ b/LuftfeuchtigkeitssensorenPP.pptx
@@ -4,18 +4,23 @@
   <p:sldMasterIdLst>
     <p:sldMasterId id="2147483648" r:id="rId1"/>
   </p:sldMasterIdLst>
+  <p:notesMasterIdLst>
+    <p:notesMasterId r:id="rId15"/>
+  </p:notesMasterIdLst>
   <p:sldIdLst>
     <p:sldId id="256" r:id="rId2"/>
     <p:sldId id="257" r:id="rId3"/>
-    <p:sldId id="258" r:id="rId4"/>
-    <p:sldId id="267" r:id="rId5"/>
-    <p:sldId id="259" r:id="rId6"/>
-    <p:sldId id="265" r:id="rId7"/>
-    <p:sldId id="260" r:id="rId8"/>
-    <p:sldId id="264" r:id="rId9"/>
-    <p:sldId id="261" r:id="rId10"/>
-    <p:sldId id="262" r:id="rId11"/>
-    <p:sldId id="266" r:id="rId12"/>
+    <p:sldId id="269" r:id="rId4"/>
+    <p:sldId id="258" r:id="rId5"/>
+    <p:sldId id="267" r:id="rId6"/>
+    <p:sldId id="268" r:id="rId7"/>
+    <p:sldId id="259" r:id="rId8"/>
+    <p:sldId id="265" r:id="rId9"/>
+    <p:sldId id="260" r:id="rId10"/>
+    <p:sldId id="264" r:id="rId11"/>
+    <p:sldId id="261" r:id="rId12"/>
+    <p:sldId id="262" r:id="rId13"/>
+    <p:sldId id="266" r:id="rId14"/>
   </p:sldIdLst>
   <p:sldSz cx="12192000" cy="6858000"/>
   <p:notesSz cx="6858000" cy="9144000"/>
@@ -122,6 +127,784 @@
 </p:presentation>
 </file>
 
+<file path=ppt/notesMasters/notesMaster1.xml><?xml version="1.0" encoding="utf-8"?>
+<p:notesMaster xmlns:a="http://schemas.openxmlformats.org/drawingml/2006/main" xmlns:r="http://schemas.openxmlformats.org/officeDocument/2006/relationships" xmlns:p="http://schemas.openxmlformats.org/presentationml/2006/main">
+  <p:cSld>
+    <p:bg>
+      <p:bgRef idx="1001">
+        <a:schemeClr val="bg1"/>
+      </p:bgRef>
+    </p:bg>
+    <p:spTree>
+      <p:nvGrpSpPr>
+        <p:cNvPr id="1" name=""/>
+        <p:cNvGrpSpPr/>
+        <p:nvPr/>
+      </p:nvGrpSpPr>
+      <p:grpSpPr>
+        <a:xfrm>
+          <a:off x="0" y="0"/>
+          <a:ext cx="0" cy="0"/>
+          <a:chOff x="0" y="0"/>
+          <a:chExt cx="0" cy="0"/>
+        </a:xfrm>
+      </p:grpSpPr>
+      <p:sp>
+        <p:nvSpPr>
+          <p:cNvPr id="2" name="Kopfzeilenplatzhalter 1"/>
+          <p:cNvSpPr>
+            <a:spLocks noGrp="1"/>
+          </p:cNvSpPr>
+          <p:nvPr>
+            <p:ph type="hdr" sz="quarter"/>
+          </p:nvPr>
+        </p:nvSpPr>
+        <p:spPr>
+          <a:xfrm>
+            <a:off x="0" y="0"/>
+            <a:ext cx="2971800" cy="458788"/>
+          </a:xfrm>
+          <a:prstGeom prst="rect">
+            <a:avLst/>
+          </a:prstGeom>
+        </p:spPr>
+        <p:txBody>
+          <a:bodyPr vert="horz" lIns="91440" tIns="45720" rIns="91440" bIns="45720" rtlCol="0"/>
+          <a:lstStyle>
+            <a:lvl1pPr algn="l">
+              <a:defRPr sz="1200"/>
+            </a:lvl1pPr>
+          </a:lstStyle>
+          <a:p>
+            <a:endParaRPr lang="de-CH"/>
+          </a:p>
+        </p:txBody>
+      </p:sp>
+      <p:sp>
+        <p:nvSpPr>
+          <p:cNvPr id="3" name="Datumsplatzhalter 2"/>
+          <p:cNvSpPr>
+            <a:spLocks noGrp="1"/>
+          </p:cNvSpPr>
+          <p:nvPr>
+            <p:ph type="dt" idx="1"/>
+          </p:nvPr>
+        </p:nvSpPr>
+        <p:spPr>
+          <a:xfrm>
+            <a:off x="3884613" y="0"/>
+            <a:ext cx="2971800" cy="458788"/>
+          </a:xfrm>
+          <a:prstGeom prst="rect">
+            <a:avLst/>
+          </a:prstGeom>
+        </p:spPr>
+        <p:txBody>
+          <a:bodyPr vert="horz" lIns="91440" tIns="45720" rIns="91440" bIns="45720" rtlCol="0"/>
+          <a:lstStyle>
+            <a:lvl1pPr algn="r">
+              <a:defRPr sz="1200"/>
+            </a:lvl1pPr>
+          </a:lstStyle>
+          <a:p>
+            <a:fld id="{DE9C311B-A213-4638-9D9B-3A2196EB9FC1}" type="datetimeFigureOut">
+              <a:rPr lang="de-CH" smtClean="0"/>
+              <a:t>03.10.2018</a:t>
+            </a:fld>
+            <a:endParaRPr lang="de-CH"/>
+          </a:p>
+        </p:txBody>
+      </p:sp>
+      <p:sp>
+        <p:nvSpPr>
+          <p:cNvPr id="4" name="Folienbildplatzhalter 3"/>
+          <p:cNvSpPr>
+            <a:spLocks noGrp="1" noRot="1" noChangeAspect="1"/>
+          </p:cNvSpPr>
+          <p:nvPr>
+            <p:ph type="sldImg" idx="2"/>
+          </p:nvPr>
+        </p:nvSpPr>
+        <p:spPr>
+          <a:xfrm>
+            <a:off x="685800" y="1143000"/>
+            <a:ext cx="5486400" cy="3086100"/>
+          </a:xfrm>
+          <a:prstGeom prst="rect">
+            <a:avLst/>
+          </a:prstGeom>
+          <a:noFill/>
+          <a:ln w="12700">
+            <a:solidFill>
+              <a:prstClr val="black"/>
+            </a:solidFill>
+          </a:ln>
+        </p:spPr>
+        <p:txBody>
+          <a:bodyPr vert="horz" lIns="91440" tIns="45720" rIns="91440" bIns="45720" rtlCol="0" anchor="ctr"/>
+          <a:lstStyle/>
+          <a:p>
+            <a:endParaRPr lang="de-CH"/>
+          </a:p>
+        </p:txBody>
+      </p:sp>
+      <p:sp>
+        <p:nvSpPr>
+          <p:cNvPr id="5" name="Notizenplatzhalter 4"/>
+          <p:cNvSpPr>
+            <a:spLocks noGrp="1"/>
+          </p:cNvSpPr>
+          <p:nvPr>
+            <p:ph type="body" sz="quarter" idx="3"/>
+          </p:nvPr>
+        </p:nvSpPr>
+        <p:spPr>
+          <a:xfrm>
+            <a:off x="685800" y="4400550"/>
+            <a:ext cx="5486400" cy="3600450"/>
+          </a:xfrm>
+          <a:prstGeom prst="rect">
+            <a:avLst/>
+          </a:prstGeom>
+        </p:spPr>
+        <p:txBody>
+          <a:bodyPr vert="horz" lIns="91440" tIns="45720" rIns="91440" bIns="45720" rtlCol="0"/>
+          <a:lstStyle/>
+          <a:p>
+            <a:pPr lvl="0"/>
+            <a:r>
+              <a:rPr lang="de-DE"/>
+              <a:t>Mastertextformat bearbeiten</a:t>
+            </a:r>
+          </a:p>
+          <a:p>
+            <a:pPr lvl="1"/>
+            <a:r>
+              <a:rPr lang="de-DE"/>
+              <a:t>Zweite Ebene</a:t>
+            </a:r>
+          </a:p>
+          <a:p>
+            <a:pPr lvl="2"/>
+            <a:r>
+              <a:rPr lang="de-DE"/>
+              <a:t>Dritte Ebene</a:t>
+            </a:r>
+          </a:p>
+          <a:p>
+            <a:pPr lvl="3"/>
+            <a:r>
+              <a:rPr lang="de-DE"/>
+              <a:t>Vierte Ebene</a:t>
+            </a:r>
+          </a:p>
+          <a:p>
+            <a:pPr lvl="4"/>
+            <a:r>
+              <a:rPr lang="de-DE"/>
+              <a:t>Fünfte Ebene</a:t>
+            </a:r>
+            <a:endParaRPr lang="de-CH"/>
+          </a:p>
+        </p:txBody>
+      </p:sp>
+      <p:sp>
+        <p:nvSpPr>
+          <p:cNvPr id="6" name="Fußzeilenplatzhalter 5"/>
+          <p:cNvSpPr>
+            <a:spLocks noGrp="1"/>
+          </p:cNvSpPr>
+          <p:nvPr>
+            <p:ph type="ftr" sz="quarter" idx="4"/>
+          </p:nvPr>
+        </p:nvSpPr>
+        <p:spPr>
+          <a:xfrm>
+            <a:off x="0" y="8685213"/>
+            <a:ext cx="2971800" cy="458787"/>
+          </a:xfrm>
+          <a:prstGeom prst="rect">
+            <a:avLst/>
+          </a:prstGeom>
+        </p:spPr>
+        <p:txBody>
+          <a:bodyPr vert="horz" lIns="91440" tIns="45720" rIns="91440" bIns="45720" rtlCol="0" anchor="b"/>
+          <a:lstStyle>
+            <a:lvl1pPr algn="l">
+              <a:defRPr sz="1200"/>
+            </a:lvl1pPr>
+          </a:lstStyle>
+          <a:p>
+            <a:endParaRPr lang="de-CH"/>
+          </a:p>
+        </p:txBody>
+      </p:sp>
+      <p:sp>
+        <p:nvSpPr>
+          <p:cNvPr id="7" name="Foliennummernplatzhalter 6"/>
+          <p:cNvSpPr>
+            <a:spLocks noGrp="1"/>
+          </p:cNvSpPr>
+          <p:nvPr>
+            <p:ph type="sldNum" sz="quarter" idx="5"/>
+          </p:nvPr>
+        </p:nvSpPr>
+        <p:spPr>
+          <a:xfrm>
+            <a:off x="3884613" y="8685213"/>
+            <a:ext cx="2971800" cy="458787"/>
+          </a:xfrm>
+          <a:prstGeom prst="rect">
+            <a:avLst/>
+          </a:prstGeom>
+        </p:spPr>
+        <p:txBody>
+          <a:bodyPr vert="horz" lIns="91440" tIns="45720" rIns="91440" bIns="45720" rtlCol="0" anchor="b"/>
+          <a:lstStyle>
+            <a:lvl1pPr algn="r">
+              <a:defRPr sz="1200"/>
+            </a:lvl1pPr>
+          </a:lstStyle>
+          <a:p>
+            <a:fld id="{87C61CD3-467C-4266-B653-F03EC6413FEE}" type="slidenum">
+              <a:rPr lang="de-CH" smtClean="0"/>
+              <a:t>‹Nr.›</a:t>
+            </a:fld>
+            <a:endParaRPr lang="de-CH"/>
+          </a:p>
+        </p:txBody>
+      </p:sp>
+    </p:spTree>
+    <p:extLst>
+      <p:ext uri="{BB962C8B-B14F-4D97-AF65-F5344CB8AC3E}">
+        <p14:creationId xmlns:p14="http://schemas.microsoft.com/office/powerpoint/2010/main" val="1412902809"/>
+      </p:ext>
+    </p:extLst>
+  </p:cSld>
+  <p:clrMap bg1="lt1" tx1="dk1" bg2="lt2" tx2="dk2" accent1="accent1" accent2="accent2" accent3="accent3" accent4="accent4" accent5="accent5" accent6="accent6" hlink="hlink" folHlink="folHlink"/>
+  <p:notesStyle>
+    <a:lvl1pPr marL="0" algn="l" defTabSz="914400" rtl="0" eaLnBrk="1" latinLnBrk="0" hangingPunct="1">
+      <a:defRPr sz="1200" kern="1200">
+        <a:solidFill>
+          <a:schemeClr val="tx1"/>
+        </a:solidFill>
+        <a:latin typeface="+mn-lt"/>
+        <a:ea typeface="+mn-ea"/>
+        <a:cs typeface="+mn-cs"/>
+      </a:defRPr>
+    </a:lvl1pPr>
+    <a:lvl2pPr marL="457200" algn="l" defTabSz="914400" rtl="0" eaLnBrk="1" latinLnBrk="0" hangingPunct="1">
+      <a:defRPr sz="1200" kern="1200">
+        <a:solidFill>
+          <a:schemeClr val="tx1"/>
+        </a:solidFill>
+        <a:latin typeface="+mn-lt"/>
+        <a:ea typeface="+mn-ea"/>
+        <a:cs typeface="+mn-cs"/>
+      </a:defRPr>
+    </a:lvl2pPr>
+    <a:lvl3pPr marL="914400" algn="l" defTabSz="914400" rtl="0" eaLnBrk="1" latinLnBrk="0" hangingPunct="1">
+      <a:defRPr sz="1200" kern="1200">
+        <a:solidFill>
+          <a:schemeClr val="tx1"/>
+        </a:solidFill>
+        <a:latin typeface="+mn-lt"/>
+        <a:ea typeface="+mn-ea"/>
+        <a:cs typeface="+mn-cs"/>
+      </a:defRPr>
+    </a:lvl3pPr>
+    <a:lvl4pPr marL="1371600" algn="l" defTabSz="914400" rtl="0" eaLnBrk="1" latinLnBrk="0" hangingPunct="1">
+      <a:defRPr sz="1200" kern="1200">
+        <a:solidFill>
+          <a:schemeClr val="tx1"/>
+        </a:solidFill>
+        <a:latin typeface="+mn-lt"/>
+        <a:ea typeface="+mn-ea"/>
+        <a:cs typeface="+mn-cs"/>
+      </a:defRPr>
+    </a:lvl4pPr>
+    <a:lvl5pPr marL="1828800" algn="l" defTabSz="914400" rtl="0" eaLnBrk="1" latinLnBrk="0" hangingPunct="1">
+      <a:defRPr sz="1200" kern="1200">
+        <a:solidFill>
+          <a:schemeClr val="tx1"/>
+        </a:solidFill>
+        <a:latin typeface="+mn-lt"/>
+        <a:ea typeface="+mn-ea"/>
+        <a:cs typeface="+mn-cs"/>
+      </a:defRPr>
+    </a:lvl5pPr>
+    <a:lvl6pPr marL="2286000" algn="l" defTabSz="914400" rtl="0" eaLnBrk="1" latinLnBrk="0" hangingPunct="1">
+      <a:defRPr sz="1200" kern="1200">
+        <a:solidFill>
+          <a:schemeClr val="tx1"/>
+        </a:solidFill>
+        <a:latin typeface="+mn-lt"/>
+        <a:ea typeface="+mn-ea"/>
+        <a:cs typeface="+mn-cs"/>
+      </a:defRPr>
+    </a:lvl6pPr>
+    <a:lvl7pPr marL="2743200" algn="l" defTabSz="914400" rtl="0" eaLnBrk="1" latinLnBrk="0" hangingPunct="1">
+      <a:defRPr sz="1200" kern="1200">
+        <a:solidFill>
+          <a:schemeClr val="tx1"/>
+        </a:solidFill>
+        <a:latin typeface="+mn-lt"/>
+        <a:ea typeface="+mn-ea"/>
+        <a:cs typeface="+mn-cs"/>
+      </a:defRPr>
+    </a:lvl7pPr>
+    <a:lvl8pPr marL="3200400" algn="l" defTabSz="914400" rtl="0" eaLnBrk="1" latinLnBrk="0" hangingPunct="1">
+      <a:defRPr sz="1200" kern="1200">
+        <a:solidFill>
+          <a:schemeClr val="tx1"/>
+        </a:solidFill>
+        <a:latin typeface="+mn-lt"/>
+        <a:ea typeface="+mn-ea"/>
+        <a:cs typeface="+mn-cs"/>
+      </a:defRPr>
+    </a:lvl8pPr>
+    <a:lvl9pPr marL="3657600" algn="l" defTabSz="914400" rtl="0" eaLnBrk="1" latinLnBrk="0" hangingPunct="1">
+      <a:defRPr sz="1200" kern="1200">
+        <a:solidFill>
+          <a:schemeClr val="tx1"/>
+        </a:solidFill>
+        <a:latin typeface="+mn-lt"/>
+        <a:ea typeface="+mn-ea"/>
+        <a:cs typeface="+mn-cs"/>
+      </a:defRPr>
+    </a:lvl9pPr>
+  </p:notesStyle>
+</p:notesMaster>
+</file>
+
+<file path=ppt/notesSlides/notesSlide1.xml><?xml version="1.0" encoding="utf-8"?>
+<p:notes xmlns:a="http://schemas.openxmlformats.org/drawingml/2006/main" xmlns:r="http://schemas.openxmlformats.org/officeDocument/2006/relationships" xmlns:p="http://schemas.openxmlformats.org/presentationml/2006/main">
+  <p:cSld>
+    <p:spTree>
+      <p:nvGrpSpPr>
+        <p:cNvPr id="1" name=""/>
+        <p:cNvGrpSpPr/>
+        <p:nvPr/>
+      </p:nvGrpSpPr>
+      <p:grpSpPr>
+        <a:xfrm>
+          <a:off x="0" y="0"/>
+          <a:ext cx="0" cy="0"/>
+          <a:chOff x="0" y="0"/>
+          <a:chExt cx="0" cy="0"/>
+        </a:xfrm>
+      </p:grpSpPr>
+      <p:sp>
+        <p:nvSpPr>
+          <p:cNvPr id="2" name="Folienbildplatzhalter 1"/>
+          <p:cNvSpPr>
+            <a:spLocks noGrp="1" noRot="1" noChangeAspect="1"/>
+          </p:cNvSpPr>
+          <p:nvPr>
+            <p:ph type="sldImg"/>
+          </p:nvPr>
+        </p:nvSpPr>
+        <p:spPr/>
+      </p:sp>
+      <p:sp>
+        <p:nvSpPr>
+          <p:cNvPr id="3" name="Notizenplatzhalter 2"/>
+          <p:cNvSpPr>
+            <a:spLocks noGrp="1"/>
+          </p:cNvSpPr>
+          <p:nvPr>
+            <p:ph type="body" idx="1"/>
+          </p:nvPr>
+        </p:nvSpPr>
+        <p:spPr/>
+        <p:txBody>
+          <a:bodyPr/>
+          <a:lstStyle/>
+          <a:p>
+            <a:pPr marL="171450" indent="-171450">
+              <a:buFontTx/>
+              <a:buChar char="-"/>
+            </a:pPr>
+            <a:r>
+              <a:rPr lang="de-CH" dirty="0"/>
+              <a:t>Bei Flüssig- und Feststoffen wird meistens der Wassergehalt angegeben. (Verhältnis der Differenz von der feuchten und trockenen Masse zur feuchten Masse)</a:t>
+            </a:r>
+          </a:p>
+          <a:p>
+            <a:pPr marL="171450" indent="-171450">
+              <a:buFontTx/>
+              <a:buChar char="-"/>
+            </a:pPr>
+            <a:r>
+              <a:rPr lang="de-CH" dirty="0"/>
+              <a:t>Gasfeuchtemessung (Hygrometrie)</a:t>
+            </a:r>
+          </a:p>
+          <a:p>
+            <a:pPr marL="171450" indent="-171450">
+              <a:buFontTx/>
+              <a:buChar char="-"/>
+            </a:pPr>
+            <a:r>
+              <a:rPr lang="de-CH" dirty="0"/>
+              <a:t>Die feuchte Luft ist eine Mischung aus trockener Luft und Wasserdampf mit abhängigem Sättigungspunkt</a:t>
+            </a:r>
+          </a:p>
+        </p:txBody>
+      </p:sp>
+      <p:sp>
+        <p:nvSpPr>
+          <p:cNvPr id="4" name="Foliennummernplatzhalter 3"/>
+          <p:cNvSpPr>
+            <a:spLocks noGrp="1"/>
+          </p:cNvSpPr>
+          <p:nvPr>
+            <p:ph type="sldNum" sz="quarter" idx="10"/>
+          </p:nvPr>
+        </p:nvSpPr>
+        <p:spPr/>
+        <p:txBody>
+          <a:bodyPr/>
+          <a:lstStyle/>
+          <a:p>
+            <a:fld id="{87C61CD3-467C-4266-B653-F03EC6413FEE}" type="slidenum">
+              <a:rPr lang="de-CH" smtClean="0"/>
+              <a:t>4</a:t>
+            </a:fld>
+            <a:endParaRPr lang="de-CH"/>
+          </a:p>
+        </p:txBody>
+      </p:sp>
+    </p:spTree>
+    <p:extLst>
+      <p:ext uri="{BB962C8B-B14F-4D97-AF65-F5344CB8AC3E}">
+        <p14:creationId xmlns:p14="http://schemas.microsoft.com/office/powerpoint/2010/main" val="3089159540"/>
+      </p:ext>
+    </p:extLst>
+  </p:cSld>
+  <p:clrMapOvr>
+    <a:masterClrMapping/>
+  </p:clrMapOvr>
+</p:notes>
+</file>
+
+<file path=ppt/notesSlides/notesSlide2.xml><?xml version="1.0" encoding="utf-8"?>
+<p:notes xmlns:a="http://schemas.openxmlformats.org/drawingml/2006/main" xmlns:r="http://schemas.openxmlformats.org/officeDocument/2006/relationships" xmlns:p="http://schemas.openxmlformats.org/presentationml/2006/main">
+  <p:cSld>
+    <p:spTree>
+      <p:nvGrpSpPr>
+        <p:cNvPr id="1" name=""/>
+        <p:cNvGrpSpPr/>
+        <p:nvPr/>
+      </p:nvGrpSpPr>
+      <p:grpSpPr>
+        <a:xfrm>
+          <a:off x="0" y="0"/>
+          <a:ext cx="0" cy="0"/>
+          <a:chOff x="0" y="0"/>
+          <a:chExt cx="0" cy="0"/>
+        </a:xfrm>
+      </p:grpSpPr>
+      <p:sp>
+        <p:nvSpPr>
+          <p:cNvPr id="2" name="Folienbildplatzhalter 1"/>
+          <p:cNvSpPr>
+            <a:spLocks noGrp="1" noRot="1" noChangeAspect="1"/>
+          </p:cNvSpPr>
+          <p:nvPr>
+            <p:ph type="sldImg"/>
+          </p:nvPr>
+        </p:nvSpPr>
+        <p:spPr/>
+      </p:sp>
+      <p:sp>
+        <p:nvSpPr>
+          <p:cNvPr id="3" name="Notizenplatzhalter 2"/>
+          <p:cNvSpPr>
+            <a:spLocks noGrp="1"/>
+          </p:cNvSpPr>
+          <p:nvPr>
+            <p:ph type="body" idx="1"/>
+          </p:nvPr>
+        </p:nvSpPr>
+        <p:spPr/>
+        <p:txBody>
+          <a:bodyPr/>
+          <a:lstStyle/>
+          <a:p>
+            <a:pPr marL="171450" indent="-171450">
+              <a:buFontTx/>
+              <a:buChar char="-"/>
+            </a:pPr>
+            <a:r>
+              <a:rPr lang="de-CH" dirty="0"/>
+              <a:t>Taupunkt, resp. Taupunkttemperatur ist, wenn die Luft mit Wasserdampf gesättigt ist.</a:t>
+            </a:r>
+          </a:p>
+          <a:p>
+            <a:pPr marL="171450" indent="-171450">
+              <a:buFontTx/>
+              <a:buChar char="-"/>
+            </a:pPr>
+            <a:r>
+              <a:rPr lang="de-CH" dirty="0"/>
+              <a:t>Sinkt die Temperatur, kondensiert das Wasser sofort!</a:t>
+            </a:r>
+          </a:p>
+          <a:p>
+            <a:pPr marL="171450" indent="-171450">
+              <a:buFontTx/>
+              <a:buChar char="-"/>
+            </a:pPr>
+            <a:r>
+              <a:rPr lang="de-CH" dirty="0"/>
+              <a:t>Beispiel Getränkeflasche (entweder fragen oder direkt selber beantworten)</a:t>
+            </a:r>
+          </a:p>
+        </p:txBody>
+      </p:sp>
+      <p:sp>
+        <p:nvSpPr>
+          <p:cNvPr id="4" name="Foliennummernplatzhalter 3"/>
+          <p:cNvSpPr>
+            <a:spLocks noGrp="1"/>
+          </p:cNvSpPr>
+          <p:nvPr>
+            <p:ph type="sldNum" sz="quarter" idx="10"/>
+          </p:nvPr>
+        </p:nvSpPr>
+        <p:spPr/>
+        <p:txBody>
+          <a:bodyPr/>
+          <a:lstStyle/>
+          <a:p>
+            <a:fld id="{87C61CD3-467C-4266-B653-F03EC6413FEE}" type="slidenum">
+              <a:rPr lang="de-CH" smtClean="0"/>
+              <a:t>5</a:t>
+            </a:fld>
+            <a:endParaRPr lang="de-CH"/>
+          </a:p>
+        </p:txBody>
+      </p:sp>
+    </p:spTree>
+    <p:extLst>
+      <p:ext uri="{BB962C8B-B14F-4D97-AF65-F5344CB8AC3E}">
+        <p14:creationId xmlns:p14="http://schemas.microsoft.com/office/powerpoint/2010/main" val="4052851909"/>
+      </p:ext>
+    </p:extLst>
+  </p:cSld>
+  <p:clrMapOvr>
+    <a:masterClrMapping/>
+  </p:clrMapOvr>
+</p:notes>
+</file>
+
+<file path=ppt/notesSlides/notesSlide3.xml><?xml version="1.0" encoding="utf-8"?>
+<p:notes xmlns:a="http://schemas.openxmlformats.org/drawingml/2006/main" xmlns:r="http://schemas.openxmlformats.org/officeDocument/2006/relationships" xmlns:p="http://schemas.openxmlformats.org/presentationml/2006/main">
+  <p:cSld>
+    <p:spTree>
+      <p:nvGrpSpPr>
+        <p:cNvPr id="1" name=""/>
+        <p:cNvGrpSpPr/>
+        <p:nvPr/>
+      </p:nvGrpSpPr>
+      <p:grpSpPr>
+        <a:xfrm>
+          <a:off x="0" y="0"/>
+          <a:ext cx="0" cy="0"/>
+          <a:chOff x="0" y="0"/>
+          <a:chExt cx="0" cy="0"/>
+        </a:xfrm>
+      </p:grpSpPr>
+      <p:sp>
+        <p:nvSpPr>
+          <p:cNvPr id="2" name="Folienbildplatzhalter 1"/>
+          <p:cNvSpPr>
+            <a:spLocks noGrp="1" noRot="1" noChangeAspect="1"/>
+          </p:cNvSpPr>
+          <p:nvPr>
+            <p:ph type="sldImg"/>
+          </p:nvPr>
+        </p:nvSpPr>
+        <p:spPr/>
+      </p:sp>
+      <p:sp>
+        <p:nvSpPr>
+          <p:cNvPr id="3" name="Notizenplatzhalter 2"/>
+          <p:cNvSpPr>
+            <a:spLocks noGrp="1"/>
+          </p:cNvSpPr>
+          <p:nvPr>
+            <p:ph type="body" idx="1"/>
+          </p:nvPr>
+        </p:nvSpPr>
+        <p:spPr/>
+        <p:txBody>
+          <a:bodyPr/>
+          <a:lstStyle/>
+          <a:p>
+            <a:pPr marL="171450" indent="-171450">
+              <a:buFontTx/>
+              <a:buChar char="-"/>
+            </a:pPr>
+            <a:r>
+              <a:rPr lang="de-CH" dirty="0"/>
+              <a:t>Es geschieht grundsätzlich das gleiche beim Wetter. Luft erwärmt sich (kann mehr Wasserdampf speichern) -&gt; Tiefdruck und steigt auf. Luft kühlt sich wieder ab, woraufhin das Wasser kondensiert und sich Wolken bilden und es regnet -&gt; Hochdruck (Vergleichbar mit Gasflaschen)</a:t>
+            </a:r>
+          </a:p>
+          <a:p>
+            <a:pPr marL="171450" indent="-171450">
+              <a:buFontTx/>
+              <a:buChar char="-"/>
+            </a:pPr>
+            <a:endParaRPr lang="de-CH" dirty="0"/>
+          </a:p>
+        </p:txBody>
+      </p:sp>
+      <p:sp>
+        <p:nvSpPr>
+          <p:cNvPr id="4" name="Foliennummernplatzhalter 3"/>
+          <p:cNvSpPr>
+            <a:spLocks noGrp="1"/>
+          </p:cNvSpPr>
+          <p:nvPr>
+            <p:ph type="sldNum" sz="quarter" idx="10"/>
+          </p:nvPr>
+        </p:nvSpPr>
+        <p:spPr/>
+        <p:txBody>
+          <a:bodyPr/>
+          <a:lstStyle/>
+          <a:p>
+            <a:fld id="{87C61CD3-467C-4266-B653-F03EC6413FEE}" type="slidenum">
+              <a:rPr lang="de-CH" smtClean="0"/>
+              <a:t>6</a:t>
+            </a:fld>
+            <a:endParaRPr lang="de-CH"/>
+          </a:p>
+        </p:txBody>
+      </p:sp>
+    </p:spTree>
+    <p:extLst>
+      <p:ext uri="{BB962C8B-B14F-4D97-AF65-F5344CB8AC3E}">
+        <p14:creationId xmlns:p14="http://schemas.microsoft.com/office/powerpoint/2010/main" val="3790585430"/>
+      </p:ext>
+    </p:extLst>
+  </p:cSld>
+  <p:clrMapOvr>
+    <a:masterClrMapping/>
+  </p:clrMapOvr>
+</p:notes>
+</file>
+
+<file path=ppt/notesSlides/notesSlide4.xml><?xml version="1.0" encoding="utf-8"?>
+<p:notes xmlns:a="http://schemas.openxmlformats.org/drawingml/2006/main" xmlns:r="http://schemas.openxmlformats.org/officeDocument/2006/relationships" xmlns:p="http://schemas.openxmlformats.org/presentationml/2006/main">
+  <p:cSld>
+    <p:spTree>
+      <p:nvGrpSpPr>
+        <p:cNvPr id="1" name=""/>
+        <p:cNvGrpSpPr/>
+        <p:nvPr/>
+      </p:nvGrpSpPr>
+      <p:grpSpPr>
+        <a:xfrm>
+          <a:off x="0" y="0"/>
+          <a:ext cx="0" cy="0"/>
+          <a:chOff x="0" y="0"/>
+          <a:chExt cx="0" cy="0"/>
+        </a:xfrm>
+      </p:grpSpPr>
+      <p:sp>
+        <p:nvSpPr>
+          <p:cNvPr id="2" name="Folienbildplatzhalter 1"/>
+          <p:cNvSpPr>
+            <a:spLocks noGrp="1" noRot="1" noChangeAspect="1"/>
+          </p:cNvSpPr>
+          <p:nvPr>
+            <p:ph type="sldImg"/>
+          </p:nvPr>
+        </p:nvSpPr>
+        <p:spPr/>
+      </p:sp>
+      <p:sp>
+        <p:nvSpPr>
+          <p:cNvPr id="3" name="Notizenplatzhalter 2"/>
+          <p:cNvSpPr>
+            <a:spLocks noGrp="1"/>
+          </p:cNvSpPr>
+          <p:nvPr>
+            <p:ph type="body" idx="1"/>
+          </p:nvPr>
+        </p:nvSpPr>
+        <p:spPr/>
+        <p:txBody>
+          <a:bodyPr/>
+          <a:lstStyle/>
+          <a:p>
+            <a:pPr marL="171450" indent="-171450">
+              <a:buFontTx/>
+              <a:buChar char="-"/>
+            </a:pPr>
+            <a:r>
+              <a:rPr lang="de-CH" dirty="0"/>
+              <a:t>Direkte Feuchtemessverfahren trennen das Wasser direkt vom Stoff (Beispiel: Kondensation)</a:t>
+            </a:r>
+          </a:p>
+          <a:p>
+            <a:pPr marL="628650" lvl="1" indent="-171450">
+              <a:buFontTx/>
+              <a:buChar char="-"/>
+            </a:pPr>
+            <a:endParaRPr lang="de-CH" dirty="0"/>
+          </a:p>
+          <a:p>
+            <a:pPr marL="171450" indent="-171450">
+              <a:buFontTx/>
+              <a:buChar char="-"/>
+            </a:pPr>
+            <a:r>
+              <a:rPr lang="de-CH" dirty="0"/>
+              <a:t>Indirekte Feuchtemessverfahren messen die Substanzeigenschaften, die durch den Wassergehalt verändert werden. Mit einer Kennlinie kann auf den Feuchtigkeitsgehalt zurückgeschlossen werden. (Beispiel: Feuchtemessung von Holz oder auch das Faserhygrometer)</a:t>
+            </a:r>
+          </a:p>
+        </p:txBody>
+      </p:sp>
+      <p:sp>
+        <p:nvSpPr>
+          <p:cNvPr id="4" name="Foliennummernplatzhalter 3"/>
+          <p:cNvSpPr>
+            <a:spLocks noGrp="1"/>
+          </p:cNvSpPr>
+          <p:nvPr>
+            <p:ph type="sldNum" sz="quarter" idx="10"/>
+          </p:nvPr>
+        </p:nvSpPr>
+        <p:spPr/>
+        <p:txBody>
+          <a:bodyPr/>
+          <a:lstStyle/>
+          <a:p>
+            <a:fld id="{87C61CD3-467C-4266-B653-F03EC6413FEE}" type="slidenum">
+              <a:rPr lang="de-CH" smtClean="0"/>
+              <a:t>7</a:t>
+            </a:fld>
+            <a:endParaRPr lang="de-CH"/>
+          </a:p>
+        </p:txBody>
+      </p:sp>
+    </p:spTree>
+    <p:extLst>
+      <p:ext uri="{BB962C8B-B14F-4D97-AF65-F5344CB8AC3E}">
+        <p14:creationId xmlns:p14="http://schemas.microsoft.com/office/powerpoint/2010/main" val="710301015"/>
+      </p:ext>
+    </p:extLst>
+  </p:cSld>
+  <p:clrMapOvr>
+    <a:masterClrMapping/>
+  </p:clrMapOvr>
+</p:notes>
+</file>
+
 <file path=ppt/slideLayouts/slideLayout1.xml><?xml version="1.0" encoding="utf-8"?>
 <p:sldLayout xmlns:a="http://schemas.openxmlformats.org/drawingml/2006/main" xmlns:r="http://schemas.openxmlformats.org/officeDocument/2006/relationships" xmlns:p="http://schemas.openxmlformats.org/presentationml/2006/main" showMasterSp="0" type="title" preserve="1">
   <p:cSld name="Titelfolie">
@@ -172,7 +955,7 @@
           <a:noFill/>
           <a:extLst>
             <a:ext uri="{909E8E84-426E-40dd-AFC4-6F175D3DCCD1}">
-              <a14:hiddenFill xmlns="" xmlns:a14="http://schemas.microsoft.com/office/drawing/2010/main">
+              <a14:hiddenFill xmlns:a14="http://schemas.microsoft.com/office/drawing/2010/main" xmlns="">
                 <a:solidFill>
                   <a:srgbClr val="FFFFFF"/>
                 </a:solidFill>
@@ -232,7 +1015,7 @@
             </a:ln>
             <a:extLst>
               <a:ext uri="{91240B29-F687-4f45-9708-019B960494DF}">
-                <a14:hiddenLine xmlns="" xmlns:a14="http://schemas.microsoft.com/office/drawing/2010/main" w="9525">
+                <a14:hiddenLine xmlns:a14="http://schemas.microsoft.com/office/drawing/2010/main" xmlns="" w="9525">
                   <a:solidFill>
                     <a:srgbClr val="000000"/>
                   </a:solidFill>
@@ -322,7 +1105,7 @@
             </a:ln>
             <a:extLst>
               <a:ext uri="{91240B29-F687-4f45-9708-019B960494DF}">
-                <a14:hiddenLine xmlns="" xmlns:a14="http://schemas.microsoft.com/office/drawing/2010/main" w="9525">
+                <a14:hiddenLine xmlns:a14="http://schemas.microsoft.com/office/drawing/2010/main" xmlns="" w="9525">
                   <a:solidFill>
                     <a:srgbClr val="000000"/>
                   </a:solidFill>
@@ -412,7 +1195,7 @@
             </a:ln>
             <a:extLst>
               <a:ext uri="{91240B29-F687-4f45-9708-019B960494DF}">
-                <a14:hiddenLine xmlns="" xmlns:a14="http://schemas.microsoft.com/office/drawing/2010/main" w="9525">
+                <a14:hiddenLine xmlns:a14="http://schemas.microsoft.com/office/drawing/2010/main" xmlns="" w="9525">
                   <a:solidFill>
                     <a:srgbClr val="000000"/>
                   </a:solidFill>
@@ -446,7 +1229,7 @@
             </a:ln>
             <a:extLst>
               <a:ext uri="{91240B29-F687-4f45-9708-019B960494DF}">
-                <a14:hiddenLine xmlns="" xmlns:a14="http://schemas.microsoft.com/office/drawing/2010/main" w="9525">
+                <a14:hiddenLine xmlns:a14="http://schemas.microsoft.com/office/drawing/2010/main" xmlns="" w="9525">
                   <a:solidFill>
                     <a:srgbClr val="000000"/>
                   </a:solidFill>
@@ -536,7 +1319,7 @@
             </a:ln>
             <a:extLst>
               <a:ext uri="{91240B29-F687-4f45-9708-019B960494DF}">
-                <a14:hiddenLine xmlns="" xmlns:a14="http://schemas.microsoft.com/office/drawing/2010/main" w="9525">
+                <a14:hiddenLine xmlns:a14="http://schemas.microsoft.com/office/drawing/2010/main" xmlns="" w="9525">
                   <a:solidFill>
                     <a:srgbClr val="000000"/>
                   </a:solidFill>
@@ -598,7 +1381,7 @@
             </a:ln>
             <a:extLst>
               <a:ext uri="{91240B29-F687-4f45-9708-019B960494DF}">
-                <a14:hiddenLine xmlns="" xmlns:a14="http://schemas.microsoft.com/office/drawing/2010/main" w="9525">
+                <a14:hiddenLine xmlns:a14="http://schemas.microsoft.com/office/drawing/2010/main" xmlns="" w="9525">
                   <a:solidFill>
                     <a:srgbClr val="000000"/>
                   </a:solidFill>
@@ -660,7 +1443,7 @@
             </a:ln>
             <a:extLst>
               <a:ext uri="{91240B29-F687-4f45-9708-019B960494DF}">
-                <a14:hiddenLine xmlns="" xmlns:a14="http://schemas.microsoft.com/office/drawing/2010/main" w="9525">
+                <a14:hiddenLine xmlns:a14="http://schemas.microsoft.com/office/drawing/2010/main" xmlns="" w="9525">
                   <a:solidFill>
                     <a:srgbClr val="000000"/>
                   </a:solidFill>
@@ -750,7 +1533,7 @@
             </a:ln>
             <a:extLst>
               <a:ext uri="{91240B29-F687-4f45-9708-019B960494DF}">
-                <a14:hiddenLine xmlns="" xmlns:a14="http://schemas.microsoft.com/office/drawing/2010/main" w="9525">
+                <a14:hiddenLine xmlns:a14="http://schemas.microsoft.com/office/drawing/2010/main" xmlns="" w="9525">
                   <a:solidFill>
                     <a:srgbClr val="000000"/>
                   </a:solidFill>
@@ -812,7 +1595,7 @@
             </a:ln>
             <a:extLst>
               <a:ext uri="{91240B29-F687-4f45-9708-019B960494DF}">
-                <a14:hiddenLine xmlns="" xmlns:a14="http://schemas.microsoft.com/office/drawing/2010/main" w="9525">
+                <a14:hiddenLine xmlns:a14="http://schemas.microsoft.com/office/drawing/2010/main" xmlns="" w="9525">
                   <a:solidFill>
                     <a:srgbClr val="000000"/>
                   </a:solidFill>
@@ -874,7 +1657,7 @@
             </a:ln>
             <a:extLst>
               <a:ext uri="{91240B29-F687-4f45-9708-019B960494DF}">
-                <a14:hiddenLine xmlns="" xmlns:a14="http://schemas.microsoft.com/office/drawing/2010/main" w="9525">
+                <a14:hiddenLine xmlns:a14="http://schemas.microsoft.com/office/drawing/2010/main" xmlns="" w="9525">
                   <a:solidFill>
                     <a:srgbClr val="000000"/>
                   </a:solidFill>
@@ -964,7 +1747,7 @@
             </a:ln>
             <a:extLst>
               <a:ext uri="{91240B29-F687-4f45-9708-019B960494DF}">
-                <a14:hiddenLine xmlns="" xmlns:a14="http://schemas.microsoft.com/office/drawing/2010/main" w="9525">
+                <a14:hiddenLine xmlns:a14="http://schemas.microsoft.com/office/drawing/2010/main" xmlns="" w="9525">
                   <a:solidFill>
                     <a:srgbClr val="000000"/>
                   </a:solidFill>
@@ -1054,7 +1837,7 @@
             </a:ln>
             <a:extLst>
               <a:ext uri="{91240B29-F687-4f45-9708-019B960494DF}">
-                <a14:hiddenLine xmlns="" xmlns:a14="http://schemas.microsoft.com/office/drawing/2010/main" w="9525">
+                <a14:hiddenLine xmlns:a14="http://schemas.microsoft.com/office/drawing/2010/main" xmlns="" w="9525">
                   <a:solidFill>
                     <a:srgbClr val="000000"/>
                   </a:solidFill>
@@ -1116,7 +1899,7 @@
             </a:ln>
             <a:extLst>
               <a:ext uri="{91240B29-F687-4f45-9708-019B960494DF}">
-                <a14:hiddenLine xmlns="" xmlns:a14="http://schemas.microsoft.com/office/drawing/2010/main" w="9525">
+                <a14:hiddenLine xmlns:a14="http://schemas.microsoft.com/office/drawing/2010/main" xmlns="" w="9525">
                   <a:solidFill>
                     <a:srgbClr val="000000"/>
                   </a:solidFill>
@@ -1226,7 +2009,7 @@
             </a:ln>
             <a:extLst>
               <a:ext uri="{91240B29-F687-4f45-9708-019B960494DF}">
-                <a14:hiddenLine xmlns="" xmlns:a14="http://schemas.microsoft.com/office/drawing/2010/main" w="9525">
+                <a14:hiddenLine xmlns:a14="http://schemas.microsoft.com/office/drawing/2010/main" xmlns="" w="9525">
                   <a:solidFill>
                     <a:srgbClr val="000000"/>
                   </a:solidFill>
@@ -1288,7 +2071,7 @@
             </a:ln>
             <a:extLst>
               <a:ext uri="{91240B29-F687-4f45-9708-019B960494DF}">
-                <a14:hiddenLine xmlns="" xmlns:a14="http://schemas.microsoft.com/office/drawing/2010/main" w="9525">
+                <a14:hiddenLine xmlns:a14="http://schemas.microsoft.com/office/drawing/2010/main" xmlns="" w="9525">
                   <a:solidFill>
                     <a:srgbClr val="000000"/>
                   </a:solidFill>
@@ -1378,7 +2161,7 @@
             </a:ln>
             <a:extLst>
               <a:ext uri="{91240B29-F687-4f45-9708-019B960494DF}">
-                <a14:hiddenLine xmlns="" xmlns:a14="http://schemas.microsoft.com/office/drawing/2010/main" w="9525">
+                <a14:hiddenLine xmlns:a14="http://schemas.microsoft.com/office/drawing/2010/main" xmlns="" w="9525">
                   <a:solidFill>
                     <a:srgbClr val="000000"/>
                   </a:solidFill>
@@ -1468,7 +2251,7 @@
             </a:ln>
             <a:extLst>
               <a:ext uri="{91240B29-F687-4f45-9708-019B960494DF}">
-                <a14:hiddenLine xmlns="" xmlns:a14="http://schemas.microsoft.com/office/drawing/2010/main" w="9525">
+                <a14:hiddenLine xmlns:a14="http://schemas.microsoft.com/office/drawing/2010/main" xmlns="" w="9525">
                   <a:solidFill>
                     <a:srgbClr val="000000"/>
                   </a:solidFill>
@@ -1530,7 +2313,7 @@
             </a:ln>
             <a:extLst>
               <a:ext uri="{91240B29-F687-4f45-9708-019B960494DF}">
-                <a14:hiddenLine xmlns="" xmlns:a14="http://schemas.microsoft.com/office/drawing/2010/main" w="9525">
+                <a14:hiddenLine xmlns:a14="http://schemas.microsoft.com/office/drawing/2010/main" xmlns="" w="9525">
                   <a:solidFill>
                     <a:srgbClr val="000000"/>
                   </a:solidFill>
@@ -1620,7 +2403,7 @@
             </a:ln>
             <a:extLst>
               <a:ext uri="{91240B29-F687-4f45-9708-019B960494DF}">
-                <a14:hiddenLine xmlns="" xmlns:a14="http://schemas.microsoft.com/office/drawing/2010/main" w="9525">
+                <a14:hiddenLine xmlns:a14="http://schemas.microsoft.com/office/drawing/2010/main" xmlns="" w="9525">
                   <a:solidFill>
                     <a:srgbClr val="000000"/>
                   </a:solidFill>
@@ -1710,7 +2493,7 @@
             </a:ln>
             <a:extLst>
               <a:ext uri="{91240B29-F687-4f45-9708-019B960494DF}">
-                <a14:hiddenLine xmlns="" xmlns:a14="http://schemas.microsoft.com/office/drawing/2010/main" w="9525">
+                <a14:hiddenLine xmlns:a14="http://schemas.microsoft.com/office/drawing/2010/main" xmlns="" w="9525">
                   <a:solidFill>
                     <a:srgbClr val="000000"/>
                   </a:solidFill>
@@ -1766,7 +2549,7 @@
             </a:ln>
             <a:extLst>
               <a:ext uri="{91240B29-F687-4f45-9708-019B960494DF}">
-                <a14:hiddenLine xmlns="" xmlns:a14="http://schemas.microsoft.com/office/drawing/2010/main" w="9525">
+                <a14:hiddenLine xmlns:a14="http://schemas.microsoft.com/office/drawing/2010/main" xmlns="" w="9525">
                   <a:solidFill>
                     <a:srgbClr val="000000"/>
                   </a:solidFill>
@@ -1856,7 +2639,7 @@
             </a:ln>
             <a:extLst>
               <a:ext uri="{91240B29-F687-4f45-9708-019B960494DF}">
-                <a14:hiddenLine xmlns="" xmlns:a14="http://schemas.microsoft.com/office/drawing/2010/main" w="9525">
+                <a14:hiddenLine xmlns:a14="http://schemas.microsoft.com/office/drawing/2010/main" xmlns="" w="9525">
                   <a:solidFill>
                     <a:srgbClr val="000000"/>
                   </a:solidFill>
@@ -1912,7 +2695,7 @@
             </a:ln>
             <a:extLst>
               <a:ext uri="{91240B29-F687-4f45-9708-019B960494DF}">
-                <a14:hiddenLine xmlns="" xmlns:a14="http://schemas.microsoft.com/office/drawing/2010/main" w="9525">
+                <a14:hiddenLine xmlns:a14="http://schemas.microsoft.com/office/drawing/2010/main" xmlns="" w="9525">
                   <a:solidFill>
                     <a:srgbClr val="000000"/>
                   </a:solidFill>
@@ -2002,7 +2785,7 @@
             </a:ln>
             <a:extLst>
               <a:ext uri="{91240B29-F687-4f45-9708-019B960494DF}">
-                <a14:hiddenLine xmlns="" xmlns:a14="http://schemas.microsoft.com/office/drawing/2010/main" w="9525">
+                <a14:hiddenLine xmlns:a14="http://schemas.microsoft.com/office/drawing/2010/main" xmlns="" w="9525">
                   <a:solidFill>
                     <a:srgbClr val="000000"/>
                   </a:solidFill>
@@ -2070,7 +2853,7 @@
             </a:ln>
             <a:extLst>
               <a:ext uri="{91240B29-F687-4f45-9708-019B960494DF}">
-                <a14:hiddenLine xmlns="" xmlns:a14="http://schemas.microsoft.com/office/drawing/2010/main" w="9525">
+                <a14:hiddenLine xmlns:a14="http://schemas.microsoft.com/office/drawing/2010/main" xmlns="" w="9525">
                   <a:solidFill>
                     <a:srgbClr val="000000"/>
                   </a:solidFill>
@@ -2160,7 +2943,7 @@
             </a:ln>
             <a:extLst>
               <a:ext uri="{91240B29-F687-4f45-9708-019B960494DF}">
-                <a14:hiddenLine xmlns="" xmlns:a14="http://schemas.microsoft.com/office/drawing/2010/main" w="9525">
+                <a14:hiddenLine xmlns:a14="http://schemas.microsoft.com/office/drawing/2010/main" xmlns="" w="9525">
                   <a:solidFill>
                     <a:srgbClr val="000000"/>
                   </a:solidFill>
@@ -2228,7 +3011,7 @@
             </a:ln>
             <a:extLst>
               <a:ext uri="{91240B29-F687-4f45-9708-019B960494DF}">
-                <a14:hiddenLine xmlns="" xmlns:a14="http://schemas.microsoft.com/office/drawing/2010/main" w="9525">
+                <a14:hiddenLine xmlns:a14="http://schemas.microsoft.com/office/drawing/2010/main" xmlns="" w="9525">
                   <a:solidFill>
                     <a:srgbClr val="000000"/>
                   </a:solidFill>
@@ -2318,7 +3101,7 @@
             </a:ln>
             <a:extLst>
               <a:ext uri="{91240B29-F687-4f45-9708-019B960494DF}">
-                <a14:hiddenLine xmlns="" xmlns:a14="http://schemas.microsoft.com/office/drawing/2010/main" w="9525">
+                <a14:hiddenLine xmlns:a14="http://schemas.microsoft.com/office/drawing/2010/main" xmlns="" w="9525">
                   <a:solidFill>
                     <a:srgbClr val="000000"/>
                   </a:solidFill>
@@ -2352,7 +3135,7 @@
             </a:ln>
             <a:extLst>
               <a:ext uri="{91240B29-F687-4f45-9708-019B960494DF}">
-                <a14:hiddenLine xmlns="" xmlns:a14="http://schemas.microsoft.com/office/drawing/2010/main" w="9525">
+                <a14:hiddenLine xmlns:a14="http://schemas.microsoft.com/office/drawing/2010/main" xmlns="" w="9525">
                   <a:solidFill>
                     <a:srgbClr val="000000"/>
                   </a:solidFill>
@@ -2442,7 +3225,7 @@
             </a:ln>
             <a:extLst>
               <a:ext uri="{91240B29-F687-4f45-9708-019B960494DF}">
-                <a14:hiddenLine xmlns="" xmlns:a14="http://schemas.microsoft.com/office/drawing/2010/main" w="9525">
+                <a14:hiddenLine xmlns:a14="http://schemas.microsoft.com/office/drawing/2010/main" xmlns="" w="9525">
                   <a:solidFill>
                     <a:srgbClr val="000000"/>
                   </a:solidFill>
@@ -2504,7 +3287,7 @@
             </a:ln>
             <a:extLst>
               <a:ext uri="{91240B29-F687-4f45-9708-019B960494DF}">
-                <a14:hiddenLine xmlns="" xmlns:a14="http://schemas.microsoft.com/office/drawing/2010/main" w="9525">
+                <a14:hiddenLine xmlns:a14="http://schemas.microsoft.com/office/drawing/2010/main" xmlns="" w="9525">
                   <a:solidFill>
                     <a:srgbClr val="000000"/>
                   </a:solidFill>
@@ -2566,7 +3349,7 @@
             </a:ln>
             <a:extLst>
               <a:ext uri="{91240B29-F687-4f45-9708-019B960494DF}">
-                <a14:hiddenLine xmlns="" xmlns:a14="http://schemas.microsoft.com/office/drawing/2010/main" w="9525">
+                <a14:hiddenLine xmlns:a14="http://schemas.microsoft.com/office/drawing/2010/main" xmlns="" w="9525">
                   <a:solidFill>
                     <a:srgbClr val="000000"/>
                   </a:solidFill>
@@ -2656,7 +3439,7 @@
             </a:ln>
             <a:extLst>
               <a:ext uri="{91240B29-F687-4f45-9708-019B960494DF}">
-                <a14:hiddenLine xmlns="" xmlns:a14="http://schemas.microsoft.com/office/drawing/2010/main" w="9525">
+                <a14:hiddenLine xmlns:a14="http://schemas.microsoft.com/office/drawing/2010/main" xmlns="" w="9525">
                   <a:solidFill>
                     <a:srgbClr val="000000"/>
                   </a:solidFill>
@@ -2724,7 +3507,7 @@
             </a:ln>
             <a:extLst>
               <a:ext uri="{91240B29-F687-4f45-9708-019B960494DF}">
-                <a14:hiddenLine xmlns="" xmlns:a14="http://schemas.microsoft.com/office/drawing/2010/main" w="9525">
+                <a14:hiddenLine xmlns:a14="http://schemas.microsoft.com/office/drawing/2010/main" xmlns="" w="9525">
                   <a:solidFill>
                     <a:srgbClr val="000000"/>
                   </a:solidFill>
@@ -2786,7 +3569,7 @@
             </a:ln>
             <a:extLst>
               <a:ext uri="{91240B29-F687-4f45-9708-019B960494DF}">
-                <a14:hiddenLine xmlns="" xmlns:a14="http://schemas.microsoft.com/office/drawing/2010/main" w="9525">
+                <a14:hiddenLine xmlns:a14="http://schemas.microsoft.com/office/drawing/2010/main" xmlns="" w="9525">
                   <a:solidFill>
                     <a:srgbClr val="000000"/>
                   </a:solidFill>
@@ -2876,7 +3659,7 @@
             </a:ln>
             <a:extLst>
               <a:ext uri="{91240B29-F687-4f45-9708-019B960494DF}">
-                <a14:hiddenLine xmlns="" xmlns:a14="http://schemas.microsoft.com/office/drawing/2010/main" w="9525">
+                <a14:hiddenLine xmlns:a14="http://schemas.microsoft.com/office/drawing/2010/main" xmlns="" w="9525">
                   <a:solidFill>
                     <a:srgbClr val="000000"/>
                   </a:solidFill>
@@ -2938,7 +3721,7 @@
             </a:ln>
             <a:extLst>
               <a:ext uri="{91240B29-F687-4f45-9708-019B960494DF}">
-                <a14:hiddenLine xmlns="" xmlns:a14="http://schemas.microsoft.com/office/drawing/2010/main" w="9525">
+                <a14:hiddenLine xmlns:a14="http://schemas.microsoft.com/office/drawing/2010/main" xmlns="" w="9525">
                   <a:solidFill>
                     <a:srgbClr val="000000"/>
                   </a:solidFill>
@@ -3028,7 +3811,7 @@
             </a:ln>
             <a:extLst>
               <a:ext uri="{91240B29-F687-4f45-9708-019B960494DF}">
-                <a14:hiddenLine xmlns="" xmlns:a14="http://schemas.microsoft.com/office/drawing/2010/main" w="9525">
+                <a14:hiddenLine xmlns:a14="http://schemas.microsoft.com/office/drawing/2010/main" xmlns="" w="9525">
                   <a:solidFill>
                     <a:srgbClr val="000000"/>
                   </a:solidFill>
@@ -3090,7 +3873,7 @@
             </a:ln>
             <a:extLst>
               <a:ext uri="{91240B29-F687-4f45-9708-019B960494DF}">
-                <a14:hiddenLine xmlns="" xmlns:a14="http://schemas.microsoft.com/office/drawing/2010/main" w="9525">
+                <a14:hiddenLine xmlns:a14="http://schemas.microsoft.com/office/drawing/2010/main" xmlns="" w="9525">
                   <a:solidFill>
                     <a:srgbClr val="000000"/>
                   </a:solidFill>
@@ -3180,7 +3963,7 @@
             </a:ln>
             <a:extLst>
               <a:ext uri="{91240B29-F687-4f45-9708-019B960494DF}">
-                <a14:hiddenLine xmlns="" xmlns:a14="http://schemas.microsoft.com/office/drawing/2010/main" w="9525">
+                <a14:hiddenLine xmlns:a14="http://schemas.microsoft.com/office/drawing/2010/main" xmlns="" w="9525">
                   <a:solidFill>
                     <a:srgbClr val="000000"/>
                   </a:solidFill>
@@ -3214,7 +3997,7 @@
             </a:ln>
             <a:extLst>
               <a:ext uri="{91240B29-F687-4f45-9708-019B960494DF}">
-                <a14:hiddenLine xmlns="" xmlns:a14="http://schemas.microsoft.com/office/drawing/2010/main" w="9525">
+                <a14:hiddenLine xmlns:a14="http://schemas.microsoft.com/office/drawing/2010/main" xmlns="" w="9525">
                   <a:solidFill>
                     <a:srgbClr val="000000"/>
                   </a:solidFill>
@@ -3279,7 +4062,7 @@
             </a:ln>
             <a:extLst>
               <a:ext uri="{91240B29-F687-4f45-9708-019B960494DF}">
-                <a14:hiddenLine xmlns="" xmlns:a14="http://schemas.microsoft.com/office/drawing/2010/main" w="9525">
+                <a14:hiddenLine xmlns:a14="http://schemas.microsoft.com/office/drawing/2010/main" xmlns="" w="9525">
                   <a:solidFill>
                     <a:srgbClr val="000000"/>
                   </a:solidFill>
@@ -3369,7 +4152,7 @@
             </a:ln>
             <a:extLst>
               <a:ext uri="{91240B29-F687-4f45-9708-019B960494DF}">
-                <a14:hiddenLine xmlns="" xmlns:a14="http://schemas.microsoft.com/office/drawing/2010/main" w="9525">
+                <a14:hiddenLine xmlns:a14="http://schemas.microsoft.com/office/drawing/2010/main" xmlns="" w="9525">
                   <a:solidFill>
                     <a:srgbClr val="000000"/>
                   </a:solidFill>
@@ -3431,7 +4214,7 @@
             </a:ln>
             <a:extLst>
               <a:ext uri="{91240B29-F687-4f45-9708-019B960494DF}">
-                <a14:hiddenLine xmlns="" xmlns:a14="http://schemas.microsoft.com/office/drawing/2010/main" w="9525">
+                <a14:hiddenLine xmlns:a14="http://schemas.microsoft.com/office/drawing/2010/main" xmlns="" w="9525">
                   <a:solidFill>
                     <a:srgbClr val="000000"/>
                   </a:solidFill>
@@ -3521,7 +4304,7 @@
             </a:ln>
             <a:extLst>
               <a:ext uri="{91240B29-F687-4f45-9708-019B960494DF}">
-                <a14:hiddenLine xmlns="" xmlns:a14="http://schemas.microsoft.com/office/drawing/2010/main" w="9525">
+                <a14:hiddenLine xmlns:a14="http://schemas.microsoft.com/office/drawing/2010/main" xmlns="" w="9525">
                   <a:solidFill>
                     <a:srgbClr val="000000"/>
                   </a:solidFill>
@@ -3611,7 +4394,7 @@
             </a:ln>
             <a:extLst>
               <a:ext uri="{91240B29-F687-4f45-9708-019B960494DF}">
-                <a14:hiddenLine xmlns="" xmlns:a14="http://schemas.microsoft.com/office/drawing/2010/main" w="9525">
+                <a14:hiddenLine xmlns:a14="http://schemas.microsoft.com/office/drawing/2010/main" xmlns="" w="9525">
                   <a:solidFill>
                     <a:srgbClr val="000000"/>
                   </a:solidFill>
@@ -3676,7 +4459,7 @@
             </a:ln>
             <a:extLst>
               <a:ext uri="{91240B29-F687-4f45-9708-019B960494DF}">
-                <a14:hiddenLine xmlns="" xmlns:a14="http://schemas.microsoft.com/office/drawing/2010/main" w="9525">
+                <a14:hiddenLine xmlns:a14="http://schemas.microsoft.com/office/drawing/2010/main" xmlns="" w="9525">
                   <a:solidFill>
                     <a:srgbClr val="000000"/>
                   </a:solidFill>
@@ -3738,7 +4521,7 @@
             </a:ln>
             <a:extLst>
               <a:ext uri="{91240B29-F687-4f45-9708-019B960494DF}">
-                <a14:hiddenLine xmlns="" xmlns:a14="http://schemas.microsoft.com/office/drawing/2010/main" w="9525">
+                <a14:hiddenLine xmlns:a14="http://schemas.microsoft.com/office/drawing/2010/main" xmlns="" w="9525">
                   <a:solidFill>
                     <a:srgbClr val="000000"/>
                   </a:solidFill>
@@ -3828,7 +4611,7 @@
             </a:ln>
             <a:extLst>
               <a:ext uri="{91240B29-F687-4f45-9708-019B960494DF}">
-                <a14:hiddenLine xmlns="" xmlns:a14="http://schemas.microsoft.com/office/drawing/2010/main" w="9525">
+                <a14:hiddenLine xmlns:a14="http://schemas.microsoft.com/office/drawing/2010/main" xmlns="" w="9525">
                   <a:solidFill>
                     <a:srgbClr val="000000"/>
                   </a:solidFill>
@@ -3918,7 +4701,7 @@
             </a:ln>
             <a:extLst>
               <a:ext uri="{91240B29-F687-4f45-9708-019B960494DF}">
-                <a14:hiddenLine xmlns="" xmlns:a14="http://schemas.microsoft.com/office/drawing/2010/main" w="9525">
+                <a14:hiddenLine xmlns:a14="http://schemas.microsoft.com/office/drawing/2010/main" xmlns="" w="9525">
                   <a:solidFill>
                     <a:srgbClr val="000000"/>
                   </a:solidFill>
@@ -3980,7 +4763,7 @@
             </a:ln>
             <a:extLst>
               <a:ext uri="{91240B29-F687-4f45-9708-019B960494DF}">
-                <a14:hiddenLine xmlns="" xmlns:a14="http://schemas.microsoft.com/office/drawing/2010/main" w="9525">
+                <a14:hiddenLine xmlns:a14="http://schemas.microsoft.com/office/drawing/2010/main" xmlns="" w="9525">
                   <a:solidFill>
                     <a:srgbClr val="000000"/>
                   </a:solidFill>
@@ -4100,7 +4883,7 @@
             </a:ln>
             <a:extLst>
               <a:ext uri="{91240B29-F687-4f45-9708-019B960494DF}">
-                <a14:hiddenLine xmlns="" xmlns:a14="http://schemas.microsoft.com/office/drawing/2010/main" w="9525">
+                <a14:hiddenLine xmlns:a14="http://schemas.microsoft.com/office/drawing/2010/main" xmlns="" w="9525">
                   <a:solidFill>
                     <a:srgbClr val="000000"/>
                   </a:solidFill>
@@ -4168,7 +4951,7 @@
             </a:ln>
             <a:extLst>
               <a:ext uri="{91240B29-F687-4f45-9708-019B960494DF}">
-                <a14:hiddenLine xmlns="" xmlns:a14="http://schemas.microsoft.com/office/drawing/2010/main" w="9525">
+                <a14:hiddenLine xmlns:a14="http://schemas.microsoft.com/office/drawing/2010/main" xmlns="" w="9525">
                   <a:solidFill>
                     <a:srgbClr val="000000"/>
                   </a:solidFill>
@@ -4258,7 +5041,7 @@
             </a:ln>
             <a:extLst>
               <a:ext uri="{91240B29-F687-4f45-9708-019B960494DF}">
-                <a14:hiddenLine xmlns="" xmlns:a14="http://schemas.microsoft.com/office/drawing/2010/main" w="9525">
+                <a14:hiddenLine xmlns:a14="http://schemas.microsoft.com/office/drawing/2010/main" xmlns="" w="9525">
                   <a:solidFill>
                     <a:srgbClr val="000000"/>
                   </a:solidFill>
@@ -8980,7 +9763,7 @@
           <a:noFill/>
           <a:extLst>
             <a:ext uri="{909E8E84-426E-40dd-AFC4-6F175D3DCCD1}">
-              <a14:hiddenFill xmlns="" xmlns:a14="http://schemas.microsoft.com/office/drawing/2010/main">
+              <a14:hiddenFill xmlns:a14="http://schemas.microsoft.com/office/drawing/2010/main" xmlns="">
                 <a:solidFill>
                   <a:srgbClr val="FFFFFF"/>
                 </a:solidFill>
@@ -9054,7 +9837,7 @@
               </a:ln>
               <a:extLst>
                 <a:ext uri="{91240B29-F687-4f45-9708-019B960494DF}">
-                  <a14:hiddenLine xmlns="" xmlns:a14="http://schemas.microsoft.com/office/drawing/2010/main" w="9525">
+                  <a14:hiddenLine xmlns:a14="http://schemas.microsoft.com/office/drawing/2010/main" xmlns="" w="9525">
                     <a:solidFill>
                       <a:srgbClr val="000000"/>
                     </a:solidFill>
@@ -9144,7 +9927,7 @@
               </a:ln>
               <a:extLst>
                 <a:ext uri="{91240B29-F687-4f45-9708-019B960494DF}">
-                  <a14:hiddenLine xmlns="" xmlns:a14="http://schemas.microsoft.com/office/drawing/2010/main" w="9525">
+                  <a14:hiddenLine xmlns:a14="http://schemas.microsoft.com/office/drawing/2010/main" xmlns="" w="9525">
                     <a:solidFill>
                       <a:srgbClr val="000000"/>
                     </a:solidFill>
@@ -9234,7 +10017,7 @@
               </a:ln>
               <a:extLst>
                 <a:ext uri="{91240B29-F687-4f45-9708-019B960494DF}">
-                  <a14:hiddenLine xmlns="" xmlns:a14="http://schemas.microsoft.com/office/drawing/2010/main" w="9525">
+                  <a14:hiddenLine xmlns:a14="http://schemas.microsoft.com/office/drawing/2010/main" xmlns="" w="9525">
                     <a:solidFill>
                       <a:srgbClr val="000000"/>
                     </a:solidFill>
@@ -9296,7 +10079,7 @@
               </a:ln>
               <a:extLst>
                 <a:ext uri="{91240B29-F687-4f45-9708-019B960494DF}">
-                  <a14:hiddenLine xmlns="" xmlns:a14="http://schemas.microsoft.com/office/drawing/2010/main" w="9525">
+                  <a14:hiddenLine xmlns:a14="http://schemas.microsoft.com/office/drawing/2010/main" xmlns="" w="9525">
                     <a:solidFill>
                       <a:srgbClr val="000000"/>
                     </a:solidFill>
@@ -9386,7 +10169,7 @@
               </a:ln>
               <a:extLst>
                 <a:ext uri="{91240B29-F687-4f45-9708-019B960494DF}">
-                  <a14:hiddenLine xmlns="" xmlns:a14="http://schemas.microsoft.com/office/drawing/2010/main" w="9525">
+                  <a14:hiddenLine xmlns:a14="http://schemas.microsoft.com/office/drawing/2010/main" xmlns="" w="9525">
                     <a:solidFill>
                       <a:srgbClr val="000000"/>
                     </a:solidFill>
@@ -9448,7 +10231,7 @@
               </a:ln>
               <a:extLst>
                 <a:ext uri="{91240B29-F687-4f45-9708-019B960494DF}">
-                  <a14:hiddenLine xmlns="" xmlns:a14="http://schemas.microsoft.com/office/drawing/2010/main" w="9525">
+                  <a14:hiddenLine xmlns:a14="http://schemas.microsoft.com/office/drawing/2010/main" xmlns="" w="9525">
                     <a:solidFill>
                       <a:srgbClr val="000000"/>
                     </a:solidFill>
@@ -9510,7 +10293,7 @@
               </a:ln>
               <a:extLst>
                 <a:ext uri="{91240B29-F687-4f45-9708-019B960494DF}">
-                  <a14:hiddenLine xmlns="" xmlns:a14="http://schemas.microsoft.com/office/drawing/2010/main" w="9525">
+                  <a14:hiddenLine xmlns:a14="http://schemas.microsoft.com/office/drawing/2010/main" xmlns="" w="9525">
                     <a:solidFill>
                       <a:srgbClr val="000000"/>
                     </a:solidFill>
@@ -9600,7 +10383,7 @@
               </a:ln>
               <a:extLst>
                 <a:ext uri="{91240B29-F687-4f45-9708-019B960494DF}">
-                  <a14:hiddenLine xmlns="" xmlns:a14="http://schemas.microsoft.com/office/drawing/2010/main" w="9525">
+                  <a14:hiddenLine xmlns:a14="http://schemas.microsoft.com/office/drawing/2010/main" xmlns="" w="9525">
                     <a:solidFill>
                       <a:srgbClr val="000000"/>
                     </a:solidFill>
@@ -9690,7 +10473,7 @@
               </a:ln>
               <a:extLst>
                 <a:ext uri="{91240B29-F687-4f45-9708-019B960494DF}">
-                  <a14:hiddenLine xmlns="" xmlns:a14="http://schemas.microsoft.com/office/drawing/2010/main" w="9525">
+                  <a14:hiddenLine xmlns:a14="http://schemas.microsoft.com/office/drawing/2010/main" xmlns="" w="9525">
                     <a:solidFill>
                       <a:srgbClr val="000000"/>
                     </a:solidFill>
@@ -9752,7 +10535,7 @@
               </a:ln>
               <a:extLst>
                 <a:ext uri="{91240B29-F687-4f45-9708-019B960494DF}">
-                  <a14:hiddenLine xmlns="" xmlns:a14="http://schemas.microsoft.com/office/drawing/2010/main" w="9525">
+                  <a14:hiddenLine xmlns:a14="http://schemas.microsoft.com/office/drawing/2010/main" xmlns="" w="9525">
                     <a:solidFill>
                       <a:srgbClr val="000000"/>
                     </a:solidFill>
@@ -9862,7 +10645,7 @@
               </a:ln>
               <a:extLst>
                 <a:ext uri="{91240B29-F687-4f45-9708-019B960494DF}">
-                  <a14:hiddenLine xmlns="" xmlns:a14="http://schemas.microsoft.com/office/drawing/2010/main" w="9525">
+                  <a14:hiddenLine xmlns:a14="http://schemas.microsoft.com/office/drawing/2010/main" xmlns="" w="9525">
                     <a:solidFill>
                       <a:srgbClr val="000000"/>
                     </a:solidFill>
@@ -9946,7 +10729,7 @@
               </a:ln>
               <a:extLst>
                 <a:ext uri="{91240B29-F687-4f45-9708-019B960494DF}">
-                  <a14:hiddenLine xmlns="" xmlns:a14="http://schemas.microsoft.com/office/drawing/2010/main" w="9525">
+                  <a14:hiddenLine xmlns:a14="http://schemas.microsoft.com/office/drawing/2010/main" xmlns="" w="9525">
                     <a:solidFill>
                       <a:srgbClr val="000000"/>
                     </a:solidFill>
@@ -10008,7 +10791,7 @@
               </a:ln>
               <a:extLst>
                 <a:ext uri="{91240B29-F687-4f45-9708-019B960494DF}">
-                  <a14:hiddenLine xmlns="" xmlns:a14="http://schemas.microsoft.com/office/drawing/2010/main" w="9525">
+                  <a14:hiddenLine xmlns:a14="http://schemas.microsoft.com/office/drawing/2010/main" xmlns="" w="9525">
                     <a:solidFill>
                       <a:srgbClr val="000000"/>
                     </a:solidFill>
@@ -10070,7 +10853,7 @@
               </a:ln>
               <a:extLst>
                 <a:ext uri="{91240B29-F687-4f45-9708-019B960494DF}">
-                  <a14:hiddenLine xmlns="" xmlns:a14="http://schemas.microsoft.com/office/drawing/2010/main" w="9525">
+                  <a14:hiddenLine xmlns:a14="http://schemas.microsoft.com/office/drawing/2010/main" xmlns="" w="9525">
                     <a:solidFill>
                       <a:srgbClr val="000000"/>
                     </a:solidFill>
@@ -10160,7 +10943,7 @@
               </a:ln>
               <a:extLst>
                 <a:ext uri="{91240B29-F687-4f45-9708-019B960494DF}">
-                  <a14:hiddenLine xmlns="" xmlns:a14="http://schemas.microsoft.com/office/drawing/2010/main" w="9525">
+                  <a14:hiddenLine xmlns:a14="http://schemas.microsoft.com/office/drawing/2010/main" xmlns="" w="9525">
                     <a:solidFill>
                       <a:srgbClr val="000000"/>
                     </a:solidFill>
@@ -10194,7 +10977,7 @@
               </a:ln>
               <a:extLst>
                 <a:ext uri="{91240B29-F687-4f45-9708-019B960494DF}">
-                  <a14:hiddenLine xmlns="" xmlns:a14="http://schemas.microsoft.com/office/drawing/2010/main" w="9525">
+                  <a14:hiddenLine xmlns:a14="http://schemas.microsoft.com/office/drawing/2010/main" xmlns="" w="9525">
                     <a:solidFill>
                       <a:srgbClr val="000000"/>
                     </a:solidFill>
@@ -10259,7 +11042,7 @@
               </a:ln>
               <a:extLst>
                 <a:ext uri="{91240B29-F687-4f45-9708-019B960494DF}">
-                  <a14:hiddenLine xmlns="" xmlns:a14="http://schemas.microsoft.com/office/drawing/2010/main" w="9525">
+                  <a14:hiddenLine xmlns:a14="http://schemas.microsoft.com/office/drawing/2010/main" xmlns="" w="9525">
                     <a:solidFill>
                       <a:srgbClr val="000000"/>
                     </a:solidFill>
@@ -10349,7 +11132,7 @@
               </a:ln>
               <a:extLst>
                 <a:ext uri="{91240B29-F687-4f45-9708-019B960494DF}">
-                  <a14:hiddenLine xmlns="" xmlns:a14="http://schemas.microsoft.com/office/drawing/2010/main" w="9525">
+                  <a14:hiddenLine xmlns:a14="http://schemas.microsoft.com/office/drawing/2010/main" xmlns="" w="9525">
                     <a:solidFill>
                       <a:srgbClr val="000000"/>
                     </a:solidFill>
@@ -10411,7 +11194,7 @@
               </a:ln>
               <a:extLst>
                 <a:ext uri="{91240B29-F687-4f45-9708-019B960494DF}">
-                  <a14:hiddenLine xmlns="" xmlns:a14="http://schemas.microsoft.com/office/drawing/2010/main" w="9525">
+                  <a14:hiddenLine xmlns:a14="http://schemas.microsoft.com/office/drawing/2010/main" xmlns="" w="9525">
                     <a:solidFill>
                       <a:srgbClr val="000000"/>
                     </a:solidFill>
@@ -10501,7 +11284,7 @@
               </a:ln>
               <a:extLst>
                 <a:ext uri="{91240B29-F687-4f45-9708-019B960494DF}">
-                  <a14:hiddenLine xmlns="" xmlns:a14="http://schemas.microsoft.com/office/drawing/2010/main" w="9525">
+                  <a14:hiddenLine xmlns:a14="http://schemas.microsoft.com/office/drawing/2010/main" xmlns="" w="9525">
                     <a:solidFill>
                       <a:srgbClr val="000000"/>
                     </a:solidFill>
@@ -10566,7 +11349,7 @@
               </a:ln>
               <a:extLst>
                 <a:ext uri="{91240B29-F687-4f45-9708-019B960494DF}">
-                  <a14:hiddenLine xmlns="" xmlns:a14="http://schemas.microsoft.com/office/drawing/2010/main" w="9525">
+                  <a14:hiddenLine xmlns:a14="http://schemas.microsoft.com/office/drawing/2010/main" xmlns="" w="9525">
                     <a:solidFill>
                       <a:srgbClr val="000000"/>
                     </a:solidFill>
@@ -10628,7 +11411,7 @@
               </a:ln>
               <a:extLst>
                 <a:ext uri="{91240B29-F687-4f45-9708-019B960494DF}">
-                  <a14:hiddenLine xmlns="" xmlns:a14="http://schemas.microsoft.com/office/drawing/2010/main" w="9525">
+                  <a14:hiddenLine xmlns:a14="http://schemas.microsoft.com/office/drawing/2010/main" xmlns="" w="9525">
                     <a:solidFill>
                       <a:srgbClr val="000000"/>
                     </a:solidFill>
@@ -10718,7 +11501,7 @@
               </a:ln>
               <a:extLst>
                 <a:ext uri="{91240B29-F687-4f45-9708-019B960494DF}">
-                  <a14:hiddenLine xmlns="" xmlns:a14="http://schemas.microsoft.com/office/drawing/2010/main" w="9525">
+                  <a14:hiddenLine xmlns:a14="http://schemas.microsoft.com/office/drawing/2010/main" xmlns="" w="9525">
                     <a:solidFill>
                       <a:srgbClr val="000000"/>
                     </a:solidFill>
@@ -10808,7 +11591,7 @@
               </a:ln>
               <a:extLst>
                 <a:ext uri="{91240B29-F687-4f45-9708-019B960494DF}">
-                  <a14:hiddenLine xmlns="" xmlns:a14="http://schemas.microsoft.com/office/drawing/2010/main" w="9525">
+                  <a14:hiddenLine xmlns:a14="http://schemas.microsoft.com/office/drawing/2010/main" xmlns="" w="9525">
                     <a:solidFill>
                       <a:srgbClr val="000000"/>
                     </a:solidFill>
@@ -10873,7 +11656,7 @@
               </a:ln>
               <a:extLst>
                 <a:ext uri="{91240B29-F687-4f45-9708-019B960494DF}">
-                  <a14:hiddenLine xmlns="" xmlns:a14="http://schemas.microsoft.com/office/drawing/2010/main" w="9525">
+                  <a14:hiddenLine xmlns:a14="http://schemas.microsoft.com/office/drawing/2010/main" xmlns="" w="9525">
                     <a:solidFill>
                       <a:srgbClr val="000000"/>
                     </a:solidFill>
@@ -10993,7 +11776,7 @@
               </a:ln>
               <a:extLst>
                 <a:ext uri="{91240B29-F687-4f45-9708-019B960494DF}">
-                  <a14:hiddenLine xmlns="" xmlns:a14="http://schemas.microsoft.com/office/drawing/2010/main" w="9525">
+                  <a14:hiddenLine xmlns:a14="http://schemas.microsoft.com/office/drawing/2010/main" xmlns="" w="9525">
                     <a:solidFill>
                       <a:srgbClr val="000000"/>
                     </a:solidFill>
@@ -11091,7 +11874,7 @@
               </a:ln>
               <a:extLst>
                 <a:ext uri="{91240B29-F687-4f45-9708-019B960494DF}">
-                  <a14:hiddenLine xmlns="" xmlns:a14="http://schemas.microsoft.com/office/drawing/2010/main" w="9525">
+                  <a14:hiddenLine xmlns:a14="http://schemas.microsoft.com/office/drawing/2010/main" xmlns="" w="9525">
                     <a:solidFill>
                       <a:srgbClr val="000000"/>
                     </a:solidFill>
@@ -11206,7 +11989,7 @@
               </a:ln>
               <a:extLst>
                 <a:ext uri="{91240B29-F687-4f45-9708-019B960494DF}">
-                  <a14:hiddenLine xmlns="" xmlns:a14="http://schemas.microsoft.com/office/drawing/2010/main" w="9525">
+                  <a14:hiddenLine xmlns:a14="http://schemas.microsoft.com/office/drawing/2010/main" xmlns="" w="9525">
                     <a:solidFill>
                       <a:srgbClr val="000000"/>
                     </a:solidFill>
@@ -11296,7 +12079,7 @@
               </a:ln>
               <a:extLst>
                 <a:ext uri="{91240B29-F687-4f45-9708-019B960494DF}">
-                  <a14:hiddenLine xmlns="" xmlns:a14="http://schemas.microsoft.com/office/drawing/2010/main" w="9525">
+                  <a14:hiddenLine xmlns:a14="http://schemas.microsoft.com/office/drawing/2010/main" xmlns="" w="9525">
                     <a:solidFill>
                       <a:srgbClr val="000000"/>
                     </a:solidFill>
@@ -11361,7 +12144,7 @@
               </a:ln>
               <a:extLst>
                 <a:ext uri="{91240B29-F687-4f45-9708-019B960494DF}">
-                  <a14:hiddenLine xmlns="" xmlns:a14="http://schemas.microsoft.com/office/drawing/2010/main" w="9525">
+                  <a14:hiddenLine xmlns:a14="http://schemas.microsoft.com/office/drawing/2010/main" xmlns="" w="9525">
                     <a:solidFill>
                       <a:srgbClr val="000000"/>
                     </a:solidFill>
@@ -11451,7 +12234,7 @@
               </a:ln>
               <a:extLst>
                 <a:ext uri="{91240B29-F687-4f45-9708-019B960494DF}">
-                  <a14:hiddenLine xmlns="" xmlns:a14="http://schemas.microsoft.com/office/drawing/2010/main" w="9525">
+                  <a14:hiddenLine xmlns:a14="http://schemas.microsoft.com/office/drawing/2010/main" xmlns="" w="9525">
                     <a:solidFill>
                       <a:srgbClr val="000000"/>
                     </a:solidFill>
@@ -11519,7 +12302,7 @@
               </a:ln>
               <a:extLst>
                 <a:ext uri="{91240B29-F687-4f45-9708-019B960494DF}">
-                  <a14:hiddenLine xmlns="" xmlns:a14="http://schemas.microsoft.com/office/drawing/2010/main" w="9525">
+                  <a14:hiddenLine xmlns:a14="http://schemas.microsoft.com/office/drawing/2010/main" xmlns="" w="9525">
                     <a:solidFill>
                       <a:srgbClr val="000000"/>
                     </a:solidFill>
@@ -11609,7 +12392,7 @@
               </a:ln>
               <a:extLst>
                 <a:ext uri="{91240B29-F687-4f45-9708-019B960494DF}">
-                  <a14:hiddenLine xmlns="" xmlns:a14="http://schemas.microsoft.com/office/drawing/2010/main" w="9525">
+                  <a14:hiddenLine xmlns:a14="http://schemas.microsoft.com/office/drawing/2010/main" xmlns="" w="9525">
                     <a:solidFill>
                       <a:srgbClr val="000000"/>
                     </a:solidFill>
@@ -11677,7 +12460,7 @@
               </a:ln>
               <a:extLst>
                 <a:ext uri="{91240B29-F687-4f45-9708-019B960494DF}">
-                  <a14:hiddenLine xmlns="" xmlns:a14="http://schemas.microsoft.com/office/drawing/2010/main" w="9525">
+                  <a14:hiddenLine xmlns:a14="http://schemas.microsoft.com/office/drawing/2010/main" xmlns="" w="9525">
                     <a:solidFill>
                       <a:srgbClr val="000000"/>
                     </a:solidFill>
@@ -11767,7 +12550,7 @@
               </a:ln>
               <a:extLst>
                 <a:ext uri="{91240B29-F687-4f45-9708-019B960494DF}">
-                  <a14:hiddenLine xmlns="" xmlns:a14="http://schemas.microsoft.com/office/drawing/2010/main" w="9525">
+                  <a14:hiddenLine xmlns:a14="http://schemas.microsoft.com/office/drawing/2010/main" xmlns="" w="9525">
                     <a:solidFill>
                       <a:srgbClr val="000000"/>
                     </a:solidFill>
@@ -11801,7 +12584,7 @@
               </a:ln>
               <a:extLst>
                 <a:ext uri="{91240B29-F687-4f45-9708-019B960494DF}">
-                  <a14:hiddenLine xmlns="" xmlns:a14="http://schemas.microsoft.com/office/drawing/2010/main" w="9525">
+                  <a14:hiddenLine xmlns:a14="http://schemas.microsoft.com/office/drawing/2010/main" xmlns="" w="9525">
                     <a:solidFill>
                       <a:srgbClr val="000000"/>
                     </a:solidFill>
@@ -12414,6 +13197,49 @@
           </a:p>
         </p:txBody>
       </p:sp>
+      <p:sp>
+        <p:nvSpPr>
+          <p:cNvPr id="4" name="Textfeld 3">
+            <a:extLst>
+              <a:ext uri="{FF2B5EF4-FFF2-40B4-BE49-F238E27FC236}">
+                <a16:creationId xmlns:a16="http://schemas.microsoft.com/office/drawing/2014/main" id="{83B89C95-0A7B-4C2C-A5A2-272116BB48ED}"/>
+              </a:ext>
+            </a:extLst>
+          </p:cNvPr>
+          <p:cNvSpPr txBox="1"/>
+          <p:nvPr/>
+        </p:nvSpPr>
+        <p:spPr>
+          <a:xfrm>
+            <a:off x="8647044" y="6251713"/>
+            <a:ext cx="3389243" cy="369332"/>
+          </a:xfrm>
+          <a:prstGeom prst="rect">
+            <a:avLst/>
+          </a:prstGeom>
+          <a:noFill/>
+        </p:spPr>
+        <p:txBody>
+          <a:bodyPr wrap="square" rtlCol="0">
+            <a:spAutoFit/>
+          </a:bodyPr>
+          <a:lstStyle/>
+          <a:p>
+            <a:r>
+              <a:rPr lang="de-CH" dirty="0"/>
+              <a:t>Mischa </a:t>
+            </a:r>
+            <a:r>
+              <a:rPr lang="de-CH" dirty="0" err="1"/>
+              <a:t>Knupfer</a:t>
+            </a:r>
+            <a:r>
+              <a:rPr lang="de-CH" dirty="0"/>
+              <a:t> &amp; Andres Minder</a:t>
+            </a:r>
+          </a:p>
+        </p:txBody>
+      </p:sp>
     </p:spTree>
     <p:extLst>
       <p:ext uri="{BB962C8B-B14F-4D97-AF65-F5344CB8AC3E}">
@@ -12428,831 +13254,6 @@
 </file>
 
 <file path=ppt/slides/slide10.xml><?xml version="1.0" encoding="utf-8"?>
-<p:sld xmlns:a="http://schemas.openxmlformats.org/drawingml/2006/main" xmlns:r="http://schemas.openxmlformats.org/officeDocument/2006/relationships" xmlns:p="http://schemas.openxmlformats.org/presentationml/2006/main">
-  <p:cSld>
-    <p:spTree>
-      <p:nvGrpSpPr>
-        <p:cNvPr id="1" name=""/>
-        <p:cNvGrpSpPr/>
-        <p:nvPr/>
-      </p:nvGrpSpPr>
-      <p:grpSpPr>
-        <a:xfrm>
-          <a:off x="0" y="0"/>
-          <a:ext cx="0" cy="0"/>
-          <a:chOff x="0" y="0"/>
-          <a:chExt cx="0" cy="0"/>
-        </a:xfrm>
-      </p:grpSpPr>
-      <p:sp>
-        <p:nvSpPr>
-          <p:cNvPr id="2" name="Titel 1">
-            <a:extLst>
-              <a:ext uri="{FF2B5EF4-FFF2-40B4-BE49-F238E27FC236}">
-                <a16:creationId xmlns:a16="http://schemas.microsoft.com/office/drawing/2014/main" id="{B3A4C400-9123-487F-9987-685A86B144A9}"/>
-              </a:ext>
-            </a:extLst>
-          </p:cNvPr>
-          <p:cNvSpPr>
-            <a:spLocks noGrp="1"/>
-          </p:cNvSpPr>
-          <p:nvPr>
-            <p:ph type="title"/>
-          </p:nvPr>
-        </p:nvSpPr>
-        <p:spPr/>
-        <p:txBody>
-          <a:bodyPr/>
-          <a:lstStyle/>
-          <a:p>
-            <a:r>
-              <a:rPr lang="de-CH" dirty="0"/>
-              <a:t>Vielen Dank für Ihre Aufmerksamkeit</a:t>
-            </a:r>
-          </a:p>
-        </p:txBody>
-      </p:sp>
-      <p:sp>
-        <p:nvSpPr>
-          <p:cNvPr id="3" name="Inhaltsplatzhalter 2">
-            <a:extLst>
-              <a:ext uri="{FF2B5EF4-FFF2-40B4-BE49-F238E27FC236}">
-                <a16:creationId xmlns:a16="http://schemas.microsoft.com/office/drawing/2014/main" id="{552151AC-CADB-425E-B531-07F7F28CDB57}"/>
-              </a:ext>
-            </a:extLst>
-          </p:cNvPr>
-          <p:cNvSpPr>
-            <a:spLocks noGrp="1"/>
-          </p:cNvSpPr>
-          <p:nvPr>
-            <p:ph idx="1"/>
-          </p:nvPr>
-        </p:nvSpPr>
-        <p:spPr/>
-        <p:txBody>
-          <a:bodyPr/>
-          <a:lstStyle/>
-          <a:p>
-            <a:r>
-              <a:rPr lang="de-CH" dirty="0"/>
-              <a:t>Offene Fragen?</a:t>
-            </a:r>
-          </a:p>
-        </p:txBody>
-      </p:sp>
-    </p:spTree>
-    <p:extLst>
-      <p:ext uri="{BB962C8B-B14F-4D97-AF65-F5344CB8AC3E}">
-        <p14:creationId xmlns:p14="http://schemas.microsoft.com/office/powerpoint/2010/main" val="3916132607"/>
-      </p:ext>
-    </p:extLst>
-  </p:cSld>
-  <p:clrMapOvr>
-    <a:masterClrMapping/>
-  </p:clrMapOvr>
-</p:sld>
-</file>
-
-<file path=ppt/slides/slide11.xml><?xml version="1.0" encoding="utf-8"?>
-<p:sld xmlns:a="http://schemas.openxmlformats.org/drawingml/2006/main" xmlns:r="http://schemas.openxmlformats.org/officeDocument/2006/relationships" xmlns:p="http://schemas.openxmlformats.org/presentationml/2006/main">
-  <p:cSld>
-    <p:spTree>
-      <p:nvGrpSpPr>
-        <p:cNvPr id="1" name=""/>
-        <p:cNvGrpSpPr/>
-        <p:nvPr/>
-      </p:nvGrpSpPr>
-      <p:grpSpPr>
-        <a:xfrm>
-          <a:off x="0" y="0"/>
-          <a:ext cx="0" cy="0"/>
-          <a:chOff x="0" y="0"/>
-          <a:chExt cx="0" cy="0"/>
-        </a:xfrm>
-      </p:grpSpPr>
-      <p:sp>
-        <p:nvSpPr>
-          <p:cNvPr id="2" name="Titel 1">
-            <a:extLst>
-              <a:ext uri="{FF2B5EF4-FFF2-40B4-BE49-F238E27FC236}">
-                <a16:creationId xmlns:a16="http://schemas.microsoft.com/office/drawing/2014/main" id="{3977093A-AB65-40B6-B419-9C70A3A9EC56}"/>
-              </a:ext>
-            </a:extLst>
-          </p:cNvPr>
-          <p:cNvSpPr>
-            <a:spLocks noGrp="1"/>
-          </p:cNvSpPr>
-          <p:nvPr>
-            <p:ph type="title"/>
-          </p:nvPr>
-        </p:nvSpPr>
-        <p:spPr/>
-        <p:txBody>
-          <a:bodyPr/>
-          <a:lstStyle/>
-          <a:p>
-            <a:r>
-              <a:rPr lang="de-CH" dirty="0"/>
-              <a:t>Quellen</a:t>
-            </a:r>
-          </a:p>
-        </p:txBody>
-      </p:sp>
-      <p:sp>
-        <p:nvSpPr>
-          <p:cNvPr id="3" name="Inhaltsplatzhalter 2">
-            <a:extLst>
-              <a:ext uri="{FF2B5EF4-FFF2-40B4-BE49-F238E27FC236}">
-                <a16:creationId xmlns:a16="http://schemas.microsoft.com/office/drawing/2014/main" id="{06CA5F5C-3DF2-4F49-905B-BFB05A87F648}"/>
-              </a:ext>
-            </a:extLst>
-          </p:cNvPr>
-          <p:cNvSpPr>
-            <a:spLocks noGrp="1"/>
-          </p:cNvSpPr>
-          <p:nvPr>
-            <p:ph idx="1"/>
-          </p:nvPr>
-        </p:nvSpPr>
-        <p:spPr/>
-        <p:txBody>
-          <a:bodyPr/>
-          <a:lstStyle/>
-          <a:p>
-            <a:r>
-              <a:rPr lang="de-DE" dirty="0"/>
-              <a:t>S. Hesse and G. Schnell, </a:t>
-            </a:r>
-            <a:r>
-              <a:rPr lang="de-DE" i="1" dirty="0"/>
-              <a:t>Sensoren für die Prozess- und Fabrikautomation - Funktion - Ausführung - Anwendung</a:t>
-            </a:r>
-            <a:r>
-              <a:rPr lang="de-DE" dirty="0"/>
-              <a:t>. Berlin Heidelberg New York: Springer-Verlag, 2014.</a:t>
-            </a:r>
-          </a:p>
-          <a:p>
-            <a:endParaRPr lang="de-CH" dirty="0"/>
-          </a:p>
-        </p:txBody>
-      </p:sp>
-    </p:spTree>
-    <p:extLst>
-      <p:ext uri="{BB962C8B-B14F-4D97-AF65-F5344CB8AC3E}">
-        <p14:creationId xmlns:p14="http://schemas.microsoft.com/office/powerpoint/2010/main" val="1498961456"/>
-      </p:ext>
-    </p:extLst>
-  </p:cSld>
-  <p:clrMapOvr>
-    <a:masterClrMapping/>
-  </p:clrMapOvr>
-</p:sld>
-</file>
-
-<file path=ppt/slides/slide2.xml><?xml version="1.0" encoding="utf-8"?>
-<p:sld xmlns:a="http://schemas.openxmlformats.org/drawingml/2006/main" xmlns:r="http://schemas.openxmlformats.org/officeDocument/2006/relationships" xmlns:p="http://schemas.openxmlformats.org/presentationml/2006/main">
-  <p:cSld>
-    <p:spTree>
-      <p:nvGrpSpPr>
-        <p:cNvPr id="1" name=""/>
-        <p:cNvGrpSpPr/>
-        <p:nvPr/>
-      </p:nvGrpSpPr>
-      <p:grpSpPr>
-        <a:xfrm>
-          <a:off x="0" y="0"/>
-          <a:ext cx="0" cy="0"/>
-          <a:chOff x="0" y="0"/>
-          <a:chExt cx="0" cy="0"/>
-        </a:xfrm>
-      </p:grpSpPr>
-      <p:sp>
-        <p:nvSpPr>
-          <p:cNvPr id="2" name="Titel 1">
-            <a:extLst>
-              <a:ext uri="{FF2B5EF4-FFF2-40B4-BE49-F238E27FC236}">
-                <a16:creationId xmlns:a16="http://schemas.microsoft.com/office/drawing/2014/main" id="{4A9B77F6-AFE1-4AEA-84A6-9AD815A09CEE}"/>
-              </a:ext>
-            </a:extLst>
-          </p:cNvPr>
-          <p:cNvSpPr>
-            <a:spLocks noGrp="1"/>
-          </p:cNvSpPr>
-          <p:nvPr>
-            <p:ph type="title"/>
-          </p:nvPr>
-        </p:nvSpPr>
-        <p:spPr/>
-        <p:txBody>
-          <a:bodyPr/>
-          <a:lstStyle/>
-          <a:p>
-            <a:r>
-              <a:rPr lang="de-CH" dirty="0"/>
-              <a:t>Inhalt</a:t>
-            </a:r>
-          </a:p>
-        </p:txBody>
-      </p:sp>
-      <p:sp>
-        <p:nvSpPr>
-          <p:cNvPr id="3" name="Inhaltsplatzhalter 2">
-            <a:extLst>
-              <a:ext uri="{FF2B5EF4-FFF2-40B4-BE49-F238E27FC236}">
-                <a16:creationId xmlns:a16="http://schemas.microsoft.com/office/drawing/2014/main" id="{6B052E04-C66F-48D4-8B51-FAEAF95D623F}"/>
-              </a:ext>
-            </a:extLst>
-          </p:cNvPr>
-          <p:cNvSpPr>
-            <a:spLocks noGrp="1"/>
-          </p:cNvSpPr>
-          <p:nvPr>
-            <p:ph idx="1"/>
-          </p:nvPr>
-        </p:nvSpPr>
-        <p:spPr/>
-        <p:txBody>
-          <a:bodyPr/>
-          <a:lstStyle/>
-          <a:p>
-            <a:r>
-              <a:rPr lang="de-CH" dirty="0"/>
-              <a:t>Grundlagen</a:t>
-            </a:r>
-          </a:p>
-          <a:p>
-            <a:r>
-              <a:rPr lang="de-CH" dirty="0"/>
-              <a:t>Messverfahren</a:t>
-            </a:r>
-          </a:p>
-          <a:p>
-            <a:r>
-              <a:rPr lang="de-CH" dirty="0"/>
-              <a:t>Taupunktspiegelmessverfahren</a:t>
-            </a:r>
-          </a:p>
-          <a:p>
-            <a:r>
-              <a:rPr lang="de-CH" dirty="0" err="1"/>
-              <a:t>Thygan</a:t>
-            </a:r>
-            <a:endParaRPr lang="de-CH" dirty="0"/>
-          </a:p>
-        </p:txBody>
-      </p:sp>
-    </p:spTree>
-    <p:extLst>
-      <p:ext uri="{BB962C8B-B14F-4D97-AF65-F5344CB8AC3E}">
-        <p14:creationId xmlns:p14="http://schemas.microsoft.com/office/powerpoint/2010/main" val="643600153"/>
-      </p:ext>
-    </p:extLst>
-  </p:cSld>
-  <p:clrMapOvr>
-    <a:masterClrMapping/>
-  </p:clrMapOvr>
-</p:sld>
-</file>
-
-<file path=ppt/slides/slide3.xml><?xml version="1.0" encoding="utf-8"?>
-<p:sld xmlns:a="http://schemas.openxmlformats.org/drawingml/2006/main" xmlns:r="http://schemas.openxmlformats.org/officeDocument/2006/relationships" xmlns:p="http://schemas.openxmlformats.org/presentationml/2006/main">
-  <p:cSld>
-    <p:spTree>
-      <p:nvGrpSpPr>
-        <p:cNvPr id="1" name=""/>
-        <p:cNvGrpSpPr/>
-        <p:nvPr/>
-      </p:nvGrpSpPr>
-      <p:grpSpPr>
-        <a:xfrm>
-          <a:off x="0" y="0"/>
-          <a:ext cx="0" cy="0"/>
-          <a:chOff x="0" y="0"/>
-          <a:chExt cx="0" cy="0"/>
-        </a:xfrm>
-      </p:grpSpPr>
-      <p:sp>
-        <p:nvSpPr>
-          <p:cNvPr id="2" name="Titel 1">
-            <a:extLst>
-              <a:ext uri="{FF2B5EF4-FFF2-40B4-BE49-F238E27FC236}">
-                <a16:creationId xmlns:a16="http://schemas.microsoft.com/office/drawing/2014/main" id="{490169AC-5C54-47B6-AF70-372951ED37CA}"/>
-              </a:ext>
-            </a:extLst>
-          </p:cNvPr>
-          <p:cNvSpPr>
-            <a:spLocks noGrp="1"/>
-          </p:cNvSpPr>
-          <p:nvPr>
-            <p:ph type="title"/>
-          </p:nvPr>
-        </p:nvSpPr>
-        <p:spPr/>
-        <p:txBody>
-          <a:bodyPr/>
-          <a:lstStyle/>
-          <a:p>
-            <a:r>
-              <a:rPr lang="de-CH" dirty="0"/>
-              <a:t>Grundlagen</a:t>
-            </a:r>
-          </a:p>
-        </p:txBody>
-      </p:sp>
-      <p:sp>
-        <p:nvSpPr>
-          <p:cNvPr id="3" name="Inhaltsplatzhalter 2">
-            <a:extLst>
-              <a:ext uri="{FF2B5EF4-FFF2-40B4-BE49-F238E27FC236}">
-                <a16:creationId xmlns:a16="http://schemas.microsoft.com/office/drawing/2014/main" id="{26082DCB-73E2-4BD2-A7AB-315ACFB1E274}"/>
-              </a:ext>
-            </a:extLst>
-          </p:cNvPr>
-          <p:cNvSpPr>
-            <a:spLocks noGrp="1"/>
-          </p:cNvSpPr>
-          <p:nvPr>
-            <p:ph idx="1"/>
-          </p:nvPr>
-        </p:nvSpPr>
-        <p:spPr/>
-        <p:txBody>
-          <a:bodyPr/>
-          <a:lstStyle/>
-          <a:p>
-            <a:endParaRPr lang="de-CH"/>
-          </a:p>
-        </p:txBody>
-      </p:sp>
-    </p:spTree>
-    <p:extLst>
-      <p:ext uri="{BB962C8B-B14F-4D97-AF65-F5344CB8AC3E}">
-        <p14:creationId xmlns:p14="http://schemas.microsoft.com/office/powerpoint/2010/main" val="351677116"/>
-      </p:ext>
-    </p:extLst>
-  </p:cSld>
-  <p:clrMapOvr>
-    <a:masterClrMapping/>
-  </p:clrMapOvr>
-</p:sld>
-</file>
-
-<file path=ppt/slides/slide4.xml><?xml version="1.0" encoding="utf-8"?>
-<p:sld xmlns:a="http://schemas.openxmlformats.org/drawingml/2006/main" xmlns:r="http://schemas.openxmlformats.org/officeDocument/2006/relationships" xmlns:p="http://schemas.openxmlformats.org/presentationml/2006/main">
-  <p:cSld>
-    <p:spTree>
-      <p:nvGrpSpPr>
-        <p:cNvPr id="1" name=""/>
-        <p:cNvGrpSpPr/>
-        <p:nvPr/>
-      </p:nvGrpSpPr>
-      <p:grpSpPr>
-        <a:xfrm>
-          <a:off x="0" y="0"/>
-          <a:ext cx="0" cy="0"/>
-          <a:chOff x="0" y="0"/>
-          <a:chExt cx="0" cy="0"/>
-        </a:xfrm>
-      </p:grpSpPr>
-      <p:sp>
-        <p:nvSpPr>
-          <p:cNvPr id="2" name="Titel 1">
-            <a:extLst>
-              <a:ext uri="{FF2B5EF4-FFF2-40B4-BE49-F238E27FC236}">
-                <a16:creationId xmlns:a16="http://schemas.microsoft.com/office/drawing/2014/main" id="{D11790CF-2894-4110-9E5B-15AC5B975870}"/>
-              </a:ext>
-            </a:extLst>
-          </p:cNvPr>
-          <p:cNvSpPr>
-            <a:spLocks noGrp="1"/>
-          </p:cNvSpPr>
-          <p:nvPr>
-            <p:ph type="title"/>
-          </p:nvPr>
-        </p:nvSpPr>
-        <p:spPr/>
-        <p:txBody>
-          <a:bodyPr/>
-          <a:lstStyle/>
-          <a:p>
-            <a:endParaRPr lang="de-CH"/>
-          </a:p>
-        </p:txBody>
-      </p:sp>
-      <p:sp>
-        <p:nvSpPr>
-          <p:cNvPr id="3" name="Inhaltsplatzhalter 2">
-            <a:extLst>
-              <a:ext uri="{FF2B5EF4-FFF2-40B4-BE49-F238E27FC236}">
-                <a16:creationId xmlns:a16="http://schemas.microsoft.com/office/drawing/2014/main" id="{DCBC1A63-6A83-4301-9785-9E4E9090969E}"/>
-              </a:ext>
-            </a:extLst>
-          </p:cNvPr>
-          <p:cNvSpPr>
-            <a:spLocks noGrp="1"/>
-          </p:cNvSpPr>
-          <p:nvPr>
-            <p:ph idx="1"/>
-          </p:nvPr>
-        </p:nvSpPr>
-        <p:spPr/>
-        <p:txBody>
-          <a:bodyPr/>
-          <a:lstStyle/>
-          <a:p>
-            <a:endParaRPr lang="de-CH"/>
-          </a:p>
-        </p:txBody>
-      </p:sp>
-    </p:spTree>
-    <p:extLst>
-      <p:ext uri="{BB962C8B-B14F-4D97-AF65-F5344CB8AC3E}">
-        <p14:creationId xmlns:p14="http://schemas.microsoft.com/office/powerpoint/2010/main" val="3810138336"/>
-      </p:ext>
-    </p:extLst>
-  </p:cSld>
-  <p:clrMapOvr>
-    <a:masterClrMapping/>
-  </p:clrMapOvr>
-</p:sld>
-</file>
-
-<file path=ppt/slides/slide5.xml><?xml version="1.0" encoding="utf-8"?>
-<p:sld xmlns:a="http://schemas.openxmlformats.org/drawingml/2006/main" xmlns:r="http://schemas.openxmlformats.org/officeDocument/2006/relationships" xmlns:p="http://schemas.openxmlformats.org/presentationml/2006/main">
-  <p:cSld>
-    <p:spTree>
-      <p:nvGrpSpPr>
-        <p:cNvPr id="1" name=""/>
-        <p:cNvGrpSpPr/>
-        <p:nvPr/>
-      </p:nvGrpSpPr>
-      <p:grpSpPr>
-        <a:xfrm>
-          <a:off x="0" y="0"/>
-          <a:ext cx="0" cy="0"/>
-          <a:chOff x="0" y="0"/>
-          <a:chExt cx="0" cy="0"/>
-        </a:xfrm>
-      </p:grpSpPr>
-      <p:sp>
-        <p:nvSpPr>
-          <p:cNvPr id="2" name="Titel 1">
-            <a:extLst>
-              <a:ext uri="{FF2B5EF4-FFF2-40B4-BE49-F238E27FC236}">
-                <a16:creationId xmlns:a16="http://schemas.microsoft.com/office/drawing/2014/main" id="{4BDF7F1B-9AC3-46F4-B7F0-631A16B5CC33}"/>
-              </a:ext>
-            </a:extLst>
-          </p:cNvPr>
-          <p:cNvSpPr>
-            <a:spLocks noGrp="1"/>
-          </p:cNvSpPr>
-          <p:nvPr>
-            <p:ph type="title"/>
-          </p:nvPr>
-        </p:nvSpPr>
-        <p:spPr/>
-        <p:txBody>
-          <a:bodyPr/>
-          <a:lstStyle/>
-          <a:p>
-            <a:r>
-              <a:rPr lang="de-CH" dirty="0"/>
-              <a:t>Messverfahren</a:t>
-            </a:r>
-          </a:p>
-        </p:txBody>
-      </p:sp>
-      <p:sp>
-        <p:nvSpPr>
-          <p:cNvPr id="3" name="Inhaltsplatzhalter 2">
-            <a:extLst>
-              <a:ext uri="{FF2B5EF4-FFF2-40B4-BE49-F238E27FC236}">
-                <a16:creationId xmlns:a16="http://schemas.microsoft.com/office/drawing/2014/main" id="{A77B41CF-6363-4E8D-AADB-AAC9AAD151A6}"/>
-              </a:ext>
-            </a:extLst>
-          </p:cNvPr>
-          <p:cNvSpPr>
-            <a:spLocks noGrp="1"/>
-          </p:cNvSpPr>
-          <p:nvPr>
-            <p:ph idx="1"/>
-          </p:nvPr>
-        </p:nvSpPr>
-        <p:spPr/>
-        <p:txBody>
-          <a:bodyPr/>
-          <a:lstStyle/>
-          <a:p>
-            <a:endParaRPr lang="de-CH"/>
-          </a:p>
-        </p:txBody>
-      </p:sp>
-    </p:spTree>
-    <p:extLst>
-      <p:ext uri="{BB962C8B-B14F-4D97-AF65-F5344CB8AC3E}">
-        <p14:creationId xmlns:p14="http://schemas.microsoft.com/office/powerpoint/2010/main" val="3640406631"/>
-      </p:ext>
-    </p:extLst>
-  </p:cSld>
-  <p:clrMapOvr>
-    <a:masterClrMapping/>
-  </p:clrMapOvr>
-</p:sld>
-</file>
-
-<file path=ppt/slides/slide6.xml><?xml version="1.0" encoding="utf-8"?>
-<p:sld xmlns:a="http://schemas.openxmlformats.org/drawingml/2006/main" xmlns:r="http://schemas.openxmlformats.org/officeDocument/2006/relationships" xmlns:p="http://schemas.openxmlformats.org/presentationml/2006/main">
-  <p:cSld>
-    <p:spTree>
-      <p:nvGrpSpPr>
-        <p:cNvPr id="1" name=""/>
-        <p:cNvGrpSpPr/>
-        <p:nvPr/>
-      </p:nvGrpSpPr>
-      <p:grpSpPr>
-        <a:xfrm>
-          <a:off x="0" y="0"/>
-          <a:ext cx="0" cy="0"/>
-          <a:chOff x="0" y="0"/>
-          <a:chExt cx="0" cy="0"/>
-        </a:xfrm>
-      </p:grpSpPr>
-      <p:sp>
-        <p:nvSpPr>
-          <p:cNvPr id="2" name="Titel 1">
-            <a:extLst>
-              <a:ext uri="{FF2B5EF4-FFF2-40B4-BE49-F238E27FC236}">
-                <a16:creationId xmlns:a16="http://schemas.microsoft.com/office/drawing/2014/main" id="{E152BCE4-DEBD-43E7-B15F-613256171F11}"/>
-              </a:ext>
-            </a:extLst>
-          </p:cNvPr>
-          <p:cNvSpPr>
-            <a:spLocks noGrp="1"/>
-          </p:cNvSpPr>
-          <p:nvPr>
-            <p:ph type="title"/>
-          </p:nvPr>
-        </p:nvSpPr>
-        <p:spPr/>
-        <p:txBody>
-          <a:bodyPr/>
-          <a:lstStyle/>
-          <a:p>
-            <a:r>
-              <a:rPr lang="de-CH" dirty="0"/>
-              <a:t>Taupunktspiegelmessverfahren</a:t>
-            </a:r>
-          </a:p>
-        </p:txBody>
-      </p:sp>
-      <p:sp>
-        <p:nvSpPr>
-          <p:cNvPr id="3" name="Inhaltsplatzhalter 2">
-            <a:extLst>
-              <a:ext uri="{FF2B5EF4-FFF2-40B4-BE49-F238E27FC236}">
-                <a16:creationId xmlns:a16="http://schemas.microsoft.com/office/drawing/2014/main" id="{F09CA223-3D6E-45D0-912F-6379CFCF4115}"/>
-              </a:ext>
-            </a:extLst>
-          </p:cNvPr>
-          <p:cNvSpPr>
-            <a:spLocks noGrp="1"/>
-          </p:cNvSpPr>
-          <p:nvPr>
-            <p:ph idx="1"/>
-          </p:nvPr>
-        </p:nvSpPr>
-        <p:spPr/>
-        <p:txBody>
-          <a:bodyPr/>
-          <a:lstStyle/>
-          <a:p>
-            <a:r>
-              <a:rPr lang="de-CH" dirty="0"/>
-              <a:t>Funktionsweise</a:t>
-            </a:r>
-          </a:p>
-          <a:p>
-            <a:r>
-              <a:rPr lang="de-CH" dirty="0"/>
-              <a:t>Vor- &amp; Nachteile</a:t>
-            </a:r>
-          </a:p>
-        </p:txBody>
-      </p:sp>
-    </p:spTree>
-    <p:extLst>
-      <p:ext uri="{BB962C8B-B14F-4D97-AF65-F5344CB8AC3E}">
-        <p14:creationId xmlns:p14="http://schemas.microsoft.com/office/powerpoint/2010/main" val="866532815"/>
-      </p:ext>
-    </p:extLst>
-  </p:cSld>
-  <p:clrMapOvr>
-    <a:masterClrMapping/>
-  </p:clrMapOvr>
-</p:sld>
-</file>
-
-<file path=ppt/slides/slide7.xml><?xml version="1.0" encoding="utf-8"?>
-<p:sld xmlns:a="http://schemas.openxmlformats.org/drawingml/2006/main" xmlns:r="http://schemas.openxmlformats.org/officeDocument/2006/relationships" xmlns:p="http://schemas.openxmlformats.org/presentationml/2006/main">
-  <p:cSld>
-    <p:spTree>
-      <p:nvGrpSpPr>
-        <p:cNvPr id="1" name=""/>
-        <p:cNvGrpSpPr/>
-        <p:nvPr/>
-      </p:nvGrpSpPr>
-      <p:grpSpPr>
-        <a:xfrm>
-          <a:off x="0" y="0"/>
-          <a:ext cx="0" cy="0"/>
-          <a:chOff x="0" y="0"/>
-          <a:chExt cx="0" cy="0"/>
-        </a:xfrm>
-      </p:grpSpPr>
-      <p:sp>
-        <p:nvSpPr>
-          <p:cNvPr id="2" name="Titel 1">
-            <a:extLst>
-              <a:ext uri="{FF2B5EF4-FFF2-40B4-BE49-F238E27FC236}">
-                <a16:creationId xmlns:a16="http://schemas.microsoft.com/office/drawing/2014/main" id="{A6720A75-5A75-458A-AAD5-56E1842309E9}"/>
-              </a:ext>
-            </a:extLst>
-          </p:cNvPr>
-          <p:cNvSpPr>
-            <a:spLocks noGrp="1"/>
-          </p:cNvSpPr>
-          <p:nvPr>
-            <p:ph type="title"/>
-          </p:nvPr>
-        </p:nvSpPr>
-        <p:spPr/>
-        <p:txBody>
-          <a:bodyPr>
-            <a:normAutofit/>
-          </a:bodyPr>
-          <a:lstStyle/>
-          <a:p>
-            <a:r>
-              <a:rPr lang="de-CH" sz="2800" dirty="0"/>
-              <a:t>Funktionsweise</a:t>
-            </a:r>
-          </a:p>
-        </p:txBody>
-      </p:sp>
-      <p:pic>
-        <p:nvPicPr>
-          <p:cNvPr id="4" name="Grafik 3">
-            <a:extLst>
-              <a:ext uri="{FF2B5EF4-FFF2-40B4-BE49-F238E27FC236}">
-                <a16:creationId xmlns:a16="http://schemas.microsoft.com/office/drawing/2014/main" id="{786F16C3-A3E9-406C-8166-17FCE03BF6C8}"/>
-              </a:ext>
-            </a:extLst>
-          </p:cNvPr>
-          <p:cNvPicPr>
-            <a:picLocks noChangeAspect="1"/>
-          </p:cNvPicPr>
-          <p:nvPr/>
-        </p:nvPicPr>
-        <p:blipFill>
-          <a:blip r:embed="rId2"/>
-          <a:stretch>
-            <a:fillRect/>
-          </a:stretch>
-        </p:blipFill>
-        <p:spPr>
-          <a:xfrm>
-            <a:off x="1239611" y="1595535"/>
-            <a:ext cx="2889185" cy="4826842"/>
-          </a:xfrm>
-          <a:prstGeom prst="rect">
-            <a:avLst/>
-          </a:prstGeom>
-        </p:spPr>
-      </p:pic>
-      <p:sp>
-        <p:nvSpPr>
-          <p:cNvPr id="5" name="Textfeld 4">
-            <a:extLst>
-              <a:ext uri="{FF2B5EF4-FFF2-40B4-BE49-F238E27FC236}">
-                <a16:creationId xmlns:a16="http://schemas.microsoft.com/office/drawing/2014/main" id="{865E0171-D408-4394-AB5A-3EF86EB97779}"/>
-              </a:ext>
-            </a:extLst>
-          </p:cNvPr>
-          <p:cNvSpPr txBox="1"/>
-          <p:nvPr/>
-        </p:nvSpPr>
-        <p:spPr>
-          <a:xfrm>
-            <a:off x="4226994" y="1700632"/>
-            <a:ext cx="5040923" cy="2308324"/>
-          </a:xfrm>
-          <a:prstGeom prst="rect">
-            <a:avLst/>
-          </a:prstGeom>
-          <a:noFill/>
-        </p:spPr>
-        <p:txBody>
-          <a:bodyPr wrap="square" rtlCol="0">
-            <a:spAutoFit/>
-          </a:bodyPr>
-          <a:lstStyle/>
-          <a:p>
-            <a:pPr marL="342900" indent="-342900">
-              <a:buAutoNum type="arabicParenR"/>
-            </a:pPr>
-            <a:r>
-              <a:rPr lang="de-CH" dirty="0"/>
-              <a:t>LED-Regelung</a:t>
-            </a:r>
-          </a:p>
-          <a:p>
-            <a:pPr marL="342900" indent="-342900">
-              <a:buAutoNum type="arabicParenR"/>
-            </a:pPr>
-            <a:r>
-              <a:rPr lang="de-CH" dirty="0"/>
-              <a:t>Optische Balanceregelung des Referenzstrahles</a:t>
-            </a:r>
-          </a:p>
-          <a:p>
-            <a:pPr marL="342900" indent="-342900">
-              <a:buAutoNum type="arabicParenR"/>
-            </a:pPr>
-            <a:r>
-              <a:rPr lang="de-CH" dirty="0"/>
-              <a:t>Taupunktspiegel</a:t>
-            </a:r>
-          </a:p>
-          <a:p>
-            <a:pPr marL="342900" indent="-342900">
-              <a:buAutoNum type="arabicParenR"/>
-            </a:pPr>
-            <a:r>
-              <a:rPr lang="de-CH" dirty="0"/>
-              <a:t>Temperaturfühler</a:t>
-            </a:r>
-          </a:p>
-          <a:p>
-            <a:pPr marL="342900" indent="-342900">
-              <a:buAutoNum type="arabicParenR"/>
-            </a:pPr>
-            <a:r>
-              <a:rPr lang="de-CH" dirty="0"/>
-              <a:t>Kühlelement (</a:t>
-            </a:r>
-            <a:r>
-              <a:rPr lang="de-CH" dirty="0" err="1"/>
-              <a:t>Peltierelemente</a:t>
-            </a:r>
-            <a:r>
-              <a:rPr lang="de-CH" dirty="0"/>
-              <a:t>)</a:t>
-            </a:r>
-          </a:p>
-          <a:p>
-            <a:pPr marL="342900" indent="-342900">
-              <a:buAutoNum type="arabicParenR"/>
-            </a:pPr>
-            <a:r>
-              <a:rPr lang="de-CH" dirty="0"/>
-              <a:t>Luft- oder Gasgemisch</a:t>
-            </a:r>
-          </a:p>
-          <a:p>
-            <a:pPr marL="342900" indent="-342900">
-              <a:buAutoNum type="arabicParenR"/>
-            </a:pPr>
-            <a:r>
-              <a:rPr lang="de-CH" dirty="0"/>
-              <a:t>Versorgung</a:t>
-            </a:r>
-          </a:p>
-          <a:p>
-            <a:pPr marL="342900" indent="-342900">
-              <a:buAutoNum type="arabicParenR"/>
-            </a:pPr>
-            <a:r>
-              <a:rPr lang="de-CH" dirty="0"/>
-              <a:t>Wärmefluss</a:t>
-            </a:r>
-          </a:p>
-        </p:txBody>
-      </p:sp>
-    </p:spTree>
-    <p:extLst>
-      <p:ext uri="{BB962C8B-B14F-4D97-AF65-F5344CB8AC3E}">
-        <p14:creationId xmlns:p14="http://schemas.microsoft.com/office/powerpoint/2010/main" val="849164119"/>
-      </p:ext>
-    </p:extLst>
-  </p:cSld>
-  <p:clrMapOvr>
-    <a:masterClrMapping/>
-  </p:clrMapOvr>
-</p:sld>
-</file>
-
-<file path=ppt/slides/slide8.xml><?xml version="1.0" encoding="utf-8"?>
 <p:sld xmlns:a="http://schemas.openxmlformats.org/drawingml/2006/main" xmlns:r="http://schemas.openxmlformats.org/officeDocument/2006/relationships" xmlns:p="http://schemas.openxmlformats.org/presentationml/2006/main">
   <p:cSld>
     <p:spTree>
@@ -13514,7 +13515,7 @@
 </p:sld>
 </file>
 
-<file path=ppt/slides/slide9.xml><?xml version="1.0" encoding="utf-8"?>
+<file path=ppt/slides/slide11.xml><?xml version="1.0" encoding="utf-8"?>
 <p:sld xmlns:a="http://schemas.openxmlformats.org/drawingml/2006/main" xmlns:r="http://schemas.openxmlformats.org/officeDocument/2006/relationships" xmlns:p="http://schemas.openxmlformats.org/presentationml/2006/main">
   <p:cSld>
     <p:spTree>
@@ -13659,6 +13660,6718 @@
     <p:extLst>
       <p:ext uri="{BB962C8B-B14F-4D97-AF65-F5344CB8AC3E}">
         <p14:creationId xmlns:p14="http://schemas.microsoft.com/office/powerpoint/2010/main" val="3195418156"/>
+      </p:ext>
+    </p:extLst>
+  </p:cSld>
+  <p:clrMapOvr>
+    <a:masterClrMapping/>
+  </p:clrMapOvr>
+</p:sld>
+</file>
+
+<file path=ppt/slides/slide12.xml><?xml version="1.0" encoding="utf-8"?>
+<p:sld xmlns:a="http://schemas.openxmlformats.org/drawingml/2006/main" xmlns:r="http://schemas.openxmlformats.org/officeDocument/2006/relationships" xmlns:p="http://schemas.openxmlformats.org/presentationml/2006/main">
+  <p:cSld>
+    <p:spTree>
+      <p:nvGrpSpPr>
+        <p:cNvPr id="1" name=""/>
+        <p:cNvGrpSpPr/>
+        <p:nvPr/>
+      </p:nvGrpSpPr>
+      <p:grpSpPr>
+        <a:xfrm>
+          <a:off x="0" y="0"/>
+          <a:ext cx="0" cy="0"/>
+          <a:chOff x="0" y="0"/>
+          <a:chExt cx="0" cy="0"/>
+        </a:xfrm>
+      </p:grpSpPr>
+      <p:sp>
+        <p:nvSpPr>
+          <p:cNvPr id="2" name="Titel 1">
+            <a:extLst>
+              <a:ext uri="{FF2B5EF4-FFF2-40B4-BE49-F238E27FC236}">
+                <a16:creationId xmlns:a16="http://schemas.microsoft.com/office/drawing/2014/main" id="{B3A4C400-9123-487F-9987-685A86B144A9}"/>
+              </a:ext>
+            </a:extLst>
+          </p:cNvPr>
+          <p:cNvSpPr>
+            <a:spLocks noGrp="1"/>
+          </p:cNvSpPr>
+          <p:nvPr>
+            <p:ph type="title"/>
+          </p:nvPr>
+        </p:nvSpPr>
+        <p:spPr/>
+        <p:txBody>
+          <a:bodyPr/>
+          <a:lstStyle/>
+          <a:p>
+            <a:r>
+              <a:rPr lang="de-CH" dirty="0"/>
+              <a:t>Vielen Dank für Ihre Aufmerksamkeit</a:t>
+            </a:r>
+          </a:p>
+        </p:txBody>
+      </p:sp>
+      <p:sp>
+        <p:nvSpPr>
+          <p:cNvPr id="3" name="Inhaltsplatzhalter 2">
+            <a:extLst>
+              <a:ext uri="{FF2B5EF4-FFF2-40B4-BE49-F238E27FC236}">
+                <a16:creationId xmlns:a16="http://schemas.microsoft.com/office/drawing/2014/main" id="{552151AC-CADB-425E-B531-07F7F28CDB57}"/>
+              </a:ext>
+            </a:extLst>
+          </p:cNvPr>
+          <p:cNvSpPr>
+            <a:spLocks noGrp="1"/>
+          </p:cNvSpPr>
+          <p:nvPr>
+            <p:ph idx="1"/>
+          </p:nvPr>
+        </p:nvSpPr>
+        <p:spPr/>
+        <p:txBody>
+          <a:bodyPr/>
+          <a:lstStyle/>
+          <a:p>
+            <a:r>
+              <a:rPr lang="de-CH" dirty="0"/>
+              <a:t>Offene Fragen?</a:t>
+            </a:r>
+          </a:p>
+        </p:txBody>
+      </p:sp>
+    </p:spTree>
+    <p:extLst>
+      <p:ext uri="{BB962C8B-B14F-4D97-AF65-F5344CB8AC3E}">
+        <p14:creationId xmlns:p14="http://schemas.microsoft.com/office/powerpoint/2010/main" val="3916132607"/>
+      </p:ext>
+    </p:extLst>
+  </p:cSld>
+  <p:clrMapOvr>
+    <a:masterClrMapping/>
+  </p:clrMapOvr>
+</p:sld>
+</file>
+
+<file path=ppt/slides/slide13.xml><?xml version="1.0" encoding="utf-8"?>
+<p:sld xmlns:a="http://schemas.openxmlformats.org/drawingml/2006/main" xmlns:r="http://schemas.openxmlformats.org/officeDocument/2006/relationships" xmlns:p="http://schemas.openxmlformats.org/presentationml/2006/main">
+  <p:cSld>
+    <p:spTree>
+      <p:nvGrpSpPr>
+        <p:cNvPr id="1" name=""/>
+        <p:cNvGrpSpPr/>
+        <p:nvPr/>
+      </p:nvGrpSpPr>
+      <p:grpSpPr>
+        <a:xfrm>
+          <a:off x="0" y="0"/>
+          <a:ext cx="0" cy="0"/>
+          <a:chOff x="0" y="0"/>
+          <a:chExt cx="0" cy="0"/>
+        </a:xfrm>
+      </p:grpSpPr>
+      <p:sp>
+        <p:nvSpPr>
+          <p:cNvPr id="2" name="Titel 1">
+            <a:extLst>
+              <a:ext uri="{FF2B5EF4-FFF2-40B4-BE49-F238E27FC236}">
+                <a16:creationId xmlns:a16="http://schemas.microsoft.com/office/drawing/2014/main" id="{3977093A-AB65-40B6-B419-9C70A3A9EC56}"/>
+              </a:ext>
+            </a:extLst>
+          </p:cNvPr>
+          <p:cNvSpPr>
+            <a:spLocks noGrp="1"/>
+          </p:cNvSpPr>
+          <p:nvPr>
+            <p:ph type="title"/>
+          </p:nvPr>
+        </p:nvSpPr>
+        <p:spPr/>
+        <p:txBody>
+          <a:bodyPr/>
+          <a:lstStyle/>
+          <a:p>
+            <a:r>
+              <a:rPr lang="de-CH" dirty="0"/>
+              <a:t>Quellen</a:t>
+            </a:r>
+          </a:p>
+        </p:txBody>
+      </p:sp>
+      <p:sp>
+        <p:nvSpPr>
+          <p:cNvPr id="3" name="Inhaltsplatzhalter 2">
+            <a:extLst>
+              <a:ext uri="{FF2B5EF4-FFF2-40B4-BE49-F238E27FC236}">
+                <a16:creationId xmlns:a16="http://schemas.microsoft.com/office/drawing/2014/main" id="{06CA5F5C-3DF2-4F49-905B-BFB05A87F648}"/>
+              </a:ext>
+            </a:extLst>
+          </p:cNvPr>
+          <p:cNvSpPr>
+            <a:spLocks noGrp="1"/>
+          </p:cNvSpPr>
+          <p:nvPr>
+            <p:ph idx="1"/>
+          </p:nvPr>
+        </p:nvSpPr>
+        <p:spPr/>
+        <p:txBody>
+          <a:bodyPr/>
+          <a:lstStyle/>
+          <a:p>
+            <a:r>
+              <a:rPr lang="de-DE" sz="1800" dirty="0"/>
+              <a:t>S. Hesse and G. Schnell, </a:t>
+            </a:r>
+            <a:r>
+              <a:rPr lang="de-DE" sz="1800" i="1" dirty="0"/>
+              <a:t>Sensoren für die Prozess- und Fabrikautomation - Funktion - Ausführung - Anwendung</a:t>
+            </a:r>
+            <a:r>
+              <a:rPr lang="de-DE" sz="1800" dirty="0"/>
+              <a:t>. Berlin Heidelberg New York: Springer-Verlag, 2014.</a:t>
+            </a:r>
+          </a:p>
+          <a:p>
+            <a:r>
+              <a:rPr lang="de-DE" sz="1800" dirty="0"/>
+              <a:t>G. Pfeffer, “Taupunkt,” Website, keine Angaben, online abgerufen unter http://www.gerd-pfeffer.de/atm_feuchte2.html; abgerufen </a:t>
+            </a:r>
+            <a:r>
+              <a:rPr lang="de-CH" sz="1800" dirty="0"/>
+              <a:t>am 03. Oktober 2018.</a:t>
+            </a:r>
+            <a:endParaRPr lang="de-DE" sz="1800" dirty="0"/>
+          </a:p>
+          <a:p>
+            <a:endParaRPr lang="de-CH" sz="1800" dirty="0"/>
+          </a:p>
+        </p:txBody>
+      </p:sp>
+    </p:spTree>
+    <p:extLst>
+      <p:ext uri="{BB962C8B-B14F-4D97-AF65-F5344CB8AC3E}">
+        <p14:creationId xmlns:p14="http://schemas.microsoft.com/office/powerpoint/2010/main" val="1498961456"/>
+      </p:ext>
+    </p:extLst>
+  </p:cSld>
+  <p:clrMapOvr>
+    <a:masterClrMapping/>
+  </p:clrMapOvr>
+</p:sld>
+</file>
+
+<file path=ppt/slides/slide2.xml><?xml version="1.0" encoding="utf-8"?>
+<p:sld xmlns:a="http://schemas.openxmlformats.org/drawingml/2006/main" xmlns:r="http://schemas.openxmlformats.org/officeDocument/2006/relationships" xmlns:p="http://schemas.openxmlformats.org/presentationml/2006/main">
+  <p:cSld>
+    <p:spTree>
+      <p:nvGrpSpPr>
+        <p:cNvPr id="1" name=""/>
+        <p:cNvGrpSpPr/>
+        <p:nvPr/>
+      </p:nvGrpSpPr>
+      <p:grpSpPr>
+        <a:xfrm>
+          <a:off x="0" y="0"/>
+          <a:ext cx="0" cy="0"/>
+          <a:chOff x="0" y="0"/>
+          <a:chExt cx="0" cy="0"/>
+        </a:xfrm>
+      </p:grpSpPr>
+      <p:sp>
+        <p:nvSpPr>
+          <p:cNvPr id="2" name="Titel 1">
+            <a:extLst>
+              <a:ext uri="{FF2B5EF4-FFF2-40B4-BE49-F238E27FC236}">
+                <a16:creationId xmlns:a16="http://schemas.microsoft.com/office/drawing/2014/main" id="{4A9B77F6-AFE1-4AEA-84A6-9AD815A09CEE}"/>
+              </a:ext>
+            </a:extLst>
+          </p:cNvPr>
+          <p:cNvSpPr>
+            <a:spLocks noGrp="1"/>
+          </p:cNvSpPr>
+          <p:nvPr>
+            <p:ph type="title"/>
+          </p:nvPr>
+        </p:nvSpPr>
+        <p:spPr/>
+        <p:txBody>
+          <a:bodyPr/>
+          <a:lstStyle/>
+          <a:p>
+            <a:r>
+              <a:rPr lang="de-CH" dirty="0"/>
+              <a:t>Inhalt</a:t>
+            </a:r>
+          </a:p>
+        </p:txBody>
+      </p:sp>
+      <p:sp>
+        <p:nvSpPr>
+          <p:cNvPr id="3" name="Inhaltsplatzhalter 2">
+            <a:extLst>
+              <a:ext uri="{FF2B5EF4-FFF2-40B4-BE49-F238E27FC236}">
+                <a16:creationId xmlns:a16="http://schemas.microsoft.com/office/drawing/2014/main" id="{6B052E04-C66F-48D4-8B51-FAEAF95D623F}"/>
+              </a:ext>
+            </a:extLst>
+          </p:cNvPr>
+          <p:cNvSpPr>
+            <a:spLocks noGrp="1"/>
+          </p:cNvSpPr>
+          <p:nvPr>
+            <p:ph idx="1"/>
+          </p:nvPr>
+        </p:nvSpPr>
+        <p:spPr/>
+        <p:txBody>
+          <a:bodyPr/>
+          <a:lstStyle/>
+          <a:p>
+            <a:r>
+              <a:rPr lang="de-CH" dirty="0"/>
+              <a:t>Nutzen</a:t>
+            </a:r>
+          </a:p>
+          <a:p>
+            <a:r>
+              <a:rPr lang="de-CH" dirty="0"/>
+              <a:t>Grundlagen</a:t>
+            </a:r>
+          </a:p>
+          <a:p>
+            <a:r>
+              <a:rPr lang="de-CH" dirty="0"/>
+              <a:t>Messverfahren</a:t>
+            </a:r>
+          </a:p>
+          <a:p>
+            <a:r>
+              <a:rPr lang="de-CH" dirty="0"/>
+              <a:t>Taupunktspiegelmessverfahren</a:t>
+            </a:r>
+          </a:p>
+          <a:p>
+            <a:r>
+              <a:rPr lang="de-CH" dirty="0" err="1"/>
+              <a:t>Thygan</a:t>
+            </a:r>
+            <a:endParaRPr lang="de-CH" dirty="0"/>
+          </a:p>
+        </p:txBody>
+      </p:sp>
+    </p:spTree>
+    <p:extLst>
+      <p:ext uri="{BB962C8B-B14F-4D97-AF65-F5344CB8AC3E}">
+        <p14:creationId xmlns:p14="http://schemas.microsoft.com/office/powerpoint/2010/main" val="643600153"/>
+      </p:ext>
+    </p:extLst>
+  </p:cSld>
+  <p:clrMapOvr>
+    <a:masterClrMapping/>
+  </p:clrMapOvr>
+</p:sld>
+</file>
+
+<file path=ppt/slides/slide3.xml><?xml version="1.0" encoding="utf-8"?>
+<p:sld xmlns:a="http://schemas.openxmlformats.org/drawingml/2006/main" xmlns:r="http://schemas.openxmlformats.org/officeDocument/2006/relationships" xmlns:p="http://schemas.openxmlformats.org/presentationml/2006/main">
+  <p:cSld>
+    <p:spTree>
+      <p:nvGrpSpPr>
+        <p:cNvPr id="1" name=""/>
+        <p:cNvGrpSpPr/>
+        <p:nvPr/>
+      </p:nvGrpSpPr>
+      <p:grpSpPr>
+        <a:xfrm>
+          <a:off x="0" y="0"/>
+          <a:ext cx="0" cy="0"/>
+          <a:chOff x="0" y="0"/>
+          <a:chExt cx="0" cy="0"/>
+        </a:xfrm>
+      </p:grpSpPr>
+      <p:sp>
+        <p:nvSpPr>
+          <p:cNvPr id="2" name="Titel 1">
+            <a:extLst>
+              <a:ext uri="{FF2B5EF4-FFF2-40B4-BE49-F238E27FC236}">
+                <a16:creationId xmlns:a16="http://schemas.microsoft.com/office/drawing/2014/main" id="{2DD8A4A3-8B65-4A48-B3FE-BFE22EE085B7}"/>
+              </a:ext>
+            </a:extLst>
+          </p:cNvPr>
+          <p:cNvSpPr>
+            <a:spLocks noGrp="1"/>
+          </p:cNvSpPr>
+          <p:nvPr>
+            <p:ph type="title"/>
+          </p:nvPr>
+        </p:nvSpPr>
+        <p:spPr/>
+        <p:txBody>
+          <a:bodyPr/>
+          <a:lstStyle/>
+          <a:p>
+            <a:r>
+              <a:rPr lang="de-CH" dirty="0"/>
+              <a:t>Nutzen</a:t>
+            </a:r>
+          </a:p>
+        </p:txBody>
+      </p:sp>
+      <p:sp>
+        <p:nvSpPr>
+          <p:cNvPr id="3" name="Inhaltsplatzhalter 2">
+            <a:extLst>
+              <a:ext uri="{FF2B5EF4-FFF2-40B4-BE49-F238E27FC236}">
+                <a16:creationId xmlns:a16="http://schemas.microsoft.com/office/drawing/2014/main" id="{6890E066-6A90-4C46-ABEC-33C5AF51ECD9}"/>
+              </a:ext>
+            </a:extLst>
+          </p:cNvPr>
+          <p:cNvSpPr>
+            <a:spLocks noGrp="1"/>
+          </p:cNvSpPr>
+          <p:nvPr>
+            <p:ph idx="1"/>
+          </p:nvPr>
+        </p:nvSpPr>
+        <p:spPr/>
+        <p:txBody>
+          <a:bodyPr/>
+          <a:lstStyle/>
+          <a:p>
+            <a:r>
+              <a:rPr lang="de-CH" dirty="0"/>
+              <a:t>Wetterstationen</a:t>
+            </a:r>
+          </a:p>
+          <a:p>
+            <a:r>
+              <a:rPr lang="de-CH" dirty="0"/>
+              <a:t>Zuhause im Wohnzimmer</a:t>
+            </a:r>
+          </a:p>
+          <a:p>
+            <a:r>
+              <a:rPr lang="de-CH" dirty="0"/>
+              <a:t>Container mit Holzböden</a:t>
+            </a:r>
+          </a:p>
+        </p:txBody>
+      </p:sp>
+    </p:spTree>
+    <p:extLst>
+      <p:ext uri="{BB962C8B-B14F-4D97-AF65-F5344CB8AC3E}">
+        <p14:creationId xmlns:p14="http://schemas.microsoft.com/office/powerpoint/2010/main" val="393459898"/>
+      </p:ext>
+    </p:extLst>
+  </p:cSld>
+  <p:clrMapOvr>
+    <a:masterClrMapping/>
+  </p:clrMapOvr>
+</p:sld>
+</file>
+
+<file path=ppt/slides/slide4.xml><?xml version="1.0" encoding="utf-8"?>
+<p:sld xmlns:a="http://schemas.openxmlformats.org/drawingml/2006/main" xmlns:r="http://schemas.openxmlformats.org/officeDocument/2006/relationships" xmlns:p="http://schemas.openxmlformats.org/presentationml/2006/main">
+  <p:cSld>
+    <p:spTree>
+      <p:nvGrpSpPr>
+        <p:cNvPr id="1" name=""/>
+        <p:cNvGrpSpPr/>
+        <p:nvPr/>
+      </p:nvGrpSpPr>
+      <p:grpSpPr>
+        <a:xfrm>
+          <a:off x="0" y="0"/>
+          <a:ext cx="0" cy="0"/>
+          <a:chOff x="0" y="0"/>
+          <a:chExt cx="0" cy="0"/>
+        </a:xfrm>
+      </p:grpSpPr>
+      <p:sp>
+        <p:nvSpPr>
+          <p:cNvPr id="2" name="Titel 1">
+            <a:extLst>
+              <a:ext uri="{FF2B5EF4-FFF2-40B4-BE49-F238E27FC236}">
+                <a16:creationId xmlns:a16="http://schemas.microsoft.com/office/drawing/2014/main" id="{490169AC-5C54-47B6-AF70-372951ED37CA}"/>
+              </a:ext>
+            </a:extLst>
+          </p:cNvPr>
+          <p:cNvSpPr>
+            <a:spLocks noGrp="1"/>
+          </p:cNvSpPr>
+          <p:nvPr>
+            <p:ph type="title"/>
+          </p:nvPr>
+        </p:nvSpPr>
+        <p:spPr/>
+        <p:txBody>
+          <a:bodyPr/>
+          <a:lstStyle/>
+          <a:p>
+            <a:r>
+              <a:rPr lang="de-CH" dirty="0"/>
+              <a:t>Grundlagen</a:t>
+            </a:r>
+          </a:p>
+        </p:txBody>
+      </p:sp>
+      <mc:AlternateContent xmlns:mc="http://schemas.openxmlformats.org/markup-compatibility/2006">
+        <mc:Choice xmlns:a14="http://schemas.microsoft.com/office/drawing/2010/main" Requires="a14">
+          <p:sp>
+            <p:nvSpPr>
+              <p:cNvPr id="3" name="Inhaltsplatzhalter 2">
+                <a:extLst>
+                  <a:ext uri="{FF2B5EF4-FFF2-40B4-BE49-F238E27FC236}">
+                    <a16:creationId xmlns:a16="http://schemas.microsoft.com/office/drawing/2014/main" id="{26082DCB-73E2-4BD2-A7AB-315ACFB1E274}"/>
+                  </a:ext>
+                </a:extLst>
+              </p:cNvPr>
+              <p:cNvSpPr>
+                <a:spLocks noGrp="1"/>
+              </p:cNvSpPr>
+              <p:nvPr>
+                <p:ph idx="1"/>
+              </p:nvPr>
+            </p:nvSpPr>
+            <p:spPr/>
+            <p:txBody>
+              <a:bodyPr/>
+              <a:lstStyle/>
+              <a:p>
+                <a:r>
+                  <a:rPr lang="de-CH" dirty="0"/>
+                  <a:t>Feuchtemessung bei Gas-, Flüssig- und Feststoffen</a:t>
+                </a:r>
+              </a:p>
+              <a:p>
+                <a:r>
+                  <a:rPr lang="de-CH" dirty="0"/>
+                  <a:t>Für Flüssig- und Feststoffe gilt:</a:t>
+                </a:r>
+              </a:p>
+              <a:p>
+                <a:endParaRPr lang="de-CH" sz="3200" b="0" i="1" dirty="0">
+                  <a:latin typeface="Cambria Math" panose="02040503050406030204" pitchFamily="18" charset="0"/>
+                </a:endParaRPr>
+              </a:p>
+              <a:p>
+                <a:pPr marL="1371600" lvl="3" indent="0">
+                  <a:buNone/>
+                </a:pPr>
+                <a14:m>
+                  <m:oMathPara xmlns:m="http://schemas.openxmlformats.org/officeDocument/2006/math">
+                    <m:oMathParaPr>
+                      <m:jc m:val="centerGroup"/>
+                    </m:oMathParaPr>
+                    <m:oMath xmlns:m="http://schemas.openxmlformats.org/officeDocument/2006/math">
+                      <m:r>
+                        <a:rPr lang="de-CH" sz="3200" b="0" i="1" smtClean="0">
+                          <a:latin typeface="Cambria Math" panose="02040503050406030204" pitchFamily="18" charset="0"/>
+                        </a:rPr>
+                        <m:t>𝑊</m:t>
+                      </m:r>
+                      <m:r>
+                        <a:rPr lang="de-CH" sz="3200" b="0" i="1" smtClean="0">
+                          <a:latin typeface="Cambria Math" panose="02040503050406030204" pitchFamily="18" charset="0"/>
+                        </a:rPr>
+                        <m:t>=</m:t>
+                      </m:r>
+                      <m:f>
+                        <m:fPr>
+                          <m:ctrlPr>
+                            <a:rPr lang="de-CH" sz="3200" b="0" i="1" smtClean="0">
+                              <a:latin typeface="Cambria Math" panose="02040503050406030204" pitchFamily="18" charset="0"/>
+                            </a:rPr>
+                          </m:ctrlPr>
+                        </m:fPr>
+                        <m:num>
+                          <m:sSub>
+                            <m:sSubPr>
+                              <m:ctrlPr>
+                                <a:rPr lang="de-CH" sz="3200" b="0" i="1" smtClean="0">
+                                  <a:latin typeface="Cambria Math" panose="02040503050406030204" pitchFamily="18" charset="0"/>
+                                </a:rPr>
+                              </m:ctrlPr>
+                            </m:sSubPr>
+                            <m:e>
+                              <m:r>
+                                <a:rPr lang="de-CH" sz="3200" b="0" i="1" smtClean="0">
+                                  <a:latin typeface="Cambria Math" panose="02040503050406030204" pitchFamily="18" charset="0"/>
+                                </a:rPr>
+                                <m:t>𝑚</m:t>
+                              </m:r>
+                            </m:e>
+                            <m:sub>
+                              <m:r>
+                                <a:rPr lang="de-CH" sz="3200" b="0" i="1" smtClean="0">
+                                  <a:latin typeface="Cambria Math" panose="02040503050406030204" pitchFamily="18" charset="0"/>
+                                </a:rPr>
+                                <m:t>𝑓</m:t>
+                              </m:r>
+                            </m:sub>
+                          </m:sSub>
+                          <m:r>
+                            <a:rPr lang="de-CH" sz="3200" b="0" i="1" smtClean="0">
+                              <a:latin typeface="Cambria Math" panose="02040503050406030204" pitchFamily="18" charset="0"/>
+                            </a:rPr>
+                            <m:t>−</m:t>
+                          </m:r>
+                          <m:sSub>
+                            <m:sSubPr>
+                              <m:ctrlPr>
+                                <a:rPr lang="de-CH" sz="3200" b="0" i="1" smtClean="0">
+                                  <a:latin typeface="Cambria Math" panose="02040503050406030204" pitchFamily="18" charset="0"/>
+                                </a:rPr>
+                              </m:ctrlPr>
+                            </m:sSubPr>
+                            <m:e>
+                              <m:r>
+                                <a:rPr lang="de-CH" sz="3200" b="0" i="1" smtClean="0">
+                                  <a:latin typeface="Cambria Math" panose="02040503050406030204" pitchFamily="18" charset="0"/>
+                                </a:rPr>
+                                <m:t>𝑚</m:t>
+                              </m:r>
+                            </m:e>
+                            <m:sub>
+                              <m:r>
+                                <a:rPr lang="de-CH" sz="3200" b="0" i="1" smtClean="0">
+                                  <a:latin typeface="Cambria Math" panose="02040503050406030204" pitchFamily="18" charset="0"/>
+                                </a:rPr>
+                                <m:t>𝑡</m:t>
+                              </m:r>
+                            </m:sub>
+                          </m:sSub>
+                        </m:num>
+                        <m:den>
+                          <m:sSub>
+                            <m:sSubPr>
+                              <m:ctrlPr>
+                                <a:rPr lang="de-CH" sz="3200" b="0" i="1" smtClean="0">
+                                  <a:latin typeface="Cambria Math" panose="02040503050406030204" pitchFamily="18" charset="0"/>
+                                </a:rPr>
+                              </m:ctrlPr>
+                            </m:sSubPr>
+                            <m:e>
+                              <m:r>
+                                <a:rPr lang="de-CH" sz="3200" b="0" i="1" smtClean="0">
+                                  <a:latin typeface="Cambria Math" panose="02040503050406030204" pitchFamily="18" charset="0"/>
+                                </a:rPr>
+                                <m:t>𝑚</m:t>
+                              </m:r>
+                            </m:e>
+                            <m:sub>
+                              <m:r>
+                                <a:rPr lang="de-CH" sz="3200" b="0" i="1" smtClean="0">
+                                  <a:latin typeface="Cambria Math" panose="02040503050406030204" pitchFamily="18" charset="0"/>
+                                </a:rPr>
+                                <m:t>𝑓</m:t>
+                              </m:r>
+                            </m:sub>
+                          </m:sSub>
+                        </m:den>
+                      </m:f>
+                    </m:oMath>
+                  </m:oMathPara>
+                </a14:m>
+                <a:endParaRPr lang="de-CH" sz="3200" dirty="0"/>
+              </a:p>
+            </p:txBody>
+          </p:sp>
+        </mc:Choice>
+        <mc:Fallback>
+          <p:sp>
+            <p:nvSpPr>
+              <p:cNvPr id="3" name="Inhaltsplatzhalter 2">
+                <a:extLst>
+                  <a:ext uri="{FF2B5EF4-FFF2-40B4-BE49-F238E27FC236}">
+                    <a16:creationId xmlns:a16="http://schemas.microsoft.com/office/drawing/2014/main" id="{26082DCB-73E2-4BD2-A7AB-315ACFB1E274}"/>
+                  </a:ext>
+                </a:extLst>
+              </p:cNvPr>
+              <p:cNvSpPr>
+                <a:spLocks noGrp="1" noRot="1" noChangeAspect="1" noMove="1" noResize="1" noEditPoints="1" noAdjustHandles="1" noChangeArrowheads="1" noChangeShapeType="1" noTextEdit="1"/>
+              </p:cNvSpPr>
+              <p:nvPr>
+                <p:ph idx="1"/>
+              </p:nvPr>
+            </p:nvSpPr>
+            <p:spPr>
+              <a:blipFill>
+                <a:blip r:embed="rId3"/>
+                <a:stretch>
+                  <a:fillRect l="-1231" t="-2238"/>
+                </a:stretch>
+              </a:blipFill>
+            </p:spPr>
+            <p:txBody>
+              <a:bodyPr/>
+              <a:lstStyle/>
+              <a:p>
+                <a:r>
+                  <a:rPr lang="de-CH">
+                    <a:noFill/>
+                  </a:rPr>
+                  <a:t> </a:t>
+                </a:r>
+              </a:p>
+            </p:txBody>
+          </p:sp>
+        </mc:Fallback>
+      </mc:AlternateContent>
+    </p:spTree>
+    <p:extLst>
+      <p:ext uri="{BB962C8B-B14F-4D97-AF65-F5344CB8AC3E}">
+        <p14:creationId xmlns:p14="http://schemas.microsoft.com/office/powerpoint/2010/main" val="351677116"/>
+      </p:ext>
+    </p:extLst>
+  </p:cSld>
+  <p:clrMapOvr>
+    <a:masterClrMapping/>
+  </p:clrMapOvr>
+</p:sld>
+</file>
+
+<file path=ppt/slides/slide5.xml><?xml version="1.0" encoding="utf-8"?>
+<p:sld xmlns:a="http://schemas.openxmlformats.org/drawingml/2006/main" xmlns:r="http://schemas.openxmlformats.org/officeDocument/2006/relationships" xmlns:p="http://schemas.openxmlformats.org/presentationml/2006/main">
+  <p:cSld>
+    <p:bg>
+      <p:bgPr>
+        <a:solidFill>
+          <a:schemeClr val="bg1"/>
+        </a:solidFill>
+        <a:effectLst/>
+      </p:bgPr>
+    </p:bg>
+    <p:spTree>
+      <p:nvGrpSpPr>
+        <p:cNvPr id="1" name=""/>
+        <p:cNvGrpSpPr/>
+        <p:nvPr/>
+      </p:nvGrpSpPr>
+      <p:grpSpPr>
+        <a:xfrm>
+          <a:off x="0" y="0"/>
+          <a:ext cx="0" cy="0"/>
+          <a:chOff x="0" y="0"/>
+          <a:chExt cx="0" cy="0"/>
+        </a:xfrm>
+      </p:grpSpPr>
+      <p:sp useBgFill="1">
+        <p:nvSpPr>
+          <p:cNvPr id="65" name="Rectangle 12">
+            <a:extLst>
+              <a:ext uri="{FF2B5EF4-FFF2-40B4-BE49-F238E27FC236}">
+                <a16:creationId xmlns:a16="http://schemas.microsoft.com/office/drawing/2014/main" id="{6697F791-5FFA-4164-899F-EB52EA72B024}"/>
+              </a:ext>
+              <a:ext uri="{C183D7F6-B498-43B3-948B-1728B52AA6E4}">
+                <adec:decorative xmlns:adec="http://schemas.microsoft.com/office/drawing/2017/decorative" val="1"/>
+              </a:ext>
+            </a:extLst>
+          </p:cNvPr>
+          <p:cNvSpPr>
+            <a:spLocks noGrp="1" noRot="1" noChangeAspect="1" noMove="1" noResize="1" noEditPoints="1" noAdjustHandles="1" noChangeArrowheads="1" noChangeShapeType="1" noTextEdit="1"/>
+          </p:cNvSpPr>
+          <p:nvPr>
+            <p:extLst>
+              <p:ext uri="{386F3935-93C4-4BCD-93E2-E3B085C9AB24}">
+                <p16:designElem xmlns:p16="http://schemas.microsoft.com/office/powerpoint/2015/main" val="1"/>
+              </p:ext>
+            </p:extLst>
+          </p:nvPr>
+        </p:nvSpPr>
+        <p:spPr>
+          <a:xfrm>
+            <a:off x="0" y="-1"/>
+            <a:ext cx="12192000" cy="6858000"/>
+          </a:xfrm>
+          <a:prstGeom prst="rect">
+            <a:avLst/>
+          </a:prstGeom>
+          <a:ln>
+            <a:noFill/>
+          </a:ln>
+        </p:spPr>
+        <p:style>
+          <a:lnRef idx="2">
+            <a:schemeClr val="accent1">
+              <a:shade val="50000"/>
+            </a:schemeClr>
+          </a:lnRef>
+          <a:fillRef idx="1">
+            <a:schemeClr val="accent1"/>
+          </a:fillRef>
+          <a:effectRef idx="0">
+            <a:schemeClr val="accent1"/>
+          </a:effectRef>
+          <a:fontRef idx="minor">
+            <a:schemeClr val="lt1"/>
+          </a:fontRef>
+        </p:style>
+        <p:txBody>
+          <a:bodyPr rtlCol="0" anchor="ctr"/>
+          <a:lstStyle/>
+          <a:p>
+            <a:pPr algn="ctr"/>
+            <a:endParaRPr lang="en-US" dirty="0"/>
+          </a:p>
+        </p:txBody>
+      </p:sp>
+      <p:pic>
+        <p:nvPicPr>
+          <p:cNvPr id="66" name="Picture 2" descr="Ein Bild, das Elektronik enthält.&#10;&#10;Mit hoher Zuverlässigkeit generierte Beschreibung">
+            <a:extLst>
+              <a:ext uri="{FF2B5EF4-FFF2-40B4-BE49-F238E27FC236}">
+                <a16:creationId xmlns:a16="http://schemas.microsoft.com/office/drawing/2014/main" id="{4E28A1A9-FB81-4816-AAEA-C3B430946951}"/>
+              </a:ext>
+              <a:ext uri="{C183D7F6-B498-43B3-948B-1728B52AA6E4}">
+                <adec:decorative xmlns:adec="http://schemas.microsoft.com/office/drawing/2017/decorative" val="1"/>
+              </a:ext>
+            </a:extLst>
+          </p:cNvPr>
+          <p:cNvPicPr>
+            <a:picLocks noGrp="1" noRot="1" noChangeAspect="1" noMove="1" noResize="1" noEditPoints="1" noAdjustHandles="1" noChangeArrowheads="1" noChangeShapeType="1" noCrop="1"/>
+          </p:cNvPicPr>
+          <p:nvPr>
+            <p:extLst>
+              <p:ext uri="{386F3935-93C4-4BCD-93E2-E3B085C9AB24}">
+                <p16:designElem xmlns:p16="http://schemas.microsoft.com/office/powerpoint/2015/main" val="1"/>
+              </p:ext>
+            </p:extLst>
+          </p:nvPr>
+        </p:nvPicPr>
+        <p:blipFill>
+          <a:blip r:embed="rId3">
+            <a:extLst>
+              <a:ext uri="{28A0092B-C50C-407E-A947-70E740481C1C}">
+                <a14:useLocalDpi xmlns:a14="http://schemas.microsoft.com/office/drawing/2010/main" val="0"/>
+              </a:ext>
+            </a:extLst>
+          </a:blip>
+          <a:srcRect/>
+          <a:stretch>
+            <a:fillRect/>
+          </a:stretch>
+        </p:blipFill>
+        <p:spPr bwMode="auto">
+          <a:xfrm>
+            <a:off x="1190" y="-2"/>
+            <a:ext cx="4061525" cy="6858001"/>
+          </a:xfrm>
+          <a:prstGeom prst="rect">
+            <a:avLst/>
+          </a:prstGeom>
+          <a:extLst>
+            <a:ext uri="{909E8E84-426E-40dd-AFC4-6F175D3DCCD1}">
+              <a14:hiddenFill xmlns="" xmlns:a16="http://schemas.microsoft.com/office/drawing/2014/main" xmlns:p14="http://schemas.microsoft.com/office/powerpoint/2010/main" xmlns:a14="http://schemas.microsoft.com/office/drawing/2010/main">
+                <a:solidFill>
+                  <a:srgbClr val="FFFFFF"/>
+                </a:solidFill>
+              </a14:hiddenFill>
+            </a:ext>
+          </a:extLst>
+        </p:spPr>
+      </p:pic>
+      <p:sp>
+        <p:nvSpPr>
+          <p:cNvPr id="17" name="Rectangle 16">
+            <a:extLst>
+              <a:ext uri="{FF2B5EF4-FFF2-40B4-BE49-F238E27FC236}">
+                <a16:creationId xmlns:a16="http://schemas.microsoft.com/office/drawing/2014/main" id="{B773AB25-A422-41AA-9737-5E04C1966DE1}"/>
+              </a:ext>
+              <a:ext uri="{C183D7F6-B498-43B3-948B-1728B52AA6E4}">
+                <adec:decorative xmlns:adec="http://schemas.microsoft.com/office/drawing/2017/decorative" val="1"/>
+              </a:ext>
+            </a:extLst>
+          </p:cNvPr>
+          <p:cNvSpPr>
+            <a:spLocks noGrp="1" noRot="1" noChangeAspect="1" noMove="1" noResize="1" noEditPoints="1" noAdjustHandles="1" noChangeArrowheads="1" noChangeShapeType="1" noTextEdit="1"/>
+          </p:cNvSpPr>
+          <p:nvPr>
+            <p:extLst>
+              <p:ext uri="{386F3935-93C4-4BCD-93E2-E3B085C9AB24}">
+                <p16:designElem xmlns:p16="http://schemas.microsoft.com/office/powerpoint/2015/main" val="1"/>
+              </p:ext>
+            </p:extLst>
+          </p:nvPr>
+        </p:nvSpPr>
+        <p:spPr>
+          <a:xfrm>
+            <a:off x="0" y="1853"/>
+            <a:ext cx="4055621" cy="6858000"/>
+          </a:xfrm>
+          <a:prstGeom prst="rect">
+            <a:avLst/>
+          </a:prstGeom>
+          <a:ln>
+            <a:noFill/>
+          </a:ln>
+          <a:effectLst>
+            <a:outerShdw blurRad="76200" dist="38100" algn="l" rotWithShape="0">
+              <a:prstClr val="black">
+                <a:alpha val="37000"/>
+              </a:prstClr>
+            </a:outerShdw>
+          </a:effectLst>
+        </p:spPr>
+        <p:style>
+          <a:lnRef idx="2">
+            <a:schemeClr val="accent1">
+              <a:shade val="50000"/>
+            </a:schemeClr>
+          </a:lnRef>
+          <a:fillRef idx="1003">
+            <a:schemeClr val="dk2"/>
+          </a:fillRef>
+          <a:effectRef idx="0">
+            <a:schemeClr val="accent1"/>
+          </a:effectRef>
+          <a:fontRef idx="minor">
+            <a:schemeClr val="lt1"/>
+          </a:fontRef>
+        </p:style>
+        <p:txBody>
+          <a:bodyPr rtlCol="0" anchor="ctr"/>
+          <a:lstStyle/>
+          <a:p>
+            <a:pPr algn="ctr"/>
+            <a:endParaRPr lang="en-US" dirty="0"/>
+          </a:p>
+        </p:txBody>
+      </p:sp>
+      <p:pic>
+        <p:nvPicPr>
+          <p:cNvPr id="19" name="Picture 2" descr="Ein Bild, das Elektronik enthält.&#10;&#10;Mit hoher Zuverlässigkeit generierte Beschreibung">
+            <a:extLst>
+              <a:ext uri="{FF2B5EF4-FFF2-40B4-BE49-F238E27FC236}">
+                <a16:creationId xmlns:a16="http://schemas.microsoft.com/office/drawing/2014/main" id="{AF0552B8-DE8C-40DF-B29F-1728E6A10619}"/>
+              </a:ext>
+              <a:ext uri="{C183D7F6-B498-43B3-948B-1728B52AA6E4}">
+                <adec:decorative xmlns:adec="http://schemas.microsoft.com/office/drawing/2017/decorative" val="1"/>
+              </a:ext>
+            </a:extLst>
+          </p:cNvPr>
+          <p:cNvPicPr>
+            <a:picLocks noGrp="1" noRot="1" noChangeAspect="1" noMove="1" noResize="1" noEditPoints="1" noAdjustHandles="1" noChangeArrowheads="1" noChangeShapeType="1" noCrop="1"/>
+          </p:cNvPicPr>
+          <p:nvPr>
+            <p:extLst>
+              <p:ext uri="{386F3935-93C4-4BCD-93E2-E3B085C9AB24}">
+                <p16:designElem xmlns:p16="http://schemas.microsoft.com/office/powerpoint/2015/main" val="1"/>
+              </p:ext>
+            </p:extLst>
+          </p:nvPr>
+        </p:nvPicPr>
+        <p:blipFill>
+          <a:blip r:embed="rId3">
+            <a:alphaModFix amt="30000"/>
+            <a:extLst>
+              <a:ext uri="{28A0092B-C50C-407E-A947-70E740481C1C}">
+                <a14:useLocalDpi xmlns:a14="http://schemas.microsoft.com/office/drawing/2010/main" val="0"/>
+              </a:ext>
+            </a:extLst>
+          </a:blip>
+          <a:srcRect/>
+          <a:stretch>
+            <a:fillRect/>
+          </a:stretch>
+        </p:blipFill>
+        <p:spPr bwMode="auto">
+          <a:xfrm>
+            <a:off x="-22530" y="23283"/>
+            <a:ext cx="4078152" cy="6858001"/>
+          </a:xfrm>
+          <a:prstGeom prst="rect">
+            <a:avLst/>
+          </a:prstGeom>
+          <a:noFill/>
+          <a:extLst>
+            <a:ext uri="{909E8E84-426E-40dd-AFC4-6F175D3DCCD1}">
+              <a14:hiddenFill xmlns="" xmlns:a16="http://schemas.microsoft.com/office/drawing/2014/main" xmlns:p14="http://schemas.microsoft.com/office/powerpoint/2010/main" xmlns:a14="http://schemas.microsoft.com/office/drawing/2010/main">
+                <a:solidFill>
+                  <a:srgbClr val="FFFFFF"/>
+                </a:solidFill>
+              </a14:hiddenFill>
+            </a:ext>
+          </a:extLst>
+        </p:spPr>
+      </p:pic>
+      <p:sp>
+        <p:nvSpPr>
+          <p:cNvPr id="2" name="Titel 1">
+            <a:extLst>
+              <a:ext uri="{FF2B5EF4-FFF2-40B4-BE49-F238E27FC236}">
+                <a16:creationId xmlns:a16="http://schemas.microsoft.com/office/drawing/2014/main" id="{D11790CF-2894-4110-9E5B-15AC5B975870}"/>
+              </a:ext>
+            </a:extLst>
+          </p:cNvPr>
+          <p:cNvSpPr>
+            <a:spLocks noGrp="1"/>
+          </p:cNvSpPr>
+          <p:nvPr>
+            <p:ph type="title"/>
+          </p:nvPr>
+        </p:nvSpPr>
+        <p:spPr>
+          <a:xfrm>
+            <a:off x="698500" y="618518"/>
+            <a:ext cx="3164950" cy="1478570"/>
+          </a:xfrm>
+        </p:spPr>
+        <p:txBody>
+          <a:bodyPr>
+            <a:normAutofit/>
+          </a:bodyPr>
+          <a:lstStyle/>
+          <a:p>
+            <a:r>
+              <a:rPr lang="de-CH" dirty="0">
+                <a:solidFill>
+                  <a:srgbClr val="FFFFFF"/>
+                </a:solidFill>
+              </a:rPr>
+              <a:t>Grundlagen</a:t>
+            </a:r>
+          </a:p>
+        </p:txBody>
+      </p:sp>
+      <p:sp>
+        <p:nvSpPr>
+          <p:cNvPr id="67" name="Content Placeholder 9">
+            <a:extLst>
+              <a:ext uri="{FF2B5EF4-FFF2-40B4-BE49-F238E27FC236}">
+                <a16:creationId xmlns:a16="http://schemas.microsoft.com/office/drawing/2014/main" id="{283BD5A6-895C-4EBA-958F-1F1440DADBB5}"/>
+              </a:ext>
+            </a:extLst>
+          </p:cNvPr>
+          <p:cNvSpPr>
+            <a:spLocks noGrp="1"/>
+          </p:cNvSpPr>
+          <p:nvPr>
+            <p:ph idx="1"/>
+          </p:nvPr>
+        </p:nvSpPr>
+        <p:spPr>
+          <a:xfrm>
+            <a:off x="687247" y="2249487"/>
+            <a:ext cx="3177190" cy="3957302"/>
+          </a:xfrm>
+        </p:spPr>
+        <p:txBody>
+          <a:bodyPr>
+            <a:normAutofit/>
+          </a:bodyPr>
+          <a:lstStyle/>
+          <a:p>
+            <a:r>
+              <a:rPr lang="en-US" dirty="0">
+                <a:solidFill>
+                  <a:srgbClr val="FFFFFF"/>
+                </a:solidFill>
+              </a:rPr>
+              <a:t>Was </a:t>
+            </a:r>
+            <a:r>
+              <a:rPr lang="en-US" dirty="0" err="1">
+                <a:solidFill>
+                  <a:srgbClr val="FFFFFF"/>
+                </a:solidFill>
+              </a:rPr>
+              <a:t>ist</a:t>
+            </a:r>
+            <a:r>
+              <a:rPr lang="en-US" dirty="0">
+                <a:solidFill>
+                  <a:srgbClr val="FFFFFF"/>
+                </a:solidFill>
+              </a:rPr>
+              <a:t> der </a:t>
+            </a:r>
+            <a:r>
+              <a:rPr lang="en-US" dirty="0" err="1">
+                <a:solidFill>
+                  <a:srgbClr val="FFFFFF"/>
+                </a:solidFill>
+              </a:rPr>
+              <a:t>Taupunkt</a:t>
+            </a:r>
+            <a:r>
+              <a:rPr lang="en-US" dirty="0">
+                <a:solidFill>
+                  <a:srgbClr val="FFFFFF"/>
+                </a:solidFill>
+              </a:rPr>
+              <a:t>?</a:t>
+            </a:r>
+          </a:p>
+        </p:txBody>
+      </p:sp>
+      <p:grpSp>
+        <p:nvGrpSpPr>
+          <p:cNvPr id="21" name="Group 20">
+            <a:extLst>
+              <a:ext uri="{FF2B5EF4-FFF2-40B4-BE49-F238E27FC236}">
+                <a16:creationId xmlns:a16="http://schemas.microsoft.com/office/drawing/2014/main" id="{6AD0D387-1584-4477-B5F8-52B50D4F2205}"/>
+              </a:ext>
+              <a:ext uri="{C183D7F6-B498-43B3-948B-1728B52AA6E4}">
+                <adec:decorative xmlns:adec="http://schemas.microsoft.com/office/drawing/2017/decorative" val="1"/>
+              </a:ext>
+            </a:extLst>
+          </p:cNvPr>
+          <p:cNvGrpSpPr>
+            <a:grpSpLocks noGrp="1" noUngrp="1" noRot="1" noChangeAspect="1" noMove="1" noResize="1"/>
+          </p:cNvGrpSpPr>
+          <p:nvPr>
+            <p:extLst>
+              <p:ext uri="{386F3935-93C4-4BCD-93E2-E3B085C9AB24}">
+                <p16:designElem xmlns:p16="http://schemas.microsoft.com/office/powerpoint/2015/main" val="1"/>
+              </p:ext>
+            </p:extLst>
+          </p:nvPr>
+        </p:nvGrpSpPr>
+        <p:grpSpPr>
+          <a:xfrm>
+            <a:off x="0" y="0"/>
+            <a:ext cx="1220788" cy="6858001"/>
+            <a:chOff x="-14288" y="0"/>
+            <a:chExt cx="1220788" cy="6858001"/>
+          </a:xfrm>
+          <a:gradFill flip="none" rotWithShape="1">
+            <a:gsLst>
+              <a:gs pos="0">
+                <a:schemeClr val="bg2"/>
+              </a:gs>
+              <a:gs pos="100000">
+                <a:schemeClr val="tx2">
+                  <a:lumMod val="60000"/>
+                  <a:lumOff val="40000"/>
+                </a:schemeClr>
+              </a:gs>
+            </a:gsLst>
+            <a:lin ang="5400000" scaled="0"/>
+            <a:tileRect/>
+          </a:gradFill>
+        </p:grpSpPr>
+        <p:sp>
+          <p:nvSpPr>
+            <p:cNvPr id="22" name="Rectangle 5">
+              <a:extLst>
+                <a:ext uri="{FF2B5EF4-FFF2-40B4-BE49-F238E27FC236}">
+                  <a16:creationId xmlns:a16="http://schemas.microsoft.com/office/drawing/2014/main" id="{22C90122-8CF0-4164-B596-168DE41D39A4}"/>
+                </a:ext>
+                <a:ext uri="{C183D7F6-B498-43B3-948B-1728B52AA6E4}">
+                  <adec:decorative xmlns:adec="http://schemas.microsoft.com/office/drawing/2017/decorative" val="1"/>
+                </a:ext>
+              </a:extLst>
+            </p:cNvPr>
+            <p:cNvSpPr>
+              <a:spLocks noChangeArrowheads="1"/>
+            </p:cNvSpPr>
+            <p:nvPr>
+              <p:extLst>
+                <p:ext uri="{386F3935-93C4-4BCD-93E2-E3B085C9AB24}">
+                  <p16:designElem xmlns:p16="http://schemas.microsoft.com/office/powerpoint/2015/main" val="1"/>
+                </p:ext>
+              </p:extLst>
+            </p:nvPr>
+          </p:nvSpPr>
+          <p:spPr bwMode="auto">
+            <a:xfrm>
+              <a:off x="114300" y="4763"/>
+              <a:ext cx="23813" cy="2181225"/>
+            </a:xfrm>
+            <a:prstGeom prst="rect">
+              <a:avLst/>
+            </a:prstGeom>
+            <a:grpFill/>
+            <a:ln>
+              <a:noFill/>
+            </a:ln>
+            <a:extLst>
+              <a:ext uri="{91240B29-F687-4f45-9708-019B960494DF}">
+                <a14:hiddenLine xmlns="" xmlns:a16="http://schemas.microsoft.com/office/drawing/2014/main" xmlns:p14="http://schemas.microsoft.com/office/powerpoint/2010/main" xmlns:a14="http://schemas.microsoft.com/office/drawing/2010/main" w="9525">
+                  <a:solidFill>
+                    <a:srgbClr val="000000"/>
+                  </a:solidFill>
+                  <a:miter lim="800000"/>
+                  <a:headEnd/>
+                  <a:tailEnd/>
+                </a14:hiddenLine>
+              </a:ext>
+            </a:extLst>
+          </p:spPr>
+        </p:sp>
+        <p:sp>
+          <p:nvSpPr>
+            <p:cNvPr id="23" name="Freeform 6">
+              <a:extLst>
+                <a:ext uri="{FF2B5EF4-FFF2-40B4-BE49-F238E27FC236}">
+                  <a16:creationId xmlns:a16="http://schemas.microsoft.com/office/drawing/2014/main" id="{E74D534E-37A6-4D27-9C47-0B2F0527838E}"/>
+                </a:ext>
+                <a:ext uri="{C183D7F6-B498-43B3-948B-1728B52AA6E4}">
+                  <adec:decorative xmlns:adec="http://schemas.microsoft.com/office/drawing/2017/decorative" val="1"/>
+                </a:ext>
+              </a:extLst>
+            </p:cNvPr>
+            <p:cNvSpPr>
+              <a:spLocks noEditPoints="1"/>
+            </p:cNvSpPr>
+            <p:nvPr>
+              <p:extLst>
+                <p:ext uri="{386F3935-93C4-4BCD-93E2-E3B085C9AB24}">
+                  <p16:designElem xmlns:p16="http://schemas.microsoft.com/office/powerpoint/2015/main" val="1"/>
+                </p:ext>
+              </p:extLst>
+            </p:nvPr>
+          </p:nvSpPr>
+          <p:spPr bwMode="auto">
+            <a:xfrm>
+              <a:off x="33337" y="2176463"/>
+              <a:ext cx="190500" cy="190500"/>
+            </a:xfrm>
+            <a:custGeom>
+              <a:avLst/>
+              <a:gdLst/>
+              <a:ahLst/>
+              <a:cxnLst/>
+              <a:rect l="0" t="0" r="r" b="b"/>
+              <a:pathLst>
+                <a:path w="40" h="40">
+                  <a:moveTo>
+                    <a:pt x="20" y="40"/>
+                  </a:moveTo>
+                  <a:cubicBezTo>
+                    <a:pt x="9" y="40"/>
+                    <a:pt x="0" y="31"/>
+                    <a:pt x="0" y="20"/>
+                  </a:cubicBezTo>
+                  <a:cubicBezTo>
+                    <a:pt x="0" y="9"/>
+                    <a:pt x="9" y="0"/>
+                    <a:pt x="20" y="0"/>
+                  </a:cubicBezTo>
+                  <a:cubicBezTo>
+                    <a:pt x="31" y="0"/>
+                    <a:pt x="40" y="9"/>
+                    <a:pt x="40" y="20"/>
+                  </a:cubicBezTo>
+                  <a:cubicBezTo>
+                    <a:pt x="40" y="31"/>
+                    <a:pt x="31" y="40"/>
+                    <a:pt x="20" y="40"/>
+                  </a:cubicBezTo>
+                  <a:close/>
+                  <a:moveTo>
+                    <a:pt x="20" y="4"/>
+                  </a:moveTo>
+                  <a:cubicBezTo>
+                    <a:pt x="11" y="4"/>
+                    <a:pt x="4" y="11"/>
+                    <a:pt x="4" y="20"/>
+                  </a:cubicBezTo>
+                  <a:cubicBezTo>
+                    <a:pt x="4" y="29"/>
+                    <a:pt x="11" y="36"/>
+                    <a:pt x="20" y="36"/>
+                  </a:cubicBezTo>
+                  <a:cubicBezTo>
+                    <a:pt x="28" y="36"/>
+                    <a:pt x="36" y="29"/>
+                    <a:pt x="36" y="20"/>
+                  </a:cubicBezTo>
+                  <a:cubicBezTo>
+                    <a:pt x="36" y="11"/>
+                    <a:pt x="28" y="4"/>
+                    <a:pt x="20" y="4"/>
+                  </a:cubicBezTo>
+                  <a:close/>
+                </a:path>
+              </a:pathLst>
+            </a:custGeom>
+            <a:grpFill/>
+            <a:ln>
+              <a:noFill/>
+            </a:ln>
+            <a:extLst>
+              <a:ext uri="{91240B29-F687-4f45-9708-019B960494DF}">
+                <a14:hiddenLine xmlns="" xmlns:a16="http://schemas.microsoft.com/office/drawing/2014/main" xmlns:p14="http://schemas.microsoft.com/office/powerpoint/2010/main" xmlns:a14="http://schemas.microsoft.com/office/drawing/2010/main" w="9525">
+                  <a:solidFill>
+                    <a:srgbClr val="000000"/>
+                  </a:solidFill>
+                  <a:round/>
+                  <a:headEnd/>
+                  <a:tailEnd/>
+                </a14:hiddenLine>
+              </a:ext>
+            </a:extLst>
+          </p:spPr>
+        </p:sp>
+        <p:sp>
+          <p:nvSpPr>
+            <p:cNvPr id="24" name="Freeform 7">
+              <a:extLst>
+                <a:ext uri="{FF2B5EF4-FFF2-40B4-BE49-F238E27FC236}">
+                  <a16:creationId xmlns:a16="http://schemas.microsoft.com/office/drawing/2014/main" id="{1C1C156E-D2E0-468A-9B19-79521D69BF55}"/>
+                </a:ext>
+                <a:ext uri="{C183D7F6-B498-43B3-948B-1728B52AA6E4}">
+                  <adec:decorative xmlns:adec="http://schemas.microsoft.com/office/drawing/2017/decorative" val="1"/>
+                </a:ext>
+              </a:extLst>
+            </p:cNvPr>
+            <p:cNvSpPr>
+              <a:spLocks noEditPoints="1"/>
+            </p:cNvSpPr>
+            <p:nvPr>
+              <p:extLst>
+                <p:ext uri="{386F3935-93C4-4BCD-93E2-E3B085C9AB24}">
+                  <p16:designElem xmlns:p16="http://schemas.microsoft.com/office/powerpoint/2015/main" val="1"/>
+                </p:ext>
+              </p:extLst>
+            </p:nvPr>
+          </p:nvSpPr>
+          <p:spPr bwMode="auto">
+            <a:xfrm>
+              <a:off x="28575" y="4021138"/>
+              <a:ext cx="190500" cy="188913"/>
+            </a:xfrm>
+            <a:custGeom>
+              <a:avLst/>
+              <a:gdLst/>
+              <a:ahLst/>
+              <a:cxnLst/>
+              <a:rect l="0" t="0" r="r" b="b"/>
+              <a:pathLst>
+                <a:path w="40" h="40">
+                  <a:moveTo>
+                    <a:pt x="20" y="40"/>
+                  </a:moveTo>
+                  <a:cubicBezTo>
+                    <a:pt x="9" y="40"/>
+                    <a:pt x="0" y="31"/>
+                    <a:pt x="0" y="20"/>
+                  </a:cubicBezTo>
+                  <a:cubicBezTo>
+                    <a:pt x="0" y="9"/>
+                    <a:pt x="9" y="0"/>
+                    <a:pt x="20" y="0"/>
+                  </a:cubicBezTo>
+                  <a:cubicBezTo>
+                    <a:pt x="31" y="0"/>
+                    <a:pt x="40" y="9"/>
+                    <a:pt x="40" y="20"/>
+                  </a:cubicBezTo>
+                  <a:cubicBezTo>
+                    <a:pt x="40" y="31"/>
+                    <a:pt x="31" y="40"/>
+                    <a:pt x="20" y="40"/>
+                  </a:cubicBezTo>
+                  <a:close/>
+                  <a:moveTo>
+                    <a:pt x="20" y="4"/>
+                  </a:moveTo>
+                  <a:cubicBezTo>
+                    <a:pt x="12" y="4"/>
+                    <a:pt x="4" y="11"/>
+                    <a:pt x="4" y="20"/>
+                  </a:cubicBezTo>
+                  <a:cubicBezTo>
+                    <a:pt x="4" y="29"/>
+                    <a:pt x="12" y="36"/>
+                    <a:pt x="20" y="36"/>
+                  </a:cubicBezTo>
+                  <a:cubicBezTo>
+                    <a:pt x="29" y="36"/>
+                    <a:pt x="36" y="29"/>
+                    <a:pt x="36" y="20"/>
+                  </a:cubicBezTo>
+                  <a:cubicBezTo>
+                    <a:pt x="36" y="11"/>
+                    <a:pt x="29" y="4"/>
+                    <a:pt x="20" y="4"/>
+                  </a:cubicBezTo>
+                  <a:close/>
+                </a:path>
+              </a:pathLst>
+            </a:custGeom>
+            <a:grpFill/>
+            <a:ln>
+              <a:noFill/>
+            </a:ln>
+            <a:extLst>
+              <a:ext uri="{91240B29-F687-4f45-9708-019B960494DF}">
+                <a14:hiddenLine xmlns="" xmlns:a16="http://schemas.microsoft.com/office/drawing/2014/main" xmlns:p14="http://schemas.microsoft.com/office/powerpoint/2010/main" xmlns:a14="http://schemas.microsoft.com/office/drawing/2010/main" w="9525">
+                  <a:solidFill>
+                    <a:srgbClr val="000000"/>
+                  </a:solidFill>
+                  <a:round/>
+                  <a:headEnd/>
+                  <a:tailEnd/>
+                </a14:hiddenLine>
+              </a:ext>
+            </a:extLst>
+          </p:spPr>
+        </p:sp>
+        <p:sp>
+          <p:nvSpPr>
+            <p:cNvPr id="25" name="Freeform 8">
+              <a:extLst>
+                <a:ext uri="{FF2B5EF4-FFF2-40B4-BE49-F238E27FC236}">
+                  <a16:creationId xmlns:a16="http://schemas.microsoft.com/office/drawing/2014/main" id="{14C97F11-4F6C-4DFF-89BC-3AEA5B7FF74F}"/>
+                </a:ext>
+                <a:ext uri="{C183D7F6-B498-43B3-948B-1728B52AA6E4}">
+                  <adec:decorative xmlns:adec="http://schemas.microsoft.com/office/drawing/2017/decorative" val="1"/>
+                </a:ext>
+              </a:extLst>
+            </p:cNvPr>
+            <p:cNvSpPr/>
+            <p:nvPr>
+              <p:extLst>
+                <p:ext uri="{386F3935-93C4-4BCD-93E2-E3B085C9AB24}">
+                  <p16:designElem xmlns:p16="http://schemas.microsoft.com/office/powerpoint/2015/main" val="1"/>
+                </p:ext>
+              </p:extLst>
+            </p:nvPr>
+          </p:nvSpPr>
+          <p:spPr bwMode="auto">
+            <a:xfrm>
+              <a:off x="200025" y="4763"/>
+              <a:ext cx="369888" cy="1811338"/>
+            </a:xfrm>
+            <a:custGeom>
+              <a:avLst/>
+              <a:gdLst/>
+              <a:ahLst/>
+              <a:cxnLst/>
+              <a:rect l="0" t="0" r="r" b="b"/>
+              <a:pathLst>
+                <a:path w="233" h="1141">
+                  <a:moveTo>
+                    <a:pt x="218" y="1141"/>
+                  </a:moveTo>
+                  <a:lnTo>
+                    <a:pt x="0" y="626"/>
+                  </a:lnTo>
+                  <a:lnTo>
+                    <a:pt x="0" y="0"/>
+                  </a:lnTo>
+                  <a:lnTo>
+                    <a:pt x="15" y="0"/>
+                  </a:lnTo>
+                  <a:lnTo>
+                    <a:pt x="15" y="623"/>
+                  </a:lnTo>
+                  <a:lnTo>
+                    <a:pt x="233" y="1135"/>
+                  </a:lnTo>
+                  <a:lnTo>
+                    <a:pt x="218" y="1141"/>
+                  </a:lnTo>
+                  <a:close/>
+                </a:path>
+              </a:pathLst>
+            </a:custGeom>
+            <a:grpFill/>
+            <a:ln>
+              <a:noFill/>
+            </a:ln>
+            <a:extLst>
+              <a:ext uri="{91240B29-F687-4f45-9708-019B960494DF}">
+                <a14:hiddenLine xmlns="" xmlns:a16="http://schemas.microsoft.com/office/drawing/2014/main" xmlns:p14="http://schemas.microsoft.com/office/powerpoint/2010/main" xmlns:a14="http://schemas.microsoft.com/office/drawing/2010/main" w="9525">
+                  <a:solidFill>
+                    <a:srgbClr val="000000"/>
+                  </a:solidFill>
+                  <a:round/>
+                  <a:headEnd/>
+                  <a:tailEnd/>
+                </a14:hiddenLine>
+              </a:ext>
+            </a:extLst>
+          </p:spPr>
+        </p:sp>
+        <p:sp>
+          <p:nvSpPr>
+            <p:cNvPr id="26" name="Freeform 9">
+              <a:extLst>
+                <a:ext uri="{FF2B5EF4-FFF2-40B4-BE49-F238E27FC236}">
+                  <a16:creationId xmlns:a16="http://schemas.microsoft.com/office/drawing/2014/main" id="{773C2106-77CE-42E1-839F-925EAEBB2FF9}"/>
+                </a:ext>
+                <a:ext uri="{C183D7F6-B498-43B3-948B-1728B52AA6E4}">
+                  <adec:decorative xmlns:adec="http://schemas.microsoft.com/office/drawing/2017/decorative" val="1"/>
+                </a:ext>
+              </a:extLst>
+            </p:cNvPr>
+            <p:cNvSpPr>
+              <a:spLocks noEditPoints="1"/>
+            </p:cNvSpPr>
+            <p:nvPr>
+              <p:extLst>
+                <p:ext uri="{386F3935-93C4-4BCD-93E2-E3B085C9AB24}">
+                  <p16:designElem xmlns:p16="http://schemas.microsoft.com/office/powerpoint/2015/main" val="1"/>
+                </p:ext>
+              </p:extLst>
+            </p:nvPr>
+          </p:nvSpPr>
+          <p:spPr bwMode="auto">
+            <a:xfrm>
+              <a:off x="503237" y="1801813"/>
+              <a:ext cx="190500" cy="188913"/>
+            </a:xfrm>
+            <a:custGeom>
+              <a:avLst/>
+              <a:gdLst/>
+              <a:ahLst/>
+              <a:cxnLst/>
+              <a:rect l="0" t="0" r="r" b="b"/>
+              <a:pathLst>
+                <a:path w="40" h="40">
+                  <a:moveTo>
+                    <a:pt x="20" y="40"/>
+                  </a:moveTo>
+                  <a:cubicBezTo>
+                    <a:pt x="9" y="40"/>
+                    <a:pt x="0" y="31"/>
+                    <a:pt x="0" y="20"/>
+                  </a:cubicBezTo>
+                  <a:cubicBezTo>
+                    <a:pt x="0" y="9"/>
+                    <a:pt x="9" y="0"/>
+                    <a:pt x="20" y="0"/>
+                  </a:cubicBezTo>
+                  <a:cubicBezTo>
+                    <a:pt x="33" y="0"/>
+                    <a:pt x="40" y="6"/>
+                    <a:pt x="40" y="20"/>
+                  </a:cubicBezTo>
+                  <a:cubicBezTo>
+                    <a:pt x="40" y="31"/>
+                    <a:pt x="31" y="40"/>
+                    <a:pt x="20" y="40"/>
+                  </a:cubicBezTo>
+                  <a:close/>
+                  <a:moveTo>
+                    <a:pt x="20" y="4"/>
+                  </a:moveTo>
+                  <a:cubicBezTo>
+                    <a:pt x="11" y="4"/>
+                    <a:pt x="4" y="11"/>
+                    <a:pt x="4" y="20"/>
+                  </a:cubicBezTo>
+                  <a:cubicBezTo>
+                    <a:pt x="4" y="29"/>
+                    <a:pt x="11" y="36"/>
+                    <a:pt x="20" y="36"/>
+                  </a:cubicBezTo>
+                  <a:cubicBezTo>
+                    <a:pt x="28" y="36"/>
+                    <a:pt x="36" y="29"/>
+                    <a:pt x="36" y="20"/>
+                  </a:cubicBezTo>
+                  <a:cubicBezTo>
+                    <a:pt x="36" y="9"/>
+                    <a:pt x="31" y="4"/>
+                    <a:pt x="20" y="4"/>
+                  </a:cubicBezTo>
+                  <a:close/>
+                </a:path>
+              </a:pathLst>
+            </a:custGeom>
+            <a:grpFill/>
+            <a:ln>
+              <a:noFill/>
+            </a:ln>
+            <a:extLst>
+              <a:ext uri="{91240B29-F687-4f45-9708-019B960494DF}">
+                <a14:hiddenLine xmlns="" xmlns:a16="http://schemas.microsoft.com/office/drawing/2014/main" xmlns:p14="http://schemas.microsoft.com/office/powerpoint/2010/main" xmlns:a14="http://schemas.microsoft.com/office/drawing/2010/main" w="9525">
+                  <a:solidFill>
+                    <a:srgbClr val="000000"/>
+                  </a:solidFill>
+                  <a:round/>
+                  <a:headEnd/>
+                  <a:tailEnd/>
+                </a14:hiddenLine>
+              </a:ext>
+            </a:extLst>
+          </p:spPr>
+        </p:sp>
+        <p:sp>
+          <p:nvSpPr>
+            <p:cNvPr id="27" name="Freeform 10">
+              <a:extLst>
+                <a:ext uri="{FF2B5EF4-FFF2-40B4-BE49-F238E27FC236}">
+                  <a16:creationId xmlns:a16="http://schemas.microsoft.com/office/drawing/2014/main" id="{E2807D33-BD1F-4B09-8D93-63C06DB3C0F7}"/>
+                </a:ext>
+                <a:ext uri="{C183D7F6-B498-43B3-948B-1728B52AA6E4}">
+                  <adec:decorative xmlns:adec="http://schemas.microsoft.com/office/drawing/2017/decorative" val="1"/>
+                </a:ext>
+              </a:extLst>
+            </p:cNvPr>
+            <p:cNvSpPr/>
+            <p:nvPr>
+              <p:extLst>
+                <p:ext uri="{386F3935-93C4-4BCD-93E2-E3B085C9AB24}">
+                  <p16:designElem xmlns:p16="http://schemas.microsoft.com/office/powerpoint/2015/main" val="1"/>
+                </p:ext>
+              </p:extLst>
+            </p:nvPr>
+          </p:nvSpPr>
+          <p:spPr bwMode="auto">
+            <a:xfrm>
+              <a:off x="285750" y="4763"/>
+              <a:ext cx="369888" cy="1430338"/>
+            </a:xfrm>
+            <a:custGeom>
+              <a:avLst/>
+              <a:gdLst/>
+              <a:ahLst/>
+              <a:cxnLst/>
+              <a:rect l="0" t="0" r="r" b="b"/>
+              <a:pathLst>
+                <a:path w="233" h="901">
+                  <a:moveTo>
+                    <a:pt x="221" y="901"/>
+                  </a:moveTo>
+                  <a:lnTo>
+                    <a:pt x="0" y="383"/>
+                  </a:lnTo>
+                  <a:lnTo>
+                    <a:pt x="0" y="0"/>
+                  </a:lnTo>
+                  <a:lnTo>
+                    <a:pt x="18" y="0"/>
+                  </a:lnTo>
+                  <a:lnTo>
+                    <a:pt x="18" y="380"/>
+                  </a:lnTo>
+                  <a:lnTo>
+                    <a:pt x="233" y="895"/>
+                  </a:lnTo>
+                  <a:lnTo>
+                    <a:pt x="221" y="901"/>
+                  </a:lnTo>
+                  <a:close/>
+                </a:path>
+              </a:pathLst>
+            </a:custGeom>
+            <a:grpFill/>
+            <a:ln>
+              <a:noFill/>
+            </a:ln>
+            <a:extLst>
+              <a:ext uri="{91240B29-F687-4f45-9708-019B960494DF}">
+                <a14:hiddenLine xmlns="" xmlns:a16="http://schemas.microsoft.com/office/drawing/2014/main" xmlns:p14="http://schemas.microsoft.com/office/powerpoint/2010/main" xmlns:a14="http://schemas.microsoft.com/office/drawing/2010/main" w="9525">
+                  <a:solidFill>
+                    <a:srgbClr val="000000"/>
+                  </a:solidFill>
+                  <a:round/>
+                  <a:headEnd/>
+                  <a:tailEnd/>
+                </a14:hiddenLine>
+              </a:ext>
+            </a:extLst>
+          </p:spPr>
+        </p:sp>
+        <p:sp>
+          <p:nvSpPr>
+            <p:cNvPr id="28" name="Freeform 11">
+              <a:extLst>
+                <a:ext uri="{FF2B5EF4-FFF2-40B4-BE49-F238E27FC236}">
+                  <a16:creationId xmlns:a16="http://schemas.microsoft.com/office/drawing/2014/main" id="{84BDF3E8-157B-47D1-AF8E-FE1EFF0612E4}"/>
+                </a:ext>
+                <a:ext uri="{C183D7F6-B498-43B3-948B-1728B52AA6E4}">
+                  <adec:decorative xmlns:adec="http://schemas.microsoft.com/office/drawing/2017/decorative" val="1"/>
+                </a:ext>
+              </a:extLst>
+            </p:cNvPr>
+            <p:cNvSpPr/>
+            <p:nvPr>
+              <p:extLst>
+                <p:ext uri="{386F3935-93C4-4BCD-93E2-E3B085C9AB24}">
+                  <p16:designElem xmlns:p16="http://schemas.microsoft.com/office/powerpoint/2015/main" val="1"/>
+                </p:ext>
+              </p:extLst>
+            </p:nvPr>
+          </p:nvSpPr>
+          <p:spPr bwMode="auto">
+            <a:xfrm>
+              <a:off x="546100" y="0"/>
+              <a:ext cx="152400" cy="912813"/>
+            </a:xfrm>
+            <a:custGeom>
+              <a:avLst/>
+              <a:gdLst/>
+              <a:ahLst/>
+              <a:cxnLst/>
+              <a:rect l="0" t="0" r="r" b="b"/>
+              <a:pathLst>
+                <a:path w="96" h="575">
+                  <a:moveTo>
+                    <a:pt x="96" y="575"/>
+                  </a:moveTo>
+                  <a:lnTo>
+                    <a:pt x="78" y="575"/>
+                  </a:lnTo>
+                  <a:lnTo>
+                    <a:pt x="78" y="192"/>
+                  </a:lnTo>
+                  <a:lnTo>
+                    <a:pt x="0" y="6"/>
+                  </a:lnTo>
+                  <a:lnTo>
+                    <a:pt x="15" y="0"/>
+                  </a:lnTo>
+                  <a:lnTo>
+                    <a:pt x="96" y="189"/>
+                  </a:lnTo>
+                  <a:lnTo>
+                    <a:pt x="96" y="575"/>
+                  </a:lnTo>
+                  <a:close/>
+                </a:path>
+              </a:pathLst>
+            </a:custGeom>
+            <a:grpFill/>
+            <a:ln>
+              <a:noFill/>
+            </a:ln>
+            <a:extLst>
+              <a:ext uri="{91240B29-F687-4f45-9708-019B960494DF}">
+                <a14:hiddenLine xmlns="" xmlns:a16="http://schemas.microsoft.com/office/drawing/2014/main" xmlns:p14="http://schemas.microsoft.com/office/powerpoint/2010/main" xmlns:a14="http://schemas.microsoft.com/office/drawing/2010/main" w="9525">
+                  <a:solidFill>
+                    <a:srgbClr val="000000"/>
+                  </a:solidFill>
+                  <a:round/>
+                  <a:headEnd/>
+                  <a:tailEnd/>
+                </a14:hiddenLine>
+              </a:ext>
+            </a:extLst>
+          </p:spPr>
+        </p:sp>
+        <p:sp>
+          <p:nvSpPr>
+            <p:cNvPr id="29" name="Freeform 12">
+              <a:extLst>
+                <a:ext uri="{FF2B5EF4-FFF2-40B4-BE49-F238E27FC236}">
+                  <a16:creationId xmlns:a16="http://schemas.microsoft.com/office/drawing/2014/main" id="{68B482B5-E0FD-406A-99B2-297DF333546D}"/>
+                </a:ext>
+                <a:ext uri="{C183D7F6-B498-43B3-948B-1728B52AA6E4}">
+                  <adec:decorative xmlns:adec="http://schemas.microsoft.com/office/drawing/2017/decorative" val="1"/>
+                </a:ext>
+              </a:extLst>
+            </p:cNvPr>
+            <p:cNvSpPr>
+              <a:spLocks noEditPoints="1"/>
+            </p:cNvSpPr>
+            <p:nvPr>
+              <p:extLst>
+                <p:ext uri="{386F3935-93C4-4BCD-93E2-E3B085C9AB24}">
+                  <p16:designElem xmlns:p16="http://schemas.microsoft.com/office/powerpoint/2015/main" val="1"/>
+                </p:ext>
+              </p:extLst>
+            </p:nvPr>
+          </p:nvSpPr>
+          <p:spPr bwMode="auto">
+            <a:xfrm>
+              <a:off x="588962" y="1420813"/>
+              <a:ext cx="190500" cy="190500"/>
+            </a:xfrm>
+            <a:custGeom>
+              <a:avLst/>
+              <a:gdLst/>
+              <a:ahLst/>
+              <a:cxnLst/>
+              <a:rect l="0" t="0" r="r" b="b"/>
+              <a:pathLst>
+                <a:path w="40" h="40">
+                  <a:moveTo>
+                    <a:pt x="20" y="40"/>
+                  </a:moveTo>
+                  <a:cubicBezTo>
+                    <a:pt x="9" y="40"/>
+                    <a:pt x="0" y="31"/>
+                    <a:pt x="0" y="20"/>
+                  </a:cubicBezTo>
+                  <a:cubicBezTo>
+                    <a:pt x="0" y="9"/>
+                    <a:pt x="9" y="0"/>
+                    <a:pt x="20" y="0"/>
+                  </a:cubicBezTo>
+                  <a:cubicBezTo>
+                    <a:pt x="33" y="0"/>
+                    <a:pt x="40" y="7"/>
+                    <a:pt x="40" y="20"/>
+                  </a:cubicBezTo>
+                  <a:cubicBezTo>
+                    <a:pt x="40" y="31"/>
+                    <a:pt x="31" y="40"/>
+                    <a:pt x="20" y="40"/>
+                  </a:cubicBezTo>
+                  <a:close/>
+                  <a:moveTo>
+                    <a:pt x="20" y="4"/>
+                  </a:moveTo>
+                  <a:cubicBezTo>
+                    <a:pt x="11" y="4"/>
+                    <a:pt x="4" y="11"/>
+                    <a:pt x="4" y="20"/>
+                  </a:cubicBezTo>
+                  <a:cubicBezTo>
+                    <a:pt x="4" y="29"/>
+                    <a:pt x="11" y="36"/>
+                    <a:pt x="20" y="36"/>
+                  </a:cubicBezTo>
+                  <a:cubicBezTo>
+                    <a:pt x="29" y="36"/>
+                    <a:pt x="36" y="29"/>
+                    <a:pt x="36" y="20"/>
+                  </a:cubicBezTo>
+                  <a:cubicBezTo>
+                    <a:pt x="36" y="9"/>
+                    <a:pt x="31" y="4"/>
+                    <a:pt x="20" y="4"/>
+                  </a:cubicBezTo>
+                  <a:close/>
+                </a:path>
+              </a:pathLst>
+            </a:custGeom>
+            <a:grpFill/>
+            <a:ln>
+              <a:noFill/>
+            </a:ln>
+            <a:extLst>
+              <a:ext uri="{91240B29-F687-4f45-9708-019B960494DF}">
+                <a14:hiddenLine xmlns="" xmlns:a16="http://schemas.microsoft.com/office/drawing/2014/main" xmlns:p14="http://schemas.microsoft.com/office/powerpoint/2010/main" xmlns:a14="http://schemas.microsoft.com/office/drawing/2010/main" w="9525">
+                  <a:solidFill>
+                    <a:srgbClr val="000000"/>
+                  </a:solidFill>
+                  <a:round/>
+                  <a:headEnd/>
+                  <a:tailEnd/>
+                </a14:hiddenLine>
+              </a:ext>
+            </a:extLst>
+          </p:spPr>
+        </p:sp>
+        <p:sp>
+          <p:nvSpPr>
+            <p:cNvPr id="30" name="Freeform 13">
+              <a:extLst>
+                <a:ext uri="{FF2B5EF4-FFF2-40B4-BE49-F238E27FC236}">
+                  <a16:creationId xmlns:a16="http://schemas.microsoft.com/office/drawing/2014/main" id="{B8750F30-12E8-410B-8709-78F1EF3BBE78}"/>
+                </a:ext>
+                <a:ext uri="{C183D7F6-B498-43B3-948B-1728B52AA6E4}">
+                  <adec:decorative xmlns:adec="http://schemas.microsoft.com/office/drawing/2017/decorative" val="1"/>
+                </a:ext>
+              </a:extLst>
+            </p:cNvPr>
+            <p:cNvSpPr>
+              <a:spLocks noEditPoints="1"/>
+            </p:cNvSpPr>
+            <p:nvPr>
+              <p:extLst>
+                <p:ext uri="{386F3935-93C4-4BCD-93E2-E3B085C9AB24}">
+                  <p16:designElem xmlns:p16="http://schemas.microsoft.com/office/powerpoint/2015/main" val="1"/>
+                </p:ext>
+              </p:extLst>
+            </p:nvPr>
+          </p:nvSpPr>
+          <p:spPr bwMode="auto">
+            <a:xfrm>
+              <a:off x="588962" y="903288"/>
+              <a:ext cx="190500" cy="190500"/>
+            </a:xfrm>
+            <a:custGeom>
+              <a:avLst/>
+              <a:gdLst/>
+              <a:ahLst/>
+              <a:cxnLst/>
+              <a:rect l="0" t="0" r="r" b="b"/>
+              <a:pathLst>
+                <a:path w="40" h="40">
+                  <a:moveTo>
+                    <a:pt x="20" y="40"/>
+                  </a:moveTo>
+                  <a:cubicBezTo>
+                    <a:pt x="9" y="40"/>
+                    <a:pt x="0" y="31"/>
+                    <a:pt x="0" y="20"/>
+                  </a:cubicBezTo>
+                  <a:cubicBezTo>
+                    <a:pt x="0" y="9"/>
+                    <a:pt x="9" y="0"/>
+                    <a:pt x="20" y="0"/>
+                  </a:cubicBezTo>
+                  <a:cubicBezTo>
+                    <a:pt x="31" y="0"/>
+                    <a:pt x="40" y="9"/>
+                    <a:pt x="40" y="20"/>
+                  </a:cubicBezTo>
+                  <a:cubicBezTo>
+                    <a:pt x="40" y="31"/>
+                    <a:pt x="31" y="40"/>
+                    <a:pt x="20" y="40"/>
+                  </a:cubicBezTo>
+                  <a:close/>
+                  <a:moveTo>
+                    <a:pt x="20" y="4"/>
+                  </a:moveTo>
+                  <a:cubicBezTo>
+                    <a:pt x="11" y="4"/>
+                    <a:pt x="4" y="11"/>
+                    <a:pt x="4" y="20"/>
+                  </a:cubicBezTo>
+                  <a:cubicBezTo>
+                    <a:pt x="4" y="29"/>
+                    <a:pt x="11" y="36"/>
+                    <a:pt x="20" y="36"/>
+                  </a:cubicBezTo>
+                  <a:cubicBezTo>
+                    <a:pt x="29" y="36"/>
+                    <a:pt x="36" y="29"/>
+                    <a:pt x="36" y="20"/>
+                  </a:cubicBezTo>
+                  <a:cubicBezTo>
+                    <a:pt x="36" y="11"/>
+                    <a:pt x="29" y="4"/>
+                    <a:pt x="20" y="4"/>
+                  </a:cubicBezTo>
+                  <a:close/>
+                </a:path>
+              </a:pathLst>
+            </a:custGeom>
+            <a:grpFill/>
+            <a:ln>
+              <a:noFill/>
+            </a:ln>
+            <a:extLst>
+              <a:ext uri="{91240B29-F687-4f45-9708-019B960494DF}">
+                <a14:hiddenLine xmlns="" xmlns:a16="http://schemas.microsoft.com/office/drawing/2014/main" xmlns:p14="http://schemas.microsoft.com/office/powerpoint/2010/main" xmlns:a14="http://schemas.microsoft.com/office/drawing/2010/main" w="9525">
+                  <a:solidFill>
+                    <a:srgbClr val="000000"/>
+                  </a:solidFill>
+                  <a:round/>
+                  <a:headEnd/>
+                  <a:tailEnd/>
+                </a14:hiddenLine>
+              </a:ext>
+            </a:extLst>
+          </p:spPr>
+        </p:sp>
+        <p:sp>
+          <p:nvSpPr>
+            <p:cNvPr id="31" name="Freeform 14">
+              <a:extLst>
+                <a:ext uri="{FF2B5EF4-FFF2-40B4-BE49-F238E27FC236}">
+                  <a16:creationId xmlns:a16="http://schemas.microsoft.com/office/drawing/2014/main" id="{DB2D030A-4700-4CC4-A971-F119F8372C0A}"/>
+                </a:ext>
+                <a:ext uri="{C183D7F6-B498-43B3-948B-1728B52AA6E4}">
+                  <adec:decorative xmlns:adec="http://schemas.microsoft.com/office/drawing/2017/decorative" val="1"/>
+                </a:ext>
+              </a:extLst>
+            </p:cNvPr>
+            <p:cNvSpPr/>
+            <p:nvPr>
+              <p:extLst>
+                <p:ext uri="{386F3935-93C4-4BCD-93E2-E3B085C9AB24}">
+                  <p16:designElem xmlns:p16="http://schemas.microsoft.com/office/powerpoint/2015/main" val="1"/>
+                </p:ext>
+              </p:extLst>
+            </p:nvPr>
+          </p:nvSpPr>
+          <p:spPr bwMode="auto">
+            <a:xfrm>
+              <a:off x="641350" y="0"/>
+              <a:ext cx="422275" cy="527050"/>
+            </a:xfrm>
+            <a:custGeom>
+              <a:avLst/>
+              <a:gdLst/>
+              <a:ahLst/>
+              <a:cxnLst/>
+              <a:rect l="0" t="0" r="r" b="b"/>
+              <a:pathLst>
+                <a:path w="266" h="332">
+                  <a:moveTo>
+                    <a:pt x="257" y="332"/>
+                  </a:moveTo>
+                  <a:lnTo>
+                    <a:pt x="48" y="123"/>
+                  </a:lnTo>
+                  <a:lnTo>
+                    <a:pt x="0" y="6"/>
+                  </a:lnTo>
+                  <a:lnTo>
+                    <a:pt x="15" y="0"/>
+                  </a:lnTo>
+                  <a:lnTo>
+                    <a:pt x="63" y="114"/>
+                  </a:lnTo>
+                  <a:lnTo>
+                    <a:pt x="266" y="320"/>
+                  </a:lnTo>
+                  <a:lnTo>
+                    <a:pt x="257" y="332"/>
+                  </a:lnTo>
+                  <a:close/>
+                </a:path>
+              </a:pathLst>
+            </a:custGeom>
+            <a:grpFill/>
+            <a:ln>
+              <a:noFill/>
+            </a:ln>
+            <a:extLst>
+              <a:ext uri="{91240B29-F687-4f45-9708-019B960494DF}">
+                <a14:hiddenLine xmlns="" xmlns:a16="http://schemas.microsoft.com/office/drawing/2014/main" xmlns:p14="http://schemas.microsoft.com/office/powerpoint/2010/main" xmlns:a14="http://schemas.microsoft.com/office/drawing/2010/main" w="9525">
+                  <a:solidFill>
+                    <a:srgbClr val="000000"/>
+                  </a:solidFill>
+                  <a:round/>
+                  <a:headEnd/>
+                  <a:tailEnd/>
+                </a14:hiddenLine>
+              </a:ext>
+            </a:extLst>
+          </p:spPr>
+        </p:sp>
+        <p:sp>
+          <p:nvSpPr>
+            <p:cNvPr id="32" name="Freeform 15">
+              <a:extLst>
+                <a:ext uri="{FF2B5EF4-FFF2-40B4-BE49-F238E27FC236}">
+                  <a16:creationId xmlns:a16="http://schemas.microsoft.com/office/drawing/2014/main" id="{B4E516DB-F66E-4E88-8CAA-67153F56189D}"/>
+                </a:ext>
+                <a:ext uri="{C183D7F6-B498-43B3-948B-1728B52AA6E4}">
+                  <adec:decorative xmlns:adec="http://schemas.microsoft.com/office/drawing/2017/decorative" val="1"/>
+                </a:ext>
+              </a:extLst>
+            </p:cNvPr>
+            <p:cNvSpPr>
+              <a:spLocks noEditPoints="1"/>
+            </p:cNvSpPr>
+            <p:nvPr>
+              <p:extLst>
+                <p:ext uri="{386F3935-93C4-4BCD-93E2-E3B085C9AB24}">
+                  <p16:designElem xmlns:p16="http://schemas.microsoft.com/office/powerpoint/2015/main" val="1"/>
+                </p:ext>
+              </p:extLst>
+            </p:nvPr>
+          </p:nvSpPr>
+          <p:spPr bwMode="auto">
+            <a:xfrm>
+              <a:off x="1020762" y="488950"/>
+              <a:ext cx="161925" cy="147638"/>
+            </a:xfrm>
+            <a:custGeom>
+              <a:avLst/>
+              <a:gdLst/>
+              <a:ahLst/>
+              <a:cxnLst/>
+              <a:rect l="0" t="0" r="r" b="b"/>
+              <a:pathLst>
+                <a:path w="34" h="31">
+                  <a:moveTo>
+                    <a:pt x="17" y="31"/>
+                  </a:moveTo>
+                  <a:cubicBezTo>
+                    <a:pt x="13" y="31"/>
+                    <a:pt x="9" y="30"/>
+                    <a:pt x="6" y="27"/>
+                  </a:cubicBezTo>
+                  <a:cubicBezTo>
+                    <a:pt x="0" y="20"/>
+                    <a:pt x="0" y="10"/>
+                    <a:pt x="6" y="4"/>
+                  </a:cubicBezTo>
+                  <a:cubicBezTo>
+                    <a:pt x="9" y="1"/>
+                    <a:pt x="13" y="0"/>
+                    <a:pt x="17" y="0"/>
+                  </a:cubicBezTo>
+                  <a:cubicBezTo>
+                    <a:pt x="21" y="0"/>
+                    <a:pt x="25" y="1"/>
+                    <a:pt x="28" y="4"/>
+                  </a:cubicBezTo>
+                  <a:cubicBezTo>
+                    <a:pt x="34" y="10"/>
+                    <a:pt x="34" y="20"/>
+                    <a:pt x="28" y="27"/>
+                  </a:cubicBezTo>
+                  <a:cubicBezTo>
+                    <a:pt x="25" y="30"/>
+                    <a:pt x="21" y="31"/>
+                    <a:pt x="17" y="31"/>
+                  </a:cubicBezTo>
+                  <a:close/>
+                  <a:moveTo>
+                    <a:pt x="17" y="4"/>
+                  </a:moveTo>
+                  <a:cubicBezTo>
+                    <a:pt x="14" y="4"/>
+                    <a:pt x="11" y="5"/>
+                    <a:pt x="9" y="7"/>
+                  </a:cubicBezTo>
+                  <a:cubicBezTo>
+                    <a:pt x="4" y="12"/>
+                    <a:pt x="4" y="19"/>
+                    <a:pt x="9" y="24"/>
+                  </a:cubicBezTo>
+                  <a:cubicBezTo>
+                    <a:pt x="11" y="26"/>
+                    <a:pt x="14" y="27"/>
+                    <a:pt x="17" y="27"/>
+                  </a:cubicBezTo>
+                  <a:cubicBezTo>
+                    <a:pt x="20" y="27"/>
+                    <a:pt x="23" y="26"/>
+                    <a:pt x="25" y="24"/>
+                  </a:cubicBezTo>
+                  <a:cubicBezTo>
+                    <a:pt x="30" y="19"/>
+                    <a:pt x="30" y="12"/>
+                    <a:pt x="25" y="7"/>
+                  </a:cubicBezTo>
+                  <a:cubicBezTo>
+                    <a:pt x="23" y="5"/>
+                    <a:pt x="20" y="4"/>
+                    <a:pt x="17" y="4"/>
+                  </a:cubicBezTo>
+                  <a:close/>
+                </a:path>
+              </a:pathLst>
+            </a:custGeom>
+            <a:grpFill/>
+            <a:ln>
+              <a:noFill/>
+            </a:ln>
+            <a:extLst>
+              <a:ext uri="{91240B29-F687-4f45-9708-019B960494DF}">
+                <a14:hiddenLine xmlns="" xmlns:a16="http://schemas.microsoft.com/office/drawing/2014/main" xmlns:p14="http://schemas.microsoft.com/office/powerpoint/2010/main" xmlns:a14="http://schemas.microsoft.com/office/drawing/2010/main" w="9525">
+                  <a:solidFill>
+                    <a:srgbClr val="000000"/>
+                  </a:solidFill>
+                  <a:round/>
+                  <a:headEnd/>
+                  <a:tailEnd/>
+                </a14:hiddenLine>
+              </a:ext>
+            </a:extLst>
+          </p:spPr>
+        </p:sp>
+        <p:sp>
+          <p:nvSpPr>
+            <p:cNvPr id="33" name="Line 16">
+              <a:extLst>
+                <a:ext uri="{FF2B5EF4-FFF2-40B4-BE49-F238E27FC236}">
+                  <a16:creationId xmlns:a16="http://schemas.microsoft.com/office/drawing/2014/main" id="{DF749FDD-DD56-4DC9-A379-77E1106981DC}"/>
+                </a:ext>
+                <a:ext uri="{C183D7F6-B498-43B3-948B-1728B52AA6E4}">
+                  <adec:decorative xmlns:adec="http://schemas.microsoft.com/office/drawing/2017/decorative" val="1"/>
+                </a:ext>
+              </a:extLst>
+            </p:cNvPr>
+            <p:cNvSpPr>
+              <a:spLocks noChangeShapeType="1"/>
+            </p:cNvSpPr>
+            <p:nvPr>
+              <p:extLst>
+                <p:ext uri="{386F3935-93C4-4BCD-93E2-E3B085C9AB24}">
+                  <p16:designElem xmlns:p16="http://schemas.microsoft.com/office/powerpoint/2015/main" val="1"/>
+                </p:ext>
+              </p:extLst>
+            </p:nvPr>
+          </p:nvSpPr>
+          <p:spPr bwMode="auto">
+            <a:xfrm>
+              <a:off x="-4763" y="9525"/>
+              <a:ext cx="0" cy="0"/>
+            </a:xfrm>
+            <a:prstGeom prst="line">
+              <a:avLst/>
+            </a:prstGeom>
+            <a:grpFill/>
+            <a:ln w="15" cap="flat">
+              <a:solidFill>
+                <a:srgbClr val="FFFFFF"/>
+              </a:solidFill>
+              <a:prstDash val="solid"/>
+              <a:miter lim="800000"/>
+              <a:headEnd/>
+              <a:tailEnd/>
+            </a:ln>
+          </p:spPr>
+        </p:sp>
+        <p:sp>
+          <p:nvSpPr>
+            <p:cNvPr id="34" name="Freeform 17">
+              <a:extLst>
+                <a:ext uri="{FF2B5EF4-FFF2-40B4-BE49-F238E27FC236}">
+                  <a16:creationId xmlns:a16="http://schemas.microsoft.com/office/drawing/2014/main" id="{6AD95087-E0AF-45D3-B824-EFFCBBECDEB1}"/>
+                </a:ext>
+                <a:ext uri="{C183D7F6-B498-43B3-948B-1728B52AA6E4}">
+                  <adec:decorative xmlns:adec="http://schemas.microsoft.com/office/drawing/2017/decorative" val="1"/>
+                </a:ext>
+              </a:extLst>
+            </p:cNvPr>
+            <p:cNvSpPr/>
+            <p:nvPr>
+              <p:extLst>
+                <p:ext uri="{386F3935-93C4-4BCD-93E2-E3B085C9AB24}">
+                  <p16:designElem xmlns:p16="http://schemas.microsoft.com/office/powerpoint/2015/main" val="1"/>
+                </p:ext>
+              </p:extLst>
+            </p:nvPr>
+          </p:nvSpPr>
+          <p:spPr bwMode="auto">
+            <a:xfrm>
+              <a:off x="9525" y="1801813"/>
+              <a:ext cx="123825" cy="127000"/>
+            </a:xfrm>
+            <a:custGeom>
+              <a:avLst/>
+              <a:gdLst/>
+              <a:ahLst/>
+              <a:cxnLst/>
+              <a:rect l="0" t="0" r="r" b="b"/>
+              <a:pathLst>
+                <a:path w="78" h="80">
+                  <a:moveTo>
+                    <a:pt x="6" y="80"/>
+                  </a:moveTo>
+                  <a:lnTo>
+                    <a:pt x="0" y="71"/>
+                  </a:lnTo>
+                  <a:lnTo>
+                    <a:pt x="69" y="0"/>
+                  </a:lnTo>
+                  <a:lnTo>
+                    <a:pt x="78" y="9"/>
+                  </a:lnTo>
+                  <a:lnTo>
+                    <a:pt x="6" y="80"/>
+                  </a:lnTo>
+                  <a:close/>
+                </a:path>
+              </a:pathLst>
+            </a:custGeom>
+            <a:grpFill/>
+            <a:ln>
+              <a:noFill/>
+            </a:ln>
+            <a:extLst>
+              <a:ext uri="{91240B29-F687-4f45-9708-019B960494DF}">
+                <a14:hiddenLine xmlns="" xmlns:a16="http://schemas.microsoft.com/office/drawing/2014/main" xmlns:p14="http://schemas.microsoft.com/office/powerpoint/2010/main" xmlns:a14="http://schemas.microsoft.com/office/drawing/2010/main" w="9525">
+                  <a:solidFill>
+                    <a:srgbClr val="000000"/>
+                  </a:solidFill>
+                  <a:round/>
+                  <a:headEnd/>
+                  <a:tailEnd/>
+                </a14:hiddenLine>
+              </a:ext>
+            </a:extLst>
+          </p:spPr>
+        </p:sp>
+        <p:sp>
+          <p:nvSpPr>
+            <p:cNvPr id="35" name="Freeform 18">
+              <a:extLst>
+                <a:ext uri="{FF2B5EF4-FFF2-40B4-BE49-F238E27FC236}">
+                  <a16:creationId xmlns:a16="http://schemas.microsoft.com/office/drawing/2014/main" id="{2D21010F-3DE2-4881-B9D5-3415C4E05DAC}"/>
+                </a:ext>
+                <a:ext uri="{C183D7F6-B498-43B3-948B-1728B52AA6E4}">
+                  <adec:decorative xmlns:adec="http://schemas.microsoft.com/office/drawing/2017/decorative" val="1"/>
+                </a:ext>
+              </a:extLst>
+            </p:cNvPr>
+            <p:cNvSpPr/>
+            <p:nvPr>
+              <p:extLst>
+                <p:ext uri="{386F3935-93C4-4BCD-93E2-E3B085C9AB24}">
+                  <p16:designElem xmlns:p16="http://schemas.microsoft.com/office/powerpoint/2015/main" val="1"/>
+                </p:ext>
+              </p:extLst>
+            </p:nvPr>
+          </p:nvSpPr>
+          <p:spPr bwMode="auto">
+            <a:xfrm>
+              <a:off x="-9525" y="3549650"/>
+              <a:ext cx="147638" cy="481013"/>
+            </a:xfrm>
+            <a:custGeom>
+              <a:avLst/>
+              <a:gdLst/>
+              <a:ahLst/>
+              <a:cxnLst/>
+              <a:rect l="0" t="0" r="r" b="b"/>
+              <a:pathLst>
+                <a:path w="93" h="303">
+                  <a:moveTo>
+                    <a:pt x="93" y="303"/>
+                  </a:moveTo>
+                  <a:lnTo>
+                    <a:pt x="78" y="303"/>
+                  </a:lnTo>
+                  <a:lnTo>
+                    <a:pt x="78" y="78"/>
+                  </a:lnTo>
+                  <a:lnTo>
+                    <a:pt x="0" y="12"/>
+                  </a:lnTo>
+                  <a:lnTo>
+                    <a:pt x="12" y="0"/>
+                  </a:lnTo>
+                  <a:lnTo>
+                    <a:pt x="93" y="69"/>
+                  </a:lnTo>
+                  <a:lnTo>
+                    <a:pt x="93" y="303"/>
+                  </a:lnTo>
+                  <a:close/>
+                </a:path>
+              </a:pathLst>
+            </a:custGeom>
+            <a:grpFill/>
+            <a:ln>
+              <a:noFill/>
+            </a:ln>
+            <a:extLst>
+              <a:ext uri="{91240B29-F687-4f45-9708-019B960494DF}">
+                <a14:hiddenLine xmlns="" xmlns:a16="http://schemas.microsoft.com/office/drawing/2014/main" xmlns:p14="http://schemas.microsoft.com/office/powerpoint/2010/main" xmlns:a14="http://schemas.microsoft.com/office/drawing/2010/main" w="9525">
+                  <a:solidFill>
+                    <a:srgbClr val="000000"/>
+                  </a:solidFill>
+                  <a:round/>
+                  <a:headEnd/>
+                  <a:tailEnd/>
+                </a14:hiddenLine>
+              </a:ext>
+            </a:extLst>
+          </p:spPr>
+        </p:sp>
+        <p:sp>
+          <p:nvSpPr>
+            <p:cNvPr id="36" name="Freeform 19">
+              <a:extLst>
+                <a:ext uri="{FF2B5EF4-FFF2-40B4-BE49-F238E27FC236}">
+                  <a16:creationId xmlns:a16="http://schemas.microsoft.com/office/drawing/2014/main" id="{2AFDF4BC-8E99-4A2C-9EF2-4B98A05C2E3B}"/>
+                </a:ext>
+                <a:ext uri="{C183D7F6-B498-43B3-948B-1728B52AA6E4}">
+                  <adec:decorative xmlns:adec="http://schemas.microsoft.com/office/drawing/2017/decorative" val="1"/>
+                </a:ext>
+              </a:extLst>
+            </p:cNvPr>
+            <p:cNvSpPr/>
+            <p:nvPr>
+              <p:extLst>
+                <p:ext uri="{386F3935-93C4-4BCD-93E2-E3B085C9AB24}">
+                  <p16:designElem xmlns:p16="http://schemas.microsoft.com/office/powerpoint/2015/main" val="1"/>
+                </p:ext>
+              </p:extLst>
+            </p:nvPr>
+          </p:nvSpPr>
+          <p:spPr bwMode="auto">
+            <a:xfrm>
+              <a:off x="128587" y="1382713"/>
+              <a:ext cx="142875" cy="476250"/>
+            </a:xfrm>
+            <a:custGeom>
+              <a:avLst/>
+              <a:gdLst/>
+              <a:ahLst/>
+              <a:cxnLst/>
+              <a:rect l="0" t="0" r="r" b="b"/>
+              <a:pathLst>
+                <a:path w="90" h="300">
+                  <a:moveTo>
+                    <a:pt x="90" y="300"/>
+                  </a:moveTo>
+                  <a:lnTo>
+                    <a:pt x="78" y="300"/>
+                  </a:lnTo>
+                  <a:lnTo>
+                    <a:pt x="78" y="84"/>
+                  </a:lnTo>
+                  <a:lnTo>
+                    <a:pt x="0" y="9"/>
+                  </a:lnTo>
+                  <a:lnTo>
+                    <a:pt x="9" y="0"/>
+                  </a:lnTo>
+                  <a:lnTo>
+                    <a:pt x="90" y="81"/>
+                  </a:lnTo>
+                  <a:lnTo>
+                    <a:pt x="90" y="300"/>
+                  </a:lnTo>
+                  <a:close/>
+                </a:path>
+              </a:pathLst>
+            </a:custGeom>
+            <a:grpFill/>
+            <a:ln>
+              <a:noFill/>
+            </a:ln>
+            <a:extLst>
+              <a:ext uri="{91240B29-F687-4f45-9708-019B960494DF}">
+                <a14:hiddenLine xmlns="" xmlns:a16="http://schemas.microsoft.com/office/drawing/2014/main" xmlns:p14="http://schemas.microsoft.com/office/powerpoint/2010/main" xmlns:a14="http://schemas.microsoft.com/office/drawing/2010/main" w="9525">
+                  <a:solidFill>
+                    <a:srgbClr val="000000"/>
+                  </a:solidFill>
+                  <a:round/>
+                  <a:headEnd/>
+                  <a:tailEnd/>
+                </a14:hiddenLine>
+              </a:ext>
+            </a:extLst>
+          </p:spPr>
+        </p:sp>
+        <p:sp>
+          <p:nvSpPr>
+            <p:cNvPr id="37" name="Freeform 20">
+              <a:extLst>
+                <a:ext uri="{FF2B5EF4-FFF2-40B4-BE49-F238E27FC236}">
+                  <a16:creationId xmlns:a16="http://schemas.microsoft.com/office/drawing/2014/main" id="{BB8EAEE8-22EA-4103-A02E-5043474C4BE1}"/>
+                </a:ext>
+                <a:ext uri="{C183D7F6-B498-43B3-948B-1728B52AA6E4}">
+                  <adec:decorative xmlns:adec="http://schemas.microsoft.com/office/drawing/2017/decorative" val="1"/>
+                </a:ext>
+              </a:extLst>
+            </p:cNvPr>
+            <p:cNvSpPr>
+              <a:spLocks noEditPoints="1"/>
+            </p:cNvSpPr>
+            <p:nvPr>
+              <p:extLst>
+                <p:ext uri="{386F3935-93C4-4BCD-93E2-E3B085C9AB24}">
+                  <p16:designElem xmlns:p16="http://schemas.microsoft.com/office/powerpoint/2015/main" val="1"/>
+                </p:ext>
+              </p:extLst>
+            </p:nvPr>
+          </p:nvSpPr>
+          <p:spPr bwMode="auto">
+            <a:xfrm>
+              <a:off x="204787" y="1849438"/>
+              <a:ext cx="114300" cy="107950"/>
+            </a:xfrm>
+            <a:custGeom>
+              <a:avLst/>
+              <a:gdLst/>
+              <a:ahLst/>
+              <a:cxnLst/>
+              <a:rect l="0" t="0" r="r" b="b"/>
+              <a:pathLst>
+                <a:path w="24" h="23">
+                  <a:moveTo>
+                    <a:pt x="12" y="23"/>
+                  </a:moveTo>
+                  <a:cubicBezTo>
+                    <a:pt x="6" y="23"/>
+                    <a:pt x="0" y="18"/>
+                    <a:pt x="0" y="12"/>
+                  </a:cubicBezTo>
+                  <a:cubicBezTo>
+                    <a:pt x="0" y="5"/>
+                    <a:pt x="6" y="0"/>
+                    <a:pt x="12" y="0"/>
+                  </a:cubicBezTo>
+                  <a:cubicBezTo>
+                    <a:pt x="18" y="0"/>
+                    <a:pt x="24" y="5"/>
+                    <a:pt x="24" y="12"/>
+                  </a:cubicBezTo>
+                  <a:cubicBezTo>
+                    <a:pt x="24" y="18"/>
+                    <a:pt x="18" y="23"/>
+                    <a:pt x="12" y="23"/>
+                  </a:cubicBezTo>
+                  <a:close/>
+                  <a:moveTo>
+                    <a:pt x="12" y="4"/>
+                  </a:moveTo>
+                  <a:cubicBezTo>
+                    <a:pt x="8" y="4"/>
+                    <a:pt x="4" y="8"/>
+                    <a:pt x="4" y="12"/>
+                  </a:cubicBezTo>
+                  <a:cubicBezTo>
+                    <a:pt x="4" y="16"/>
+                    <a:pt x="8" y="19"/>
+                    <a:pt x="12" y="19"/>
+                  </a:cubicBezTo>
+                  <a:cubicBezTo>
+                    <a:pt x="16" y="19"/>
+                    <a:pt x="20" y="16"/>
+                    <a:pt x="20" y="12"/>
+                  </a:cubicBezTo>
+                  <a:cubicBezTo>
+                    <a:pt x="20" y="8"/>
+                    <a:pt x="16" y="4"/>
+                    <a:pt x="12" y="4"/>
+                  </a:cubicBezTo>
+                  <a:close/>
+                </a:path>
+              </a:pathLst>
+            </a:custGeom>
+            <a:grpFill/>
+            <a:ln>
+              <a:noFill/>
+            </a:ln>
+            <a:extLst>
+              <a:ext uri="{91240B29-F687-4f45-9708-019B960494DF}">
+                <a14:hiddenLine xmlns="" xmlns:a16="http://schemas.microsoft.com/office/drawing/2014/main" xmlns:p14="http://schemas.microsoft.com/office/powerpoint/2010/main" xmlns:a14="http://schemas.microsoft.com/office/drawing/2010/main" w="9525">
+                  <a:solidFill>
+                    <a:srgbClr val="000000"/>
+                  </a:solidFill>
+                  <a:round/>
+                  <a:headEnd/>
+                  <a:tailEnd/>
+                </a14:hiddenLine>
+              </a:ext>
+            </a:extLst>
+          </p:spPr>
+        </p:sp>
+        <p:sp>
+          <p:nvSpPr>
+            <p:cNvPr id="38" name="Rectangle 21">
+              <a:extLst>
+                <a:ext uri="{FF2B5EF4-FFF2-40B4-BE49-F238E27FC236}">
+                  <a16:creationId xmlns:a16="http://schemas.microsoft.com/office/drawing/2014/main" id="{7148ABD2-E447-429F-B97E-86494051C101}"/>
+                </a:ext>
+                <a:ext uri="{C183D7F6-B498-43B3-948B-1728B52AA6E4}">
+                  <adec:decorative xmlns:adec="http://schemas.microsoft.com/office/drawing/2017/decorative" val="1"/>
+                </a:ext>
+              </a:extLst>
+            </p:cNvPr>
+            <p:cNvSpPr>
+              <a:spLocks noChangeArrowheads="1"/>
+            </p:cNvSpPr>
+            <p:nvPr>
+              <p:extLst>
+                <p:ext uri="{386F3935-93C4-4BCD-93E2-E3B085C9AB24}">
+                  <p16:designElem xmlns:p16="http://schemas.microsoft.com/office/powerpoint/2015/main" val="1"/>
+                </p:ext>
+              </p:extLst>
+            </p:nvPr>
+          </p:nvSpPr>
+          <p:spPr bwMode="auto">
+            <a:xfrm>
+              <a:off x="133350" y="4662488"/>
+              <a:ext cx="23813" cy="2181225"/>
+            </a:xfrm>
+            <a:prstGeom prst="rect">
+              <a:avLst/>
+            </a:prstGeom>
+            <a:grpFill/>
+            <a:ln>
+              <a:noFill/>
+            </a:ln>
+            <a:extLst>
+              <a:ext uri="{91240B29-F687-4f45-9708-019B960494DF}">
+                <a14:hiddenLine xmlns="" xmlns:a16="http://schemas.microsoft.com/office/drawing/2014/main" xmlns:p14="http://schemas.microsoft.com/office/powerpoint/2010/main" xmlns:a14="http://schemas.microsoft.com/office/drawing/2010/main" w="9525">
+                  <a:solidFill>
+                    <a:srgbClr val="000000"/>
+                  </a:solidFill>
+                  <a:miter lim="800000"/>
+                  <a:headEnd/>
+                  <a:tailEnd/>
+                </a14:hiddenLine>
+              </a:ext>
+            </a:extLst>
+          </p:spPr>
+        </p:sp>
+        <p:sp>
+          <p:nvSpPr>
+            <p:cNvPr id="39" name="Freeform 22">
+              <a:extLst>
+                <a:ext uri="{FF2B5EF4-FFF2-40B4-BE49-F238E27FC236}">
+                  <a16:creationId xmlns:a16="http://schemas.microsoft.com/office/drawing/2014/main" id="{99900F4A-F8CA-456E-9FA0-34572621C09B}"/>
+                </a:ext>
+                <a:ext uri="{C183D7F6-B498-43B3-948B-1728B52AA6E4}">
+                  <adec:decorative xmlns:adec="http://schemas.microsoft.com/office/drawing/2017/decorative" val="1"/>
+                </a:ext>
+              </a:extLst>
+            </p:cNvPr>
+            <p:cNvSpPr/>
+            <p:nvPr>
+              <p:extLst>
+                <p:ext uri="{386F3935-93C4-4BCD-93E2-E3B085C9AB24}">
+                  <p16:designElem xmlns:p16="http://schemas.microsoft.com/office/powerpoint/2015/main" val="1"/>
+                </p:ext>
+              </p:extLst>
+            </p:nvPr>
+          </p:nvSpPr>
+          <p:spPr bwMode="auto">
+            <a:xfrm>
+              <a:off x="223837" y="5041900"/>
+              <a:ext cx="369888" cy="1801813"/>
+            </a:xfrm>
+            <a:custGeom>
+              <a:avLst/>
+              <a:gdLst/>
+              <a:ahLst/>
+              <a:cxnLst/>
+              <a:rect l="0" t="0" r="r" b="b"/>
+              <a:pathLst>
+                <a:path w="233" h="1135">
+                  <a:moveTo>
+                    <a:pt x="15" y="1135"/>
+                  </a:moveTo>
+                  <a:lnTo>
+                    <a:pt x="0" y="1135"/>
+                  </a:lnTo>
+                  <a:lnTo>
+                    <a:pt x="0" y="515"/>
+                  </a:lnTo>
+                  <a:lnTo>
+                    <a:pt x="0" y="512"/>
+                  </a:lnTo>
+                  <a:lnTo>
+                    <a:pt x="218" y="0"/>
+                  </a:lnTo>
+                  <a:lnTo>
+                    <a:pt x="233" y="6"/>
+                  </a:lnTo>
+                  <a:lnTo>
+                    <a:pt x="15" y="518"/>
+                  </a:lnTo>
+                  <a:lnTo>
+                    <a:pt x="15" y="1135"/>
+                  </a:lnTo>
+                  <a:close/>
+                </a:path>
+              </a:pathLst>
+            </a:custGeom>
+            <a:grpFill/>
+            <a:ln>
+              <a:noFill/>
+            </a:ln>
+            <a:extLst>
+              <a:ext uri="{91240B29-F687-4f45-9708-019B960494DF}">
+                <a14:hiddenLine xmlns="" xmlns:a16="http://schemas.microsoft.com/office/drawing/2014/main" xmlns:p14="http://schemas.microsoft.com/office/powerpoint/2010/main" xmlns:a14="http://schemas.microsoft.com/office/drawing/2010/main" w="9525">
+                  <a:solidFill>
+                    <a:srgbClr val="000000"/>
+                  </a:solidFill>
+                  <a:round/>
+                  <a:headEnd/>
+                  <a:tailEnd/>
+                </a14:hiddenLine>
+              </a:ext>
+            </a:extLst>
+          </p:spPr>
+        </p:sp>
+        <p:sp>
+          <p:nvSpPr>
+            <p:cNvPr id="40" name="Freeform 23">
+              <a:extLst>
+                <a:ext uri="{FF2B5EF4-FFF2-40B4-BE49-F238E27FC236}">
+                  <a16:creationId xmlns:a16="http://schemas.microsoft.com/office/drawing/2014/main" id="{DF5CD0A9-E49B-4968-886B-41C1A66D2329}"/>
+                </a:ext>
+                <a:ext uri="{C183D7F6-B498-43B3-948B-1728B52AA6E4}">
+                  <adec:decorative xmlns:adec="http://schemas.microsoft.com/office/drawing/2017/decorative" val="1"/>
+                </a:ext>
+              </a:extLst>
+            </p:cNvPr>
+            <p:cNvSpPr>
+              <a:spLocks noEditPoints="1"/>
+            </p:cNvSpPr>
+            <p:nvPr>
+              <p:extLst>
+                <p:ext uri="{386F3935-93C4-4BCD-93E2-E3B085C9AB24}">
+                  <p16:designElem xmlns:p16="http://schemas.microsoft.com/office/powerpoint/2015/main" val="1"/>
+                </p:ext>
+              </p:extLst>
+            </p:nvPr>
+          </p:nvSpPr>
+          <p:spPr bwMode="auto">
+            <a:xfrm>
+              <a:off x="52387" y="4481513"/>
+              <a:ext cx="190500" cy="190500"/>
+            </a:xfrm>
+            <a:custGeom>
+              <a:avLst/>
+              <a:gdLst/>
+              <a:ahLst/>
+              <a:cxnLst/>
+              <a:rect l="0" t="0" r="r" b="b"/>
+              <a:pathLst>
+                <a:path w="40" h="40">
+                  <a:moveTo>
+                    <a:pt x="20" y="40"/>
+                  </a:moveTo>
+                  <a:cubicBezTo>
+                    <a:pt x="9" y="40"/>
+                    <a:pt x="0" y="31"/>
+                    <a:pt x="0" y="20"/>
+                  </a:cubicBezTo>
+                  <a:cubicBezTo>
+                    <a:pt x="0" y="9"/>
+                    <a:pt x="9" y="0"/>
+                    <a:pt x="20" y="0"/>
+                  </a:cubicBezTo>
+                  <a:cubicBezTo>
+                    <a:pt x="31" y="0"/>
+                    <a:pt x="40" y="9"/>
+                    <a:pt x="40" y="20"/>
+                  </a:cubicBezTo>
+                  <a:cubicBezTo>
+                    <a:pt x="40" y="31"/>
+                    <a:pt x="31" y="40"/>
+                    <a:pt x="20" y="40"/>
+                  </a:cubicBezTo>
+                  <a:close/>
+                  <a:moveTo>
+                    <a:pt x="20" y="4"/>
+                  </a:moveTo>
+                  <a:cubicBezTo>
+                    <a:pt x="11" y="4"/>
+                    <a:pt x="4" y="11"/>
+                    <a:pt x="4" y="20"/>
+                  </a:cubicBezTo>
+                  <a:cubicBezTo>
+                    <a:pt x="4" y="29"/>
+                    <a:pt x="11" y="36"/>
+                    <a:pt x="20" y="36"/>
+                  </a:cubicBezTo>
+                  <a:cubicBezTo>
+                    <a:pt x="28" y="36"/>
+                    <a:pt x="36" y="29"/>
+                    <a:pt x="36" y="20"/>
+                  </a:cubicBezTo>
+                  <a:cubicBezTo>
+                    <a:pt x="36" y="11"/>
+                    <a:pt x="28" y="4"/>
+                    <a:pt x="20" y="4"/>
+                  </a:cubicBezTo>
+                  <a:close/>
+                </a:path>
+              </a:pathLst>
+            </a:custGeom>
+            <a:grpFill/>
+            <a:ln>
+              <a:noFill/>
+            </a:ln>
+            <a:extLst>
+              <a:ext uri="{91240B29-F687-4f45-9708-019B960494DF}">
+                <a14:hiddenLine xmlns="" xmlns:a16="http://schemas.microsoft.com/office/drawing/2014/main" xmlns:p14="http://schemas.microsoft.com/office/powerpoint/2010/main" xmlns:a14="http://schemas.microsoft.com/office/drawing/2010/main" w="9525">
+                  <a:solidFill>
+                    <a:srgbClr val="000000"/>
+                  </a:solidFill>
+                  <a:round/>
+                  <a:headEnd/>
+                  <a:tailEnd/>
+                </a14:hiddenLine>
+              </a:ext>
+            </a:extLst>
+          </p:spPr>
+        </p:sp>
+        <p:sp>
+          <p:nvSpPr>
+            <p:cNvPr id="41" name="Freeform 24">
+              <a:extLst>
+                <a:ext uri="{FF2B5EF4-FFF2-40B4-BE49-F238E27FC236}">
+                  <a16:creationId xmlns:a16="http://schemas.microsoft.com/office/drawing/2014/main" id="{7E462582-7383-4272-A323-85C9D137C47C}"/>
+                </a:ext>
+                <a:ext uri="{C183D7F6-B498-43B3-948B-1728B52AA6E4}">
+                  <adec:decorative xmlns:adec="http://schemas.microsoft.com/office/drawing/2017/decorative" val="1"/>
+                </a:ext>
+              </a:extLst>
+            </p:cNvPr>
+            <p:cNvSpPr/>
+            <p:nvPr>
+              <p:extLst>
+                <p:ext uri="{386F3935-93C4-4BCD-93E2-E3B085C9AB24}">
+                  <p16:designElem xmlns:p16="http://schemas.microsoft.com/office/powerpoint/2015/main" val="1"/>
+                </p:ext>
+              </p:extLst>
+            </p:nvPr>
+          </p:nvSpPr>
+          <p:spPr bwMode="auto">
+            <a:xfrm>
+              <a:off x="-14288" y="5627688"/>
+              <a:ext cx="85725" cy="1216025"/>
+            </a:xfrm>
+            <a:custGeom>
+              <a:avLst/>
+              <a:gdLst/>
+              <a:ahLst/>
+              <a:cxnLst/>
+              <a:rect l="0" t="0" r="r" b="b"/>
+              <a:pathLst>
+                <a:path w="54" h="766">
+                  <a:moveTo>
+                    <a:pt x="54" y="766"/>
+                  </a:moveTo>
+                  <a:lnTo>
+                    <a:pt x="36" y="766"/>
+                  </a:lnTo>
+                  <a:lnTo>
+                    <a:pt x="36" y="149"/>
+                  </a:lnTo>
+                  <a:lnTo>
+                    <a:pt x="0" y="3"/>
+                  </a:lnTo>
+                  <a:lnTo>
+                    <a:pt x="18" y="0"/>
+                  </a:lnTo>
+                  <a:lnTo>
+                    <a:pt x="54" y="146"/>
+                  </a:lnTo>
+                  <a:lnTo>
+                    <a:pt x="54" y="766"/>
+                  </a:lnTo>
+                  <a:close/>
+                </a:path>
+              </a:pathLst>
+            </a:custGeom>
+            <a:grpFill/>
+            <a:ln>
+              <a:noFill/>
+            </a:ln>
+            <a:extLst>
+              <a:ext uri="{91240B29-F687-4f45-9708-019B960494DF}">
+                <a14:hiddenLine xmlns="" xmlns:a16="http://schemas.microsoft.com/office/drawing/2014/main" xmlns:p14="http://schemas.microsoft.com/office/powerpoint/2010/main" xmlns:a14="http://schemas.microsoft.com/office/drawing/2010/main" w="9525">
+                  <a:solidFill>
+                    <a:srgbClr val="000000"/>
+                  </a:solidFill>
+                  <a:round/>
+                  <a:headEnd/>
+                  <a:tailEnd/>
+                </a14:hiddenLine>
+              </a:ext>
+            </a:extLst>
+          </p:spPr>
+        </p:sp>
+        <p:sp>
+          <p:nvSpPr>
+            <p:cNvPr id="42" name="Freeform 25">
+              <a:extLst>
+                <a:ext uri="{FF2B5EF4-FFF2-40B4-BE49-F238E27FC236}">
+                  <a16:creationId xmlns:a16="http://schemas.microsoft.com/office/drawing/2014/main" id="{CB472F67-7C37-4D80-B346-DE30D44B55A0}"/>
+                </a:ext>
+                <a:ext uri="{C183D7F6-B498-43B3-948B-1728B52AA6E4}">
+                  <adec:decorative xmlns:adec="http://schemas.microsoft.com/office/drawing/2017/decorative" val="1"/>
+                </a:ext>
+              </a:extLst>
+            </p:cNvPr>
+            <p:cNvSpPr>
+              <a:spLocks noEditPoints="1"/>
+            </p:cNvSpPr>
+            <p:nvPr>
+              <p:extLst>
+                <p:ext uri="{386F3935-93C4-4BCD-93E2-E3B085C9AB24}">
+                  <p16:designElem xmlns:p16="http://schemas.microsoft.com/office/powerpoint/2015/main" val="1"/>
+                </p:ext>
+              </p:extLst>
+            </p:nvPr>
+          </p:nvSpPr>
+          <p:spPr bwMode="auto">
+            <a:xfrm>
+              <a:off x="527050" y="4867275"/>
+              <a:ext cx="190500" cy="188913"/>
+            </a:xfrm>
+            <a:custGeom>
+              <a:avLst/>
+              <a:gdLst/>
+              <a:ahLst/>
+              <a:cxnLst/>
+              <a:rect l="0" t="0" r="r" b="b"/>
+              <a:pathLst>
+                <a:path w="40" h="40">
+                  <a:moveTo>
+                    <a:pt x="20" y="40"/>
+                  </a:moveTo>
+                  <a:cubicBezTo>
+                    <a:pt x="9" y="40"/>
+                    <a:pt x="0" y="31"/>
+                    <a:pt x="0" y="20"/>
+                  </a:cubicBezTo>
+                  <a:cubicBezTo>
+                    <a:pt x="0" y="9"/>
+                    <a:pt x="9" y="0"/>
+                    <a:pt x="20" y="0"/>
+                  </a:cubicBezTo>
+                  <a:cubicBezTo>
+                    <a:pt x="31" y="0"/>
+                    <a:pt x="40" y="9"/>
+                    <a:pt x="40" y="20"/>
+                  </a:cubicBezTo>
+                  <a:cubicBezTo>
+                    <a:pt x="40" y="31"/>
+                    <a:pt x="31" y="40"/>
+                    <a:pt x="20" y="40"/>
+                  </a:cubicBezTo>
+                  <a:close/>
+                  <a:moveTo>
+                    <a:pt x="20" y="4"/>
+                  </a:moveTo>
+                  <a:cubicBezTo>
+                    <a:pt x="11" y="4"/>
+                    <a:pt x="4" y="11"/>
+                    <a:pt x="4" y="20"/>
+                  </a:cubicBezTo>
+                  <a:cubicBezTo>
+                    <a:pt x="4" y="29"/>
+                    <a:pt x="11" y="36"/>
+                    <a:pt x="20" y="36"/>
+                  </a:cubicBezTo>
+                  <a:cubicBezTo>
+                    <a:pt x="29" y="36"/>
+                    <a:pt x="36" y="29"/>
+                    <a:pt x="36" y="20"/>
+                  </a:cubicBezTo>
+                  <a:cubicBezTo>
+                    <a:pt x="36" y="11"/>
+                    <a:pt x="29" y="4"/>
+                    <a:pt x="20" y="4"/>
+                  </a:cubicBezTo>
+                  <a:close/>
+                </a:path>
+              </a:pathLst>
+            </a:custGeom>
+            <a:grpFill/>
+            <a:ln>
+              <a:noFill/>
+            </a:ln>
+            <a:extLst>
+              <a:ext uri="{91240B29-F687-4f45-9708-019B960494DF}">
+                <a14:hiddenLine xmlns="" xmlns:a16="http://schemas.microsoft.com/office/drawing/2014/main" xmlns:p14="http://schemas.microsoft.com/office/powerpoint/2010/main" xmlns:a14="http://schemas.microsoft.com/office/drawing/2010/main" w="9525">
+                  <a:solidFill>
+                    <a:srgbClr val="000000"/>
+                  </a:solidFill>
+                  <a:round/>
+                  <a:headEnd/>
+                  <a:tailEnd/>
+                </a14:hiddenLine>
+              </a:ext>
+            </a:extLst>
+          </p:spPr>
+        </p:sp>
+        <p:sp>
+          <p:nvSpPr>
+            <p:cNvPr id="43" name="Freeform 26">
+              <a:extLst>
+                <a:ext uri="{FF2B5EF4-FFF2-40B4-BE49-F238E27FC236}">
+                  <a16:creationId xmlns:a16="http://schemas.microsoft.com/office/drawing/2014/main" id="{19A8AE83-358F-4D4E-91C7-F09E35097AA1}"/>
+                </a:ext>
+                <a:ext uri="{C183D7F6-B498-43B3-948B-1728B52AA6E4}">
+                  <adec:decorative xmlns:adec="http://schemas.microsoft.com/office/drawing/2017/decorative" val="1"/>
+                </a:ext>
+              </a:extLst>
+            </p:cNvPr>
+            <p:cNvSpPr/>
+            <p:nvPr>
+              <p:extLst>
+                <p:ext uri="{386F3935-93C4-4BCD-93E2-E3B085C9AB24}">
+                  <p16:designElem xmlns:p16="http://schemas.microsoft.com/office/powerpoint/2015/main" val="1"/>
+                </p:ext>
+              </p:extLst>
+            </p:nvPr>
+          </p:nvSpPr>
+          <p:spPr bwMode="auto">
+            <a:xfrm>
+              <a:off x="309562" y="5422900"/>
+              <a:ext cx="374650" cy="1425575"/>
+            </a:xfrm>
+            <a:custGeom>
+              <a:avLst/>
+              <a:gdLst/>
+              <a:ahLst/>
+              <a:cxnLst/>
+              <a:rect l="0" t="0" r="r" b="b"/>
+              <a:pathLst>
+                <a:path w="236" h="898">
+                  <a:moveTo>
+                    <a:pt x="18" y="898"/>
+                  </a:moveTo>
+                  <a:lnTo>
+                    <a:pt x="0" y="898"/>
+                  </a:lnTo>
+                  <a:lnTo>
+                    <a:pt x="0" y="515"/>
+                  </a:lnTo>
+                  <a:lnTo>
+                    <a:pt x="3" y="512"/>
+                  </a:lnTo>
+                  <a:lnTo>
+                    <a:pt x="221" y="0"/>
+                  </a:lnTo>
+                  <a:lnTo>
+                    <a:pt x="236" y="6"/>
+                  </a:lnTo>
+                  <a:lnTo>
+                    <a:pt x="18" y="518"/>
+                  </a:lnTo>
+                  <a:lnTo>
+                    <a:pt x="18" y="898"/>
+                  </a:lnTo>
+                  <a:close/>
+                </a:path>
+              </a:pathLst>
+            </a:custGeom>
+            <a:grpFill/>
+            <a:ln>
+              <a:noFill/>
+            </a:ln>
+            <a:extLst>
+              <a:ext uri="{91240B29-F687-4f45-9708-019B960494DF}">
+                <a14:hiddenLine xmlns="" xmlns:a16="http://schemas.microsoft.com/office/drawing/2014/main" xmlns:p14="http://schemas.microsoft.com/office/powerpoint/2010/main" xmlns:a14="http://schemas.microsoft.com/office/drawing/2010/main" w="9525">
+                  <a:solidFill>
+                    <a:srgbClr val="000000"/>
+                  </a:solidFill>
+                  <a:round/>
+                  <a:headEnd/>
+                  <a:tailEnd/>
+                </a14:hiddenLine>
+              </a:ext>
+            </a:extLst>
+          </p:spPr>
+        </p:sp>
+        <p:sp>
+          <p:nvSpPr>
+            <p:cNvPr id="44" name="Freeform 27">
+              <a:extLst>
+                <a:ext uri="{FF2B5EF4-FFF2-40B4-BE49-F238E27FC236}">
+                  <a16:creationId xmlns:a16="http://schemas.microsoft.com/office/drawing/2014/main" id="{C4B79436-9285-45DE-A9FB-B3DD7507380C}"/>
+                </a:ext>
+                <a:ext uri="{C183D7F6-B498-43B3-948B-1728B52AA6E4}">
+                  <adec:decorative xmlns:adec="http://schemas.microsoft.com/office/drawing/2017/decorative" val="1"/>
+                </a:ext>
+              </a:extLst>
+            </p:cNvPr>
+            <p:cNvSpPr/>
+            <p:nvPr>
+              <p:extLst>
+                <p:ext uri="{386F3935-93C4-4BCD-93E2-E3B085C9AB24}">
+                  <p16:designElem xmlns:p16="http://schemas.microsoft.com/office/powerpoint/2015/main" val="1"/>
+                </p:ext>
+              </p:extLst>
+            </p:nvPr>
+          </p:nvSpPr>
+          <p:spPr bwMode="auto">
+            <a:xfrm>
+              <a:off x="569912" y="5945188"/>
+              <a:ext cx="152400" cy="912813"/>
+            </a:xfrm>
+            <a:custGeom>
+              <a:avLst/>
+              <a:gdLst/>
+              <a:ahLst/>
+              <a:cxnLst/>
+              <a:rect l="0" t="0" r="r" b="b"/>
+              <a:pathLst>
+                <a:path w="96" h="575">
+                  <a:moveTo>
+                    <a:pt x="15" y="575"/>
+                  </a:moveTo>
+                  <a:lnTo>
+                    <a:pt x="0" y="569"/>
+                  </a:lnTo>
+                  <a:lnTo>
+                    <a:pt x="81" y="383"/>
+                  </a:lnTo>
+                  <a:lnTo>
+                    <a:pt x="81" y="0"/>
+                  </a:lnTo>
+                  <a:lnTo>
+                    <a:pt x="96" y="0"/>
+                  </a:lnTo>
+                  <a:lnTo>
+                    <a:pt x="96" y="386"/>
+                  </a:lnTo>
+                  <a:lnTo>
+                    <a:pt x="15" y="575"/>
+                  </a:lnTo>
+                  <a:close/>
+                </a:path>
+              </a:pathLst>
+            </a:custGeom>
+            <a:grpFill/>
+            <a:ln>
+              <a:noFill/>
+            </a:ln>
+            <a:extLst>
+              <a:ext uri="{91240B29-F687-4f45-9708-019B960494DF}">
+                <a14:hiddenLine xmlns="" xmlns:a16="http://schemas.microsoft.com/office/drawing/2014/main" xmlns:p14="http://schemas.microsoft.com/office/powerpoint/2010/main" xmlns:a14="http://schemas.microsoft.com/office/drawing/2010/main" w="9525">
+                  <a:solidFill>
+                    <a:srgbClr val="000000"/>
+                  </a:solidFill>
+                  <a:round/>
+                  <a:headEnd/>
+                  <a:tailEnd/>
+                </a14:hiddenLine>
+              </a:ext>
+            </a:extLst>
+          </p:spPr>
+        </p:sp>
+        <p:sp>
+          <p:nvSpPr>
+            <p:cNvPr id="45" name="Freeform 28">
+              <a:extLst>
+                <a:ext uri="{FF2B5EF4-FFF2-40B4-BE49-F238E27FC236}">
+                  <a16:creationId xmlns:a16="http://schemas.microsoft.com/office/drawing/2014/main" id="{B0BF8BF3-C90A-483A-B61E-13D2C41FBAC5}"/>
+                </a:ext>
+                <a:ext uri="{C183D7F6-B498-43B3-948B-1728B52AA6E4}">
+                  <adec:decorative xmlns:adec="http://schemas.microsoft.com/office/drawing/2017/decorative" val="1"/>
+                </a:ext>
+              </a:extLst>
+            </p:cNvPr>
+            <p:cNvSpPr>
+              <a:spLocks noEditPoints="1"/>
+            </p:cNvSpPr>
+            <p:nvPr>
+              <p:extLst>
+                <p:ext uri="{386F3935-93C4-4BCD-93E2-E3B085C9AB24}">
+                  <p16:designElem xmlns:p16="http://schemas.microsoft.com/office/powerpoint/2015/main" val="1"/>
+                </p:ext>
+              </p:extLst>
+            </p:nvPr>
+          </p:nvSpPr>
+          <p:spPr bwMode="auto">
+            <a:xfrm>
+              <a:off x="612775" y="5246688"/>
+              <a:ext cx="190500" cy="190500"/>
+            </a:xfrm>
+            <a:custGeom>
+              <a:avLst/>
+              <a:gdLst/>
+              <a:ahLst/>
+              <a:cxnLst/>
+              <a:rect l="0" t="0" r="r" b="b"/>
+              <a:pathLst>
+                <a:path w="40" h="40">
+                  <a:moveTo>
+                    <a:pt x="20" y="40"/>
+                  </a:moveTo>
+                  <a:cubicBezTo>
+                    <a:pt x="9" y="40"/>
+                    <a:pt x="0" y="31"/>
+                    <a:pt x="0" y="20"/>
+                  </a:cubicBezTo>
+                  <a:cubicBezTo>
+                    <a:pt x="0" y="9"/>
+                    <a:pt x="9" y="0"/>
+                    <a:pt x="20" y="0"/>
+                  </a:cubicBezTo>
+                  <a:cubicBezTo>
+                    <a:pt x="31" y="0"/>
+                    <a:pt x="40" y="9"/>
+                    <a:pt x="40" y="20"/>
+                  </a:cubicBezTo>
+                  <a:cubicBezTo>
+                    <a:pt x="40" y="31"/>
+                    <a:pt x="31" y="40"/>
+                    <a:pt x="20" y="40"/>
+                  </a:cubicBezTo>
+                  <a:close/>
+                  <a:moveTo>
+                    <a:pt x="20" y="4"/>
+                  </a:moveTo>
+                  <a:cubicBezTo>
+                    <a:pt x="12" y="4"/>
+                    <a:pt x="4" y="11"/>
+                    <a:pt x="4" y="20"/>
+                  </a:cubicBezTo>
+                  <a:cubicBezTo>
+                    <a:pt x="4" y="29"/>
+                    <a:pt x="12" y="36"/>
+                    <a:pt x="20" y="36"/>
+                  </a:cubicBezTo>
+                  <a:cubicBezTo>
+                    <a:pt x="29" y="36"/>
+                    <a:pt x="36" y="29"/>
+                    <a:pt x="36" y="20"/>
+                  </a:cubicBezTo>
+                  <a:cubicBezTo>
+                    <a:pt x="36" y="11"/>
+                    <a:pt x="29" y="4"/>
+                    <a:pt x="20" y="4"/>
+                  </a:cubicBezTo>
+                  <a:close/>
+                </a:path>
+              </a:pathLst>
+            </a:custGeom>
+            <a:grpFill/>
+            <a:ln>
+              <a:noFill/>
+            </a:ln>
+            <a:extLst>
+              <a:ext uri="{91240B29-F687-4f45-9708-019B960494DF}">
+                <a14:hiddenLine xmlns="" xmlns:a16="http://schemas.microsoft.com/office/drawing/2014/main" xmlns:p14="http://schemas.microsoft.com/office/powerpoint/2010/main" xmlns:a14="http://schemas.microsoft.com/office/drawing/2010/main" w="9525">
+                  <a:solidFill>
+                    <a:srgbClr val="000000"/>
+                  </a:solidFill>
+                  <a:round/>
+                  <a:headEnd/>
+                  <a:tailEnd/>
+                </a14:hiddenLine>
+              </a:ext>
+            </a:extLst>
+          </p:spPr>
+        </p:sp>
+        <p:sp>
+          <p:nvSpPr>
+            <p:cNvPr id="46" name="Freeform 29">
+              <a:extLst>
+                <a:ext uri="{FF2B5EF4-FFF2-40B4-BE49-F238E27FC236}">
+                  <a16:creationId xmlns:a16="http://schemas.microsoft.com/office/drawing/2014/main" id="{31011274-F329-444B-9B06-69DD2EC44907}"/>
+                </a:ext>
+                <a:ext uri="{C183D7F6-B498-43B3-948B-1728B52AA6E4}">
+                  <adec:decorative xmlns:adec="http://schemas.microsoft.com/office/drawing/2017/decorative" val="1"/>
+                </a:ext>
+              </a:extLst>
+            </p:cNvPr>
+            <p:cNvSpPr>
+              <a:spLocks noEditPoints="1"/>
+            </p:cNvSpPr>
+            <p:nvPr>
+              <p:extLst>
+                <p:ext uri="{386F3935-93C4-4BCD-93E2-E3B085C9AB24}">
+                  <p16:designElem xmlns:p16="http://schemas.microsoft.com/office/powerpoint/2015/main" val="1"/>
+                </p:ext>
+              </p:extLst>
+            </p:nvPr>
+          </p:nvSpPr>
+          <p:spPr bwMode="auto">
+            <a:xfrm>
+              <a:off x="612775" y="5764213"/>
+              <a:ext cx="190500" cy="190500"/>
+            </a:xfrm>
+            <a:custGeom>
+              <a:avLst/>
+              <a:gdLst/>
+              <a:ahLst/>
+              <a:cxnLst/>
+              <a:rect l="0" t="0" r="r" b="b"/>
+              <a:pathLst>
+                <a:path w="40" h="40">
+                  <a:moveTo>
+                    <a:pt x="20" y="40"/>
+                  </a:moveTo>
+                  <a:cubicBezTo>
+                    <a:pt x="9" y="40"/>
+                    <a:pt x="0" y="31"/>
+                    <a:pt x="0" y="20"/>
+                  </a:cubicBezTo>
+                  <a:cubicBezTo>
+                    <a:pt x="0" y="9"/>
+                    <a:pt x="9" y="0"/>
+                    <a:pt x="20" y="0"/>
+                  </a:cubicBezTo>
+                  <a:cubicBezTo>
+                    <a:pt x="31" y="0"/>
+                    <a:pt x="40" y="9"/>
+                    <a:pt x="40" y="20"/>
+                  </a:cubicBezTo>
+                  <a:cubicBezTo>
+                    <a:pt x="40" y="31"/>
+                    <a:pt x="31" y="40"/>
+                    <a:pt x="20" y="40"/>
+                  </a:cubicBezTo>
+                  <a:close/>
+                  <a:moveTo>
+                    <a:pt x="20" y="4"/>
+                  </a:moveTo>
+                  <a:cubicBezTo>
+                    <a:pt x="12" y="4"/>
+                    <a:pt x="4" y="11"/>
+                    <a:pt x="4" y="20"/>
+                  </a:cubicBezTo>
+                  <a:cubicBezTo>
+                    <a:pt x="4" y="29"/>
+                    <a:pt x="12" y="36"/>
+                    <a:pt x="20" y="36"/>
+                  </a:cubicBezTo>
+                  <a:cubicBezTo>
+                    <a:pt x="29" y="36"/>
+                    <a:pt x="36" y="29"/>
+                    <a:pt x="36" y="20"/>
+                  </a:cubicBezTo>
+                  <a:cubicBezTo>
+                    <a:pt x="36" y="11"/>
+                    <a:pt x="29" y="4"/>
+                    <a:pt x="20" y="4"/>
+                  </a:cubicBezTo>
+                  <a:close/>
+                </a:path>
+              </a:pathLst>
+            </a:custGeom>
+            <a:grpFill/>
+            <a:ln>
+              <a:noFill/>
+            </a:ln>
+            <a:extLst>
+              <a:ext uri="{91240B29-F687-4f45-9708-019B960494DF}">
+                <a14:hiddenLine xmlns="" xmlns:a16="http://schemas.microsoft.com/office/drawing/2014/main" xmlns:p14="http://schemas.microsoft.com/office/powerpoint/2010/main" xmlns:a14="http://schemas.microsoft.com/office/drawing/2010/main" w="9525">
+                  <a:solidFill>
+                    <a:srgbClr val="000000"/>
+                  </a:solidFill>
+                  <a:round/>
+                  <a:headEnd/>
+                  <a:tailEnd/>
+                </a14:hiddenLine>
+              </a:ext>
+            </a:extLst>
+          </p:spPr>
+        </p:sp>
+        <p:sp>
+          <p:nvSpPr>
+            <p:cNvPr id="47" name="Freeform 30">
+              <a:extLst>
+                <a:ext uri="{FF2B5EF4-FFF2-40B4-BE49-F238E27FC236}">
+                  <a16:creationId xmlns:a16="http://schemas.microsoft.com/office/drawing/2014/main" id="{DB8B1D39-5B9A-4B4E-849B-A5821A246004}"/>
+                </a:ext>
+                <a:ext uri="{C183D7F6-B498-43B3-948B-1728B52AA6E4}">
+                  <adec:decorative xmlns:adec="http://schemas.microsoft.com/office/drawing/2017/decorative" val="1"/>
+                </a:ext>
+              </a:extLst>
+            </p:cNvPr>
+            <p:cNvSpPr/>
+            <p:nvPr>
+              <p:extLst>
+                <p:ext uri="{386F3935-93C4-4BCD-93E2-E3B085C9AB24}">
+                  <p16:designElem xmlns:p16="http://schemas.microsoft.com/office/powerpoint/2015/main" val="1"/>
+                </p:ext>
+              </p:extLst>
+            </p:nvPr>
+          </p:nvSpPr>
+          <p:spPr bwMode="auto">
+            <a:xfrm>
+              <a:off x="669925" y="6330950"/>
+              <a:ext cx="417513" cy="517525"/>
+            </a:xfrm>
+            <a:custGeom>
+              <a:avLst/>
+              <a:gdLst/>
+              <a:ahLst/>
+              <a:cxnLst/>
+              <a:rect l="0" t="0" r="r" b="b"/>
+              <a:pathLst>
+                <a:path w="263" h="326">
+                  <a:moveTo>
+                    <a:pt x="15" y="326"/>
+                  </a:moveTo>
+                  <a:lnTo>
+                    <a:pt x="0" y="320"/>
+                  </a:lnTo>
+                  <a:lnTo>
+                    <a:pt x="45" y="206"/>
+                  </a:lnTo>
+                  <a:lnTo>
+                    <a:pt x="48" y="206"/>
+                  </a:lnTo>
+                  <a:lnTo>
+                    <a:pt x="254" y="0"/>
+                  </a:lnTo>
+                  <a:lnTo>
+                    <a:pt x="263" y="12"/>
+                  </a:lnTo>
+                  <a:lnTo>
+                    <a:pt x="60" y="215"/>
+                  </a:lnTo>
+                  <a:lnTo>
+                    <a:pt x="15" y="326"/>
+                  </a:lnTo>
+                  <a:close/>
+                </a:path>
+              </a:pathLst>
+            </a:custGeom>
+            <a:grpFill/>
+            <a:ln>
+              <a:noFill/>
+            </a:ln>
+            <a:extLst>
+              <a:ext uri="{91240B29-F687-4f45-9708-019B960494DF}">
+                <a14:hiddenLine xmlns="" xmlns:a16="http://schemas.microsoft.com/office/drawing/2014/main" xmlns:p14="http://schemas.microsoft.com/office/powerpoint/2010/main" xmlns:a14="http://schemas.microsoft.com/office/drawing/2010/main" w="9525">
+                  <a:solidFill>
+                    <a:srgbClr val="000000"/>
+                  </a:solidFill>
+                  <a:round/>
+                  <a:headEnd/>
+                  <a:tailEnd/>
+                </a14:hiddenLine>
+              </a:ext>
+            </a:extLst>
+          </p:spPr>
+        </p:sp>
+        <p:sp>
+          <p:nvSpPr>
+            <p:cNvPr id="48" name="Freeform 31">
+              <a:extLst>
+                <a:ext uri="{FF2B5EF4-FFF2-40B4-BE49-F238E27FC236}">
+                  <a16:creationId xmlns:a16="http://schemas.microsoft.com/office/drawing/2014/main" id="{336ECD63-75C2-4A32-A31B-30BB3097240E}"/>
+                </a:ext>
+                <a:ext uri="{C183D7F6-B498-43B3-948B-1728B52AA6E4}">
+                  <adec:decorative xmlns:adec="http://schemas.microsoft.com/office/drawing/2017/decorative" val="1"/>
+                </a:ext>
+              </a:extLst>
+            </p:cNvPr>
+            <p:cNvSpPr>
+              <a:spLocks noEditPoints="1"/>
+            </p:cNvSpPr>
+            <p:nvPr>
+              <p:extLst>
+                <p:ext uri="{386F3935-93C4-4BCD-93E2-E3B085C9AB24}">
+                  <p16:designElem xmlns:p16="http://schemas.microsoft.com/office/powerpoint/2015/main" val="1"/>
+                </p:ext>
+              </p:extLst>
+            </p:nvPr>
+          </p:nvSpPr>
+          <p:spPr bwMode="auto">
+            <a:xfrm>
+              <a:off x="1049337" y="6221413"/>
+              <a:ext cx="157163" cy="147638"/>
+            </a:xfrm>
+            <a:custGeom>
+              <a:avLst/>
+              <a:gdLst/>
+              <a:ahLst/>
+              <a:cxnLst/>
+              <a:rect l="0" t="0" r="r" b="b"/>
+              <a:pathLst>
+                <a:path w="33" h="31">
+                  <a:moveTo>
+                    <a:pt x="16" y="31"/>
+                  </a:moveTo>
+                  <a:cubicBezTo>
+                    <a:pt x="12" y="31"/>
+                    <a:pt x="8" y="29"/>
+                    <a:pt x="5" y="26"/>
+                  </a:cubicBezTo>
+                  <a:cubicBezTo>
+                    <a:pt x="2" y="24"/>
+                    <a:pt x="0" y="20"/>
+                    <a:pt x="0" y="15"/>
+                  </a:cubicBezTo>
+                  <a:cubicBezTo>
+                    <a:pt x="0" y="11"/>
+                    <a:pt x="2" y="7"/>
+                    <a:pt x="5" y="4"/>
+                  </a:cubicBezTo>
+                  <a:cubicBezTo>
+                    <a:pt x="8" y="1"/>
+                    <a:pt x="12" y="0"/>
+                    <a:pt x="16" y="0"/>
+                  </a:cubicBezTo>
+                  <a:cubicBezTo>
+                    <a:pt x="20" y="0"/>
+                    <a:pt x="24" y="1"/>
+                    <a:pt x="27" y="4"/>
+                  </a:cubicBezTo>
+                  <a:cubicBezTo>
+                    <a:pt x="33" y="10"/>
+                    <a:pt x="33" y="20"/>
+                    <a:pt x="27" y="26"/>
+                  </a:cubicBezTo>
+                  <a:cubicBezTo>
+                    <a:pt x="24" y="29"/>
+                    <a:pt x="20" y="31"/>
+                    <a:pt x="16" y="31"/>
+                  </a:cubicBezTo>
+                  <a:close/>
+                  <a:moveTo>
+                    <a:pt x="16" y="4"/>
+                  </a:moveTo>
+                  <a:cubicBezTo>
+                    <a:pt x="13" y="4"/>
+                    <a:pt x="10" y="5"/>
+                    <a:pt x="8" y="7"/>
+                  </a:cubicBezTo>
+                  <a:cubicBezTo>
+                    <a:pt x="6" y="9"/>
+                    <a:pt x="4" y="12"/>
+                    <a:pt x="4" y="15"/>
+                  </a:cubicBezTo>
+                  <a:cubicBezTo>
+                    <a:pt x="4" y="19"/>
+                    <a:pt x="6" y="21"/>
+                    <a:pt x="8" y="24"/>
+                  </a:cubicBezTo>
+                  <a:cubicBezTo>
+                    <a:pt x="10" y="26"/>
+                    <a:pt x="13" y="27"/>
+                    <a:pt x="16" y="27"/>
+                  </a:cubicBezTo>
+                  <a:cubicBezTo>
+                    <a:pt x="19" y="27"/>
+                    <a:pt x="22" y="26"/>
+                    <a:pt x="24" y="24"/>
+                  </a:cubicBezTo>
+                  <a:cubicBezTo>
+                    <a:pt x="29" y="19"/>
+                    <a:pt x="29" y="12"/>
+                    <a:pt x="24" y="7"/>
+                  </a:cubicBezTo>
+                  <a:cubicBezTo>
+                    <a:pt x="22" y="5"/>
+                    <a:pt x="19" y="4"/>
+                    <a:pt x="16" y="4"/>
+                  </a:cubicBezTo>
+                  <a:close/>
+                </a:path>
+              </a:pathLst>
+            </a:custGeom>
+            <a:grpFill/>
+            <a:ln>
+              <a:noFill/>
+            </a:ln>
+            <a:extLst>
+              <a:ext uri="{91240B29-F687-4f45-9708-019B960494DF}">
+                <a14:hiddenLine xmlns="" xmlns:a16="http://schemas.microsoft.com/office/drawing/2014/main" xmlns:p14="http://schemas.microsoft.com/office/powerpoint/2010/main" xmlns:a14="http://schemas.microsoft.com/office/drawing/2010/main" w="9525">
+                  <a:solidFill>
+                    <a:srgbClr val="000000"/>
+                  </a:solidFill>
+                  <a:round/>
+                  <a:headEnd/>
+                  <a:tailEnd/>
+                </a14:hiddenLine>
+              </a:ext>
+            </a:extLst>
+          </p:spPr>
+        </p:sp>
+      </p:grpSp>
+      <p:pic>
+        <p:nvPicPr>
+          <p:cNvPr id="68" name="Inhaltsplatzhalter 4" descr="Ein Bild, das Text, Karte enthält.&#10;&#10;Mit sehr hoher Zuverlässigkeit generierte Beschreibung">
+            <a:extLst>
+              <a:ext uri="{FF2B5EF4-FFF2-40B4-BE49-F238E27FC236}">
+                <a16:creationId xmlns:a16="http://schemas.microsoft.com/office/drawing/2014/main" id="{A05C79ED-B471-49E2-8821-3EC5DB199342}"/>
+              </a:ext>
+            </a:extLst>
+          </p:cNvPr>
+          <p:cNvPicPr>
+            <a:picLocks noChangeAspect="1"/>
+          </p:cNvPicPr>
+          <p:nvPr/>
+        </p:nvPicPr>
+        <p:blipFill>
+          <a:blip r:embed="rId4"/>
+          <a:stretch>
+            <a:fillRect/>
+          </a:stretch>
+        </p:blipFill>
+        <p:spPr>
+          <a:xfrm>
+            <a:off x="4427839" y="791033"/>
+            <a:ext cx="7356314" cy="5517234"/>
+          </a:xfrm>
+          <a:prstGeom prst="rect">
+            <a:avLst/>
+          </a:prstGeom>
+        </p:spPr>
+      </p:pic>
+    </p:spTree>
+    <p:extLst>
+      <p:ext uri="{BB962C8B-B14F-4D97-AF65-F5344CB8AC3E}">
+        <p14:creationId xmlns:p14="http://schemas.microsoft.com/office/powerpoint/2010/main" val="3810138336"/>
+      </p:ext>
+    </p:extLst>
+  </p:cSld>
+  <p:clrMapOvr>
+    <a:overrideClrMapping bg1="lt1" tx1="dk1" bg2="lt2" tx2="dk2" accent1="accent1" accent2="accent2" accent3="accent3" accent4="accent4" accent5="accent5" accent6="accent6" hlink="hlink" folHlink="folHlink"/>
+  </p:clrMapOvr>
+</p:sld>
+</file>
+
+<file path=ppt/slides/slide6.xml><?xml version="1.0" encoding="utf-8"?>
+<p:sld xmlns:a="http://schemas.openxmlformats.org/drawingml/2006/main" xmlns:r="http://schemas.openxmlformats.org/officeDocument/2006/relationships" xmlns:p="http://schemas.openxmlformats.org/presentationml/2006/main">
+  <p:cSld>
+    <p:spTree>
+      <p:nvGrpSpPr>
+        <p:cNvPr id="1" name=""/>
+        <p:cNvGrpSpPr/>
+        <p:nvPr/>
+      </p:nvGrpSpPr>
+      <p:grpSpPr>
+        <a:xfrm>
+          <a:off x="0" y="0"/>
+          <a:ext cx="0" cy="0"/>
+          <a:chOff x="0" y="0"/>
+          <a:chExt cx="0" cy="0"/>
+        </a:xfrm>
+      </p:grpSpPr>
+      <p:pic>
+        <p:nvPicPr>
+          <p:cNvPr id="5" name="Inhaltsplatzhalter 4" descr="Ein Bild, das Tisch, Flasche, sitzend, Boden enthält.&#10;&#10;Mit sehr hoher Zuverlässigkeit generierte Beschreibung">
+            <a:extLst>
+              <a:ext uri="{FF2B5EF4-FFF2-40B4-BE49-F238E27FC236}">
+                <a16:creationId xmlns:a16="http://schemas.microsoft.com/office/drawing/2014/main" id="{5DAC4D90-5508-49DC-AE0B-8B894408AD1E}"/>
+              </a:ext>
+            </a:extLst>
+          </p:cNvPr>
+          <p:cNvPicPr>
+            <a:picLocks noGrp="1" noChangeAspect="1"/>
+          </p:cNvPicPr>
+          <p:nvPr>
+            <p:ph idx="1"/>
+          </p:nvPr>
+        </p:nvPicPr>
+        <p:blipFill>
+          <a:blip r:embed="rId3"/>
+          <a:stretch>
+            <a:fillRect/>
+          </a:stretch>
+        </p:blipFill>
+        <p:spPr>
+          <a:xfrm>
+            <a:off x="1524000" y="0"/>
+            <a:ext cx="9143999" cy="6858000"/>
+          </a:xfrm>
+          <a:prstGeom prst="rect">
+            <a:avLst/>
+          </a:prstGeom>
+          <a:ln>
+            <a:noFill/>
+          </a:ln>
+          <a:effectLst>
+            <a:softEdge rad="112500"/>
+          </a:effectLst>
+        </p:spPr>
+      </p:pic>
+    </p:spTree>
+    <p:extLst>
+      <p:ext uri="{BB962C8B-B14F-4D97-AF65-F5344CB8AC3E}">
+        <p14:creationId xmlns:p14="http://schemas.microsoft.com/office/powerpoint/2010/main" val="430419187"/>
+      </p:ext>
+    </p:extLst>
+  </p:cSld>
+  <p:clrMapOvr>
+    <a:masterClrMapping/>
+  </p:clrMapOvr>
+</p:sld>
+</file>
+
+<file path=ppt/slides/slide7.xml><?xml version="1.0" encoding="utf-8"?>
+<p:sld xmlns:a="http://schemas.openxmlformats.org/drawingml/2006/main" xmlns:r="http://schemas.openxmlformats.org/officeDocument/2006/relationships" xmlns:p="http://schemas.openxmlformats.org/presentationml/2006/main">
+  <p:cSld>
+    <p:bg>
+      <p:bgPr>
+        <a:solidFill>
+          <a:schemeClr val="bg1"/>
+        </a:solidFill>
+        <a:effectLst/>
+      </p:bgPr>
+    </p:bg>
+    <p:spTree>
+      <p:nvGrpSpPr>
+        <p:cNvPr id="1" name=""/>
+        <p:cNvGrpSpPr/>
+        <p:nvPr/>
+      </p:nvGrpSpPr>
+      <p:grpSpPr>
+        <a:xfrm>
+          <a:off x="0" y="0"/>
+          <a:ext cx="0" cy="0"/>
+          <a:chOff x="0" y="0"/>
+          <a:chExt cx="0" cy="0"/>
+        </a:xfrm>
+      </p:grpSpPr>
+      <p:sp useBgFill="1">
+        <p:nvSpPr>
+          <p:cNvPr id="13" name="Rectangle 12">
+            <a:extLst>
+              <a:ext uri="{FF2B5EF4-FFF2-40B4-BE49-F238E27FC236}">
+                <a16:creationId xmlns:a16="http://schemas.microsoft.com/office/drawing/2014/main" id="{6697F791-5FFA-4164-899F-EB52EA72B024}"/>
+              </a:ext>
+              <a:ext uri="{C183D7F6-B498-43B3-948B-1728B52AA6E4}">
+                <adec:decorative xmlns:adec="http://schemas.microsoft.com/office/drawing/2017/decorative" val="1"/>
+              </a:ext>
+            </a:extLst>
+          </p:cNvPr>
+          <p:cNvSpPr>
+            <a:spLocks noGrp="1" noRot="1" noChangeAspect="1" noMove="1" noResize="1" noEditPoints="1" noAdjustHandles="1" noChangeArrowheads="1" noChangeShapeType="1" noTextEdit="1"/>
+          </p:cNvSpPr>
+          <p:nvPr>
+            <p:extLst>
+              <p:ext uri="{386F3935-93C4-4BCD-93E2-E3B085C9AB24}">
+                <p16:designElem xmlns:p16="http://schemas.microsoft.com/office/powerpoint/2015/main" val="1"/>
+              </p:ext>
+            </p:extLst>
+          </p:nvPr>
+        </p:nvSpPr>
+        <p:spPr>
+          <a:xfrm>
+            <a:off x="0" y="-1"/>
+            <a:ext cx="12192000" cy="6858000"/>
+          </a:xfrm>
+          <a:prstGeom prst="rect">
+            <a:avLst/>
+          </a:prstGeom>
+          <a:ln>
+            <a:noFill/>
+          </a:ln>
+        </p:spPr>
+        <p:style>
+          <a:lnRef idx="2">
+            <a:schemeClr val="accent1">
+              <a:shade val="50000"/>
+            </a:schemeClr>
+          </a:lnRef>
+          <a:fillRef idx="1">
+            <a:schemeClr val="accent1"/>
+          </a:fillRef>
+          <a:effectRef idx="0">
+            <a:schemeClr val="accent1"/>
+          </a:effectRef>
+          <a:fontRef idx="minor">
+            <a:schemeClr val="lt1"/>
+          </a:fontRef>
+        </p:style>
+        <p:txBody>
+          <a:bodyPr rtlCol="0" anchor="ctr"/>
+          <a:lstStyle/>
+          <a:p>
+            <a:pPr algn="ctr"/>
+            <a:endParaRPr lang="en-US"/>
+          </a:p>
+        </p:txBody>
+      </p:sp>
+      <p:pic>
+        <p:nvPicPr>
+          <p:cNvPr id="15" name="Picture 2">
+            <a:extLst>
+              <a:ext uri="{FF2B5EF4-FFF2-40B4-BE49-F238E27FC236}">
+                <a16:creationId xmlns:a16="http://schemas.microsoft.com/office/drawing/2014/main" id="{4E28A1A9-FB81-4816-AAEA-C3B430946951}"/>
+              </a:ext>
+              <a:ext uri="{C183D7F6-B498-43B3-948B-1728B52AA6E4}">
+                <adec:decorative xmlns:adec="http://schemas.microsoft.com/office/drawing/2017/decorative" val="1"/>
+              </a:ext>
+            </a:extLst>
+          </p:cNvPr>
+          <p:cNvPicPr>
+            <a:picLocks noGrp="1" noRot="1" noChangeAspect="1" noMove="1" noResize="1" noEditPoints="1" noAdjustHandles="1" noChangeArrowheads="1" noChangeShapeType="1" noCrop="1"/>
+          </p:cNvPicPr>
+          <p:nvPr>
+            <p:extLst>
+              <p:ext uri="{386F3935-93C4-4BCD-93E2-E3B085C9AB24}">
+                <p16:designElem xmlns:p16="http://schemas.microsoft.com/office/powerpoint/2015/main" val="1"/>
+              </p:ext>
+            </p:extLst>
+          </p:nvPr>
+        </p:nvPicPr>
+        <p:blipFill>
+          <a:blip r:embed="rId3">
+            <a:extLst>
+              <a:ext uri="{28A0092B-C50C-407E-A947-70E740481C1C}">
+                <a14:useLocalDpi xmlns:a14="http://schemas.microsoft.com/office/drawing/2010/main" val="0"/>
+              </a:ext>
+            </a:extLst>
+          </a:blip>
+          <a:srcRect/>
+          <a:stretch>
+            <a:fillRect/>
+          </a:stretch>
+        </p:blipFill>
+        <p:spPr bwMode="auto">
+          <a:xfrm>
+            <a:off x="1190" y="-2"/>
+            <a:ext cx="4061525" cy="6858001"/>
+          </a:xfrm>
+          <a:prstGeom prst="rect">
+            <a:avLst/>
+          </a:prstGeom>
+          <a:extLst>
+            <a:ext uri="{909E8E84-426E-40dd-AFC4-6F175D3DCCD1}">
+              <a14:hiddenFill xmlns="" xmlns:a16="http://schemas.microsoft.com/office/drawing/2014/main" xmlns:p14="http://schemas.microsoft.com/office/powerpoint/2010/main" xmlns:a14="http://schemas.microsoft.com/office/drawing/2010/main">
+                <a:solidFill>
+                  <a:srgbClr val="FFFFFF"/>
+                </a:solidFill>
+              </a14:hiddenFill>
+            </a:ext>
+          </a:extLst>
+        </p:spPr>
+      </p:pic>
+      <p:sp>
+        <p:nvSpPr>
+          <p:cNvPr id="17" name="Rectangle 16">
+            <a:extLst>
+              <a:ext uri="{FF2B5EF4-FFF2-40B4-BE49-F238E27FC236}">
+                <a16:creationId xmlns:a16="http://schemas.microsoft.com/office/drawing/2014/main" id="{B773AB25-A422-41AA-9737-5E04C1966DE1}"/>
+              </a:ext>
+              <a:ext uri="{C183D7F6-B498-43B3-948B-1728B52AA6E4}">
+                <adec:decorative xmlns:adec="http://schemas.microsoft.com/office/drawing/2017/decorative" val="1"/>
+              </a:ext>
+            </a:extLst>
+          </p:cNvPr>
+          <p:cNvSpPr>
+            <a:spLocks noGrp="1" noRot="1" noChangeAspect="1" noMove="1" noResize="1" noEditPoints="1" noAdjustHandles="1" noChangeArrowheads="1" noChangeShapeType="1" noTextEdit="1"/>
+          </p:cNvSpPr>
+          <p:nvPr>
+            <p:extLst>
+              <p:ext uri="{386F3935-93C4-4BCD-93E2-E3B085C9AB24}">
+                <p16:designElem xmlns:p16="http://schemas.microsoft.com/office/powerpoint/2015/main" val="1"/>
+              </p:ext>
+            </p:extLst>
+          </p:nvPr>
+        </p:nvSpPr>
+        <p:spPr>
+          <a:xfrm>
+            <a:off x="0" y="1853"/>
+            <a:ext cx="4055621" cy="6858000"/>
+          </a:xfrm>
+          <a:prstGeom prst="rect">
+            <a:avLst/>
+          </a:prstGeom>
+          <a:ln>
+            <a:noFill/>
+          </a:ln>
+          <a:effectLst>
+            <a:outerShdw blurRad="76200" dist="38100" algn="l" rotWithShape="0">
+              <a:prstClr val="black">
+                <a:alpha val="37000"/>
+              </a:prstClr>
+            </a:outerShdw>
+          </a:effectLst>
+        </p:spPr>
+        <p:style>
+          <a:lnRef idx="2">
+            <a:schemeClr val="accent1">
+              <a:shade val="50000"/>
+            </a:schemeClr>
+          </a:lnRef>
+          <a:fillRef idx="1003">
+            <a:schemeClr val="dk2"/>
+          </a:fillRef>
+          <a:effectRef idx="0">
+            <a:schemeClr val="accent1"/>
+          </a:effectRef>
+          <a:fontRef idx="minor">
+            <a:schemeClr val="lt1"/>
+          </a:fontRef>
+        </p:style>
+        <p:txBody>
+          <a:bodyPr rtlCol="0" anchor="ctr"/>
+          <a:lstStyle/>
+          <a:p>
+            <a:pPr algn="ctr"/>
+            <a:endParaRPr lang="en-US"/>
+          </a:p>
+        </p:txBody>
+      </p:sp>
+      <p:pic>
+        <p:nvPicPr>
+          <p:cNvPr id="19" name="Picture 2">
+            <a:extLst>
+              <a:ext uri="{FF2B5EF4-FFF2-40B4-BE49-F238E27FC236}">
+                <a16:creationId xmlns:a16="http://schemas.microsoft.com/office/drawing/2014/main" id="{AF0552B8-DE8C-40DF-B29F-1728E6A10619}"/>
+              </a:ext>
+              <a:ext uri="{C183D7F6-B498-43B3-948B-1728B52AA6E4}">
+                <adec:decorative xmlns:adec="http://schemas.microsoft.com/office/drawing/2017/decorative" val="1"/>
+              </a:ext>
+            </a:extLst>
+          </p:cNvPr>
+          <p:cNvPicPr>
+            <a:picLocks noGrp="1" noRot="1" noChangeAspect="1" noMove="1" noResize="1" noEditPoints="1" noAdjustHandles="1" noChangeArrowheads="1" noChangeShapeType="1" noCrop="1"/>
+          </p:cNvPicPr>
+          <p:nvPr>
+            <p:extLst>
+              <p:ext uri="{386F3935-93C4-4BCD-93E2-E3B085C9AB24}">
+                <p16:designElem xmlns:p16="http://schemas.microsoft.com/office/powerpoint/2015/main" val="1"/>
+              </p:ext>
+            </p:extLst>
+          </p:nvPr>
+        </p:nvPicPr>
+        <p:blipFill>
+          <a:blip r:embed="rId3">
+            <a:alphaModFix amt="30000"/>
+            <a:extLst>
+              <a:ext uri="{28A0092B-C50C-407E-A947-70E740481C1C}">
+                <a14:useLocalDpi xmlns:a14="http://schemas.microsoft.com/office/drawing/2010/main" val="0"/>
+              </a:ext>
+            </a:extLst>
+          </a:blip>
+          <a:srcRect/>
+          <a:stretch>
+            <a:fillRect/>
+          </a:stretch>
+        </p:blipFill>
+        <p:spPr bwMode="auto">
+          <a:xfrm>
+            <a:off x="-22530" y="23283"/>
+            <a:ext cx="4078152" cy="6858001"/>
+          </a:xfrm>
+          <a:prstGeom prst="rect">
+            <a:avLst/>
+          </a:prstGeom>
+          <a:noFill/>
+          <a:extLst>
+            <a:ext uri="{909E8E84-426E-40dd-AFC4-6F175D3DCCD1}">
+              <a14:hiddenFill xmlns="" xmlns:a16="http://schemas.microsoft.com/office/drawing/2014/main" xmlns:p14="http://schemas.microsoft.com/office/powerpoint/2010/main" xmlns:a14="http://schemas.microsoft.com/office/drawing/2010/main">
+                <a:solidFill>
+                  <a:srgbClr val="FFFFFF"/>
+                </a:solidFill>
+              </a14:hiddenFill>
+            </a:ext>
+          </a:extLst>
+        </p:spPr>
+      </p:pic>
+      <p:sp>
+        <p:nvSpPr>
+          <p:cNvPr id="2" name="Titel 1">
+            <a:extLst>
+              <a:ext uri="{FF2B5EF4-FFF2-40B4-BE49-F238E27FC236}">
+                <a16:creationId xmlns:a16="http://schemas.microsoft.com/office/drawing/2014/main" id="{4BDF7F1B-9AC3-46F4-B7F0-631A16B5CC33}"/>
+              </a:ext>
+            </a:extLst>
+          </p:cNvPr>
+          <p:cNvSpPr>
+            <a:spLocks noGrp="1"/>
+          </p:cNvSpPr>
+          <p:nvPr>
+            <p:ph type="title"/>
+          </p:nvPr>
+        </p:nvSpPr>
+        <p:spPr>
+          <a:xfrm>
+            <a:off x="731838" y="618518"/>
+            <a:ext cx="3098274" cy="1478570"/>
+          </a:xfrm>
+        </p:spPr>
+        <p:txBody>
+          <a:bodyPr>
+            <a:normAutofit/>
+          </a:bodyPr>
+          <a:lstStyle/>
+          <a:p>
+            <a:r>
+              <a:rPr lang="de-CH" sz="3200" dirty="0">
+                <a:solidFill>
+                  <a:srgbClr val="FFFFFF"/>
+                </a:solidFill>
+              </a:rPr>
+              <a:t>Messverfahren</a:t>
+            </a:r>
+          </a:p>
+        </p:txBody>
+      </p:sp>
+      <p:sp>
+        <p:nvSpPr>
+          <p:cNvPr id="10" name="Content Placeholder 9">
+            <a:extLst>
+              <a:ext uri="{FF2B5EF4-FFF2-40B4-BE49-F238E27FC236}">
+                <a16:creationId xmlns:a16="http://schemas.microsoft.com/office/drawing/2014/main" id="{E8FEE3CF-FB0A-4C79-B29B-843828B59844}"/>
+              </a:ext>
+            </a:extLst>
+          </p:cNvPr>
+          <p:cNvSpPr>
+            <a:spLocks noGrp="1"/>
+          </p:cNvSpPr>
+          <p:nvPr>
+            <p:ph idx="1"/>
+          </p:nvPr>
+        </p:nvSpPr>
+        <p:spPr>
+          <a:xfrm>
+            <a:off x="720714" y="2249487"/>
+            <a:ext cx="3110256" cy="3957302"/>
+          </a:xfrm>
+        </p:spPr>
+        <p:txBody>
+          <a:bodyPr>
+            <a:normAutofit/>
+          </a:bodyPr>
+          <a:lstStyle/>
+          <a:p>
+            <a:r>
+              <a:rPr lang="en-US" sz="2800" dirty="0" err="1">
+                <a:solidFill>
+                  <a:srgbClr val="FFFFFF"/>
+                </a:solidFill>
+              </a:rPr>
+              <a:t>Unterschiede</a:t>
+            </a:r>
+            <a:r>
+              <a:rPr lang="en-US" sz="2800" dirty="0">
+                <a:solidFill>
+                  <a:srgbClr val="FFFFFF"/>
+                </a:solidFill>
+              </a:rPr>
+              <a:t> von </a:t>
+            </a:r>
+            <a:r>
+              <a:rPr lang="en-US" sz="2800" dirty="0" err="1">
+                <a:solidFill>
+                  <a:srgbClr val="FFFFFF"/>
+                </a:solidFill>
+              </a:rPr>
+              <a:t>direkten</a:t>
+            </a:r>
+            <a:r>
+              <a:rPr lang="en-US" sz="2800" dirty="0">
+                <a:solidFill>
+                  <a:srgbClr val="FFFFFF"/>
+                </a:solidFill>
+              </a:rPr>
+              <a:t> und </a:t>
+            </a:r>
+            <a:r>
+              <a:rPr lang="en-US" sz="2800" dirty="0" err="1">
+                <a:solidFill>
+                  <a:srgbClr val="FFFFFF"/>
+                </a:solidFill>
+              </a:rPr>
+              <a:t>indirekten</a:t>
+            </a:r>
+            <a:endParaRPr lang="en-US" sz="2800" dirty="0">
+              <a:solidFill>
+                <a:srgbClr val="FFFFFF"/>
+              </a:solidFill>
+            </a:endParaRPr>
+          </a:p>
+        </p:txBody>
+      </p:sp>
+      <p:grpSp>
+        <p:nvGrpSpPr>
+          <p:cNvPr id="21" name="Group 20">
+            <a:extLst>
+              <a:ext uri="{FF2B5EF4-FFF2-40B4-BE49-F238E27FC236}">
+                <a16:creationId xmlns:a16="http://schemas.microsoft.com/office/drawing/2014/main" id="{6AD0D387-1584-4477-B5F8-52B50D4F2205}"/>
+              </a:ext>
+              <a:ext uri="{C183D7F6-B498-43B3-948B-1728B52AA6E4}">
+                <adec:decorative xmlns:adec="http://schemas.microsoft.com/office/drawing/2017/decorative" val="1"/>
+              </a:ext>
+            </a:extLst>
+          </p:cNvPr>
+          <p:cNvGrpSpPr>
+            <a:grpSpLocks noGrp="1" noUngrp="1" noRot="1" noChangeAspect="1" noMove="1" noResize="1"/>
+          </p:cNvGrpSpPr>
+          <p:nvPr>
+            <p:extLst>
+              <p:ext uri="{386F3935-93C4-4BCD-93E2-E3B085C9AB24}">
+                <p16:designElem xmlns:p16="http://schemas.microsoft.com/office/powerpoint/2015/main" val="1"/>
+              </p:ext>
+            </p:extLst>
+          </p:nvPr>
+        </p:nvGrpSpPr>
+        <p:grpSpPr>
+          <a:xfrm>
+            <a:off x="0" y="0"/>
+            <a:ext cx="1220788" cy="6858001"/>
+            <a:chOff x="-14288" y="0"/>
+            <a:chExt cx="1220788" cy="6858001"/>
+          </a:xfrm>
+          <a:gradFill flip="none" rotWithShape="1">
+            <a:gsLst>
+              <a:gs pos="0">
+                <a:schemeClr val="bg2"/>
+              </a:gs>
+              <a:gs pos="100000">
+                <a:schemeClr val="tx2">
+                  <a:lumMod val="60000"/>
+                  <a:lumOff val="40000"/>
+                </a:schemeClr>
+              </a:gs>
+            </a:gsLst>
+            <a:lin ang="5400000" scaled="0"/>
+            <a:tileRect/>
+          </a:gradFill>
+        </p:grpSpPr>
+        <p:sp>
+          <p:nvSpPr>
+            <p:cNvPr id="22" name="Rectangle 5">
+              <a:extLst>
+                <a:ext uri="{FF2B5EF4-FFF2-40B4-BE49-F238E27FC236}">
+                  <a16:creationId xmlns:a16="http://schemas.microsoft.com/office/drawing/2014/main" id="{22C90122-8CF0-4164-B596-168DE41D39A4}"/>
+                </a:ext>
+                <a:ext uri="{C183D7F6-B498-43B3-948B-1728B52AA6E4}">
+                  <adec:decorative xmlns:adec="http://schemas.microsoft.com/office/drawing/2017/decorative" val="1"/>
+                </a:ext>
+              </a:extLst>
+            </p:cNvPr>
+            <p:cNvSpPr>
+              <a:spLocks noChangeArrowheads="1"/>
+            </p:cNvSpPr>
+            <p:nvPr>
+              <p:extLst>
+                <p:ext uri="{386F3935-93C4-4BCD-93E2-E3B085C9AB24}">
+                  <p16:designElem xmlns:p16="http://schemas.microsoft.com/office/powerpoint/2015/main" val="1"/>
+                </p:ext>
+              </p:extLst>
+            </p:nvPr>
+          </p:nvSpPr>
+          <p:spPr bwMode="auto">
+            <a:xfrm>
+              <a:off x="114300" y="4763"/>
+              <a:ext cx="23813" cy="2181225"/>
+            </a:xfrm>
+            <a:prstGeom prst="rect">
+              <a:avLst/>
+            </a:prstGeom>
+            <a:grpFill/>
+            <a:ln>
+              <a:noFill/>
+            </a:ln>
+            <a:extLst>
+              <a:ext uri="{91240B29-F687-4f45-9708-019B960494DF}">
+                <a14:hiddenLine xmlns="" xmlns:a16="http://schemas.microsoft.com/office/drawing/2014/main" xmlns:p14="http://schemas.microsoft.com/office/powerpoint/2010/main" xmlns:a14="http://schemas.microsoft.com/office/drawing/2010/main" w="9525">
+                  <a:solidFill>
+                    <a:srgbClr val="000000"/>
+                  </a:solidFill>
+                  <a:miter lim="800000"/>
+                  <a:headEnd/>
+                  <a:tailEnd/>
+                </a14:hiddenLine>
+              </a:ext>
+            </a:extLst>
+          </p:spPr>
+        </p:sp>
+        <p:sp>
+          <p:nvSpPr>
+            <p:cNvPr id="23" name="Freeform 6">
+              <a:extLst>
+                <a:ext uri="{FF2B5EF4-FFF2-40B4-BE49-F238E27FC236}">
+                  <a16:creationId xmlns:a16="http://schemas.microsoft.com/office/drawing/2014/main" id="{E74D534E-37A6-4D27-9C47-0B2F0527838E}"/>
+                </a:ext>
+                <a:ext uri="{C183D7F6-B498-43B3-948B-1728B52AA6E4}">
+                  <adec:decorative xmlns:adec="http://schemas.microsoft.com/office/drawing/2017/decorative" val="1"/>
+                </a:ext>
+              </a:extLst>
+            </p:cNvPr>
+            <p:cNvSpPr>
+              <a:spLocks noEditPoints="1"/>
+            </p:cNvSpPr>
+            <p:nvPr>
+              <p:extLst>
+                <p:ext uri="{386F3935-93C4-4BCD-93E2-E3B085C9AB24}">
+                  <p16:designElem xmlns:p16="http://schemas.microsoft.com/office/powerpoint/2015/main" val="1"/>
+                </p:ext>
+              </p:extLst>
+            </p:nvPr>
+          </p:nvSpPr>
+          <p:spPr bwMode="auto">
+            <a:xfrm>
+              <a:off x="33337" y="2176463"/>
+              <a:ext cx="190500" cy="190500"/>
+            </a:xfrm>
+            <a:custGeom>
+              <a:avLst/>
+              <a:gdLst/>
+              <a:ahLst/>
+              <a:cxnLst/>
+              <a:rect l="0" t="0" r="r" b="b"/>
+              <a:pathLst>
+                <a:path w="40" h="40">
+                  <a:moveTo>
+                    <a:pt x="20" y="40"/>
+                  </a:moveTo>
+                  <a:cubicBezTo>
+                    <a:pt x="9" y="40"/>
+                    <a:pt x="0" y="31"/>
+                    <a:pt x="0" y="20"/>
+                  </a:cubicBezTo>
+                  <a:cubicBezTo>
+                    <a:pt x="0" y="9"/>
+                    <a:pt x="9" y="0"/>
+                    <a:pt x="20" y="0"/>
+                  </a:cubicBezTo>
+                  <a:cubicBezTo>
+                    <a:pt x="31" y="0"/>
+                    <a:pt x="40" y="9"/>
+                    <a:pt x="40" y="20"/>
+                  </a:cubicBezTo>
+                  <a:cubicBezTo>
+                    <a:pt x="40" y="31"/>
+                    <a:pt x="31" y="40"/>
+                    <a:pt x="20" y="40"/>
+                  </a:cubicBezTo>
+                  <a:close/>
+                  <a:moveTo>
+                    <a:pt x="20" y="4"/>
+                  </a:moveTo>
+                  <a:cubicBezTo>
+                    <a:pt x="11" y="4"/>
+                    <a:pt x="4" y="11"/>
+                    <a:pt x="4" y="20"/>
+                  </a:cubicBezTo>
+                  <a:cubicBezTo>
+                    <a:pt x="4" y="29"/>
+                    <a:pt x="11" y="36"/>
+                    <a:pt x="20" y="36"/>
+                  </a:cubicBezTo>
+                  <a:cubicBezTo>
+                    <a:pt x="28" y="36"/>
+                    <a:pt x="36" y="29"/>
+                    <a:pt x="36" y="20"/>
+                  </a:cubicBezTo>
+                  <a:cubicBezTo>
+                    <a:pt x="36" y="11"/>
+                    <a:pt x="28" y="4"/>
+                    <a:pt x="20" y="4"/>
+                  </a:cubicBezTo>
+                  <a:close/>
+                </a:path>
+              </a:pathLst>
+            </a:custGeom>
+            <a:grpFill/>
+            <a:ln>
+              <a:noFill/>
+            </a:ln>
+            <a:extLst>
+              <a:ext uri="{91240B29-F687-4f45-9708-019B960494DF}">
+                <a14:hiddenLine xmlns="" xmlns:a16="http://schemas.microsoft.com/office/drawing/2014/main" xmlns:p14="http://schemas.microsoft.com/office/powerpoint/2010/main" xmlns:a14="http://schemas.microsoft.com/office/drawing/2010/main" w="9525">
+                  <a:solidFill>
+                    <a:srgbClr val="000000"/>
+                  </a:solidFill>
+                  <a:round/>
+                  <a:headEnd/>
+                  <a:tailEnd/>
+                </a14:hiddenLine>
+              </a:ext>
+            </a:extLst>
+          </p:spPr>
+        </p:sp>
+        <p:sp>
+          <p:nvSpPr>
+            <p:cNvPr id="24" name="Freeform 7">
+              <a:extLst>
+                <a:ext uri="{FF2B5EF4-FFF2-40B4-BE49-F238E27FC236}">
+                  <a16:creationId xmlns:a16="http://schemas.microsoft.com/office/drawing/2014/main" id="{1C1C156E-D2E0-468A-9B19-79521D69BF55}"/>
+                </a:ext>
+                <a:ext uri="{C183D7F6-B498-43B3-948B-1728B52AA6E4}">
+                  <adec:decorative xmlns:adec="http://schemas.microsoft.com/office/drawing/2017/decorative" val="1"/>
+                </a:ext>
+              </a:extLst>
+            </p:cNvPr>
+            <p:cNvSpPr>
+              <a:spLocks noEditPoints="1"/>
+            </p:cNvSpPr>
+            <p:nvPr>
+              <p:extLst>
+                <p:ext uri="{386F3935-93C4-4BCD-93E2-E3B085C9AB24}">
+                  <p16:designElem xmlns:p16="http://schemas.microsoft.com/office/powerpoint/2015/main" val="1"/>
+                </p:ext>
+              </p:extLst>
+            </p:nvPr>
+          </p:nvSpPr>
+          <p:spPr bwMode="auto">
+            <a:xfrm>
+              <a:off x="28575" y="4021138"/>
+              <a:ext cx="190500" cy="188913"/>
+            </a:xfrm>
+            <a:custGeom>
+              <a:avLst/>
+              <a:gdLst/>
+              <a:ahLst/>
+              <a:cxnLst/>
+              <a:rect l="0" t="0" r="r" b="b"/>
+              <a:pathLst>
+                <a:path w="40" h="40">
+                  <a:moveTo>
+                    <a:pt x="20" y="40"/>
+                  </a:moveTo>
+                  <a:cubicBezTo>
+                    <a:pt x="9" y="40"/>
+                    <a:pt x="0" y="31"/>
+                    <a:pt x="0" y="20"/>
+                  </a:cubicBezTo>
+                  <a:cubicBezTo>
+                    <a:pt x="0" y="9"/>
+                    <a:pt x="9" y="0"/>
+                    <a:pt x="20" y="0"/>
+                  </a:cubicBezTo>
+                  <a:cubicBezTo>
+                    <a:pt x="31" y="0"/>
+                    <a:pt x="40" y="9"/>
+                    <a:pt x="40" y="20"/>
+                  </a:cubicBezTo>
+                  <a:cubicBezTo>
+                    <a:pt x="40" y="31"/>
+                    <a:pt x="31" y="40"/>
+                    <a:pt x="20" y="40"/>
+                  </a:cubicBezTo>
+                  <a:close/>
+                  <a:moveTo>
+                    <a:pt x="20" y="4"/>
+                  </a:moveTo>
+                  <a:cubicBezTo>
+                    <a:pt x="12" y="4"/>
+                    <a:pt x="4" y="11"/>
+                    <a:pt x="4" y="20"/>
+                  </a:cubicBezTo>
+                  <a:cubicBezTo>
+                    <a:pt x="4" y="29"/>
+                    <a:pt x="12" y="36"/>
+                    <a:pt x="20" y="36"/>
+                  </a:cubicBezTo>
+                  <a:cubicBezTo>
+                    <a:pt x="29" y="36"/>
+                    <a:pt x="36" y="29"/>
+                    <a:pt x="36" y="20"/>
+                  </a:cubicBezTo>
+                  <a:cubicBezTo>
+                    <a:pt x="36" y="11"/>
+                    <a:pt x="29" y="4"/>
+                    <a:pt x="20" y="4"/>
+                  </a:cubicBezTo>
+                  <a:close/>
+                </a:path>
+              </a:pathLst>
+            </a:custGeom>
+            <a:grpFill/>
+            <a:ln>
+              <a:noFill/>
+            </a:ln>
+            <a:extLst>
+              <a:ext uri="{91240B29-F687-4f45-9708-019B960494DF}">
+                <a14:hiddenLine xmlns="" xmlns:a16="http://schemas.microsoft.com/office/drawing/2014/main" xmlns:p14="http://schemas.microsoft.com/office/powerpoint/2010/main" xmlns:a14="http://schemas.microsoft.com/office/drawing/2010/main" w="9525">
+                  <a:solidFill>
+                    <a:srgbClr val="000000"/>
+                  </a:solidFill>
+                  <a:round/>
+                  <a:headEnd/>
+                  <a:tailEnd/>
+                </a14:hiddenLine>
+              </a:ext>
+            </a:extLst>
+          </p:spPr>
+        </p:sp>
+        <p:sp>
+          <p:nvSpPr>
+            <p:cNvPr id="25" name="Freeform 8">
+              <a:extLst>
+                <a:ext uri="{FF2B5EF4-FFF2-40B4-BE49-F238E27FC236}">
+                  <a16:creationId xmlns:a16="http://schemas.microsoft.com/office/drawing/2014/main" id="{14C97F11-4F6C-4DFF-89BC-3AEA5B7FF74F}"/>
+                </a:ext>
+                <a:ext uri="{C183D7F6-B498-43B3-948B-1728B52AA6E4}">
+                  <adec:decorative xmlns:adec="http://schemas.microsoft.com/office/drawing/2017/decorative" val="1"/>
+                </a:ext>
+              </a:extLst>
+            </p:cNvPr>
+            <p:cNvSpPr/>
+            <p:nvPr>
+              <p:extLst>
+                <p:ext uri="{386F3935-93C4-4BCD-93E2-E3B085C9AB24}">
+                  <p16:designElem xmlns:p16="http://schemas.microsoft.com/office/powerpoint/2015/main" val="1"/>
+                </p:ext>
+              </p:extLst>
+            </p:nvPr>
+          </p:nvSpPr>
+          <p:spPr bwMode="auto">
+            <a:xfrm>
+              <a:off x="200025" y="4763"/>
+              <a:ext cx="369888" cy="1811338"/>
+            </a:xfrm>
+            <a:custGeom>
+              <a:avLst/>
+              <a:gdLst/>
+              <a:ahLst/>
+              <a:cxnLst/>
+              <a:rect l="0" t="0" r="r" b="b"/>
+              <a:pathLst>
+                <a:path w="233" h="1141">
+                  <a:moveTo>
+                    <a:pt x="218" y="1141"/>
+                  </a:moveTo>
+                  <a:lnTo>
+                    <a:pt x="0" y="626"/>
+                  </a:lnTo>
+                  <a:lnTo>
+                    <a:pt x="0" y="0"/>
+                  </a:lnTo>
+                  <a:lnTo>
+                    <a:pt x="15" y="0"/>
+                  </a:lnTo>
+                  <a:lnTo>
+                    <a:pt x="15" y="623"/>
+                  </a:lnTo>
+                  <a:lnTo>
+                    <a:pt x="233" y="1135"/>
+                  </a:lnTo>
+                  <a:lnTo>
+                    <a:pt x="218" y="1141"/>
+                  </a:lnTo>
+                  <a:close/>
+                </a:path>
+              </a:pathLst>
+            </a:custGeom>
+            <a:grpFill/>
+            <a:ln>
+              <a:noFill/>
+            </a:ln>
+            <a:extLst>
+              <a:ext uri="{91240B29-F687-4f45-9708-019B960494DF}">
+                <a14:hiddenLine xmlns="" xmlns:a16="http://schemas.microsoft.com/office/drawing/2014/main" xmlns:p14="http://schemas.microsoft.com/office/powerpoint/2010/main" xmlns:a14="http://schemas.microsoft.com/office/drawing/2010/main" w="9525">
+                  <a:solidFill>
+                    <a:srgbClr val="000000"/>
+                  </a:solidFill>
+                  <a:round/>
+                  <a:headEnd/>
+                  <a:tailEnd/>
+                </a14:hiddenLine>
+              </a:ext>
+            </a:extLst>
+          </p:spPr>
+        </p:sp>
+        <p:sp>
+          <p:nvSpPr>
+            <p:cNvPr id="26" name="Freeform 9">
+              <a:extLst>
+                <a:ext uri="{FF2B5EF4-FFF2-40B4-BE49-F238E27FC236}">
+                  <a16:creationId xmlns:a16="http://schemas.microsoft.com/office/drawing/2014/main" id="{773C2106-77CE-42E1-839F-925EAEBB2FF9}"/>
+                </a:ext>
+                <a:ext uri="{C183D7F6-B498-43B3-948B-1728B52AA6E4}">
+                  <adec:decorative xmlns:adec="http://schemas.microsoft.com/office/drawing/2017/decorative" val="1"/>
+                </a:ext>
+              </a:extLst>
+            </p:cNvPr>
+            <p:cNvSpPr>
+              <a:spLocks noEditPoints="1"/>
+            </p:cNvSpPr>
+            <p:nvPr>
+              <p:extLst>
+                <p:ext uri="{386F3935-93C4-4BCD-93E2-E3B085C9AB24}">
+                  <p16:designElem xmlns:p16="http://schemas.microsoft.com/office/powerpoint/2015/main" val="1"/>
+                </p:ext>
+              </p:extLst>
+            </p:nvPr>
+          </p:nvSpPr>
+          <p:spPr bwMode="auto">
+            <a:xfrm>
+              <a:off x="503237" y="1801813"/>
+              <a:ext cx="190500" cy="188913"/>
+            </a:xfrm>
+            <a:custGeom>
+              <a:avLst/>
+              <a:gdLst/>
+              <a:ahLst/>
+              <a:cxnLst/>
+              <a:rect l="0" t="0" r="r" b="b"/>
+              <a:pathLst>
+                <a:path w="40" h="40">
+                  <a:moveTo>
+                    <a:pt x="20" y="40"/>
+                  </a:moveTo>
+                  <a:cubicBezTo>
+                    <a:pt x="9" y="40"/>
+                    <a:pt x="0" y="31"/>
+                    <a:pt x="0" y="20"/>
+                  </a:cubicBezTo>
+                  <a:cubicBezTo>
+                    <a:pt x="0" y="9"/>
+                    <a:pt x="9" y="0"/>
+                    <a:pt x="20" y="0"/>
+                  </a:cubicBezTo>
+                  <a:cubicBezTo>
+                    <a:pt x="33" y="0"/>
+                    <a:pt x="40" y="6"/>
+                    <a:pt x="40" y="20"/>
+                  </a:cubicBezTo>
+                  <a:cubicBezTo>
+                    <a:pt x="40" y="31"/>
+                    <a:pt x="31" y="40"/>
+                    <a:pt x="20" y="40"/>
+                  </a:cubicBezTo>
+                  <a:close/>
+                  <a:moveTo>
+                    <a:pt x="20" y="4"/>
+                  </a:moveTo>
+                  <a:cubicBezTo>
+                    <a:pt x="11" y="4"/>
+                    <a:pt x="4" y="11"/>
+                    <a:pt x="4" y="20"/>
+                  </a:cubicBezTo>
+                  <a:cubicBezTo>
+                    <a:pt x="4" y="29"/>
+                    <a:pt x="11" y="36"/>
+                    <a:pt x="20" y="36"/>
+                  </a:cubicBezTo>
+                  <a:cubicBezTo>
+                    <a:pt x="28" y="36"/>
+                    <a:pt x="36" y="29"/>
+                    <a:pt x="36" y="20"/>
+                  </a:cubicBezTo>
+                  <a:cubicBezTo>
+                    <a:pt x="36" y="9"/>
+                    <a:pt x="31" y="4"/>
+                    <a:pt x="20" y="4"/>
+                  </a:cubicBezTo>
+                  <a:close/>
+                </a:path>
+              </a:pathLst>
+            </a:custGeom>
+            <a:grpFill/>
+            <a:ln>
+              <a:noFill/>
+            </a:ln>
+            <a:extLst>
+              <a:ext uri="{91240B29-F687-4f45-9708-019B960494DF}">
+                <a14:hiddenLine xmlns="" xmlns:a16="http://schemas.microsoft.com/office/drawing/2014/main" xmlns:p14="http://schemas.microsoft.com/office/powerpoint/2010/main" xmlns:a14="http://schemas.microsoft.com/office/drawing/2010/main" w="9525">
+                  <a:solidFill>
+                    <a:srgbClr val="000000"/>
+                  </a:solidFill>
+                  <a:round/>
+                  <a:headEnd/>
+                  <a:tailEnd/>
+                </a14:hiddenLine>
+              </a:ext>
+            </a:extLst>
+          </p:spPr>
+        </p:sp>
+        <p:sp>
+          <p:nvSpPr>
+            <p:cNvPr id="27" name="Freeform 10">
+              <a:extLst>
+                <a:ext uri="{FF2B5EF4-FFF2-40B4-BE49-F238E27FC236}">
+                  <a16:creationId xmlns:a16="http://schemas.microsoft.com/office/drawing/2014/main" id="{E2807D33-BD1F-4B09-8D93-63C06DB3C0F7}"/>
+                </a:ext>
+                <a:ext uri="{C183D7F6-B498-43B3-948B-1728B52AA6E4}">
+                  <adec:decorative xmlns:adec="http://schemas.microsoft.com/office/drawing/2017/decorative" val="1"/>
+                </a:ext>
+              </a:extLst>
+            </p:cNvPr>
+            <p:cNvSpPr/>
+            <p:nvPr>
+              <p:extLst>
+                <p:ext uri="{386F3935-93C4-4BCD-93E2-E3B085C9AB24}">
+                  <p16:designElem xmlns:p16="http://schemas.microsoft.com/office/powerpoint/2015/main" val="1"/>
+                </p:ext>
+              </p:extLst>
+            </p:nvPr>
+          </p:nvSpPr>
+          <p:spPr bwMode="auto">
+            <a:xfrm>
+              <a:off x="285750" y="4763"/>
+              <a:ext cx="369888" cy="1430338"/>
+            </a:xfrm>
+            <a:custGeom>
+              <a:avLst/>
+              <a:gdLst/>
+              <a:ahLst/>
+              <a:cxnLst/>
+              <a:rect l="0" t="0" r="r" b="b"/>
+              <a:pathLst>
+                <a:path w="233" h="901">
+                  <a:moveTo>
+                    <a:pt x="221" y="901"/>
+                  </a:moveTo>
+                  <a:lnTo>
+                    <a:pt x="0" y="383"/>
+                  </a:lnTo>
+                  <a:lnTo>
+                    <a:pt x="0" y="0"/>
+                  </a:lnTo>
+                  <a:lnTo>
+                    <a:pt x="18" y="0"/>
+                  </a:lnTo>
+                  <a:lnTo>
+                    <a:pt x="18" y="380"/>
+                  </a:lnTo>
+                  <a:lnTo>
+                    <a:pt x="233" y="895"/>
+                  </a:lnTo>
+                  <a:lnTo>
+                    <a:pt x="221" y="901"/>
+                  </a:lnTo>
+                  <a:close/>
+                </a:path>
+              </a:pathLst>
+            </a:custGeom>
+            <a:grpFill/>
+            <a:ln>
+              <a:noFill/>
+            </a:ln>
+            <a:extLst>
+              <a:ext uri="{91240B29-F687-4f45-9708-019B960494DF}">
+                <a14:hiddenLine xmlns="" xmlns:a16="http://schemas.microsoft.com/office/drawing/2014/main" xmlns:p14="http://schemas.microsoft.com/office/powerpoint/2010/main" xmlns:a14="http://schemas.microsoft.com/office/drawing/2010/main" w="9525">
+                  <a:solidFill>
+                    <a:srgbClr val="000000"/>
+                  </a:solidFill>
+                  <a:round/>
+                  <a:headEnd/>
+                  <a:tailEnd/>
+                </a14:hiddenLine>
+              </a:ext>
+            </a:extLst>
+          </p:spPr>
+        </p:sp>
+        <p:sp>
+          <p:nvSpPr>
+            <p:cNvPr id="28" name="Freeform 11">
+              <a:extLst>
+                <a:ext uri="{FF2B5EF4-FFF2-40B4-BE49-F238E27FC236}">
+                  <a16:creationId xmlns:a16="http://schemas.microsoft.com/office/drawing/2014/main" id="{84BDF3E8-157B-47D1-AF8E-FE1EFF0612E4}"/>
+                </a:ext>
+                <a:ext uri="{C183D7F6-B498-43B3-948B-1728B52AA6E4}">
+                  <adec:decorative xmlns:adec="http://schemas.microsoft.com/office/drawing/2017/decorative" val="1"/>
+                </a:ext>
+              </a:extLst>
+            </p:cNvPr>
+            <p:cNvSpPr/>
+            <p:nvPr>
+              <p:extLst>
+                <p:ext uri="{386F3935-93C4-4BCD-93E2-E3B085C9AB24}">
+                  <p16:designElem xmlns:p16="http://schemas.microsoft.com/office/powerpoint/2015/main" val="1"/>
+                </p:ext>
+              </p:extLst>
+            </p:nvPr>
+          </p:nvSpPr>
+          <p:spPr bwMode="auto">
+            <a:xfrm>
+              <a:off x="546100" y="0"/>
+              <a:ext cx="152400" cy="912813"/>
+            </a:xfrm>
+            <a:custGeom>
+              <a:avLst/>
+              <a:gdLst/>
+              <a:ahLst/>
+              <a:cxnLst/>
+              <a:rect l="0" t="0" r="r" b="b"/>
+              <a:pathLst>
+                <a:path w="96" h="575">
+                  <a:moveTo>
+                    <a:pt x="96" y="575"/>
+                  </a:moveTo>
+                  <a:lnTo>
+                    <a:pt x="78" y="575"/>
+                  </a:lnTo>
+                  <a:lnTo>
+                    <a:pt x="78" y="192"/>
+                  </a:lnTo>
+                  <a:lnTo>
+                    <a:pt x="0" y="6"/>
+                  </a:lnTo>
+                  <a:lnTo>
+                    <a:pt x="15" y="0"/>
+                  </a:lnTo>
+                  <a:lnTo>
+                    <a:pt x="96" y="189"/>
+                  </a:lnTo>
+                  <a:lnTo>
+                    <a:pt x="96" y="575"/>
+                  </a:lnTo>
+                  <a:close/>
+                </a:path>
+              </a:pathLst>
+            </a:custGeom>
+            <a:grpFill/>
+            <a:ln>
+              <a:noFill/>
+            </a:ln>
+            <a:extLst>
+              <a:ext uri="{91240B29-F687-4f45-9708-019B960494DF}">
+                <a14:hiddenLine xmlns="" xmlns:a16="http://schemas.microsoft.com/office/drawing/2014/main" xmlns:p14="http://schemas.microsoft.com/office/powerpoint/2010/main" xmlns:a14="http://schemas.microsoft.com/office/drawing/2010/main" w="9525">
+                  <a:solidFill>
+                    <a:srgbClr val="000000"/>
+                  </a:solidFill>
+                  <a:round/>
+                  <a:headEnd/>
+                  <a:tailEnd/>
+                </a14:hiddenLine>
+              </a:ext>
+            </a:extLst>
+          </p:spPr>
+        </p:sp>
+        <p:sp>
+          <p:nvSpPr>
+            <p:cNvPr id="29" name="Freeform 12">
+              <a:extLst>
+                <a:ext uri="{FF2B5EF4-FFF2-40B4-BE49-F238E27FC236}">
+                  <a16:creationId xmlns:a16="http://schemas.microsoft.com/office/drawing/2014/main" id="{68B482B5-E0FD-406A-99B2-297DF333546D}"/>
+                </a:ext>
+                <a:ext uri="{C183D7F6-B498-43B3-948B-1728B52AA6E4}">
+                  <adec:decorative xmlns:adec="http://schemas.microsoft.com/office/drawing/2017/decorative" val="1"/>
+                </a:ext>
+              </a:extLst>
+            </p:cNvPr>
+            <p:cNvSpPr>
+              <a:spLocks noEditPoints="1"/>
+            </p:cNvSpPr>
+            <p:nvPr>
+              <p:extLst>
+                <p:ext uri="{386F3935-93C4-4BCD-93E2-E3B085C9AB24}">
+                  <p16:designElem xmlns:p16="http://schemas.microsoft.com/office/powerpoint/2015/main" val="1"/>
+                </p:ext>
+              </p:extLst>
+            </p:nvPr>
+          </p:nvSpPr>
+          <p:spPr bwMode="auto">
+            <a:xfrm>
+              <a:off x="588962" y="1420813"/>
+              <a:ext cx="190500" cy="190500"/>
+            </a:xfrm>
+            <a:custGeom>
+              <a:avLst/>
+              <a:gdLst/>
+              <a:ahLst/>
+              <a:cxnLst/>
+              <a:rect l="0" t="0" r="r" b="b"/>
+              <a:pathLst>
+                <a:path w="40" h="40">
+                  <a:moveTo>
+                    <a:pt x="20" y="40"/>
+                  </a:moveTo>
+                  <a:cubicBezTo>
+                    <a:pt x="9" y="40"/>
+                    <a:pt x="0" y="31"/>
+                    <a:pt x="0" y="20"/>
+                  </a:cubicBezTo>
+                  <a:cubicBezTo>
+                    <a:pt x="0" y="9"/>
+                    <a:pt x="9" y="0"/>
+                    <a:pt x="20" y="0"/>
+                  </a:cubicBezTo>
+                  <a:cubicBezTo>
+                    <a:pt x="33" y="0"/>
+                    <a:pt x="40" y="7"/>
+                    <a:pt x="40" y="20"/>
+                  </a:cubicBezTo>
+                  <a:cubicBezTo>
+                    <a:pt x="40" y="31"/>
+                    <a:pt x="31" y="40"/>
+                    <a:pt x="20" y="40"/>
+                  </a:cubicBezTo>
+                  <a:close/>
+                  <a:moveTo>
+                    <a:pt x="20" y="4"/>
+                  </a:moveTo>
+                  <a:cubicBezTo>
+                    <a:pt x="11" y="4"/>
+                    <a:pt x="4" y="11"/>
+                    <a:pt x="4" y="20"/>
+                  </a:cubicBezTo>
+                  <a:cubicBezTo>
+                    <a:pt x="4" y="29"/>
+                    <a:pt x="11" y="36"/>
+                    <a:pt x="20" y="36"/>
+                  </a:cubicBezTo>
+                  <a:cubicBezTo>
+                    <a:pt x="29" y="36"/>
+                    <a:pt x="36" y="29"/>
+                    <a:pt x="36" y="20"/>
+                  </a:cubicBezTo>
+                  <a:cubicBezTo>
+                    <a:pt x="36" y="9"/>
+                    <a:pt x="31" y="4"/>
+                    <a:pt x="20" y="4"/>
+                  </a:cubicBezTo>
+                  <a:close/>
+                </a:path>
+              </a:pathLst>
+            </a:custGeom>
+            <a:grpFill/>
+            <a:ln>
+              <a:noFill/>
+            </a:ln>
+            <a:extLst>
+              <a:ext uri="{91240B29-F687-4f45-9708-019B960494DF}">
+                <a14:hiddenLine xmlns="" xmlns:a16="http://schemas.microsoft.com/office/drawing/2014/main" xmlns:p14="http://schemas.microsoft.com/office/powerpoint/2010/main" xmlns:a14="http://schemas.microsoft.com/office/drawing/2010/main" w="9525">
+                  <a:solidFill>
+                    <a:srgbClr val="000000"/>
+                  </a:solidFill>
+                  <a:round/>
+                  <a:headEnd/>
+                  <a:tailEnd/>
+                </a14:hiddenLine>
+              </a:ext>
+            </a:extLst>
+          </p:spPr>
+        </p:sp>
+        <p:sp>
+          <p:nvSpPr>
+            <p:cNvPr id="30" name="Freeform 13">
+              <a:extLst>
+                <a:ext uri="{FF2B5EF4-FFF2-40B4-BE49-F238E27FC236}">
+                  <a16:creationId xmlns:a16="http://schemas.microsoft.com/office/drawing/2014/main" id="{B8750F30-12E8-410B-8709-78F1EF3BBE78}"/>
+                </a:ext>
+                <a:ext uri="{C183D7F6-B498-43B3-948B-1728B52AA6E4}">
+                  <adec:decorative xmlns:adec="http://schemas.microsoft.com/office/drawing/2017/decorative" val="1"/>
+                </a:ext>
+              </a:extLst>
+            </p:cNvPr>
+            <p:cNvSpPr>
+              <a:spLocks noEditPoints="1"/>
+            </p:cNvSpPr>
+            <p:nvPr>
+              <p:extLst>
+                <p:ext uri="{386F3935-93C4-4BCD-93E2-E3B085C9AB24}">
+                  <p16:designElem xmlns:p16="http://schemas.microsoft.com/office/powerpoint/2015/main" val="1"/>
+                </p:ext>
+              </p:extLst>
+            </p:nvPr>
+          </p:nvSpPr>
+          <p:spPr bwMode="auto">
+            <a:xfrm>
+              <a:off x="588962" y="903288"/>
+              <a:ext cx="190500" cy="190500"/>
+            </a:xfrm>
+            <a:custGeom>
+              <a:avLst/>
+              <a:gdLst/>
+              <a:ahLst/>
+              <a:cxnLst/>
+              <a:rect l="0" t="0" r="r" b="b"/>
+              <a:pathLst>
+                <a:path w="40" h="40">
+                  <a:moveTo>
+                    <a:pt x="20" y="40"/>
+                  </a:moveTo>
+                  <a:cubicBezTo>
+                    <a:pt x="9" y="40"/>
+                    <a:pt x="0" y="31"/>
+                    <a:pt x="0" y="20"/>
+                  </a:cubicBezTo>
+                  <a:cubicBezTo>
+                    <a:pt x="0" y="9"/>
+                    <a:pt x="9" y="0"/>
+                    <a:pt x="20" y="0"/>
+                  </a:cubicBezTo>
+                  <a:cubicBezTo>
+                    <a:pt x="31" y="0"/>
+                    <a:pt x="40" y="9"/>
+                    <a:pt x="40" y="20"/>
+                  </a:cubicBezTo>
+                  <a:cubicBezTo>
+                    <a:pt x="40" y="31"/>
+                    <a:pt x="31" y="40"/>
+                    <a:pt x="20" y="40"/>
+                  </a:cubicBezTo>
+                  <a:close/>
+                  <a:moveTo>
+                    <a:pt x="20" y="4"/>
+                  </a:moveTo>
+                  <a:cubicBezTo>
+                    <a:pt x="11" y="4"/>
+                    <a:pt x="4" y="11"/>
+                    <a:pt x="4" y="20"/>
+                  </a:cubicBezTo>
+                  <a:cubicBezTo>
+                    <a:pt x="4" y="29"/>
+                    <a:pt x="11" y="36"/>
+                    <a:pt x="20" y="36"/>
+                  </a:cubicBezTo>
+                  <a:cubicBezTo>
+                    <a:pt x="29" y="36"/>
+                    <a:pt x="36" y="29"/>
+                    <a:pt x="36" y="20"/>
+                  </a:cubicBezTo>
+                  <a:cubicBezTo>
+                    <a:pt x="36" y="11"/>
+                    <a:pt x="29" y="4"/>
+                    <a:pt x="20" y="4"/>
+                  </a:cubicBezTo>
+                  <a:close/>
+                </a:path>
+              </a:pathLst>
+            </a:custGeom>
+            <a:grpFill/>
+            <a:ln>
+              <a:noFill/>
+            </a:ln>
+            <a:extLst>
+              <a:ext uri="{91240B29-F687-4f45-9708-019B960494DF}">
+                <a14:hiddenLine xmlns="" xmlns:a16="http://schemas.microsoft.com/office/drawing/2014/main" xmlns:p14="http://schemas.microsoft.com/office/powerpoint/2010/main" xmlns:a14="http://schemas.microsoft.com/office/drawing/2010/main" w="9525">
+                  <a:solidFill>
+                    <a:srgbClr val="000000"/>
+                  </a:solidFill>
+                  <a:round/>
+                  <a:headEnd/>
+                  <a:tailEnd/>
+                </a14:hiddenLine>
+              </a:ext>
+            </a:extLst>
+          </p:spPr>
+        </p:sp>
+        <p:sp>
+          <p:nvSpPr>
+            <p:cNvPr id="31" name="Freeform 14">
+              <a:extLst>
+                <a:ext uri="{FF2B5EF4-FFF2-40B4-BE49-F238E27FC236}">
+                  <a16:creationId xmlns:a16="http://schemas.microsoft.com/office/drawing/2014/main" id="{DB2D030A-4700-4CC4-A971-F119F8372C0A}"/>
+                </a:ext>
+                <a:ext uri="{C183D7F6-B498-43B3-948B-1728B52AA6E4}">
+                  <adec:decorative xmlns:adec="http://schemas.microsoft.com/office/drawing/2017/decorative" val="1"/>
+                </a:ext>
+              </a:extLst>
+            </p:cNvPr>
+            <p:cNvSpPr/>
+            <p:nvPr>
+              <p:extLst>
+                <p:ext uri="{386F3935-93C4-4BCD-93E2-E3B085C9AB24}">
+                  <p16:designElem xmlns:p16="http://schemas.microsoft.com/office/powerpoint/2015/main" val="1"/>
+                </p:ext>
+              </p:extLst>
+            </p:nvPr>
+          </p:nvSpPr>
+          <p:spPr bwMode="auto">
+            <a:xfrm>
+              <a:off x="641350" y="0"/>
+              <a:ext cx="422275" cy="527050"/>
+            </a:xfrm>
+            <a:custGeom>
+              <a:avLst/>
+              <a:gdLst/>
+              <a:ahLst/>
+              <a:cxnLst/>
+              <a:rect l="0" t="0" r="r" b="b"/>
+              <a:pathLst>
+                <a:path w="266" h="332">
+                  <a:moveTo>
+                    <a:pt x="257" y="332"/>
+                  </a:moveTo>
+                  <a:lnTo>
+                    <a:pt x="48" y="123"/>
+                  </a:lnTo>
+                  <a:lnTo>
+                    <a:pt x="0" y="6"/>
+                  </a:lnTo>
+                  <a:lnTo>
+                    <a:pt x="15" y="0"/>
+                  </a:lnTo>
+                  <a:lnTo>
+                    <a:pt x="63" y="114"/>
+                  </a:lnTo>
+                  <a:lnTo>
+                    <a:pt x="266" y="320"/>
+                  </a:lnTo>
+                  <a:lnTo>
+                    <a:pt x="257" y="332"/>
+                  </a:lnTo>
+                  <a:close/>
+                </a:path>
+              </a:pathLst>
+            </a:custGeom>
+            <a:grpFill/>
+            <a:ln>
+              <a:noFill/>
+            </a:ln>
+            <a:extLst>
+              <a:ext uri="{91240B29-F687-4f45-9708-019B960494DF}">
+                <a14:hiddenLine xmlns="" xmlns:a16="http://schemas.microsoft.com/office/drawing/2014/main" xmlns:p14="http://schemas.microsoft.com/office/powerpoint/2010/main" xmlns:a14="http://schemas.microsoft.com/office/drawing/2010/main" w="9525">
+                  <a:solidFill>
+                    <a:srgbClr val="000000"/>
+                  </a:solidFill>
+                  <a:round/>
+                  <a:headEnd/>
+                  <a:tailEnd/>
+                </a14:hiddenLine>
+              </a:ext>
+            </a:extLst>
+          </p:spPr>
+        </p:sp>
+        <p:sp>
+          <p:nvSpPr>
+            <p:cNvPr id="32" name="Freeform 15">
+              <a:extLst>
+                <a:ext uri="{FF2B5EF4-FFF2-40B4-BE49-F238E27FC236}">
+                  <a16:creationId xmlns:a16="http://schemas.microsoft.com/office/drawing/2014/main" id="{B4E516DB-F66E-4E88-8CAA-67153F56189D}"/>
+                </a:ext>
+                <a:ext uri="{C183D7F6-B498-43B3-948B-1728B52AA6E4}">
+                  <adec:decorative xmlns:adec="http://schemas.microsoft.com/office/drawing/2017/decorative" val="1"/>
+                </a:ext>
+              </a:extLst>
+            </p:cNvPr>
+            <p:cNvSpPr>
+              <a:spLocks noEditPoints="1"/>
+            </p:cNvSpPr>
+            <p:nvPr>
+              <p:extLst>
+                <p:ext uri="{386F3935-93C4-4BCD-93E2-E3B085C9AB24}">
+                  <p16:designElem xmlns:p16="http://schemas.microsoft.com/office/powerpoint/2015/main" val="1"/>
+                </p:ext>
+              </p:extLst>
+            </p:nvPr>
+          </p:nvSpPr>
+          <p:spPr bwMode="auto">
+            <a:xfrm>
+              <a:off x="1020762" y="488950"/>
+              <a:ext cx="161925" cy="147638"/>
+            </a:xfrm>
+            <a:custGeom>
+              <a:avLst/>
+              <a:gdLst/>
+              <a:ahLst/>
+              <a:cxnLst/>
+              <a:rect l="0" t="0" r="r" b="b"/>
+              <a:pathLst>
+                <a:path w="34" h="31">
+                  <a:moveTo>
+                    <a:pt x="17" y="31"/>
+                  </a:moveTo>
+                  <a:cubicBezTo>
+                    <a:pt x="13" y="31"/>
+                    <a:pt x="9" y="30"/>
+                    <a:pt x="6" y="27"/>
+                  </a:cubicBezTo>
+                  <a:cubicBezTo>
+                    <a:pt x="0" y="20"/>
+                    <a:pt x="0" y="10"/>
+                    <a:pt x="6" y="4"/>
+                  </a:cubicBezTo>
+                  <a:cubicBezTo>
+                    <a:pt x="9" y="1"/>
+                    <a:pt x="13" y="0"/>
+                    <a:pt x="17" y="0"/>
+                  </a:cubicBezTo>
+                  <a:cubicBezTo>
+                    <a:pt x="21" y="0"/>
+                    <a:pt x="25" y="1"/>
+                    <a:pt x="28" y="4"/>
+                  </a:cubicBezTo>
+                  <a:cubicBezTo>
+                    <a:pt x="34" y="10"/>
+                    <a:pt x="34" y="20"/>
+                    <a:pt x="28" y="27"/>
+                  </a:cubicBezTo>
+                  <a:cubicBezTo>
+                    <a:pt x="25" y="30"/>
+                    <a:pt x="21" y="31"/>
+                    <a:pt x="17" y="31"/>
+                  </a:cubicBezTo>
+                  <a:close/>
+                  <a:moveTo>
+                    <a:pt x="17" y="4"/>
+                  </a:moveTo>
+                  <a:cubicBezTo>
+                    <a:pt x="14" y="4"/>
+                    <a:pt x="11" y="5"/>
+                    <a:pt x="9" y="7"/>
+                  </a:cubicBezTo>
+                  <a:cubicBezTo>
+                    <a:pt x="4" y="12"/>
+                    <a:pt x="4" y="19"/>
+                    <a:pt x="9" y="24"/>
+                  </a:cubicBezTo>
+                  <a:cubicBezTo>
+                    <a:pt x="11" y="26"/>
+                    <a:pt x="14" y="27"/>
+                    <a:pt x="17" y="27"/>
+                  </a:cubicBezTo>
+                  <a:cubicBezTo>
+                    <a:pt x="20" y="27"/>
+                    <a:pt x="23" y="26"/>
+                    <a:pt x="25" y="24"/>
+                  </a:cubicBezTo>
+                  <a:cubicBezTo>
+                    <a:pt x="30" y="19"/>
+                    <a:pt x="30" y="12"/>
+                    <a:pt x="25" y="7"/>
+                  </a:cubicBezTo>
+                  <a:cubicBezTo>
+                    <a:pt x="23" y="5"/>
+                    <a:pt x="20" y="4"/>
+                    <a:pt x="17" y="4"/>
+                  </a:cubicBezTo>
+                  <a:close/>
+                </a:path>
+              </a:pathLst>
+            </a:custGeom>
+            <a:grpFill/>
+            <a:ln>
+              <a:noFill/>
+            </a:ln>
+            <a:extLst>
+              <a:ext uri="{91240B29-F687-4f45-9708-019B960494DF}">
+                <a14:hiddenLine xmlns="" xmlns:a16="http://schemas.microsoft.com/office/drawing/2014/main" xmlns:p14="http://schemas.microsoft.com/office/powerpoint/2010/main" xmlns:a14="http://schemas.microsoft.com/office/drawing/2010/main" w="9525">
+                  <a:solidFill>
+                    <a:srgbClr val="000000"/>
+                  </a:solidFill>
+                  <a:round/>
+                  <a:headEnd/>
+                  <a:tailEnd/>
+                </a14:hiddenLine>
+              </a:ext>
+            </a:extLst>
+          </p:spPr>
+        </p:sp>
+        <p:sp>
+          <p:nvSpPr>
+            <p:cNvPr id="33" name="Line 16">
+              <a:extLst>
+                <a:ext uri="{FF2B5EF4-FFF2-40B4-BE49-F238E27FC236}">
+                  <a16:creationId xmlns:a16="http://schemas.microsoft.com/office/drawing/2014/main" id="{DF749FDD-DD56-4DC9-A379-77E1106981DC}"/>
+                </a:ext>
+                <a:ext uri="{C183D7F6-B498-43B3-948B-1728B52AA6E4}">
+                  <adec:decorative xmlns:adec="http://schemas.microsoft.com/office/drawing/2017/decorative" val="1"/>
+                </a:ext>
+              </a:extLst>
+            </p:cNvPr>
+            <p:cNvSpPr>
+              <a:spLocks noChangeShapeType="1"/>
+            </p:cNvSpPr>
+            <p:nvPr>
+              <p:extLst>
+                <p:ext uri="{386F3935-93C4-4BCD-93E2-E3B085C9AB24}">
+                  <p16:designElem xmlns:p16="http://schemas.microsoft.com/office/powerpoint/2015/main" val="1"/>
+                </p:ext>
+              </p:extLst>
+            </p:nvPr>
+          </p:nvSpPr>
+          <p:spPr bwMode="auto">
+            <a:xfrm>
+              <a:off x="-4763" y="9525"/>
+              <a:ext cx="0" cy="0"/>
+            </a:xfrm>
+            <a:prstGeom prst="line">
+              <a:avLst/>
+            </a:prstGeom>
+            <a:grpFill/>
+            <a:ln w="15" cap="flat">
+              <a:solidFill>
+                <a:srgbClr val="FFFFFF"/>
+              </a:solidFill>
+              <a:prstDash val="solid"/>
+              <a:miter lim="800000"/>
+              <a:headEnd/>
+              <a:tailEnd/>
+            </a:ln>
+          </p:spPr>
+        </p:sp>
+        <p:sp>
+          <p:nvSpPr>
+            <p:cNvPr id="34" name="Freeform 17">
+              <a:extLst>
+                <a:ext uri="{FF2B5EF4-FFF2-40B4-BE49-F238E27FC236}">
+                  <a16:creationId xmlns:a16="http://schemas.microsoft.com/office/drawing/2014/main" id="{6AD95087-E0AF-45D3-B824-EFFCBBECDEB1}"/>
+                </a:ext>
+                <a:ext uri="{C183D7F6-B498-43B3-948B-1728B52AA6E4}">
+                  <adec:decorative xmlns:adec="http://schemas.microsoft.com/office/drawing/2017/decorative" val="1"/>
+                </a:ext>
+              </a:extLst>
+            </p:cNvPr>
+            <p:cNvSpPr/>
+            <p:nvPr>
+              <p:extLst>
+                <p:ext uri="{386F3935-93C4-4BCD-93E2-E3B085C9AB24}">
+                  <p16:designElem xmlns:p16="http://schemas.microsoft.com/office/powerpoint/2015/main" val="1"/>
+                </p:ext>
+              </p:extLst>
+            </p:nvPr>
+          </p:nvSpPr>
+          <p:spPr bwMode="auto">
+            <a:xfrm>
+              <a:off x="9525" y="1801813"/>
+              <a:ext cx="123825" cy="127000"/>
+            </a:xfrm>
+            <a:custGeom>
+              <a:avLst/>
+              <a:gdLst/>
+              <a:ahLst/>
+              <a:cxnLst/>
+              <a:rect l="0" t="0" r="r" b="b"/>
+              <a:pathLst>
+                <a:path w="78" h="80">
+                  <a:moveTo>
+                    <a:pt x="6" y="80"/>
+                  </a:moveTo>
+                  <a:lnTo>
+                    <a:pt x="0" y="71"/>
+                  </a:lnTo>
+                  <a:lnTo>
+                    <a:pt x="69" y="0"/>
+                  </a:lnTo>
+                  <a:lnTo>
+                    <a:pt x="78" y="9"/>
+                  </a:lnTo>
+                  <a:lnTo>
+                    <a:pt x="6" y="80"/>
+                  </a:lnTo>
+                  <a:close/>
+                </a:path>
+              </a:pathLst>
+            </a:custGeom>
+            <a:grpFill/>
+            <a:ln>
+              <a:noFill/>
+            </a:ln>
+            <a:extLst>
+              <a:ext uri="{91240B29-F687-4f45-9708-019B960494DF}">
+                <a14:hiddenLine xmlns="" xmlns:a16="http://schemas.microsoft.com/office/drawing/2014/main" xmlns:p14="http://schemas.microsoft.com/office/powerpoint/2010/main" xmlns:a14="http://schemas.microsoft.com/office/drawing/2010/main" w="9525">
+                  <a:solidFill>
+                    <a:srgbClr val="000000"/>
+                  </a:solidFill>
+                  <a:round/>
+                  <a:headEnd/>
+                  <a:tailEnd/>
+                </a14:hiddenLine>
+              </a:ext>
+            </a:extLst>
+          </p:spPr>
+        </p:sp>
+        <p:sp>
+          <p:nvSpPr>
+            <p:cNvPr id="35" name="Freeform 18">
+              <a:extLst>
+                <a:ext uri="{FF2B5EF4-FFF2-40B4-BE49-F238E27FC236}">
+                  <a16:creationId xmlns:a16="http://schemas.microsoft.com/office/drawing/2014/main" id="{2D21010F-3DE2-4881-B9D5-3415C4E05DAC}"/>
+                </a:ext>
+                <a:ext uri="{C183D7F6-B498-43B3-948B-1728B52AA6E4}">
+                  <adec:decorative xmlns:adec="http://schemas.microsoft.com/office/drawing/2017/decorative" val="1"/>
+                </a:ext>
+              </a:extLst>
+            </p:cNvPr>
+            <p:cNvSpPr/>
+            <p:nvPr>
+              <p:extLst>
+                <p:ext uri="{386F3935-93C4-4BCD-93E2-E3B085C9AB24}">
+                  <p16:designElem xmlns:p16="http://schemas.microsoft.com/office/powerpoint/2015/main" val="1"/>
+                </p:ext>
+              </p:extLst>
+            </p:nvPr>
+          </p:nvSpPr>
+          <p:spPr bwMode="auto">
+            <a:xfrm>
+              <a:off x="-9525" y="3549650"/>
+              <a:ext cx="147638" cy="481013"/>
+            </a:xfrm>
+            <a:custGeom>
+              <a:avLst/>
+              <a:gdLst/>
+              <a:ahLst/>
+              <a:cxnLst/>
+              <a:rect l="0" t="0" r="r" b="b"/>
+              <a:pathLst>
+                <a:path w="93" h="303">
+                  <a:moveTo>
+                    <a:pt x="93" y="303"/>
+                  </a:moveTo>
+                  <a:lnTo>
+                    <a:pt x="78" y="303"/>
+                  </a:lnTo>
+                  <a:lnTo>
+                    <a:pt x="78" y="78"/>
+                  </a:lnTo>
+                  <a:lnTo>
+                    <a:pt x="0" y="12"/>
+                  </a:lnTo>
+                  <a:lnTo>
+                    <a:pt x="12" y="0"/>
+                  </a:lnTo>
+                  <a:lnTo>
+                    <a:pt x="93" y="69"/>
+                  </a:lnTo>
+                  <a:lnTo>
+                    <a:pt x="93" y="303"/>
+                  </a:lnTo>
+                  <a:close/>
+                </a:path>
+              </a:pathLst>
+            </a:custGeom>
+            <a:grpFill/>
+            <a:ln>
+              <a:noFill/>
+            </a:ln>
+            <a:extLst>
+              <a:ext uri="{91240B29-F687-4f45-9708-019B960494DF}">
+                <a14:hiddenLine xmlns="" xmlns:a16="http://schemas.microsoft.com/office/drawing/2014/main" xmlns:p14="http://schemas.microsoft.com/office/powerpoint/2010/main" xmlns:a14="http://schemas.microsoft.com/office/drawing/2010/main" w="9525">
+                  <a:solidFill>
+                    <a:srgbClr val="000000"/>
+                  </a:solidFill>
+                  <a:round/>
+                  <a:headEnd/>
+                  <a:tailEnd/>
+                </a14:hiddenLine>
+              </a:ext>
+            </a:extLst>
+          </p:spPr>
+        </p:sp>
+        <p:sp>
+          <p:nvSpPr>
+            <p:cNvPr id="36" name="Freeform 19">
+              <a:extLst>
+                <a:ext uri="{FF2B5EF4-FFF2-40B4-BE49-F238E27FC236}">
+                  <a16:creationId xmlns:a16="http://schemas.microsoft.com/office/drawing/2014/main" id="{2AFDF4BC-8E99-4A2C-9EF2-4B98A05C2E3B}"/>
+                </a:ext>
+                <a:ext uri="{C183D7F6-B498-43B3-948B-1728B52AA6E4}">
+                  <adec:decorative xmlns:adec="http://schemas.microsoft.com/office/drawing/2017/decorative" val="1"/>
+                </a:ext>
+              </a:extLst>
+            </p:cNvPr>
+            <p:cNvSpPr/>
+            <p:nvPr>
+              <p:extLst>
+                <p:ext uri="{386F3935-93C4-4BCD-93E2-E3B085C9AB24}">
+                  <p16:designElem xmlns:p16="http://schemas.microsoft.com/office/powerpoint/2015/main" val="1"/>
+                </p:ext>
+              </p:extLst>
+            </p:nvPr>
+          </p:nvSpPr>
+          <p:spPr bwMode="auto">
+            <a:xfrm>
+              <a:off x="128587" y="1382713"/>
+              <a:ext cx="142875" cy="476250"/>
+            </a:xfrm>
+            <a:custGeom>
+              <a:avLst/>
+              <a:gdLst/>
+              <a:ahLst/>
+              <a:cxnLst/>
+              <a:rect l="0" t="0" r="r" b="b"/>
+              <a:pathLst>
+                <a:path w="90" h="300">
+                  <a:moveTo>
+                    <a:pt x="90" y="300"/>
+                  </a:moveTo>
+                  <a:lnTo>
+                    <a:pt x="78" y="300"/>
+                  </a:lnTo>
+                  <a:lnTo>
+                    <a:pt x="78" y="84"/>
+                  </a:lnTo>
+                  <a:lnTo>
+                    <a:pt x="0" y="9"/>
+                  </a:lnTo>
+                  <a:lnTo>
+                    <a:pt x="9" y="0"/>
+                  </a:lnTo>
+                  <a:lnTo>
+                    <a:pt x="90" y="81"/>
+                  </a:lnTo>
+                  <a:lnTo>
+                    <a:pt x="90" y="300"/>
+                  </a:lnTo>
+                  <a:close/>
+                </a:path>
+              </a:pathLst>
+            </a:custGeom>
+            <a:grpFill/>
+            <a:ln>
+              <a:noFill/>
+            </a:ln>
+            <a:extLst>
+              <a:ext uri="{91240B29-F687-4f45-9708-019B960494DF}">
+                <a14:hiddenLine xmlns="" xmlns:a16="http://schemas.microsoft.com/office/drawing/2014/main" xmlns:p14="http://schemas.microsoft.com/office/powerpoint/2010/main" xmlns:a14="http://schemas.microsoft.com/office/drawing/2010/main" w="9525">
+                  <a:solidFill>
+                    <a:srgbClr val="000000"/>
+                  </a:solidFill>
+                  <a:round/>
+                  <a:headEnd/>
+                  <a:tailEnd/>
+                </a14:hiddenLine>
+              </a:ext>
+            </a:extLst>
+          </p:spPr>
+        </p:sp>
+        <p:sp>
+          <p:nvSpPr>
+            <p:cNvPr id="37" name="Freeform 20">
+              <a:extLst>
+                <a:ext uri="{FF2B5EF4-FFF2-40B4-BE49-F238E27FC236}">
+                  <a16:creationId xmlns:a16="http://schemas.microsoft.com/office/drawing/2014/main" id="{BB8EAEE8-22EA-4103-A02E-5043474C4BE1}"/>
+                </a:ext>
+                <a:ext uri="{C183D7F6-B498-43B3-948B-1728B52AA6E4}">
+                  <adec:decorative xmlns:adec="http://schemas.microsoft.com/office/drawing/2017/decorative" val="1"/>
+                </a:ext>
+              </a:extLst>
+            </p:cNvPr>
+            <p:cNvSpPr>
+              <a:spLocks noEditPoints="1"/>
+            </p:cNvSpPr>
+            <p:nvPr>
+              <p:extLst>
+                <p:ext uri="{386F3935-93C4-4BCD-93E2-E3B085C9AB24}">
+                  <p16:designElem xmlns:p16="http://schemas.microsoft.com/office/powerpoint/2015/main" val="1"/>
+                </p:ext>
+              </p:extLst>
+            </p:nvPr>
+          </p:nvSpPr>
+          <p:spPr bwMode="auto">
+            <a:xfrm>
+              <a:off x="204787" y="1849438"/>
+              <a:ext cx="114300" cy="107950"/>
+            </a:xfrm>
+            <a:custGeom>
+              <a:avLst/>
+              <a:gdLst/>
+              <a:ahLst/>
+              <a:cxnLst/>
+              <a:rect l="0" t="0" r="r" b="b"/>
+              <a:pathLst>
+                <a:path w="24" h="23">
+                  <a:moveTo>
+                    <a:pt x="12" y="23"/>
+                  </a:moveTo>
+                  <a:cubicBezTo>
+                    <a:pt x="6" y="23"/>
+                    <a:pt x="0" y="18"/>
+                    <a:pt x="0" y="12"/>
+                  </a:cubicBezTo>
+                  <a:cubicBezTo>
+                    <a:pt x="0" y="5"/>
+                    <a:pt x="6" y="0"/>
+                    <a:pt x="12" y="0"/>
+                  </a:cubicBezTo>
+                  <a:cubicBezTo>
+                    <a:pt x="18" y="0"/>
+                    <a:pt x="24" y="5"/>
+                    <a:pt x="24" y="12"/>
+                  </a:cubicBezTo>
+                  <a:cubicBezTo>
+                    <a:pt x="24" y="18"/>
+                    <a:pt x="18" y="23"/>
+                    <a:pt x="12" y="23"/>
+                  </a:cubicBezTo>
+                  <a:close/>
+                  <a:moveTo>
+                    <a:pt x="12" y="4"/>
+                  </a:moveTo>
+                  <a:cubicBezTo>
+                    <a:pt x="8" y="4"/>
+                    <a:pt x="4" y="8"/>
+                    <a:pt x="4" y="12"/>
+                  </a:cubicBezTo>
+                  <a:cubicBezTo>
+                    <a:pt x="4" y="16"/>
+                    <a:pt x="8" y="19"/>
+                    <a:pt x="12" y="19"/>
+                  </a:cubicBezTo>
+                  <a:cubicBezTo>
+                    <a:pt x="16" y="19"/>
+                    <a:pt x="20" y="16"/>
+                    <a:pt x="20" y="12"/>
+                  </a:cubicBezTo>
+                  <a:cubicBezTo>
+                    <a:pt x="20" y="8"/>
+                    <a:pt x="16" y="4"/>
+                    <a:pt x="12" y="4"/>
+                  </a:cubicBezTo>
+                  <a:close/>
+                </a:path>
+              </a:pathLst>
+            </a:custGeom>
+            <a:grpFill/>
+            <a:ln>
+              <a:noFill/>
+            </a:ln>
+            <a:extLst>
+              <a:ext uri="{91240B29-F687-4f45-9708-019B960494DF}">
+                <a14:hiddenLine xmlns="" xmlns:a16="http://schemas.microsoft.com/office/drawing/2014/main" xmlns:p14="http://schemas.microsoft.com/office/powerpoint/2010/main" xmlns:a14="http://schemas.microsoft.com/office/drawing/2010/main" w="9525">
+                  <a:solidFill>
+                    <a:srgbClr val="000000"/>
+                  </a:solidFill>
+                  <a:round/>
+                  <a:headEnd/>
+                  <a:tailEnd/>
+                </a14:hiddenLine>
+              </a:ext>
+            </a:extLst>
+          </p:spPr>
+        </p:sp>
+        <p:sp>
+          <p:nvSpPr>
+            <p:cNvPr id="38" name="Rectangle 21">
+              <a:extLst>
+                <a:ext uri="{FF2B5EF4-FFF2-40B4-BE49-F238E27FC236}">
+                  <a16:creationId xmlns:a16="http://schemas.microsoft.com/office/drawing/2014/main" id="{7148ABD2-E447-429F-B97E-86494051C101}"/>
+                </a:ext>
+                <a:ext uri="{C183D7F6-B498-43B3-948B-1728B52AA6E4}">
+                  <adec:decorative xmlns:adec="http://schemas.microsoft.com/office/drawing/2017/decorative" val="1"/>
+                </a:ext>
+              </a:extLst>
+            </p:cNvPr>
+            <p:cNvSpPr>
+              <a:spLocks noChangeArrowheads="1"/>
+            </p:cNvSpPr>
+            <p:nvPr>
+              <p:extLst>
+                <p:ext uri="{386F3935-93C4-4BCD-93E2-E3B085C9AB24}">
+                  <p16:designElem xmlns:p16="http://schemas.microsoft.com/office/powerpoint/2015/main" val="1"/>
+                </p:ext>
+              </p:extLst>
+            </p:nvPr>
+          </p:nvSpPr>
+          <p:spPr bwMode="auto">
+            <a:xfrm>
+              <a:off x="133350" y="4662488"/>
+              <a:ext cx="23813" cy="2181225"/>
+            </a:xfrm>
+            <a:prstGeom prst="rect">
+              <a:avLst/>
+            </a:prstGeom>
+            <a:grpFill/>
+            <a:ln>
+              <a:noFill/>
+            </a:ln>
+            <a:extLst>
+              <a:ext uri="{91240B29-F687-4f45-9708-019B960494DF}">
+                <a14:hiddenLine xmlns="" xmlns:a16="http://schemas.microsoft.com/office/drawing/2014/main" xmlns:p14="http://schemas.microsoft.com/office/powerpoint/2010/main" xmlns:a14="http://schemas.microsoft.com/office/drawing/2010/main" w="9525">
+                  <a:solidFill>
+                    <a:srgbClr val="000000"/>
+                  </a:solidFill>
+                  <a:miter lim="800000"/>
+                  <a:headEnd/>
+                  <a:tailEnd/>
+                </a14:hiddenLine>
+              </a:ext>
+            </a:extLst>
+          </p:spPr>
+        </p:sp>
+        <p:sp>
+          <p:nvSpPr>
+            <p:cNvPr id="39" name="Freeform 22">
+              <a:extLst>
+                <a:ext uri="{FF2B5EF4-FFF2-40B4-BE49-F238E27FC236}">
+                  <a16:creationId xmlns:a16="http://schemas.microsoft.com/office/drawing/2014/main" id="{99900F4A-F8CA-456E-9FA0-34572621C09B}"/>
+                </a:ext>
+                <a:ext uri="{C183D7F6-B498-43B3-948B-1728B52AA6E4}">
+                  <adec:decorative xmlns:adec="http://schemas.microsoft.com/office/drawing/2017/decorative" val="1"/>
+                </a:ext>
+              </a:extLst>
+            </p:cNvPr>
+            <p:cNvSpPr/>
+            <p:nvPr>
+              <p:extLst>
+                <p:ext uri="{386F3935-93C4-4BCD-93E2-E3B085C9AB24}">
+                  <p16:designElem xmlns:p16="http://schemas.microsoft.com/office/powerpoint/2015/main" val="1"/>
+                </p:ext>
+              </p:extLst>
+            </p:nvPr>
+          </p:nvSpPr>
+          <p:spPr bwMode="auto">
+            <a:xfrm>
+              <a:off x="223837" y="5041900"/>
+              <a:ext cx="369888" cy="1801813"/>
+            </a:xfrm>
+            <a:custGeom>
+              <a:avLst/>
+              <a:gdLst/>
+              <a:ahLst/>
+              <a:cxnLst/>
+              <a:rect l="0" t="0" r="r" b="b"/>
+              <a:pathLst>
+                <a:path w="233" h="1135">
+                  <a:moveTo>
+                    <a:pt x="15" y="1135"/>
+                  </a:moveTo>
+                  <a:lnTo>
+                    <a:pt x="0" y="1135"/>
+                  </a:lnTo>
+                  <a:lnTo>
+                    <a:pt x="0" y="515"/>
+                  </a:lnTo>
+                  <a:lnTo>
+                    <a:pt x="0" y="512"/>
+                  </a:lnTo>
+                  <a:lnTo>
+                    <a:pt x="218" y="0"/>
+                  </a:lnTo>
+                  <a:lnTo>
+                    <a:pt x="233" y="6"/>
+                  </a:lnTo>
+                  <a:lnTo>
+                    <a:pt x="15" y="518"/>
+                  </a:lnTo>
+                  <a:lnTo>
+                    <a:pt x="15" y="1135"/>
+                  </a:lnTo>
+                  <a:close/>
+                </a:path>
+              </a:pathLst>
+            </a:custGeom>
+            <a:grpFill/>
+            <a:ln>
+              <a:noFill/>
+            </a:ln>
+            <a:extLst>
+              <a:ext uri="{91240B29-F687-4f45-9708-019B960494DF}">
+                <a14:hiddenLine xmlns="" xmlns:a16="http://schemas.microsoft.com/office/drawing/2014/main" xmlns:p14="http://schemas.microsoft.com/office/powerpoint/2010/main" xmlns:a14="http://schemas.microsoft.com/office/drawing/2010/main" w="9525">
+                  <a:solidFill>
+                    <a:srgbClr val="000000"/>
+                  </a:solidFill>
+                  <a:round/>
+                  <a:headEnd/>
+                  <a:tailEnd/>
+                </a14:hiddenLine>
+              </a:ext>
+            </a:extLst>
+          </p:spPr>
+        </p:sp>
+        <p:sp>
+          <p:nvSpPr>
+            <p:cNvPr id="40" name="Freeform 23">
+              <a:extLst>
+                <a:ext uri="{FF2B5EF4-FFF2-40B4-BE49-F238E27FC236}">
+                  <a16:creationId xmlns:a16="http://schemas.microsoft.com/office/drawing/2014/main" id="{DF5CD0A9-E49B-4968-886B-41C1A66D2329}"/>
+                </a:ext>
+                <a:ext uri="{C183D7F6-B498-43B3-948B-1728B52AA6E4}">
+                  <adec:decorative xmlns:adec="http://schemas.microsoft.com/office/drawing/2017/decorative" val="1"/>
+                </a:ext>
+              </a:extLst>
+            </p:cNvPr>
+            <p:cNvSpPr>
+              <a:spLocks noEditPoints="1"/>
+            </p:cNvSpPr>
+            <p:nvPr>
+              <p:extLst>
+                <p:ext uri="{386F3935-93C4-4BCD-93E2-E3B085C9AB24}">
+                  <p16:designElem xmlns:p16="http://schemas.microsoft.com/office/powerpoint/2015/main" val="1"/>
+                </p:ext>
+              </p:extLst>
+            </p:nvPr>
+          </p:nvSpPr>
+          <p:spPr bwMode="auto">
+            <a:xfrm>
+              <a:off x="52387" y="4481513"/>
+              <a:ext cx="190500" cy="190500"/>
+            </a:xfrm>
+            <a:custGeom>
+              <a:avLst/>
+              <a:gdLst/>
+              <a:ahLst/>
+              <a:cxnLst/>
+              <a:rect l="0" t="0" r="r" b="b"/>
+              <a:pathLst>
+                <a:path w="40" h="40">
+                  <a:moveTo>
+                    <a:pt x="20" y="40"/>
+                  </a:moveTo>
+                  <a:cubicBezTo>
+                    <a:pt x="9" y="40"/>
+                    <a:pt x="0" y="31"/>
+                    <a:pt x="0" y="20"/>
+                  </a:cubicBezTo>
+                  <a:cubicBezTo>
+                    <a:pt x="0" y="9"/>
+                    <a:pt x="9" y="0"/>
+                    <a:pt x="20" y="0"/>
+                  </a:cubicBezTo>
+                  <a:cubicBezTo>
+                    <a:pt x="31" y="0"/>
+                    <a:pt x="40" y="9"/>
+                    <a:pt x="40" y="20"/>
+                  </a:cubicBezTo>
+                  <a:cubicBezTo>
+                    <a:pt x="40" y="31"/>
+                    <a:pt x="31" y="40"/>
+                    <a:pt x="20" y="40"/>
+                  </a:cubicBezTo>
+                  <a:close/>
+                  <a:moveTo>
+                    <a:pt x="20" y="4"/>
+                  </a:moveTo>
+                  <a:cubicBezTo>
+                    <a:pt x="11" y="4"/>
+                    <a:pt x="4" y="11"/>
+                    <a:pt x="4" y="20"/>
+                  </a:cubicBezTo>
+                  <a:cubicBezTo>
+                    <a:pt x="4" y="29"/>
+                    <a:pt x="11" y="36"/>
+                    <a:pt x="20" y="36"/>
+                  </a:cubicBezTo>
+                  <a:cubicBezTo>
+                    <a:pt x="28" y="36"/>
+                    <a:pt x="36" y="29"/>
+                    <a:pt x="36" y="20"/>
+                  </a:cubicBezTo>
+                  <a:cubicBezTo>
+                    <a:pt x="36" y="11"/>
+                    <a:pt x="28" y="4"/>
+                    <a:pt x="20" y="4"/>
+                  </a:cubicBezTo>
+                  <a:close/>
+                </a:path>
+              </a:pathLst>
+            </a:custGeom>
+            <a:grpFill/>
+            <a:ln>
+              <a:noFill/>
+            </a:ln>
+            <a:extLst>
+              <a:ext uri="{91240B29-F687-4f45-9708-019B960494DF}">
+                <a14:hiddenLine xmlns="" xmlns:a16="http://schemas.microsoft.com/office/drawing/2014/main" xmlns:p14="http://schemas.microsoft.com/office/powerpoint/2010/main" xmlns:a14="http://schemas.microsoft.com/office/drawing/2010/main" w="9525">
+                  <a:solidFill>
+                    <a:srgbClr val="000000"/>
+                  </a:solidFill>
+                  <a:round/>
+                  <a:headEnd/>
+                  <a:tailEnd/>
+                </a14:hiddenLine>
+              </a:ext>
+            </a:extLst>
+          </p:spPr>
+        </p:sp>
+        <p:sp>
+          <p:nvSpPr>
+            <p:cNvPr id="41" name="Freeform 24">
+              <a:extLst>
+                <a:ext uri="{FF2B5EF4-FFF2-40B4-BE49-F238E27FC236}">
+                  <a16:creationId xmlns:a16="http://schemas.microsoft.com/office/drawing/2014/main" id="{7E462582-7383-4272-A323-85C9D137C47C}"/>
+                </a:ext>
+                <a:ext uri="{C183D7F6-B498-43B3-948B-1728B52AA6E4}">
+                  <adec:decorative xmlns:adec="http://schemas.microsoft.com/office/drawing/2017/decorative" val="1"/>
+                </a:ext>
+              </a:extLst>
+            </p:cNvPr>
+            <p:cNvSpPr/>
+            <p:nvPr>
+              <p:extLst>
+                <p:ext uri="{386F3935-93C4-4BCD-93E2-E3B085C9AB24}">
+                  <p16:designElem xmlns:p16="http://schemas.microsoft.com/office/powerpoint/2015/main" val="1"/>
+                </p:ext>
+              </p:extLst>
+            </p:nvPr>
+          </p:nvSpPr>
+          <p:spPr bwMode="auto">
+            <a:xfrm>
+              <a:off x="-14288" y="5627688"/>
+              <a:ext cx="85725" cy="1216025"/>
+            </a:xfrm>
+            <a:custGeom>
+              <a:avLst/>
+              <a:gdLst/>
+              <a:ahLst/>
+              <a:cxnLst/>
+              <a:rect l="0" t="0" r="r" b="b"/>
+              <a:pathLst>
+                <a:path w="54" h="766">
+                  <a:moveTo>
+                    <a:pt x="54" y="766"/>
+                  </a:moveTo>
+                  <a:lnTo>
+                    <a:pt x="36" y="766"/>
+                  </a:lnTo>
+                  <a:lnTo>
+                    <a:pt x="36" y="149"/>
+                  </a:lnTo>
+                  <a:lnTo>
+                    <a:pt x="0" y="3"/>
+                  </a:lnTo>
+                  <a:lnTo>
+                    <a:pt x="18" y="0"/>
+                  </a:lnTo>
+                  <a:lnTo>
+                    <a:pt x="54" y="146"/>
+                  </a:lnTo>
+                  <a:lnTo>
+                    <a:pt x="54" y="766"/>
+                  </a:lnTo>
+                  <a:close/>
+                </a:path>
+              </a:pathLst>
+            </a:custGeom>
+            <a:grpFill/>
+            <a:ln>
+              <a:noFill/>
+            </a:ln>
+            <a:extLst>
+              <a:ext uri="{91240B29-F687-4f45-9708-019B960494DF}">
+                <a14:hiddenLine xmlns="" xmlns:a16="http://schemas.microsoft.com/office/drawing/2014/main" xmlns:p14="http://schemas.microsoft.com/office/powerpoint/2010/main" xmlns:a14="http://schemas.microsoft.com/office/drawing/2010/main" w="9525">
+                  <a:solidFill>
+                    <a:srgbClr val="000000"/>
+                  </a:solidFill>
+                  <a:round/>
+                  <a:headEnd/>
+                  <a:tailEnd/>
+                </a14:hiddenLine>
+              </a:ext>
+            </a:extLst>
+          </p:spPr>
+        </p:sp>
+        <p:sp>
+          <p:nvSpPr>
+            <p:cNvPr id="42" name="Freeform 25">
+              <a:extLst>
+                <a:ext uri="{FF2B5EF4-FFF2-40B4-BE49-F238E27FC236}">
+                  <a16:creationId xmlns:a16="http://schemas.microsoft.com/office/drawing/2014/main" id="{CB472F67-7C37-4D80-B346-DE30D44B55A0}"/>
+                </a:ext>
+                <a:ext uri="{C183D7F6-B498-43B3-948B-1728B52AA6E4}">
+                  <adec:decorative xmlns:adec="http://schemas.microsoft.com/office/drawing/2017/decorative" val="1"/>
+                </a:ext>
+              </a:extLst>
+            </p:cNvPr>
+            <p:cNvSpPr>
+              <a:spLocks noEditPoints="1"/>
+            </p:cNvSpPr>
+            <p:nvPr>
+              <p:extLst>
+                <p:ext uri="{386F3935-93C4-4BCD-93E2-E3B085C9AB24}">
+                  <p16:designElem xmlns:p16="http://schemas.microsoft.com/office/powerpoint/2015/main" val="1"/>
+                </p:ext>
+              </p:extLst>
+            </p:nvPr>
+          </p:nvSpPr>
+          <p:spPr bwMode="auto">
+            <a:xfrm>
+              <a:off x="527050" y="4867275"/>
+              <a:ext cx="190500" cy="188913"/>
+            </a:xfrm>
+            <a:custGeom>
+              <a:avLst/>
+              <a:gdLst/>
+              <a:ahLst/>
+              <a:cxnLst/>
+              <a:rect l="0" t="0" r="r" b="b"/>
+              <a:pathLst>
+                <a:path w="40" h="40">
+                  <a:moveTo>
+                    <a:pt x="20" y="40"/>
+                  </a:moveTo>
+                  <a:cubicBezTo>
+                    <a:pt x="9" y="40"/>
+                    <a:pt x="0" y="31"/>
+                    <a:pt x="0" y="20"/>
+                  </a:cubicBezTo>
+                  <a:cubicBezTo>
+                    <a:pt x="0" y="9"/>
+                    <a:pt x="9" y="0"/>
+                    <a:pt x="20" y="0"/>
+                  </a:cubicBezTo>
+                  <a:cubicBezTo>
+                    <a:pt x="31" y="0"/>
+                    <a:pt x="40" y="9"/>
+                    <a:pt x="40" y="20"/>
+                  </a:cubicBezTo>
+                  <a:cubicBezTo>
+                    <a:pt x="40" y="31"/>
+                    <a:pt x="31" y="40"/>
+                    <a:pt x="20" y="40"/>
+                  </a:cubicBezTo>
+                  <a:close/>
+                  <a:moveTo>
+                    <a:pt x="20" y="4"/>
+                  </a:moveTo>
+                  <a:cubicBezTo>
+                    <a:pt x="11" y="4"/>
+                    <a:pt x="4" y="11"/>
+                    <a:pt x="4" y="20"/>
+                  </a:cubicBezTo>
+                  <a:cubicBezTo>
+                    <a:pt x="4" y="29"/>
+                    <a:pt x="11" y="36"/>
+                    <a:pt x="20" y="36"/>
+                  </a:cubicBezTo>
+                  <a:cubicBezTo>
+                    <a:pt x="29" y="36"/>
+                    <a:pt x="36" y="29"/>
+                    <a:pt x="36" y="20"/>
+                  </a:cubicBezTo>
+                  <a:cubicBezTo>
+                    <a:pt x="36" y="11"/>
+                    <a:pt x="29" y="4"/>
+                    <a:pt x="20" y="4"/>
+                  </a:cubicBezTo>
+                  <a:close/>
+                </a:path>
+              </a:pathLst>
+            </a:custGeom>
+            <a:grpFill/>
+            <a:ln>
+              <a:noFill/>
+            </a:ln>
+            <a:extLst>
+              <a:ext uri="{91240B29-F687-4f45-9708-019B960494DF}">
+                <a14:hiddenLine xmlns="" xmlns:a16="http://schemas.microsoft.com/office/drawing/2014/main" xmlns:p14="http://schemas.microsoft.com/office/powerpoint/2010/main" xmlns:a14="http://schemas.microsoft.com/office/drawing/2010/main" w="9525">
+                  <a:solidFill>
+                    <a:srgbClr val="000000"/>
+                  </a:solidFill>
+                  <a:round/>
+                  <a:headEnd/>
+                  <a:tailEnd/>
+                </a14:hiddenLine>
+              </a:ext>
+            </a:extLst>
+          </p:spPr>
+        </p:sp>
+        <p:sp>
+          <p:nvSpPr>
+            <p:cNvPr id="43" name="Freeform 26">
+              <a:extLst>
+                <a:ext uri="{FF2B5EF4-FFF2-40B4-BE49-F238E27FC236}">
+                  <a16:creationId xmlns:a16="http://schemas.microsoft.com/office/drawing/2014/main" id="{19A8AE83-358F-4D4E-91C7-F09E35097AA1}"/>
+                </a:ext>
+                <a:ext uri="{C183D7F6-B498-43B3-948B-1728B52AA6E4}">
+                  <adec:decorative xmlns:adec="http://schemas.microsoft.com/office/drawing/2017/decorative" val="1"/>
+                </a:ext>
+              </a:extLst>
+            </p:cNvPr>
+            <p:cNvSpPr/>
+            <p:nvPr>
+              <p:extLst>
+                <p:ext uri="{386F3935-93C4-4BCD-93E2-E3B085C9AB24}">
+                  <p16:designElem xmlns:p16="http://schemas.microsoft.com/office/powerpoint/2015/main" val="1"/>
+                </p:ext>
+              </p:extLst>
+            </p:nvPr>
+          </p:nvSpPr>
+          <p:spPr bwMode="auto">
+            <a:xfrm>
+              <a:off x="309562" y="5422900"/>
+              <a:ext cx="374650" cy="1425575"/>
+            </a:xfrm>
+            <a:custGeom>
+              <a:avLst/>
+              <a:gdLst/>
+              <a:ahLst/>
+              <a:cxnLst/>
+              <a:rect l="0" t="0" r="r" b="b"/>
+              <a:pathLst>
+                <a:path w="236" h="898">
+                  <a:moveTo>
+                    <a:pt x="18" y="898"/>
+                  </a:moveTo>
+                  <a:lnTo>
+                    <a:pt x="0" y="898"/>
+                  </a:lnTo>
+                  <a:lnTo>
+                    <a:pt x="0" y="515"/>
+                  </a:lnTo>
+                  <a:lnTo>
+                    <a:pt x="3" y="512"/>
+                  </a:lnTo>
+                  <a:lnTo>
+                    <a:pt x="221" y="0"/>
+                  </a:lnTo>
+                  <a:lnTo>
+                    <a:pt x="236" y="6"/>
+                  </a:lnTo>
+                  <a:lnTo>
+                    <a:pt x="18" y="518"/>
+                  </a:lnTo>
+                  <a:lnTo>
+                    <a:pt x="18" y="898"/>
+                  </a:lnTo>
+                  <a:close/>
+                </a:path>
+              </a:pathLst>
+            </a:custGeom>
+            <a:grpFill/>
+            <a:ln>
+              <a:noFill/>
+            </a:ln>
+            <a:extLst>
+              <a:ext uri="{91240B29-F687-4f45-9708-019B960494DF}">
+                <a14:hiddenLine xmlns="" xmlns:a16="http://schemas.microsoft.com/office/drawing/2014/main" xmlns:p14="http://schemas.microsoft.com/office/powerpoint/2010/main" xmlns:a14="http://schemas.microsoft.com/office/drawing/2010/main" w="9525">
+                  <a:solidFill>
+                    <a:srgbClr val="000000"/>
+                  </a:solidFill>
+                  <a:round/>
+                  <a:headEnd/>
+                  <a:tailEnd/>
+                </a14:hiddenLine>
+              </a:ext>
+            </a:extLst>
+          </p:spPr>
+        </p:sp>
+        <p:sp>
+          <p:nvSpPr>
+            <p:cNvPr id="44" name="Freeform 27">
+              <a:extLst>
+                <a:ext uri="{FF2B5EF4-FFF2-40B4-BE49-F238E27FC236}">
+                  <a16:creationId xmlns:a16="http://schemas.microsoft.com/office/drawing/2014/main" id="{C4B79436-9285-45DE-A9FB-B3DD7507380C}"/>
+                </a:ext>
+                <a:ext uri="{C183D7F6-B498-43B3-948B-1728B52AA6E4}">
+                  <adec:decorative xmlns:adec="http://schemas.microsoft.com/office/drawing/2017/decorative" val="1"/>
+                </a:ext>
+              </a:extLst>
+            </p:cNvPr>
+            <p:cNvSpPr/>
+            <p:nvPr>
+              <p:extLst>
+                <p:ext uri="{386F3935-93C4-4BCD-93E2-E3B085C9AB24}">
+                  <p16:designElem xmlns:p16="http://schemas.microsoft.com/office/powerpoint/2015/main" val="1"/>
+                </p:ext>
+              </p:extLst>
+            </p:nvPr>
+          </p:nvSpPr>
+          <p:spPr bwMode="auto">
+            <a:xfrm>
+              <a:off x="569912" y="5945188"/>
+              <a:ext cx="152400" cy="912813"/>
+            </a:xfrm>
+            <a:custGeom>
+              <a:avLst/>
+              <a:gdLst/>
+              <a:ahLst/>
+              <a:cxnLst/>
+              <a:rect l="0" t="0" r="r" b="b"/>
+              <a:pathLst>
+                <a:path w="96" h="575">
+                  <a:moveTo>
+                    <a:pt x="15" y="575"/>
+                  </a:moveTo>
+                  <a:lnTo>
+                    <a:pt x="0" y="569"/>
+                  </a:lnTo>
+                  <a:lnTo>
+                    <a:pt x="81" y="383"/>
+                  </a:lnTo>
+                  <a:lnTo>
+                    <a:pt x="81" y="0"/>
+                  </a:lnTo>
+                  <a:lnTo>
+                    <a:pt x="96" y="0"/>
+                  </a:lnTo>
+                  <a:lnTo>
+                    <a:pt x="96" y="386"/>
+                  </a:lnTo>
+                  <a:lnTo>
+                    <a:pt x="15" y="575"/>
+                  </a:lnTo>
+                  <a:close/>
+                </a:path>
+              </a:pathLst>
+            </a:custGeom>
+            <a:grpFill/>
+            <a:ln>
+              <a:noFill/>
+            </a:ln>
+            <a:extLst>
+              <a:ext uri="{91240B29-F687-4f45-9708-019B960494DF}">
+                <a14:hiddenLine xmlns="" xmlns:a16="http://schemas.microsoft.com/office/drawing/2014/main" xmlns:p14="http://schemas.microsoft.com/office/powerpoint/2010/main" xmlns:a14="http://schemas.microsoft.com/office/drawing/2010/main" w="9525">
+                  <a:solidFill>
+                    <a:srgbClr val="000000"/>
+                  </a:solidFill>
+                  <a:round/>
+                  <a:headEnd/>
+                  <a:tailEnd/>
+                </a14:hiddenLine>
+              </a:ext>
+            </a:extLst>
+          </p:spPr>
+        </p:sp>
+        <p:sp>
+          <p:nvSpPr>
+            <p:cNvPr id="45" name="Freeform 28">
+              <a:extLst>
+                <a:ext uri="{FF2B5EF4-FFF2-40B4-BE49-F238E27FC236}">
+                  <a16:creationId xmlns:a16="http://schemas.microsoft.com/office/drawing/2014/main" id="{B0BF8BF3-C90A-483A-B61E-13D2C41FBAC5}"/>
+                </a:ext>
+                <a:ext uri="{C183D7F6-B498-43B3-948B-1728B52AA6E4}">
+                  <adec:decorative xmlns:adec="http://schemas.microsoft.com/office/drawing/2017/decorative" val="1"/>
+                </a:ext>
+              </a:extLst>
+            </p:cNvPr>
+            <p:cNvSpPr>
+              <a:spLocks noEditPoints="1"/>
+            </p:cNvSpPr>
+            <p:nvPr>
+              <p:extLst>
+                <p:ext uri="{386F3935-93C4-4BCD-93E2-E3B085C9AB24}">
+                  <p16:designElem xmlns:p16="http://schemas.microsoft.com/office/powerpoint/2015/main" val="1"/>
+                </p:ext>
+              </p:extLst>
+            </p:nvPr>
+          </p:nvSpPr>
+          <p:spPr bwMode="auto">
+            <a:xfrm>
+              <a:off x="612775" y="5246688"/>
+              <a:ext cx="190500" cy="190500"/>
+            </a:xfrm>
+            <a:custGeom>
+              <a:avLst/>
+              <a:gdLst/>
+              <a:ahLst/>
+              <a:cxnLst/>
+              <a:rect l="0" t="0" r="r" b="b"/>
+              <a:pathLst>
+                <a:path w="40" h="40">
+                  <a:moveTo>
+                    <a:pt x="20" y="40"/>
+                  </a:moveTo>
+                  <a:cubicBezTo>
+                    <a:pt x="9" y="40"/>
+                    <a:pt x="0" y="31"/>
+                    <a:pt x="0" y="20"/>
+                  </a:cubicBezTo>
+                  <a:cubicBezTo>
+                    <a:pt x="0" y="9"/>
+                    <a:pt x="9" y="0"/>
+                    <a:pt x="20" y="0"/>
+                  </a:cubicBezTo>
+                  <a:cubicBezTo>
+                    <a:pt x="31" y="0"/>
+                    <a:pt x="40" y="9"/>
+                    <a:pt x="40" y="20"/>
+                  </a:cubicBezTo>
+                  <a:cubicBezTo>
+                    <a:pt x="40" y="31"/>
+                    <a:pt x="31" y="40"/>
+                    <a:pt x="20" y="40"/>
+                  </a:cubicBezTo>
+                  <a:close/>
+                  <a:moveTo>
+                    <a:pt x="20" y="4"/>
+                  </a:moveTo>
+                  <a:cubicBezTo>
+                    <a:pt x="12" y="4"/>
+                    <a:pt x="4" y="11"/>
+                    <a:pt x="4" y="20"/>
+                  </a:cubicBezTo>
+                  <a:cubicBezTo>
+                    <a:pt x="4" y="29"/>
+                    <a:pt x="12" y="36"/>
+                    <a:pt x="20" y="36"/>
+                  </a:cubicBezTo>
+                  <a:cubicBezTo>
+                    <a:pt x="29" y="36"/>
+                    <a:pt x="36" y="29"/>
+                    <a:pt x="36" y="20"/>
+                  </a:cubicBezTo>
+                  <a:cubicBezTo>
+                    <a:pt x="36" y="11"/>
+                    <a:pt x="29" y="4"/>
+                    <a:pt x="20" y="4"/>
+                  </a:cubicBezTo>
+                  <a:close/>
+                </a:path>
+              </a:pathLst>
+            </a:custGeom>
+            <a:grpFill/>
+            <a:ln>
+              <a:noFill/>
+            </a:ln>
+            <a:extLst>
+              <a:ext uri="{91240B29-F687-4f45-9708-019B960494DF}">
+                <a14:hiddenLine xmlns="" xmlns:a16="http://schemas.microsoft.com/office/drawing/2014/main" xmlns:p14="http://schemas.microsoft.com/office/powerpoint/2010/main" xmlns:a14="http://schemas.microsoft.com/office/drawing/2010/main" w="9525">
+                  <a:solidFill>
+                    <a:srgbClr val="000000"/>
+                  </a:solidFill>
+                  <a:round/>
+                  <a:headEnd/>
+                  <a:tailEnd/>
+                </a14:hiddenLine>
+              </a:ext>
+            </a:extLst>
+          </p:spPr>
+        </p:sp>
+        <p:sp>
+          <p:nvSpPr>
+            <p:cNvPr id="46" name="Freeform 29">
+              <a:extLst>
+                <a:ext uri="{FF2B5EF4-FFF2-40B4-BE49-F238E27FC236}">
+                  <a16:creationId xmlns:a16="http://schemas.microsoft.com/office/drawing/2014/main" id="{31011274-F329-444B-9B06-69DD2EC44907}"/>
+                </a:ext>
+                <a:ext uri="{C183D7F6-B498-43B3-948B-1728B52AA6E4}">
+                  <adec:decorative xmlns:adec="http://schemas.microsoft.com/office/drawing/2017/decorative" val="1"/>
+                </a:ext>
+              </a:extLst>
+            </p:cNvPr>
+            <p:cNvSpPr>
+              <a:spLocks noEditPoints="1"/>
+            </p:cNvSpPr>
+            <p:nvPr>
+              <p:extLst>
+                <p:ext uri="{386F3935-93C4-4BCD-93E2-E3B085C9AB24}">
+                  <p16:designElem xmlns:p16="http://schemas.microsoft.com/office/powerpoint/2015/main" val="1"/>
+                </p:ext>
+              </p:extLst>
+            </p:nvPr>
+          </p:nvSpPr>
+          <p:spPr bwMode="auto">
+            <a:xfrm>
+              <a:off x="612775" y="5764213"/>
+              <a:ext cx="190500" cy="190500"/>
+            </a:xfrm>
+            <a:custGeom>
+              <a:avLst/>
+              <a:gdLst/>
+              <a:ahLst/>
+              <a:cxnLst/>
+              <a:rect l="0" t="0" r="r" b="b"/>
+              <a:pathLst>
+                <a:path w="40" h="40">
+                  <a:moveTo>
+                    <a:pt x="20" y="40"/>
+                  </a:moveTo>
+                  <a:cubicBezTo>
+                    <a:pt x="9" y="40"/>
+                    <a:pt x="0" y="31"/>
+                    <a:pt x="0" y="20"/>
+                  </a:cubicBezTo>
+                  <a:cubicBezTo>
+                    <a:pt x="0" y="9"/>
+                    <a:pt x="9" y="0"/>
+                    <a:pt x="20" y="0"/>
+                  </a:cubicBezTo>
+                  <a:cubicBezTo>
+                    <a:pt x="31" y="0"/>
+                    <a:pt x="40" y="9"/>
+                    <a:pt x="40" y="20"/>
+                  </a:cubicBezTo>
+                  <a:cubicBezTo>
+                    <a:pt x="40" y="31"/>
+                    <a:pt x="31" y="40"/>
+                    <a:pt x="20" y="40"/>
+                  </a:cubicBezTo>
+                  <a:close/>
+                  <a:moveTo>
+                    <a:pt x="20" y="4"/>
+                  </a:moveTo>
+                  <a:cubicBezTo>
+                    <a:pt x="12" y="4"/>
+                    <a:pt x="4" y="11"/>
+                    <a:pt x="4" y="20"/>
+                  </a:cubicBezTo>
+                  <a:cubicBezTo>
+                    <a:pt x="4" y="29"/>
+                    <a:pt x="12" y="36"/>
+                    <a:pt x="20" y="36"/>
+                  </a:cubicBezTo>
+                  <a:cubicBezTo>
+                    <a:pt x="29" y="36"/>
+                    <a:pt x="36" y="29"/>
+                    <a:pt x="36" y="20"/>
+                  </a:cubicBezTo>
+                  <a:cubicBezTo>
+                    <a:pt x="36" y="11"/>
+                    <a:pt x="29" y="4"/>
+                    <a:pt x="20" y="4"/>
+                  </a:cubicBezTo>
+                  <a:close/>
+                </a:path>
+              </a:pathLst>
+            </a:custGeom>
+            <a:grpFill/>
+            <a:ln>
+              <a:noFill/>
+            </a:ln>
+            <a:extLst>
+              <a:ext uri="{91240B29-F687-4f45-9708-019B960494DF}">
+                <a14:hiddenLine xmlns="" xmlns:a16="http://schemas.microsoft.com/office/drawing/2014/main" xmlns:p14="http://schemas.microsoft.com/office/powerpoint/2010/main" xmlns:a14="http://schemas.microsoft.com/office/drawing/2010/main" w="9525">
+                  <a:solidFill>
+                    <a:srgbClr val="000000"/>
+                  </a:solidFill>
+                  <a:round/>
+                  <a:headEnd/>
+                  <a:tailEnd/>
+                </a14:hiddenLine>
+              </a:ext>
+            </a:extLst>
+          </p:spPr>
+        </p:sp>
+        <p:sp>
+          <p:nvSpPr>
+            <p:cNvPr id="47" name="Freeform 30">
+              <a:extLst>
+                <a:ext uri="{FF2B5EF4-FFF2-40B4-BE49-F238E27FC236}">
+                  <a16:creationId xmlns:a16="http://schemas.microsoft.com/office/drawing/2014/main" id="{DB8B1D39-5B9A-4B4E-849B-A5821A246004}"/>
+                </a:ext>
+                <a:ext uri="{C183D7F6-B498-43B3-948B-1728B52AA6E4}">
+                  <adec:decorative xmlns:adec="http://schemas.microsoft.com/office/drawing/2017/decorative" val="1"/>
+                </a:ext>
+              </a:extLst>
+            </p:cNvPr>
+            <p:cNvSpPr/>
+            <p:nvPr>
+              <p:extLst>
+                <p:ext uri="{386F3935-93C4-4BCD-93E2-E3B085C9AB24}">
+                  <p16:designElem xmlns:p16="http://schemas.microsoft.com/office/powerpoint/2015/main" val="1"/>
+                </p:ext>
+              </p:extLst>
+            </p:nvPr>
+          </p:nvSpPr>
+          <p:spPr bwMode="auto">
+            <a:xfrm>
+              <a:off x="669925" y="6330950"/>
+              <a:ext cx="417513" cy="517525"/>
+            </a:xfrm>
+            <a:custGeom>
+              <a:avLst/>
+              <a:gdLst/>
+              <a:ahLst/>
+              <a:cxnLst/>
+              <a:rect l="0" t="0" r="r" b="b"/>
+              <a:pathLst>
+                <a:path w="263" h="326">
+                  <a:moveTo>
+                    <a:pt x="15" y="326"/>
+                  </a:moveTo>
+                  <a:lnTo>
+                    <a:pt x="0" y="320"/>
+                  </a:lnTo>
+                  <a:lnTo>
+                    <a:pt x="45" y="206"/>
+                  </a:lnTo>
+                  <a:lnTo>
+                    <a:pt x="48" y="206"/>
+                  </a:lnTo>
+                  <a:lnTo>
+                    <a:pt x="254" y="0"/>
+                  </a:lnTo>
+                  <a:lnTo>
+                    <a:pt x="263" y="12"/>
+                  </a:lnTo>
+                  <a:lnTo>
+                    <a:pt x="60" y="215"/>
+                  </a:lnTo>
+                  <a:lnTo>
+                    <a:pt x="15" y="326"/>
+                  </a:lnTo>
+                  <a:close/>
+                </a:path>
+              </a:pathLst>
+            </a:custGeom>
+            <a:grpFill/>
+            <a:ln>
+              <a:noFill/>
+            </a:ln>
+            <a:extLst>
+              <a:ext uri="{91240B29-F687-4f45-9708-019B960494DF}">
+                <a14:hiddenLine xmlns="" xmlns:a16="http://schemas.microsoft.com/office/drawing/2014/main" xmlns:p14="http://schemas.microsoft.com/office/powerpoint/2010/main" xmlns:a14="http://schemas.microsoft.com/office/drawing/2010/main" w="9525">
+                  <a:solidFill>
+                    <a:srgbClr val="000000"/>
+                  </a:solidFill>
+                  <a:round/>
+                  <a:headEnd/>
+                  <a:tailEnd/>
+                </a14:hiddenLine>
+              </a:ext>
+            </a:extLst>
+          </p:spPr>
+        </p:sp>
+        <p:sp>
+          <p:nvSpPr>
+            <p:cNvPr id="48" name="Freeform 31">
+              <a:extLst>
+                <a:ext uri="{FF2B5EF4-FFF2-40B4-BE49-F238E27FC236}">
+                  <a16:creationId xmlns:a16="http://schemas.microsoft.com/office/drawing/2014/main" id="{336ECD63-75C2-4A32-A31B-30BB3097240E}"/>
+                </a:ext>
+                <a:ext uri="{C183D7F6-B498-43B3-948B-1728B52AA6E4}">
+                  <adec:decorative xmlns:adec="http://schemas.microsoft.com/office/drawing/2017/decorative" val="1"/>
+                </a:ext>
+              </a:extLst>
+            </p:cNvPr>
+            <p:cNvSpPr>
+              <a:spLocks noEditPoints="1"/>
+            </p:cNvSpPr>
+            <p:nvPr>
+              <p:extLst>
+                <p:ext uri="{386F3935-93C4-4BCD-93E2-E3B085C9AB24}">
+                  <p16:designElem xmlns:p16="http://schemas.microsoft.com/office/powerpoint/2015/main" val="1"/>
+                </p:ext>
+              </p:extLst>
+            </p:nvPr>
+          </p:nvSpPr>
+          <p:spPr bwMode="auto">
+            <a:xfrm>
+              <a:off x="1049337" y="6221413"/>
+              <a:ext cx="157163" cy="147638"/>
+            </a:xfrm>
+            <a:custGeom>
+              <a:avLst/>
+              <a:gdLst/>
+              <a:ahLst/>
+              <a:cxnLst/>
+              <a:rect l="0" t="0" r="r" b="b"/>
+              <a:pathLst>
+                <a:path w="33" h="31">
+                  <a:moveTo>
+                    <a:pt x="16" y="31"/>
+                  </a:moveTo>
+                  <a:cubicBezTo>
+                    <a:pt x="12" y="31"/>
+                    <a:pt x="8" y="29"/>
+                    <a:pt x="5" y="26"/>
+                  </a:cubicBezTo>
+                  <a:cubicBezTo>
+                    <a:pt x="2" y="24"/>
+                    <a:pt x="0" y="20"/>
+                    <a:pt x="0" y="15"/>
+                  </a:cubicBezTo>
+                  <a:cubicBezTo>
+                    <a:pt x="0" y="11"/>
+                    <a:pt x="2" y="7"/>
+                    <a:pt x="5" y="4"/>
+                  </a:cubicBezTo>
+                  <a:cubicBezTo>
+                    <a:pt x="8" y="1"/>
+                    <a:pt x="12" y="0"/>
+                    <a:pt x="16" y="0"/>
+                  </a:cubicBezTo>
+                  <a:cubicBezTo>
+                    <a:pt x="20" y="0"/>
+                    <a:pt x="24" y="1"/>
+                    <a:pt x="27" y="4"/>
+                  </a:cubicBezTo>
+                  <a:cubicBezTo>
+                    <a:pt x="33" y="10"/>
+                    <a:pt x="33" y="20"/>
+                    <a:pt x="27" y="26"/>
+                  </a:cubicBezTo>
+                  <a:cubicBezTo>
+                    <a:pt x="24" y="29"/>
+                    <a:pt x="20" y="31"/>
+                    <a:pt x="16" y="31"/>
+                  </a:cubicBezTo>
+                  <a:close/>
+                  <a:moveTo>
+                    <a:pt x="16" y="4"/>
+                  </a:moveTo>
+                  <a:cubicBezTo>
+                    <a:pt x="13" y="4"/>
+                    <a:pt x="10" y="5"/>
+                    <a:pt x="8" y="7"/>
+                  </a:cubicBezTo>
+                  <a:cubicBezTo>
+                    <a:pt x="6" y="9"/>
+                    <a:pt x="4" y="12"/>
+                    <a:pt x="4" y="15"/>
+                  </a:cubicBezTo>
+                  <a:cubicBezTo>
+                    <a:pt x="4" y="19"/>
+                    <a:pt x="6" y="21"/>
+                    <a:pt x="8" y="24"/>
+                  </a:cubicBezTo>
+                  <a:cubicBezTo>
+                    <a:pt x="10" y="26"/>
+                    <a:pt x="13" y="27"/>
+                    <a:pt x="16" y="27"/>
+                  </a:cubicBezTo>
+                  <a:cubicBezTo>
+                    <a:pt x="19" y="27"/>
+                    <a:pt x="22" y="26"/>
+                    <a:pt x="24" y="24"/>
+                  </a:cubicBezTo>
+                  <a:cubicBezTo>
+                    <a:pt x="29" y="19"/>
+                    <a:pt x="29" y="12"/>
+                    <a:pt x="24" y="7"/>
+                  </a:cubicBezTo>
+                  <a:cubicBezTo>
+                    <a:pt x="22" y="5"/>
+                    <a:pt x="19" y="4"/>
+                    <a:pt x="16" y="4"/>
+                  </a:cubicBezTo>
+                  <a:close/>
+                </a:path>
+              </a:pathLst>
+            </a:custGeom>
+            <a:grpFill/>
+            <a:ln>
+              <a:noFill/>
+            </a:ln>
+            <a:extLst>
+              <a:ext uri="{91240B29-F687-4f45-9708-019B960494DF}">
+                <a14:hiddenLine xmlns="" xmlns:a16="http://schemas.microsoft.com/office/drawing/2014/main" xmlns:p14="http://schemas.microsoft.com/office/powerpoint/2010/main" xmlns:a14="http://schemas.microsoft.com/office/drawing/2010/main" w="9525">
+                  <a:solidFill>
+                    <a:srgbClr val="000000"/>
+                  </a:solidFill>
+                  <a:round/>
+                  <a:headEnd/>
+                  <a:tailEnd/>
+                </a14:hiddenLine>
+              </a:ext>
+            </a:extLst>
+          </p:spPr>
+        </p:sp>
+      </p:grpSp>
+      <p:pic>
+        <p:nvPicPr>
+          <p:cNvPr id="8" name="Inhaltsplatzhalter 4">
+            <a:extLst>
+              <a:ext uri="{FF2B5EF4-FFF2-40B4-BE49-F238E27FC236}">
+                <a16:creationId xmlns:a16="http://schemas.microsoft.com/office/drawing/2014/main" id="{1F169042-864A-4D18-B461-3CEF59115381}"/>
+              </a:ext>
+            </a:extLst>
+          </p:cNvPr>
+          <p:cNvPicPr>
+            <a:picLocks noChangeAspect="1"/>
+          </p:cNvPicPr>
+          <p:nvPr/>
+        </p:nvPicPr>
+        <p:blipFill>
+          <a:blip r:embed="rId4"/>
+          <a:stretch>
+            <a:fillRect/>
+          </a:stretch>
+        </p:blipFill>
+        <p:spPr>
+          <a:xfrm>
+            <a:off x="4800530" y="643467"/>
+            <a:ext cx="6666541" cy="5566562"/>
+          </a:xfrm>
+          <a:prstGeom prst="rect">
+            <a:avLst/>
+          </a:prstGeom>
+        </p:spPr>
+      </p:pic>
+    </p:spTree>
+    <p:extLst>
+      <p:ext uri="{BB962C8B-B14F-4D97-AF65-F5344CB8AC3E}">
+        <p14:creationId xmlns:p14="http://schemas.microsoft.com/office/powerpoint/2010/main" val="3640406631"/>
+      </p:ext>
+    </p:extLst>
+  </p:cSld>
+  <p:clrMapOvr>
+    <a:overrideClrMapping bg1="lt1" tx1="dk1" bg2="lt2" tx2="dk2" accent1="accent1" accent2="accent2" accent3="accent3" accent4="accent4" accent5="accent5" accent6="accent6" hlink="hlink" folHlink="folHlink"/>
+  </p:clrMapOvr>
+</p:sld>
+</file>
+
+<file path=ppt/slides/slide8.xml><?xml version="1.0" encoding="utf-8"?>
+<p:sld xmlns:a="http://schemas.openxmlformats.org/drawingml/2006/main" xmlns:r="http://schemas.openxmlformats.org/officeDocument/2006/relationships" xmlns:p="http://schemas.openxmlformats.org/presentationml/2006/main">
+  <p:cSld>
+    <p:spTree>
+      <p:nvGrpSpPr>
+        <p:cNvPr id="1" name=""/>
+        <p:cNvGrpSpPr/>
+        <p:nvPr/>
+      </p:nvGrpSpPr>
+      <p:grpSpPr>
+        <a:xfrm>
+          <a:off x="0" y="0"/>
+          <a:ext cx="0" cy="0"/>
+          <a:chOff x="0" y="0"/>
+          <a:chExt cx="0" cy="0"/>
+        </a:xfrm>
+      </p:grpSpPr>
+      <p:sp>
+        <p:nvSpPr>
+          <p:cNvPr id="2" name="Titel 1">
+            <a:extLst>
+              <a:ext uri="{FF2B5EF4-FFF2-40B4-BE49-F238E27FC236}">
+                <a16:creationId xmlns:a16="http://schemas.microsoft.com/office/drawing/2014/main" id="{E152BCE4-DEBD-43E7-B15F-613256171F11}"/>
+              </a:ext>
+            </a:extLst>
+          </p:cNvPr>
+          <p:cNvSpPr>
+            <a:spLocks noGrp="1"/>
+          </p:cNvSpPr>
+          <p:nvPr>
+            <p:ph type="title"/>
+          </p:nvPr>
+        </p:nvSpPr>
+        <p:spPr/>
+        <p:txBody>
+          <a:bodyPr/>
+          <a:lstStyle/>
+          <a:p>
+            <a:r>
+              <a:rPr lang="de-CH" dirty="0"/>
+              <a:t>Taupunktspiegelmessverfahren</a:t>
+            </a:r>
+          </a:p>
+        </p:txBody>
+      </p:sp>
+      <p:sp>
+        <p:nvSpPr>
+          <p:cNvPr id="3" name="Inhaltsplatzhalter 2">
+            <a:extLst>
+              <a:ext uri="{FF2B5EF4-FFF2-40B4-BE49-F238E27FC236}">
+                <a16:creationId xmlns:a16="http://schemas.microsoft.com/office/drawing/2014/main" id="{F09CA223-3D6E-45D0-912F-6379CFCF4115}"/>
+              </a:ext>
+            </a:extLst>
+          </p:cNvPr>
+          <p:cNvSpPr>
+            <a:spLocks noGrp="1"/>
+          </p:cNvSpPr>
+          <p:nvPr>
+            <p:ph idx="1"/>
+          </p:nvPr>
+        </p:nvSpPr>
+        <p:spPr/>
+        <p:txBody>
+          <a:bodyPr/>
+          <a:lstStyle/>
+          <a:p>
+            <a:r>
+              <a:rPr lang="de-CH" dirty="0"/>
+              <a:t>Funktionsweise</a:t>
+            </a:r>
+          </a:p>
+          <a:p>
+            <a:r>
+              <a:rPr lang="de-CH" dirty="0"/>
+              <a:t>Vor- &amp; Nachteile</a:t>
+            </a:r>
+          </a:p>
+        </p:txBody>
+      </p:sp>
+    </p:spTree>
+    <p:extLst>
+      <p:ext uri="{BB962C8B-B14F-4D97-AF65-F5344CB8AC3E}">
+        <p14:creationId xmlns:p14="http://schemas.microsoft.com/office/powerpoint/2010/main" val="866532815"/>
+      </p:ext>
+    </p:extLst>
+  </p:cSld>
+  <p:clrMapOvr>
+    <a:masterClrMapping/>
+  </p:clrMapOvr>
+</p:sld>
+</file>
+
+<file path=ppt/slides/slide9.xml><?xml version="1.0" encoding="utf-8"?>
+<p:sld xmlns:a="http://schemas.openxmlformats.org/drawingml/2006/main" xmlns:r="http://schemas.openxmlformats.org/officeDocument/2006/relationships" xmlns:p="http://schemas.openxmlformats.org/presentationml/2006/main">
+  <p:cSld>
+    <p:spTree>
+      <p:nvGrpSpPr>
+        <p:cNvPr id="1" name=""/>
+        <p:cNvGrpSpPr/>
+        <p:nvPr/>
+      </p:nvGrpSpPr>
+      <p:grpSpPr>
+        <a:xfrm>
+          <a:off x="0" y="0"/>
+          <a:ext cx="0" cy="0"/>
+          <a:chOff x="0" y="0"/>
+          <a:chExt cx="0" cy="0"/>
+        </a:xfrm>
+      </p:grpSpPr>
+      <p:sp>
+        <p:nvSpPr>
+          <p:cNvPr id="2" name="Titel 1">
+            <a:extLst>
+              <a:ext uri="{FF2B5EF4-FFF2-40B4-BE49-F238E27FC236}">
+                <a16:creationId xmlns:a16="http://schemas.microsoft.com/office/drawing/2014/main" id="{A6720A75-5A75-458A-AAD5-56E1842309E9}"/>
+              </a:ext>
+            </a:extLst>
+          </p:cNvPr>
+          <p:cNvSpPr>
+            <a:spLocks noGrp="1"/>
+          </p:cNvSpPr>
+          <p:nvPr>
+            <p:ph type="title"/>
+          </p:nvPr>
+        </p:nvSpPr>
+        <p:spPr/>
+        <p:txBody>
+          <a:bodyPr>
+            <a:normAutofit/>
+          </a:bodyPr>
+          <a:lstStyle/>
+          <a:p>
+            <a:r>
+              <a:rPr lang="de-CH" sz="2800" dirty="0"/>
+              <a:t>Funktionsweise</a:t>
+            </a:r>
+          </a:p>
+        </p:txBody>
+      </p:sp>
+      <p:pic>
+        <p:nvPicPr>
+          <p:cNvPr id="4" name="Grafik 3">
+            <a:extLst>
+              <a:ext uri="{FF2B5EF4-FFF2-40B4-BE49-F238E27FC236}">
+                <a16:creationId xmlns:a16="http://schemas.microsoft.com/office/drawing/2014/main" id="{786F16C3-A3E9-406C-8166-17FCE03BF6C8}"/>
+              </a:ext>
+            </a:extLst>
+          </p:cNvPr>
+          <p:cNvPicPr>
+            <a:picLocks noChangeAspect="1"/>
+          </p:cNvPicPr>
+          <p:nvPr/>
+        </p:nvPicPr>
+        <p:blipFill>
+          <a:blip r:embed="rId2"/>
+          <a:stretch>
+            <a:fillRect/>
+          </a:stretch>
+        </p:blipFill>
+        <p:spPr>
+          <a:xfrm>
+            <a:off x="1239611" y="1595535"/>
+            <a:ext cx="2889185" cy="4826842"/>
+          </a:xfrm>
+          <a:prstGeom prst="rect">
+            <a:avLst/>
+          </a:prstGeom>
+        </p:spPr>
+      </p:pic>
+      <p:sp>
+        <p:nvSpPr>
+          <p:cNvPr id="5" name="Textfeld 4">
+            <a:extLst>
+              <a:ext uri="{FF2B5EF4-FFF2-40B4-BE49-F238E27FC236}">
+                <a16:creationId xmlns:a16="http://schemas.microsoft.com/office/drawing/2014/main" id="{865E0171-D408-4394-AB5A-3EF86EB97779}"/>
+              </a:ext>
+            </a:extLst>
+          </p:cNvPr>
+          <p:cNvSpPr txBox="1"/>
+          <p:nvPr/>
+        </p:nvSpPr>
+        <p:spPr>
+          <a:xfrm>
+            <a:off x="4226994" y="1700632"/>
+            <a:ext cx="5040923" cy="2308324"/>
+          </a:xfrm>
+          <a:prstGeom prst="rect">
+            <a:avLst/>
+          </a:prstGeom>
+          <a:noFill/>
+        </p:spPr>
+        <p:txBody>
+          <a:bodyPr wrap="square" rtlCol="0">
+            <a:spAutoFit/>
+          </a:bodyPr>
+          <a:lstStyle/>
+          <a:p>
+            <a:pPr marL="342900" indent="-342900">
+              <a:buAutoNum type="arabicParenR"/>
+            </a:pPr>
+            <a:r>
+              <a:rPr lang="de-CH" dirty="0"/>
+              <a:t>LED-Regelung</a:t>
+            </a:r>
+          </a:p>
+          <a:p>
+            <a:pPr marL="342900" indent="-342900">
+              <a:buAutoNum type="arabicParenR"/>
+            </a:pPr>
+            <a:r>
+              <a:rPr lang="de-CH" dirty="0"/>
+              <a:t>Optische Balanceregelung des Referenzstrahles</a:t>
+            </a:r>
+          </a:p>
+          <a:p>
+            <a:pPr marL="342900" indent="-342900">
+              <a:buAutoNum type="arabicParenR"/>
+            </a:pPr>
+            <a:r>
+              <a:rPr lang="de-CH" dirty="0"/>
+              <a:t>Taupunktspiegel</a:t>
+            </a:r>
+          </a:p>
+          <a:p>
+            <a:pPr marL="342900" indent="-342900">
+              <a:buAutoNum type="arabicParenR"/>
+            </a:pPr>
+            <a:r>
+              <a:rPr lang="de-CH" dirty="0"/>
+              <a:t>Temperaturfühler</a:t>
+            </a:r>
+          </a:p>
+          <a:p>
+            <a:pPr marL="342900" indent="-342900">
+              <a:buAutoNum type="arabicParenR"/>
+            </a:pPr>
+            <a:r>
+              <a:rPr lang="de-CH" dirty="0"/>
+              <a:t>Kühlelement (</a:t>
+            </a:r>
+            <a:r>
+              <a:rPr lang="de-CH" dirty="0" err="1"/>
+              <a:t>Peltierelemente</a:t>
+            </a:r>
+            <a:r>
+              <a:rPr lang="de-CH" dirty="0"/>
+              <a:t>)</a:t>
+            </a:r>
+          </a:p>
+          <a:p>
+            <a:pPr marL="342900" indent="-342900">
+              <a:buAutoNum type="arabicParenR"/>
+            </a:pPr>
+            <a:r>
+              <a:rPr lang="de-CH" dirty="0"/>
+              <a:t>Luft- oder Gasgemisch</a:t>
+            </a:r>
+          </a:p>
+          <a:p>
+            <a:pPr marL="342900" indent="-342900">
+              <a:buAutoNum type="arabicParenR"/>
+            </a:pPr>
+            <a:r>
+              <a:rPr lang="de-CH" dirty="0"/>
+              <a:t>Versorgung</a:t>
+            </a:r>
+          </a:p>
+          <a:p>
+            <a:pPr marL="342900" indent="-342900">
+              <a:buAutoNum type="arabicParenR"/>
+            </a:pPr>
+            <a:r>
+              <a:rPr lang="de-CH" dirty="0"/>
+              <a:t>Wärmefluss</a:t>
+            </a:r>
+          </a:p>
+        </p:txBody>
+      </p:sp>
+    </p:spTree>
+    <p:extLst>
+      <p:ext uri="{BB962C8B-B14F-4D97-AF65-F5344CB8AC3E}">
+        <p14:creationId xmlns:p14="http://schemas.microsoft.com/office/powerpoint/2010/main" val="849164119"/>
       </p:ext>
     </p:extLst>
   </p:cSld>
@@ -13917,4 +20630,299 @@
     </a:ext>
   </a:extLst>
 </a:theme>
+</file>
+
+<file path=ppt/theme/theme2.xml><?xml version="1.0" encoding="utf-8"?>
+<a:theme xmlns:a="http://schemas.openxmlformats.org/drawingml/2006/main" name="Office">
+  <a:themeElements>
+    <a:clrScheme name="Office">
+      <a:dk1>
+        <a:sysClr val="windowText" lastClr="000000"/>
+      </a:dk1>
+      <a:lt1>
+        <a:sysClr val="window" lastClr="FFFFFF"/>
+      </a:lt1>
+      <a:dk2>
+        <a:srgbClr val="44546A"/>
+      </a:dk2>
+      <a:lt2>
+        <a:srgbClr val="E7E6E6"/>
+      </a:lt2>
+      <a:accent1>
+        <a:srgbClr val="4472C4"/>
+      </a:accent1>
+      <a:accent2>
+        <a:srgbClr val="ED7D31"/>
+      </a:accent2>
+      <a:accent3>
+        <a:srgbClr val="A5A5A5"/>
+      </a:accent3>
+      <a:accent4>
+        <a:srgbClr val="FFC000"/>
+      </a:accent4>
+      <a:accent5>
+        <a:srgbClr val="5B9BD5"/>
+      </a:accent5>
+      <a:accent6>
+        <a:srgbClr val="70AD47"/>
+      </a:accent6>
+      <a:hlink>
+        <a:srgbClr val="0563C1"/>
+      </a:hlink>
+      <a:folHlink>
+        <a:srgbClr val="954F72"/>
+      </a:folHlink>
+    </a:clrScheme>
+    <a:fontScheme name="Office">
+      <a:majorFont>
+        <a:latin typeface="Calibri Light" panose="020F0302020204030204"/>
+        <a:ea typeface=""/>
+        <a:cs typeface=""/>
+        <a:font script="Jpan" typeface="游ゴシック Light"/>
+        <a:font script="Hang" typeface="맑은 고딕"/>
+        <a:font script="Hans" typeface="等线 Light"/>
+        <a:font script="Hant" typeface="新細明體"/>
+        <a:font script="Arab" typeface="Times New Roman"/>
+        <a:font script="Hebr" typeface="Times New Roman"/>
+        <a:font script="Thai" typeface="Angsana New"/>
+        <a:font script="Ethi" typeface="Nyala"/>
+        <a:font script="Beng" typeface="Vrinda"/>
+        <a:font script="Gujr" typeface="Shruti"/>
+        <a:font script="Khmr" typeface="MoolBoran"/>
+        <a:font script="Knda" typeface="Tunga"/>
+        <a:font script="Guru" typeface="Raavi"/>
+        <a:font script="Cans" typeface="Euphemia"/>
+        <a:font script="Cher" typeface="Plantagenet Cherokee"/>
+        <a:font script="Yiii" typeface="Microsoft Yi Baiti"/>
+        <a:font script="Tibt" typeface="Microsoft Himalaya"/>
+        <a:font script="Thaa" typeface="MV Boli"/>
+        <a:font script="Deva" typeface="Mangal"/>
+        <a:font script="Telu" typeface="Gautami"/>
+        <a:font script="Taml" typeface="Latha"/>
+        <a:font script="Syrc" typeface="Estrangelo Edessa"/>
+        <a:font script="Orya" typeface="Kalinga"/>
+        <a:font script="Mlym" typeface="Kartika"/>
+        <a:font script="Laoo" typeface="DokChampa"/>
+        <a:font script="Sinh" typeface="Iskoola Pota"/>
+        <a:font script="Mong" typeface="Mongolian Baiti"/>
+        <a:font script="Viet" typeface="Times New Roman"/>
+        <a:font script="Uigh" typeface="Microsoft Uighur"/>
+        <a:font script="Geor" typeface="Sylfaen"/>
+        <a:font script="Armn" typeface="Arial"/>
+        <a:font script="Bugi" typeface="Leelawadee UI"/>
+        <a:font script="Bopo" typeface="Microsoft JhengHei"/>
+        <a:font script="Java" typeface="Javanese Text"/>
+        <a:font script="Lisu" typeface="Segoe UI"/>
+        <a:font script="Mymr" typeface="Myanmar Text"/>
+        <a:font script="Nkoo" typeface="Ebrima"/>
+        <a:font script="Olck" typeface="Nirmala UI"/>
+        <a:font script="Osma" typeface="Ebrima"/>
+        <a:font script="Phag" typeface="Phagspa"/>
+        <a:font script="Syrn" typeface="Estrangelo Edessa"/>
+        <a:font script="Syrj" typeface="Estrangelo Edessa"/>
+        <a:font script="Syre" typeface="Estrangelo Edessa"/>
+        <a:font script="Sora" typeface="Nirmala UI"/>
+        <a:font script="Tale" typeface="Microsoft Tai Le"/>
+        <a:font script="Talu" typeface="Microsoft New Tai Lue"/>
+        <a:font script="Tfng" typeface="Ebrima"/>
+      </a:majorFont>
+      <a:minorFont>
+        <a:latin typeface="Calibri" panose="020F0502020204030204"/>
+        <a:ea typeface=""/>
+        <a:cs typeface=""/>
+        <a:font script="Jpan" typeface="游ゴシック"/>
+        <a:font script="Hang" typeface="맑은 고딕"/>
+        <a:font script="Hans" typeface="等线"/>
+        <a:font script="Hant" typeface="新細明體"/>
+        <a:font script="Arab" typeface="Arial"/>
+        <a:font script="Hebr" typeface="Arial"/>
+        <a:font script="Thai" typeface="Cordia New"/>
+        <a:font script="Ethi" typeface="Nyala"/>
+        <a:font script="Beng" typeface="Vrinda"/>
+        <a:font script="Gujr" typeface="Shruti"/>
+        <a:font script="Khmr" typeface="DaunPenh"/>
+        <a:font script="Knda" typeface="Tunga"/>
+        <a:font script="Guru" typeface="Raavi"/>
+        <a:font script="Cans" typeface="Euphemia"/>
+        <a:font script="Cher" typeface="Plantagenet Cherokee"/>
+        <a:font script="Yiii" typeface="Microsoft Yi Baiti"/>
+        <a:font script="Tibt" typeface="Microsoft Himalaya"/>
+        <a:font script="Thaa" typeface="MV Boli"/>
+        <a:font script="Deva" typeface="Mangal"/>
+        <a:font script="Telu" typeface="Gautami"/>
+        <a:font script="Taml" typeface="Latha"/>
+        <a:font script="Syrc" typeface="Estrangelo Edessa"/>
+        <a:font script="Orya" typeface="Kalinga"/>
+        <a:font script="Mlym" typeface="Kartika"/>
+        <a:font script="Laoo" typeface="DokChampa"/>
+        <a:font script="Sinh" typeface="Iskoola Pota"/>
+        <a:font script="Mong" typeface="Mongolian Baiti"/>
+        <a:font script="Viet" typeface="Arial"/>
+        <a:font script="Uigh" typeface="Microsoft Uighur"/>
+        <a:font script="Geor" typeface="Sylfaen"/>
+        <a:font script="Armn" typeface="Arial"/>
+        <a:font script="Bugi" typeface="Leelawadee UI"/>
+        <a:font script="Bopo" typeface="Microsoft JhengHei"/>
+        <a:font script="Java" typeface="Javanese Text"/>
+        <a:font script="Lisu" typeface="Segoe UI"/>
+        <a:font script="Mymr" typeface="Myanmar Text"/>
+        <a:font script="Nkoo" typeface="Ebrima"/>
+        <a:font script="Olck" typeface="Nirmala UI"/>
+        <a:font script="Osma" typeface="Ebrima"/>
+        <a:font script="Phag" typeface="Phagspa"/>
+        <a:font script="Syrn" typeface="Estrangelo Edessa"/>
+        <a:font script="Syrj" typeface="Estrangelo Edessa"/>
+        <a:font script="Syre" typeface="Estrangelo Edessa"/>
+        <a:font script="Sora" typeface="Nirmala UI"/>
+        <a:font script="Tale" typeface="Microsoft Tai Le"/>
+        <a:font script="Talu" typeface="Microsoft New Tai Lue"/>
+        <a:font script="Tfng" typeface="Ebrima"/>
+      </a:minorFont>
+    </a:fontScheme>
+    <a:fmtScheme name="Office">
+      <a:fillStyleLst>
+        <a:solidFill>
+          <a:schemeClr val="phClr"/>
+        </a:solidFill>
+        <a:gradFill rotWithShape="1">
+          <a:gsLst>
+            <a:gs pos="0">
+              <a:schemeClr val="phClr">
+                <a:lumMod val="110000"/>
+                <a:satMod val="105000"/>
+                <a:tint val="67000"/>
+              </a:schemeClr>
+            </a:gs>
+            <a:gs pos="50000">
+              <a:schemeClr val="phClr">
+                <a:lumMod val="105000"/>
+                <a:satMod val="103000"/>
+                <a:tint val="73000"/>
+              </a:schemeClr>
+            </a:gs>
+            <a:gs pos="100000">
+              <a:schemeClr val="phClr">
+                <a:lumMod val="105000"/>
+                <a:satMod val="109000"/>
+                <a:tint val="81000"/>
+              </a:schemeClr>
+            </a:gs>
+          </a:gsLst>
+          <a:lin ang="5400000" scaled="0"/>
+        </a:gradFill>
+        <a:gradFill rotWithShape="1">
+          <a:gsLst>
+            <a:gs pos="0">
+              <a:schemeClr val="phClr">
+                <a:satMod val="103000"/>
+                <a:lumMod val="102000"/>
+                <a:tint val="94000"/>
+              </a:schemeClr>
+            </a:gs>
+            <a:gs pos="50000">
+              <a:schemeClr val="phClr">
+                <a:satMod val="110000"/>
+                <a:lumMod val="100000"/>
+                <a:shade val="100000"/>
+              </a:schemeClr>
+            </a:gs>
+            <a:gs pos="100000">
+              <a:schemeClr val="phClr">
+                <a:lumMod val="99000"/>
+                <a:satMod val="120000"/>
+                <a:shade val="78000"/>
+              </a:schemeClr>
+            </a:gs>
+          </a:gsLst>
+          <a:lin ang="5400000" scaled="0"/>
+        </a:gradFill>
+      </a:fillStyleLst>
+      <a:lnStyleLst>
+        <a:ln w="6350" cap="flat" cmpd="sng" algn="ctr">
+          <a:solidFill>
+            <a:schemeClr val="phClr"/>
+          </a:solidFill>
+          <a:prstDash val="solid"/>
+          <a:miter lim="800000"/>
+        </a:ln>
+        <a:ln w="12700" cap="flat" cmpd="sng" algn="ctr">
+          <a:solidFill>
+            <a:schemeClr val="phClr"/>
+          </a:solidFill>
+          <a:prstDash val="solid"/>
+          <a:miter lim="800000"/>
+        </a:ln>
+        <a:ln w="19050" cap="flat" cmpd="sng" algn="ctr">
+          <a:solidFill>
+            <a:schemeClr val="phClr"/>
+          </a:solidFill>
+          <a:prstDash val="solid"/>
+          <a:miter lim="800000"/>
+        </a:ln>
+      </a:lnStyleLst>
+      <a:effectStyleLst>
+        <a:effectStyle>
+          <a:effectLst/>
+        </a:effectStyle>
+        <a:effectStyle>
+          <a:effectLst/>
+        </a:effectStyle>
+        <a:effectStyle>
+          <a:effectLst>
+            <a:outerShdw blurRad="57150" dist="19050" dir="5400000" algn="ctr" rotWithShape="0">
+              <a:srgbClr val="000000">
+                <a:alpha val="63000"/>
+              </a:srgbClr>
+            </a:outerShdw>
+          </a:effectLst>
+        </a:effectStyle>
+      </a:effectStyleLst>
+      <a:bgFillStyleLst>
+        <a:solidFill>
+          <a:schemeClr val="phClr"/>
+        </a:solidFill>
+        <a:solidFill>
+          <a:schemeClr val="phClr">
+            <a:tint val="95000"/>
+            <a:satMod val="170000"/>
+          </a:schemeClr>
+        </a:solidFill>
+        <a:gradFill rotWithShape="1">
+          <a:gsLst>
+            <a:gs pos="0">
+              <a:schemeClr val="phClr">
+                <a:tint val="93000"/>
+                <a:satMod val="150000"/>
+                <a:shade val="98000"/>
+                <a:lumMod val="102000"/>
+              </a:schemeClr>
+            </a:gs>
+            <a:gs pos="50000">
+              <a:schemeClr val="phClr">
+                <a:tint val="98000"/>
+                <a:satMod val="130000"/>
+                <a:shade val="90000"/>
+                <a:lumMod val="103000"/>
+              </a:schemeClr>
+            </a:gs>
+            <a:gs pos="100000">
+              <a:schemeClr val="phClr">
+                <a:shade val="63000"/>
+                <a:satMod val="120000"/>
+              </a:schemeClr>
+            </a:gs>
+          </a:gsLst>
+          <a:lin ang="5400000" scaled="0"/>
+        </a:gradFill>
+      </a:bgFillStyleLst>
+    </a:fmtScheme>
+  </a:themeElements>
+  <a:objectDefaults/>
+  <a:extraClrSchemeLst/>
+  <a:extLst>
+    <a:ext uri="{05A4C25C-085E-4340-85A3-A5531E510DB2}">
+      <thm15:themeFamily xmlns:thm15="http://schemas.microsoft.com/office/thememl/2012/main" name="Office Theme" id="{62F939B6-93AF-4DB8-9C6B-D6C7DFDC589F}" vid="{4A3C46E8-61CC-4603-A589-7422A47A8E4A}"/>
+    </a:ext>
+  </a:extLst>
+</a:theme>
 </file>
--- a/LuftfeuchtigkeitssensorenPP.pptx
+++ b/LuftfeuchtigkeitssensorenPP.pptx
@@ -209,7 +209,7 @@
           <a:p>
             <a:fld id="{DE9C311B-A213-4638-9D9B-3A2196EB9FC1}" type="datetimeFigureOut">
               <a:rPr lang="de-CH" smtClean="0"/>
-              <a:t>03.10.2018</a:t>
+              <a:t>04.10.2018</a:t>
             </a:fld>
             <a:endParaRPr lang="de-CH"/>
           </a:p>
@@ -955,7 +955,7 @@
           <a:noFill/>
           <a:extLst>
             <a:ext uri="{909E8E84-426E-40dd-AFC4-6F175D3DCCD1}">
-              <a14:hiddenFill xmlns:a14="http://schemas.microsoft.com/office/drawing/2010/main" xmlns="">
+              <a14:hiddenFill xmlns="" xmlns:a14="http://schemas.microsoft.com/office/drawing/2010/main">
                 <a:solidFill>
                   <a:srgbClr val="FFFFFF"/>
                 </a:solidFill>
@@ -1015,7 +1015,7 @@
             </a:ln>
             <a:extLst>
               <a:ext uri="{91240B29-F687-4f45-9708-019B960494DF}">
-                <a14:hiddenLine xmlns:a14="http://schemas.microsoft.com/office/drawing/2010/main" xmlns="" w="9525">
+                <a14:hiddenLine xmlns="" xmlns:a14="http://schemas.microsoft.com/office/drawing/2010/main" w="9525">
                   <a:solidFill>
                     <a:srgbClr val="000000"/>
                   </a:solidFill>
@@ -1105,7 +1105,7 @@
             </a:ln>
             <a:extLst>
               <a:ext uri="{91240B29-F687-4f45-9708-019B960494DF}">
-                <a14:hiddenLine xmlns:a14="http://schemas.microsoft.com/office/drawing/2010/main" xmlns="" w="9525">
+                <a14:hiddenLine xmlns="" xmlns:a14="http://schemas.microsoft.com/office/drawing/2010/main" w="9525">
                   <a:solidFill>
                     <a:srgbClr val="000000"/>
                   </a:solidFill>
@@ -1195,7 +1195,7 @@
             </a:ln>
             <a:extLst>
               <a:ext uri="{91240B29-F687-4f45-9708-019B960494DF}">
-                <a14:hiddenLine xmlns:a14="http://schemas.microsoft.com/office/drawing/2010/main" xmlns="" w="9525">
+                <a14:hiddenLine xmlns="" xmlns:a14="http://schemas.microsoft.com/office/drawing/2010/main" w="9525">
                   <a:solidFill>
                     <a:srgbClr val="000000"/>
                   </a:solidFill>
@@ -1229,7 +1229,7 @@
             </a:ln>
             <a:extLst>
               <a:ext uri="{91240B29-F687-4f45-9708-019B960494DF}">
-                <a14:hiddenLine xmlns:a14="http://schemas.microsoft.com/office/drawing/2010/main" xmlns="" w="9525">
+                <a14:hiddenLine xmlns="" xmlns:a14="http://schemas.microsoft.com/office/drawing/2010/main" w="9525">
                   <a:solidFill>
                     <a:srgbClr val="000000"/>
                   </a:solidFill>
@@ -1319,7 +1319,7 @@
             </a:ln>
             <a:extLst>
               <a:ext uri="{91240B29-F687-4f45-9708-019B960494DF}">
-                <a14:hiddenLine xmlns:a14="http://schemas.microsoft.com/office/drawing/2010/main" xmlns="" w="9525">
+                <a14:hiddenLine xmlns="" xmlns:a14="http://schemas.microsoft.com/office/drawing/2010/main" w="9525">
                   <a:solidFill>
                     <a:srgbClr val="000000"/>
                   </a:solidFill>
@@ -1381,7 +1381,7 @@
             </a:ln>
             <a:extLst>
               <a:ext uri="{91240B29-F687-4f45-9708-019B960494DF}">
-                <a14:hiddenLine xmlns:a14="http://schemas.microsoft.com/office/drawing/2010/main" xmlns="" w="9525">
+                <a14:hiddenLine xmlns="" xmlns:a14="http://schemas.microsoft.com/office/drawing/2010/main" w="9525">
                   <a:solidFill>
                     <a:srgbClr val="000000"/>
                   </a:solidFill>
@@ -1443,7 +1443,7 @@
             </a:ln>
             <a:extLst>
               <a:ext uri="{91240B29-F687-4f45-9708-019B960494DF}">
-                <a14:hiddenLine xmlns:a14="http://schemas.microsoft.com/office/drawing/2010/main" xmlns="" w="9525">
+                <a14:hiddenLine xmlns="" xmlns:a14="http://schemas.microsoft.com/office/drawing/2010/main" w="9525">
                   <a:solidFill>
                     <a:srgbClr val="000000"/>
                   </a:solidFill>
@@ -1533,7 +1533,7 @@
             </a:ln>
             <a:extLst>
               <a:ext uri="{91240B29-F687-4f45-9708-019B960494DF}">
-                <a14:hiddenLine xmlns:a14="http://schemas.microsoft.com/office/drawing/2010/main" xmlns="" w="9525">
+                <a14:hiddenLine xmlns="" xmlns:a14="http://schemas.microsoft.com/office/drawing/2010/main" w="9525">
                   <a:solidFill>
                     <a:srgbClr val="000000"/>
                   </a:solidFill>
@@ -1595,7 +1595,7 @@
             </a:ln>
             <a:extLst>
               <a:ext uri="{91240B29-F687-4f45-9708-019B960494DF}">
-                <a14:hiddenLine xmlns:a14="http://schemas.microsoft.com/office/drawing/2010/main" xmlns="" w="9525">
+                <a14:hiddenLine xmlns="" xmlns:a14="http://schemas.microsoft.com/office/drawing/2010/main" w="9525">
                   <a:solidFill>
                     <a:srgbClr val="000000"/>
                   </a:solidFill>
@@ -1657,7 +1657,7 @@
             </a:ln>
             <a:extLst>
               <a:ext uri="{91240B29-F687-4f45-9708-019B960494DF}">
-                <a14:hiddenLine xmlns:a14="http://schemas.microsoft.com/office/drawing/2010/main" xmlns="" w="9525">
+                <a14:hiddenLine xmlns="" xmlns:a14="http://schemas.microsoft.com/office/drawing/2010/main" w="9525">
                   <a:solidFill>
                     <a:srgbClr val="000000"/>
                   </a:solidFill>
@@ -1747,7 +1747,7 @@
             </a:ln>
             <a:extLst>
               <a:ext uri="{91240B29-F687-4f45-9708-019B960494DF}">
-                <a14:hiddenLine xmlns:a14="http://schemas.microsoft.com/office/drawing/2010/main" xmlns="" w="9525">
+                <a14:hiddenLine xmlns="" xmlns:a14="http://schemas.microsoft.com/office/drawing/2010/main" w="9525">
                   <a:solidFill>
                     <a:srgbClr val="000000"/>
                   </a:solidFill>
@@ -1837,7 +1837,7 @@
             </a:ln>
             <a:extLst>
               <a:ext uri="{91240B29-F687-4f45-9708-019B960494DF}">
-                <a14:hiddenLine xmlns:a14="http://schemas.microsoft.com/office/drawing/2010/main" xmlns="" w="9525">
+                <a14:hiddenLine xmlns="" xmlns:a14="http://schemas.microsoft.com/office/drawing/2010/main" w="9525">
                   <a:solidFill>
                     <a:srgbClr val="000000"/>
                   </a:solidFill>
@@ -1899,7 +1899,7 @@
             </a:ln>
             <a:extLst>
               <a:ext uri="{91240B29-F687-4f45-9708-019B960494DF}">
-                <a14:hiddenLine xmlns:a14="http://schemas.microsoft.com/office/drawing/2010/main" xmlns="" w="9525">
+                <a14:hiddenLine xmlns="" xmlns:a14="http://schemas.microsoft.com/office/drawing/2010/main" w="9525">
                   <a:solidFill>
                     <a:srgbClr val="000000"/>
                   </a:solidFill>
@@ -2009,7 +2009,7 @@
             </a:ln>
             <a:extLst>
               <a:ext uri="{91240B29-F687-4f45-9708-019B960494DF}">
-                <a14:hiddenLine xmlns:a14="http://schemas.microsoft.com/office/drawing/2010/main" xmlns="" w="9525">
+                <a14:hiddenLine xmlns="" xmlns:a14="http://schemas.microsoft.com/office/drawing/2010/main" w="9525">
                   <a:solidFill>
                     <a:srgbClr val="000000"/>
                   </a:solidFill>
@@ -2071,7 +2071,7 @@
             </a:ln>
             <a:extLst>
               <a:ext uri="{91240B29-F687-4f45-9708-019B960494DF}">
-                <a14:hiddenLine xmlns:a14="http://schemas.microsoft.com/office/drawing/2010/main" xmlns="" w="9525">
+                <a14:hiddenLine xmlns="" xmlns:a14="http://schemas.microsoft.com/office/drawing/2010/main" w="9525">
                   <a:solidFill>
                     <a:srgbClr val="000000"/>
                   </a:solidFill>
@@ -2161,7 +2161,7 @@
             </a:ln>
             <a:extLst>
               <a:ext uri="{91240B29-F687-4f45-9708-019B960494DF}">
-                <a14:hiddenLine xmlns:a14="http://schemas.microsoft.com/office/drawing/2010/main" xmlns="" w="9525">
+                <a14:hiddenLine xmlns="" xmlns:a14="http://schemas.microsoft.com/office/drawing/2010/main" w="9525">
                   <a:solidFill>
                     <a:srgbClr val="000000"/>
                   </a:solidFill>
@@ -2251,7 +2251,7 @@
             </a:ln>
             <a:extLst>
               <a:ext uri="{91240B29-F687-4f45-9708-019B960494DF}">
-                <a14:hiddenLine xmlns:a14="http://schemas.microsoft.com/office/drawing/2010/main" xmlns="" w="9525">
+                <a14:hiddenLine xmlns="" xmlns:a14="http://schemas.microsoft.com/office/drawing/2010/main" w="9525">
                   <a:solidFill>
                     <a:srgbClr val="000000"/>
                   </a:solidFill>
@@ -2313,7 +2313,7 @@
             </a:ln>
             <a:extLst>
               <a:ext uri="{91240B29-F687-4f45-9708-019B960494DF}">
-                <a14:hiddenLine xmlns:a14="http://schemas.microsoft.com/office/drawing/2010/main" xmlns="" w="9525">
+                <a14:hiddenLine xmlns="" xmlns:a14="http://schemas.microsoft.com/office/drawing/2010/main" w="9525">
                   <a:solidFill>
                     <a:srgbClr val="000000"/>
                   </a:solidFill>
@@ -2403,7 +2403,7 @@
             </a:ln>
             <a:extLst>
               <a:ext uri="{91240B29-F687-4f45-9708-019B960494DF}">
-                <a14:hiddenLine xmlns:a14="http://schemas.microsoft.com/office/drawing/2010/main" xmlns="" w="9525">
+                <a14:hiddenLine xmlns="" xmlns:a14="http://schemas.microsoft.com/office/drawing/2010/main" w="9525">
                   <a:solidFill>
                     <a:srgbClr val="000000"/>
                   </a:solidFill>
@@ -2493,7 +2493,7 @@
             </a:ln>
             <a:extLst>
               <a:ext uri="{91240B29-F687-4f45-9708-019B960494DF}">
-                <a14:hiddenLine xmlns:a14="http://schemas.microsoft.com/office/drawing/2010/main" xmlns="" w="9525">
+                <a14:hiddenLine xmlns="" xmlns:a14="http://schemas.microsoft.com/office/drawing/2010/main" w="9525">
                   <a:solidFill>
                     <a:srgbClr val="000000"/>
                   </a:solidFill>
@@ -2549,7 +2549,7 @@
             </a:ln>
             <a:extLst>
               <a:ext uri="{91240B29-F687-4f45-9708-019B960494DF}">
-                <a14:hiddenLine xmlns:a14="http://schemas.microsoft.com/office/drawing/2010/main" xmlns="" w="9525">
+                <a14:hiddenLine xmlns="" xmlns:a14="http://schemas.microsoft.com/office/drawing/2010/main" w="9525">
                   <a:solidFill>
                     <a:srgbClr val="000000"/>
                   </a:solidFill>
@@ -2639,7 +2639,7 @@
             </a:ln>
             <a:extLst>
               <a:ext uri="{91240B29-F687-4f45-9708-019B960494DF}">
-                <a14:hiddenLine xmlns:a14="http://schemas.microsoft.com/office/drawing/2010/main" xmlns="" w="9525">
+                <a14:hiddenLine xmlns="" xmlns:a14="http://schemas.microsoft.com/office/drawing/2010/main" w="9525">
                   <a:solidFill>
                     <a:srgbClr val="000000"/>
                   </a:solidFill>
@@ -2695,7 +2695,7 @@
             </a:ln>
             <a:extLst>
               <a:ext uri="{91240B29-F687-4f45-9708-019B960494DF}">
-                <a14:hiddenLine xmlns:a14="http://schemas.microsoft.com/office/drawing/2010/main" xmlns="" w="9525">
+                <a14:hiddenLine xmlns="" xmlns:a14="http://schemas.microsoft.com/office/drawing/2010/main" w="9525">
                   <a:solidFill>
                     <a:srgbClr val="000000"/>
                   </a:solidFill>
@@ -2785,7 +2785,7 @@
             </a:ln>
             <a:extLst>
               <a:ext uri="{91240B29-F687-4f45-9708-019B960494DF}">
-                <a14:hiddenLine xmlns:a14="http://schemas.microsoft.com/office/drawing/2010/main" xmlns="" w="9525">
+                <a14:hiddenLine xmlns="" xmlns:a14="http://schemas.microsoft.com/office/drawing/2010/main" w="9525">
                   <a:solidFill>
                     <a:srgbClr val="000000"/>
                   </a:solidFill>
@@ -2853,7 +2853,7 @@
             </a:ln>
             <a:extLst>
               <a:ext uri="{91240B29-F687-4f45-9708-019B960494DF}">
-                <a14:hiddenLine xmlns:a14="http://schemas.microsoft.com/office/drawing/2010/main" xmlns="" w="9525">
+                <a14:hiddenLine xmlns="" xmlns:a14="http://schemas.microsoft.com/office/drawing/2010/main" w="9525">
                   <a:solidFill>
                     <a:srgbClr val="000000"/>
                   </a:solidFill>
@@ -2943,7 +2943,7 @@
             </a:ln>
             <a:extLst>
               <a:ext uri="{91240B29-F687-4f45-9708-019B960494DF}">
-                <a14:hiddenLine xmlns:a14="http://schemas.microsoft.com/office/drawing/2010/main" xmlns="" w="9525">
+                <a14:hiddenLine xmlns="" xmlns:a14="http://schemas.microsoft.com/office/drawing/2010/main" w="9525">
                   <a:solidFill>
                     <a:srgbClr val="000000"/>
                   </a:solidFill>
@@ -3011,7 +3011,7 @@
             </a:ln>
             <a:extLst>
               <a:ext uri="{91240B29-F687-4f45-9708-019B960494DF}">
-                <a14:hiddenLine xmlns:a14="http://schemas.microsoft.com/office/drawing/2010/main" xmlns="" w="9525">
+                <a14:hiddenLine xmlns="" xmlns:a14="http://schemas.microsoft.com/office/drawing/2010/main" w="9525">
                   <a:solidFill>
                     <a:srgbClr val="000000"/>
                   </a:solidFill>
@@ -3101,7 +3101,7 @@
             </a:ln>
             <a:extLst>
               <a:ext uri="{91240B29-F687-4f45-9708-019B960494DF}">
-                <a14:hiddenLine xmlns:a14="http://schemas.microsoft.com/office/drawing/2010/main" xmlns="" w="9525">
+                <a14:hiddenLine xmlns="" xmlns:a14="http://schemas.microsoft.com/office/drawing/2010/main" w="9525">
                   <a:solidFill>
                     <a:srgbClr val="000000"/>
                   </a:solidFill>
@@ -3135,7 +3135,7 @@
             </a:ln>
             <a:extLst>
               <a:ext uri="{91240B29-F687-4f45-9708-019B960494DF}">
-                <a14:hiddenLine xmlns:a14="http://schemas.microsoft.com/office/drawing/2010/main" xmlns="" w="9525">
+                <a14:hiddenLine xmlns="" xmlns:a14="http://schemas.microsoft.com/office/drawing/2010/main" w="9525">
                   <a:solidFill>
                     <a:srgbClr val="000000"/>
                   </a:solidFill>
@@ -3225,7 +3225,7 @@
             </a:ln>
             <a:extLst>
               <a:ext uri="{91240B29-F687-4f45-9708-019B960494DF}">
-                <a14:hiddenLine xmlns:a14="http://schemas.microsoft.com/office/drawing/2010/main" xmlns="" w="9525">
+                <a14:hiddenLine xmlns="" xmlns:a14="http://schemas.microsoft.com/office/drawing/2010/main" w="9525">
                   <a:solidFill>
                     <a:srgbClr val="000000"/>
                   </a:solidFill>
@@ -3287,7 +3287,7 @@
             </a:ln>
             <a:extLst>
               <a:ext uri="{91240B29-F687-4f45-9708-019B960494DF}">
-                <a14:hiddenLine xmlns:a14="http://schemas.microsoft.com/office/drawing/2010/main" xmlns="" w="9525">
+                <a14:hiddenLine xmlns="" xmlns:a14="http://schemas.microsoft.com/office/drawing/2010/main" w="9525">
                   <a:solidFill>
                     <a:srgbClr val="000000"/>
                   </a:solidFill>
@@ -3349,7 +3349,7 @@
             </a:ln>
             <a:extLst>
               <a:ext uri="{91240B29-F687-4f45-9708-019B960494DF}">
-                <a14:hiddenLine xmlns:a14="http://schemas.microsoft.com/office/drawing/2010/main" xmlns="" w="9525">
+                <a14:hiddenLine xmlns="" xmlns:a14="http://schemas.microsoft.com/office/drawing/2010/main" w="9525">
                   <a:solidFill>
                     <a:srgbClr val="000000"/>
                   </a:solidFill>
@@ -3439,7 +3439,7 @@
             </a:ln>
             <a:extLst>
               <a:ext uri="{91240B29-F687-4f45-9708-019B960494DF}">
-                <a14:hiddenLine xmlns:a14="http://schemas.microsoft.com/office/drawing/2010/main" xmlns="" w="9525">
+                <a14:hiddenLine xmlns="" xmlns:a14="http://schemas.microsoft.com/office/drawing/2010/main" w="9525">
                   <a:solidFill>
                     <a:srgbClr val="000000"/>
                   </a:solidFill>
@@ -3507,7 +3507,7 @@
             </a:ln>
             <a:extLst>
               <a:ext uri="{91240B29-F687-4f45-9708-019B960494DF}">
-                <a14:hiddenLine xmlns:a14="http://schemas.microsoft.com/office/drawing/2010/main" xmlns="" w="9525">
+                <a14:hiddenLine xmlns="" xmlns:a14="http://schemas.microsoft.com/office/drawing/2010/main" w="9525">
                   <a:solidFill>
                     <a:srgbClr val="000000"/>
                   </a:solidFill>
@@ -3569,7 +3569,7 @@
             </a:ln>
             <a:extLst>
               <a:ext uri="{91240B29-F687-4f45-9708-019B960494DF}">
-                <a14:hiddenLine xmlns:a14="http://schemas.microsoft.com/office/drawing/2010/main" xmlns="" w="9525">
+                <a14:hiddenLine xmlns="" xmlns:a14="http://schemas.microsoft.com/office/drawing/2010/main" w="9525">
                   <a:solidFill>
                     <a:srgbClr val="000000"/>
                   </a:solidFill>
@@ -3659,7 +3659,7 @@
             </a:ln>
             <a:extLst>
               <a:ext uri="{91240B29-F687-4f45-9708-019B960494DF}">
-                <a14:hiddenLine xmlns:a14="http://schemas.microsoft.com/office/drawing/2010/main" xmlns="" w="9525">
+                <a14:hiddenLine xmlns="" xmlns:a14="http://schemas.microsoft.com/office/drawing/2010/main" w="9525">
                   <a:solidFill>
                     <a:srgbClr val="000000"/>
                   </a:solidFill>
@@ -3721,7 +3721,7 @@
             </a:ln>
             <a:extLst>
               <a:ext uri="{91240B29-F687-4f45-9708-019B960494DF}">
-                <a14:hiddenLine xmlns:a14="http://schemas.microsoft.com/office/drawing/2010/main" xmlns="" w="9525">
+                <a14:hiddenLine xmlns="" xmlns:a14="http://schemas.microsoft.com/office/drawing/2010/main" w="9525">
                   <a:solidFill>
                     <a:srgbClr val="000000"/>
                   </a:solidFill>
@@ -3811,7 +3811,7 @@
             </a:ln>
             <a:extLst>
               <a:ext uri="{91240B29-F687-4f45-9708-019B960494DF}">
-                <a14:hiddenLine xmlns:a14="http://schemas.microsoft.com/office/drawing/2010/main" xmlns="" w="9525">
+                <a14:hiddenLine xmlns="" xmlns:a14="http://schemas.microsoft.com/office/drawing/2010/main" w="9525">
                   <a:solidFill>
                     <a:srgbClr val="000000"/>
                   </a:solidFill>
@@ -3873,7 +3873,7 @@
             </a:ln>
             <a:extLst>
               <a:ext uri="{91240B29-F687-4f45-9708-019B960494DF}">
-                <a14:hiddenLine xmlns:a14="http://schemas.microsoft.com/office/drawing/2010/main" xmlns="" w="9525">
+                <a14:hiddenLine xmlns="" xmlns:a14="http://schemas.microsoft.com/office/drawing/2010/main" w="9525">
                   <a:solidFill>
                     <a:srgbClr val="000000"/>
                   </a:solidFill>
@@ -3963,7 +3963,7 @@
             </a:ln>
             <a:extLst>
               <a:ext uri="{91240B29-F687-4f45-9708-019B960494DF}">
-                <a14:hiddenLine xmlns:a14="http://schemas.microsoft.com/office/drawing/2010/main" xmlns="" w="9525">
+                <a14:hiddenLine xmlns="" xmlns:a14="http://schemas.microsoft.com/office/drawing/2010/main" w="9525">
                   <a:solidFill>
                     <a:srgbClr val="000000"/>
                   </a:solidFill>
@@ -3997,7 +3997,7 @@
             </a:ln>
             <a:extLst>
               <a:ext uri="{91240B29-F687-4f45-9708-019B960494DF}">
-                <a14:hiddenLine xmlns:a14="http://schemas.microsoft.com/office/drawing/2010/main" xmlns="" w="9525">
+                <a14:hiddenLine xmlns="" xmlns:a14="http://schemas.microsoft.com/office/drawing/2010/main" w="9525">
                   <a:solidFill>
                     <a:srgbClr val="000000"/>
                   </a:solidFill>
@@ -4062,7 +4062,7 @@
             </a:ln>
             <a:extLst>
               <a:ext uri="{91240B29-F687-4f45-9708-019B960494DF}">
-                <a14:hiddenLine xmlns:a14="http://schemas.microsoft.com/office/drawing/2010/main" xmlns="" w="9525">
+                <a14:hiddenLine xmlns="" xmlns:a14="http://schemas.microsoft.com/office/drawing/2010/main" w="9525">
                   <a:solidFill>
                     <a:srgbClr val="000000"/>
                   </a:solidFill>
@@ -4152,7 +4152,7 @@
             </a:ln>
             <a:extLst>
               <a:ext uri="{91240B29-F687-4f45-9708-019B960494DF}">
-                <a14:hiddenLine xmlns:a14="http://schemas.microsoft.com/office/drawing/2010/main" xmlns="" w="9525">
+                <a14:hiddenLine xmlns="" xmlns:a14="http://schemas.microsoft.com/office/drawing/2010/main" w="9525">
                   <a:solidFill>
                     <a:srgbClr val="000000"/>
                   </a:solidFill>
@@ -4214,7 +4214,7 @@
             </a:ln>
             <a:extLst>
               <a:ext uri="{91240B29-F687-4f45-9708-019B960494DF}">
-                <a14:hiddenLine xmlns:a14="http://schemas.microsoft.com/office/drawing/2010/main" xmlns="" w="9525">
+                <a14:hiddenLine xmlns="" xmlns:a14="http://schemas.microsoft.com/office/drawing/2010/main" w="9525">
                   <a:solidFill>
                     <a:srgbClr val="000000"/>
                   </a:solidFill>
@@ -4304,7 +4304,7 @@
             </a:ln>
             <a:extLst>
               <a:ext uri="{91240B29-F687-4f45-9708-019B960494DF}">
-                <a14:hiddenLine xmlns:a14="http://schemas.microsoft.com/office/drawing/2010/main" xmlns="" w="9525">
+                <a14:hiddenLine xmlns="" xmlns:a14="http://schemas.microsoft.com/office/drawing/2010/main" w="9525">
                   <a:solidFill>
                     <a:srgbClr val="000000"/>
                   </a:solidFill>
@@ -4394,7 +4394,7 @@
             </a:ln>
             <a:extLst>
               <a:ext uri="{91240B29-F687-4f45-9708-019B960494DF}">
-                <a14:hiddenLine xmlns:a14="http://schemas.microsoft.com/office/drawing/2010/main" xmlns="" w="9525">
+                <a14:hiddenLine xmlns="" xmlns:a14="http://schemas.microsoft.com/office/drawing/2010/main" w="9525">
                   <a:solidFill>
                     <a:srgbClr val="000000"/>
                   </a:solidFill>
@@ -4459,7 +4459,7 @@
             </a:ln>
             <a:extLst>
               <a:ext uri="{91240B29-F687-4f45-9708-019B960494DF}">
-                <a14:hiddenLine xmlns:a14="http://schemas.microsoft.com/office/drawing/2010/main" xmlns="" w="9525">
+                <a14:hiddenLine xmlns="" xmlns:a14="http://schemas.microsoft.com/office/drawing/2010/main" w="9525">
                   <a:solidFill>
                     <a:srgbClr val="000000"/>
                   </a:solidFill>
@@ -4521,7 +4521,7 @@
             </a:ln>
             <a:extLst>
               <a:ext uri="{91240B29-F687-4f45-9708-019B960494DF}">
-                <a14:hiddenLine xmlns:a14="http://schemas.microsoft.com/office/drawing/2010/main" xmlns="" w="9525">
+                <a14:hiddenLine xmlns="" xmlns:a14="http://schemas.microsoft.com/office/drawing/2010/main" w="9525">
                   <a:solidFill>
                     <a:srgbClr val="000000"/>
                   </a:solidFill>
@@ -4611,7 +4611,7 @@
             </a:ln>
             <a:extLst>
               <a:ext uri="{91240B29-F687-4f45-9708-019B960494DF}">
-                <a14:hiddenLine xmlns:a14="http://schemas.microsoft.com/office/drawing/2010/main" xmlns="" w="9525">
+                <a14:hiddenLine xmlns="" xmlns:a14="http://schemas.microsoft.com/office/drawing/2010/main" w="9525">
                   <a:solidFill>
                     <a:srgbClr val="000000"/>
                   </a:solidFill>
@@ -4701,7 +4701,7 @@
             </a:ln>
             <a:extLst>
               <a:ext uri="{91240B29-F687-4f45-9708-019B960494DF}">
-                <a14:hiddenLine xmlns:a14="http://schemas.microsoft.com/office/drawing/2010/main" xmlns="" w="9525">
+                <a14:hiddenLine xmlns="" xmlns:a14="http://schemas.microsoft.com/office/drawing/2010/main" w="9525">
                   <a:solidFill>
                     <a:srgbClr val="000000"/>
                   </a:solidFill>
@@ -4763,7 +4763,7 @@
             </a:ln>
             <a:extLst>
               <a:ext uri="{91240B29-F687-4f45-9708-019B960494DF}">
-                <a14:hiddenLine xmlns:a14="http://schemas.microsoft.com/office/drawing/2010/main" xmlns="" w="9525">
+                <a14:hiddenLine xmlns="" xmlns:a14="http://schemas.microsoft.com/office/drawing/2010/main" w="9525">
                   <a:solidFill>
                     <a:srgbClr val="000000"/>
                   </a:solidFill>
@@ -4883,7 +4883,7 @@
             </a:ln>
             <a:extLst>
               <a:ext uri="{91240B29-F687-4f45-9708-019B960494DF}">
-                <a14:hiddenLine xmlns:a14="http://schemas.microsoft.com/office/drawing/2010/main" xmlns="" w="9525">
+                <a14:hiddenLine xmlns="" xmlns:a14="http://schemas.microsoft.com/office/drawing/2010/main" w="9525">
                   <a:solidFill>
                     <a:srgbClr val="000000"/>
                   </a:solidFill>
@@ -4951,7 +4951,7 @@
             </a:ln>
             <a:extLst>
               <a:ext uri="{91240B29-F687-4f45-9708-019B960494DF}">
-                <a14:hiddenLine xmlns:a14="http://schemas.microsoft.com/office/drawing/2010/main" xmlns="" w="9525">
+                <a14:hiddenLine xmlns="" xmlns:a14="http://schemas.microsoft.com/office/drawing/2010/main" w="9525">
                   <a:solidFill>
                     <a:srgbClr val="000000"/>
                   </a:solidFill>
@@ -5041,7 +5041,7 @@
             </a:ln>
             <a:extLst>
               <a:ext uri="{91240B29-F687-4f45-9708-019B960494DF}">
-                <a14:hiddenLine xmlns:a14="http://schemas.microsoft.com/office/drawing/2010/main" xmlns="" w="9525">
+                <a14:hiddenLine xmlns="" xmlns:a14="http://schemas.microsoft.com/office/drawing/2010/main" w="9525">
                   <a:solidFill>
                     <a:srgbClr val="000000"/>
                   </a:solidFill>
@@ -5181,7 +5181,7 @@
           <a:p>
             <a:fld id="{48A87A34-81AB-432B-8DAE-1953F412C126}" type="datetimeFigureOut">
               <a:rPr lang="en-US" dirty="0"/>
-              <a:t>10/3/2018</a:t>
+              <a:t>10/4/2018</a:t>
             </a:fld>
             <a:endParaRPr lang="en-US" dirty="0"/>
           </a:p>
@@ -5443,7 +5443,7 @@
           <a:p>
             <a:fld id="{48A87A34-81AB-432B-8DAE-1953F412C126}" type="datetimeFigureOut">
               <a:rPr lang="en-US" dirty="0"/>
-              <a:t>10/3/2018</a:t>
+              <a:t>10/4/2018</a:t>
             </a:fld>
             <a:endParaRPr lang="en-US" dirty="0"/>
           </a:p>
@@ -5634,7 +5634,7 @@
           <a:p>
             <a:fld id="{48A87A34-81AB-432B-8DAE-1953F412C126}" type="datetimeFigureOut">
               <a:rPr lang="en-US" dirty="0"/>
-              <a:t>10/3/2018</a:t>
+              <a:t>10/4/2018</a:t>
             </a:fld>
             <a:endParaRPr lang="en-US" dirty="0"/>
           </a:p>
@@ -5892,7 +5892,7 @@
           <a:p>
             <a:fld id="{48A87A34-81AB-432B-8DAE-1953F412C126}" type="datetimeFigureOut">
               <a:rPr lang="en-US" dirty="0"/>
-              <a:t>10/3/2018</a:t>
+              <a:t>10/4/2018</a:t>
             </a:fld>
             <a:endParaRPr lang="en-US" dirty="0"/>
           </a:p>
@@ -6321,7 +6321,7 @@
           <a:p>
             <a:fld id="{48A87A34-81AB-432B-8DAE-1953F412C126}" type="datetimeFigureOut">
               <a:rPr lang="en-US" dirty="0"/>
-              <a:t>10/3/2018</a:t>
+              <a:t>10/4/2018</a:t>
             </a:fld>
             <a:endParaRPr lang="en-US" dirty="0"/>
           </a:p>
@@ -6862,7 +6862,7 @@
           <a:p>
             <a:fld id="{48A87A34-81AB-432B-8DAE-1953F412C126}" type="datetimeFigureOut">
               <a:rPr lang="en-US" dirty="0"/>
-              <a:t>10/3/2018</a:t>
+              <a:t>10/4/2018</a:t>
             </a:fld>
             <a:endParaRPr lang="en-US" dirty="0"/>
           </a:p>
@@ -7577,7 +7577,7 @@
           <a:p>
             <a:fld id="{48A87A34-81AB-432B-8DAE-1953F412C126}" type="datetimeFigureOut">
               <a:rPr lang="en-US" dirty="0"/>
-              <a:t>10/3/2018</a:t>
+              <a:t>10/4/2018</a:t>
             </a:fld>
             <a:endParaRPr lang="en-US" dirty="0"/>
           </a:p>
@@ -7742,7 +7742,7 @@
           <a:p>
             <a:fld id="{48A87A34-81AB-432B-8DAE-1953F412C126}" type="datetimeFigureOut">
               <a:rPr lang="en-US" dirty="0"/>
-              <a:t>10/3/2018</a:t>
+              <a:t>10/4/2018</a:t>
             </a:fld>
             <a:endParaRPr lang="en-US" dirty="0"/>
           </a:p>
@@ -7917,7 +7917,7 @@
           <a:p>
             <a:fld id="{48A87A34-81AB-432B-8DAE-1953F412C126}" type="datetimeFigureOut">
               <a:rPr lang="en-US" dirty="0"/>
-              <a:t>10/3/2018</a:t>
+              <a:t>10/4/2018</a:t>
             </a:fld>
             <a:endParaRPr lang="en-US" dirty="0"/>
           </a:p>
@@ -8082,7 +8082,7 @@
           <a:p>
             <a:fld id="{48A87A34-81AB-432B-8DAE-1953F412C126}" type="datetimeFigureOut">
               <a:rPr lang="en-US" dirty="0"/>
-              <a:t>10/3/2018</a:t>
+              <a:t>10/4/2018</a:t>
             </a:fld>
             <a:endParaRPr lang="en-US" dirty="0"/>
           </a:p>
@@ -8327,7 +8327,7 @@
           <a:p>
             <a:fld id="{48A87A34-81AB-432B-8DAE-1953F412C126}" type="datetimeFigureOut">
               <a:rPr lang="en-US" dirty="0"/>
-              <a:t>10/3/2018</a:t>
+              <a:t>10/4/2018</a:t>
             </a:fld>
             <a:endParaRPr lang="en-US" dirty="0"/>
           </a:p>
@@ -8554,7 +8554,7 @@
           <a:p>
             <a:fld id="{48A87A34-81AB-432B-8DAE-1953F412C126}" type="datetimeFigureOut">
               <a:rPr lang="en-US" dirty="0"/>
-              <a:t>10/3/2018</a:t>
+              <a:t>10/4/2018</a:t>
             </a:fld>
             <a:endParaRPr lang="en-US" dirty="0"/>
           </a:p>
@@ -8930,7 +8930,7 @@
           <a:p>
             <a:fld id="{48A87A34-81AB-432B-8DAE-1953F412C126}" type="datetimeFigureOut">
               <a:rPr lang="en-US" dirty="0"/>
-              <a:t>10/3/2018</a:t>
+              <a:t>10/4/2018</a:t>
             </a:fld>
             <a:endParaRPr lang="en-US" dirty="0"/>
           </a:p>
@@ -9043,7 +9043,7 @@
           <a:p>
             <a:fld id="{48A87A34-81AB-432B-8DAE-1953F412C126}" type="datetimeFigureOut">
               <a:rPr lang="en-US" dirty="0"/>
-              <a:t>10/3/2018</a:t>
+              <a:t>10/4/2018</a:t>
             </a:fld>
             <a:endParaRPr lang="en-US" dirty="0"/>
           </a:p>
@@ -9133,7 +9133,7 @@
           <a:p>
             <a:fld id="{48A87A34-81AB-432B-8DAE-1953F412C126}" type="datetimeFigureOut">
               <a:rPr lang="en-US" dirty="0"/>
-              <a:t>10/3/2018</a:t>
+              <a:t>10/4/2018</a:t>
             </a:fld>
             <a:endParaRPr lang="en-US" dirty="0"/>
           </a:p>
@@ -9377,7 +9377,7 @@
           <a:p>
             <a:fld id="{48A87A34-81AB-432B-8DAE-1953F412C126}" type="datetimeFigureOut">
               <a:rPr lang="en-US" dirty="0"/>
-              <a:t>10/3/2018</a:t>
+              <a:t>10/4/2018</a:t>
             </a:fld>
             <a:endParaRPr lang="en-US" dirty="0"/>
           </a:p>
@@ -9652,7 +9652,7 @@
           <a:p>
             <a:fld id="{48A87A34-81AB-432B-8DAE-1953F412C126}" type="datetimeFigureOut">
               <a:rPr lang="en-US" dirty="0"/>
-              <a:t>10/3/2018</a:t>
+              <a:t>10/4/2018</a:t>
             </a:fld>
             <a:endParaRPr lang="en-US" dirty="0"/>
           </a:p>
@@ -9763,7 +9763,7 @@
           <a:noFill/>
           <a:extLst>
             <a:ext uri="{909E8E84-426E-40dd-AFC4-6F175D3DCCD1}">
-              <a14:hiddenFill xmlns:a14="http://schemas.microsoft.com/office/drawing/2010/main" xmlns="">
+              <a14:hiddenFill xmlns="" xmlns:a14="http://schemas.microsoft.com/office/drawing/2010/main">
                 <a:solidFill>
                   <a:srgbClr val="FFFFFF"/>
                 </a:solidFill>
@@ -9837,7 +9837,7 @@
               </a:ln>
               <a:extLst>
                 <a:ext uri="{91240B29-F687-4f45-9708-019B960494DF}">
-                  <a14:hiddenLine xmlns:a14="http://schemas.microsoft.com/office/drawing/2010/main" xmlns="" w="9525">
+                  <a14:hiddenLine xmlns="" xmlns:a14="http://schemas.microsoft.com/office/drawing/2010/main" w="9525">
                     <a:solidFill>
                       <a:srgbClr val="000000"/>
                     </a:solidFill>
@@ -9927,7 +9927,7 @@
               </a:ln>
               <a:extLst>
                 <a:ext uri="{91240B29-F687-4f45-9708-019B960494DF}">
-                  <a14:hiddenLine xmlns:a14="http://schemas.microsoft.com/office/drawing/2010/main" xmlns="" w="9525">
+                  <a14:hiddenLine xmlns="" xmlns:a14="http://schemas.microsoft.com/office/drawing/2010/main" w="9525">
                     <a:solidFill>
                       <a:srgbClr val="000000"/>
                     </a:solidFill>
@@ -10017,7 +10017,7 @@
               </a:ln>
               <a:extLst>
                 <a:ext uri="{91240B29-F687-4f45-9708-019B960494DF}">
-                  <a14:hiddenLine xmlns:a14="http://schemas.microsoft.com/office/drawing/2010/main" xmlns="" w="9525">
+                  <a14:hiddenLine xmlns="" xmlns:a14="http://schemas.microsoft.com/office/drawing/2010/main" w="9525">
                     <a:solidFill>
                       <a:srgbClr val="000000"/>
                     </a:solidFill>
@@ -10079,7 +10079,7 @@
               </a:ln>
               <a:extLst>
                 <a:ext uri="{91240B29-F687-4f45-9708-019B960494DF}">
-                  <a14:hiddenLine xmlns:a14="http://schemas.microsoft.com/office/drawing/2010/main" xmlns="" w="9525">
+                  <a14:hiddenLine xmlns="" xmlns:a14="http://schemas.microsoft.com/office/drawing/2010/main" w="9525">
                     <a:solidFill>
                       <a:srgbClr val="000000"/>
                     </a:solidFill>
@@ -10169,7 +10169,7 @@
               </a:ln>
               <a:extLst>
                 <a:ext uri="{91240B29-F687-4f45-9708-019B960494DF}">
-                  <a14:hiddenLine xmlns:a14="http://schemas.microsoft.com/office/drawing/2010/main" xmlns="" w="9525">
+                  <a14:hiddenLine xmlns="" xmlns:a14="http://schemas.microsoft.com/office/drawing/2010/main" w="9525">
                     <a:solidFill>
                       <a:srgbClr val="000000"/>
                     </a:solidFill>
@@ -10231,7 +10231,7 @@
               </a:ln>
               <a:extLst>
                 <a:ext uri="{91240B29-F687-4f45-9708-019B960494DF}">
-                  <a14:hiddenLine xmlns:a14="http://schemas.microsoft.com/office/drawing/2010/main" xmlns="" w="9525">
+                  <a14:hiddenLine xmlns="" xmlns:a14="http://schemas.microsoft.com/office/drawing/2010/main" w="9525">
                     <a:solidFill>
                       <a:srgbClr val="000000"/>
                     </a:solidFill>
@@ -10293,7 +10293,7 @@
               </a:ln>
               <a:extLst>
                 <a:ext uri="{91240B29-F687-4f45-9708-019B960494DF}">
-                  <a14:hiddenLine xmlns:a14="http://schemas.microsoft.com/office/drawing/2010/main" xmlns="" w="9525">
+                  <a14:hiddenLine xmlns="" xmlns:a14="http://schemas.microsoft.com/office/drawing/2010/main" w="9525">
                     <a:solidFill>
                       <a:srgbClr val="000000"/>
                     </a:solidFill>
@@ -10383,7 +10383,7 @@
               </a:ln>
               <a:extLst>
                 <a:ext uri="{91240B29-F687-4f45-9708-019B960494DF}">
-                  <a14:hiddenLine xmlns:a14="http://schemas.microsoft.com/office/drawing/2010/main" xmlns="" w="9525">
+                  <a14:hiddenLine xmlns="" xmlns:a14="http://schemas.microsoft.com/office/drawing/2010/main" w="9525">
                     <a:solidFill>
                       <a:srgbClr val="000000"/>
                     </a:solidFill>
@@ -10473,7 +10473,7 @@
               </a:ln>
               <a:extLst>
                 <a:ext uri="{91240B29-F687-4f45-9708-019B960494DF}">
-                  <a14:hiddenLine xmlns:a14="http://schemas.microsoft.com/office/drawing/2010/main" xmlns="" w="9525">
+                  <a14:hiddenLine xmlns="" xmlns:a14="http://schemas.microsoft.com/office/drawing/2010/main" w="9525">
                     <a:solidFill>
                       <a:srgbClr val="000000"/>
                     </a:solidFill>
@@ -10535,7 +10535,7 @@
               </a:ln>
               <a:extLst>
                 <a:ext uri="{91240B29-F687-4f45-9708-019B960494DF}">
-                  <a14:hiddenLine xmlns:a14="http://schemas.microsoft.com/office/drawing/2010/main" xmlns="" w="9525">
+                  <a14:hiddenLine xmlns="" xmlns:a14="http://schemas.microsoft.com/office/drawing/2010/main" w="9525">
                     <a:solidFill>
                       <a:srgbClr val="000000"/>
                     </a:solidFill>
@@ -10645,7 +10645,7 @@
               </a:ln>
               <a:extLst>
                 <a:ext uri="{91240B29-F687-4f45-9708-019B960494DF}">
-                  <a14:hiddenLine xmlns:a14="http://schemas.microsoft.com/office/drawing/2010/main" xmlns="" w="9525">
+                  <a14:hiddenLine xmlns="" xmlns:a14="http://schemas.microsoft.com/office/drawing/2010/main" w="9525">
                     <a:solidFill>
                       <a:srgbClr val="000000"/>
                     </a:solidFill>
@@ -10729,7 +10729,7 @@
               </a:ln>
               <a:extLst>
                 <a:ext uri="{91240B29-F687-4f45-9708-019B960494DF}">
-                  <a14:hiddenLine xmlns:a14="http://schemas.microsoft.com/office/drawing/2010/main" xmlns="" w="9525">
+                  <a14:hiddenLine xmlns="" xmlns:a14="http://schemas.microsoft.com/office/drawing/2010/main" w="9525">
                     <a:solidFill>
                       <a:srgbClr val="000000"/>
                     </a:solidFill>
@@ -10791,7 +10791,7 @@
               </a:ln>
               <a:extLst>
                 <a:ext uri="{91240B29-F687-4f45-9708-019B960494DF}">
-                  <a14:hiddenLine xmlns:a14="http://schemas.microsoft.com/office/drawing/2010/main" xmlns="" w="9525">
+                  <a14:hiddenLine xmlns="" xmlns:a14="http://schemas.microsoft.com/office/drawing/2010/main" w="9525">
                     <a:solidFill>
                       <a:srgbClr val="000000"/>
                     </a:solidFill>
@@ -10853,7 +10853,7 @@
               </a:ln>
               <a:extLst>
                 <a:ext uri="{91240B29-F687-4f45-9708-019B960494DF}">
-                  <a14:hiddenLine xmlns:a14="http://schemas.microsoft.com/office/drawing/2010/main" xmlns="" w="9525">
+                  <a14:hiddenLine xmlns="" xmlns:a14="http://schemas.microsoft.com/office/drawing/2010/main" w="9525">
                     <a:solidFill>
                       <a:srgbClr val="000000"/>
                     </a:solidFill>
@@ -10943,7 +10943,7 @@
               </a:ln>
               <a:extLst>
                 <a:ext uri="{91240B29-F687-4f45-9708-019B960494DF}">
-                  <a14:hiddenLine xmlns:a14="http://schemas.microsoft.com/office/drawing/2010/main" xmlns="" w="9525">
+                  <a14:hiddenLine xmlns="" xmlns:a14="http://schemas.microsoft.com/office/drawing/2010/main" w="9525">
                     <a:solidFill>
                       <a:srgbClr val="000000"/>
                     </a:solidFill>
@@ -10977,7 +10977,7 @@
               </a:ln>
               <a:extLst>
                 <a:ext uri="{91240B29-F687-4f45-9708-019B960494DF}">
-                  <a14:hiddenLine xmlns:a14="http://schemas.microsoft.com/office/drawing/2010/main" xmlns="" w="9525">
+                  <a14:hiddenLine xmlns="" xmlns:a14="http://schemas.microsoft.com/office/drawing/2010/main" w="9525">
                     <a:solidFill>
                       <a:srgbClr val="000000"/>
                     </a:solidFill>
@@ -11042,7 +11042,7 @@
               </a:ln>
               <a:extLst>
                 <a:ext uri="{91240B29-F687-4f45-9708-019B960494DF}">
-                  <a14:hiddenLine xmlns:a14="http://schemas.microsoft.com/office/drawing/2010/main" xmlns="" w="9525">
+                  <a14:hiddenLine xmlns="" xmlns:a14="http://schemas.microsoft.com/office/drawing/2010/main" w="9525">
                     <a:solidFill>
                       <a:srgbClr val="000000"/>
                     </a:solidFill>
@@ -11132,7 +11132,7 @@
               </a:ln>
               <a:extLst>
                 <a:ext uri="{91240B29-F687-4f45-9708-019B960494DF}">
-                  <a14:hiddenLine xmlns:a14="http://schemas.microsoft.com/office/drawing/2010/main" xmlns="" w="9525">
+                  <a14:hiddenLine xmlns="" xmlns:a14="http://schemas.microsoft.com/office/drawing/2010/main" w="9525">
                     <a:solidFill>
                       <a:srgbClr val="000000"/>
                     </a:solidFill>
@@ -11194,7 +11194,7 @@
               </a:ln>
               <a:extLst>
                 <a:ext uri="{91240B29-F687-4f45-9708-019B960494DF}">
-                  <a14:hiddenLine xmlns:a14="http://schemas.microsoft.com/office/drawing/2010/main" xmlns="" w="9525">
+                  <a14:hiddenLine xmlns="" xmlns:a14="http://schemas.microsoft.com/office/drawing/2010/main" w="9525">
                     <a:solidFill>
                       <a:srgbClr val="000000"/>
                     </a:solidFill>
@@ -11284,7 +11284,7 @@
               </a:ln>
               <a:extLst>
                 <a:ext uri="{91240B29-F687-4f45-9708-019B960494DF}">
-                  <a14:hiddenLine xmlns:a14="http://schemas.microsoft.com/office/drawing/2010/main" xmlns="" w="9525">
+                  <a14:hiddenLine xmlns="" xmlns:a14="http://schemas.microsoft.com/office/drawing/2010/main" w="9525">
                     <a:solidFill>
                       <a:srgbClr val="000000"/>
                     </a:solidFill>
@@ -11349,7 +11349,7 @@
               </a:ln>
               <a:extLst>
                 <a:ext uri="{91240B29-F687-4f45-9708-019B960494DF}">
-                  <a14:hiddenLine xmlns:a14="http://schemas.microsoft.com/office/drawing/2010/main" xmlns="" w="9525">
+                  <a14:hiddenLine xmlns="" xmlns:a14="http://schemas.microsoft.com/office/drawing/2010/main" w="9525">
                     <a:solidFill>
                       <a:srgbClr val="000000"/>
                     </a:solidFill>
@@ -11411,7 +11411,7 @@
               </a:ln>
               <a:extLst>
                 <a:ext uri="{91240B29-F687-4f45-9708-019B960494DF}">
-                  <a14:hiddenLine xmlns:a14="http://schemas.microsoft.com/office/drawing/2010/main" xmlns="" w="9525">
+                  <a14:hiddenLine xmlns="" xmlns:a14="http://schemas.microsoft.com/office/drawing/2010/main" w="9525">
                     <a:solidFill>
                       <a:srgbClr val="000000"/>
                     </a:solidFill>
@@ -11501,7 +11501,7 @@
               </a:ln>
               <a:extLst>
                 <a:ext uri="{91240B29-F687-4f45-9708-019B960494DF}">
-                  <a14:hiddenLine xmlns:a14="http://schemas.microsoft.com/office/drawing/2010/main" xmlns="" w="9525">
+                  <a14:hiddenLine xmlns="" xmlns:a14="http://schemas.microsoft.com/office/drawing/2010/main" w="9525">
                     <a:solidFill>
                       <a:srgbClr val="000000"/>
                     </a:solidFill>
@@ -11591,7 +11591,7 @@
               </a:ln>
               <a:extLst>
                 <a:ext uri="{91240B29-F687-4f45-9708-019B960494DF}">
-                  <a14:hiddenLine xmlns:a14="http://schemas.microsoft.com/office/drawing/2010/main" xmlns="" w="9525">
+                  <a14:hiddenLine xmlns="" xmlns:a14="http://schemas.microsoft.com/office/drawing/2010/main" w="9525">
                     <a:solidFill>
                       <a:srgbClr val="000000"/>
                     </a:solidFill>
@@ -11656,7 +11656,7 @@
               </a:ln>
               <a:extLst>
                 <a:ext uri="{91240B29-F687-4f45-9708-019B960494DF}">
-                  <a14:hiddenLine xmlns:a14="http://schemas.microsoft.com/office/drawing/2010/main" xmlns="" w="9525">
+                  <a14:hiddenLine xmlns="" xmlns:a14="http://schemas.microsoft.com/office/drawing/2010/main" w="9525">
                     <a:solidFill>
                       <a:srgbClr val="000000"/>
                     </a:solidFill>
@@ -11776,7 +11776,7 @@
               </a:ln>
               <a:extLst>
                 <a:ext uri="{91240B29-F687-4f45-9708-019B960494DF}">
-                  <a14:hiddenLine xmlns:a14="http://schemas.microsoft.com/office/drawing/2010/main" xmlns="" w="9525">
+                  <a14:hiddenLine xmlns="" xmlns:a14="http://schemas.microsoft.com/office/drawing/2010/main" w="9525">
                     <a:solidFill>
                       <a:srgbClr val="000000"/>
                     </a:solidFill>
@@ -11874,7 +11874,7 @@
               </a:ln>
               <a:extLst>
                 <a:ext uri="{91240B29-F687-4f45-9708-019B960494DF}">
-                  <a14:hiddenLine xmlns:a14="http://schemas.microsoft.com/office/drawing/2010/main" xmlns="" w="9525">
+                  <a14:hiddenLine xmlns="" xmlns:a14="http://schemas.microsoft.com/office/drawing/2010/main" w="9525">
                     <a:solidFill>
                       <a:srgbClr val="000000"/>
                     </a:solidFill>
@@ -11989,7 +11989,7 @@
               </a:ln>
               <a:extLst>
                 <a:ext uri="{91240B29-F687-4f45-9708-019B960494DF}">
-                  <a14:hiddenLine xmlns:a14="http://schemas.microsoft.com/office/drawing/2010/main" xmlns="" w="9525">
+                  <a14:hiddenLine xmlns="" xmlns:a14="http://schemas.microsoft.com/office/drawing/2010/main" w="9525">
                     <a:solidFill>
                       <a:srgbClr val="000000"/>
                     </a:solidFill>
@@ -12079,7 +12079,7 @@
               </a:ln>
               <a:extLst>
                 <a:ext uri="{91240B29-F687-4f45-9708-019B960494DF}">
-                  <a14:hiddenLine xmlns:a14="http://schemas.microsoft.com/office/drawing/2010/main" xmlns="" w="9525">
+                  <a14:hiddenLine xmlns="" xmlns:a14="http://schemas.microsoft.com/office/drawing/2010/main" w="9525">
                     <a:solidFill>
                       <a:srgbClr val="000000"/>
                     </a:solidFill>
@@ -12144,7 +12144,7 @@
               </a:ln>
               <a:extLst>
                 <a:ext uri="{91240B29-F687-4f45-9708-019B960494DF}">
-                  <a14:hiddenLine xmlns:a14="http://schemas.microsoft.com/office/drawing/2010/main" xmlns="" w="9525">
+                  <a14:hiddenLine xmlns="" xmlns:a14="http://schemas.microsoft.com/office/drawing/2010/main" w="9525">
                     <a:solidFill>
                       <a:srgbClr val="000000"/>
                     </a:solidFill>
@@ -12234,7 +12234,7 @@
               </a:ln>
               <a:extLst>
                 <a:ext uri="{91240B29-F687-4f45-9708-019B960494DF}">
-                  <a14:hiddenLine xmlns:a14="http://schemas.microsoft.com/office/drawing/2010/main" xmlns="" w="9525">
+                  <a14:hiddenLine xmlns="" xmlns:a14="http://schemas.microsoft.com/office/drawing/2010/main" w="9525">
                     <a:solidFill>
                       <a:srgbClr val="000000"/>
                     </a:solidFill>
@@ -12302,7 +12302,7 @@
               </a:ln>
               <a:extLst>
                 <a:ext uri="{91240B29-F687-4f45-9708-019B960494DF}">
-                  <a14:hiddenLine xmlns:a14="http://schemas.microsoft.com/office/drawing/2010/main" xmlns="" w="9525">
+                  <a14:hiddenLine xmlns="" xmlns:a14="http://schemas.microsoft.com/office/drawing/2010/main" w="9525">
                     <a:solidFill>
                       <a:srgbClr val="000000"/>
                     </a:solidFill>
@@ -12392,7 +12392,7 @@
               </a:ln>
               <a:extLst>
                 <a:ext uri="{91240B29-F687-4f45-9708-019B960494DF}">
-                  <a14:hiddenLine xmlns:a14="http://schemas.microsoft.com/office/drawing/2010/main" xmlns="" w="9525">
+                  <a14:hiddenLine xmlns="" xmlns:a14="http://schemas.microsoft.com/office/drawing/2010/main" w="9525">
                     <a:solidFill>
                       <a:srgbClr val="000000"/>
                     </a:solidFill>
@@ -12460,7 +12460,7 @@
               </a:ln>
               <a:extLst>
                 <a:ext uri="{91240B29-F687-4f45-9708-019B960494DF}">
-                  <a14:hiddenLine xmlns:a14="http://schemas.microsoft.com/office/drawing/2010/main" xmlns="" w="9525">
+                  <a14:hiddenLine xmlns="" xmlns:a14="http://schemas.microsoft.com/office/drawing/2010/main" w="9525">
                     <a:solidFill>
                       <a:srgbClr val="000000"/>
                     </a:solidFill>
@@ -12550,7 +12550,7 @@
               </a:ln>
               <a:extLst>
                 <a:ext uri="{91240B29-F687-4f45-9708-019B960494DF}">
-                  <a14:hiddenLine xmlns:a14="http://schemas.microsoft.com/office/drawing/2010/main" xmlns="" w="9525">
+                  <a14:hiddenLine xmlns="" xmlns:a14="http://schemas.microsoft.com/office/drawing/2010/main" w="9525">
                     <a:solidFill>
                       <a:srgbClr val="000000"/>
                     </a:solidFill>
@@ -12584,7 +12584,7 @@
               </a:ln>
               <a:extLst>
                 <a:ext uri="{91240B29-F687-4f45-9708-019B960494DF}">
-                  <a14:hiddenLine xmlns:a14="http://schemas.microsoft.com/office/drawing/2010/main" xmlns="" w="9525">
+                  <a14:hiddenLine xmlns="" xmlns:a14="http://schemas.microsoft.com/office/drawing/2010/main" w="9525">
                     <a:solidFill>
                       <a:srgbClr val="000000"/>
                     </a:solidFill>
@@ -12725,7 +12725,7 @@
             <a:fld id="{48A87A34-81AB-432B-8DAE-1953F412C126}" type="datetimeFigureOut">
               <a:rPr lang="en-US" dirty="0"/>
               <a:pPr/>
-              <a:t>10/3/2018</a:t>
+              <a:t>10/4/2018</a:t>
             </a:fld>
             <a:endParaRPr lang="en-US" dirty="0"/>
           </a:p>
@@ -13843,6 +13843,29 @@
               <a:rPr lang="de-CH" sz="1800" dirty="0"/>
               <a:t>am 03. Oktober 2018.</a:t>
             </a:r>
+          </a:p>
+          <a:p>
+            <a:r>
+              <a:rPr lang="de-DE" sz="1800" dirty="0" err="1"/>
+              <a:t>Meteolabor</a:t>
+            </a:r>
+            <a:r>
+              <a:rPr lang="de-DE" sz="1800" dirty="0"/>
+              <a:t>, “Ventiliertes thermo-hygrometer </a:t>
+            </a:r>
+            <a:r>
+              <a:rPr lang="de-DE" sz="1800" dirty="0" err="1"/>
+              <a:t>thygan</a:t>
+            </a:r>
+            <a:r>
+              <a:rPr lang="de-DE" sz="1800" dirty="0"/>
+              <a:t> (vtp6, vtp37),” Website, keine Angaben, online abgerufen unter http://www.meteolabor.ch/meteo-messgeraete/wetterstationen/; abgerufen am 03. Oktober 2018.</a:t>
+            </a:r>
+          </a:p>
+          <a:p>
+            <a:endParaRPr lang="de-DE" sz="1800" dirty="0"/>
+          </a:p>
+          <a:p>
             <a:endParaRPr lang="de-DE" sz="1800" dirty="0"/>
           </a:p>
           <a:p>
@@ -14117,8 +14140,8 @@
           </a:p>
         </p:txBody>
       </p:sp>
-      <mc:AlternateContent xmlns:mc="http://schemas.openxmlformats.org/markup-compatibility/2006">
-        <mc:Choice xmlns:a14="http://schemas.microsoft.com/office/drawing/2010/main" Requires="a14">
+      <mc:AlternateContent xmlns:mc="http://schemas.openxmlformats.org/markup-compatibility/2006" xmlns:a14="http://schemas.microsoft.com/office/drawing/2010/main">
+        <mc:Choice Requires="a14">
           <p:sp>
             <p:nvSpPr>
               <p:cNvPr id="3" name="Inhaltsplatzhalter 2">
@@ -14280,7 +14303,7 @@
             </p:txBody>
           </p:sp>
         </mc:Choice>
-        <mc:Fallback>
+        <mc:Fallback xmlns="">
           <p:sp>
             <p:nvSpPr>
               <p:cNvPr id="3" name="Inhaltsplatzhalter 2">
@@ -14464,7 +14487,7 @@
           </a:prstGeom>
           <a:extLst>
             <a:ext uri="{909E8E84-426E-40dd-AFC4-6F175D3DCCD1}">
-              <a14:hiddenFill xmlns="" xmlns:a16="http://schemas.microsoft.com/office/drawing/2014/main" xmlns:p14="http://schemas.microsoft.com/office/powerpoint/2010/main" xmlns:a14="http://schemas.microsoft.com/office/drawing/2010/main">
+              <a14:hiddenFill xmlns:a14="http://schemas.microsoft.com/office/drawing/2010/main" xmlns:p14="http://schemas.microsoft.com/office/powerpoint/2010/main" xmlns:a16="http://schemas.microsoft.com/office/drawing/2014/main" xmlns="">
                 <a:solidFill>
                   <a:srgbClr val="FFFFFF"/>
                 </a:solidFill>
@@ -14588,7 +14611,7 @@
           <a:noFill/>
           <a:extLst>
             <a:ext uri="{909E8E84-426E-40dd-AFC4-6F175D3DCCD1}">
-              <a14:hiddenFill xmlns="" xmlns:a16="http://schemas.microsoft.com/office/drawing/2014/main" xmlns:p14="http://schemas.microsoft.com/office/powerpoint/2010/main" xmlns:a14="http://schemas.microsoft.com/office/drawing/2010/main">
+              <a14:hiddenFill xmlns:a14="http://schemas.microsoft.com/office/drawing/2010/main" xmlns:p14="http://schemas.microsoft.com/office/powerpoint/2010/main" xmlns:a16="http://schemas.microsoft.com/office/drawing/2014/main" xmlns="">
                 <a:solidFill>
                   <a:srgbClr val="FFFFFF"/>
                 </a:solidFill>
@@ -14790,7 +14813,7 @@
             </a:ln>
             <a:extLst>
               <a:ext uri="{91240B29-F687-4f45-9708-019B960494DF}">
-                <a14:hiddenLine xmlns="" xmlns:a16="http://schemas.microsoft.com/office/drawing/2014/main" xmlns:p14="http://schemas.microsoft.com/office/powerpoint/2010/main" xmlns:a14="http://schemas.microsoft.com/office/drawing/2010/main" w="9525">
+                <a14:hiddenLine xmlns:a14="http://schemas.microsoft.com/office/drawing/2010/main" xmlns:p14="http://schemas.microsoft.com/office/powerpoint/2010/main" xmlns:a16="http://schemas.microsoft.com/office/drawing/2014/main" xmlns="" w="9525">
                   <a:solidFill>
                     <a:srgbClr val="000000"/>
                   </a:solidFill>
@@ -14895,7 +14918,7 @@
             </a:ln>
             <a:extLst>
               <a:ext uri="{91240B29-F687-4f45-9708-019B960494DF}">
-                <a14:hiddenLine xmlns="" xmlns:a16="http://schemas.microsoft.com/office/drawing/2014/main" xmlns:p14="http://schemas.microsoft.com/office/powerpoint/2010/main" xmlns:a14="http://schemas.microsoft.com/office/drawing/2010/main" w="9525">
+                <a14:hiddenLine xmlns:a14="http://schemas.microsoft.com/office/drawing/2010/main" xmlns:p14="http://schemas.microsoft.com/office/powerpoint/2010/main" xmlns:a16="http://schemas.microsoft.com/office/drawing/2014/main" xmlns="" w="9525">
                   <a:solidFill>
                     <a:srgbClr val="000000"/>
                   </a:solidFill>
@@ -15000,7 +15023,7 @@
             </a:ln>
             <a:extLst>
               <a:ext uri="{91240B29-F687-4f45-9708-019B960494DF}">
-                <a14:hiddenLine xmlns="" xmlns:a16="http://schemas.microsoft.com/office/drawing/2014/main" xmlns:p14="http://schemas.microsoft.com/office/powerpoint/2010/main" xmlns:a14="http://schemas.microsoft.com/office/drawing/2010/main" w="9525">
+                <a14:hiddenLine xmlns:a14="http://schemas.microsoft.com/office/drawing/2010/main" xmlns:p14="http://schemas.microsoft.com/office/powerpoint/2010/main" xmlns:a16="http://schemas.microsoft.com/office/drawing/2014/main" xmlns="" w="9525">
                   <a:solidFill>
                     <a:srgbClr val="000000"/>
                   </a:solidFill>
@@ -15077,7 +15100,7 @@
             </a:ln>
             <a:extLst>
               <a:ext uri="{91240B29-F687-4f45-9708-019B960494DF}">
-                <a14:hiddenLine xmlns="" xmlns:a16="http://schemas.microsoft.com/office/drawing/2014/main" xmlns:p14="http://schemas.microsoft.com/office/powerpoint/2010/main" xmlns:a14="http://schemas.microsoft.com/office/drawing/2010/main" w="9525">
+                <a14:hiddenLine xmlns:a14="http://schemas.microsoft.com/office/drawing/2010/main" xmlns:p14="http://schemas.microsoft.com/office/powerpoint/2010/main" xmlns:a16="http://schemas.microsoft.com/office/drawing/2014/main" xmlns="" w="9525">
                   <a:solidFill>
                     <a:srgbClr val="000000"/>
                   </a:solidFill>
@@ -15182,7 +15205,7 @@
             </a:ln>
             <a:extLst>
               <a:ext uri="{91240B29-F687-4f45-9708-019B960494DF}">
-                <a14:hiddenLine xmlns="" xmlns:a16="http://schemas.microsoft.com/office/drawing/2014/main" xmlns:p14="http://schemas.microsoft.com/office/powerpoint/2010/main" xmlns:a14="http://schemas.microsoft.com/office/drawing/2010/main" w="9525">
+                <a14:hiddenLine xmlns:a14="http://schemas.microsoft.com/office/drawing/2010/main" xmlns:p14="http://schemas.microsoft.com/office/powerpoint/2010/main" xmlns:a16="http://schemas.microsoft.com/office/drawing/2014/main" xmlns="" w="9525">
                   <a:solidFill>
                     <a:srgbClr val="000000"/>
                   </a:solidFill>
@@ -15259,7 +15282,7 @@
             </a:ln>
             <a:extLst>
               <a:ext uri="{91240B29-F687-4f45-9708-019B960494DF}">
-                <a14:hiddenLine xmlns="" xmlns:a16="http://schemas.microsoft.com/office/drawing/2014/main" xmlns:p14="http://schemas.microsoft.com/office/powerpoint/2010/main" xmlns:a14="http://schemas.microsoft.com/office/drawing/2010/main" w="9525">
+                <a14:hiddenLine xmlns:a14="http://schemas.microsoft.com/office/drawing/2010/main" xmlns:p14="http://schemas.microsoft.com/office/powerpoint/2010/main" xmlns:a16="http://schemas.microsoft.com/office/drawing/2014/main" xmlns="" w="9525">
                   <a:solidFill>
                     <a:srgbClr val="000000"/>
                   </a:solidFill>
@@ -15336,7 +15359,7 @@
             </a:ln>
             <a:extLst>
               <a:ext uri="{91240B29-F687-4f45-9708-019B960494DF}">
-                <a14:hiddenLine xmlns="" xmlns:a16="http://schemas.microsoft.com/office/drawing/2014/main" xmlns:p14="http://schemas.microsoft.com/office/powerpoint/2010/main" xmlns:a14="http://schemas.microsoft.com/office/drawing/2010/main" w="9525">
+                <a14:hiddenLine xmlns:a14="http://schemas.microsoft.com/office/drawing/2010/main" xmlns:p14="http://schemas.microsoft.com/office/powerpoint/2010/main" xmlns:a16="http://schemas.microsoft.com/office/drawing/2014/main" xmlns="" w="9525">
                   <a:solidFill>
                     <a:srgbClr val="000000"/>
                   </a:solidFill>
@@ -15441,7 +15464,7 @@
             </a:ln>
             <a:extLst>
               <a:ext uri="{91240B29-F687-4f45-9708-019B960494DF}">
-                <a14:hiddenLine xmlns="" xmlns:a16="http://schemas.microsoft.com/office/drawing/2014/main" xmlns:p14="http://schemas.microsoft.com/office/powerpoint/2010/main" xmlns:a14="http://schemas.microsoft.com/office/drawing/2010/main" w="9525">
+                <a14:hiddenLine xmlns:a14="http://schemas.microsoft.com/office/drawing/2010/main" xmlns:p14="http://schemas.microsoft.com/office/powerpoint/2010/main" xmlns:a16="http://schemas.microsoft.com/office/drawing/2014/main" xmlns="" w="9525">
                   <a:solidFill>
                     <a:srgbClr val="000000"/>
                   </a:solidFill>
@@ -15546,7 +15569,7 @@
             </a:ln>
             <a:extLst>
               <a:ext uri="{91240B29-F687-4f45-9708-019B960494DF}">
-                <a14:hiddenLine xmlns="" xmlns:a16="http://schemas.microsoft.com/office/drawing/2014/main" xmlns:p14="http://schemas.microsoft.com/office/powerpoint/2010/main" xmlns:a14="http://schemas.microsoft.com/office/drawing/2010/main" w="9525">
+                <a14:hiddenLine xmlns:a14="http://schemas.microsoft.com/office/drawing/2010/main" xmlns:p14="http://schemas.microsoft.com/office/powerpoint/2010/main" xmlns:a16="http://schemas.microsoft.com/office/drawing/2014/main" xmlns="" w="9525">
                   <a:solidFill>
                     <a:srgbClr val="000000"/>
                   </a:solidFill>
@@ -15623,7 +15646,7 @@
             </a:ln>
             <a:extLst>
               <a:ext uri="{91240B29-F687-4f45-9708-019B960494DF}">
-                <a14:hiddenLine xmlns="" xmlns:a16="http://schemas.microsoft.com/office/drawing/2014/main" xmlns:p14="http://schemas.microsoft.com/office/powerpoint/2010/main" xmlns:a14="http://schemas.microsoft.com/office/drawing/2010/main" w="9525">
+                <a14:hiddenLine xmlns:a14="http://schemas.microsoft.com/office/drawing/2010/main" xmlns:p14="http://schemas.microsoft.com/office/powerpoint/2010/main" xmlns:a16="http://schemas.microsoft.com/office/drawing/2014/main" xmlns="" w="9525">
                   <a:solidFill>
                     <a:srgbClr val="000000"/>
                   </a:solidFill>
@@ -15748,7 +15771,7 @@
             </a:ln>
             <a:extLst>
               <a:ext uri="{91240B29-F687-4f45-9708-019B960494DF}">
-                <a14:hiddenLine xmlns="" xmlns:a16="http://schemas.microsoft.com/office/drawing/2014/main" xmlns:p14="http://schemas.microsoft.com/office/powerpoint/2010/main" xmlns:a14="http://schemas.microsoft.com/office/drawing/2010/main" w="9525">
+                <a14:hiddenLine xmlns:a14="http://schemas.microsoft.com/office/drawing/2010/main" xmlns:p14="http://schemas.microsoft.com/office/powerpoint/2010/main" xmlns:a16="http://schemas.microsoft.com/office/drawing/2014/main" xmlns="" w="9525">
                   <a:solidFill>
                     <a:srgbClr val="000000"/>
                   </a:solidFill>
@@ -15862,7 +15885,7 @@
             </a:ln>
             <a:extLst>
               <a:ext uri="{91240B29-F687-4f45-9708-019B960494DF}">
-                <a14:hiddenLine xmlns="" xmlns:a16="http://schemas.microsoft.com/office/drawing/2014/main" xmlns:p14="http://schemas.microsoft.com/office/powerpoint/2010/main" xmlns:a14="http://schemas.microsoft.com/office/drawing/2010/main" w="9525">
+                <a14:hiddenLine xmlns:a14="http://schemas.microsoft.com/office/drawing/2010/main" xmlns:p14="http://schemas.microsoft.com/office/powerpoint/2010/main" xmlns:a16="http://schemas.microsoft.com/office/drawing/2014/main" xmlns="" w="9525">
                   <a:solidFill>
                     <a:srgbClr val="000000"/>
                   </a:solidFill>
@@ -15939,7 +15962,7 @@
             </a:ln>
             <a:extLst>
               <a:ext uri="{91240B29-F687-4f45-9708-019B960494DF}">
-                <a14:hiddenLine xmlns="" xmlns:a16="http://schemas.microsoft.com/office/drawing/2014/main" xmlns:p14="http://schemas.microsoft.com/office/powerpoint/2010/main" xmlns:a14="http://schemas.microsoft.com/office/drawing/2010/main" w="9525">
+                <a14:hiddenLine xmlns:a14="http://schemas.microsoft.com/office/drawing/2010/main" xmlns:p14="http://schemas.microsoft.com/office/powerpoint/2010/main" xmlns:a16="http://schemas.microsoft.com/office/drawing/2014/main" xmlns="" w="9525">
                   <a:solidFill>
                     <a:srgbClr val="000000"/>
                   </a:solidFill>
@@ -16016,7 +16039,7 @@
             </a:ln>
             <a:extLst>
               <a:ext uri="{91240B29-F687-4f45-9708-019B960494DF}">
-                <a14:hiddenLine xmlns="" xmlns:a16="http://schemas.microsoft.com/office/drawing/2014/main" xmlns:p14="http://schemas.microsoft.com/office/powerpoint/2010/main" xmlns:a14="http://schemas.microsoft.com/office/drawing/2010/main" w="9525">
+                <a14:hiddenLine xmlns:a14="http://schemas.microsoft.com/office/drawing/2010/main" xmlns:p14="http://schemas.microsoft.com/office/powerpoint/2010/main" xmlns:a16="http://schemas.microsoft.com/office/drawing/2014/main" xmlns="" w="9525">
                   <a:solidFill>
                     <a:srgbClr val="000000"/>
                   </a:solidFill>
@@ -16121,7 +16144,7 @@
             </a:ln>
             <a:extLst>
               <a:ext uri="{91240B29-F687-4f45-9708-019B960494DF}">
-                <a14:hiddenLine xmlns="" xmlns:a16="http://schemas.microsoft.com/office/drawing/2014/main" xmlns:p14="http://schemas.microsoft.com/office/powerpoint/2010/main" xmlns:a14="http://schemas.microsoft.com/office/drawing/2010/main" w="9525">
+                <a14:hiddenLine xmlns:a14="http://schemas.microsoft.com/office/drawing/2010/main" xmlns:p14="http://schemas.microsoft.com/office/powerpoint/2010/main" xmlns:a16="http://schemas.microsoft.com/office/drawing/2014/main" xmlns="" w="9525">
                   <a:solidFill>
                     <a:srgbClr val="000000"/>
                   </a:solidFill>
@@ -16170,7 +16193,7 @@
             </a:ln>
             <a:extLst>
               <a:ext uri="{91240B29-F687-4f45-9708-019B960494DF}">
-                <a14:hiddenLine xmlns="" xmlns:a16="http://schemas.microsoft.com/office/drawing/2014/main" xmlns:p14="http://schemas.microsoft.com/office/powerpoint/2010/main" xmlns:a14="http://schemas.microsoft.com/office/drawing/2010/main" w="9525">
+                <a14:hiddenLine xmlns:a14="http://schemas.microsoft.com/office/drawing/2010/main" xmlns:p14="http://schemas.microsoft.com/office/powerpoint/2010/main" xmlns:a16="http://schemas.microsoft.com/office/drawing/2014/main" xmlns="" w="9525">
                   <a:solidFill>
                     <a:srgbClr val="000000"/>
                   </a:solidFill>
@@ -16250,7 +16273,7 @@
             </a:ln>
             <a:extLst>
               <a:ext uri="{91240B29-F687-4f45-9708-019B960494DF}">
-                <a14:hiddenLine xmlns="" xmlns:a16="http://schemas.microsoft.com/office/drawing/2014/main" xmlns:p14="http://schemas.microsoft.com/office/powerpoint/2010/main" xmlns:a14="http://schemas.microsoft.com/office/drawing/2010/main" w="9525">
+                <a14:hiddenLine xmlns:a14="http://schemas.microsoft.com/office/drawing/2010/main" xmlns:p14="http://schemas.microsoft.com/office/powerpoint/2010/main" xmlns:a16="http://schemas.microsoft.com/office/drawing/2014/main" xmlns="" w="9525">
                   <a:solidFill>
                     <a:srgbClr val="000000"/>
                   </a:solidFill>
@@ -16355,7 +16378,7 @@
             </a:ln>
             <a:extLst>
               <a:ext uri="{91240B29-F687-4f45-9708-019B960494DF}">
-                <a14:hiddenLine xmlns="" xmlns:a16="http://schemas.microsoft.com/office/drawing/2014/main" xmlns:p14="http://schemas.microsoft.com/office/powerpoint/2010/main" xmlns:a14="http://schemas.microsoft.com/office/drawing/2010/main" w="9525">
+                <a14:hiddenLine xmlns:a14="http://schemas.microsoft.com/office/drawing/2010/main" xmlns:p14="http://schemas.microsoft.com/office/powerpoint/2010/main" xmlns:a16="http://schemas.microsoft.com/office/drawing/2014/main" xmlns="" w="9525">
                   <a:solidFill>
                     <a:srgbClr val="000000"/>
                   </a:solidFill>
@@ -16432,7 +16455,7 @@
             </a:ln>
             <a:extLst>
               <a:ext uri="{91240B29-F687-4f45-9708-019B960494DF}">
-                <a14:hiddenLine xmlns="" xmlns:a16="http://schemas.microsoft.com/office/drawing/2014/main" xmlns:p14="http://schemas.microsoft.com/office/powerpoint/2010/main" xmlns:a14="http://schemas.microsoft.com/office/drawing/2010/main" w="9525">
+                <a14:hiddenLine xmlns:a14="http://schemas.microsoft.com/office/drawing/2010/main" xmlns:p14="http://schemas.microsoft.com/office/powerpoint/2010/main" xmlns:a16="http://schemas.microsoft.com/office/drawing/2014/main" xmlns="" w="9525">
                   <a:solidFill>
                     <a:srgbClr val="000000"/>
                   </a:solidFill>
@@ -16537,7 +16560,7 @@
             </a:ln>
             <a:extLst>
               <a:ext uri="{91240B29-F687-4f45-9708-019B960494DF}">
-                <a14:hiddenLine xmlns="" xmlns:a16="http://schemas.microsoft.com/office/drawing/2014/main" xmlns:p14="http://schemas.microsoft.com/office/powerpoint/2010/main" xmlns:a14="http://schemas.microsoft.com/office/drawing/2010/main" w="9525">
+                <a14:hiddenLine xmlns:a14="http://schemas.microsoft.com/office/drawing/2010/main" xmlns:p14="http://schemas.microsoft.com/office/powerpoint/2010/main" xmlns:a16="http://schemas.microsoft.com/office/drawing/2014/main" xmlns="" w="9525">
                   <a:solidFill>
                     <a:srgbClr val="000000"/>
                   </a:solidFill>
@@ -16617,7 +16640,7 @@
             </a:ln>
             <a:extLst>
               <a:ext uri="{91240B29-F687-4f45-9708-019B960494DF}">
-                <a14:hiddenLine xmlns="" xmlns:a16="http://schemas.microsoft.com/office/drawing/2014/main" xmlns:p14="http://schemas.microsoft.com/office/powerpoint/2010/main" xmlns:a14="http://schemas.microsoft.com/office/drawing/2010/main" w="9525">
+                <a14:hiddenLine xmlns:a14="http://schemas.microsoft.com/office/drawing/2010/main" xmlns:p14="http://schemas.microsoft.com/office/powerpoint/2010/main" xmlns:a16="http://schemas.microsoft.com/office/drawing/2014/main" xmlns="" w="9525">
                   <a:solidFill>
                     <a:srgbClr val="000000"/>
                   </a:solidFill>
@@ -16694,7 +16717,7 @@
             </a:ln>
             <a:extLst>
               <a:ext uri="{91240B29-F687-4f45-9708-019B960494DF}">
-                <a14:hiddenLine xmlns="" xmlns:a16="http://schemas.microsoft.com/office/drawing/2014/main" xmlns:p14="http://schemas.microsoft.com/office/powerpoint/2010/main" xmlns:a14="http://schemas.microsoft.com/office/drawing/2010/main" w="9525">
+                <a14:hiddenLine xmlns:a14="http://schemas.microsoft.com/office/drawing/2010/main" xmlns:p14="http://schemas.microsoft.com/office/powerpoint/2010/main" xmlns:a16="http://schemas.microsoft.com/office/drawing/2014/main" xmlns="" w="9525">
                   <a:solidFill>
                     <a:srgbClr val="000000"/>
                   </a:solidFill>
@@ -16799,7 +16822,7 @@
             </a:ln>
             <a:extLst>
               <a:ext uri="{91240B29-F687-4f45-9708-019B960494DF}">
-                <a14:hiddenLine xmlns="" xmlns:a16="http://schemas.microsoft.com/office/drawing/2014/main" xmlns:p14="http://schemas.microsoft.com/office/powerpoint/2010/main" xmlns:a14="http://schemas.microsoft.com/office/drawing/2010/main" w="9525">
+                <a14:hiddenLine xmlns:a14="http://schemas.microsoft.com/office/drawing/2010/main" xmlns:p14="http://schemas.microsoft.com/office/powerpoint/2010/main" xmlns:a16="http://schemas.microsoft.com/office/drawing/2014/main" xmlns="" w="9525">
                   <a:solidFill>
                     <a:srgbClr val="000000"/>
                   </a:solidFill>
@@ -16904,7 +16927,7 @@
             </a:ln>
             <a:extLst>
               <a:ext uri="{91240B29-F687-4f45-9708-019B960494DF}">
-                <a14:hiddenLine xmlns="" xmlns:a16="http://schemas.microsoft.com/office/drawing/2014/main" xmlns:p14="http://schemas.microsoft.com/office/powerpoint/2010/main" xmlns:a14="http://schemas.microsoft.com/office/drawing/2010/main" w="9525">
+                <a14:hiddenLine xmlns:a14="http://schemas.microsoft.com/office/drawing/2010/main" xmlns:p14="http://schemas.microsoft.com/office/powerpoint/2010/main" xmlns:a16="http://schemas.microsoft.com/office/drawing/2014/main" xmlns="" w="9525">
                   <a:solidFill>
                     <a:srgbClr val="000000"/>
                   </a:solidFill>
@@ -16984,7 +17007,7 @@
             </a:ln>
             <a:extLst>
               <a:ext uri="{91240B29-F687-4f45-9708-019B960494DF}">
-                <a14:hiddenLine xmlns="" xmlns:a16="http://schemas.microsoft.com/office/drawing/2014/main" xmlns:p14="http://schemas.microsoft.com/office/powerpoint/2010/main" xmlns:a14="http://schemas.microsoft.com/office/drawing/2010/main" w="9525">
+                <a14:hiddenLine xmlns:a14="http://schemas.microsoft.com/office/drawing/2010/main" xmlns:p14="http://schemas.microsoft.com/office/powerpoint/2010/main" xmlns:a16="http://schemas.microsoft.com/office/drawing/2014/main" xmlns="" w="9525">
                   <a:solidFill>
                     <a:srgbClr val="000000"/>
                   </a:solidFill>
@@ -17119,7 +17142,7 @@
             </a:ln>
             <a:extLst>
               <a:ext uri="{91240B29-F687-4f45-9708-019B960494DF}">
-                <a14:hiddenLine xmlns="" xmlns:a16="http://schemas.microsoft.com/office/drawing/2014/main" xmlns:p14="http://schemas.microsoft.com/office/powerpoint/2010/main" xmlns:a14="http://schemas.microsoft.com/office/drawing/2010/main" w="9525">
+                <a14:hiddenLine xmlns:a14="http://schemas.microsoft.com/office/drawing/2010/main" xmlns:p14="http://schemas.microsoft.com/office/powerpoint/2010/main" xmlns:a16="http://schemas.microsoft.com/office/drawing/2014/main" xmlns="" w="9525">
                   <a:solidFill>
                     <a:srgbClr val="000000"/>
                   </a:solidFill>
@@ -17374,7 +17397,7 @@
           </a:prstGeom>
           <a:extLst>
             <a:ext uri="{909E8E84-426E-40dd-AFC4-6F175D3DCCD1}">
-              <a14:hiddenFill xmlns="" xmlns:a16="http://schemas.microsoft.com/office/drawing/2014/main" xmlns:p14="http://schemas.microsoft.com/office/powerpoint/2010/main" xmlns:a14="http://schemas.microsoft.com/office/drawing/2010/main">
+              <a14:hiddenFill xmlns:a14="http://schemas.microsoft.com/office/drawing/2010/main" xmlns:p14="http://schemas.microsoft.com/office/powerpoint/2010/main" xmlns:a16="http://schemas.microsoft.com/office/drawing/2014/main" xmlns="">
                 <a:solidFill>
                   <a:srgbClr val="FFFFFF"/>
                 </a:solidFill>
@@ -17498,7 +17521,7 @@
           <a:noFill/>
           <a:extLst>
             <a:ext uri="{909E8E84-426E-40dd-AFC4-6F175D3DCCD1}">
-              <a14:hiddenFill xmlns="" xmlns:a16="http://schemas.microsoft.com/office/drawing/2014/main" xmlns:p14="http://schemas.microsoft.com/office/powerpoint/2010/main" xmlns:a14="http://schemas.microsoft.com/office/drawing/2010/main">
+              <a14:hiddenFill xmlns:a14="http://schemas.microsoft.com/office/drawing/2010/main" xmlns:p14="http://schemas.microsoft.com/office/powerpoint/2010/main" xmlns:a16="http://schemas.microsoft.com/office/drawing/2014/main" xmlns="">
                 <a:solidFill>
                   <a:srgbClr val="FFFFFF"/>
                 </a:solidFill>
@@ -17705,7 +17728,7 @@
             </a:ln>
             <a:extLst>
               <a:ext uri="{91240B29-F687-4f45-9708-019B960494DF}">
-                <a14:hiddenLine xmlns="" xmlns:a16="http://schemas.microsoft.com/office/drawing/2014/main" xmlns:p14="http://schemas.microsoft.com/office/powerpoint/2010/main" xmlns:a14="http://schemas.microsoft.com/office/drawing/2010/main" w="9525">
+                <a14:hiddenLine xmlns:a14="http://schemas.microsoft.com/office/drawing/2010/main" xmlns:p14="http://schemas.microsoft.com/office/powerpoint/2010/main" xmlns:a16="http://schemas.microsoft.com/office/drawing/2014/main" xmlns="" w="9525">
                   <a:solidFill>
                     <a:srgbClr val="000000"/>
                   </a:solidFill>
@@ -17810,7 +17833,7 @@
             </a:ln>
             <a:extLst>
               <a:ext uri="{91240B29-F687-4f45-9708-019B960494DF}">
-                <a14:hiddenLine xmlns="" xmlns:a16="http://schemas.microsoft.com/office/drawing/2014/main" xmlns:p14="http://schemas.microsoft.com/office/powerpoint/2010/main" xmlns:a14="http://schemas.microsoft.com/office/drawing/2010/main" w="9525">
+                <a14:hiddenLine xmlns:a14="http://schemas.microsoft.com/office/drawing/2010/main" xmlns:p14="http://schemas.microsoft.com/office/powerpoint/2010/main" xmlns:a16="http://schemas.microsoft.com/office/drawing/2014/main" xmlns="" w="9525">
                   <a:solidFill>
                     <a:srgbClr val="000000"/>
                   </a:solidFill>
@@ -17915,7 +17938,7 @@
             </a:ln>
             <a:extLst>
               <a:ext uri="{91240B29-F687-4f45-9708-019B960494DF}">
-                <a14:hiddenLine xmlns="" xmlns:a16="http://schemas.microsoft.com/office/drawing/2014/main" xmlns:p14="http://schemas.microsoft.com/office/powerpoint/2010/main" xmlns:a14="http://schemas.microsoft.com/office/drawing/2010/main" w="9525">
+                <a14:hiddenLine xmlns:a14="http://schemas.microsoft.com/office/drawing/2010/main" xmlns:p14="http://schemas.microsoft.com/office/powerpoint/2010/main" xmlns:a16="http://schemas.microsoft.com/office/drawing/2014/main" xmlns="" w="9525">
                   <a:solidFill>
                     <a:srgbClr val="000000"/>
                   </a:solidFill>
@@ -17992,7 +18015,7 @@
             </a:ln>
             <a:extLst>
               <a:ext uri="{91240B29-F687-4f45-9708-019B960494DF}">
-                <a14:hiddenLine xmlns="" xmlns:a16="http://schemas.microsoft.com/office/drawing/2014/main" xmlns:p14="http://schemas.microsoft.com/office/powerpoint/2010/main" xmlns:a14="http://schemas.microsoft.com/office/drawing/2010/main" w="9525">
+                <a14:hiddenLine xmlns:a14="http://schemas.microsoft.com/office/drawing/2010/main" xmlns:p14="http://schemas.microsoft.com/office/powerpoint/2010/main" xmlns:a16="http://schemas.microsoft.com/office/drawing/2014/main" xmlns="" w="9525">
                   <a:solidFill>
                     <a:srgbClr val="000000"/>
                   </a:solidFill>
@@ -18097,7 +18120,7 @@
             </a:ln>
             <a:extLst>
               <a:ext uri="{91240B29-F687-4f45-9708-019B960494DF}">
-                <a14:hiddenLine xmlns="" xmlns:a16="http://schemas.microsoft.com/office/drawing/2014/main" xmlns:p14="http://schemas.microsoft.com/office/powerpoint/2010/main" xmlns:a14="http://schemas.microsoft.com/office/drawing/2010/main" w="9525">
+                <a14:hiddenLine xmlns:a14="http://schemas.microsoft.com/office/drawing/2010/main" xmlns:p14="http://schemas.microsoft.com/office/powerpoint/2010/main" xmlns:a16="http://schemas.microsoft.com/office/drawing/2014/main" xmlns="" w="9525">
                   <a:solidFill>
                     <a:srgbClr val="000000"/>
                   </a:solidFill>
@@ -18174,7 +18197,7 @@
             </a:ln>
             <a:extLst>
               <a:ext uri="{91240B29-F687-4f45-9708-019B960494DF}">
-                <a14:hiddenLine xmlns="" xmlns:a16="http://schemas.microsoft.com/office/drawing/2014/main" xmlns:p14="http://schemas.microsoft.com/office/powerpoint/2010/main" xmlns:a14="http://schemas.microsoft.com/office/drawing/2010/main" w="9525">
+                <a14:hiddenLine xmlns:a14="http://schemas.microsoft.com/office/drawing/2010/main" xmlns:p14="http://schemas.microsoft.com/office/powerpoint/2010/main" xmlns:a16="http://schemas.microsoft.com/office/drawing/2014/main" xmlns="" w="9525">
                   <a:solidFill>
                     <a:srgbClr val="000000"/>
                   </a:solidFill>
@@ -18251,7 +18274,7 @@
             </a:ln>
             <a:extLst>
               <a:ext uri="{91240B29-F687-4f45-9708-019B960494DF}">
-                <a14:hiddenLine xmlns="" xmlns:a16="http://schemas.microsoft.com/office/drawing/2014/main" xmlns:p14="http://schemas.microsoft.com/office/powerpoint/2010/main" xmlns:a14="http://schemas.microsoft.com/office/drawing/2010/main" w="9525">
+                <a14:hiddenLine xmlns:a14="http://schemas.microsoft.com/office/drawing/2010/main" xmlns:p14="http://schemas.microsoft.com/office/powerpoint/2010/main" xmlns:a16="http://schemas.microsoft.com/office/drawing/2014/main" xmlns="" w="9525">
                   <a:solidFill>
                     <a:srgbClr val="000000"/>
                   </a:solidFill>
@@ -18356,7 +18379,7 @@
             </a:ln>
             <a:extLst>
               <a:ext uri="{91240B29-F687-4f45-9708-019B960494DF}">
-                <a14:hiddenLine xmlns="" xmlns:a16="http://schemas.microsoft.com/office/drawing/2014/main" xmlns:p14="http://schemas.microsoft.com/office/powerpoint/2010/main" xmlns:a14="http://schemas.microsoft.com/office/drawing/2010/main" w="9525">
+                <a14:hiddenLine xmlns:a14="http://schemas.microsoft.com/office/drawing/2010/main" xmlns:p14="http://schemas.microsoft.com/office/powerpoint/2010/main" xmlns:a16="http://schemas.microsoft.com/office/drawing/2014/main" xmlns="" w="9525">
                   <a:solidFill>
                     <a:srgbClr val="000000"/>
                   </a:solidFill>
@@ -18461,7 +18484,7 @@
             </a:ln>
             <a:extLst>
               <a:ext uri="{91240B29-F687-4f45-9708-019B960494DF}">
-                <a14:hiddenLine xmlns="" xmlns:a16="http://schemas.microsoft.com/office/drawing/2014/main" xmlns:p14="http://schemas.microsoft.com/office/powerpoint/2010/main" xmlns:a14="http://schemas.microsoft.com/office/drawing/2010/main" w="9525">
+                <a14:hiddenLine xmlns:a14="http://schemas.microsoft.com/office/drawing/2010/main" xmlns:p14="http://schemas.microsoft.com/office/powerpoint/2010/main" xmlns:a16="http://schemas.microsoft.com/office/drawing/2014/main" xmlns="" w="9525">
                   <a:solidFill>
                     <a:srgbClr val="000000"/>
                   </a:solidFill>
@@ -18538,7 +18561,7 @@
             </a:ln>
             <a:extLst>
               <a:ext uri="{91240B29-F687-4f45-9708-019B960494DF}">
-                <a14:hiddenLine xmlns="" xmlns:a16="http://schemas.microsoft.com/office/drawing/2014/main" xmlns:p14="http://schemas.microsoft.com/office/powerpoint/2010/main" xmlns:a14="http://schemas.microsoft.com/office/drawing/2010/main" w="9525">
+                <a14:hiddenLine xmlns:a14="http://schemas.microsoft.com/office/drawing/2010/main" xmlns:p14="http://schemas.microsoft.com/office/powerpoint/2010/main" xmlns:a16="http://schemas.microsoft.com/office/drawing/2014/main" xmlns="" w="9525">
                   <a:solidFill>
                     <a:srgbClr val="000000"/>
                   </a:solidFill>
@@ -18663,7 +18686,7 @@
             </a:ln>
             <a:extLst>
               <a:ext uri="{91240B29-F687-4f45-9708-019B960494DF}">
-                <a14:hiddenLine xmlns="" xmlns:a16="http://schemas.microsoft.com/office/drawing/2014/main" xmlns:p14="http://schemas.microsoft.com/office/powerpoint/2010/main" xmlns:a14="http://schemas.microsoft.com/office/drawing/2010/main" w="9525">
+                <a14:hiddenLine xmlns:a14="http://schemas.microsoft.com/office/drawing/2010/main" xmlns:p14="http://schemas.microsoft.com/office/powerpoint/2010/main" xmlns:a16="http://schemas.microsoft.com/office/drawing/2014/main" xmlns="" w="9525">
                   <a:solidFill>
                     <a:srgbClr val="000000"/>
                   </a:solidFill>
@@ -18777,7 +18800,7 @@
             </a:ln>
             <a:extLst>
               <a:ext uri="{91240B29-F687-4f45-9708-019B960494DF}">
-                <a14:hiddenLine xmlns="" xmlns:a16="http://schemas.microsoft.com/office/drawing/2014/main" xmlns:p14="http://schemas.microsoft.com/office/powerpoint/2010/main" xmlns:a14="http://schemas.microsoft.com/office/drawing/2010/main" w="9525">
+                <a14:hiddenLine xmlns:a14="http://schemas.microsoft.com/office/drawing/2010/main" xmlns:p14="http://schemas.microsoft.com/office/powerpoint/2010/main" xmlns:a16="http://schemas.microsoft.com/office/drawing/2014/main" xmlns="" w="9525">
                   <a:solidFill>
                     <a:srgbClr val="000000"/>
                   </a:solidFill>
@@ -18854,7 +18877,7 @@
             </a:ln>
             <a:extLst>
               <a:ext uri="{91240B29-F687-4f45-9708-019B960494DF}">
-                <a14:hiddenLine xmlns="" xmlns:a16="http://schemas.microsoft.com/office/drawing/2014/main" xmlns:p14="http://schemas.microsoft.com/office/powerpoint/2010/main" xmlns:a14="http://schemas.microsoft.com/office/drawing/2010/main" w="9525">
+                <a14:hiddenLine xmlns:a14="http://schemas.microsoft.com/office/drawing/2010/main" xmlns:p14="http://schemas.microsoft.com/office/powerpoint/2010/main" xmlns:a16="http://schemas.microsoft.com/office/drawing/2014/main" xmlns="" w="9525">
                   <a:solidFill>
                     <a:srgbClr val="000000"/>
                   </a:solidFill>
@@ -18931,7 +18954,7 @@
             </a:ln>
             <a:extLst>
               <a:ext uri="{91240B29-F687-4f45-9708-019B960494DF}">
-                <a14:hiddenLine xmlns="" xmlns:a16="http://schemas.microsoft.com/office/drawing/2014/main" xmlns:p14="http://schemas.microsoft.com/office/powerpoint/2010/main" xmlns:a14="http://schemas.microsoft.com/office/drawing/2010/main" w="9525">
+                <a14:hiddenLine xmlns:a14="http://schemas.microsoft.com/office/drawing/2010/main" xmlns:p14="http://schemas.microsoft.com/office/powerpoint/2010/main" xmlns:a16="http://schemas.microsoft.com/office/drawing/2014/main" xmlns="" w="9525">
                   <a:solidFill>
                     <a:srgbClr val="000000"/>
                   </a:solidFill>
@@ -19036,7 +19059,7 @@
             </a:ln>
             <a:extLst>
               <a:ext uri="{91240B29-F687-4f45-9708-019B960494DF}">
-                <a14:hiddenLine xmlns="" xmlns:a16="http://schemas.microsoft.com/office/drawing/2014/main" xmlns:p14="http://schemas.microsoft.com/office/powerpoint/2010/main" xmlns:a14="http://schemas.microsoft.com/office/drawing/2010/main" w="9525">
+                <a14:hiddenLine xmlns:a14="http://schemas.microsoft.com/office/drawing/2010/main" xmlns:p14="http://schemas.microsoft.com/office/powerpoint/2010/main" xmlns:a16="http://schemas.microsoft.com/office/drawing/2014/main" xmlns="" w="9525">
                   <a:solidFill>
                     <a:srgbClr val="000000"/>
                   </a:solidFill>
@@ -19085,7 +19108,7 @@
             </a:ln>
             <a:extLst>
               <a:ext uri="{91240B29-F687-4f45-9708-019B960494DF}">
-                <a14:hiddenLine xmlns="" xmlns:a16="http://schemas.microsoft.com/office/drawing/2014/main" xmlns:p14="http://schemas.microsoft.com/office/powerpoint/2010/main" xmlns:a14="http://schemas.microsoft.com/office/drawing/2010/main" w="9525">
+                <a14:hiddenLine xmlns:a14="http://schemas.microsoft.com/office/drawing/2010/main" xmlns:p14="http://schemas.microsoft.com/office/powerpoint/2010/main" xmlns:a16="http://schemas.microsoft.com/office/drawing/2014/main" xmlns="" w="9525">
                   <a:solidFill>
                     <a:srgbClr val="000000"/>
                   </a:solidFill>
@@ -19165,7 +19188,7 @@
             </a:ln>
             <a:extLst>
               <a:ext uri="{91240B29-F687-4f45-9708-019B960494DF}">
-                <a14:hiddenLine xmlns="" xmlns:a16="http://schemas.microsoft.com/office/drawing/2014/main" xmlns:p14="http://schemas.microsoft.com/office/powerpoint/2010/main" xmlns:a14="http://schemas.microsoft.com/office/drawing/2010/main" w="9525">
+                <a14:hiddenLine xmlns:a14="http://schemas.microsoft.com/office/drawing/2010/main" xmlns:p14="http://schemas.microsoft.com/office/powerpoint/2010/main" xmlns:a16="http://schemas.microsoft.com/office/drawing/2014/main" xmlns="" w="9525">
                   <a:solidFill>
                     <a:srgbClr val="000000"/>
                   </a:solidFill>
@@ -19270,7 +19293,7 @@
             </a:ln>
             <a:extLst>
               <a:ext uri="{91240B29-F687-4f45-9708-019B960494DF}">
-                <a14:hiddenLine xmlns="" xmlns:a16="http://schemas.microsoft.com/office/drawing/2014/main" xmlns:p14="http://schemas.microsoft.com/office/powerpoint/2010/main" xmlns:a14="http://schemas.microsoft.com/office/drawing/2010/main" w="9525">
+                <a14:hiddenLine xmlns:a14="http://schemas.microsoft.com/office/drawing/2010/main" xmlns:p14="http://schemas.microsoft.com/office/powerpoint/2010/main" xmlns:a16="http://schemas.microsoft.com/office/drawing/2014/main" xmlns="" w="9525">
                   <a:solidFill>
                     <a:srgbClr val="000000"/>
                   </a:solidFill>
@@ -19347,7 +19370,7 @@
             </a:ln>
             <a:extLst>
               <a:ext uri="{91240B29-F687-4f45-9708-019B960494DF}">
-                <a14:hiddenLine xmlns="" xmlns:a16="http://schemas.microsoft.com/office/drawing/2014/main" xmlns:p14="http://schemas.microsoft.com/office/powerpoint/2010/main" xmlns:a14="http://schemas.microsoft.com/office/drawing/2010/main" w="9525">
+                <a14:hiddenLine xmlns:a14="http://schemas.microsoft.com/office/drawing/2010/main" xmlns:p14="http://schemas.microsoft.com/office/powerpoint/2010/main" xmlns:a16="http://schemas.microsoft.com/office/drawing/2014/main" xmlns="" w="9525">
                   <a:solidFill>
                     <a:srgbClr val="000000"/>
                   </a:solidFill>
@@ -19452,7 +19475,7 @@
             </a:ln>
             <a:extLst>
               <a:ext uri="{91240B29-F687-4f45-9708-019B960494DF}">
-                <a14:hiddenLine xmlns="" xmlns:a16="http://schemas.microsoft.com/office/drawing/2014/main" xmlns:p14="http://schemas.microsoft.com/office/powerpoint/2010/main" xmlns:a14="http://schemas.microsoft.com/office/drawing/2010/main" w="9525">
+                <a14:hiddenLine xmlns:a14="http://schemas.microsoft.com/office/drawing/2010/main" xmlns:p14="http://schemas.microsoft.com/office/powerpoint/2010/main" xmlns:a16="http://schemas.microsoft.com/office/drawing/2014/main" xmlns="" w="9525">
                   <a:solidFill>
                     <a:srgbClr val="000000"/>
                   </a:solidFill>
@@ -19532,7 +19555,7 @@
             </a:ln>
             <a:extLst>
               <a:ext uri="{91240B29-F687-4f45-9708-019B960494DF}">
-                <a14:hiddenLine xmlns="" xmlns:a16="http://schemas.microsoft.com/office/drawing/2014/main" xmlns:p14="http://schemas.microsoft.com/office/powerpoint/2010/main" xmlns:a14="http://schemas.microsoft.com/office/drawing/2010/main" w="9525">
+                <a14:hiddenLine xmlns:a14="http://schemas.microsoft.com/office/drawing/2010/main" xmlns:p14="http://schemas.microsoft.com/office/powerpoint/2010/main" xmlns:a16="http://schemas.microsoft.com/office/drawing/2014/main" xmlns="" w="9525">
                   <a:solidFill>
                     <a:srgbClr val="000000"/>
                   </a:solidFill>
@@ -19609,7 +19632,7 @@
             </a:ln>
             <a:extLst>
               <a:ext uri="{91240B29-F687-4f45-9708-019B960494DF}">
-                <a14:hiddenLine xmlns="" xmlns:a16="http://schemas.microsoft.com/office/drawing/2014/main" xmlns:p14="http://schemas.microsoft.com/office/powerpoint/2010/main" xmlns:a14="http://schemas.microsoft.com/office/drawing/2010/main" w="9525">
+                <a14:hiddenLine xmlns:a14="http://schemas.microsoft.com/office/drawing/2010/main" xmlns:p14="http://schemas.microsoft.com/office/powerpoint/2010/main" xmlns:a16="http://schemas.microsoft.com/office/drawing/2014/main" xmlns="" w="9525">
                   <a:solidFill>
                     <a:srgbClr val="000000"/>
                   </a:solidFill>
@@ -19714,7 +19737,7 @@
             </a:ln>
             <a:extLst>
               <a:ext uri="{91240B29-F687-4f45-9708-019B960494DF}">
-                <a14:hiddenLine xmlns="" xmlns:a16="http://schemas.microsoft.com/office/drawing/2014/main" xmlns:p14="http://schemas.microsoft.com/office/powerpoint/2010/main" xmlns:a14="http://schemas.microsoft.com/office/drawing/2010/main" w="9525">
+                <a14:hiddenLine xmlns:a14="http://schemas.microsoft.com/office/drawing/2010/main" xmlns:p14="http://schemas.microsoft.com/office/powerpoint/2010/main" xmlns:a16="http://schemas.microsoft.com/office/drawing/2014/main" xmlns="" w="9525">
                   <a:solidFill>
                     <a:srgbClr val="000000"/>
                   </a:solidFill>
@@ -19819,7 +19842,7 @@
             </a:ln>
             <a:extLst>
               <a:ext uri="{91240B29-F687-4f45-9708-019B960494DF}">
-                <a14:hiddenLine xmlns="" xmlns:a16="http://schemas.microsoft.com/office/drawing/2014/main" xmlns:p14="http://schemas.microsoft.com/office/powerpoint/2010/main" xmlns:a14="http://schemas.microsoft.com/office/drawing/2010/main" w="9525">
+                <a14:hiddenLine xmlns:a14="http://schemas.microsoft.com/office/drawing/2010/main" xmlns:p14="http://schemas.microsoft.com/office/powerpoint/2010/main" xmlns:a16="http://schemas.microsoft.com/office/drawing/2014/main" xmlns="" w="9525">
                   <a:solidFill>
                     <a:srgbClr val="000000"/>
                   </a:solidFill>
@@ -19899,7 +19922,7 @@
             </a:ln>
             <a:extLst>
               <a:ext uri="{91240B29-F687-4f45-9708-019B960494DF}">
-                <a14:hiddenLine xmlns="" xmlns:a16="http://schemas.microsoft.com/office/drawing/2014/main" xmlns:p14="http://schemas.microsoft.com/office/powerpoint/2010/main" xmlns:a14="http://schemas.microsoft.com/office/drawing/2010/main" w="9525">
+                <a14:hiddenLine xmlns:a14="http://schemas.microsoft.com/office/drawing/2010/main" xmlns:p14="http://schemas.microsoft.com/office/powerpoint/2010/main" xmlns:a16="http://schemas.microsoft.com/office/drawing/2014/main" xmlns="" w="9525">
                   <a:solidFill>
                     <a:srgbClr val="000000"/>
                   </a:solidFill>
@@ -20034,7 +20057,7 @@
             </a:ln>
             <a:extLst>
               <a:ext uri="{91240B29-F687-4f45-9708-019B960494DF}">
-                <a14:hiddenLine xmlns="" xmlns:a16="http://schemas.microsoft.com/office/drawing/2014/main" xmlns:p14="http://schemas.microsoft.com/office/powerpoint/2010/main" xmlns:a14="http://schemas.microsoft.com/office/drawing/2010/main" w="9525">
+                <a14:hiddenLine xmlns:a14="http://schemas.microsoft.com/office/drawing/2010/main" xmlns:p14="http://schemas.microsoft.com/office/powerpoint/2010/main" xmlns:a16="http://schemas.microsoft.com/office/drawing/2014/main" xmlns="" w="9525">
                   <a:solidFill>
                     <a:srgbClr val="000000"/>
                   </a:solidFill>

--- a/LuftfeuchtigkeitssensorenPP.pptx
+++ b/LuftfeuchtigkeitssensorenPP.pptx
@@ -209,7 +209,7 @@
           <a:p>
             <a:fld id="{DE9C311B-A213-4638-9D9B-3A2196EB9FC1}" type="datetimeFigureOut">
               <a:rPr lang="de-CH" smtClean="0"/>
-              <a:t>03.10.2018</a:t>
+              <a:t>04.10.2018</a:t>
             </a:fld>
             <a:endParaRPr lang="de-CH"/>
           </a:p>
@@ -955,7 +955,7 @@
           <a:noFill/>
           <a:extLst>
             <a:ext uri="{909E8E84-426E-40dd-AFC4-6F175D3DCCD1}">
-              <a14:hiddenFill xmlns:a14="http://schemas.microsoft.com/office/drawing/2010/main" xmlns="">
+              <a14:hiddenFill xmlns="" xmlns:a14="http://schemas.microsoft.com/office/drawing/2010/main">
                 <a:solidFill>
                   <a:srgbClr val="FFFFFF"/>
                 </a:solidFill>
@@ -1015,7 +1015,7 @@
             </a:ln>
             <a:extLst>
               <a:ext uri="{91240B29-F687-4f45-9708-019B960494DF}">
-                <a14:hiddenLine xmlns:a14="http://schemas.microsoft.com/office/drawing/2010/main" xmlns="" w="9525">
+                <a14:hiddenLine xmlns="" xmlns:a14="http://schemas.microsoft.com/office/drawing/2010/main" w="9525">
                   <a:solidFill>
                     <a:srgbClr val="000000"/>
                   </a:solidFill>
@@ -1105,7 +1105,7 @@
             </a:ln>
             <a:extLst>
               <a:ext uri="{91240B29-F687-4f45-9708-019B960494DF}">
-                <a14:hiddenLine xmlns:a14="http://schemas.microsoft.com/office/drawing/2010/main" xmlns="" w="9525">
+                <a14:hiddenLine xmlns="" xmlns:a14="http://schemas.microsoft.com/office/drawing/2010/main" w="9525">
                   <a:solidFill>
                     <a:srgbClr val="000000"/>
                   </a:solidFill>
@@ -1195,7 +1195,7 @@
             </a:ln>
             <a:extLst>
               <a:ext uri="{91240B29-F687-4f45-9708-019B960494DF}">
-                <a14:hiddenLine xmlns:a14="http://schemas.microsoft.com/office/drawing/2010/main" xmlns="" w="9525">
+                <a14:hiddenLine xmlns="" xmlns:a14="http://schemas.microsoft.com/office/drawing/2010/main" w="9525">
                   <a:solidFill>
                     <a:srgbClr val="000000"/>
                   </a:solidFill>
@@ -1229,7 +1229,7 @@
             </a:ln>
             <a:extLst>
               <a:ext uri="{91240B29-F687-4f45-9708-019B960494DF}">
-                <a14:hiddenLine xmlns:a14="http://schemas.microsoft.com/office/drawing/2010/main" xmlns="" w="9525">
+                <a14:hiddenLine xmlns="" xmlns:a14="http://schemas.microsoft.com/office/drawing/2010/main" w="9525">
                   <a:solidFill>
                     <a:srgbClr val="000000"/>
                   </a:solidFill>
@@ -1319,7 +1319,7 @@
             </a:ln>
             <a:extLst>
               <a:ext uri="{91240B29-F687-4f45-9708-019B960494DF}">
-                <a14:hiddenLine xmlns:a14="http://schemas.microsoft.com/office/drawing/2010/main" xmlns="" w="9525">
+                <a14:hiddenLine xmlns="" xmlns:a14="http://schemas.microsoft.com/office/drawing/2010/main" w="9525">
                   <a:solidFill>
                     <a:srgbClr val="000000"/>
                   </a:solidFill>
@@ -1381,7 +1381,7 @@
             </a:ln>
             <a:extLst>
               <a:ext uri="{91240B29-F687-4f45-9708-019B960494DF}">
-                <a14:hiddenLine xmlns:a14="http://schemas.microsoft.com/office/drawing/2010/main" xmlns="" w="9525">
+                <a14:hiddenLine xmlns="" xmlns:a14="http://schemas.microsoft.com/office/drawing/2010/main" w="9525">
                   <a:solidFill>
                     <a:srgbClr val="000000"/>
                   </a:solidFill>
@@ -1443,7 +1443,7 @@
             </a:ln>
             <a:extLst>
               <a:ext uri="{91240B29-F687-4f45-9708-019B960494DF}">
-                <a14:hiddenLine xmlns:a14="http://schemas.microsoft.com/office/drawing/2010/main" xmlns="" w="9525">
+                <a14:hiddenLine xmlns="" xmlns:a14="http://schemas.microsoft.com/office/drawing/2010/main" w="9525">
                   <a:solidFill>
                     <a:srgbClr val="000000"/>
                   </a:solidFill>
@@ -1533,7 +1533,7 @@
             </a:ln>
             <a:extLst>
               <a:ext uri="{91240B29-F687-4f45-9708-019B960494DF}">
-                <a14:hiddenLine xmlns:a14="http://schemas.microsoft.com/office/drawing/2010/main" xmlns="" w="9525">
+                <a14:hiddenLine xmlns="" xmlns:a14="http://schemas.microsoft.com/office/drawing/2010/main" w="9525">
                   <a:solidFill>
                     <a:srgbClr val="000000"/>
                   </a:solidFill>
@@ -1595,7 +1595,7 @@
             </a:ln>
             <a:extLst>
               <a:ext uri="{91240B29-F687-4f45-9708-019B960494DF}">
-                <a14:hiddenLine xmlns:a14="http://schemas.microsoft.com/office/drawing/2010/main" xmlns="" w="9525">
+                <a14:hiddenLine xmlns="" xmlns:a14="http://schemas.microsoft.com/office/drawing/2010/main" w="9525">
                   <a:solidFill>
                     <a:srgbClr val="000000"/>
                   </a:solidFill>
@@ -1657,7 +1657,7 @@
             </a:ln>
             <a:extLst>
               <a:ext uri="{91240B29-F687-4f45-9708-019B960494DF}">
-                <a14:hiddenLine xmlns:a14="http://schemas.microsoft.com/office/drawing/2010/main" xmlns="" w="9525">
+                <a14:hiddenLine xmlns="" xmlns:a14="http://schemas.microsoft.com/office/drawing/2010/main" w="9525">
                   <a:solidFill>
                     <a:srgbClr val="000000"/>
                   </a:solidFill>
@@ -1747,7 +1747,7 @@
             </a:ln>
             <a:extLst>
               <a:ext uri="{91240B29-F687-4f45-9708-019B960494DF}">
-                <a14:hiddenLine xmlns:a14="http://schemas.microsoft.com/office/drawing/2010/main" xmlns="" w="9525">
+                <a14:hiddenLine xmlns="" xmlns:a14="http://schemas.microsoft.com/office/drawing/2010/main" w="9525">
                   <a:solidFill>
                     <a:srgbClr val="000000"/>
                   </a:solidFill>
@@ -1837,7 +1837,7 @@
             </a:ln>
             <a:extLst>
               <a:ext uri="{91240B29-F687-4f45-9708-019B960494DF}">
-                <a14:hiddenLine xmlns:a14="http://schemas.microsoft.com/office/drawing/2010/main" xmlns="" w="9525">
+                <a14:hiddenLine xmlns="" xmlns:a14="http://schemas.microsoft.com/office/drawing/2010/main" w="9525">
                   <a:solidFill>
                     <a:srgbClr val="000000"/>
                   </a:solidFill>
@@ -1899,7 +1899,7 @@
             </a:ln>
             <a:extLst>
               <a:ext uri="{91240B29-F687-4f45-9708-019B960494DF}">
-                <a14:hiddenLine xmlns:a14="http://schemas.microsoft.com/office/drawing/2010/main" xmlns="" w="9525">
+                <a14:hiddenLine xmlns="" xmlns:a14="http://schemas.microsoft.com/office/drawing/2010/main" w="9525">
                   <a:solidFill>
                     <a:srgbClr val="000000"/>
                   </a:solidFill>
@@ -2009,7 +2009,7 @@
             </a:ln>
             <a:extLst>
               <a:ext uri="{91240B29-F687-4f45-9708-019B960494DF}">
-                <a14:hiddenLine xmlns:a14="http://schemas.microsoft.com/office/drawing/2010/main" xmlns="" w="9525">
+                <a14:hiddenLine xmlns="" xmlns:a14="http://schemas.microsoft.com/office/drawing/2010/main" w="9525">
                   <a:solidFill>
                     <a:srgbClr val="000000"/>
                   </a:solidFill>
@@ -2071,7 +2071,7 @@
             </a:ln>
             <a:extLst>
               <a:ext uri="{91240B29-F687-4f45-9708-019B960494DF}">
-                <a14:hiddenLine xmlns:a14="http://schemas.microsoft.com/office/drawing/2010/main" xmlns="" w="9525">
+                <a14:hiddenLine xmlns="" xmlns:a14="http://schemas.microsoft.com/office/drawing/2010/main" w="9525">
                   <a:solidFill>
                     <a:srgbClr val="000000"/>
                   </a:solidFill>
@@ -2161,7 +2161,7 @@
             </a:ln>
             <a:extLst>
               <a:ext uri="{91240B29-F687-4f45-9708-019B960494DF}">
-                <a14:hiddenLine xmlns:a14="http://schemas.microsoft.com/office/drawing/2010/main" xmlns="" w="9525">
+                <a14:hiddenLine xmlns="" xmlns:a14="http://schemas.microsoft.com/office/drawing/2010/main" w="9525">
                   <a:solidFill>
                     <a:srgbClr val="000000"/>
                   </a:solidFill>
@@ -2251,7 +2251,7 @@
             </a:ln>
             <a:extLst>
               <a:ext uri="{91240B29-F687-4f45-9708-019B960494DF}">
-                <a14:hiddenLine xmlns:a14="http://schemas.microsoft.com/office/drawing/2010/main" xmlns="" w="9525">
+                <a14:hiddenLine xmlns="" xmlns:a14="http://schemas.microsoft.com/office/drawing/2010/main" w="9525">
                   <a:solidFill>
                     <a:srgbClr val="000000"/>
                   </a:solidFill>
@@ -2313,7 +2313,7 @@
             </a:ln>
             <a:extLst>
               <a:ext uri="{91240B29-F687-4f45-9708-019B960494DF}">
-                <a14:hiddenLine xmlns:a14="http://schemas.microsoft.com/office/drawing/2010/main" xmlns="" w="9525">
+                <a14:hiddenLine xmlns="" xmlns:a14="http://schemas.microsoft.com/office/drawing/2010/main" w="9525">
                   <a:solidFill>
                     <a:srgbClr val="000000"/>
                   </a:solidFill>
@@ -2403,7 +2403,7 @@
             </a:ln>
             <a:extLst>
               <a:ext uri="{91240B29-F687-4f45-9708-019B960494DF}">
-                <a14:hiddenLine xmlns:a14="http://schemas.microsoft.com/office/drawing/2010/main" xmlns="" w="9525">
+                <a14:hiddenLine xmlns="" xmlns:a14="http://schemas.microsoft.com/office/drawing/2010/main" w="9525">
                   <a:solidFill>
                     <a:srgbClr val="000000"/>
                   </a:solidFill>
@@ -2493,7 +2493,7 @@
             </a:ln>
             <a:extLst>
               <a:ext uri="{91240B29-F687-4f45-9708-019B960494DF}">
-                <a14:hiddenLine xmlns:a14="http://schemas.microsoft.com/office/drawing/2010/main" xmlns="" w="9525">
+                <a14:hiddenLine xmlns="" xmlns:a14="http://schemas.microsoft.com/office/drawing/2010/main" w="9525">
                   <a:solidFill>
                     <a:srgbClr val="000000"/>
                   </a:solidFill>
@@ -2549,7 +2549,7 @@
             </a:ln>
             <a:extLst>
               <a:ext uri="{91240B29-F687-4f45-9708-019B960494DF}">
-                <a14:hiddenLine xmlns:a14="http://schemas.microsoft.com/office/drawing/2010/main" xmlns="" w="9525">
+                <a14:hiddenLine xmlns="" xmlns:a14="http://schemas.microsoft.com/office/drawing/2010/main" w="9525">
                   <a:solidFill>
                     <a:srgbClr val="000000"/>
                   </a:solidFill>
@@ -2639,7 +2639,7 @@
             </a:ln>
             <a:extLst>
               <a:ext uri="{91240B29-F687-4f45-9708-019B960494DF}">
-                <a14:hiddenLine xmlns:a14="http://schemas.microsoft.com/office/drawing/2010/main" xmlns="" w="9525">
+                <a14:hiddenLine xmlns="" xmlns:a14="http://schemas.microsoft.com/office/drawing/2010/main" w="9525">
                   <a:solidFill>
                     <a:srgbClr val="000000"/>
                   </a:solidFill>
@@ -2695,7 +2695,7 @@
             </a:ln>
             <a:extLst>
               <a:ext uri="{91240B29-F687-4f45-9708-019B960494DF}">
-                <a14:hiddenLine xmlns:a14="http://schemas.microsoft.com/office/drawing/2010/main" xmlns="" w="9525">
+                <a14:hiddenLine xmlns="" xmlns:a14="http://schemas.microsoft.com/office/drawing/2010/main" w="9525">
                   <a:solidFill>
                     <a:srgbClr val="000000"/>
                   </a:solidFill>
@@ -2785,7 +2785,7 @@
             </a:ln>
             <a:extLst>
               <a:ext uri="{91240B29-F687-4f45-9708-019B960494DF}">
-                <a14:hiddenLine xmlns:a14="http://schemas.microsoft.com/office/drawing/2010/main" xmlns="" w="9525">
+                <a14:hiddenLine xmlns="" xmlns:a14="http://schemas.microsoft.com/office/drawing/2010/main" w="9525">
                   <a:solidFill>
                     <a:srgbClr val="000000"/>
                   </a:solidFill>
@@ -2853,7 +2853,7 @@
             </a:ln>
             <a:extLst>
               <a:ext uri="{91240B29-F687-4f45-9708-019B960494DF}">
-                <a14:hiddenLine xmlns:a14="http://schemas.microsoft.com/office/drawing/2010/main" xmlns="" w="9525">
+                <a14:hiddenLine xmlns="" xmlns:a14="http://schemas.microsoft.com/office/drawing/2010/main" w="9525">
                   <a:solidFill>
                     <a:srgbClr val="000000"/>
                   </a:solidFill>
@@ -2943,7 +2943,7 @@
             </a:ln>
             <a:extLst>
               <a:ext uri="{91240B29-F687-4f45-9708-019B960494DF}">
-                <a14:hiddenLine xmlns:a14="http://schemas.microsoft.com/office/drawing/2010/main" xmlns="" w="9525">
+                <a14:hiddenLine xmlns="" xmlns:a14="http://schemas.microsoft.com/office/drawing/2010/main" w="9525">
                   <a:solidFill>
                     <a:srgbClr val="000000"/>
                   </a:solidFill>
@@ -3011,7 +3011,7 @@
             </a:ln>
             <a:extLst>
               <a:ext uri="{91240B29-F687-4f45-9708-019B960494DF}">
-                <a14:hiddenLine xmlns:a14="http://schemas.microsoft.com/office/drawing/2010/main" xmlns="" w="9525">
+                <a14:hiddenLine xmlns="" xmlns:a14="http://schemas.microsoft.com/office/drawing/2010/main" w="9525">
                   <a:solidFill>
                     <a:srgbClr val="000000"/>
                   </a:solidFill>
@@ -3101,7 +3101,7 @@
             </a:ln>
             <a:extLst>
               <a:ext uri="{91240B29-F687-4f45-9708-019B960494DF}">
-                <a14:hiddenLine xmlns:a14="http://schemas.microsoft.com/office/drawing/2010/main" xmlns="" w="9525">
+                <a14:hiddenLine xmlns="" xmlns:a14="http://schemas.microsoft.com/office/drawing/2010/main" w="9525">
                   <a:solidFill>
                     <a:srgbClr val="000000"/>
                   </a:solidFill>
@@ -3135,7 +3135,7 @@
             </a:ln>
             <a:extLst>
               <a:ext uri="{91240B29-F687-4f45-9708-019B960494DF}">
-                <a14:hiddenLine xmlns:a14="http://schemas.microsoft.com/office/drawing/2010/main" xmlns="" w="9525">
+                <a14:hiddenLine xmlns="" xmlns:a14="http://schemas.microsoft.com/office/drawing/2010/main" w="9525">
                   <a:solidFill>
                     <a:srgbClr val="000000"/>
                   </a:solidFill>
@@ -3225,7 +3225,7 @@
             </a:ln>
             <a:extLst>
               <a:ext uri="{91240B29-F687-4f45-9708-019B960494DF}">
-                <a14:hiddenLine xmlns:a14="http://schemas.microsoft.com/office/drawing/2010/main" xmlns="" w="9525">
+                <a14:hiddenLine xmlns="" xmlns:a14="http://schemas.microsoft.com/office/drawing/2010/main" w="9525">
                   <a:solidFill>
                     <a:srgbClr val="000000"/>
                   </a:solidFill>
@@ -3287,7 +3287,7 @@
             </a:ln>
             <a:extLst>
               <a:ext uri="{91240B29-F687-4f45-9708-019B960494DF}">
-                <a14:hiddenLine xmlns:a14="http://schemas.microsoft.com/office/drawing/2010/main" xmlns="" w="9525">
+                <a14:hiddenLine xmlns="" xmlns:a14="http://schemas.microsoft.com/office/drawing/2010/main" w="9525">
                   <a:solidFill>
                     <a:srgbClr val="000000"/>
                   </a:solidFill>
@@ -3349,7 +3349,7 @@
             </a:ln>
             <a:extLst>
               <a:ext uri="{91240B29-F687-4f45-9708-019B960494DF}">
-                <a14:hiddenLine xmlns:a14="http://schemas.microsoft.com/office/drawing/2010/main" xmlns="" w="9525">
+                <a14:hiddenLine xmlns="" xmlns:a14="http://schemas.microsoft.com/office/drawing/2010/main" w="9525">
                   <a:solidFill>
                     <a:srgbClr val="000000"/>
                   </a:solidFill>
@@ -3439,7 +3439,7 @@
             </a:ln>
             <a:extLst>
               <a:ext uri="{91240B29-F687-4f45-9708-019B960494DF}">
-                <a14:hiddenLine xmlns:a14="http://schemas.microsoft.com/office/drawing/2010/main" xmlns="" w="9525">
+                <a14:hiddenLine xmlns="" xmlns:a14="http://schemas.microsoft.com/office/drawing/2010/main" w="9525">
                   <a:solidFill>
                     <a:srgbClr val="000000"/>
                   </a:solidFill>
@@ -3507,7 +3507,7 @@
             </a:ln>
             <a:extLst>
               <a:ext uri="{91240B29-F687-4f45-9708-019B960494DF}">
-                <a14:hiddenLine xmlns:a14="http://schemas.microsoft.com/office/drawing/2010/main" xmlns="" w="9525">
+                <a14:hiddenLine xmlns="" xmlns:a14="http://schemas.microsoft.com/office/drawing/2010/main" w="9525">
                   <a:solidFill>
                     <a:srgbClr val="000000"/>
                   </a:solidFill>
@@ -3569,7 +3569,7 @@
             </a:ln>
             <a:extLst>
               <a:ext uri="{91240B29-F687-4f45-9708-019B960494DF}">
-                <a14:hiddenLine xmlns:a14="http://schemas.microsoft.com/office/drawing/2010/main" xmlns="" w="9525">
+                <a14:hiddenLine xmlns="" xmlns:a14="http://schemas.microsoft.com/office/drawing/2010/main" w="9525">
                   <a:solidFill>
                     <a:srgbClr val="000000"/>
                   </a:solidFill>
@@ -3659,7 +3659,7 @@
             </a:ln>
             <a:extLst>
               <a:ext uri="{91240B29-F687-4f45-9708-019B960494DF}">
-                <a14:hiddenLine xmlns:a14="http://schemas.microsoft.com/office/drawing/2010/main" xmlns="" w="9525">
+                <a14:hiddenLine xmlns="" xmlns:a14="http://schemas.microsoft.com/office/drawing/2010/main" w="9525">
                   <a:solidFill>
                     <a:srgbClr val="000000"/>
                   </a:solidFill>
@@ -3721,7 +3721,7 @@
             </a:ln>
             <a:extLst>
               <a:ext uri="{91240B29-F687-4f45-9708-019B960494DF}">
-                <a14:hiddenLine xmlns:a14="http://schemas.microsoft.com/office/drawing/2010/main" xmlns="" w="9525">
+                <a14:hiddenLine xmlns="" xmlns:a14="http://schemas.microsoft.com/office/drawing/2010/main" w="9525">
                   <a:solidFill>
                     <a:srgbClr val="000000"/>
                   </a:solidFill>
@@ -3811,7 +3811,7 @@
             </a:ln>
             <a:extLst>
               <a:ext uri="{91240B29-F687-4f45-9708-019B960494DF}">
-                <a14:hiddenLine xmlns:a14="http://schemas.microsoft.com/office/drawing/2010/main" xmlns="" w="9525">
+                <a14:hiddenLine xmlns="" xmlns:a14="http://schemas.microsoft.com/office/drawing/2010/main" w="9525">
                   <a:solidFill>
                     <a:srgbClr val="000000"/>
                   </a:solidFill>
@@ -3873,7 +3873,7 @@
             </a:ln>
             <a:extLst>
               <a:ext uri="{91240B29-F687-4f45-9708-019B960494DF}">
-                <a14:hiddenLine xmlns:a14="http://schemas.microsoft.com/office/drawing/2010/main" xmlns="" w="9525">
+                <a14:hiddenLine xmlns="" xmlns:a14="http://schemas.microsoft.com/office/drawing/2010/main" w="9525">
                   <a:solidFill>
                     <a:srgbClr val="000000"/>
                   </a:solidFill>
@@ -3963,7 +3963,7 @@
             </a:ln>
             <a:extLst>
               <a:ext uri="{91240B29-F687-4f45-9708-019B960494DF}">
-                <a14:hiddenLine xmlns:a14="http://schemas.microsoft.com/office/drawing/2010/main" xmlns="" w="9525">
+                <a14:hiddenLine xmlns="" xmlns:a14="http://schemas.microsoft.com/office/drawing/2010/main" w="9525">
                   <a:solidFill>
                     <a:srgbClr val="000000"/>
                   </a:solidFill>
@@ -3997,7 +3997,7 @@
             </a:ln>
             <a:extLst>
               <a:ext uri="{91240B29-F687-4f45-9708-019B960494DF}">
-                <a14:hiddenLine xmlns:a14="http://schemas.microsoft.com/office/drawing/2010/main" xmlns="" w="9525">
+                <a14:hiddenLine xmlns="" xmlns:a14="http://schemas.microsoft.com/office/drawing/2010/main" w="9525">
                   <a:solidFill>
                     <a:srgbClr val="000000"/>
                   </a:solidFill>
@@ -4062,7 +4062,7 @@
             </a:ln>
             <a:extLst>
               <a:ext uri="{91240B29-F687-4f45-9708-019B960494DF}">
-                <a14:hiddenLine xmlns:a14="http://schemas.microsoft.com/office/drawing/2010/main" xmlns="" w="9525">
+                <a14:hiddenLine xmlns="" xmlns:a14="http://schemas.microsoft.com/office/drawing/2010/main" w="9525">
                   <a:solidFill>
                     <a:srgbClr val="000000"/>
                   </a:solidFill>
@@ -4152,7 +4152,7 @@
             </a:ln>
             <a:extLst>
               <a:ext uri="{91240B29-F687-4f45-9708-019B960494DF}">
-                <a14:hiddenLine xmlns:a14="http://schemas.microsoft.com/office/drawing/2010/main" xmlns="" w="9525">
+                <a14:hiddenLine xmlns="" xmlns:a14="http://schemas.microsoft.com/office/drawing/2010/main" w="9525">
                   <a:solidFill>
                     <a:srgbClr val="000000"/>
                   </a:solidFill>
@@ -4214,7 +4214,7 @@
             </a:ln>
             <a:extLst>
               <a:ext uri="{91240B29-F687-4f45-9708-019B960494DF}">
-                <a14:hiddenLine xmlns:a14="http://schemas.microsoft.com/office/drawing/2010/main" xmlns="" w="9525">
+                <a14:hiddenLine xmlns="" xmlns:a14="http://schemas.microsoft.com/office/drawing/2010/main" w="9525">
                   <a:solidFill>
                     <a:srgbClr val="000000"/>
                   </a:solidFill>
@@ -4304,7 +4304,7 @@
             </a:ln>
             <a:extLst>
               <a:ext uri="{91240B29-F687-4f45-9708-019B960494DF}">
-                <a14:hiddenLine xmlns:a14="http://schemas.microsoft.com/office/drawing/2010/main" xmlns="" w="9525">
+                <a14:hiddenLine xmlns="" xmlns:a14="http://schemas.microsoft.com/office/drawing/2010/main" w="9525">
                   <a:solidFill>
                     <a:srgbClr val="000000"/>
                   </a:solidFill>
@@ -4394,7 +4394,7 @@
             </a:ln>
             <a:extLst>
               <a:ext uri="{91240B29-F687-4f45-9708-019B960494DF}">
-                <a14:hiddenLine xmlns:a14="http://schemas.microsoft.com/office/drawing/2010/main" xmlns="" w="9525">
+                <a14:hiddenLine xmlns="" xmlns:a14="http://schemas.microsoft.com/office/drawing/2010/main" w="9525">
                   <a:solidFill>
                     <a:srgbClr val="000000"/>
                   </a:solidFill>
@@ -4459,7 +4459,7 @@
             </a:ln>
             <a:extLst>
               <a:ext uri="{91240B29-F687-4f45-9708-019B960494DF}">
-                <a14:hiddenLine xmlns:a14="http://schemas.microsoft.com/office/drawing/2010/main" xmlns="" w="9525">
+                <a14:hiddenLine xmlns="" xmlns:a14="http://schemas.microsoft.com/office/drawing/2010/main" w="9525">
                   <a:solidFill>
                     <a:srgbClr val="000000"/>
                   </a:solidFill>
@@ -4521,7 +4521,7 @@
             </a:ln>
             <a:extLst>
               <a:ext uri="{91240B29-F687-4f45-9708-019B960494DF}">
-                <a14:hiddenLine xmlns:a14="http://schemas.microsoft.com/office/drawing/2010/main" xmlns="" w="9525">
+                <a14:hiddenLine xmlns="" xmlns:a14="http://schemas.microsoft.com/office/drawing/2010/main" w="9525">
                   <a:solidFill>
                     <a:srgbClr val="000000"/>
                   </a:solidFill>
@@ -4611,7 +4611,7 @@
             </a:ln>
             <a:extLst>
               <a:ext uri="{91240B29-F687-4f45-9708-019B960494DF}">
-                <a14:hiddenLine xmlns:a14="http://schemas.microsoft.com/office/drawing/2010/main" xmlns="" w="9525">
+                <a14:hiddenLine xmlns="" xmlns:a14="http://schemas.microsoft.com/office/drawing/2010/main" w="9525">
                   <a:solidFill>
                     <a:srgbClr val="000000"/>
                   </a:solidFill>
@@ -4701,7 +4701,7 @@
             </a:ln>
             <a:extLst>
               <a:ext uri="{91240B29-F687-4f45-9708-019B960494DF}">
-                <a14:hiddenLine xmlns:a14="http://schemas.microsoft.com/office/drawing/2010/main" xmlns="" w="9525">
+                <a14:hiddenLine xmlns="" xmlns:a14="http://schemas.microsoft.com/office/drawing/2010/main" w="9525">
                   <a:solidFill>
                     <a:srgbClr val="000000"/>
                   </a:solidFill>
@@ -4763,7 +4763,7 @@
             </a:ln>
             <a:extLst>
               <a:ext uri="{91240B29-F687-4f45-9708-019B960494DF}">
-                <a14:hiddenLine xmlns:a14="http://schemas.microsoft.com/office/drawing/2010/main" xmlns="" w="9525">
+                <a14:hiddenLine xmlns="" xmlns:a14="http://schemas.microsoft.com/office/drawing/2010/main" w="9525">
                   <a:solidFill>
                     <a:srgbClr val="000000"/>
                   </a:solidFill>
@@ -4883,7 +4883,7 @@
             </a:ln>
             <a:extLst>
               <a:ext uri="{91240B29-F687-4f45-9708-019B960494DF}">
-                <a14:hiddenLine xmlns:a14="http://schemas.microsoft.com/office/drawing/2010/main" xmlns="" w="9525">
+                <a14:hiddenLine xmlns="" xmlns:a14="http://schemas.microsoft.com/office/drawing/2010/main" w="9525">
                   <a:solidFill>
                     <a:srgbClr val="000000"/>
                   </a:solidFill>
@@ -4951,7 +4951,7 @@
             </a:ln>
             <a:extLst>
               <a:ext uri="{91240B29-F687-4f45-9708-019B960494DF}">
-                <a14:hiddenLine xmlns:a14="http://schemas.microsoft.com/office/drawing/2010/main" xmlns="" w="9525">
+                <a14:hiddenLine xmlns="" xmlns:a14="http://schemas.microsoft.com/office/drawing/2010/main" w="9525">
                   <a:solidFill>
                     <a:srgbClr val="000000"/>
                   </a:solidFill>
@@ -5041,7 +5041,7 @@
             </a:ln>
             <a:extLst>
               <a:ext uri="{91240B29-F687-4f45-9708-019B960494DF}">
-                <a14:hiddenLine xmlns:a14="http://schemas.microsoft.com/office/drawing/2010/main" xmlns="" w="9525">
+                <a14:hiddenLine xmlns="" xmlns:a14="http://schemas.microsoft.com/office/drawing/2010/main" w="9525">
                   <a:solidFill>
                     <a:srgbClr val="000000"/>
                   </a:solidFill>
@@ -5181,7 +5181,7 @@
           <a:p>
             <a:fld id="{48A87A34-81AB-432B-8DAE-1953F412C126}" type="datetimeFigureOut">
               <a:rPr lang="en-US" dirty="0"/>
-              <a:t>10/3/2018</a:t>
+              <a:t>10/4/2018</a:t>
             </a:fld>
             <a:endParaRPr lang="en-US" dirty="0"/>
           </a:p>
@@ -5443,7 +5443,7 @@
           <a:p>
             <a:fld id="{48A87A34-81AB-432B-8DAE-1953F412C126}" type="datetimeFigureOut">
               <a:rPr lang="en-US" dirty="0"/>
-              <a:t>10/3/2018</a:t>
+              <a:t>10/4/2018</a:t>
             </a:fld>
             <a:endParaRPr lang="en-US" dirty="0"/>
           </a:p>
@@ -5634,7 +5634,7 @@
           <a:p>
             <a:fld id="{48A87A34-81AB-432B-8DAE-1953F412C126}" type="datetimeFigureOut">
               <a:rPr lang="en-US" dirty="0"/>
-              <a:t>10/3/2018</a:t>
+              <a:t>10/4/2018</a:t>
             </a:fld>
             <a:endParaRPr lang="en-US" dirty="0"/>
           </a:p>
@@ -5892,7 +5892,7 @@
           <a:p>
             <a:fld id="{48A87A34-81AB-432B-8DAE-1953F412C126}" type="datetimeFigureOut">
               <a:rPr lang="en-US" dirty="0"/>
-              <a:t>10/3/2018</a:t>
+              <a:t>10/4/2018</a:t>
             </a:fld>
             <a:endParaRPr lang="en-US" dirty="0"/>
           </a:p>
@@ -6321,7 +6321,7 @@
           <a:p>
             <a:fld id="{48A87A34-81AB-432B-8DAE-1953F412C126}" type="datetimeFigureOut">
               <a:rPr lang="en-US" dirty="0"/>
-              <a:t>10/3/2018</a:t>
+              <a:t>10/4/2018</a:t>
             </a:fld>
             <a:endParaRPr lang="en-US" dirty="0"/>
           </a:p>
@@ -6862,7 +6862,7 @@
           <a:p>
             <a:fld id="{48A87A34-81AB-432B-8DAE-1953F412C126}" type="datetimeFigureOut">
               <a:rPr lang="en-US" dirty="0"/>
-              <a:t>10/3/2018</a:t>
+              <a:t>10/4/2018</a:t>
             </a:fld>
             <a:endParaRPr lang="en-US" dirty="0"/>
           </a:p>
@@ -7577,7 +7577,7 @@
           <a:p>
             <a:fld id="{48A87A34-81AB-432B-8DAE-1953F412C126}" type="datetimeFigureOut">
               <a:rPr lang="en-US" dirty="0"/>
-              <a:t>10/3/2018</a:t>
+              <a:t>10/4/2018</a:t>
             </a:fld>
             <a:endParaRPr lang="en-US" dirty="0"/>
           </a:p>
@@ -7742,7 +7742,7 @@
           <a:p>
             <a:fld id="{48A87A34-81AB-432B-8DAE-1953F412C126}" type="datetimeFigureOut">
               <a:rPr lang="en-US" dirty="0"/>
-              <a:t>10/3/2018</a:t>
+              <a:t>10/4/2018</a:t>
             </a:fld>
             <a:endParaRPr lang="en-US" dirty="0"/>
           </a:p>
@@ -7917,7 +7917,7 @@
           <a:p>
             <a:fld id="{48A87A34-81AB-432B-8DAE-1953F412C126}" type="datetimeFigureOut">
               <a:rPr lang="en-US" dirty="0"/>
-              <a:t>10/3/2018</a:t>
+              <a:t>10/4/2018</a:t>
             </a:fld>
             <a:endParaRPr lang="en-US" dirty="0"/>
           </a:p>
@@ -8082,7 +8082,7 @@
           <a:p>
             <a:fld id="{48A87A34-81AB-432B-8DAE-1953F412C126}" type="datetimeFigureOut">
               <a:rPr lang="en-US" dirty="0"/>
-              <a:t>10/3/2018</a:t>
+              <a:t>10/4/2018</a:t>
             </a:fld>
             <a:endParaRPr lang="en-US" dirty="0"/>
           </a:p>
@@ -8327,7 +8327,7 @@
           <a:p>
             <a:fld id="{48A87A34-81AB-432B-8DAE-1953F412C126}" type="datetimeFigureOut">
               <a:rPr lang="en-US" dirty="0"/>
-              <a:t>10/3/2018</a:t>
+              <a:t>10/4/2018</a:t>
             </a:fld>
             <a:endParaRPr lang="en-US" dirty="0"/>
           </a:p>
@@ -8554,7 +8554,7 @@
           <a:p>
             <a:fld id="{48A87A34-81AB-432B-8DAE-1953F412C126}" type="datetimeFigureOut">
               <a:rPr lang="en-US" dirty="0"/>
-              <a:t>10/3/2018</a:t>
+              <a:t>10/4/2018</a:t>
             </a:fld>
             <a:endParaRPr lang="en-US" dirty="0"/>
           </a:p>
@@ -8930,7 +8930,7 @@
           <a:p>
             <a:fld id="{48A87A34-81AB-432B-8DAE-1953F412C126}" type="datetimeFigureOut">
               <a:rPr lang="en-US" dirty="0"/>
-              <a:t>10/3/2018</a:t>
+              <a:t>10/4/2018</a:t>
             </a:fld>
             <a:endParaRPr lang="en-US" dirty="0"/>
           </a:p>
@@ -9043,7 +9043,7 @@
           <a:p>
             <a:fld id="{48A87A34-81AB-432B-8DAE-1953F412C126}" type="datetimeFigureOut">
               <a:rPr lang="en-US" dirty="0"/>
-              <a:t>10/3/2018</a:t>
+              <a:t>10/4/2018</a:t>
             </a:fld>
             <a:endParaRPr lang="en-US" dirty="0"/>
           </a:p>
@@ -9133,7 +9133,7 @@
           <a:p>
             <a:fld id="{48A87A34-81AB-432B-8DAE-1953F412C126}" type="datetimeFigureOut">
               <a:rPr lang="en-US" dirty="0"/>
-              <a:t>10/3/2018</a:t>
+              <a:t>10/4/2018</a:t>
             </a:fld>
             <a:endParaRPr lang="en-US" dirty="0"/>
           </a:p>
@@ -9377,7 +9377,7 @@
           <a:p>
             <a:fld id="{48A87A34-81AB-432B-8DAE-1953F412C126}" type="datetimeFigureOut">
               <a:rPr lang="en-US" dirty="0"/>
-              <a:t>10/3/2018</a:t>
+              <a:t>10/4/2018</a:t>
             </a:fld>
             <a:endParaRPr lang="en-US" dirty="0"/>
           </a:p>
@@ -9652,7 +9652,7 @@
           <a:p>
             <a:fld id="{48A87A34-81AB-432B-8DAE-1953F412C126}" type="datetimeFigureOut">
               <a:rPr lang="en-US" dirty="0"/>
-              <a:t>10/3/2018</a:t>
+              <a:t>10/4/2018</a:t>
             </a:fld>
             <a:endParaRPr lang="en-US" dirty="0"/>
           </a:p>
@@ -9763,7 +9763,7 @@
           <a:noFill/>
           <a:extLst>
             <a:ext uri="{909E8E84-426E-40dd-AFC4-6F175D3DCCD1}">
-              <a14:hiddenFill xmlns:a14="http://schemas.microsoft.com/office/drawing/2010/main" xmlns="">
+              <a14:hiddenFill xmlns="" xmlns:a14="http://schemas.microsoft.com/office/drawing/2010/main">
                 <a:solidFill>
                   <a:srgbClr val="FFFFFF"/>
                 </a:solidFill>
@@ -9837,7 +9837,7 @@
               </a:ln>
               <a:extLst>
                 <a:ext uri="{91240B29-F687-4f45-9708-019B960494DF}">
-                  <a14:hiddenLine xmlns:a14="http://schemas.microsoft.com/office/drawing/2010/main" xmlns="" w="9525">
+                  <a14:hiddenLine xmlns="" xmlns:a14="http://schemas.microsoft.com/office/drawing/2010/main" w="9525">
                     <a:solidFill>
                       <a:srgbClr val="000000"/>
                     </a:solidFill>
@@ -9927,7 +9927,7 @@
               </a:ln>
               <a:extLst>
                 <a:ext uri="{91240B29-F687-4f45-9708-019B960494DF}">
-                  <a14:hiddenLine xmlns:a14="http://schemas.microsoft.com/office/drawing/2010/main" xmlns="" w="9525">
+                  <a14:hiddenLine xmlns="" xmlns:a14="http://schemas.microsoft.com/office/drawing/2010/main" w="9525">
                     <a:solidFill>
                       <a:srgbClr val="000000"/>
                     </a:solidFill>
@@ -10017,7 +10017,7 @@
               </a:ln>
               <a:extLst>
                 <a:ext uri="{91240B29-F687-4f45-9708-019B960494DF}">
-                  <a14:hiddenLine xmlns:a14="http://schemas.microsoft.com/office/drawing/2010/main" xmlns="" w="9525">
+                  <a14:hiddenLine xmlns="" xmlns:a14="http://schemas.microsoft.com/office/drawing/2010/main" w="9525">
                     <a:solidFill>
                       <a:srgbClr val="000000"/>
                     </a:solidFill>
@@ -10079,7 +10079,7 @@
               </a:ln>
               <a:extLst>
                 <a:ext uri="{91240B29-F687-4f45-9708-019B960494DF}">
-                  <a14:hiddenLine xmlns:a14="http://schemas.microsoft.com/office/drawing/2010/main" xmlns="" w="9525">
+                  <a14:hiddenLine xmlns="" xmlns:a14="http://schemas.microsoft.com/office/drawing/2010/main" w="9525">
                     <a:solidFill>
                       <a:srgbClr val="000000"/>
                     </a:solidFill>
@@ -10169,7 +10169,7 @@
               </a:ln>
               <a:extLst>
                 <a:ext uri="{91240B29-F687-4f45-9708-019B960494DF}">
-                  <a14:hiddenLine xmlns:a14="http://schemas.microsoft.com/office/drawing/2010/main" xmlns="" w="9525">
+                  <a14:hiddenLine xmlns="" xmlns:a14="http://schemas.microsoft.com/office/drawing/2010/main" w="9525">
                     <a:solidFill>
                       <a:srgbClr val="000000"/>
                     </a:solidFill>
@@ -10231,7 +10231,7 @@
               </a:ln>
               <a:extLst>
                 <a:ext uri="{91240B29-F687-4f45-9708-019B960494DF}">
-                  <a14:hiddenLine xmlns:a14="http://schemas.microsoft.com/office/drawing/2010/main" xmlns="" w="9525">
+                  <a14:hiddenLine xmlns="" xmlns:a14="http://schemas.microsoft.com/office/drawing/2010/main" w="9525">
                     <a:solidFill>
                       <a:srgbClr val="000000"/>
                     </a:solidFill>
@@ -10293,7 +10293,7 @@
               </a:ln>
               <a:extLst>
                 <a:ext uri="{91240B29-F687-4f45-9708-019B960494DF}">
-                  <a14:hiddenLine xmlns:a14="http://schemas.microsoft.com/office/drawing/2010/main" xmlns="" w="9525">
+                  <a14:hiddenLine xmlns="" xmlns:a14="http://schemas.microsoft.com/office/drawing/2010/main" w="9525">
                     <a:solidFill>
                       <a:srgbClr val="000000"/>
                     </a:solidFill>
@@ -10383,7 +10383,7 @@
               </a:ln>
               <a:extLst>
                 <a:ext uri="{91240B29-F687-4f45-9708-019B960494DF}">
-                  <a14:hiddenLine xmlns:a14="http://schemas.microsoft.com/office/drawing/2010/main" xmlns="" w="9525">
+                  <a14:hiddenLine xmlns="" xmlns:a14="http://schemas.microsoft.com/office/drawing/2010/main" w="9525">
                     <a:solidFill>
                       <a:srgbClr val="000000"/>
                     </a:solidFill>
@@ -10473,7 +10473,7 @@
               </a:ln>
               <a:extLst>
                 <a:ext uri="{91240B29-F687-4f45-9708-019B960494DF}">
-                  <a14:hiddenLine xmlns:a14="http://schemas.microsoft.com/office/drawing/2010/main" xmlns="" w="9525">
+                  <a14:hiddenLine xmlns="" xmlns:a14="http://schemas.microsoft.com/office/drawing/2010/main" w="9525">
                     <a:solidFill>
                       <a:srgbClr val="000000"/>
                     </a:solidFill>
@@ -10535,7 +10535,7 @@
               </a:ln>
               <a:extLst>
                 <a:ext uri="{91240B29-F687-4f45-9708-019B960494DF}">
-                  <a14:hiddenLine xmlns:a14="http://schemas.microsoft.com/office/drawing/2010/main" xmlns="" w="9525">
+                  <a14:hiddenLine xmlns="" xmlns:a14="http://schemas.microsoft.com/office/drawing/2010/main" w="9525">
                     <a:solidFill>
                       <a:srgbClr val="000000"/>
                     </a:solidFill>
@@ -10645,7 +10645,7 @@
               </a:ln>
               <a:extLst>
                 <a:ext uri="{91240B29-F687-4f45-9708-019B960494DF}">
-                  <a14:hiddenLine xmlns:a14="http://schemas.microsoft.com/office/drawing/2010/main" xmlns="" w="9525">
+                  <a14:hiddenLine xmlns="" xmlns:a14="http://schemas.microsoft.com/office/drawing/2010/main" w="9525">
                     <a:solidFill>
                       <a:srgbClr val="000000"/>
                     </a:solidFill>
@@ -10729,7 +10729,7 @@
               </a:ln>
               <a:extLst>
                 <a:ext uri="{91240B29-F687-4f45-9708-019B960494DF}">
-                  <a14:hiddenLine xmlns:a14="http://schemas.microsoft.com/office/drawing/2010/main" xmlns="" w="9525">
+                  <a14:hiddenLine xmlns="" xmlns:a14="http://schemas.microsoft.com/office/drawing/2010/main" w="9525">
                     <a:solidFill>
                       <a:srgbClr val="000000"/>
                     </a:solidFill>
@@ -10791,7 +10791,7 @@
               </a:ln>
               <a:extLst>
                 <a:ext uri="{91240B29-F687-4f45-9708-019B960494DF}">
-                  <a14:hiddenLine xmlns:a14="http://schemas.microsoft.com/office/drawing/2010/main" xmlns="" w="9525">
+                  <a14:hiddenLine xmlns="" xmlns:a14="http://schemas.microsoft.com/office/drawing/2010/main" w="9525">
                     <a:solidFill>
                       <a:srgbClr val="000000"/>
                     </a:solidFill>
@@ -10853,7 +10853,7 @@
               </a:ln>
               <a:extLst>
                 <a:ext uri="{91240B29-F687-4f45-9708-019B960494DF}">
-                  <a14:hiddenLine xmlns:a14="http://schemas.microsoft.com/office/drawing/2010/main" xmlns="" w="9525">
+                  <a14:hiddenLine xmlns="" xmlns:a14="http://schemas.microsoft.com/office/drawing/2010/main" w="9525">
                     <a:solidFill>
                       <a:srgbClr val="000000"/>
                     </a:solidFill>
@@ -10943,7 +10943,7 @@
               </a:ln>
               <a:extLst>
                 <a:ext uri="{91240B29-F687-4f45-9708-019B960494DF}">
-                  <a14:hiddenLine xmlns:a14="http://schemas.microsoft.com/office/drawing/2010/main" xmlns="" w="9525">
+                  <a14:hiddenLine xmlns="" xmlns:a14="http://schemas.microsoft.com/office/drawing/2010/main" w="9525">
                     <a:solidFill>
                       <a:srgbClr val="000000"/>
                     </a:solidFill>
@@ -10977,7 +10977,7 @@
               </a:ln>
               <a:extLst>
                 <a:ext uri="{91240B29-F687-4f45-9708-019B960494DF}">
-                  <a14:hiddenLine xmlns:a14="http://schemas.microsoft.com/office/drawing/2010/main" xmlns="" w="9525">
+                  <a14:hiddenLine xmlns="" xmlns:a14="http://schemas.microsoft.com/office/drawing/2010/main" w="9525">
                     <a:solidFill>
                       <a:srgbClr val="000000"/>
                     </a:solidFill>
@@ -11042,7 +11042,7 @@
               </a:ln>
               <a:extLst>
                 <a:ext uri="{91240B29-F687-4f45-9708-019B960494DF}">
-                  <a14:hiddenLine xmlns:a14="http://schemas.microsoft.com/office/drawing/2010/main" xmlns="" w="9525">
+                  <a14:hiddenLine xmlns="" xmlns:a14="http://schemas.microsoft.com/office/drawing/2010/main" w="9525">
                     <a:solidFill>
                       <a:srgbClr val="000000"/>
                     </a:solidFill>
@@ -11132,7 +11132,7 @@
               </a:ln>
               <a:extLst>
                 <a:ext uri="{91240B29-F687-4f45-9708-019B960494DF}">
-                  <a14:hiddenLine xmlns:a14="http://schemas.microsoft.com/office/drawing/2010/main" xmlns="" w="9525">
+                  <a14:hiddenLine xmlns="" xmlns:a14="http://schemas.microsoft.com/office/drawing/2010/main" w="9525">
                     <a:solidFill>
                       <a:srgbClr val="000000"/>
                     </a:solidFill>
@@ -11194,7 +11194,7 @@
               </a:ln>
               <a:extLst>
                 <a:ext uri="{91240B29-F687-4f45-9708-019B960494DF}">
-                  <a14:hiddenLine xmlns:a14="http://schemas.microsoft.com/office/drawing/2010/main" xmlns="" w="9525">
+                  <a14:hiddenLine xmlns="" xmlns:a14="http://schemas.microsoft.com/office/drawing/2010/main" w="9525">
                     <a:solidFill>
                       <a:srgbClr val="000000"/>
                     </a:solidFill>
@@ -11284,7 +11284,7 @@
               </a:ln>
               <a:extLst>
                 <a:ext uri="{91240B29-F687-4f45-9708-019B960494DF}">
-                  <a14:hiddenLine xmlns:a14="http://schemas.microsoft.com/office/drawing/2010/main" xmlns="" w="9525">
+                  <a14:hiddenLine xmlns="" xmlns:a14="http://schemas.microsoft.com/office/drawing/2010/main" w="9525">
                     <a:solidFill>
                       <a:srgbClr val="000000"/>
                     </a:solidFill>
@@ -11349,7 +11349,7 @@
               </a:ln>
               <a:extLst>
                 <a:ext uri="{91240B29-F687-4f45-9708-019B960494DF}">
-                  <a14:hiddenLine xmlns:a14="http://schemas.microsoft.com/office/drawing/2010/main" xmlns="" w="9525">
+                  <a14:hiddenLine xmlns="" xmlns:a14="http://schemas.microsoft.com/office/drawing/2010/main" w="9525">
                     <a:solidFill>
                       <a:srgbClr val="000000"/>
                     </a:solidFill>
@@ -11411,7 +11411,7 @@
               </a:ln>
               <a:extLst>
                 <a:ext uri="{91240B29-F687-4f45-9708-019B960494DF}">
-                  <a14:hiddenLine xmlns:a14="http://schemas.microsoft.com/office/drawing/2010/main" xmlns="" w="9525">
+                  <a14:hiddenLine xmlns="" xmlns:a14="http://schemas.microsoft.com/office/drawing/2010/main" w="9525">
                     <a:solidFill>
                       <a:srgbClr val="000000"/>
                     </a:solidFill>
@@ -11501,7 +11501,7 @@
               </a:ln>
               <a:extLst>
                 <a:ext uri="{91240B29-F687-4f45-9708-019B960494DF}">
-                  <a14:hiddenLine xmlns:a14="http://schemas.microsoft.com/office/drawing/2010/main" xmlns="" w="9525">
+                  <a14:hiddenLine xmlns="" xmlns:a14="http://schemas.microsoft.com/office/drawing/2010/main" w="9525">
                     <a:solidFill>
                       <a:srgbClr val="000000"/>
                     </a:solidFill>
@@ -11591,7 +11591,7 @@
               </a:ln>
               <a:extLst>
                 <a:ext uri="{91240B29-F687-4f45-9708-019B960494DF}">
-                  <a14:hiddenLine xmlns:a14="http://schemas.microsoft.com/office/drawing/2010/main" xmlns="" w="9525">
+                  <a14:hiddenLine xmlns="" xmlns:a14="http://schemas.microsoft.com/office/drawing/2010/main" w="9525">
                     <a:solidFill>
                       <a:srgbClr val="000000"/>
                     </a:solidFill>
@@ -11656,7 +11656,7 @@
               </a:ln>
               <a:extLst>
                 <a:ext uri="{91240B29-F687-4f45-9708-019B960494DF}">
-                  <a14:hiddenLine xmlns:a14="http://schemas.microsoft.com/office/drawing/2010/main" xmlns="" w="9525">
+                  <a14:hiddenLine xmlns="" xmlns:a14="http://schemas.microsoft.com/office/drawing/2010/main" w="9525">
                     <a:solidFill>
                       <a:srgbClr val="000000"/>
                     </a:solidFill>
@@ -11776,7 +11776,7 @@
               </a:ln>
               <a:extLst>
                 <a:ext uri="{91240B29-F687-4f45-9708-019B960494DF}">
-                  <a14:hiddenLine xmlns:a14="http://schemas.microsoft.com/office/drawing/2010/main" xmlns="" w="9525">
+                  <a14:hiddenLine xmlns="" xmlns:a14="http://schemas.microsoft.com/office/drawing/2010/main" w="9525">
                     <a:solidFill>
                       <a:srgbClr val="000000"/>
                     </a:solidFill>
@@ -11874,7 +11874,7 @@
               </a:ln>
               <a:extLst>
                 <a:ext uri="{91240B29-F687-4f45-9708-019B960494DF}">
-                  <a14:hiddenLine xmlns:a14="http://schemas.microsoft.com/office/drawing/2010/main" xmlns="" w="9525">
+                  <a14:hiddenLine xmlns="" xmlns:a14="http://schemas.microsoft.com/office/drawing/2010/main" w="9525">
                     <a:solidFill>
                       <a:srgbClr val="000000"/>
                     </a:solidFill>
@@ -11989,7 +11989,7 @@
               </a:ln>
               <a:extLst>
                 <a:ext uri="{91240B29-F687-4f45-9708-019B960494DF}">
-                  <a14:hiddenLine xmlns:a14="http://schemas.microsoft.com/office/drawing/2010/main" xmlns="" w="9525">
+                  <a14:hiddenLine xmlns="" xmlns:a14="http://schemas.microsoft.com/office/drawing/2010/main" w="9525">
                     <a:solidFill>
                       <a:srgbClr val="000000"/>
                     </a:solidFill>
@@ -12079,7 +12079,7 @@
               </a:ln>
               <a:extLst>
                 <a:ext uri="{91240B29-F687-4f45-9708-019B960494DF}">
-                  <a14:hiddenLine xmlns:a14="http://schemas.microsoft.com/office/drawing/2010/main" xmlns="" w="9525">
+                  <a14:hiddenLine xmlns="" xmlns:a14="http://schemas.microsoft.com/office/drawing/2010/main" w="9525">
                     <a:solidFill>
                       <a:srgbClr val="000000"/>
                     </a:solidFill>
@@ -12144,7 +12144,7 @@
               </a:ln>
               <a:extLst>
                 <a:ext uri="{91240B29-F687-4f45-9708-019B960494DF}">
-                  <a14:hiddenLine xmlns:a14="http://schemas.microsoft.com/office/drawing/2010/main" xmlns="" w="9525">
+                  <a14:hiddenLine xmlns="" xmlns:a14="http://schemas.microsoft.com/office/drawing/2010/main" w="9525">
                     <a:solidFill>
                       <a:srgbClr val="000000"/>
                     </a:solidFill>
@@ -12234,7 +12234,7 @@
               </a:ln>
               <a:extLst>
                 <a:ext uri="{91240B29-F687-4f45-9708-019B960494DF}">
-                  <a14:hiddenLine xmlns:a14="http://schemas.microsoft.com/office/drawing/2010/main" xmlns="" w="9525">
+                  <a14:hiddenLine xmlns="" xmlns:a14="http://schemas.microsoft.com/office/drawing/2010/main" w="9525">
                     <a:solidFill>
                       <a:srgbClr val="000000"/>
                     </a:solidFill>
@@ -12302,7 +12302,7 @@
               </a:ln>
               <a:extLst>
                 <a:ext uri="{91240B29-F687-4f45-9708-019B960494DF}">
-                  <a14:hiddenLine xmlns:a14="http://schemas.microsoft.com/office/drawing/2010/main" xmlns="" w="9525">
+                  <a14:hiddenLine xmlns="" xmlns:a14="http://schemas.microsoft.com/office/drawing/2010/main" w="9525">
                     <a:solidFill>
                       <a:srgbClr val="000000"/>
                     </a:solidFill>
@@ -12392,7 +12392,7 @@
               </a:ln>
               <a:extLst>
                 <a:ext uri="{91240B29-F687-4f45-9708-019B960494DF}">
-                  <a14:hiddenLine xmlns:a14="http://schemas.microsoft.com/office/drawing/2010/main" xmlns="" w="9525">
+                  <a14:hiddenLine xmlns="" xmlns:a14="http://schemas.microsoft.com/office/drawing/2010/main" w="9525">
                     <a:solidFill>
                       <a:srgbClr val="000000"/>
                     </a:solidFill>
@@ -12460,7 +12460,7 @@
               </a:ln>
               <a:extLst>
                 <a:ext uri="{91240B29-F687-4f45-9708-019B960494DF}">
-                  <a14:hiddenLine xmlns:a14="http://schemas.microsoft.com/office/drawing/2010/main" xmlns="" w="9525">
+                  <a14:hiddenLine xmlns="" xmlns:a14="http://schemas.microsoft.com/office/drawing/2010/main" w="9525">
                     <a:solidFill>
                       <a:srgbClr val="000000"/>
                     </a:solidFill>
@@ -12550,7 +12550,7 @@
               </a:ln>
               <a:extLst>
                 <a:ext uri="{91240B29-F687-4f45-9708-019B960494DF}">
-                  <a14:hiddenLine xmlns:a14="http://schemas.microsoft.com/office/drawing/2010/main" xmlns="" w="9525">
+                  <a14:hiddenLine xmlns="" xmlns:a14="http://schemas.microsoft.com/office/drawing/2010/main" w="9525">
                     <a:solidFill>
                       <a:srgbClr val="000000"/>
                     </a:solidFill>
@@ -12584,7 +12584,7 @@
               </a:ln>
               <a:extLst>
                 <a:ext uri="{91240B29-F687-4f45-9708-019B960494DF}">
-                  <a14:hiddenLine xmlns:a14="http://schemas.microsoft.com/office/drawing/2010/main" xmlns="" w="9525">
+                  <a14:hiddenLine xmlns="" xmlns:a14="http://schemas.microsoft.com/office/drawing/2010/main" w="9525">
                     <a:solidFill>
                       <a:srgbClr val="000000"/>
                     </a:solidFill>
@@ -12725,7 +12725,7 @@
             <a:fld id="{48A87A34-81AB-432B-8DAE-1953F412C126}" type="datetimeFigureOut">
               <a:rPr lang="en-US" dirty="0"/>
               <a:pPr/>
-              <a:t>10/3/2018</a:t>
+              <a:t>10/4/2018</a:t>
             </a:fld>
             <a:endParaRPr lang="en-US" dirty="0"/>
           </a:p>
@@ -14051,12 +14051,6 @@
               <a:t>Zuhause im Wohnzimmer</a:t>
             </a:r>
           </a:p>
-          <a:p>
-            <a:r>
-              <a:rPr lang="de-CH" dirty="0"/>
-              <a:t>Container mit Holzböden</a:t>
-            </a:r>
-          </a:p>
         </p:txBody>
       </p:sp>
     </p:spTree>
@@ -14117,8 +14111,8 @@
           </a:p>
         </p:txBody>
       </p:sp>
-      <mc:AlternateContent xmlns:mc="http://schemas.openxmlformats.org/markup-compatibility/2006">
-        <mc:Choice xmlns:a14="http://schemas.microsoft.com/office/drawing/2010/main" Requires="a14">
+      <mc:AlternateContent xmlns:mc="http://schemas.openxmlformats.org/markup-compatibility/2006" xmlns:a14="http://schemas.microsoft.com/office/drawing/2010/main">
+        <mc:Choice Requires="a14">
           <p:sp>
             <p:nvSpPr>
               <p:cNvPr id="3" name="Inhaltsplatzhalter 2">
@@ -14280,7 +14274,7 @@
             </p:txBody>
           </p:sp>
         </mc:Choice>
-        <mc:Fallback>
+        <mc:Fallback xmlns="">
           <p:sp>
             <p:nvSpPr>
               <p:cNvPr id="3" name="Inhaltsplatzhalter 2">
@@ -14464,7 +14458,7 @@
           </a:prstGeom>
           <a:extLst>
             <a:ext uri="{909E8E84-426E-40dd-AFC4-6F175D3DCCD1}">
-              <a14:hiddenFill xmlns="" xmlns:a16="http://schemas.microsoft.com/office/drawing/2014/main" xmlns:p14="http://schemas.microsoft.com/office/powerpoint/2010/main" xmlns:a14="http://schemas.microsoft.com/office/drawing/2010/main">
+              <a14:hiddenFill xmlns:a14="http://schemas.microsoft.com/office/drawing/2010/main" xmlns:p14="http://schemas.microsoft.com/office/powerpoint/2010/main" xmlns:a16="http://schemas.microsoft.com/office/drawing/2014/main" xmlns="">
                 <a:solidFill>
                   <a:srgbClr val="FFFFFF"/>
                 </a:solidFill>
@@ -14588,7 +14582,7 @@
           <a:noFill/>
           <a:extLst>
             <a:ext uri="{909E8E84-426E-40dd-AFC4-6F175D3DCCD1}">
-              <a14:hiddenFill xmlns="" xmlns:a16="http://schemas.microsoft.com/office/drawing/2014/main" xmlns:p14="http://schemas.microsoft.com/office/powerpoint/2010/main" xmlns:a14="http://schemas.microsoft.com/office/drawing/2010/main">
+              <a14:hiddenFill xmlns:a14="http://schemas.microsoft.com/office/drawing/2010/main" xmlns:p14="http://schemas.microsoft.com/office/powerpoint/2010/main" xmlns:a16="http://schemas.microsoft.com/office/drawing/2014/main" xmlns="">
                 <a:solidFill>
                   <a:srgbClr val="FFFFFF"/>
                 </a:solidFill>
@@ -14790,7 +14784,7 @@
             </a:ln>
             <a:extLst>
               <a:ext uri="{91240B29-F687-4f45-9708-019B960494DF}">
-                <a14:hiddenLine xmlns="" xmlns:a16="http://schemas.microsoft.com/office/drawing/2014/main" xmlns:p14="http://schemas.microsoft.com/office/powerpoint/2010/main" xmlns:a14="http://schemas.microsoft.com/office/drawing/2010/main" w="9525">
+                <a14:hiddenLine xmlns:a14="http://schemas.microsoft.com/office/drawing/2010/main" xmlns:p14="http://schemas.microsoft.com/office/powerpoint/2010/main" xmlns:a16="http://schemas.microsoft.com/office/drawing/2014/main" xmlns="" w="9525">
                   <a:solidFill>
                     <a:srgbClr val="000000"/>
                   </a:solidFill>
@@ -14895,7 +14889,7 @@
             </a:ln>
             <a:extLst>
               <a:ext uri="{91240B29-F687-4f45-9708-019B960494DF}">
-                <a14:hiddenLine xmlns="" xmlns:a16="http://schemas.microsoft.com/office/drawing/2014/main" xmlns:p14="http://schemas.microsoft.com/office/powerpoint/2010/main" xmlns:a14="http://schemas.microsoft.com/office/drawing/2010/main" w="9525">
+                <a14:hiddenLine xmlns:a14="http://schemas.microsoft.com/office/drawing/2010/main" xmlns:p14="http://schemas.microsoft.com/office/powerpoint/2010/main" xmlns:a16="http://schemas.microsoft.com/office/drawing/2014/main" xmlns="" w="9525">
                   <a:solidFill>
                     <a:srgbClr val="000000"/>
                   </a:solidFill>
@@ -15000,7 +14994,7 @@
             </a:ln>
             <a:extLst>
               <a:ext uri="{91240B29-F687-4f45-9708-019B960494DF}">
-                <a14:hiddenLine xmlns="" xmlns:a16="http://schemas.microsoft.com/office/drawing/2014/main" xmlns:p14="http://schemas.microsoft.com/office/powerpoint/2010/main" xmlns:a14="http://schemas.microsoft.com/office/drawing/2010/main" w="9525">
+                <a14:hiddenLine xmlns:a14="http://schemas.microsoft.com/office/drawing/2010/main" xmlns:p14="http://schemas.microsoft.com/office/powerpoint/2010/main" xmlns:a16="http://schemas.microsoft.com/office/drawing/2014/main" xmlns="" w="9525">
                   <a:solidFill>
                     <a:srgbClr val="000000"/>
                   </a:solidFill>
@@ -15077,7 +15071,7 @@
             </a:ln>
             <a:extLst>
               <a:ext uri="{91240B29-F687-4f45-9708-019B960494DF}">
-                <a14:hiddenLine xmlns="" xmlns:a16="http://schemas.microsoft.com/office/drawing/2014/main" xmlns:p14="http://schemas.microsoft.com/office/powerpoint/2010/main" xmlns:a14="http://schemas.microsoft.com/office/drawing/2010/main" w="9525">
+                <a14:hiddenLine xmlns:a14="http://schemas.microsoft.com/office/drawing/2010/main" xmlns:p14="http://schemas.microsoft.com/office/powerpoint/2010/main" xmlns:a16="http://schemas.microsoft.com/office/drawing/2014/main" xmlns="" w="9525">
                   <a:solidFill>
                     <a:srgbClr val="000000"/>
                   </a:solidFill>
@@ -15182,7 +15176,7 @@
             </a:ln>
             <a:extLst>
               <a:ext uri="{91240B29-F687-4f45-9708-019B960494DF}">
-                <a14:hiddenLine xmlns="" xmlns:a16="http://schemas.microsoft.com/office/drawing/2014/main" xmlns:p14="http://schemas.microsoft.com/office/powerpoint/2010/main" xmlns:a14="http://schemas.microsoft.com/office/drawing/2010/main" w="9525">
+                <a14:hiddenLine xmlns:a14="http://schemas.microsoft.com/office/drawing/2010/main" xmlns:p14="http://schemas.microsoft.com/office/powerpoint/2010/main" xmlns:a16="http://schemas.microsoft.com/office/drawing/2014/main" xmlns="" w="9525">
                   <a:solidFill>
                     <a:srgbClr val="000000"/>
                   </a:solidFill>
@@ -15259,7 +15253,7 @@
             </a:ln>
             <a:extLst>
               <a:ext uri="{91240B29-F687-4f45-9708-019B960494DF}">
-                <a14:hiddenLine xmlns="" xmlns:a16="http://schemas.microsoft.com/office/drawing/2014/main" xmlns:p14="http://schemas.microsoft.com/office/powerpoint/2010/main" xmlns:a14="http://schemas.microsoft.com/office/drawing/2010/main" w="9525">
+                <a14:hiddenLine xmlns:a14="http://schemas.microsoft.com/office/drawing/2010/main" xmlns:p14="http://schemas.microsoft.com/office/powerpoint/2010/main" xmlns:a16="http://schemas.microsoft.com/office/drawing/2014/main" xmlns="" w="9525">
                   <a:solidFill>
                     <a:srgbClr val="000000"/>
                   </a:solidFill>
@@ -15336,7 +15330,7 @@
             </a:ln>
             <a:extLst>
               <a:ext uri="{91240B29-F687-4f45-9708-019B960494DF}">
-                <a14:hiddenLine xmlns="" xmlns:a16="http://schemas.microsoft.com/office/drawing/2014/main" xmlns:p14="http://schemas.microsoft.com/office/powerpoint/2010/main" xmlns:a14="http://schemas.microsoft.com/office/drawing/2010/main" w="9525">
+                <a14:hiddenLine xmlns:a14="http://schemas.microsoft.com/office/drawing/2010/main" xmlns:p14="http://schemas.microsoft.com/office/powerpoint/2010/main" xmlns:a16="http://schemas.microsoft.com/office/drawing/2014/main" xmlns="" w="9525">
                   <a:solidFill>
                     <a:srgbClr val="000000"/>
                   </a:solidFill>
@@ -15441,7 +15435,7 @@
             </a:ln>
             <a:extLst>
               <a:ext uri="{91240B29-F687-4f45-9708-019B960494DF}">
-                <a14:hiddenLine xmlns="" xmlns:a16="http://schemas.microsoft.com/office/drawing/2014/main" xmlns:p14="http://schemas.microsoft.com/office/powerpoint/2010/main" xmlns:a14="http://schemas.microsoft.com/office/drawing/2010/main" w="9525">
+                <a14:hiddenLine xmlns:a14="http://schemas.microsoft.com/office/drawing/2010/main" xmlns:p14="http://schemas.microsoft.com/office/powerpoint/2010/main" xmlns:a16="http://schemas.microsoft.com/office/drawing/2014/main" xmlns="" w="9525">
                   <a:solidFill>
                     <a:srgbClr val="000000"/>
                   </a:solidFill>
@@ -15546,7 +15540,7 @@
             </a:ln>
             <a:extLst>
               <a:ext uri="{91240B29-F687-4f45-9708-019B960494DF}">
-                <a14:hiddenLine xmlns="" xmlns:a16="http://schemas.microsoft.com/office/drawing/2014/main" xmlns:p14="http://schemas.microsoft.com/office/powerpoint/2010/main" xmlns:a14="http://schemas.microsoft.com/office/drawing/2010/main" w="9525">
+                <a14:hiddenLine xmlns:a14="http://schemas.microsoft.com/office/drawing/2010/main" xmlns:p14="http://schemas.microsoft.com/office/powerpoint/2010/main" xmlns:a16="http://schemas.microsoft.com/office/drawing/2014/main" xmlns="" w="9525">
                   <a:solidFill>
                     <a:srgbClr val="000000"/>
                   </a:solidFill>
@@ -15623,7 +15617,7 @@
             </a:ln>
             <a:extLst>
               <a:ext uri="{91240B29-F687-4f45-9708-019B960494DF}">
-                <a14:hiddenLine xmlns="" xmlns:a16="http://schemas.microsoft.com/office/drawing/2014/main" xmlns:p14="http://schemas.microsoft.com/office/powerpoint/2010/main" xmlns:a14="http://schemas.microsoft.com/office/drawing/2010/main" w="9525">
+                <a14:hiddenLine xmlns:a14="http://schemas.microsoft.com/office/drawing/2010/main" xmlns:p14="http://schemas.microsoft.com/office/powerpoint/2010/main" xmlns:a16="http://schemas.microsoft.com/office/drawing/2014/main" xmlns="" w="9525">
                   <a:solidFill>
                     <a:srgbClr val="000000"/>
                   </a:solidFill>
@@ -15748,7 +15742,7 @@
             </a:ln>
             <a:extLst>
               <a:ext uri="{91240B29-F687-4f45-9708-019B960494DF}">
-                <a14:hiddenLine xmlns="" xmlns:a16="http://schemas.microsoft.com/office/drawing/2014/main" xmlns:p14="http://schemas.microsoft.com/office/powerpoint/2010/main" xmlns:a14="http://schemas.microsoft.com/office/drawing/2010/main" w="9525">
+                <a14:hiddenLine xmlns:a14="http://schemas.microsoft.com/office/drawing/2010/main" xmlns:p14="http://schemas.microsoft.com/office/powerpoint/2010/main" xmlns:a16="http://schemas.microsoft.com/office/drawing/2014/main" xmlns="" w="9525">
                   <a:solidFill>
                     <a:srgbClr val="000000"/>
                   </a:solidFill>
@@ -15862,7 +15856,7 @@
             </a:ln>
             <a:extLst>
               <a:ext uri="{91240B29-F687-4f45-9708-019B960494DF}">
-                <a14:hiddenLine xmlns="" xmlns:a16="http://schemas.microsoft.com/office/drawing/2014/main" xmlns:p14="http://schemas.microsoft.com/office/powerpoint/2010/main" xmlns:a14="http://schemas.microsoft.com/office/drawing/2010/main" w="9525">
+                <a14:hiddenLine xmlns:a14="http://schemas.microsoft.com/office/drawing/2010/main" xmlns:p14="http://schemas.microsoft.com/office/powerpoint/2010/main" xmlns:a16="http://schemas.microsoft.com/office/drawing/2014/main" xmlns="" w="9525">
                   <a:solidFill>
                     <a:srgbClr val="000000"/>
                   </a:solidFill>
@@ -15939,7 +15933,7 @@
             </a:ln>
             <a:extLst>
               <a:ext uri="{91240B29-F687-4f45-9708-019B960494DF}">
-                <a14:hiddenLine xmlns="" xmlns:a16="http://schemas.microsoft.com/office/drawing/2014/main" xmlns:p14="http://schemas.microsoft.com/office/powerpoint/2010/main" xmlns:a14="http://schemas.microsoft.com/office/drawing/2010/main" w="9525">
+                <a14:hiddenLine xmlns:a14="http://schemas.microsoft.com/office/drawing/2010/main" xmlns:p14="http://schemas.microsoft.com/office/powerpoint/2010/main" xmlns:a16="http://schemas.microsoft.com/office/drawing/2014/main" xmlns="" w="9525">
                   <a:solidFill>
                     <a:srgbClr val="000000"/>
                   </a:solidFill>
@@ -16016,7 +16010,7 @@
             </a:ln>
             <a:extLst>
               <a:ext uri="{91240B29-F687-4f45-9708-019B960494DF}">
-                <a14:hiddenLine xmlns="" xmlns:a16="http://schemas.microsoft.com/office/drawing/2014/main" xmlns:p14="http://schemas.microsoft.com/office/powerpoint/2010/main" xmlns:a14="http://schemas.microsoft.com/office/drawing/2010/main" w="9525">
+                <a14:hiddenLine xmlns:a14="http://schemas.microsoft.com/office/drawing/2010/main" xmlns:p14="http://schemas.microsoft.com/office/powerpoint/2010/main" xmlns:a16="http://schemas.microsoft.com/office/drawing/2014/main" xmlns="" w="9525">
                   <a:solidFill>
                     <a:srgbClr val="000000"/>
                   </a:solidFill>
@@ -16121,7 +16115,7 @@
             </a:ln>
             <a:extLst>
               <a:ext uri="{91240B29-F687-4f45-9708-019B960494DF}">
-                <a14:hiddenLine xmlns="" xmlns:a16="http://schemas.microsoft.com/office/drawing/2014/main" xmlns:p14="http://schemas.microsoft.com/office/powerpoint/2010/main" xmlns:a14="http://schemas.microsoft.com/office/drawing/2010/main" w="9525">
+                <a14:hiddenLine xmlns:a14="http://schemas.microsoft.com/office/drawing/2010/main" xmlns:p14="http://schemas.microsoft.com/office/powerpoint/2010/main" xmlns:a16="http://schemas.microsoft.com/office/drawing/2014/main" xmlns="" w="9525">
                   <a:solidFill>
                     <a:srgbClr val="000000"/>
                   </a:solidFill>
@@ -16170,7 +16164,7 @@
             </a:ln>
             <a:extLst>
               <a:ext uri="{91240B29-F687-4f45-9708-019B960494DF}">
-                <a14:hiddenLine xmlns="" xmlns:a16="http://schemas.microsoft.com/office/drawing/2014/main" xmlns:p14="http://schemas.microsoft.com/office/powerpoint/2010/main" xmlns:a14="http://schemas.microsoft.com/office/drawing/2010/main" w="9525">
+                <a14:hiddenLine xmlns:a14="http://schemas.microsoft.com/office/drawing/2010/main" xmlns:p14="http://schemas.microsoft.com/office/powerpoint/2010/main" xmlns:a16="http://schemas.microsoft.com/office/drawing/2014/main" xmlns="" w="9525">
                   <a:solidFill>
                     <a:srgbClr val="000000"/>
                   </a:solidFill>
@@ -16250,7 +16244,7 @@
             </a:ln>
             <a:extLst>
               <a:ext uri="{91240B29-F687-4f45-9708-019B960494DF}">
-                <a14:hiddenLine xmlns="" xmlns:a16="http://schemas.microsoft.com/office/drawing/2014/main" xmlns:p14="http://schemas.microsoft.com/office/powerpoint/2010/main" xmlns:a14="http://schemas.microsoft.com/office/drawing/2010/main" w="9525">
+                <a14:hiddenLine xmlns:a14="http://schemas.microsoft.com/office/drawing/2010/main" xmlns:p14="http://schemas.microsoft.com/office/powerpoint/2010/main" xmlns:a16="http://schemas.microsoft.com/office/drawing/2014/main" xmlns="" w="9525">
                   <a:solidFill>
                     <a:srgbClr val="000000"/>
                   </a:solidFill>
@@ -16355,7 +16349,7 @@
             </a:ln>
             <a:extLst>
               <a:ext uri="{91240B29-F687-4f45-9708-019B960494DF}">
-                <a14:hiddenLine xmlns="" xmlns:a16="http://schemas.microsoft.com/office/drawing/2014/main" xmlns:p14="http://schemas.microsoft.com/office/powerpoint/2010/main" xmlns:a14="http://schemas.microsoft.com/office/drawing/2010/main" w="9525">
+                <a14:hiddenLine xmlns:a14="http://schemas.microsoft.com/office/drawing/2010/main" xmlns:p14="http://schemas.microsoft.com/office/powerpoint/2010/main" xmlns:a16="http://schemas.microsoft.com/office/drawing/2014/main" xmlns="" w="9525">
                   <a:solidFill>
                     <a:srgbClr val="000000"/>
                   </a:solidFill>
@@ -16432,7 +16426,7 @@
             </a:ln>
             <a:extLst>
               <a:ext uri="{91240B29-F687-4f45-9708-019B960494DF}">
-                <a14:hiddenLine xmlns="" xmlns:a16="http://schemas.microsoft.com/office/drawing/2014/main" xmlns:p14="http://schemas.microsoft.com/office/powerpoint/2010/main" xmlns:a14="http://schemas.microsoft.com/office/drawing/2010/main" w="9525">
+                <a14:hiddenLine xmlns:a14="http://schemas.microsoft.com/office/drawing/2010/main" xmlns:p14="http://schemas.microsoft.com/office/powerpoint/2010/main" xmlns:a16="http://schemas.microsoft.com/office/drawing/2014/main" xmlns="" w="9525">
                   <a:solidFill>
                     <a:srgbClr val="000000"/>
                   </a:solidFill>
@@ -16537,7 +16531,7 @@
             </a:ln>
             <a:extLst>
               <a:ext uri="{91240B29-F687-4f45-9708-019B960494DF}">
-                <a14:hiddenLine xmlns="" xmlns:a16="http://schemas.microsoft.com/office/drawing/2014/main" xmlns:p14="http://schemas.microsoft.com/office/powerpoint/2010/main" xmlns:a14="http://schemas.microsoft.com/office/drawing/2010/main" w="9525">
+                <a14:hiddenLine xmlns:a14="http://schemas.microsoft.com/office/drawing/2010/main" xmlns:p14="http://schemas.microsoft.com/office/powerpoint/2010/main" xmlns:a16="http://schemas.microsoft.com/office/drawing/2014/main" xmlns="" w="9525">
                   <a:solidFill>
                     <a:srgbClr val="000000"/>
                   </a:solidFill>
@@ -16617,7 +16611,7 @@
             </a:ln>
             <a:extLst>
               <a:ext uri="{91240B29-F687-4f45-9708-019B960494DF}">
-                <a14:hiddenLine xmlns="" xmlns:a16="http://schemas.microsoft.com/office/drawing/2014/main" xmlns:p14="http://schemas.microsoft.com/office/powerpoint/2010/main" xmlns:a14="http://schemas.microsoft.com/office/drawing/2010/main" w="9525">
+                <a14:hiddenLine xmlns:a14="http://schemas.microsoft.com/office/drawing/2010/main" xmlns:p14="http://schemas.microsoft.com/office/powerpoint/2010/main" xmlns:a16="http://schemas.microsoft.com/office/drawing/2014/main" xmlns="" w="9525">
                   <a:solidFill>
                     <a:srgbClr val="000000"/>
                   </a:solidFill>
@@ -16694,7 +16688,7 @@
             </a:ln>
             <a:extLst>
               <a:ext uri="{91240B29-F687-4f45-9708-019B960494DF}">
-                <a14:hiddenLine xmlns="" xmlns:a16="http://schemas.microsoft.com/office/drawing/2014/main" xmlns:p14="http://schemas.microsoft.com/office/powerpoint/2010/main" xmlns:a14="http://schemas.microsoft.com/office/drawing/2010/main" w="9525">
+                <a14:hiddenLine xmlns:a14="http://schemas.microsoft.com/office/drawing/2010/main" xmlns:p14="http://schemas.microsoft.com/office/powerpoint/2010/main" xmlns:a16="http://schemas.microsoft.com/office/drawing/2014/main" xmlns="" w="9525">
                   <a:solidFill>
                     <a:srgbClr val="000000"/>
                   </a:solidFill>
@@ -16799,7 +16793,7 @@
             </a:ln>
             <a:extLst>
               <a:ext uri="{91240B29-F687-4f45-9708-019B960494DF}">
-                <a14:hiddenLine xmlns="" xmlns:a16="http://schemas.microsoft.com/office/drawing/2014/main" xmlns:p14="http://schemas.microsoft.com/office/powerpoint/2010/main" xmlns:a14="http://schemas.microsoft.com/office/drawing/2010/main" w="9525">
+                <a14:hiddenLine xmlns:a14="http://schemas.microsoft.com/office/drawing/2010/main" xmlns:p14="http://schemas.microsoft.com/office/powerpoint/2010/main" xmlns:a16="http://schemas.microsoft.com/office/drawing/2014/main" xmlns="" w="9525">
                   <a:solidFill>
                     <a:srgbClr val="000000"/>
                   </a:solidFill>
@@ -16904,7 +16898,7 @@
             </a:ln>
             <a:extLst>
               <a:ext uri="{91240B29-F687-4f45-9708-019B960494DF}">
-                <a14:hiddenLine xmlns="" xmlns:a16="http://schemas.microsoft.com/office/drawing/2014/main" xmlns:p14="http://schemas.microsoft.com/office/powerpoint/2010/main" xmlns:a14="http://schemas.microsoft.com/office/drawing/2010/main" w="9525">
+                <a14:hiddenLine xmlns:a14="http://schemas.microsoft.com/office/drawing/2010/main" xmlns:p14="http://schemas.microsoft.com/office/powerpoint/2010/main" xmlns:a16="http://schemas.microsoft.com/office/drawing/2014/main" xmlns="" w="9525">
                   <a:solidFill>
                     <a:srgbClr val="000000"/>
                   </a:solidFill>
@@ -16984,7 +16978,7 @@
             </a:ln>
             <a:extLst>
               <a:ext uri="{91240B29-F687-4f45-9708-019B960494DF}">
-                <a14:hiddenLine xmlns="" xmlns:a16="http://schemas.microsoft.com/office/drawing/2014/main" xmlns:p14="http://schemas.microsoft.com/office/powerpoint/2010/main" xmlns:a14="http://schemas.microsoft.com/office/drawing/2010/main" w="9525">
+                <a14:hiddenLine xmlns:a14="http://schemas.microsoft.com/office/drawing/2010/main" xmlns:p14="http://schemas.microsoft.com/office/powerpoint/2010/main" xmlns:a16="http://schemas.microsoft.com/office/drawing/2014/main" xmlns="" w="9525">
                   <a:solidFill>
                     <a:srgbClr val="000000"/>
                   </a:solidFill>
@@ -17119,7 +17113,7 @@
             </a:ln>
             <a:extLst>
               <a:ext uri="{91240B29-F687-4f45-9708-019B960494DF}">
-                <a14:hiddenLine xmlns="" xmlns:a16="http://schemas.microsoft.com/office/drawing/2014/main" xmlns:p14="http://schemas.microsoft.com/office/powerpoint/2010/main" xmlns:a14="http://schemas.microsoft.com/office/drawing/2010/main" w="9525">
+                <a14:hiddenLine xmlns:a14="http://schemas.microsoft.com/office/drawing/2010/main" xmlns:p14="http://schemas.microsoft.com/office/powerpoint/2010/main" xmlns:a16="http://schemas.microsoft.com/office/drawing/2014/main" xmlns="" w="9525">
                   <a:solidFill>
                     <a:srgbClr val="000000"/>
                   </a:solidFill>
@@ -17374,7 +17368,7 @@
           </a:prstGeom>
           <a:extLst>
             <a:ext uri="{909E8E84-426E-40dd-AFC4-6F175D3DCCD1}">
-              <a14:hiddenFill xmlns="" xmlns:a16="http://schemas.microsoft.com/office/drawing/2014/main" xmlns:p14="http://schemas.microsoft.com/office/powerpoint/2010/main" xmlns:a14="http://schemas.microsoft.com/office/drawing/2010/main">
+              <a14:hiddenFill xmlns:a14="http://schemas.microsoft.com/office/drawing/2010/main" xmlns:p14="http://schemas.microsoft.com/office/powerpoint/2010/main" xmlns:a16="http://schemas.microsoft.com/office/drawing/2014/main" xmlns="">
                 <a:solidFill>
                   <a:srgbClr val="FFFFFF"/>
                 </a:solidFill>
@@ -17498,7 +17492,7 @@
           <a:noFill/>
           <a:extLst>
             <a:ext uri="{909E8E84-426E-40dd-AFC4-6F175D3DCCD1}">
-              <a14:hiddenFill xmlns="" xmlns:a16="http://schemas.microsoft.com/office/drawing/2014/main" xmlns:p14="http://schemas.microsoft.com/office/powerpoint/2010/main" xmlns:a14="http://schemas.microsoft.com/office/drawing/2010/main">
+              <a14:hiddenFill xmlns:a14="http://schemas.microsoft.com/office/drawing/2010/main" xmlns:p14="http://schemas.microsoft.com/office/powerpoint/2010/main" xmlns:a16="http://schemas.microsoft.com/office/drawing/2014/main" xmlns="">
                 <a:solidFill>
                   <a:srgbClr val="FFFFFF"/>
                 </a:solidFill>
@@ -17705,7 +17699,7 @@
             </a:ln>
             <a:extLst>
               <a:ext uri="{91240B29-F687-4f45-9708-019B960494DF}">
-                <a14:hiddenLine xmlns="" xmlns:a16="http://schemas.microsoft.com/office/drawing/2014/main" xmlns:p14="http://schemas.microsoft.com/office/powerpoint/2010/main" xmlns:a14="http://schemas.microsoft.com/office/drawing/2010/main" w="9525">
+                <a14:hiddenLine xmlns:a14="http://schemas.microsoft.com/office/drawing/2010/main" xmlns:p14="http://schemas.microsoft.com/office/powerpoint/2010/main" xmlns:a16="http://schemas.microsoft.com/office/drawing/2014/main" xmlns="" w="9525">
                   <a:solidFill>
                     <a:srgbClr val="000000"/>
                   </a:solidFill>
@@ -17810,7 +17804,7 @@
             </a:ln>
             <a:extLst>
               <a:ext uri="{91240B29-F687-4f45-9708-019B960494DF}">
-                <a14:hiddenLine xmlns="" xmlns:a16="http://schemas.microsoft.com/office/drawing/2014/main" xmlns:p14="http://schemas.microsoft.com/office/powerpoint/2010/main" xmlns:a14="http://schemas.microsoft.com/office/drawing/2010/main" w="9525">
+                <a14:hiddenLine xmlns:a14="http://schemas.microsoft.com/office/drawing/2010/main" xmlns:p14="http://schemas.microsoft.com/office/powerpoint/2010/main" xmlns:a16="http://schemas.microsoft.com/office/drawing/2014/main" xmlns="" w="9525">
                   <a:solidFill>
                     <a:srgbClr val="000000"/>
                   </a:solidFill>
@@ -17915,7 +17909,7 @@
             </a:ln>
             <a:extLst>
               <a:ext uri="{91240B29-F687-4f45-9708-019B960494DF}">
-                <a14:hiddenLine xmlns="" xmlns:a16="http://schemas.microsoft.com/office/drawing/2014/main" xmlns:p14="http://schemas.microsoft.com/office/powerpoint/2010/main" xmlns:a14="http://schemas.microsoft.com/office/drawing/2010/main" w="9525">
+                <a14:hiddenLine xmlns:a14="http://schemas.microsoft.com/office/drawing/2010/main" xmlns:p14="http://schemas.microsoft.com/office/powerpoint/2010/main" xmlns:a16="http://schemas.microsoft.com/office/drawing/2014/main" xmlns="" w="9525">
                   <a:solidFill>
                     <a:srgbClr val="000000"/>
                   </a:solidFill>
@@ -17992,7 +17986,7 @@
             </a:ln>
             <a:extLst>
               <a:ext uri="{91240B29-F687-4f45-9708-019B960494DF}">
-                <a14:hiddenLine xmlns="" xmlns:a16="http://schemas.microsoft.com/office/drawing/2014/main" xmlns:p14="http://schemas.microsoft.com/office/powerpoint/2010/main" xmlns:a14="http://schemas.microsoft.com/office/drawing/2010/main" w="9525">
+                <a14:hiddenLine xmlns:a14="http://schemas.microsoft.com/office/drawing/2010/main" xmlns:p14="http://schemas.microsoft.com/office/powerpoint/2010/main" xmlns:a16="http://schemas.microsoft.com/office/drawing/2014/main" xmlns="" w="9525">
                   <a:solidFill>
                     <a:srgbClr val="000000"/>
                   </a:solidFill>
@@ -18097,7 +18091,7 @@
             </a:ln>
             <a:extLst>
               <a:ext uri="{91240B29-F687-4f45-9708-019B960494DF}">
-                <a14:hiddenLine xmlns="" xmlns:a16="http://schemas.microsoft.com/office/drawing/2014/main" xmlns:p14="http://schemas.microsoft.com/office/powerpoint/2010/main" xmlns:a14="http://schemas.microsoft.com/office/drawing/2010/main" w="9525">
+                <a14:hiddenLine xmlns:a14="http://schemas.microsoft.com/office/drawing/2010/main" xmlns:p14="http://schemas.microsoft.com/office/powerpoint/2010/main" xmlns:a16="http://schemas.microsoft.com/office/drawing/2014/main" xmlns="" w="9525">
                   <a:solidFill>
                     <a:srgbClr val="000000"/>
                   </a:solidFill>
@@ -18174,7 +18168,7 @@
             </a:ln>
             <a:extLst>
               <a:ext uri="{91240B29-F687-4f45-9708-019B960494DF}">
-                <a14:hiddenLine xmlns="" xmlns:a16="http://schemas.microsoft.com/office/drawing/2014/main" xmlns:p14="http://schemas.microsoft.com/office/powerpoint/2010/main" xmlns:a14="http://schemas.microsoft.com/office/drawing/2010/main" w="9525">
+                <a14:hiddenLine xmlns:a14="http://schemas.microsoft.com/office/drawing/2010/main" xmlns:p14="http://schemas.microsoft.com/office/powerpoint/2010/main" xmlns:a16="http://schemas.microsoft.com/office/drawing/2014/main" xmlns="" w="9525">
                   <a:solidFill>
                     <a:srgbClr val="000000"/>
                   </a:solidFill>
@@ -18251,7 +18245,7 @@
             </a:ln>
             <a:extLst>
               <a:ext uri="{91240B29-F687-4f45-9708-019B960494DF}">
-                <a14:hiddenLine xmlns="" xmlns:a16="http://schemas.microsoft.com/office/drawing/2014/main" xmlns:p14="http://schemas.microsoft.com/office/powerpoint/2010/main" xmlns:a14="http://schemas.microsoft.com/office/drawing/2010/main" w="9525">
+                <a14:hiddenLine xmlns:a14="http://schemas.microsoft.com/office/drawing/2010/main" xmlns:p14="http://schemas.microsoft.com/office/powerpoint/2010/main" xmlns:a16="http://schemas.microsoft.com/office/drawing/2014/main" xmlns="" w="9525">
                   <a:solidFill>
                     <a:srgbClr val="000000"/>
                   </a:solidFill>
@@ -18356,7 +18350,7 @@
             </a:ln>
             <a:extLst>
               <a:ext uri="{91240B29-F687-4f45-9708-019B960494DF}">
-                <a14:hiddenLine xmlns="" xmlns:a16="http://schemas.microsoft.com/office/drawing/2014/main" xmlns:p14="http://schemas.microsoft.com/office/powerpoint/2010/main" xmlns:a14="http://schemas.microsoft.com/office/drawing/2010/main" w="9525">
+                <a14:hiddenLine xmlns:a14="http://schemas.microsoft.com/office/drawing/2010/main" xmlns:p14="http://schemas.microsoft.com/office/powerpoint/2010/main" xmlns:a16="http://schemas.microsoft.com/office/drawing/2014/main" xmlns="" w="9525">
                   <a:solidFill>
                     <a:srgbClr val="000000"/>
                   </a:solidFill>
@@ -18461,7 +18455,7 @@
             </a:ln>
             <a:extLst>
               <a:ext uri="{91240B29-F687-4f45-9708-019B960494DF}">
-                <a14:hiddenLine xmlns="" xmlns:a16="http://schemas.microsoft.com/office/drawing/2014/main" xmlns:p14="http://schemas.microsoft.com/office/powerpoint/2010/main" xmlns:a14="http://schemas.microsoft.com/office/drawing/2010/main" w="9525">
+                <a14:hiddenLine xmlns:a14="http://schemas.microsoft.com/office/drawing/2010/main" xmlns:p14="http://schemas.microsoft.com/office/powerpoint/2010/main" xmlns:a16="http://schemas.microsoft.com/office/drawing/2014/main" xmlns="" w="9525">
                   <a:solidFill>
                     <a:srgbClr val="000000"/>
                   </a:solidFill>
@@ -18538,7 +18532,7 @@
             </a:ln>
             <a:extLst>
               <a:ext uri="{91240B29-F687-4f45-9708-019B960494DF}">
-                <a14:hiddenLine xmlns="" xmlns:a16="http://schemas.microsoft.com/office/drawing/2014/main" xmlns:p14="http://schemas.microsoft.com/office/powerpoint/2010/main" xmlns:a14="http://schemas.microsoft.com/office/drawing/2010/main" w="9525">
+                <a14:hiddenLine xmlns:a14="http://schemas.microsoft.com/office/drawing/2010/main" xmlns:p14="http://schemas.microsoft.com/office/powerpoint/2010/main" xmlns:a16="http://schemas.microsoft.com/office/drawing/2014/main" xmlns="" w="9525">
                   <a:solidFill>
                     <a:srgbClr val="000000"/>
                   </a:solidFill>
@@ -18663,7 +18657,7 @@
             </a:ln>
             <a:extLst>
               <a:ext uri="{91240B29-F687-4f45-9708-019B960494DF}">
-                <a14:hiddenLine xmlns="" xmlns:a16="http://schemas.microsoft.com/office/drawing/2014/main" xmlns:p14="http://schemas.microsoft.com/office/powerpoint/2010/main" xmlns:a14="http://schemas.microsoft.com/office/drawing/2010/main" w="9525">
+                <a14:hiddenLine xmlns:a14="http://schemas.microsoft.com/office/drawing/2010/main" xmlns:p14="http://schemas.microsoft.com/office/powerpoint/2010/main" xmlns:a16="http://schemas.microsoft.com/office/drawing/2014/main" xmlns="" w="9525">
                   <a:solidFill>
                     <a:srgbClr val="000000"/>
                   </a:solidFill>
@@ -18777,7 +18771,7 @@
             </a:ln>
             <a:extLst>
               <a:ext uri="{91240B29-F687-4f45-9708-019B960494DF}">
-                <a14:hiddenLine xmlns="" xmlns:a16="http://schemas.microsoft.com/office/drawing/2014/main" xmlns:p14="http://schemas.microsoft.com/office/powerpoint/2010/main" xmlns:a14="http://schemas.microsoft.com/office/drawing/2010/main" w="9525">
+                <a14:hiddenLine xmlns:a14="http://schemas.microsoft.com/office/drawing/2010/main" xmlns:p14="http://schemas.microsoft.com/office/powerpoint/2010/main" xmlns:a16="http://schemas.microsoft.com/office/drawing/2014/main" xmlns="" w="9525">
                   <a:solidFill>
                     <a:srgbClr val="000000"/>
                   </a:solidFill>
@@ -18854,7 +18848,7 @@
             </a:ln>
             <a:extLst>
               <a:ext uri="{91240B29-F687-4f45-9708-019B960494DF}">
-                <a14:hiddenLine xmlns="" xmlns:a16="http://schemas.microsoft.com/office/drawing/2014/main" xmlns:p14="http://schemas.microsoft.com/office/powerpoint/2010/main" xmlns:a14="http://schemas.microsoft.com/office/drawing/2010/main" w="9525">
+                <a14:hiddenLine xmlns:a14="http://schemas.microsoft.com/office/drawing/2010/main" xmlns:p14="http://schemas.microsoft.com/office/powerpoint/2010/main" xmlns:a16="http://schemas.microsoft.com/office/drawing/2014/main" xmlns="" w="9525">
                   <a:solidFill>
                     <a:srgbClr val="000000"/>
                   </a:solidFill>
@@ -18931,7 +18925,7 @@
             </a:ln>
             <a:extLst>
               <a:ext uri="{91240B29-F687-4f45-9708-019B960494DF}">
-                <a14:hiddenLine xmlns="" xmlns:a16="http://schemas.microsoft.com/office/drawing/2014/main" xmlns:p14="http://schemas.microsoft.com/office/powerpoint/2010/main" xmlns:a14="http://schemas.microsoft.com/office/drawing/2010/main" w="9525">
+                <a14:hiddenLine xmlns:a14="http://schemas.microsoft.com/office/drawing/2010/main" xmlns:p14="http://schemas.microsoft.com/office/powerpoint/2010/main" xmlns:a16="http://schemas.microsoft.com/office/drawing/2014/main" xmlns="" w="9525">
                   <a:solidFill>
                     <a:srgbClr val="000000"/>
                   </a:solidFill>
@@ -19036,7 +19030,7 @@
             </a:ln>
             <a:extLst>
               <a:ext uri="{91240B29-F687-4f45-9708-019B960494DF}">
-                <a14:hiddenLine xmlns="" xmlns:a16="http://schemas.microsoft.com/office/drawing/2014/main" xmlns:p14="http://schemas.microsoft.com/office/powerpoint/2010/main" xmlns:a14="http://schemas.microsoft.com/office/drawing/2010/main" w="9525">
+                <a14:hiddenLine xmlns:a14="http://schemas.microsoft.com/office/drawing/2010/main" xmlns:p14="http://schemas.microsoft.com/office/powerpoint/2010/main" xmlns:a16="http://schemas.microsoft.com/office/drawing/2014/main" xmlns="" w="9525">
                   <a:solidFill>
                     <a:srgbClr val="000000"/>
                   </a:solidFill>
@@ -19085,7 +19079,7 @@
             </a:ln>
             <a:extLst>
               <a:ext uri="{91240B29-F687-4f45-9708-019B960494DF}">
-                <a14:hiddenLine xmlns="" xmlns:a16="http://schemas.microsoft.com/office/drawing/2014/main" xmlns:p14="http://schemas.microsoft.com/office/powerpoint/2010/main" xmlns:a14="http://schemas.microsoft.com/office/drawing/2010/main" w="9525">
+                <a14:hiddenLine xmlns:a14="http://schemas.microsoft.com/office/drawing/2010/main" xmlns:p14="http://schemas.microsoft.com/office/powerpoint/2010/main" xmlns:a16="http://schemas.microsoft.com/office/drawing/2014/main" xmlns="" w="9525">
                   <a:solidFill>
                     <a:srgbClr val="000000"/>
                   </a:solidFill>
@@ -19165,7 +19159,7 @@
             </a:ln>
             <a:extLst>
               <a:ext uri="{91240B29-F687-4f45-9708-019B960494DF}">
-                <a14:hiddenLine xmlns="" xmlns:a16="http://schemas.microsoft.com/office/drawing/2014/main" xmlns:p14="http://schemas.microsoft.com/office/powerpoint/2010/main" xmlns:a14="http://schemas.microsoft.com/office/drawing/2010/main" w="9525">
+                <a14:hiddenLine xmlns:a14="http://schemas.microsoft.com/office/drawing/2010/main" xmlns:p14="http://schemas.microsoft.com/office/powerpoint/2010/main" xmlns:a16="http://schemas.microsoft.com/office/drawing/2014/main" xmlns="" w="9525">
                   <a:solidFill>
                     <a:srgbClr val="000000"/>
                   </a:solidFill>
@@ -19270,7 +19264,7 @@
             </a:ln>
             <a:extLst>
               <a:ext uri="{91240B29-F687-4f45-9708-019B960494DF}">
-                <a14:hiddenLine xmlns="" xmlns:a16="http://schemas.microsoft.com/office/drawing/2014/main" xmlns:p14="http://schemas.microsoft.com/office/powerpoint/2010/main" xmlns:a14="http://schemas.microsoft.com/office/drawing/2010/main" w="9525">
+                <a14:hiddenLine xmlns:a14="http://schemas.microsoft.com/office/drawing/2010/main" xmlns:p14="http://schemas.microsoft.com/office/powerpoint/2010/main" xmlns:a16="http://schemas.microsoft.com/office/drawing/2014/main" xmlns="" w="9525">
                   <a:solidFill>
                     <a:srgbClr val="000000"/>
                   </a:solidFill>
@@ -19347,7 +19341,7 @@
             </a:ln>
             <a:extLst>
               <a:ext uri="{91240B29-F687-4f45-9708-019B960494DF}">
-                <a14:hiddenLine xmlns="" xmlns:a16="http://schemas.microsoft.com/office/drawing/2014/main" xmlns:p14="http://schemas.microsoft.com/office/powerpoint/2010/main" xmlns:a14="http://schemas.microsoft.com/office/drawing/2010/main" w="9525">
+                <a14:hiddenLine xmlns:a14="http://schemas.microsoft.com/office/drawing/2010/main" xmlns:p14="http://schemas.microsoft.com/office/powerpoint/2010/main" xmlns:a16="http://schemas.microsoft.com/office/drawing/2014/main" xmlns="" w="9525">
                   <a:solidFill>
                     <a:srgbClr val="000000"/>
                   </a:solidFill>
@@ -19452,7 +19446,7 @@
             </a:ln>
             <a:extLst>
               <a:ext uri="{91240B29-F687-4f45-9708-019B960494DF}">
-                <a14:hiddenLine xmlns="" xmlns:a16="http://schemas.microsoft.com/office/drawing/2014/main" xmlns:p14="http://schemas.microsoft.com/office/powerpoint/2010/main" xmlns:a14="http://schemas.microsoft.com/office/drawing/2010/main" w="9525">
+                <a14:hiddenLine xmlns:a14="http://schemas.microsoft.com/office/drawing/2010/main" xmlns:p14="http://schemas.microsoft.com/office/powerpoint/2010/main" xmlns:a16="http://schemas.microsoft.com/office/drawing/2014/main" xmlns="" w="9525">
                   <a:solidFill>
                     <a:srgbClr val="000000"/>
                   </a:solidFill>
@@ -19532,7 +19526,7 @@
             </a:ln>
             <a:extLst>
               <a:ext uri="{91240B29-F687-4f45-9708-019B960494DF}">
-                <a14:hiddenLine xmlns="" xmlns:a16="http://schemas.microsoft.com/office/drawing/2014/main" xmlns:p14="http://schemas.microsoft.com/office/powerpoint/2010/main" xmlns:a14="http://schemas.microsoft.com/office/drawing/2010/main" w="9525">
+                <a14:hiddenLine xmlns:a14="http://schemas.microsoft.com/office/drawing/2010/main" xmlns:p14="http://schemas.microsoft.com/office/powerpoint/2010/main" xmlns:a16="http://schemas.microsoft.com/office/drawing/2014/main" xmlns="" w="9525">
                   <a:solidFill>
                     <a:srgbClr val="000000"/>
                   </a:solidFill>
@@ -19609,7 +19603,7 @@
             </a:ln>
             <a:extLst>
               <a:ext uri="{91240B29-F687-4f45-9708-019B960494DF}">
-                <a14:hiddenLine xmlns="" xmlns:a16="http://schemas.microsoft.com/office/drawing/2014/main" xmlns:p14="http://schemas.microsoft.com/office/powerpoint/2010/main" xmlns:a14="http://schemas.microsoft.com/office/drawing/2010/main" w="9525">
+                <a14:hiddenLine xmlns:a14="http://schemas.microsoft.com/office/drawing/2010/main" xmlns:p14="http://schemas.microsoft.com/office/powerpoint/2010/main" xmlns:a16="http://schemas.microsoft.com/office/drawing/2014/main" xmlns="" w="9525">
                   <a:solidFill>
                     <a:srgbClr val="000000"/>
                   </a:solidFill>
@@ -19714,7 +19708,7 @@
             </a:ln>
             <a:extLst>
               <a:ext uri="{91240B29-F687-4f45-9708-019B960494DF}">
-                <a14:hiddenLine xmlns="" xmlns:a16="http://schemas.microsoft.com/office/drawing/2014/main" xmlns:p14="http://schemas.microsoft.com/office/powerpoint/2010/main" xmlns:a14="http://schemas.microsoft.com/office/drawing/2010/main" w="9525">
+                <a14:hiddenLine xmlns:a14="http://schemas.microsoft.com/office/drawing/2010/main" xmlns:p14="http://schemas.microsoft.com/office/powerpoint/2010/main" xmlns:a16="http://schemas.microsoft.com/office/drawing/2014/main" xmlns="" w="9525">
                   <a:solidFill>
                     <a:srgbClr val="000000"/>
                   </a:solidFill>
@@ -19819,7 +19813,7 @@
             </a:ln>
             <a:extLst>
               <a:ext uri="{91240B29-F687-4f45-9708-019B960494DF}">
-                <a14:hiddenLine xmlns="" xmlns:a16="http://schemas.microsoft.com/office/drawing/2014/main" xmlns:p14="http://schemas.microsoft.com/office/powerpoint/2010/main" xmlns:a14="http://schemas.microsoft.com/office/drawing/2010/main" w="9525">
+                <a14:hiddenLine xmlns:a14="http://schemas.microsoft.com/office/drawing/2010/main" xmlns:p14="http://schemas.microsoft.com/office/powerpoint/2010/main" xmlns:a16="http://schemas.microsoft.com/office/drawing/2014/main" xmlns="" w="9525">
                   <a:solidFill>
                     <a:srgbClr val="000000"/>
                   </a:solidFill>
@@ -19899,7 +19893,7 @@
             </a:ln>
             <a:extLst>
               <a:ext uri="{91240B29-F687-4f45-9708-019B960494DF}">
-                <a14:hiddenLine xmlns="" xmlns:a16="http://schemas.microsoft.com/office/drawing/2014/main" xmlns:p14="http://schemas.microsoft.com/office/powerpoint/2010/main" xmlns:a14="http://schemas.microsoft.com/office/drawing/2010/main" w="9525">
+                <a14:hiddenLine xmlns:a14="http://schemas.microsoft.com/office/drawing/2010/main" xmlns:p14="http://schemas.microsoft.com/office/powerpoint/2010/main" xmlns:a16="http://schemas.microsoft.com/office/drawing/2014/main" xmlns="" w="9525">
                   <a:solidFill>
                     <a:srgbClr val="000000"/>
                   </a:solidFill>
@@ -20034,7 +20028,7 @@
             </a:ln>
             <a:extLst>
               <a:ext uri="{91240B29-F687-4f45-9708-019B960494DF}">
-                <a14:hiddenLine xmlns="" xmlns:a16="http://schemas.microsoft.com/office/drawing/2014/main" xmlns:p14="http://schemas.microsoft.com/office/powerpoint/2010/main" xmlns:a14="http://schemas.microsoft.com/office/drawing/2010/main" w="9525">
+                <a14:hiddenLine xmlns:a14="http://schemas.microsoft.com/office/drawing/2010/main" xmlns:p14="http://schemas.microsoft.com/office/powerpoint/2010/main" xmlns:a16="http://schemas.microsoft.com/office/drawing/2014/main" xmlns="" w="9525">
                   <a:solidFill>
                     <a:srgbClr val="000000"/>
                   </a:solidFill>
